--- a/Project Presentation.pptx
+++ b/Project Presentation.pptx
@@ -6,24 +6,27 @@
     <p:sldMasterId id="2147483660" r:id="rId2"/>
   </p:sldMasterIdLst>
   <p:notesMasterIdLst>
-    <p:notesMasterId r:id="rId18"/>
+    <p:notesMasterId r:id="rId21"/>
   </p:notesMasterIdLst>
   <p:sldIdLst>
     <p:sldId id="256" r:id="rId3"/>
     <p:sldId id="288" r:id="rId4"/>
     <p:sldId id="270" r:id="rId5"/>
     <p:sldId id="298" r:id="rId6"/>
-    <p:sldId id="271" r:id="rId7"/>
-    <p:sldId id="258" r:id="rId8"/>
-    <p:sldId id="273" r:id="rId9"/>
-    <p:sldId id="299" r:id="rId10"/>
-    <p:sldId id="272" r:id="rId11"/>
-    <p:sldId id="300" r:id="rId12"/>
-    <p:sldId id="274" r:id="rId13"/>
-    <p:sldId id="303" r:id="rId14"/>
-    <p:sldId id="302" r:id="rId15"/>
-    <p:sldId id="304" r:id="rId16"/>
-    <p:sldId id="305" r:id="rId17"/>
+    <p:sldId id="308" r:id="rId7"/>
+    <p:sldId id="271" r:id="rId8"/>
+    <p:sldId id="258" r:id="rId9"/>
+    <p:sldId id="273" r:id="rId10"/>
+    <p:sldId id="299" r:id="rId11"/>
+    <p:sldId id="306" r:id="rId12"/>
+    <p:sldId id="307" r:id="rId13"/>
+    <p:sldId id="272" r:id="rId14"/>
+    <p:sldId id="309" r:id="rId15"/>
+    <p:sldId id="300" r:id="rId16"/>
+    <p:sldId id="303" r:id="rId17"/>
+    <p:sldId id="302" r:id="rId18"/>
+    <p:sldId id="304" r:id="rId19"/>
+    <p:sldId id="305" r:id="rId20"/>
   </p:sldIdLst>
   <p:sldSz cx="12192000" cy="6858000"/>
   <p:notesSz cx="6858000" cy="9144000"/>
@@ -212,7 +215,7 @@
           <a:p>
             <a:fld id="{1F1BAD5C-F1F8-43FF-B1E4-442C6F91B49A}" type="datetimeFigureOut">
               <a:rPr lang="de-DE" smtClean="0"/>
-              <a:t>11.05.2022</a:t>
+              <a:t>12.05.2022</a:t>
             </a:fld>
             <a:endParaRPr lang="de-DE"/>
           </a:p>
@@ -370,7 +373,7 @@
           <a:p>
             <a:fld id="{5976870D-EDE0-4065-9108-FF08285B4E25}" type="slidenum">
               <a:rPr lang="de-DE" smtClean="0"/>
-              <a:t>‹#›</a:t>
+              <a:t>‹Nr.›</a:t>
             </a:fld>
             <a:endParaRPr lang="de-DE"/>
           </a:p>
@@ -628,7 +631,7 @@
           <a:p>
             <a:fld id="{5976870D-EDE0-4065-9108-FF08285B4E25}" type="slidenum">
               <a:rPr lang="de-DE" smtClean="0"/>
-              <a:t>14</a:t>
+              <a:t>17</a:t>
             </a:fld>
             <a:endParaRPr lang="de-DE"/>
           </a:p>
@@ -712,7 +715,7 @@
           <a:p>
             <a:fld id="{5976870D-EDE0-4065-9108-FF08285B4E25}" type="slidenum">
               <a:rPr lang="de-DE" smtClean="0"/>
-              <a:t>15</a:t>
+              <a:t>18</a:t>
             </a:fld>
             <a:endParaRPr lang="de-DE"/>
           </a:p>
@@ -883,7 +886,7 @@
           <a:p>
             <a:fld id="{C8735BCC-3E06-4614-A9C9-2FA5849F9F0F}" type="datetimeFigureOut">
               <a:rPr lang="de-DE" smtClean="0"/>
-              <a:t>11.05.2022</a:t>
+              <a:t>12.05.2022</a:t>
             </a:fld>
             <a:endParaRPr lang="de-DE"/>
           </a:p>
@@ -940,7 +943,7 @@
           <a:p>
             <a:fld id="{B82E1514-0941-4E58-8ADF-3E33D2A7C7AA}" type="slidenum">
               <a:rPr lang="de-DE" smtClean="0"/>
-              <a:t>‹#›</a:t>
+              <a:t>‹Nr.›</a:t>
             </a:fld>
             <a:endParaRPr lang="de-DE"/>
           </a:p>
@@ -1084,7 +1087,7 @@
           <a:p>
             <a:fld id="{C8735BCC-3E06-4614-A9C9-2FA5849F9F0F}" type="datetimeFigureOut">
               <a:rPr lang="de-DE" smtClean="0"/>
-              <a:t>11.05.2022</a:t>
+              <a:t>12.05.2022</a:t>
             </a:fld>
             <a:endParaRPr lang="de-DE"/>
           </a:p>
@@ -1138,7 +1141,7 @@
           <a:p>
             <a:fld id="{B82E1514-0941-4E58-8ADF-3E33D2A7C7AA}" type="slidenum">
               <a:rPr lang="de-DE" smtClean="0"/>
-              <a:t>‹#›</a:t>
+              <a:t>‹Nr.›</a:t>
             </a:fld>
             <a:endParaRPr lang="de-DE"/>
           </a:p>
@@ -1292,7 +1295,7 @@
           <a:p>
             <a:fld id="{C8735BCC-3E06-4614-A9C9-2FA5849F9F0F}" type="datetimeFigureOut">
               <a:rPr lang="de-DE" smtClean="0"/>
-              <a:t>11.05.2022</a:t>
+              <a:t>12.05.2022</a:t>
             </a:fld>
             <a:endParaRPr lang="de-DE"/>
           </a:p>
@@ -1346,7 +1349,7 @@
           <a:p>
             <a:fld id="{B82E1514-0941-4E58-8ADF-3E33D2A7C7AA}" type="slidenum">
               <a:rPr lang="de-DE" smtClean="0"/>
-              <a:t>‹#›</a:t>
+              <a:t>‹Nr.›</a:t>
             </a:fld>
             <a:endParaRPr lang="de-DE"/>
           </a:p>
@@ -1496,7 +1499,7 @@
           <a:p>
             <a:fld id="{C8735BCC-3E06-4614-A9C9-2FA5849F9F0F}" type="datetimeFigureOut">
               <a:rPr lang="de-DE" smtClean="0"/>
-              <a:t>11.05.2022</a:t>
+              <a:t>12.05.2022</a:t>
             </a:fld>
             <a:endParaRPr lang="de-DE"/>
           </a:p>
@@ -1538,7 +1541,7 @@
           <a:p>
             <a:fld id="{B82E1514-0941-4E58-8ADF-3E33D2A7C7AA}" type="slidenum">
               <a:rPr lang="de-DE" smtClean="0"/>
-              <a:t>‹#›</a:t>
+              <a:t>‹Nr.›</a:t>
             </a:fld>
             <a:endParaRPr lang="de-DE"/>
           </a:p>
@@ -1666,7 +1669,7 @@
           <a:p>
             <a:fld id="{C8735BCC-3E06-4614-A9C9-2FA5849F9F0F}" type="datetimeFigureOut">
               <a:rPr lang="de-DE" smtClean="0"/>
-              <a:t>11.05.2022</a:t>
+              <a:t>12.05.2022</a:t>
             </a:fld>
             <a:endParaRPr lang="de-DE"/>
           </a:p>
@@ -1708,7 +1711,7 @@
           <a:p>
             <a:fld id="{B82E1514-0941-4E58-8ADF-3E33D2A7C7AA}" type="slidenum">
               <a:rPr lang="de-DE" smtClean="0"/>
-              <a:t>‹#›</a:t>
+              <a:t>‹Nr.›</a:t>
             </a:fld>
             <a:endParaRPr lang="de-DE"/>
           </a:p>
@@ -1912,7 +1915,7 @@
           <a:p>
             <a:fld id="{C8735BCC-3E06-4614-A9C9-2FA5849F9F0F}" type="datetimeFigureOut">
               <a:rPr lang="de-DE" smtClean="0"/>
-              <a:t>11.05.2022</a:t>
+              <a:t>12.05.2022</a:t>
             </a:fld>
             <a:endParaRPr lang="de-DE"/>
           </a:p>
@@ -1954,7 +1957,7 @@
           <a:p>
             <a:fld id="{B82E1514-0941-4E58-8ADF-3E33D2A7C7AA}" type="slidenum">
               <a:rPr lang="de-DE" smtClean="0"/>
-              <a:t>‹#›</a:t>
+              <a:t>‹Nr.›</a:t>
             </a:fld>
             <a:endParaRPr lang="de-DE"/>
           </a:p>
@@ -2144,7 +2147,7 @@
           <a:p>
             <a:fld id="{C8735BCC-3E06-4614-A9C9-2FA5849F9F0F}" type="datetimeFigureOut">
               <a:rPr lang="de-DE" smtClean="0"/>
-              <a:t>11.05.2022</a:t>
+              <a:t>12.05.2022</a:t>
             </a:fld>
             <a:endParaRPr lang="de-DE"/>
           </a:p>
@@ -2186,7 +2189,7 @@
           <a:p>
             <a:fld id="{B82E1514-0941-4E58-8ADF-3E33D2A7C7AA}" type="slidenum">
               <a:rPr lang="de-DE" smtClean="0"/>
-              <a:t>‹#›</a:t>
+              <a:t>‹Nr.›</a:t>
             </a:fld>
             <a:endParaRPr lang="de-DE"/>
           </a:p>
@@ -2511,7 +2514,7 @@
           <a:p>
             <a:fld id="{C8735BCC-3E06-4614-A9C9-2FA5849F9F0F}" type="datetimeFigureOut">
               <a:rPr lang="de-DE" smtClean="0"/>
-              <a:t>11.05.2022</a:t>
+              <a:t>12.05.2022</a:t>
             </a:fld>
             <a:endParaRPr lang="de-DE"/>
           </a:p>
@@ -2553,7 +2556,7 @@
           <a:p>
             <a:fld id="{B82E1514-0941-4E58-8ADF-3E33D2A7C7AA}" type="slidenum">
               <a:rPr lang="de-DE" smtClean="0"/>
-              <a:t>‹#›</a:t>
+              <a:t>‹Nr.›</a:t>
             </a:fld>
             <a:endParaRPr lang="de-DE"/>
           </a:p>
@@ -2629,7 +2632,7 @@
           <a:p>
             <a:fld id="{C8735BCC-3E06-4614-A9C9-2FA5849F9F0F}" type="datetimeFigureOut">
               <a:rPr lang="de-DE" smtClean="0"/>
-              <a:t>11.05.2022</a:t>
+              <a:t>12.05.2022</a:t>
             </a:fld>
             <a:endParaRPr lang="de-DE"/>
           </a:p>
@@ -2671,7 +2674,7 @@
           <a:p>
             <a:fld id="{B82E1514-0941-4E58-8ADF-3E33D2A7C7AA}" type="slidenum">
               <a:rPr lang="de-DE" smtClean="0"/>
-              <a:t>‹#›</a:t>
+              <a:t>‹Nr.›</a:t>
             </a:fld>
             <a:endParaRPr lang="de-DE"/>
           </a:p>
@@ -2724,7 +2727,7 @@
           <a:p>
             <a:fld id="{C8735BCC-3E06-4614-A9C9-2FA5849F9F0F}" type="datetimeFigureOut">
               <a:rPr lang="de-DE" smtClean="0"/>
-              <a:t>11.05.2022</a:t>
+              <a:t>12.05.2022</a:t>
             </a:fld>
             <a:endParaRPr lang="de-DE"/>
           </a:p>
@@ -2766,7 +2769,7 @@
           <a:p>
             <a:fld id="{B82E1514-0941-4E58-8ADF-3E33D2A7C7AA}" type="slidenum">
               <a:rPr lang="de-DE" smtClean="0"/>
-              <a:t>‹#›</a:t>
+              <a:t>‹Nr.›</a:t>
             </a:fld>
             <a:endParaRPr lang="de-DE"/>
           </a:p>
@@ -3001,7 +3004,7 @@
           <a:p>
             <a:fld id="{C8735BCC-3E06-4614-A9C9-2FA5849F9F0F}" type="datetimeFigureOut">
               <a:rPr lang="de-DE" smtClean="0"/>
-              <a:t>11.05.2022</a:t>
+              <a:t>12.05.2022</a:t>
             </a:fld>
             <a:endParaRPr lang="de-DE"/>
           </a:p>
@@ -3043,7 +3046,7 @@
           <a:p>
             <a:fld id="{B82E1514-0941-4E58-8ADF-3E33D2A7C7AA}" type="slidenum">
               <a:rPr lang="de-DE" smtClean="0"/>
-              <a:t>‹#›</a:t>
+              <a:t>‹Nr.›</a:t>
             </a:fld>
             <a:endParaRPr lang="de-DE"/>
           </a:p>
@@ -3247,7 +3250,7 @@
             <a:fld id="{C8735BCC-3E06-4614-A9C9-2FA5849F9F0F}" type="datetimeFigureOut">
               <a:rPr lang="de-DE" smtClean="0"/>
               <a:pPr/>
-              <a:t>11.05.2022</a:t>
+              <a:t>12.05.2022</a:t>
             </a:fld>
             <a:endParaRPr lang="de-DE"/>
           </a:p>
@@ -3322,7 +3325,7 @@
             <a:fld id="{B82E1514-0941-4E58-8ADF-3E33D2A7C7AA}" type="slidenum">
               <a:rPr lang="de-DE" smtClean="0"/>
               <a:pPr/>
-              <a:t>‹#›</a:t>
+              <a:t>‹Nr.›</a:t>
             </a:fld>
             <a:endParaRPr lang="de-DE"/>
           </a:p>
@@ -3537,7 +3540,7 @@
           <a:p>
             <a:fld id="{C8735BCC-3E06-4614-A9C9-2FA5849F9F0F}" type="datetimeFigureOut">
               <a:rPr lang="de-DE" smtClean="0"/>
-              <a:t>11.05.2022</a:t>
+              <a:t>12.05.2022</a:t>
             </a:fld>
             <a:endParaRPr lang="de-DE"/>
           </a:p>
@@ -3579,7 +3582,7 @@
           <a:p>
             <a:fld id="{B82E1514-0941-4E58-8ADF-3E33D2A7C7AA}" type="slidenum">
               <a:rPr lang="de-DE" smtClean="0"/>
-              <a:t>‹#›</a:t>
+              <a:t>‹Nr.›</a:t>
             </a:fld>
             <a:endParaRPr lang="de-DE"/>
           </a:p>
@@ -3707,7 +3710,7 @@
           <a:p>
             <a:fld id="{C8735BCC-3E06-4614-A9C9-2FA5849F9F0F}" type="datetimeFigureOut">
               <a:rPr lang="de-DE" smtClean="0"/>
-              <a:t>11.05.2022</a:t>
+              <a:t>12.05.2022</a:t>
             </a:fld>
             <a:endParaRPr lang="de-DE"/>
           </a:p>
@@ -3749,7 +3752,7 @@
           <a:p>
             <a:fld id="{B82E1514-0941-4E58-8ADF-3E33D2A7C7AA}" type="slidenum">
               <a:rPr lang="de-DE" smtClean="0"/>
-              <a:t>‹#›</a:t>
+              <a:t>‹Nr.›</a:t>
             </a:fld>
             <a:endParaRPr lang="de-DE"/>
           </a:p>
@@ -3887,7 +3890,7 @@
           <a:p>
             <a:fld id="{C8735BCC-3E06-4614-A9C9-2FA5849F9F0F}" type="datetimeFigureOut">
               <a:rPr lang="de-DE" smtClean="0"/>
-              <a:t>11.05.2022</a:t>
+              <a:t>12.05.2022</a:t>
             </a:fld>
             <a:endParaRPr lang="de-DE"/>
           </a:p>
@@ -3929,7 +3932,7 @@
           <a:p>
             <a:fld id="{B82E1514-0941-4E58-8ADF-3E33D2A7C7AA}" type="slidenum">
               <a:rPr lang="de-DE" smtClean="0"/>
-              <a:t>‹#›</a:t>
+              <a:t>‹Nr.›</a:t>
             </a:fld>
             <a:endParaRPr lang="de-DE"/>
           </a:p>
@@ -4150,7 +4153,7 @@
           <a:p>
             <a:fld id="{C8735BCC-3E06-4614-A9C9-2FA5849F9F0F}" type="datetimeFigureOut">
               <a:rPr lang="de-DE" smtClean="0"/>
-              <a:t>11.05.2022</a:t>
+              <a:t>12.05.2022</a:t>
             </a:fld>
             <a:endParaRPr lang="de-DE"/>
           </a:p>
@@ -4207,7 +4210,7 @@
           <a:p>
             <a:fld id="{B82E1514-0941-4E58-8ADF-3E33D2A7C7AA}" type="slidenum">
               <a:rPr lang="de-DE" smtClean="0"/>
-              <a:t>‹#›</a:t>
+              <a:t>‹Nr.›</a:t>
             </a:fld>
             <a:endParaRPr lang="de-DE"/>
           </a:p>
@@ -4418,7 +4421,7 @@
           <a:p>
             <a:fld id="{C8735BCC-3E06-4614-A9C9-2FA5849F9F0F}" type="datetimeFigureOut">
               <a:rPr lang="de-DE" smtClean="0"/>
-              <a:t>11.05.2022</a:t>
+              <a:t>12.05.2022</a:t>
             </a:fld>
             <a:endParaRPr lang="de-DE"/>
           </a:p>
@@ -4475,7 +4478,7 @@
           <a:p>
             <a:fld id="{B82E1514-0941-4E58-8ADF-3E33D2A7C7AA}" type="slidenum">
               <a:rPr lang="de-DE" smtClean="0"/>
-              <a:t>‹#›</a:t>
+              <a:t>‹Nr.›</a:t>
             </a:fld>
             <a:endParaRPr lang="de-DE"/>
           </a:p>
@@ -4833,7 +4836,7 @@
           <a:p>
             <a:fld id="{C8735BCC-3E06-4614-A9C9-2FA5849F9F0F}" type="datetimeFigureOut">
               <a:rPr lang="de-DE" smtClean="0"/>
-              <a:t>11.05.2022</a:t>
+              <a:t>12.05.2022</a:t>
             </a:fld>
             <a:endParaRPr lang="de-DE"/>
           </a:p>
@@ -4887,7 +4890,7 @@
           <a:p>
             <a:fld id="{B82E1514-0941-4E58-8ADF-3E33D2A7C7AA}" type="slidenum">
               <a:rPr lang="de-DE" smtClean="0"/>
-              <a:t>‹#›</a:t>
+              <a:t>‹Nr.›</a:t>
             </a:fld>
             <a:endParaRPr lang="de-DE"/>
           </a:p>
@@ -4974,7 +4977,7 @@
           <a:p>
             <a:fld id="{C8735BCC-3E06-4614-A9C9-2FA5849F9F0F}" type="datetimeFigureOut">
               <a:rPr lang="de-DE" smtClean="0"/>
-              <a:t>11.05.2022</a:t>
+              <a:t>12.05.2022</a:t>
             </a:fld>
             <a:endParaRPr lang="de-DE"/>
           </a:p>
@@ -5028,7 +5031,7 @@
           <a:p>
             <a:fld id="{B82E1514-0941-4E58-8ADF-3E33D2A7C7AA}" type="slidenum">
               <a:rPr lang="de-DE" smtClean="0"/>
-              <a:t>‹#›</a:t>
+              <a:t>‹Nr.›</a:t>
             </a:fld>
             <a:endParaRPr lang="de-DE"/>
           </a:p>
@@ -5087,7 +5090,7 @@
           <a:p>
             <a:fld id="{C8735BCC-3E06-4614-A9C9-2FA5849F9F0F}" type="datetimeFigureOut">
               <a:rPr lang="de-DE" smtClean="0"/>
-              <a:t>11.05.2022</a:t>
+              <a:t>12.05.2022</a:t>
             </a:fld>
             <a:endParaRPr lang="de-DE"/>
           </a:p>
@@ -5141,7 +5144,7 @@
           <a:p>
             <a:fld id="{B82E1514-0941-4E58-8ADF-3E33D2A7C7AA}" type="slidenum">
               <a:rPr lang="de-DE" smtClean="0"/>
-              <a:t>‹#›</a:t>
+              <a:t>‹Nr.›</a:t>
             </a:fld>
             <a:endParaRPr lang="de-DE"/>
           </a:p>
@@ -5398,7 +5401,7 @@
           <a:p>
             <a:fld id="{C8735BCC-3E06-4614-A9C9-2FA5849F9F0F}" type="datetimeFigureOut">
               <a:rPr lang="de-DE" smtClean="0"/>
-              <a:t>11.05.2022</a:t>
+              <a:t>12.05.2022</a:t>
             </a:fld>
             <a:endParaRPr lang="de-DE"/>
           </a:p>
@@ -5452,7 +5455,7 @@
           <a:p>
             <a:fld id="{B82E1514-0941-4E58-8ADF-3E33D2A7C7AA}" type="slidenum">
               <a:rPr lang="de-DE" smtClean="0"/>
-              <a:t>‹#›</a:t>
+              <a:t>‹Nr.›</a:t>
             </a:fld>
             <a:endParaRPr lang="de-DE"/>
           </a:p>
@@ -5686,7 +5689,7 @@
           <a:p>
             <a:fld id="{C8735BCC-3E06-4614-A9C9-2FA5849F9F0F}" type="datetimeFigureOut">
               <a:rPr lang="de-DE" smtClean="0"/>
-              <a:t>11.05.2022</a:t>
+              <a:t>12.05.2022</a:t>
             </a:fld>
             <a:endParaRPr lang="de-DE"/>
           </a:p>
@@ -5740,7 +5743,7 @@
           <a:p>
             <a:fld id="{B82E1514-0941-4E58-8ADF-3E33D2A7C7AA}" type="slidenum">
               <a:rPr lang="de-DE" smtClean="0"/>
-              <a:t>‹#›</a:t>
+              <a:t>‹Nr.›</a:t>
             </a:fld>
             <a:endParaRPr lang="de-DE"/>
           </a:p>
@@ -5927,7 +5930,7 @@
           <a:p>
             <a:fld id="{C8735BCC-3E06-4614-A9C9-2FA5849F9F0F}" type="datetimeFigureOut">
               <a:rPr lang="de-DE" smtClean="0"/>
-              <a:t>11.05.2022</a:t>
+              <a:t>12.05.2022</a:t>
             </a:fld>
             <a:endParaRPr lang="de-DE"/>
           </a:p>
@@ -6017,7 +6020,7 @@
           <a:p>
             <a:fld id="{B82E1514-0941-4E58-8ADF-3E33D2A7C7AA}" type="slidenum">
               <a:rPr lang="de-DE" smtClean="0"/>
-              <a:t>‹#›</a:t>
+              <a:t>‹Nr.›</a:t>
             </a:fld>
             <a:endParaRPr lang="de-DE"/>
           </a:p>
@@ -6479,7 +6482,7 @@
           <a:p>
             <a:fld id="{C8735BCC-3E06-4614-A9C9-2FA5849F9F0F}" type="datetimeFigureOut">
               <a:rPr lang="de-DE" smtClean="0"/>
-              <a:t>11.05.2022</a:t>
+              <a:t>12.05.2022</a:t>
             </a:fld>
             <a:endParaRPr lang="de-DE"/>
           </a:p>
@@ -6557,7 +6560,7 @@
           <a:p>
             <a:fld id="{B82E1514-0941-4E58-8ADF-3E33D2A7C7AA}" type="slidenum">
               <a:rPr lang="de-DE" smtClean="0"/>
-              <a:t>‹#›</a:t>
+              <a:t>‹Nr.›</a:t>
             </a:fld>
             <a:endParaRPr lang="de-DE"/>
           </a:p>
@@ -6900,14 +6903,19 @@
             <p:ph type="ctrTitle"/>
           </p:nvPr>
         </p:nvSpPr>
-        <p:spPr/>
-        <p:txBody>
-          <a:bodyPr/>
-          <a:lstStyle/>
-          <a:p>
-            <a:r>
-              <a:rPr lang="en-US"/>
-              <a:t>Deployment of a Docker-based application in the cloud</a:t>
+        <p:spPr>
+          <a:xfrm>
+            <a:off x="897832" y="868362"/>
+            <a:ext cx="10396331" cy="2387600"/>
+          </a:xfrm>
+        </p:spPr>
+        <p:txBody>
+          <a:bodyPr/>
+          <a:lstStyle/>
+          <a:p>
+            <a:r>
+              <a:rPr lang="en-US" dirty="0"/>
+              <a:t>Docker Compose App in the Cloud</a:t>
             </a:r>
             <a:endParaRPr lang="de-DE" dirty="0"/>
           </a:p>
@@ -6929,33 +6937,99 @@
             <p:ph type="subTitle" idx="1"/>
           </p:nvPr>
         </p:nvSpPr>
-        <p:spPr/>
+        <p:spPr>
+          <a:xfrm>
+            <a:off x="1523997" y="3121709"/>
+            <a:ext cx="9144000" cy="1655762"/>
+          </a:xfrm>
+        </p:spPr>
         <p:txBody>
           <a:bodyPr>
-            <a:normAutofit lnSpcReduction="10000"/>
+            <a:normAutofit/>
           </a:bodyPr>
           <a:lstStyle/>
           <a:p>
-            <a:endParaRPr lang="de-DE"/>
-          </a:p>
-          <a:p>
-            <a:r>
-              <a:rPr lang="de-DE"/>
-              <a:t>Cloud Computing project 2022</a:t>
-            </a:r>
-          </a:p>
-          <a:p>
-            <a:endParaRPr lang="de-DE"/>
-          </a:p>
-          <a:p>
-            <a:r>
-              <a:rPr lang="sv-SE"/>
+            <a:endParaRPr lang="sv-SE" dirty="0"/>
+          </a:p>
+          <a:p>
+            <a:r>
+              <a:rPr lang="sv-SE" dirty="0"/>
               <a:t>Greta Piliponytė, Jana Karas, Jördis Krieger</a:t>
             </a:r>
             <a:endParaRPr lang="de-DE" dirty="0"/>
           </a:p>
         </p:txBody>
       </p:sp>
+      <p:pic>
+        <p:nvPicPr>
+          <p:cNvPr id="1028" name="Picture 4" descr="data:image/png;base64,iVBORw0KGgoAAAANSUhEUgAAAPMAAADQCAMAAADlEKeVAAAAbFBMVEX///8kl+0AjuwAkOz8//8XlO2/3PkAkuwble0Ajey72fjb6/uZyPV5ufKUxvXn8fy01ffv9/7n8vymz/aHv/P1+v52t/LK4vrV6PvX6fsvm+5irvGQw/RSp/BCoe+jzfZfrPA6n+5Lpe9ssvFIIBcuAAAOgUlEQVR4nO1da4OqLBBOiMAum+attSyt//8fXy+AyCXtvCrubs/5co6H1McZhmEYhtXKHq7E6YI8Lb7NPHAdGe7J9jtNDaBwhkfb7zQ1NJz/opz/Iue/qNt/kfNHt38hPpz/rG7/Rc5/Ubf/Iudfr9vqvOr3y9nBMty17XeaGr4n49eL+YMfjLWEl5flqz+yN++QbJVgUl4+Q/ky2pWXD/JlmNkm8A/YY3n0QXF5+YDky/i60sYAf6AR2yvk0GGl44y+Vr/FD/vfnH+gHzYf58ifjsV7mE+3n+59OhpvYTY5b6ED0/OETIZjLs5RPT6A65RchmIu3Y6bG8JsAV7MTJx3bGRHRTQpnyGYSbdzvohLUuuk55HzTvghSW2r9zycO7dDtn30WXQ7gt3fhBOT6sEsnD1pIgOSiVm9hoazfl5Vc/7HGGAmpaEQZ2JWr+G5UAKoyO2Vy65XXnbkqxgMsMKRoh7Yrm+SbCVs6ssb+XKtjr58dTtEtTfKHN0Bi5lwTIRQzrAqe4plMzY5HipnB9sepCeGYg8rzt4cT764oAs3L6/uIJBR9dxEbgzgd3k5Vi4/qlvflFsfhAf7UMOZzOGYqMazNiTDY4D6sarKA9ypt8bCk791nJ0hBv9/c1afDP1xfM+demskPDlRzXb1VTY/l/Opl7NmqKpazDBE25OznjPJ/cTbh/Hz8ozDvXeeQtXn5Sz2Z71uOwRijAgihCCEMIRFOLoXbk+39TZMBYI4HNc9s6fb2rHKQBuEY/oq9jhrfRITcDriYpBFzvJU8jXc8bq1vf68+npH0A5cPucBcj4P79DjxhMscl6RN5R7TF/Fom6vrm8oNxxxuLIp55P6OxNGjRppOAM95xcxwH/kzFar+jFydFCJ38HKQdyqwb59efmujwGmagxwXU1TsXy96D57sFsychTY38ioe85Zvto8NdFejvT3OCmX5RlDOEzQ+PeEyZJsGGWU237TcRBtDgQOG6vQY5xHKol7syHyvzf3OIXlhHEQYwePEiILlODcnChNGRrKtwSMx6D8eMfnswwERwn+5m+59lZBYD6K+5UMd34sA8HHSMOyZpVogSAIgudoaWOXJXMmdegPY+DE2xGjQfmCOZNLnl/ia5CMvCS7YM7o0P/6/4QF63a93jcFnssdqor+t/83qFPgpWAc90OH5Y5V0+UYvBdhnRETrkgG+qUx+5gwZ2i7UM5owrJMhiVQ6wC76ThropFLwKTJM5rg7hIw4nKUBou022SkmJcBN9v8dJhWzIt0PicWs2ZZxj4mFvNqszwjRvJpKa9Oy+M85djcYHGc0Sgh7Jd4L3dlBoy5nm7AO8v7cwDvJ6e8OI87nZ7y0rzPeXZVLcoTm8GAVVhShyZonl0nbyWjTQwwQ15+jeXIeSbNXr2RozQ95qK8Spai3GCqlQsNFiJnOGdpkoF5WRMDXWakPHgvxLSYwwETsAS3ZO46TJ59Qc+/k9/6PAPMsgO2A9tRMTjDBFKG5cmVnbocVicaeKrMkddYW+zReDYvW0JgTbuhHSlXSG1Rtph1f7aT+Wm3/p+NKSWBcwUJDLBAGc04e9Ridu3GN+vV4Fb3eW03sGewBVxm7NLWuzLDbTbSMFtK0ah1Os+KHYGBbaotojlIk+UIuUZUTK7e2NnaZikjm3a6geqyekvDYcJxGsHDotSaY4sn0m/kxoutMu/nAzepvgNSynjRNea3zsi9mmC0t+9p9uCOR2SNQLY4W61FkI6i4aVOp/vFdmMFycXF/492Sdi52p4wvonIyyB8Y092lzCGj/3kSX1TINoeHPju6EUQBkWoVKb4STh6hwIOKjpASrYYoss++cl8Gdbf3vVS11vBqC5B0Fa/d1i5PgjTLBx9I6t1nM6b4Ct85o+0dCSB65ZfIC0e+TP8CjbnRfscH3zwwQcffPDBBx988MEHH3zwwTAEt/Qy5Zmdpzi9LeUkVIoYEkLc6RIcjhA5Dpx1w0EfmvNnCJnsAc0mY8unynVBKw1NtyWgOepnjtNbBoNxnmpVZd2sYpMlFVH+cB4fH87LwIfz+PhwXgY+nMfHh/My8OE8Pj6cLcHf7XantuTJa87+sWw8NCOkanyUG/dwXn8bJnT+8XgyFmZZ77qvW3PSv+Z6cyhAcwhP+vSabA8z5yR80MO8yTPom2qerw9Y3xrg/C7e6zXnqwvdh/yyp+CZ1scGAXS563Ks9tWvfJkTQN0nVzgecJvqRBCGdTl+A+foitp8MEIwyF5EUtZ7R0geIwjc2gzHV5zPafVw1K2wvckAT0wiBMFC2b4QVLdEqcLJKV/zIn7AdQzk3C4E8pOB815JgCPwZgqaBVjOEiQ4ZXGRF5xZgri48+ZcKImWkEib3+kbe6tIwwm3yUoJ0mWzEeB5SOW8S7V5ra5WP/2btjGIezgnDnsj1Gbsa/PkpX0bftMG3Te6hMy2qvEXMKSxYboPVuS8UU9upo01G94SUwIsKvwXnEu147/DTHsj/ecr7yVuLqRnepHUsPWNfb7enXEC58BEuXy2I6e5bU0fkx2dpue8EdWO1dg+mY8cJEKlKXaOmaFxqlKuchI1yYstZ0+kLDcmTlfSHZWozu0QDyeq5afjHF0E5UCE2glfpEykewmBU/XsNpETPb2s3f9IMMzCwAuuOZZ+yDknLQsEb+HdC/ZP1L4i6ZSJEUpYlwb2UDWOHd4YhXrOnpgpCw50FBb2sRGM8us9+Ho6sG3Jy33KnDHMryWnrxyVvGFa367d54qdgIlpvS06fYdxjrhdQPjKB+Uka4kIVQfWAuOQK8qZ7eKobZPC2c+Fd8YOHwzaTZow5zL9Fro966hdzrDwuOuyiXO6YNJ+qW6MuVO6gHHmZzrBZ0eLE8L+Q4jO8+3h8NLp59Qku0cN50C0eaCV/pa9DUo7Y+Ix4/8RazjrNx/uqTwJlsfXk2AGKGdeQwzI91o/GEGu3VyBgLwctc4BxvWBixLnk3g0GE4FJ4v1XahU0L/yd/qWORNH6zJHTIWh6sX5ipwLdnvNVhFGGjMXgZV+Vb5PieRO3dUO570gZALEojNMMrqCHcwe0aLFopz12dJ3ejNtYecj/3nDmYkZavf1sbZU0Dsq5tfnPAqcd4Uo5EdHRNRm6wvoHygHcOxyNlUxpj6Hoawg79MNZ9ZBb9rGTJfpqTusxNrrA2lazlfBHBGpGBwrhY31gqPqVw8ELWdTeVsmSWiYELJyJA1n1tjgWdNi7HS9jVqDnsrgjPNF9LGUTcD0vB1kYEH1r/FyWp/E8EiveZLxECiPqX7FmZb4NNZ0Z8Nx/f/sa/acO0Q5d7wmrFTMYt/PNGOm1dzq1VPGGZsW8qkCmiTHK0nVnOkcCxs3n1Mdg9XfqToan0yxVmYNpFCY0WmDc9t6Wmyf9JtsBM7GYtX0MC5sfCdqfGvOofB3LUJhEkZrjWmGgx7OGjHzGrLYAKolte77fQpWkJfa2uXJvqaxMe0JuOrCtAuCnsq6Gs5q0sEWqo10qLso5Wwu9krVyXxUzl0QXSNzYq68SIt01yrGbPxrylrOinJ4hjmkwjkWOBszF4S2eohxkl7OVAdh5bE0RvxFY5VzO7dA3b449CipOiDAOBvr6DVj0Qs5s25ZWUR6+qA5n4bKGQtyRsbGMufS1eTHlZK00yUGy/kqcDbWQ7g1NMwDCu2W9fgd93XRQOjP1J6Bnkgw51zPcDz2L9RxewaezkFqU93LmZkl45ux2FD1d1oN0Hy6YSx0/rvAfwDnounCez5LEjPGuN1WjpEXAZo5SS9netAcNkVqT6IbwhwY492QYNipnqOeBQp5LsljNmItPOYl3I67F6DT+V7OVGuM56hQ0TZvfhJdPN3NGprNRICF4no6tBIz4LEBsZhnQS8NyVLr5cy+oKGmddSddTEX0FBNlb4ZtZjUHzR7bTXU2BAv4CQUbaXGYVCB9V7OzM8i+qkSG2SpsKjUCdZ2/6AzpeOzVH1jBpVzG/hyuS1gHRoMSLbt58xnabp+x4oSs055pAYH6aaxbIbB5rgR6P5bD00M0Ocxt9Y3oSrkONoxo7Na18+5nS2qkwE+XHJ3nR3dpQlXHHn0hkmHHbiqORAxuj/Ds4mzEC4l7MFshNbp4xVAcQllAGc+9ikVNAM+WPL/ObFIL5aTj/nZMK1YeXVfnEnSOVdhV3dv4rzS+CZM0KiQ7Ng6r54sWPkBnNtQJr6JhuwkxFzbqzzghhxxeIsOPMghrnjwxki0euuwaayNezZofRM2++EBRSmEwpa1XO6tDuEctcsBMNs2P42SZxupcUXDceMLsPDGVp3PYespd4KrGbtMcBrQb7G7ssbGdYyV6Jvk9MqV+5/YYbVbou0Dyj1qEOfVuV2aIBCm+fNSiEU3umFLXwhoYOhkz8sNC6sJ3Y4u1tDDkGSX5wO1jetwgmldUvVNuD7WFVyyOK4qRfD7A65egzivNuJ8rjoRXvinA6U52RG/aCx38+4ak9TY/X7BWfBNmC7fOvfqrFaJtm0Y59XGNa74AWVKdjSXH1ED7r6DTI1x3di85s4XCVwmwodxekVQa9lkzkn4pfUQvon+1QjUBO/9Qv9sAjTT9Ehcmeg0bliaOfOO0YbUnob5FS4EVhJn7+u8y7Wko4vmdgTf9KGvULeqjB39FEq7no8QM/t0P4bGJfLZ+N6qmgc1siHdBIfI7fwqP14vR0P8YCOXxCKYGF3lXSY/HOvXNiocczmtA4GQj9iN86ut1krDxeK44cdA6loIZlIkqaivs6BafjrEJ2PMJLnUpYLqPwiC7OW5DN9xaa4RaRpjUNxfedW7A2oa13WGYCqWgttV6Tgw1/7uXNkZ2PX5TiHho0p1s1hxwctfkda0BHv/nL+o8hMl+zgr0iJ7fm36iwGdg0N+S4vH87rtzxJsGqe3Z+hJjY/P4mEKgu+eaaYq23dwyEphpo94n+j87115x/ZXm/DaeeJ/sWToJRlk4p8AAAAASUVORK5CYII=">
+            <a:extLst>
+              <a:ext uri="{FF2B5EF4-FFF2-40B4-BE49-F238E27FC236}">
+                <a16:creationId xmlns:a16="http://schemas.microsoft.com/office/drawing/2014/main" id="{9223A398-C879-076B-AE61-94FB2F235974}"/>
+              </a:ext>
+            </a:extLst>
+          </p:cNvPr>
+          <p:cNvPicPr>
+            <a:picLocks noChangeAspect="1" noChangeArrowheads="1"/>
+          </p:cNvPicPr>
+          <p:nvPr/>
+        </p:nvPicPr>
+        <p:blipFill rotWithShape="1">
+          <a:blip r:embed="rId2">
+            <a:extLst>
+              <a:ext uri="{BEBA8EAE-BF5A-486C-A8C5-ECC9F3942E4B}">
+                <a14:imgProps xmlns:a14="http://schemas.microsoft.com/office/drawing/2010/main">
+                  <a14:imgLayer r:embed="rId3">
+                    <a14:imgEffect>
+                      <a14:backgroundRemoval t="2885" b="62019" l="9877" r="90535">
+                        <a14:foregroundMark x1="26337" y1="21635" x2="26337" y2="21635"/>
+                        <a14:foregroundMark x1="37449" y1="24038" x2="37449" y2="24038"/>
+                        <a14:foregroundMark x1="37037" y1="14423" x2="37037" y2="14423"/>
+                        <a14:foregroundMark x1="45267" y1="25962" x2="45267" y2="25962"/>
+                        <a14:foregroundMark x1="46502" y1="14423" x2="46502" y2="14423"/>
+                        <a14:foregroundMark x1="52263" y1="25000" x2="52263" y2="25000"/>
+                        <a14:foregroundMark x1="61317" y1="25962" x2="61317" y2="25962"/>
+                        <a14:foregroundMark x1="54321" y1="13462" x2="54321" y2="13462"/>
+                        <a14:foregroundMark x1="53909" y1="6731" x2="53909" y2="6731"/>
+                        <a14:foregroundMark x1="53909" y1="2885" x2="53909" y2="2885"/>
+                        <a14:foregroundMark x1="90535" y1="25962" x2="90535" y2="25962"/>
+                        <a14:foregroundMark x1="42387" y1="62019" x2="42387" y2="62019"/>
+                      </a14:backgroundRemoval>
+                    </a14:imgEffect>
+                    <a14:imgEffect>
+                      <a14:sharpenSoften amount="50000"/>
+                    </a14:imgEffect>
+                  </a14:imgLayer>
+                </a14:imgProps>
+              </a:ext>
+              <a:ext uri="{28A0092B-C50C-407E-A947-70E740481C1C}">
+                <a14:useLocalDpi xmlns:a14="http://schemas.microsoft.com/office/drawing/2010/main" val="0"/>
+              </a:ext>
+            </a:extLst>
+          </a:blip>
+          <a:srcRect b="32040"/>
+          <a:stretch/>
+        </p:blipFill>
+        <p:spPr bwMode="auto">
+          <a:xfrm>
+            <a:off x="4938711" y="4643217"/>
+            <a:ext cx="2314575" cy="1346421"/>
+          </a:xfrm>
+          <a:prstGeom prst="rect">
+            <a:avLst/>
+          </a:prstGeom>
+          <a:noFill/>
+          <a:extLst>
+            <a:ext uri="{909E8E84-426E-40DD-AFC4-6F175D3DCCD1}">
+              <a14:hiddenFill xmlns:a14="http://schemas.microsoft.com/office/drawing/2010/main">
+                <a:solidFill>
+                  <a:srgbClr val="FFFFFF"/>
+                </a:solidFill>
+              </a14:hiddenFill>
+            </a:ext>
+          </a:extLst>
+        </p:spPr>
+      </p:pic>
     </p:spTree>
     <p:extLst>
       <p:ext uri="{BB962C8B-B14F-4D97-AF65-F5344CB8AC3E}">
@@ -6991,15 +7065,15 @@
           <p:cNvPr id="2" name="Titel 1">
             <a:extLst>
               <a:ext uri="{FF2B5EF4-FFF2-40B4-BE49-F238E27FC236}">
-                <a16:creationId xmlns:a16="http://schemas.microsoft.com/office/drawing/2014/main" id="{B65D7EC3-CD42-4551-8940-B2E7B1FA136C}"/>
-              </a:ext>
-            </a:extLst>
-          </p:cNvPr>
-          <p:cNvSpPr>
-            <a:spLocks noGrp="1"/>
-          </p:cNvSpPr>
-          <p:nvPr>
-            <p:ph type="title"/>
+                <a16:creationId xmlns:a16="http://schemas.microsoft.com/office/drawing/2014/main" id="{423EE35B-33E3-42A0-BBDA-368E8D825D7E}"/>
+              </a:ext>
+            </a:extLst>
+          </p:cNvPr>
+          <p:cNvSpPr>
+            <a:spLocks noGrp="1"/>
+          </p:cNvSpPr>
+          <p:nvPr>
+            <p:ph type="ctrTitle"/>
           </p:nvPr>
         </p:nvSpPr>
         <p:spPr/>
@@ -7008,27 +7082,26 @@
           <a:lstStyle/>
           <a:p>
             <a:r>
-              <a:rPr lang="de-DE"/>
-              <a:t>Solution 1</a:t>
-            </a:r>
-            <a:endParaRPr lang="de-DE" dirty="0"/>
-          </a:p>
-        </p:txBody>
-      </p:sp>
-      <p:sp>
-        <p:nvSpPr>
-          <p:cNvPr id="4" name="Content Placeholder 3">
-            <a:extLst>
-              <a:ext uri="{FF2B5EF4-FFF2-40B4-BE49-F238E27FC236}">
-                <a16:creationId xmlns:a16="http://schemas.microsoft.com/office/drawing/2014/main" id="{2BF5D699-940E-4DE9-8183-FAB1BE315652}"/>
-              </a:ext>
-            </a:extLst>
-          </p:cNvPr>
-          <p:cNvSpPr>
-            <a:spLocks noGrp="1"/>
-          </p:cNvSpPr>
-          <p:nvPr>
-            <p:ph idx="1"/>
+              <a:rPr lang="de-DE" dirty="0"/>
+              <a:t>AWS</a:t>
+            </a:r>
+          </a:p>
+        </p:txBody>
+      </p:sp>
+      <p:sp>
+        <p:nvSpPr>
+          <p:cNvPr id="5" name="Untertitel 4">
+            <a:extLst>
+              <a:ext uri="{FF2B5EF4-FFF2-40B4-BE49-F238E27FC236}">
+                <a16:creationId xmlns:a16="http://schemas.microsoft.com/office/drawing/2014/main" id="{B11A7254-9FA9-40F3-BD35-E1C8D97446A8}"/>
+              </a:ext>
+            </a:extLst>
+          </p:cNvPr>
+          <p:cNvSpPr>
+            <a:spLocks noGrp="1"/>
+          </p:cNvSpPr>
+          <p:nvPr>
+            <p:ph type="subTitle" idx="1"/>
           </p:nvPr>
         </p:nvSpPr>
         <p:spPr/>
@@ -7036,54 +7109,14 @@
           <a:bodyPr/>
           <a:lstStyle/>
           <a:p>
-            <a:pPr marL="0" indent="0">
-              <a:buNone/>
-            </a:pPr>
-            <a:r>
-              <a:rPr lang="de-DE"/>
-              <a:t>Deployment via .zip link:</a:t>
-            </a:r>
-          </a:p>
-          <a:p>
-            <a:pPr marL="0" indent="0">
-              <a:buNone/>
-            </a:pPr>
             <a:endParaRPr lang="de-DE"/>
-          </a:p>
-          <a:p>
-            <a:pPr lvl="1"/>
-            <a:r>
-              <a:rPr lang="de-DE"/>
-              <a:t>SSH to access EC2 instance</a:t>
-            </a:r>
-          </a:p>
-          <a:p>
-            <a:pPr lvl="1"/>
-            <a:r>
-              <a:rPr lang="de-DE"/>
-              <a:t>Installation of Docker and Docker Compose on EC2</a:t>
-            </a:r>
-          </a:p>
-          <a:p>
-            <a:pPr lvl="1"/>
-            <a:r>
-              <a:rPr lang="de-DE"/>
-              <a:t>Upload of application via .zip link from GitHub Repo to EC2</a:t>
-            </a:r>
-          </a:p>
-          <a:p>
-            <a:pPr lvl="1"/>
-            <a:r>
-              <a:rPr lang="de-DE"/>
-              <a:t>Docker-compose up on EC2</a:t>
-            </a:r>
           </a:p>
         </p:txBody>
       </p:sp>
     </p:spTree>
     <p:extLst>
       <p:ext uri="{BB962C8B-B14F-4D97-AF65-F5344CB8AC3E}">
-        <p14:creationId xmlns:p14="http://schemas.microsoft.com/office/powerpoint/2010/main" val="3653631288"/>
+        <p14:creationId xmlns:p14="http://schemas.microsoft.com/office/powerpoint/2010/main" val="163883768"/>
       </p:ext>
     </p:extLst>
   </p:cSld>
@@ -7115,15 +7148,15 @@
           <p:cNvPr id="2" name="Titel 1">
             <a:extLst>
               <a:ext uri="{FF2B5EF4-FFF2-40B4-BE49-F238E27FC236}">
-                <a16:creationId xmlns:a16="http://schemas.microsoft.com/office/drawing/2014/main" id="{423EE35B-33E3-42A0-BBDA-368E8D825D7E}"/>
-              </a:ext>
-            </a:extLst>
-          </p:cNvPr>
-          <p:cNvSpPr>
-            <a:spLocks noGrp="1"/>
-          </p:cNvSpPr>
-          <p:nvPr>
-            <p:ph type="ctrTitle"/>
+                <a16:creationId xmlns:a16="http://schemas.microsoft.com/office/drawing/2014/main" id="{B65D7EC3-CD42-4551-8940-B2E7B1FA136C}"/>
+              </a:ext>
+            </a:extLst>
+          </p:cNvPr>
+          <p:cNvSpPr>
+            <a:spLocks noGrp="1"/>
+          </p:cNvSpPr>
+          <p:nvPr>
+            <p:ph type="title"/>
           </p:nvPr>
         </p:nvSpPr>
         <p:spPr/>
@@ -7132,27 +7165,26 @@
           <a:lstStyle/>
           <a:p>
             <a:r>
-              <a:rPr lang="de-DE"/>
-              <a:t>Solution 2</a:t>
-            </a:r>
-            <a:endParaRPr lang="de-DE" dirty="0"/>
-          </a:p>
-        </p:txBody>
-      </p:sp>
-      <p:sp>
-        <p:nvSpPr>
-          <p:cNvPr id="5" name="Untertitel 4">
-            <a:extLst>
-              <a:ext uri="{FF2B5EF4-FFF2-40B4-BE49-F238E27FC236}">
-                <a16:creationId xmlns:a16="http://schemas.microsoft.com/office/drawing/2014/main" id="{B11A7254-9FA9-40F3-BD35-E1C8D97446A8}"/>
-              </a:ext>
-            </a:extLst>
-          </p:cNvPr>
-          <p:cNvSpPr>
-            <a:spLocks noGrp="1"/>
-          </p:cNvSpPr>
-          <p:nvPr>
-            <p:ph type="subTitle" idx="1"/>
+              <a:rPr lang="de-DE" dirty="0"/>
+              <a:t>AWS</a:t>
+            </a:r>
+          </a:p>
+        </p:txBody>
+      </p:sp>
+      <p:sp>
+        <p:nvSpPr>
+          <p:cNvPr id="4" name="Content Placeholder 3">
+            <a:extLst>
+              <a:ext uri="{FF2B5EF4-FFF2-40B4-BE49-F238E27FC236}">
+                <a16:creationId xmlns:a16="http://schemas.microsoft.com/office/drawing/2014/main" id="{2BF5D699-940E-4DE9-8183-FAB1BE315652}"/>
+              </a:ext>
+            </a:extLst>
+          </p:cNvPr>
+          <p:cNvSpPr>
+            <a:spLocks noGrp="1"/>
+          </p:cNvSpPr>
+          <p:nvPr>
+            <p:ph idx="1"/>
           </p:nvPr>
         </p:nvSpPr>
         <p:spPr/>
@@ -7160,14 +7192,61 @@
           <a:bodyPr/>
           <a:lstStyle/>
           <a:p>
-            <a:endParaRPr lang="de-DE"/>
-          </a:p>
-        </p:txBody>
-      </p:sp>
+            <a:r>
+              <a:rPr lang="en-US" dirty="0"/>
+              <a:t>Amazon Elastic Compute Cloud (EC2) to deploy our application</a:t>
+            </a:r>
+          </a:p>
+          <a:p>
+            <a:pPr lvl="1"/>
+            <a:r>
+              <a:rPr lang="en-US" dirty="0"/>
+              <a:t>Security groups</a:t>
+            </a:r>
+          </a:p>
+          <a:p>
+            <a:pPr lvl="1"/>
+            <a:r>
+              <a:rPr lang="en-US" dirty="0"/>
+              <a:t>Elastic IP</a:t>
+            </a:r>
+          </a:p>
+        </p:txBody>
+      </p:sp>
+      <p:pic>
+        <p:nvPicPr>
+          <p:cNvPr id="7" name="Picture 6">
+            <a:extLst>
+              <a:ext uri="{FF2B5EF4-FFF2-40B4-BE49-F238E27FC236}">
+                <a16:creationId xmlns:a16="http://schemas.microsoft.com/office/drawing/2014/main" id="{E1C1E508-A52A-4971-A179-36A48ADFB13B}"/>
+              </a:ext>
+            </a:extLst>
+          </p:cNvPr>
+          <p:cNvPicPr>
+            <a:picLocks noChangeAspect="1"/>
+          </p:cNvPicPr>
+          <p:nvPr/>
+        </p:nvPicPr>
+        <p:blipFill>
+          <a:blip r:embed="rId2"/>
+          <a:stretch>
+            <a:fillRect/>
+          </a:stretch>
+        </p:blipFill>
+        <p:spPr>
+          <a:xfrm>
+            <a:off x="9491753" y="457654"/>
+            <a:ext cx="1862047" cy="1140504"/>
+          </a:xfrm>
+          <a:prstGeom prst="rect">
+            <a:avLst/>
+          </a:prstGeom>
+        </p:spPr>
+      </p:pic>
     </p:spTree>
     <p:extLst>
       <p:ext uri="{BB962C8B-B14F-4D97-AF65-F5344CB8AC3E}">
-        <p14:creationId xmlns:p14="http://schemas.microsoft.com/office/powerpoint/2010/main" val="2988536169"/>
+        <p14:creationId xmlns:p14="http://schemas.microsoft.com/office/powerpoint/2010/main" val="3037856559"/>
       </p:ext>
     </p:extLst>
   </p:cSld>
@@ -7178,6 +7257,1069 @@
 </file>
 
 <file path=ppt/slides/slide12.xml><?xml version="1.0" encoding="utf-8"?>
+<p:sld xmlns:a="http://schemas.openxmlformats.org/drawingml/2006/main" xmlns:r="http://schemas.openxmlformats.org/officeDocument/2006/relationships" xmlns:p="http://schemas.openxmlformats.org/presentationml/2006/main">
+  <p:cSld>
+    <p:spTree>
+      <p:nvGrpSpPr>
+        <p:cNvPr id="1" name=""/>
+        <p:cNvGrpSpPr/>
+        <p:nvPr/>
+      </p:nvGrpSpPr>
+      <p:grpSpPr>
+        <a:xfrm>
+          <a:off x="0" y="0"/>
+          <a:ext cx="0" cy="0"/>
+          <a:chOff x="0" y="0"/>
+          <a:chExt cx="0" cy="0"/>
+        </a:xfrm>
+      </p:grpSpPr>
+      <p:sp>
+        <p:nvSpPr>
+          <p:cNvPr id="2" name="Titel 1">
+            <a:extLst>
+              <a:ext uri="{FF2B5EF4-FFF2-40B4-BE49-F238E27FC236}">
+                <a16:creationId xmlns:a16="http://schemas.microsoft.com/office/drawing/2014/main" id="{423EE35B-33E3-42A0-BBDA-368E8D825D7E}"/>
+              </a:ext>
+            </a:extLst>
+          </p:cNvPr>
+          <p:cNvSpPr>
+            <a:spLocks noGrp="1"/>
+          </p:cNvSpPr>
+          <p:nvPr>
+            <p:ph type="ctrTitle"/>
+          </p:nvPr>
+        </p:nvSpPr>
+        <p:spPr/>
+        <p:txBody>
+          <a:bodyPr/>
+          <a:lstStyle/>
+          <a:p>
+            <a:r>
+              <a:rPr lang="de-DE" dirty="0"/>
+              <a:t>Solution</a:t>
+            </a:r>
+          </a:p>
+        </p:txBody>
+      </p:sp>
+      <p:sp>
+        <p:nvSpPr>
+          <p:cNvPr id="5" name="Untertitel 4">
+            <a:extLst>
+              <a:ext uri="{FF2B5EF4-FFF2-40B4-BE49-F238E27FC236}">
+                <a16:creationId xmlns:a16="http://schemas.microsoft.com/office/drawing/2014/main" id="{B11A7254-9FA9-40F3-BD35-E1C8D97446A8}"/>
+              </a:ext>
+            </a:extLst>
+          </p:cNvPr>
+          <p:cNvSpPr>
+            <a:spLocks noGrp="1"/>
+          </p:cNvSpPr>
+          <p:nvPr>
+            <p:ph type="subTitle" idx="1"/>
+          </p:nvPr>
+        </p:nvSpPr>
+        <p:spPr/>
+        <p:txBody>
+          <a:bodyPr/>
+          <a:lstStyle/>
+          <a:p>
+            <a:endParaRPr lang="de-DE"/>
+          </a:p>
+        </p:txBody>
+      </p:sp>
+    </p:spTree>
+    <p:extLst>
+      <p:ext uri="{BB962C8B-B14F-4D97-AF65-F5344CB8AC3E}">
+        <p14:creationId xmlns:p14="http://schemas.microsoft.com/office/powerpoint/2010/main" val="2403675243"/>
+      </p:ext>
+    </p:extLst>
+  </p:cSld>
+  <p:clrMapOvr>
+    <a:masterClrMapping/>
+  </p:clrMapOvr>
+</p:sld>
+</file>
+
+<file path=ppt/slides/slide13.xml><?xml version="1.0" encoding="utf-8"?>
+<p:sld xmlns:a="http://schemas.openxmlformats.org/drawingml/2006/main" xmlns:r="http://schemas.openxmlformats.org/officeDocument/2006/relationships" xmlns:p="http://schemas.openxmlformats.org/presentationml/2006/main">
+  <p:cSld>
+    <p:spTree>
+      <p:nvGrpSpPr>
+        <p:cNvPr id="1" name=""/>
+        <p:cNvGrpSpPr/>
+        <p:nvPr/>
+      </p:nvGrpSpPr>
+      <p:grpSpPr>
+        <a:xfrm>
+          <a:off x="0" y="0"/>
+          <a:ext cx="0" cy="0"/>
+          <a:chOff x="0" y="0"/>
+          <a:chExt cx="0" cy="0"/>
+        </a:xfrm>
+      </p:grpSpPr>
+      <p:sp>
+        <p:nvSpPr>
+          <p:cNvPr id="2" name="Titel 1">
+            <a:extLst>
+              <a:ext uri="{FF2B5EF4-FFF2-40B4-BE49-F238E27FC236}">
+                <a16:creationId xmlns:a16="http://schemas.microsoft.com/office/drawing/2014/main" id="{FE7310EA-0D36-8797-94D6-7E3C9FD760A2}"/>
+              </a:ext>
+            </a:extLst>
+          </p:cNvPr>
+          <p:cNvSpPr>
+            <a:spLocks noGrp="1"/>
+          </p:cNvSpPr>
+          <p:nvPr>
+            <p:ph type="title"/>
+          </p:nvPr>
+        </p:nvSpPr>
+        <p:spPr/>
+        <p:txBody>
+          <a:bodyPr/>
+          <a:lstStyle/>
+          <a:p>
+            <a:r>
+              <a:rPr lang="de-DE" dirty="0"/>
+              <a:t>„Critical“ Points</a:t>
+            </a:r>
+          </a:p>
+        </p:txBody>
+      </p:sp>
+      <p:sp>
+        <p:nvSpPr>
+          <p:cNvPr id="4" name="Rectangle: Rounded Corners 5">
+            <a:extLst>
+              <a:ext uri="{FF2B5EF4-FFF2-40B4-BE49-F238E27FC236}">
+                <a16:creationId xmlns:a16="http://schemas.microsoft.com/office/drawing/2014/main" id="{78CCAEE7-61F5-65AA-DCCD-9964C5338FAE}"/>
+              </a:ext>
+            </a:extLst>
+          </p:cNvPr>
+          <p:cNvSpPr/>
+          <p:nvPr/>
+        </p:nvSpPr>
+        <p:spPr>
+          <a:xfrm>
+            <a:off x="1037373" y="4362643"/>
+            <a:ext cx="1704110" cy="768927"/>
+          </a:xfrm>
+          <a:prstGeom prst="roundRect">
+            <a:avLst/>
+          </a:prstGeom>
+          <a:solidFill>
+            <a:srgbClr val="2088FE"/>
+          </a:solidFill>
+          <a:ln>
+            <a:noFill/>
+          </a:ln>
+        </p:spPr>
+        <p:style>
+          <a:lnRef idx="2">
+            <a:schemeClr val="accent1">
+              <a:shade val="50000"/>
+            </a:schemeClr>
+          </a:lnRef>
+          <a:fillRef idx="1">
+            <a:schemeClr val="accent1"/>
+          </a:fillRef>
+          <a:effectRef idx="0">
+            <a:schemeClr val="accent1"/>
+          </a:effectRef>
+          <a:fontRef idx="minor">
+            <a:schemeClr val="lt1"/>
+          </a:fontRef>
+        </p:style>
+        <p:txBody>
+          <a:bodyPr rtlCol="0" anchor="ctr"/>
+          <a:lstStyle/>
+          <a:p>
+            <a:pPr algn="ctr"/>
+            <a:r>
+              <a:rPr lang="de-DE" dirty="0"/>
+              <a:t>Push</a:t>
+            </a:r>
+          </a:p>
+        </p:txBody>
+      </p:sp>
+      <p:sp>
+        <p:nvSpPr>
+          <p:cNvPr id="5" name="Rectangle: Rounded Corners 6">
+            <a:extLst>
+              <a:ext uri="{FF2B5EF4-FFF2-40B4-BE49-F238E27FC236}">
+                <a16:creationId xmlns:a16="http://schemas.microsoft.com/office/drawing/2014/main" id="{264CA49D-6F4B-C4CF-E420-1104249827C0}"/>
+              </a:ext>
+            </a:extLst>
+          </p:cNvPr>
+          <p:cNvSpPr/>
+          <p:nvPr/>
+        </p:nvSpPr>
+        <p:spPr>
+          <a:xfrm>
+            <a:off x="3492545" y="4362645"/>
+            <a:ext cx="2558017" cy="768927"/>
+          </a:xfrm>
+          <a:prstGeom prst="roundRect">
+            <a:avLst/>
+          </a:prstGeom>
+          <a:solidFill>
+            <a:srgbClr val="2088FE"/>
+          </a:solidFill>
+          <a:ln>
+            <a:noFill/>
+          </a:ln>
+        </p:spPr>
+        <p:style>
+          <a:lnRef idx="2">
+            <a:schemeClr val="accent1">
+              <a:shade val="50000"/>
+            </a:schemeClr>
+          </a:lnRef>
+          <a:fillRef idx="1">
+            <a:schemeClr val="accent1"/>
+          </a:fillRef>
+          <a:effectRef idx="0">
+            <a:schemeClr val="accent1"/>
+          </a:effectRef>
+          <a:fontRef idx="minor">
+            <a:schemeClr val="lt1"/>
+          </a:fontRef>
+        </p:style>
+        <p:txBody>
+          <a:bodyPr rtlCol="0" anchor="ctr"/>
+          <a:lstStyle/>
+          <a:p>
+            <a:pPr algn="ctr"/>
+            <a:r>
+              <a:rPr lang="de-DE" dirty="0"/>
+              <a:t>Create Infrastructure </a:t>
+            </a:r>
+            <a:r>
+              <a:rPr lang="de-DE" dirty="0" err="1"/>
+              <a:t>with</a:t>
+            </a:r>
+            <a:r>
+              <a:rPr lang="de-DE" dirty="0"/>
+              <a:t> Terraform</a:t>
+            </a:r>
+          </a:p>
+        </p:txBody>
+      </p:sp>
+      <p:sp>
+        <p:nvSpPr>
+          <p:cNvPr id="6" name="Rectangle: Rounded Corners 7">
+            <a:extLst>
+              <a:ext uri="{FF2B5EF4-FFF2-40B4-BE49-F238E27FC236}">
+                <a16:creationId xmlns:a16="http://schemas.microsoft.com/office/drawing/2014/main" id="{7245DBC1-1583-905A-477C-077D529C85D9}"/>
+              </a:ext>
+            </a:extLst>
+          </p:cNvPr>
+          <p:cNvSpPr/>
+          <p:nvPr/>
+        </p:nvSpPr>
+        <p:spPr>
+          <a:xfrm>
+            <a:off x="7512510" y="4362642"/>
+            <a:ext cx="2558015" cy="768927"/>
+          </a:xfrm>
+          <a:prstGeom prst="roundRect">
+            <a:avLst/>
+          </a:prstGeom>
+          <a:solidFill>
+            <a:srgbClr val="2088FE"/>
+          </a:solidFill>
+          <a:ln>
+            <a:noFill/>
+          </a:ln>
+        </p:spPr>
+        <p:style>
+          <a:lnRef idx="2">
+            <a:schemeClr val="accent1">
+              <a:shade val="50000"/>
+            </a:schemeClr>
+          </a:lnRef>
+          <a:fillRef idx="1">
+            <a:schemeClr val="accent1"/>
+          </a:fillRef>
+          <a:effectRef idx="0">
+            <a:schemeClr val="accent1"/>
+          </a:effectRef>
+          <a:fontRef idx="minor">
+            <a:schemeClr val="lt1"/>
+          </a:fontRef>
+        </p:style>
+        <p:txBody>
+          <a:bodyPr rtlCol="0" anchor="ctr"/>
+          <a:lstStyle/>
+          <a:p>
+            <a:pPr algn="ctr"/>
+            <a:r>
+              <a:rPr lang="de-DE" dirty="0"/>
+              <a:t>Deploy </a:t>
+            </a:r>
+            <a:r>
+              <a:rPr lang="de-DE" dirty="0" err="1"/>
+              <a:t>app</a:t>
+            </a:r>
+            <a:r>
+              <a:rPr lang="de-DE" dirty="0"/>
+              <a:t> </a:t>
+            </a:r>
+            <a:r>
+              <a:rPr lang="de-DE" dirty="0" err="1"/>
+              <a:t>with</a:t>
+            </a:r>
+            <a:r>
+              <a:rPr lang="de-DE" dirty="0"/>
+              <a:t> </a:t>
+            </a:r>
+            <a:r>
+              <a:rPr lang="de-DE" dirty="0" err="1"/>
+              <a:t>docker</a:t>
+            </a:r>
+            <a:r>
+              <a:rPr lang="de-DE" dirty="0"/>
+              <a:t> </a:t>
+            </a:r>
+            <a:r>
+              <a:rPr lang="de-DE" dirty="0" err="1"/>
+              <a:t>compose</a:t>
+            </a:r>
+            <a:endParaRPr lang="de-DE" dirty="0"/>
+          </a:p>
+        </p:txBody>
+      </p:sp>
+      <p:cxnSp>
+        <p:nvCxnSpPr>
+          <p:cNvPr id="7" name="Straight Arrow Connector 11">
+            <a:extLst>
+              <a:ext uri="{FF2B5EF4-FFF2-40B4-BE49-F238E27FC236}">
+                <a16:creationId xmlns:a16="http://schemas.microsoft.com/office/drawing/2014/main" id="{F501AB0B-B3CB-38AA-624C-ED414CEFB3A8}"/>
+              </a:ext>
+            </a:extLst>
+          </p:cNvPr>
+          <p:cNvCxnSpPr>
+            <a:cxnSpLocks/>
+            <a:stCxn id="4" idx="3"/>
+            <a:endCxn id="5" idx="1"/>
+          </p:cNvCxnSpPr>
+          <p:nvPr/>
+        </p:nvCxnSpPr>
+        <p:spPr>
+          <a:xfrm>
+            <a:off x="2741483" y="4747107"/>
+            <a:ext cx="751062" cy="2"/>
+          </a:xfrm>
+          <a:prstGeom prst="straightConnector1">
+            <a:avLst/>
+          </a:prstGeom>
+          <a:ln>
+            <a:solidFill>
+              <a:srgbClr val="2088FE"/>
+            </a:solidFill>
+            <a:tailEnd type="triangle"/>
+          </a:ln>
+        </p:spPr>
+        <p:style>
+          <a:lnRef idx="1">
+            <a:schemeClr val="accent1"/>
+          </a:lnRef>
+          <a:fillRef idx="0">
+            <a:schemeClr val="accent1"/>
+          </a:fillRef>
+          <a:effectRef idx="0">
+            <a:schemeClr val="accent1"/>
+          </a:effectRef>
+          <a:fontRef idx="minor">
+            <a:schemeClr val="tx1"/>
+          </a:fontRef>
+        </p:style>
+      </p:cxnSp>
+      <p:cxnSp>
+        <p:nvCxnSpPr>
+          <p:cNvPr id="8" name="Straight Arrow Connector 13">
+            <a:extLst>
+              <a:ext uri="{FF2B5EF4-FFF2-40B4-BE49-F238E27FC236}">
+                <a16:creationId xmlns:a16="http://schemas.microsoft.com/office/drawing/2014/main" id="{15D2F7F9-D527-3673-F73F-11C0FEC9E142}"/>
+              </a:ext>
+            </a:extLst>
+          </p:cNvPr>
+          <p:cNvCxnSpPr>
+            <a:cxnSpLocks/>
+            <a:stCxn id="5" idx="3"/>
+            <a:endCxn id="6" idx="1"/>
+          </p:cNvCxnSpPr>
+          <p:nvPr/>
+        </p:nvCxnSpPr>
+        <p:spPr>
+          <a:xfrm flipV="1">
+            <a:off x="6050562" y="4747106"/>
+            <a:ext cx="1461948" cy="3"/>
+          </a:xfrm>
+          <a:prstGeom prst="straightConnector1">
+            <a:avLst/>
+          </a:prstGeom>
+          <a:ln>
+            <a:solidFill>
+              <a:srgbClr val="2088FE"/>
+            </a:solidFill>
+            <a:tailEnd type="triangle"/>
+          </a:ln>
+        </p:spPr>
+        <p:style>
+          <a:lnRef idx="1">
+            <a:schemeClr val="accent1"/>
+          </a:lnRef>
+          <a:fillRef idx="0">
+            <a:schemeClr val="accent1"/>
+          </a:fillRef>
+          <a:effectRef idx="0">
+            <a:schemeClr val="accent1"/>
+          </a:effectRef>
+          <a:fontRef idx="minor">
+            <a:schemeClr val="tx1"/>
+          </a:fontRef>
+        </p:style>
+      </p:cxnSp>
+      <p:sp>
+        <p:nvSpPr>
+          <p:cNvPr id="9" name="Rectangle: Rounded Corners 17">
+            <a:extLst>
+              <a:ext uri="{FF2B5EF4-FFF2-40B4-BE49-F238E27FC236}">
+                <a16:creationId xmlns:a16="http://schemas.microsoft.com/office/drawing/2014/main" id="{433EC4C8-5652-8E37-1388-42FECF4CA3D7}"/>
+              </a:ext>
+            </a:extLst>
+          </p:cNvPr>
+          <p:cNvSpPr/>
+          <p:nvPr/>
+        </p:nvSpPr>
+        <p:spPr>
+          <a:xfrm flipH="1" flipV="1">
+            <a:off x="2907532" y="3874273"/>
+            <a:ext cx="7433721" cy="1594946"/>
+          </a:xfrm>
+          <a:prstGeom prst="roundRect">
+            <a:avLst/>
+          </a:prstGeom>
+          <a:noFill/>
+          <a:ln>
+            <a:solidFill>
+              <a:srgbClr val="2088FE"/>
+            </a:solidFill>
+          </a:ln>
+        </p:spPr>
+        <p:style>
+          <a:lnRef idx="2">
+            <a:schemeClr val="accent1">
+              <a:shade val="50000"/>
+            </a:schemeClr>
+          </a:lnRef>
+          <a:fillRef idx="1">
+            <a:schemeClr val="accent1"/>
+          </a:fillRef>
+          <a:effectRef idx="0">
+            <a:schemeClr val="accent1"/>
+          </a:effectRef>
+          <a:fontRef idx="minor">
+            <a:schemeClr val="lt1"/>
+          </a:fontRef>
+        </p:style>
+        <p:txBody>
+          <a:bodyPr rtlCol="0" anchor="ctr"/>
+          <a:lstStyle/>
+          <a:p>
+            <a:pPr algn="ctr"/>
+            <a:endParaRPr lang="de-DE"/>
+          </a:p>
+        </p:txBody>
+      </p:sp>
+      <p:pic>
+        <p:nvPicPr>
+          <p:cNvPr id="10" name="Picture 19">
+            <a:extLst>
+              <a:ext uri="{FF2B5EF4-FFF2-40B4-BE49-F238E27FC236}">
+                <a16:creationId xmlns:a16="http://schemas.microsoft.com/office/drawing/2014/main" id="{B187C7EC-CE9C-D136-07DC-CC38CA9DE47D}"/>
+              </a:ext>
+            </a:extLst>
+          </p:cNvPr>
+          <p:cNvPicPr>
+            <a:picLocks noChangeAspect="1"/>
+          </p:cNvPicPr>
+          <p:nvPr/>
+        </p:nvPicPr>
+        <p:blipFill>
+          <a:blip r:embed="rId2"/>
+          <a:stretch>
+            <a:fillRect/>
+          </a:stretch>
+        </p:blipFill>
+        <p:spPr>
+          <a:xfrm>
+            <a:off x="2986679" y="4019847"/>
+            <a:ext cx="426720" cy="426720"/>
+          </a:xfrm>
+          <a:prstGeom prst="rect">
+            <a:avLst/>
+          </a:prstGeom>
+        </p:spPr>
+      </p:pic>
+      <p:cxnSp>
+        <p:nvCxnSpPr>
+          <p:cNvPr id="19" name="Straight Arrow Connector 11">
+            <a:extLst>
+              <a:ext uri="{FF2B5EF4-FFF2-40B4-BE49-F238E27FC236}">
+                <a16:creationId xmlns:a16="http://schemas.microsoft.com/office/drawing/2014/main" id="{2BE4D3C3-2C05-2D6B-EB00-0B569B104FB4}"/>
+              </a:ext>
+            </a:extLst>
+          </p:cNvPr>
+          <p:cNvCxnSpPr>
+            <a:cxnSpLocks/>
+            <a:stCxn id="5" idx="0"/>
+            <a:endCxn id="20" idx="2"/>
+          </p:cNvCxnSpPr>
+          <p:nvPr/>
+        </p:nvCxnSpPr>
+        <p:spPr>
+          <a:xfrm flipH="1" flipV="1">
+            <a:off x="4771553" y="3197349"/>
+            <a:ext cx="1" cy="1165296"/>
+          </a:xfrm>
+          <a:prstGeom prst="straightConnector1">
+            <a:avLst/>
+          </a:prstGeom>
+          <a:ln>
+            <a:solidFill>
+              <a:srgbClr val="5C4EE5"/>
+            </a:solidFill>
+            <a:tailEnd type="triangle"/>
+          </a:ln>
+        </p:spPr>
+        <p:style>
+          <a:lnRef idx="1">
+            <a:schemeClr val="accent1"/>
+          </a:lnRef>
+          <a:fillRef idx="0">
+            <a:schemeClr val="accent1"/>
+          </a:fillRef>
+          <a:effectRef idx="0">
+            <a:schemeClr val="accent1"/>
+          </a:effectRef>
+          <a:fontRef idx="minor">
+            <a:schemeClr val="tx1"/>
+          </a:fontRef>
+        </p:style>
+      </p:cxnSp>
+      <p:sp>
+        <p:nvSpPr>
+          <p:cNvPr id="20" name="Rectangle: Rounded Corners 6">
+            <a:extLst>
+              <a:ext uri="{FF2B5EF4-FFF2-40B4-BE49-F238E27FC236}">
+                <a16:creationId xmlns:a16="http://schemas.microsoft.com/office/drawing/2014/main" id="{B811BC74-BB0A-7701-99C2-0D2003A48E60}"/>
+              </a:ext>
+            </a:extLst>
+          </p:cNvPr>
+          <p:cNvSpPr/>
+          <p:nvPr/>
+        </p:nvSpPr>
+        <p:spPr>
+          <a:xfrm>
+            <a:off x="3492544" y="2428422"/>
+            <a:ext cx="2558017" cy="768927"/>
+          </a:xfrm>
+          <a:prstGeom prst="roundRect">
+            <a:avLst/>
+          </a:prstGeom>
+          <a:solidFill>
+            <a:srgbClr val="5C4EE5"/>
+          </a:solidFill>
+          <a:ln>
+            <a:noFill/>
+          </a:ln>
+        </p:spPr>
+        <p:style>
+          <a:lnRef idx="2">
+            <a:schemeClr val="accent1">
+              <a:shade val="50000"/>
+            </a:schemeClr>
+          </a:lnRef>
+          <a:fillRef idx="1">
+            <a:schemeClr val="accent1"/>
+          </a:fillRef>
+          <a:effectRef idx="0">
+            <a:schemeClr val="accent1"/>
+          </a:effectRef>
+          <a:fontRef idx="minor">
+            <a:schemeClr val="lt1"/>
+          </a:fontRef>
+        </p:style>
+        <p:txBody>
+          <a:bodyPr rtlCol="0" anchor="ctr"/>
+          <a:lstStyle/>
+          <a:p>
+            <a:pPr algn="ctr"/>
+            <a:r>
+              <a:rPr lang="de-DE" dirty="0"/>
+              <a:t>Create EC2 </a:t>
+            </a:r>
+            <a:r>
+              <a:rPr lang="de-DE" dirty="0" err="1"/>
+              <a:t>machine</a:t>
+            </a:r>
+            <a:endParaRPr lang="de-DE" dirty="0"/>
+          </a:p>
+        </p:txBody>
+      </p:sp>
+      <p:sp>
+        <p:nvSpPr>
+          <p:cNvPr id="21" name="Rectangle: Rounded Corners 17">
+            <a:extLst>
+              <a:ext uri="{FF2B5EF4-FFF2-40B4-BE49-F238E27FC236}">
+                <a16:creationId xmlns:a16="http://schemas.microsoft.com/office/drawing/2014/main" id="{865E96C3-898B-ABE0-91DC-5A88AEAE32A1}"/>
+              </a:ext>
+            </a:extLst>
+          </p:cNvPr>
+          <p:cNvSpPr/>
+          <p:nvPr/>
+        </p:nvSpPr>
+        <p:spPr>
+          <a:xfrm flipH="1" flipV="1">
+            <a:off x="2907533" y="1842909"/>
+            <a:ext cx="3424355" cy="1594946"/>
+          </a:xfrm>
+          <a:prstGeom prst="roundRect">
+            <a:avLst/>
+          </a:prstGeom>
+          <a:noFill/>
+          <a:ln>
+            <a:solidFill>
+              <a:srgbClr val="5C4EE5"/>
+            </a:solidFill>
+          </a:ln>
+        </p:spPr>
+        <p:style>
+          <a:lnRef idx="2">
+            <a:schemeClr val="accent1">
+              <a:shade val="50000"/>
+            </a:schemeClr>
+          </a:lnRef>
+          <a:fillRef idx="1">
+            <a:schemeClr val="accent1"/>
+          </a:fillRef>
+          <a:effectRef idx="0">
+            <a:schemeClr val="accent1"/>
+          </a:effectRef>
+          <a:fontRef idx="minor">
+            <a:schemeClr val="lt1"/>
+          </a:fontRef>
+        </p:style>
+        <p:txBody>
+          <a:bodyPr rtlCol="0" anchor="ctr"/>
+          <a:lstStyle/>
+          <a:p>
+            <a:pPr algn="ctr"/>
+            <a:endParaRPr lang="de-DE"/>
+          </a:p>
+        </p:txBody>
+      </p:sp>
+      <p:pic>
+        <p:nvPicPr>
+          <p:cNvPr id="24" name="Picture 4">
+            <a:extLst>
+              <a:ext uri="{FF2B5EF4-FFF2-40B4-BE49-F238E27FC236}">
+                <a16:creationId xmlns:a16="http://schemas.microsoft.com/office/drawing/2014/main" id="{F668A630-DDE5-F7FD-292A-06605BED7FC7}"/>
+              </a:ext>
+            </a:extLst>
+          </p:cNvPr>
+          <p:cNvPicPr>
+            <a:picLocks noChangeAspect="1"/>
+          </p:cNvPicPr>
+          <p:nvPr/>
+        </p:nvPicPr>
+        <p:blipFill>
+          <a:blip r:embed="rId3"/>
+          <a:stretch>
+            <a:fillRect/>
+          </a:stretch>
+        </p:blipFill>
+        <p:spPr>
+          <a:xfrm>
+            <a:off x="3107283" y="1946043"/>
+            <a:ext cx="426720" cy="482379"/>
+          </a:xfrm>
+          <a:prstGeom prst="rect">
+            <a:avLst/>
+          </a:prstGeom>
+        </p:spPr>
+      </p:pic>
+      <p:pic>
+        <p:nvPicPr>
+          <p:cNvPr id="28" name="Picture 6">
+            <a:extLst>
+              <a:ext uri="{FF2B5EF4-FFF2-40B4-BE49-F238E27FC236}">
+                <a16:creationId xmlns:a16="http://schemas.microsoft.com/office/drawing/2014/main" id="{97D45E23-90AD-A028-05E6-6586A5843E21}"/>
+              </a:ext>
+            </a:extLst>
+          </p:cNvPr>
+          <p:cNvPicPr>
+            <a:picLocks noChangeAspect="1"/>
+          </p:cNvPicPr>
+          <p:nvPr/>
+        </p:nvPicPr>
+        <p:blipFill>
+          <a:blip r:embed="rId4"/>
+          <a:stretch>
+            <a:fillRect/>
+          </a:stretch>
+        </p:blipFill>
+        <p:spPr>
+          <a:xfrm>
+            <a:off x="7122529" y="1990811"/>
+            <a:ext cx="549008" cy="336268"/>
+          </a:xfrm>
+          <a:prstGeom prst="rect">
+            <a:avLst/>
+          </a:prstGeom>
+        </p:spPr>
+      </p:pic>
+      <p:sp>
+        <p:nvSpPr>
+          <p:cNvPr id="29" name="Rectangle: Rounded Corners 6">
+            <a:extLst>
+              <a:ext uri="{FF2B5EF4-FFF2-40B4-BE49-F238E27FC236}">
+                <a16:creationId xmlns:a16="http://schemas.microsoft.com/office/drawing/2014/main" id="{8A69E514-DFCE-BDFC-FE4E-7567049EB630}"/>
+              </a:ext>
+            </a:extLst>
+          </p:cNvPr>
+          <p:cNvSpPr/>
+          <p:nvPr/>
+        </p:nvSpPr>
+        <p:spPr>
+          <a:xfrm>
+            <a:off x="7512511" y="2428422"/>
+            <a:ext cx="2558017" cy="768927"/>
+          </a:xfrm>
+          <a:prstGeom prst="roundRect">
+            <a:avLst/>
+          </a:prstGeom>
+          <a:solidFill>
+            <a:srgbClr val="FF9900"/>
+          </a:solidFill>
+          <a:ln>
+            <a:noFill/>
+          </a:ln>
+        </p:spPr>
+        <p:style>
+          <a:lnRef idx="2">
+            <a:schemeClr val="accent1">
+              <a:shade val="50000"/>
+            </a:schemeClr>
+          </a:lnRef>
+          <a:fillRef idx="1">
+            <a:schemeClr val="accent1"/>
+          </a:fillRef>
+          <a:effectRef idx="0">
+            <a:schemeClr val="accent1"/>
+          </a:effectRef>
+          <a:fontRef idx="minor">
+            <a:schemeClr val="lt1"/>
+          </a:fontRef>
+        </p:style>
+        <p:txBody>
+          <a:bodyPr rtlCol="0" anchor="ctr"/>
+          <a:lstStyle/>
+          <a:p>
+            <a:pPr algn="ctr"/>
+            <a:r>
+              <a:rPr lang="de-DE" dirty="0"/>
+              <a:t>EC2 </a:t>
+            </a:r>
+            <a:r>
+              <a:rPr lang="de-DE" dirty="0" err="1"/>
+              <a:t>machine</a:t>
+            </a:r>
+            <a:endParaRPr lang="de-DE" dirty="0"/>
+          </a:p>
+        </p:txBody>
+      </p:sp>
+      <p:sp>
+        <p:nvSpPr>
+          <p:cNvPr id="30" name="Rectangle: Rounded Corners 17">
+            <a:extLst>
+              <a:ext uri="{FF2B5EF4-FFF2-40B4-BE49-F238E27FC236}">
+                <a16:creationId xmlns:a16="http://schemas.microsoft.com/office/drawing/2014/main" id="{C3D25223-D404-A957-180D-7C74A93E192A}"/>
+              </a:ext>
+            </a:extLst>
+          </p:cNvPr>
+          <p:cNvSpPr/>
+          <p:nvPr/>
+        </p:nvSpPr>
+        <p:spPr>
+          <a:xfrm flipH="1" flipV="1">
+            <a:off x="6916899" y="1842909"/>
+            <a:ext cx="3424355" cy="1594946"/>
+          </a:xfrm>
+          <a:prstGeom prst="roundRect">
+            <a:avLst/>
+          </a:prstGeom>
+          <a:noFill/>
+          <a:ln>
+            <a:solidFill>
+              <a:srgbClr val="FF9900"/>
+            </a:solidFill>
+          </a:ln>
+        </p:spPr>
+        <p:style>
+          <a:lnRef idx="2">
+            <a:schemeClr val="accent1">
+              <a:shade val="50000"/>
+            </a:schemeClr>
+          </a:lnRef>
+          <a:fillRef idx="1">
+            <a:schemeClr val="accent1"/>
+          </a:fillRef>
+          <a:effectRef idx="0">
+            <a:schemeClr val="accent1"/>
+          </a:effectRef>
+          <a:fontRef idx="minor">
+            <a:schemeClr val="lt1"/>
+          </a:fontRef>
+        </p:style>
+        <p:txBody>
+          <a:bodyPr rtlCol="0" anchor="ctr"/>
+          <a:lstStyle/>
+          <a:p>
+            <a:pPr algn="ctr"/>
+            <a:endParaRPr lang="de-DE"/>
+          </a:p>
+        </p:txBody>
+      </p:sp>
+      <p:cxnSp>
+        <p:nvCxnSpPr>
+          <p:cNvPr id="31" name="Straight Arrow Connector 11">
+            <a:extLst>
+              <a:ext uri="{FF2B5EF4-FFF2-40B4-BE49-F238E27FC236}">
+                <a16:creationId xmlns:a16="http://schemas.microsoft.com/office/drawing/2014/main" id="{227B2E06-2BE5-7007-A654-EBE79D0F9520}"/>
+              </a:ext>
+            </a:extLst>
+          </p:cNvPr>
+          <p:cNvCxnSpPr>
+            <a:cxnSpLocks/>
+            <a:stCxn id="20" idx="3"/>
+            <a:endCxn id="29" idx="1"/>
+          </p:cNvCxnSpPr>
+          <p:nvPr/>
+        </p:nvCxnSpPr>
+        <p:spPr>
+          <a:xfrm>
+            <a:off x="6050561" y="2812886"/>
+            <a:ext cx="1461950" cy="0"/>
+          </a:xfrm>
+          <a:prstGeom prst="straightConnector1">
+            <a:avLst/>
+          </a:prstGeom>
+          <a:ln>
+            <a:solidFill>
+              <a:srgbClr val="FF9900"/>
+            </a:solidFill>
+            <a:tailEnd type="triangle"/>
+          </a:ln>
+        </p:spPr>
+        <p:style>
+          <a:lnRef idx="1">
+            <a:schemeClr val="accent1"/>
+          </a:lnRef>
+          <a:fillRef idx="0">
+            <a:schemeClr val="accent1"/>
+          </a:fillRef>
+          <a:effectRef idx="0">
+            <a:schemeClr val="accent1"/>
+          </a:effectRef>
+          <a:fontRef idx="minor">
+            <a:schemeClr val="tx1"/>
+          </a:fontRef>
+        </p:style>
+      </p:cxnSp>
+      <p:cxnSp>
+        <p:nvCxnSpPr>
+          <p:cNvPr id="36" name="Straight Arrow Connector 11">
+            <a:extLst>
+              <a:ext uri="{FF2B5EF4-FFF2-40B4-BE49-F238E27FC236}">
+                <a16:creationId xmlns:a16="http://schemas.microsoft.com/office/drawing/2014/main" id="{0939BA32-55A3-5025-F860-5D4857282D4C}"/>
+              </a:ext>
+            </a:extLst>
+          </p:cNvPr>
+          <p:cNvCxnSpPr>
+            <a:cxnSpLocks/>
+            <a:stCxn id="6" idx="0"/>
+            <a:endCxn id="29" idx="2"/>
+          </p:cNvCxnSpPr>
+          <p:nvPr/>
+        </p:nvCxnSpPr>
+        <p:spPr>
+          <a:xfrm flipV="1">
+            <a:off x="8791518" y="3197349"/>
+            <a:ext cx="2" cy="1165293"/>
+          </a:xfrm>
+          <a:prstGeom prst="straightConnector1">
+            <a:avLst/>
+          </a:prstGeom>
+          <a:ln>
+            <a:solidFill>
+              <a:srgbClr val="FF9900"/>
+            </a:solidFill>
+            <a:tailEnd type="triangle"/>
+          </a:ln>
+        </p:spPr>
+        <p:style>
+          <a:lnRef idx="1">
+            <a:schemeClr val="accent1"/>
+          </a:lnRef>
+          <a:fillRef idx="0">
+            <a:schemeClr val="accent1"/>
+          </a:fillRef>
+          <a:effectRef idx="0">
+            <a:schemeClr val="accent1"/>
+          </a:effectRef>
+          <a:fontRef idx="minor">
+            <a:schemeClr val="tx1"/>
+          </a:fontRef>
+        </p:style>
+      </p:cxnSp>
+    </p:spTree>
+    <p:extLst>
+      <p:ext uri="{BB962C8B-B14F-4D97-AF65-F5344CB8AC3E}">
+        <p14:creationId xmlns:p14="http://schemas.microsoft.com/office/powerpoint/2010/main" val="3050697166"/>
+      </p:ext>
+    </p:extLst>
+  </p:cSld>
+  <p:clrMapOvr>
+    <a:masterClrMapping/>
+  </p:clrMapOvr>
+</p:sld>
+</file>
+
+<file path=ppt/slides/slide14.xml><?xml version="1.0" encoding="utf-8"?>
+<p:sld xmlns:a="http://schemas.openxmlformats.org/drawingml/2006/main" xmlns:r="http://schemas.openxmlformats.org/officeDocument/2006/relationships" xmlns:p="http://schemas.openxmlformats.org/presentationml/2006/main">
+  <p:cSld>
+    <p:spTree>
+      <p:nvGrpSpPr>
+        <p:cNvPr id="1" name=""/>
+        <p:cNvGrpSpPr/>
+        <p:nvPr/>
+      </p:nvGrpSpPr>
+      <p:grpSpPr>
+        <a:xfrm>
+          <a:off x="0" y="0"/>
+          <a:ext cx="0" cy="0"/>
+          <a:chOff x="0" y="0"/>
+          <a:chExt cx="0" cy="0"/>
+        </a:xfrm>
+      </p:grpSpPr>
+      <p:sp>
+        <p:nvSpPr>
+          <p:cNvPr id="2" name="Titel 1">
+            <a:extLst>
+              <a:ext uri="{FF2B5EF4-FFF2-40B4-BE49-F238E27FC236}">
+                <a16:creationId xmlns:a16="http://schemas.microsoft.com/office/drawing/2014/main" id="{B65D7EC3-CD42-4551-8940-B2E7B1FA136C}"/>
+              </a:ext>
+            </a:extLst>
+          </p:cNvPr>
+          <p:cNvSpPr>
+            <a:spLocks noGrp="1"/>
+          </p:cNvSpPr>
+          <p:nvPr>
+            <p:ph type="title"/>
+          </p:nvPr>
+        </p:nvSpPr>
+        <p:spPr/>
+        <p:txBody>
+          <a:bodyPr/>
+          <a:lstStyle/>
+          <a:p>
+            <a:r>
+              <a:rPr lang="de-DE"/>
+              <a:t>Solution 1</a:t>
+            </a:r>
+            <a:endParaRPr lang="de-DE" dirty="0"/>
+          </a:p>
+        </p:txBody>
+      </p:sp>
+      <p:sp>
+        <p:nvSpPr>
+          <p:cNvPr id="4" name="Content Placeholder 3">
+            <a:extLst>
+              <a:ext uri="{FF2B5EF4-FFF2-40B4-BE49-F238E27FC236}">
+                <a16:creationId xmlns:a16="http://schemas.microsoft.com/office/drawing/2014/main" id="{2BF5D699-940E-4DE9-8183-FAB1BE315652}"/>
+              </a:ext>
+            </a:extLst>
+          </p:cNvPr>
+          <p:cNvSpPr>
+            <a:spLocks noGrp="1"/>
+          </p:cNvSpPr>
+          <p:nvPr>
+            <p:ph idx="1"/>
+          </p:nvPr>
+        </p:nvSpPr>
+        <p:spPr/>
+        <p:txBody>
+          <a:bodyPr/>
+          <a:lstStyle/>
+          <a:p>
+            <a:pPr marL="0" indent="0">
+              <a:buNone/>
+            </a:pPr>
+            <a:r>
+              <a:rPr lang="de-DE"/>
+              <a:t>Deployment via .zip link:</a:t>
+            </a:r>
+          </a:p>
+          <a:p>
+            <a:pPr marL="0" indent="0">
+              <a:buNone/>
+            </a:pPr>
+            <a:endParaRPr lang="de-DE"/>
+          </a:p>
+          <a:p>
+            <a:pPr lvl="1"/>
+            <a:r>
+              <a:rPr lang="de-DE"/>
+              <a:t>SSH to access EC2 instance</a:t>
+            </a:r>
+          </a:p>
+          <a:p>
+            <a:pPr lvl="1"/>
+            <a:r>
+              <a:rPr lang="de-DE"/>
+              <a:t>Installation of Docker and Docker Compose on EC2</a:t>
+            </a:r>
+          </a:p>
+          <a:p>
+            <a:pPr lvl="1"/>
+            <a:r>
+              <a:rPr lang="de-DE"/>
+              <a:t>Upload of application via .zip link from GitHub Repo to EC2</a:t>
+            </a:r>
+          </a:p>
+          <a:p>
+            <a:pPr lvl="1"/>
+            <a:r>
+              <a:rPr lang="de-DE"/>
+              <a:t>Docker-compose up on EC2</a:t>
+            </a:r>
+          </a:p>
+        </p:txBody>
+      </p:sp>
+    </p:spTree>
+    <p:extLst>
+      <p:ext uri="{BB962C8B-B14F-4D97-AF65-F5344CB8AC3E}">
+        <p14:creationId xmlns:p14="http://schemas.microsoft.com/office/powerpoint/2010/main" val="3653631288"/>
+      </p:ext>
+    </p:extLst>
+  </p:cSld>
+  <p:clrMapOvr>
+    <a:masterClrMapping/>
+  </p:clrMapOvr>
+</p:sld>
+</file>
+
+<file path=ppt/slides/slide15.xml><?xml version="1.0" encoding="utf-8"?>
 <p:sld xmlns:a="http://schemas.openxmlformats.org/drawingml/2006/main" xmlns:r="http://schemas.openxmlformats.org/officeDocument/2006/relationships" xmlns:p="http://schemas.openxmlformats.org/presentationml/2006/main">
   <p:cSld>
     <p:spTree>
@@ -7352,7 +8494,7 @@
 </p:sld>
 </file>
 
-<file path=ppt/slides/slide13.xml><?xml version="1.0" encoding="utf-8"?>
+<file path=ppt/slides/slide16.xml><?xml version="1.0" encoding="utf-8"?>
 <p:sld xmlns:a="http://schemas.openxmlformats.org/drawingml/2006/main" xmlns:r="http://schemas.openxmlformats.org/officeDocument/2006/relationships" xmlns:p="http://schemas.openxmlformats.org/presentationml/2006/main">
   <p:cSld>
     <p:spTree>
@@ -7436,7 +8578,7 @@
 </p:sld>
 </file>
 
-<file path=ppt/slides/slide14.xml><?xml version="1.0" encoding="utf-8"?>
+<file path=ppt/slides/slide17.xml><?xml version="1.0" encoding="utf-8"?>
 <p:sld xmlns:a="http://schemas.openxmlformats.org/drawingml/2006/main" xmlns:r="http://schemas.openxmlformats.org/officeDocument/2006/relationships" xmlns:p="http://schemas.openxmlformats.org/presentationml/2006/main">
   <p:cSld>
     <p:bg>
@@ -7509,7 +8651,7 @@
 </p:sld>
 </file>
 
-<file path=ppt/slides/slide15.xml><?xml version="1.0" encoding="utf-8"?>
+<file path=ppt/slides/slide18.xml><?xml version="1.0" encoding="utf-8"?>
 <p:sld xmlns:a="http://schemas.openxmlformats.org/drawingml/2006/main" xmlns:r="http://schemas.openxmlformats.org/officeDocument/2006/relationships" xmlns:p="http://schemas.openxmlformats.org/presentationml/2006/main">
   <p:cSld>
     <p:spTree>
@@ -7900,8 +9042,12 @@
           <a:lstStyle/>
           <a:p>
             <a:r>
-              <a:rPr lang="de-DE"/>
-              <a:t>Starting Point</a:t>
+              <a:rPr lang="de-DE" dirty="0"/>
+              <a:t>Basic </a:t>
+            </a:r>
+            <a:r>
+              <a:rPr lang="de-DE" dirty="0" err="1"/>
+              <a:t>Idea</a:t>
             </a:r>
             <a:endParaRPr lang="de-DE" dirty="0"/>
           </a:p>
@@ -8007,31 +9153,36 @@
             <p:ph idx="1"/>
           </p:nvPr>
         </p:nvSpPr>
-        <p:spPr/>
-        <p:txBody>
-          <a:bodyPr/>
-          <a:lstStyle/>
-          <a:p>
-            <a:r>
-              <a:rPr lang="en-US"/>
+        <p:spPr>
+          <a:xfrm>
+            <a:off x="838200" y="1706512"/>
+            <a:ext cx="10515600" cy="1408907"/>
+          </a:xfrm>
+        </p:spPr>
+        <p:txBody>
+          <a:bodyPr/>
+          <a:lstStyle/>
+          <a:p>
+            <a:r>
+              <a:rPr lang="en-US" dirty="0"/>
               <a:t>Docker-based web application for managing apartments</a:t>
             </a:r>
           </a:p>
           <a:p>
             <a:r>
-              <a:rPr lang="en-US"/>
+              <a:rPr lang="en-US" dirty="0"/>
               <a:t>Consists of several containers</a:t>
             </a:r>
-            <a:endParaRPr lang="de-DE"/>
-          </a:p>
-        </p:txBody>
-      </p:sp>
-      <p:sp>
-        <p:nvSpPr>
-          <p:cNvPr id="5" name="Oval 4">
-            <a:extLst>
-              <a:ext uri="{FF2B5EF4-FFF2-40B4-BE49-F238E27FC236}">
-                <a16:creationId xmlns:a16="http://schemas.microsoft.com/office/drawing/2014/main" id="{4B2D5940-0639-4D21-92EB-B4DA0F6B3C01}"/>
+            <a:endParaRPr lang="de-DE" dirty="0"/>
+          </a:p>
+        </p:txBody>
+      </p:sp>
+      <p:sp>
+        <p:nvSpPr>
+          <p:cNvPr id="8" name="Rechteck: abgerundete Ecken 7">
+            <a:extLst>
+              <a:ext uri="{FF2B5EF4-FFF2-40B4-BE49-F238E27FC236}">
+                <a16:creationId xmlns:a16="http://schemas.microsoft.com/office/drawing/2014/main" id="{F190E0C8-ED1A-8E6C-64F0-1D921312E6FB}"/>
               </a:ext>
             </a:extLst>
           </p:cNvPr>
@@ -8040,10 +9191,10 @@
         </p:nvSpPr>
         <p:spPr>
           <a:xfrm>
-            <a:off x="4509655" y="3128532"/>
-            <a:ext cx="1787236" cy="1049482"/>
+            <a:off x="2657724" y="2955492"/>
+            <a:ext cx="2234433" cy="947015"/>
           </a:xfrm>
-          <a:prstGeom prst="ellipse">
+          <a:prstGeom prst="roundRect">
             <a:avLst/>
           </a:prstGeom>
           <a:solidFill>
@@ -8073,20 +9224,58 @@
           <a:bodyPr rtlCol="0" anchor="ctr"/>
           <a:lstStyle/>
           <a:p>
-            <a:pPr algn="ctr"/>
-            <a:r>
-              <a:rPr lang="de-DE"/>
-              <a:t>Apartments</a:t>
-            </a:r>
-          </a:p>
-        </p:txBody>
-      </p:sp>
-      <p:sp>
-        <p:nvSpPr>
-          <p:cNvPr id="6" name="Oval 5">
-            <a:extLst>
-              <a:ext uri="{FF2B5EF4-FFF2-40B4-BE49-F238E27FC236}">
-                <a16:creationId xmlns:a16="http://schemas.microsoft.com/office/drawing/2014/main" id="{4A26CAAF-DA8E-446C-9333-4080CD852D91}"/>
+            <a:r>
+              <a:rPr lang="de-DE" dirty="0"/>
+              <a:t>      Apartments    </a:t>
+            </a:r>
+          </a:p>
+        </p:txBody>
+      </p:sp>
+      <p:pic>
+        <p:nvPicPr>
+          <p:cNvPr id="12" name="Grafik 11" descr="Datenbank">
+            <a:extLst>
+              <a:ext uri="{FF2B5EF4-FFF2-40B4-BE49-F238E27FC236}">
+                <a16:creationId xmlns:a16="http://schemas.microsoft.com/office/drawing/2014/main" id="{2354B38B-1F58-2DB2-BD6A-B8E64D0DF3C6}"/>
+              </a:ext>
+            </a:extLst>
+          </p:cNvPr>
+          <p:cNvPicPr>
+            <a:picLocks noChangeAspect="1"/>
+          </p:cNvPicPr>
+          <p:nvPr/>
+        </p:nvPicPr>
+        <p:blipFill>
+          <a:blip r:embed="rId2">
+            <a:extLst>
+              <a:ext uri="{28A0092B-C50C-407E-A947-70E740481C1C}">
+                <a14:useLocalDpi xmlns:a14="http://schemas.microsoft.com/office/drawing/2010/main" val="0"/>
+              </a:ext>
+              <a:ext uri="{96DAC541-7B7A-43D3-8B79-37D633B846F1}">
+                <asvg:svgBlip xmlns:asvg="http://schemas.microsoft.com/office/drawing/2016/SVG/main" r:embed="rId3"/>
+              </a:ext>
+            </a:extLst>
+          </a:blip>
+          <a:stretch>
+            <a:fillRect/>
+          </a:stretch>
+        </p:blipFill>
+        <p:spPr>
+          <a:xfrm>
+            <a:off x="4217883" y="3186890"/>
+            <a:ext cx="499568" cy="499568"/>
+          </a:xfrm>
+          <a:prstGeom prst="rect">
+            <a:avLst/>
+          </a:prstGeom>
+        </p:spPr>
+      </p:pic>
+      <p:sp>
+        <p:nvSpPr>
+          <p:cNvPr id="13" name="Rechteck: abgerundete Ecken 12">
+            <a:extLst>
+              <a:ext uri="{FF2B5EF4-FFF2-40B4-BE49-F238E27FC236}">
+                <a16:creationId xmlns:a16="http://schemas.microsoft.com/office/drawing/2014/main" id="{521961B4-16F3-C528-70EE-818E4631F9FC}"/>
               </a:ext>
             </a:extLst>
           </p:cNvPr>
@@ -8095,10 +9284,10 @@
         </p:nvSpPr>
         <p:spPr>
           <a:xfrm>
-            <a:off x="3491346" y="4770223"/>
-            <a:ext cx="1787236" cy="1049482"/>
+            <a:off x="838200" y="5000003"/>
+            <a:ext cx="2234433" cy="947015"/>
           </a:xfrm>
-          <a:prstGeom prst="ellipse">
+          <a:prstGeom prst="roundRect">
             <a:avLst/>
           </a:prstGeom>
           <a:solidFill>
@@ -8128,20 +9317,58 @@
           <a:bodyPr rtlCol="0" anchor="ctr"/>
           <a:lstStyle/>
           <a:p>
-            <a:pPr algn="ctr"/>
-            <a:r>
-              <a:rPr lang="de-DE"/>
-              <a:t>Reserve</a:t>
-            </a:r>
-          </a:p>
-        </p:txBody>
-      </p:sp>
-      <p:sp>
-        <p:nvSpPr>
-          <p:cNvPr id="7" name="Oval 6">
-            <a:extLst>
-              <a:ext uri="{FF2B5EF4-FFF2-40B4-BE49-F238E27FC236}">
-                <a16:creationId xmlns:a16="http://schemas.microsoft.com/office/drawing/2014/main" id="{83F50B71-4640-424A-A160-7C5E5E913CF1}"/>
+            <a:r>
+              <a:rPr lang="de-DE" dirty="0"/>
+              <a:t>      Reserve    </a:t>
+            </a:r>
+          </a:p>
+        </p:txBody>
+      </p:sp>
+      <p:pic>
+        <p:nvPicPr>
+          <p:cNvPr id="14" name="Grafik 13" descr="Datenbank">
+            <a:extLst>
+              <a:ext uri="{FF2B5EF4-FFF2-40B4-BE49-F238E27FC236}">
+                <a16:creationId xmlns:a16="http://schemas.microsoft.com/office/drawing/2014/main" id="{418EEC16-AAE2-A1BF-645F-C277A803B819}"/>
+              </a:ext>
+            </a:extLst>
+          </p:cNvPr>
+          <p:cNvPicPr>
+            <a:picLocks noChangeAspect="1"/>
+          </p:cNvPicPr>
+          <p:nvPr/>
+        </p:nvPicPr>
+        <p:blipFill>
+          <a:blip r:embed="rId2">
+            <a:extLst>
+              <a:ext uri="{28A0092B-C50C-407E-A947-70E740481C1C}">
+                <a14:useLocalDpi xmlns:a14="http://schemas.microsoft.com/office/drawing/2010/main" val="0"/>
+              </a:ext>
+              <a:ext uri="{96DAC541-7B7A-43D3-8B79-37D633B846F1}">
+                <asvg:svgBlip xmlns:asvg="http://schemas.microsoft.com/office/drawing/2016/SVG/main" r:embed="rId3"/>
+              </a:ext>
+            </a:extLst>
+          </a:blip>
+          <a:stretch>
+            <a:fillRect/>
+          </a:stretch>
+        </p:blipFill>
+        <p:spPr>
+          <a:xfrm>
+            <a:off x="2279089" y="5223726"/>
+            <a:ext cx="499568" cy="499568"/>
+          </a:xfrm>
+          <a:prstGeom prst="rect">
+            <a:avLst/>
+          </a:prstGeom>
+        </p:spPr>
+      </p:pic>
+      <p:sp>
+        <p:nvSpPr>
+          <p:cNvPr id="16" name="Rechteck: abgerundete Ecken 15">
+            <a:extLst>
+              <a:ext uri="{FF2B5EF4-FFF2-40B4-BE49-F238E27FC236}">
+                <a16:creationId xmlns:a16="http://schemas.microsoft.com/office/drawing/2014/main" id="{5B7D9DB4-02AC-919A-78CE-10618A0D520D}"/>
               </a:ext>
             </a:extLst>
           </p:cNvPr>
@@ -8150,10 +9377,10 @@
         </p:nvSpPr>
         <p:spPr>
           <a:xfrm>
-            <a:off x="6660573" y="4245482"/>
-            <a:ext cx="1787236" cy="1049482"/>
+            <a:off x="4492003" y="5000003"/>
+            <a:ext cx="2234433" cy="947015"/>
           </a:xfrm>
-          <a:prstGeom prst="ellipse">
+          <a:prstGeom prst="roundRect">
             <a:avLst/>
           </a:prstGeom>
           <a:solidFill>
@@ -8183,106 +9410,619 @@
           <a:bodyPr rtlCol="0" anchor="ctr"/>
           <a:lstStyle/>
           <a:p>
-            <a:pPr algn="ctr"/>
-            <a:r>
-              <a:rPr lang="de-DE"/>
-              <a:t>Search</a:t>
-            </a:r>
-          </a:p>
-        </p:txBody>
-      </p:sp>
-      <p:cxnSp>
-        <p:nvCxnSpPr>
-          <p:cNvPr id="9" name="Straight Arrow Connector 8">
-            <a:extLst>
-              <a:ext uri="{FF2B5EF4-FFF2-40B4-BE49-F238E27FC236}">
-                <a16:creationId xmlns:a16="http://schemas.microsoft.com/office/drawing/2014/main" id="{2BA811C3-A3B7-448F-80EB-587E1BF4A712}"/>
-              </a:ext>
-            </a:extLst>
-          </p:cNvPr>
-          <p:cNvCxnSpPr>
-            <a:cxnSpLocks/>
-            <a:stCxn id="6" idx="0"/>
-            <a:endCxn id="5" idx="3"/>
-          </p:cNvCxnSpPr>
+            <a:r>
+              <a:rPr lang="de-DE" dirty="0"/>
+              <a:t>      Search    </a:t>
+            </a:r>
+          </a:p>
+        </p:txBody>
+      </p:sp>
+      <p:pic>
+        <p:nvPicPr>
+          <p:cNvPr id="17" name="Grafik 16" descr="Datenbank">
+            <a:extLst>
+              <a:ext uri="{FF2B5EF4-FFF2-40B4-BE49-F238E27FC236}">
+                <a16:creationId xmlns:a16="http://schemas.microsoft.com/office/drawing/2014/main" id="{DC4E3FAF-9367-6CAB-6440-7BF4287AFFD9}"/>
+              </a:ext>
+            </a:extLst>
+          </p:cNvPr>
+          <p:cNvPicPr>
+            <a:picLocks noChangeAspect="1"/>
+          </p:cNvPicPr>
           <p:nvPr/>
-        </p:nvCxnSpPr>
+        </p:nvPicPr>
+        <p:blipFill>
+          <a:blip r:embed="rId2">
+            <a:extLst>
+              <a:ext uri="{28A0092B-C50C-407E-A947-70E740481C1C}">
+                <a14:useLocalDpi xmlns:a14="http://schemas.microsoft.com/office/drawing/2010/main" val="0"/>
+              </a:ext>
+              <a:ext uri="{96DAC541-7B7A-43D3-8B79-37D633B846F1}">
+                <asvg:svgBlip xmlns:asvg="http://schemas.microsoft.com/office/drawing/2016/SVG/main" r:embed="rId3"/>
+              </a:ext>
+            </a:extLst>
+          </a:blip>
+          <a:stretch>
+            <a:fillRect/>
+          </a:stretch>
+        </p:blipFill>
         <p:spPr>
-          <a:xfrm flipV="1">
-            <a:off x="4384964" y="4024321"/>
-            <a:ext cx="386426" cy="745902"/>
+          <a:xfrm>
+            <a:off x="5932892" y="5223726"/>
+            <a:ext cx="499568" cy="499568"/>
           </a:xfrm>
-          <a:prstGeom prst="straightConnector1">
+          <a:prstGeom prst="rect">
             <a:avLst/>
           </a:prstGeom>
+        </p:spPr>
+      </p:pic>
+      <p:pic>
+        <p:nvPicPr>
+          <p:cNvPr id="19" name="Grafik 18" descr="Übertragen">
+            <a:extLst>
+              <a:ext uri="{FF2B5EF4-FFF2-40B4-BE49-F238E27FC236}">
+                <a16:creationId xmlns:a16="http://schemas.microsoft.com/office/drawing/2014/main" id="{1B159B4A-78EF-F865-5F39-9DDA1784C837}"/>
+              </a:ext>
+            </a:extLst>
+          </p:cNvPr>
+          <p:cNvPicPr>
+            <a:picLocks noChangeAspect="1"/>
+          </p:cNvPicPr>
+          <p:nvPr/>
+        </p:nvPicPr>
+        <p:blipFill>
+          <a:blip r:embed="rId4">
+            <a:extLst>
+              <a:ext uri="{28A0092B-C50C-407E-A947-70E740481C1C}">
+                <a14:useLocalDpi xmlns:a14="http://schemas.microsoft.com/office/drawing/2010/main" val="0"/>
+              </a:ext>
+              <a:ext uri="{96DAC541-7B7A-43D3-8B79-37D633B846F1}">
+                <asvg:svgBlip xmlns:asvg="http://schemas.microsoft.com/office/drawing/2016/SVG/main" r:embed="rId5"/>
+              </a:ext>
+            </a:extLst>
+          </a:blip>
+          <a:stretch>
+            <a:fillRect/>
+          </a:stretch>
+        </p:blipFill>
+        <p:spPr>
+          <a:xfrm rot="18131053">
+            <a:off x="1984961" y="3952064"/>
+            <a:ext cx="914400" cy="914400"/>
+          </a:xfrm>
+          <a:prstGeom prst="rect">
+            <a:avLst/>
+          </a:prstGeom>
+        </p:spPr>
+      </p:pic>
+      <p:pic>
+        <p:nvPicPr>
+          <p:cNvPr id="20" name="Grafik 19" descr="Übertragen">
+            <a:extLst>
+              <a:ext uri="{FF2B5EF4-FFF2-40B4-BE49-F238E27FC236}">
+                <a16:creationId xmlns:a16="http://schemas.microsoft.com/office/drawing/2014/main" id="{8304CDDF-616A-399F-E78F-81C82F028A09}"/>
+              </a:ext>
+            </a:extLst>
+          </p:cNvPr>
+          <p:cNvPicPr>
+            <a:picLocks noChangeAspect="1"/>
+          </p:cNvPicPr>
+          <p:nvPr/>
+        </p:nvPicPr>
+        <p:blipFill>
+          <a:blip r:embed="rId4">
+            <a:extLst>
+              <a:ext uri="{28A0092B-C50C-407E-A947-70E740481C1C}">
+                <a14:useLocalDpi xmlns:a14="http://schemas.microsoft.com/office/drawing/2010/main" val="0"/>
+              </a:ext>
+              <a:ext uri="{96DAC541-7B7A-43D3-8B79-37D633B846F1}">
+                <asvg:svgBlip xmlns:asvg="http://schemas.microsoft.com/office/drawing/2016/SVG/main" r:embed="rId5"/>
+              </a:ext>
+            </a:extLst>
+          </a:blip>
+          <a:stretch>
+            <a:fillRect/>
+          </a:stretch>
+        </p:blipFill>
+        <p:spPr>
+          <a:xfrm>
+            <a:off x="3325118" y="5039736"/>
+            <a:ext cx="914400" cy="914400"/>
+          </a:xfrm>
+          <a:prstGeom prst="rect">
+            <a:avLst/>
+          </a:prstGeom>
+        </p:spPr>
+      </p:pic>
+      <p:pic>
+        <p:nvPicPr>
+          <p:cNvPr id="21" name="Grafik 20" descr="Übertragen">
+            <a:extLst>
+              <a:ext uri="{FF2B5EF4-FFF2-40B4-BE49-F238E27FC236}">
+                <a16:creationId xmlns:a16="http://schemas.microsoft.com/office/drawing/2014/main" id="{E960B71E-E069-6C21-AB32-7255E5CF4A0C}"/>
+              </a:ext>
+            </a:extLst>
+          </p:cNvPr>
+          <p:cNvPicPr>
+            <a:picLocks noChangeAspect="1"/>
+          </p:cNvPicPr>
+          <p:nvPr/>
+        </p:nvPicPr>
+        <p:blipFill>
+          <a:blip r:embed="rId4">
+            <a:extLst>
+              <a:ext uri="{28A0092B-C50C-407E-A947-70E740481C1C}">
+                <a14:useLocalDpi xmlns:a14="http://schemas.microsoft.com/office/drawing/2010/main" val="0"/>
+              </a:ext>
+              <a:ext uri="{96DAC541-7B7A-43D3-8B79-37D633B846F1}">
+                <asvg:svgBlip xmlns:asvg="http://schemas.microsoft.com/office/drawing/2016/SVG/main" r:embed="rId5"/>
+              </a:ext>
+            </a:extLst>
+          </a:blip>
+          <a:stretch>
+            <a:fillRect/>
+          </a:stretch>
+        </p:blipFill>
+        <p:spPr>
+          <a:xfrm rot="3104335">
+            <a:off x="4763392" y="3952470"/>
+            <a:ext cx="914400" cy="914400"/>
+          </a:xfrm>
+          <a:prstGeom prst="rect">
+            <a:avLst/>
+          </a:prstGeom>
+        </p:spPr>
+      </p:pic>
+      <p:pic>
+        <p:nvPicPr>
+          <p:cNvPr id="23" name="Grafik 22">
+            <a:extLst>
+              <a:ext uri="{FF2B5EF4-FFF2-40B4-BE49-F238E27FC236}">
+                <a16:creationId xmlns:a16="http://schemas.microsoft.com/office/drawing/2014/main" id="{C35F219E-EF28-6EDE-E179-950A551CEF1C}"/>
+              </a:ext>
+            </a:extLst>
+          </p:cNvPr>
+          <p:cNvPicPr>
+            <a:picLocks noChangeAspect="1"/>
+          </p:cNvPicPr>
+          <p:nvPr/>
+        </p:nvPicPr>
+        <p:blipFill>
+          <a:blip r:embed="rId6">
+            <a:extLst>
+              <a:ext uri="{28A0092B-C50C-407E-A947-70E740481C1C}">
+                <a14:useLocalDpi xmlns:a14="http://schemas.microsoft.com/office/drawing/2010/main" val="0"/>
+              </a:ext>
+            </a:extLst>
+          </a:blip>
+          <a:stretch>
+            <a:fillRect/>
+          </a:stretch>
+        </p:blipFill>
+        <p:spPr>
+          <a:xfrm>
+            <a:off x="5862704" y="4104767"/>
+            <a:ext cx="2235071" cy="350976"/>
+          </a:xfrm>
+          <a:prstGeom prst="rect">
+            <a:avLst/>
+          </a:prstGeom>
+        </p:spPr>
+      </p:pic>
+      <p:sp>
+        <p:nvSpPr>
+          <p:cNvPr id="26" name="Rechteck: abgerundete Ecken 25">
+            <a:extLst>
+              <a:ext uri="{FF2B5EF4-FFF2-40B4-BE49-F238E27FC236}">
+                <a16:creationId xmlns:a16="http://schemas.microsoft.com/office/drawing/2014/main" id="{D814E692-3425-F3A9-DE46-FA9C85EAF53E}"/>
+              </a:ext>
+            </a:extLst>
+          </p:cNvPr>
+          <p:cNvSpPr/>
+          <p:nvPr/>
+        </p:nvSpPr>
+        <p:spPr>
+          <a:xfrm>
+            <a:off x="8770984" y="3110776"/>
+            <a:ext cx="2174966" cy="2689934"/>
+          </a:xfrm>
+          <a:prstGeom prst="roundRect">
+            <a:avLst/>
+          </a:prstGeom>
+          <a:solidFill>
+            <a:schemeClr val="bg1"/>
+          </a:solidFill>
           <a:ln>
-            <a:solidFill>
-              <a:srgbClr val="516482"/>
-            </a:solidFill>
-            <a:tailEnd type="triangle"/>
+            <a:noFill/>
           </a:ln>
+          <a:effectLst>
+            <a:innerShdw blurRad="558800">
+              <a:prstClr val="black">
+                <a:alpha val="16000"/>
+              </a:prstClr>
+            </a:innerShdw>
+          </a:effectLst>
         </p:spPr>
         <p:style>
-          <a:lnRef idx="1">
-            <a:schemeClr val="accent1"/>
+          <a:lnRef idx="2">
+            <a:schemeClr val="accent1">
+              <a:shade val="50000"/>
+            </a:schemeClr>
           </a:lnRef>
-          <a:fillRef idx="0">
+          <a:fillRef idx="1">
             <a:schemeClr val="accent1"/>
           </a:fillRef>
           <a:effectRef idx="0">
             <a:schemeClr val="accent1"/>
           </a:effectRef>
           <a:fontRef idx="minor">
-            <a:schemeClr val="tx1"/>
+            <a:schemeClr val="lt1"/>
           </a:fontRef>
         </p:style>
-      </p:cxnSp>
-      <p:cxnSp>
-        <p:nvCxnSpPr>
-          <p:cNvPr id="11" name="Straight Arrow Connector 10">
-            <a:extLst>
-              <a:ext uri="{FF2B5EF4-FFF2-40B4-BE49-F238E27FC236}">
-                <a16:creationId xmlns:a16="http://schemas.microsoft.com/office/drawing/2014/main" id="{54F86FE4-C8A2-4D5F-BC44-9F7B6C98664D}"/>
-              </a:ext>
-            </a:extLst>
-          </p:cNvPr>
-          <p:cNvCxnSpPr>
-            <a:cxnSpLocks/>
-            <a:stCxn id="7" idx="1"/>
-            <a:endCxn id="5" idx="5"/>
-          </p:cNvCxnSpPr>
+        <p:txBody>
+          <a:bodyPr rtlCol="0" anchor="ctr"/>
+          <a:lstStyle/>
+          <a:p>
+            <a:pPr algn="ctr"/>
+            <a:endParaRPr lang="de-DE"/>
+          </a:p>
+        </p:txBody>
+      </p:sp>
+      <p:pic>
+        <p:nvPicPr>
+          <p:cNvPr id="27" name="Picture 4" descr="data:image/png;base64,iVBORw0KGgoAAAANSUhEUgAAAPMAAADQCAMAAADlEKeVAAAAbFBMVEX///8kl+0AjuwAkOz8//8XlO2/3PkAkuwble0Ajey72fjb6/uZyPV5ufKUxvXn8fy01ffv9/7n8vymz/aHv/P1+v52t/LK4vrV6PvX6fsvm+5irvGQw/RSp/BCoe+jzfZfrPA6n+5Lpe9ssvFIIBcuAAAOgUlEQVR4nO1da4OqLBBOiMAum+attSyt//8fXy+AyCXtvCrubs/5co6H1McZhmEYhtXKHq7E6YI8Lb7NPHAdGe7J9jtNDaBwhkfb7zQ1NJz/opz/Iue/qNt/kfNHt38hPpz/rG7/Rc5/Ubf/Iudfr9vqvOr3y9nBMty17XeaGr4n49eL+YMfjLWEl5flqz+yN++QbJVgUl4+Q/ky2pWXD/JlmNkm8A/YY3n0QXF5+YDky/i60sYAf6AR2yvk0GGl44y+Vr/FD/vfnH+gHzYf58ifjsV7mE+3n+59OhpvYTY5b6ED0/OETIZjLs5RPT6A65RchmIu3Y6bG8JsAV7MTJx3bGRHRTQpnyGYSbdzvohLUuuk55HzTvghSW2r9zycO7dDtn30WXQ7gt3fhBOT6sEsnD1pIgOSiVm9hoazfl5Vc/7HGGAmpaEQZ2JWr+G5UAKoyO2Vy65XXnbkqxgMsMKRoh7Yrm+SbCVs6ssb+XKtjr58dTtEtTfKHN0Bi5lwTIRQzrAqe4plMzY5HipnB9sepCeGYg8rzt4cT764oAs3L6/uIJBR9dxEbgzgd3k5Vi4/qlvflFsfhAf7UMOZzOGYqMazNiTDY4D6sarKA9ypt8bCk791nJ0hBv9/c1afDP1xfM+demskPDlRzXb1VTY/l/Opl7NmqKpazDBE25OznjPJ/cTbh/Hz8ozDvXeeQtXn5Sz2Z71uOwRijAgihCCEMIRFOLoXbk+39TZMBYI4HNc9s6fb2rHKQBuEY/oq9jhrfRITcDriYpBFzvJU8jXc8bq1vf68+npH0A5cPucBcj4P79DjxhMscl6RN5R7TF/Fom6vrm8oNxxxuLIp55P6OxNGjRppOAM95xcxwH/kzFar+jFydFCJ38HKQdyqwb59efmujwGmagxwXU1TsXy96D57sFsychTY38ioe85Zvto8NdFejvT3OCmX5RlDOEzQ+PeEyZJsGGWU237TcRBtDgQOG6vQY5xHKol7syHyvzf3OIXlhHEQYwePEiILlODcnChNGRrKtwSMx6D8eMfnswwERwn+5m+59lZBYD6K+5UMd34sA8HHSMOyZpVogSAIgudoaWOXJXMmdegPY+DE2xGjQfmCOZNLnl/ia5CMvCS7YM7o0P/6/4QF63a93jcFnssdqor+t/83qFPgpWAc90OH5Y5V0+UYvBdhnRETrkgG+qUx+5gwZ2i7UM5owrJMhiVQ6wC76ThropFLwKTJM5rg7hIw4nKUBou022SkmJcBN9v8dJhWzIt0PicWs2ZZxj4mFvNqszwjRvJpKa9Oy+M85djcYHGc0Sgh7Jd4L3dlBoy5nm7AO8v7cwDvJ6e8OI87nZ7y0rzPeXZVLcoTm8GAVVhShyZonl0nbyWjTQwwQ15+jeXIeSbNXr2RozQ95qK8Spai3GCqlQsNFiJnOGdpkoF5WRMDXWakPHgvxLSYwwETsAS3ZO46TJ59Qc+/k9/6PAPMsgO2A9tRMTjDBFKG5cmVnbocVicaeKrMkddYW+zReDYvW0JgTbuhHSlXSG1Rtph1f7aT+Wm3/p+NKSWBcwUJDLBAGc04e9Ridu3GN+vV4Fb3eW03sGewBVxm7NLWuzLDbTbSMFtK0ah1Os+KHYGBbaotojlIk+UIuUZUTK7e2NnaZikjm3a6geqyekvDYcJxGsHDotSaY4sn0m/kxoutMu/nAzepvgNSynjRNea3zsi9mmC0t+9p9uCOR2SNQLY4W61FkI6i4aVOp/vFdmMFycXF/492Sdi52p4wvonIyyB8Y092lzCGj/3kSX1TINoeHPju6EUQBkWoVKb4STh6hwIOKjpASrYYoss++cl8Gdbf3vVS11vBqC5B0Fa/d1i5PgjTLBx9I6t1nM6b4Ct85o+0dCSB65ZfIC0e+TP8CjbnRfscH3zwwQcffPDBBx988MEHH3zwwTAEt/Qy5Zmdpzi9LeUkVIoYEkLc6RIcjhA5Dpx1w0EfmvNnCJnsAc0mY8unynVBKw1NtyWgOepnjtNbBoNxnmpVZd2sYpMlFVH+cB4fH87LwIfz+PhwXgY+nMfHh/My8OE8Pj6cLcHf7XantuTJa87+sWw8NCOkanyUG/dwXn8bJnT+8XgyFmZZ77qvW3PSv+Z6cyhAcwhP+vSabA8z5yR80MO8yTPom2qerw9Y3xrg/C7e6zXnqwvdh/yyp+CZ1scGAXS563Ks9tWvfJkTQN0nVzgecJvqRBCGdTl+A+foitp8MEIwyF5EUtZ7R0geIwjc2gzHV5zPafVw1K2wvckAT0wiBMFC2b4QVLdEqcLJKV/zIn7AdQzk3C4E8pOB815JgCPwZgqaBVjOEiQ4ZXGRF5xZgri48+ZcKImWkEib3+kbe6tIwwm3yUoJ0mWzEeB5SOW8S7V5ra5WP/2btjGIezgnDnsj1Gbsa/PkpX0bftMG3Te6hMy2qvEXMKSxYboPVuS8UU9upo01G94SUwIsKvwXnEu147/DTHsj/ecr7yVuLqRnepHUsPWNfb7enXEC58BEuXy2I6e5bU0fkx2dpue8EdWO1dg+mY8cJEKlKXaOmaFxqlKuchI1yYstZ0+kLDcmTlfSHZWozu0QDyeq5afjHF0E5UCE2glfpEykewmBU/XsNpETPb2s3f9IMMzCwAuuOZZ+yDknLQsEb+HdC/ZP1L4i6ZSJEUpYlwb2UDWOHd4YhXrOnpgpCw50FBb2sRGM8us9+Ho6sG3Jy33KnDHMryWnrxyVvGFa367d54qdgIlpvS06fYdxjrhdQPjKB+Uka4kIVQfWAuOQK8qZ7eKobZPC2c+Fd8YOHwzaTZow5zL9Fro966hdzrDwuOuyiXO6YNJ+qW6MuVO6gHHmZzrBZ0eLE8L+Q4jO8+3h8NLp59Qku0cN50C0eaCV/pa9DUo7Y+Ix4/8RazjrNx/uqTwJlsfXk2AGKGdeQwzI91o/GEGu3VyBgLwctc4BxvWBixLnk3g0GE4FJ4v1XahU0L/yd/qWORNH6zJHTIWh6sX5ipwLdnvNVhFGGjMXgZV+Vb5PieRO3dUO570gZALEojNMMrqCHcwe0aLFopz12dJ3ejNtYecj/3nDmYkZavf1sbZU0Dsq5tfnPAqcd4Uo5EdHRNRm6wvoHygHcOxyNlUxpj6Hoawg79MNZ9ZBb9rGTJfpqTusxNrrA2lazlfBHBGpGBwrhY31gqPqVw8ELWdTeVsmSWiYELJyJA1n1tjgWdNi7HS9jVqDnsrgjPNF9LGUTcD0vB1kYEH1r/FyWp/E8EiveZLxECiPqX7FmZb4NNZ0Z8Nx/f/sa/acO0Q5d7wmrFTMYt/PNGOm1dzq1VPGGZsW8qkCmiTHK0nVnOkcCxs3n1Mdg9XfqToan0yxVmYNpFCY0WmDc9t6Wmyf9JtsBM7GYtX0MC5sfCdqfGvOofB3LUJhEkZrjWmGgx7OGjHzGrLYAKolte77fQpWkJfa2uXJvqaxMe0JuOrCtAuCnsq6Gs5q0sEWqo10qLso5Wwu9krVyXxUzl0QXSNzYq68SIt01yrGbPxrylrOinJ4hjmkwjkWOBszF4S2eohxkl7OVAdh5bE0RvxFY5VzO7dA3b449CipOiDAOBvr6DVj0Qs5s25ZWUR6+qA5n4bKGQtyRsbGMufS1eTHlZK00yUGy/kqcDbWQ7g1NMwDCu2W9fgd93XRQOjP1J6Bnkgw51zPcDz2L9RxewaezkFqU93LmZkl45ux2FD1d1oN0Hy6YSx0/rvAfwDnounCez5LEjPGuN1WjpEXAZo5SS9netAcNkVqT6IbwhwY492QYNipnqOeBQp5LsljNmItPOYl3I67F6DT+V7OVGuM56hQ0TZvfhJdPN3NGprNRICF4no6tBIz4LEBsZhnQS8NyVLr5cy+oKGmddSddTEX0FBNlb4ZtZjUHzR7bTXU2BAv4CQUbaXGYVCB9V7OzM8i+qkSG2SpsKjUCdZ2/6AzpeOzVH1jBpVzG/hyuS1gHRoMSLbt58xnabp+x4oSs055pAYH6aaxbIbB5rgR6P5bD00M0Ocxt9Y3oSrkONoxo7Na18+5nS2qkwE+XHJ3nR3dpQlXHHn0hkmHHbiqORAxuj/Ds4mzEC4l7MFshNbp4xVAcQllAGc+9ikVNAM+WPL/ObFIL5aTj/nZMK1YeXVfnEnSOVdhV3dv4rzS+CZM0KiQ7Ng6r54sWPkBnNtQJr6JhuwkxFzbqzzghhxxeIsOPMghrnjwxki0euuwaayNezZofRM2++EBRSmEwpa1XO6tDuEctcsBMNs2P42SZxupcUXDceMLsPDGVp3PYespd4KrGbtMcBrQb7G7ssbGdYyV6Jvk9MqV+5/YYbVbou0Dyj1qEOfVuV2aIBCm+fNSiEU3umFLXwhoYOhkz8sNC6sJ3Y4u1tDDkGSX5wO1jetwgmldUvVNuD7WFVyyOK4qRfD7A65egzivNuJ8rjoRXvinA6U52RG/aCx38+4ak9TY/X7BWfBNmC7fOvfqrFaJtm0Y59XGNa74AWVKdjSXH1ED7r6DTI1x3di85s4XCVwmwodxekVQa9lkzkn4pfUQvon+1QjUBO/9Qv9sAjTT9Ehcmeg0bliaOfOO0YbUnob5FS4EVhJn7+u8y7Wko4vmdgTf9KGvULeqjB39FEq7no8QM/t0P4bGJfLZ+N6qmgc1siHdBIfI7fwqP14vR0P8YCOXxCKYGF3lXSY/HOvXNiocczmtA4GQj9iN86ut1krDxeK44cdA6loIZlIkqaivs6BafjrEJ2PMJLnUpYLqPwiC7OW5DN9xaa4RaRpjUNxfedW7A2oa13WGYCqWgttV6Tgw1/7uXNkZ2PX5TiHho0p1s1hxwctfkda0BHv/nL+o8hMl+zgr0iJ7fm36iwGdg0N+S4vH87rtzxJsGqe3Z+hJjY/P4mEKgu+eaaYq23dwyEphpo94n+j87115x/ZXm/DaeeJ/sWToJRlk4p8AAAAASUVORK5CYII=">
+            <a:extLst>
+              <a:ext uri="{FF2B5EF4-FFF2-40B4-BE49-F238E27FC236}">
+                <a16:creationId xmlns:a16="http://schemas.microsoft.com/office/drawing/2014/main" id="{633D06FE-098F-4211-25E4-E6F392084C54}"/>
+              </a:ext>
+            </a:extLst>
+          </p:cNvPr>
+          <p:cNvPicPr>
+            <a:picLocks noChangeAspect="1" noChangeArrowheads="1"/>
+          </p:cNvPicPr>
           <p:nvPr/>
-        </p:nvCxnSpPr>
-        <p:spPr>
-          <a:xfrm flipH="1" flipV="1">
-            <a:off x="6035156" y="4024321"/>
-            <a:ext cx="887152" cy="374854"/>
+        </p:nvPicPr>
+        <p:blipFill rotWithShape="1">
+          <a:blip r:embed="rId7">
+            <a:extLst>
+              <a:ext uri="{BEBA8EAE-BF5A-486C-A8C5-ECC9F3942E4B}">
+                <a14:imgProps xmlns:a14="http://schemas.microsoft.com/office/drawing/2010/main">
+                  <a14:imgLayer r:embed="rId8">
+                    <a14:imgEffect>
+                      <a14:backgroundRemoval t="2885" b="62019" l="9877" r="90535">
+                        <a14:foregroundMark x1="26337" y1="21635" x2="26337" y2="21635"/>
+                        <a14:foregroundMark x1="37449" y1="24038" x2="37449" y2="24038"/>
+                        <a14:foregroundMark x1="37037" y1="14423" x2="37037" y2="14423"/>
+                        <a14:foregroundMark x1="45267" y1="25962" x2="45267" y2="25962"/>
+                        <a14:foregroundMark x1="46502" y1="14423" x2="46502" y2="14423"/>
+                        <a14:foregroundMark x1="52263" y1="25000" x2="52263" y2="25000"/>
+                        <a14:foregroundMark x1="61317" y1="25962" x2="61317" y2="25962"/>
+                        <a14:foregroundMark x1="54321" y1="13462" x2="54321" y2="13462"/>
+                        <a14:foregroundMark x1="53909" y1="6731" x2="53909" y2="6731"/>
+                        <a14:foregroundMark x1="53909" y1="2885" x2="53909" y2="2885"/>
+                        <a14:foregroundMark x1="90535" y1="25962" x2="90535" y2="25962"/>
+                        <a14:foregroundMark x1="42387" y1="62019" x2="42387" y2="62019"/>
+                      </a14:backgroundRemoval>
+                    </a14:imgEffect>
+                    <a14:imgEffect>
+                      <a14:sharpenSoften amount="50000"/>
+                    </a14:imgEffect>
+                  </a14:imgLayer>
+                </a14:imgProps>
+              </a:ext>
+              <a:ext uri="{28A0092B-C50C-407E-A947-70E740481C1C}">
+                <a14:useLocalDpi xmlns:a14="http://schemas.microsoft.com/office/drawing/2010/main" val="0"/>
+              </a:ext>
+            </a:extLst>
+          </a:blip>
+          <a:srcRect b="32040"/>
+          <a:stretch/>
+        </p:blipFill>
+        <p:spPr bwMode="auto">
+          <a:xfrm>
+            <a:off x="8854013" y="3312357"/>
+            <a:ext cx="858786" cy="499568"/>
           </a:xfrm>
-          <a:prstGeom prst="straightConnector1">
+          <a:prstGeom prst="rect">
             <a:avLst/>
           </a:prstGeom>
-          <a:ln>
-            <a:solidFill>
-              <a:srgbClr val="516482"/>
-            </a:solidFill>
-            <a:tailEnd type="triangle"/>
-          </a:ln>
+          <a:noFill/>
+          <a:extLst>
+            <a:ext uri="{909E8E84-426E-40DD-AFC4-6F175D3DCCD1}">
+              <a14:hiddenFill xmlns:a14="http://schemas.microsoft.com/office/drawing/2010/main">
+                <a:solidFill>
+                  <a:srgbClr val="FFFFFF"/>
+                </a:solidFill>
+              </a14:hiddenFill>
+            </a:ext>
+          </a:extLst>
         </p:spPr>
-        <p:style>
-          <a:lnRef idx="1">
-            <a:schemeClr val="accent1"/>
-          </a:lnRef>
-          <a:fillRef idx="0">
-            <a:schemeClr val="accent1"/>
-          </a:fillRef>
-          <a:effectRef idx="0">
-            <a:schemeClr val="accent1"/>
-          </a:effectRef>
-          <a:fontRef idx="minor">
-            <a:schemeClr val="tx1"/>
-          </a:fontRef>
-        </p:style>
-      </p:cxnSp>
+      </p:pic>
+      <p:sp>
+        <p:nvSpPr>
+          <p:cNvPr id="28" name="Textfeld 27">
+            <a:extLst>
+              <a:ext uri="{FF2B5EF4-FFF2-40B4-BE49-F238E27FC236}">
+                <a16:creationId xmlns:a16="http://schemas.microsoft.com/office/drawing/2014/main" id="{91514754-4208-1CFB-F061-A9DF5EBC9569}"/>
+              </a:ext>
+            </a:extLst>
+          </p:cNvPr>
+          <p:cNvSpPr txBox="1"/>
+          <p:nvPr/>
+        </p:nvSpPr>
+        <p:spPr>
+          <a:xfrm>
+            <a:off x="8804206" y="3971912"/>
+            <a:ext cx="2201849" cy="369332"/>
+          </a:xfrm>
+          <a:prstGeom prst="rect">
+            <a:avLst/>
+          </a:prstGeom>
+          <a:noFill/>
+        </p:spPr>
+        <p:txBody>
+          <a:bodyPr wrap="square" rtlCol="0">
+            <a:spAutoFit/>
+          </a:bodyPr>
+          <a:lstStyle/>
+          <a:p>
+            <a:r>
+              <a:rPr lang="de-DE" dirty="0" err="1"/>
+              <a:t>docker-compose.yml</a:t>
+            </a:r>
+            <a:endParaRPr lang="de-DE" dirty="0"/>
+          </a:p>
+        </p:txBody>
+      </p:sp>
+      <p:pic>
+        <p:nvPicPr>
+          <p:cNvPr id="30" name="Grafik 29" descr="Wiedergeben">
+            <a:extLst>
+              <a:ext uri="{FF2B5EF4-FFF2-40B4-BE49-F238E27FC236}">
+                <a16:creationId xmlns:a16="http://schemas.microsoft.com/office/drawing/2014/main" id="{F1308CAB-6F8C-D107-5D44-D025B652E80F}"/>
+              </a:ext>
+            </a:extLst>
+          </p:cNvPr>
+          <p:cNvPicPr>
+            <a:picLocks noChangeAspect="1"/>
+          </p:cNvPicPr>
+          <p:nvPr/>
+        </p:nvPicPr>
+        <p:blipFill>
+          <a:blip r:embed="rId9">
+            <a:extLst>
+              <a:ext uri="{28A0092B-C50C-407E-A947-70E740481C1C}">
+                <a14:useLocalDpi xmlns:a14="http://schemas.microsoft.com/office/drawing/2010/main" val="0"/>
+              </a:ext>
+              <a:ext uri="{96DAC541-7B7A-43D3-8B79-37D633B846F1}">
+                <asvg:svgBlip xmlns:asvg="http://schemas.microsoft.com/office/drawing/2016/SVG/main" r:embed="rId10"/>
+              </a:ext>
+            </a:extLst>
+          </a:blip>
+          <a:stretch>
+            <a:fillRect/>
+          </a:stretch>
+        </p:blipFill>
+        <p:spPr>
+          <a:xfrm>
+            <a:off x="9545256" y="4581918"/>
+            <a:ext cx="719748" cy="719748"/>
+          </a:xfrm>
+          <a:prstGeom prst="rect">
+            <a:avLst/>
+          </a:prstGeom>
+        </p:spPr>
+      </p:pic>
+      <p:pic>
+        <p:nvPicPr>
+          <p:cNvPr id="31" name="Picture 4" descr="data:image/png;base64,iVBORw0KGgoAAAANSUhEUgAAAPMAAADQCAMAAADlEKeVAAAAbFBMVEX///8kl+0AjuwAkOz8//8XlO2/3PkAkuwble0Ajey72fjb6/uZyPV5ufKUxvXn8fy01ffv9/7n8vymz/aHv/P1+v52t/LK4vrV6PvX6fsvm+5irvGQw/RSp/BCoe+jzfZfrPA6n+5Lpe9ssvFIIBcuAAAOgUlEQVR4nO1da4OqLBBOiMAum+attSyt//8fXy+AyCXtvCrubs/5co6H1McZhmEYhtXKHq7E6YI8Lb7NPHAdGe7J9jtNDaBwhkfb7zQ1NJz/opz/Iue/qNt/kfNHt38hPpz/rG7/Rc5/Ubf/Iudfr9vqvOr3y9nBMty17XeaGr4n49eL+YMfjLWEl5flqz+yN++QbJVgUl4+Q/ky2pWXD/JlmNkm8A/YY3n0QXF5+YDky/i60sYAf6AR2yvk0GGl44y+Vr/FD/vfnH+gHzYf58ifjsV7mE+3n+59OhpvYTY5b6ED0/OETIZjLs5RPT6A65RchmIu3Y6bG8JsAV7MTJx3bGRHRTQpnyGYSbdzvohLUuuk55HzTvghSW2r9zycO7dDtn30WXQ7gt3fhBOT6sEsnD1pIgOSiVm9hoazfl5Vc/7HGGAmpaEQZ2JWr+G5UAKoyO2Vy65XXnbkqxgMsMKRoh7Yrm+SbCVs6ssb+XKtjr58dTtEtTfKHN0Bi5lwTIRQzrAqe4plMzY5HipnB9sepCeGYg8rzt4cT764oAs3L6/uIJBR9dxEbgzgd3k5Vi4/qlvflFsfhAf7UMOZzOGYqMazNiTDY4D6sarKA9ypt8bCk791nJ0hBv9/c1afDP1xfM+demskPDlRzXb1VTY/l/Opl7NmqKpazDBE25OznjPJ/cTbh/Hz8ozDvXeeQtXn5Sz2Z71uOwRijAgihCCEMIRFOLoXbk+39TZMBYI4HNc9s6fb2rHKQBuEY/oq9jhrfRITcDriYpBFzvJU8jXc8bq1vf68+npH0A5cPucBcj4P79DjxhMscl6RN5R7TF/Fom6vrm8oNxxxuLIp55P6OxNGjRppOAM95xcxwH/kzFar+jFydFCJ38HKQdyqwb59efmujwGmagxwXU1TsXy96D57sFsychTY38ioe85Zvto8NdFejvT3OCmX5RlDOEzQ+PeEyZJsGGWU237TcRBtDgQOG6vQY5xHKol7syHyvzf3OIXlhHEQYwePEiILlODcnChNGRrKtwSMx6D8eMfnswwERwn+5m+59lZBYD6K+5UMd34sA8HHSMOyZpVogSAIgudoaWOXJXMmdegPY+DE2xGjQfmCOZNLnl/ia5CMvCS7YM7o0P/6/4QF63a93jcFnssdqor+t/83qFPgpWAc90OH5Y5V0+UYvBdhnRETrkgG+qUx+5gwZ2i7UM5owrJMhiVQ6wC76ThropFLwKTJM5rg7hIw4nKUBou022SkmJcBN9v8dJhWzIt0PicWs2ZZxj4mFvNqszwjRvJpKa9Oy+M85djcYHGc0Sgh7Jd4L3dlBoy5nm7AO8v7cwDvJ6e8OI87nZ7y0rzPeXZVLcoTm8GAVVhShyZonl0nbyWjTQwwQ15+jeXIeSbNXr2RozQ95qK8Spai3GCqlQsNFiJnOGdpkoF5WRMDXWakPHgvxLSYwwETsAS3ZO46TJ59Qc+/k9/6PAPMsgO2A9tRMTjDBFKG5cmVnbocVicaeKrMkddYW+zReDYvW0JgTbuhHSlXSG1Rtph1f7aT+Wm3/p+NKSWBcwUJDLBAGc04e9Ridu3GN+vV4Fb3eW03sGewBVxm7NLWuzLDbTbSMFtK0ah1Os+KHYGBbaotojlIk+UIuUZUTK7e2NnaZikjm3a6geqyekvDYcJxGsHDotSaY4sn0m/kxoutMu/nAzepvgNSynjRNea3zsi9mmC0t+9p9uCOR2SNQLY4W61FkI6i4aVOp/vFdmMFycXF/492Sdi52p4wvonIyyB8Y092lzCGj/3kSX1TINoeHPju6EUQBkWoVKb4STh6hwIOKjpASrYYoss++cl8Gdbf3vVS11vBqC5B0Fa/d1i5PgjTLBx9I6t1nM6b4Ct85o+0dCSB65ZfIC0e+TP8CjbnRfscH3zwwQcffPDBBx988MEHH3zwwTAEt/Qy5Zmdpzi9LeUkVIoYEkLc6RIcjhA5Dpx1w0EfmvNnCJnsAc0mY8unynVBKw1NtyWgOepnjtNbBoNxnmpVZd2sYpMlFVH+cB4fH87LwIfz+PhwXgY+nMfHh/My8OE8Pj6cLcHf7XantuTJa87+sWw8NCOkanyUG/dwXn8bJnT+8XgyFmZZ77qvW3PSv+Z6cyhAcwhP+vSabA8z5yR80MO8yTPom2qerw9Y3xrg/C7e6zXnqwvdh/yyp+CZ1scGAXS563Ks9tWvfJkTQN0nVzgecJvqRBCGdTl+A+foitp8MEIwyF5EUtZ7R0geIwjc2gzHV5zPafVw1K2wvckAT0wiBMFC2b4QVLdEqcLJKV/zIn7AdQzk3C4E8pOB815JgCPwZgqaBVjOEiQ4ZXGRF5xZgri48+ZcKImWkEib3+kbe6tIwwm3yUoJ0mWzEeB5SOW8S7V5ra5WP/2btjGIezgnDnsj1Gbsa/PkpX0bftMG3Te6hMy2qvEXMKSxYboPVuS8UU9upo01G94SUwIsKvwXnEu147/DTHsj/ecr7yVuLqRnepHUsPWNfb7enXEC58BEuXy2I6e5bU0fkx2dpue8EdWO1dg+mY8cJEKlKXaOmaFxqlKuchI1yYstZ0+kLDcmTlfSHZWozu0QDyeq5afjHF0E5UCE2glfpEykewmBU/XsNpETPb2s3f9IMMzCwAuuOZZ+yDknLQsEb+HdC/ZP1L4i6ZSJEUpYlwb2UDWOHd4YhXrOnpgpCw50FBb2sRGM8us9+Ho6sG3Jy33KnDHMryWnrxyVvGFa367d54qdgIlpvS06fYdxjrhdQPjKB+Uka4kIVQfWAuOQK8qZ7eKobZPC2c+Fd8YOHwzaTZow5zL9Fro966hdzrDwuOuyiXO6YNJ+qW6MuVO6gHHmZzrBZ0eLE8L+Q4jO8+3h8NLp59Qku0cN50C0eaCV/pa9DUo7Y+Ix4/8RazjrNx/uqTwJlsfXk2AGKGdeQwzI91o/GEGu3VyBgLwctc4BxvWBixLnk3g0GE4FJ4v1XahU0L/yd/qWORNH6zJHTIWh6sX5ipwLdnvNVhFGGjMXgZV+Vb5PieRO3dUO570gZALEojNMMrqCHcwe0aLFopz12dJ3ejNtYecj/3nDmYkZavf1sbZU0Dsq5tfnPAqcd4Uo5EdHRNRm6wvoHygHcOxyNlUxpj6Hoawg79MNZ9ZBb9rGTJfpqTusxNrrA2lazlfBHBGpGBwrhY31gqPqVw8ELWdTeVsmSWiYELJyJA1n1tjgWdNi7HS9jVqDnsrgjPNF9LGUTcD0vB1kYEH1r/FyWp/E8EiveZLxECiPqX7FmZb4NNZ0Z8Nx/f/sa/acO0Q5d7wmrFTMYt/PNGOm1dzq1VPGGZsW8qkCmiTHK0nVnOkcCxs3n1Mdg9XfqToan0yxVmYNpFCY0WmDc9t6Wmyf9JtsBM7GYtX0MC5sfCdqfGvOofB3LUJhEkZrjWmGgx7OGjHzGrLYAKolte77fQpWkJfa2uXJvqaxMe0JuOrCtAuCnsq6Gs5q0sEWqo10qLso5Wwu9krVyXxUzl0QXSNzYq68SIt01yrGbPxrylrOinJ4hjmkwjkWOBszF4S2eohxkl7OVAdh5bE0RvxFY5VzO7dA3b449CipOiDAOBvr6DVj0Qs5s25ZWUR6+qA5n4bKGQtyRsbGMufS1eTHlZK00yUGy/kqcDbWQ7g1NMwDCu2W9fgd93XRQOjP1J6Bnkgw51zPcDz2L9RxewaezkFqU93LmZkl45ux2FD1d1oN0Hy6YSx0/rvAfwDnounCez5LEjPGuN1WjpEXAZo5SS9netAcNkVqT6IbwhwY492QYNipnqOeBQp5LsljNmItPOYl3I67F6DT+V7OVGuM56hQ0TZvfhJdPN3NGprNRICF4no6tBIz4LEBsZhnQS8NyVLr5cy+oKGmddSddTEX0FBNlb4ZtZjUHzR7bTXU2BAv4CQUbaXGYVCB9V7OzM8i+qkSG2SpsKjUCdZ2/6AzpeOzVH1jBpVzG/hyuS1gHRoMSLbt58xnabp+x4oSs055pAYH6aaxbIbB5rgR6P5bD00M0Ocxt9Y3oSrkONoxo7Na18+5nS2qkwE+XHJ3nR3dpQlXHHn0hkmHHbiqORAxuj/Ds4mzEC4l7MFshNbp4xVAcQllAGc+9ikVNAM+WPL/ObFIL5aTj/nZMK1YeXVfnEnSOVdhV3dv4rzS+CZM0KiQ7Ng6r54sWPkBnNtQJr6JhuwkxFzbqzzghhxxeIsOPMghrnjwxki0euuwaayNezZofRM2++EBRSmEwpa1XO6tDuEctcsBMNs2P42SZxupcUXDceMLsPDGVp3PYespd4KrGbtMcBrQb7G7ssbGdYyV6Jvk9MqV+5/YYbVbou0Dyj1qEOfVuV2aIBCm+fNSiEU3umFLXwhoYOhkz8sNC6sJ3Y4u1tDDkGSX5wO1jetwgmldUvVNuD7WFVyyOK4qRfD7A65egzivNuJ8rjoRXvinA6U52RG/aCx38+4ak9TY/X7BWfBNmC7fOvfqrFaJtm0Y59XGNa74AWVKdjSXH1ED7r6DTI1x3di85s4XCVwmwodxekVQa9lkzkn4pfUQvon+1QjUBO/9Qv9sAjTT9Ehcmeg0bliaOfOO0YbUnob5FS4EVhJn7+u8y7Wko4vmdgTf9KGvULeqjB39FEq7no8QM/t0P4bGJfLZ+N6qmgc1siHdBIfI7fwqP14vR0P8YCOXxCKYGF3lXSY/HOvXNiocczmtA4GQj9iN86ut1krDxeK44cdA6loIZlIkqaivs6BafjrEJ2PMJLnUpYLqPwiC7OW5DN9xaa4RaRpjUNxfedW7A2oa13WGYCqWgttV6Tgw1/7uXNkZ2PX5TiHho0p1s1hxwctfkda0BHv/nL+o8hMl+zgr0iJ7fm36iwGdg0N+S4vH87rtzxJsGqe3Z+hJjY/P4mEKgu+eaaYq23dwyEphpo94n+j87115x/ZXm/DaeeJ/sWToJRlk4p8AAAAASUVORK5CYII=">
+            <a:extLst>
+              <a:ext uri="{FF2B5EF4-FFF2-40B4-BE49-F238E27FC236}">
+                <a16:creationId xmlns:a16="http://schemas.microsoft.com/office/drawing/2014/main" id="{B924EBBE-1A62-4CBB-3C18-A21A111F2417}"/>
+              </a:ext>
+            </a:extLst>
+          </p:cNvPr>
+          <p:cNvPicPr>
+            <a:picLocks noChangeAspect="1" noChangeArrowheads="1"/>
+          </p:cNvPicPr>
+          <p:nvPr/>
+        </p:nvPicPr>
+        <p:blipFill rotWithShape="1">
+          <a:blip r:embed="rId7">
+            <a:extLst>
+              <a:ext uri="{BEBA8EAE-BF5A-486C-A8C5-ECC9F3942E4B}">
+                <a14:imgProps xmlns:a14="http://schemas.microsoft.com/office/drawing/2010/main">
+                  <a14:imgLayer r:embed="rId8">
+                    <a14:imgEffect>
+                      <a14:backgroundRemoval t="2885" b="62019" l="9877" r="90535">
+                        <a14:foregroundMark x1="26337" y1="21635" x2="26337" y2="21635"/>
+                        <a14:foregroundMark x1="37449" y1="24038" x2="37449" y2="24038"/>
+                        <a14:foregroundMark x1="37037" y1="14423" x2="37037" y2="14423"/>
+                        <a14:foregroundMark x1="45267" y1="25962" x2="45267" y2="25962"/>
+                        <a14:foregroundMark x1="46502" y1="14423" x2="46502" y2="14423"/>
+                        <a14:foregroundMark x1="52263" y1="25000" x2="52263" y2="25000"/>
+                        <a14:foregroundMark x1="61317" y1="25962" x2="61317" y2="25962"/>
+                        <a14:foregroundMark x1="54321" y1="13462" x2="54321" y2="13462"/>
+                        <a14:foregroundMark x1="53909" y1="6731" x2="53909" y2="6731"/>
+                        <a14:foregroundMark x1="53909" y1="2885" x2="53909" y2="2885"/>
+                        <a14:foregroundMark x1="90535" y1="25962" x2="90535" y2="25962"/>
+                        <a14:foregroundMark x1="42387" y1="62019" x2="42387" y2="62019"/>
+                      </a14:backgroundRemoval>
+                    </a14:imgEffect>
+                    <a14:imgEffect>
+                      <a14:sharpenSoften amount="50000"/>
+                    </a14:imgEffect>
+                  </a14:imgLayer>
+                </a14:imgProps>
+              </a:ext>
+              <a:ext uri="{28A0092B-C50C-407E-A947-70E740481C1C}">
+                <a14:useLocalDpi xmlns:a14="http://schemas.microsoft.com/office/drawing/2010/main" val="0"/>
+              </a:ext>
+            </a:extLst>
+          </a:blip>
+          <a:srcRect b="32040"/>
+          <a:stretch/>
+        </p:blipFill>
+        <p:spPr bwMode="auto">
+          <a:xfrm>
+            <a:off x="2353470" y="2759689"/>
+            <a:ext cx="743824" cy="432693"/>
+          </a:xfrm>
+          <a:prstGeom prst="rect">
+            <a:avLst/>
+          </a:prstGeom>
+          <a:noFill/>
+          <a:extLst>
+            <a:ext uri="{909E8E84-426E-40DD-AFC4-6F175D3DCCD1}">
+              <a14:hiddenFill xmlns:a14="http://schemas.microsoft.com/office/drawing/2010/main">
+                <a:solidFill>
+                  <a:srgbClr val="FFFFFF"/>
+                </a:solidFill>
+              </a14:hiddenFill>
+            </a:ext>
+          </a:extLst>
+        </p:spPr>
+      </p:pic>
+      <p:pic>
+        <p:nvPicPr>
+          <p:cNvPr id="32" name="Picture 4" descr="data:image/png;base64,iVBORw0KGgoAAAANSUhEUgAAAPMAAADQCAMAAADlEKeVAAAAbFBMVEX///8kl+0AjuwAkOz8//8XlO2/3PkAkuwble0Ajey72fjb6/uZyPV5ufKUxvXn8fy01ffv9/7n8vymz/aHv/P1+v52t/LK4vrV6PvX6fsvm+5irvGQw/RSp/BCoe+jzfZfrPA6n+5Lpe9ssvFIIBcuAAAOgUlEQVR4nO1da4OqLBBOiMAum+attSyt//8fXy+AyCXtvCrubs/5co6H1McZhmEYhtXKHq7E6YI8Lb7NPHAdGe7J9jtNDaBwhkfb7zQ1NJz/opz/Iue/qNt/kfNHt38hPpz/rG7/Rc5/Ubf/Iudfr9vqvOr3y9nBMty17XeaGr4n49eL+YMfjLWEl5flqz+yN++QbJVgUl4+Q/ky2pWXD/JlmNkm8A/YY3n0QXF5+YDky/i60sYAf6AR2yvk0GGl44y+Vr/FD/vfnH+gHzYf58ifjsV7mE+3n+59OhpvYTY5b6ED0/OETIZjLs5RPT6A65RchmIu3Y6bG8JsAV7MTJx3bGRHRTQpnyGYSbdzvohLUuuk55HzTvghSW2r9zycO7dDtn30WXQ7gt3fhBOT6sEsnD1pIgOSiVm9hoazfl5Vc/7HGGAmpaEQZ2JWr+G5UAKoyO2Vy65XXnbkqxgMsMKRoh7Yrm+SbCVs6ssb+XKtjr58dTtEtTfKHN0Bi5lwTIRQzrAqe4plMzY5HipnB9sepCeGYg8rzt4cT764oAs3L6/uIJBR9dxEbgzgd3k5Vi4/qlvflFsfhAf7UMOZzOGYqMazNiTDY4D6sarKA9ypt8bCk791nJ0hBv9/c1afDP1xfM+demskPDlRzXb1VTY/l/Opl7NmqKpazDBE25OznjPJ/cTbh/Hz8ozDvXeeQtXn5Sz2Z71uOwRijAgihCCEMIRFOLoXbk+39TZMBYI4HNc9s6fb2rHKQBuEY/oq9jhrfRITcDriYpBFzvJU8jXc8bq1vf68+npH0A5cPucBcj4P79DjxhMscl6RN5R7TF/Fom6vrm8oNxxxuLIp55P6OxNGjRppOAM95xcxwH/kzFar+jFydFCJ38HKQdyqwb59efmujwGmagxwXU1TsXy96D57sFsychTY38ioe85Zvto8NdFejvT3OCmX5RlDOEzQ+PeEyZJsGGWU237TcRBtDgQOG6vQY5xHKol7syHyvzf3OIXlhHEQYwePEiILlODcnChNGRrKtwSMx6D8eMfnswwERwn+5m+59lZBYD6K+5UMd34sA8HHSMOyZpVogSAIgudoaWOXJXMmdegPY+DE2xGjQfmCOZNLnl/ia5CMvCS7YM7o0P/6/4QF63a93jcFnssdqor+t/83qFPgpWAc90OH5Y5V0+UYvBdhnRETrkgG+qUx+5gwZ2i7UM5owrJMhiVQ6wC76ThropFLwKTJM5rg7hIw4nKUBou022SkmJcBN9v8dJhWzIt0PicWs2ZZxj4mFvNqszwjRvJpKa9Oy+M85djcYHGc0Sgh7Jd4L3dlBoy5nm7AO8v7cwDvJ6e8OI87nZ7y0rzPeXZVLcoTm8GAVVhShyZonl0nbyWjTQwwQ15+jeXIeSbNXr2RozQ95qK8Spai3GCqlQsNFiJnOGdpkoF5WRMDXWakPHgvxLSYwwETsAS3ZO46TJ59Qc+/k9/6PAPMsgO2A9tRMTjDBFKG5cmVnbocVicaeKrMkddYW+zReDYvW0JgTbuhHSlXSG1Rtph1f7aT+Wm3/p+NKSWBcwUJDLBAGc04e9Ridu3GN+vV4Fb3eW03sGewBVxm7NLWuzLDbTbSMFtK0ah1Os+KHYGBbaotojlIk+UIuUZUTK7e2NnaZikjm3a6geqyekvDYcJxGsHDotSaY4sn0m/kxoutMu/nAzepvgNSynjRNea3zsi9mmC0t+9p9uCOR2SNQLY4W61FkI6i4aVOp/vFdmMFycXF/492Sdi52p4wvonIyyB8Y092lzCGj/3kSX1TINoeHPju6EUQBkWoVKb4STh6hwIOKjpASrYYoss++cl8Gdbf3vVS11vBqC5B0Fa/d1i5PgjTLBx9I6t1nM6b4Ct85o+0dCSB65ZfIC0e+TP8CjbnRfscH3zwwQcffPDBBx988MEHH3zwwTAEt/Qy5Zmdpzi9LeUkVIoYEkLc6RIcjhA5Dpx1w0EfmvNnCJnsAc0mY8unynVBKw1NtyWgOepnjtNbBoNxnmpVZd2sYpMlFVH+cB4fH87LwIfz+PhwXgY+nMfHh/My8OE8Pj6cLcHf7XantuTJa87+sWw8NCOkanyUG/dwXn8bJnT+8XgyFmZZ77qvW3PSv+Z6cyhAcwhP+vSabA8z5yR80MO8yTPom2qerw9Y3xrg/C7e6zXnqwvdh/yyp+CZ1scGAXS563Ks9tWvfJkTQN0nVzgecJvqRBCGdTl+A+foitp8MEIwyF5EUtZ7R0geIwjc2gzHV5zPafVw1K2wvckAT0wiBMFC2b4QVLdEqcLJKV/zIn7AdQzk3C4E8pOB815JgCPwZgqaBVjOEiQ4ZXGRF5xZgri48+ZcKImWkEib3+kbe6tIwwm3yUoJ0mWzEeB5SOW8S7V5ra5WP/2btjGIezgnDnsj1Gbsa/PkpX0bftMG3Te6hMy2qvEXMKSxYboPVuS8UU9upo01G94SUwIsKvwXnEu147/DTHsj/ecr7yVuLqRnepHUsPWNfb7enXEC58BEuXy2I6e5bU0fkx2dpue8EdWO1dg+mY8cJEKlKXaOmaFxqlKuchI1yYstZ0+kLDcmTlfSHZWozu0QDyeq5afjHF0E5UCE2glfpEykewmBU/XsNpETPb2s3f9IMMzCwAuuOZZ+yDknLQsEb+HdC/ZP1L4i6ZSJEUpYlwb2UDWOHd4YhXrOnpgpCw50FBb2sRGM8us9+Ho6sG3Jy33KnDHMryWnrxyVvGFa367d54qdgIlpvS06fYdxjrhdQPjKB+Uka4kIVQfWAuOQK8qZ7eKobZPC2c+Fd8YOHwzaTZow5zL9Fro966hdzrDwuOuyiXO6YNJ+qW6MuVO6gHHmZzrBZ0eLE8L+Q4jO8+3h8NLp59Qku0cN50C0eaCV/pa9DUo7Y+Ix4/8RazjrNx/uqTwJlsfXk2AGKGdeQwzI91o/GEGu3VyBgLwctc4BxvWBixLnk3g0GE4FJ4v1XahU0L/yd/qWORNH6zJHTIWh6sX5ipwLdnvNVhFGGjMXgZV+Vb5PieRO3dUO570gZALEojNMMrqCHcwe0aLFopz12dJ3ejNtYecj/3nDmYkZavf1sbZU0Dsq5tfnPAqcd4Uo5EdHRNRm6wvoHygHcOxyNlUxpj6Hoawg79MNZ9ZBb9rGTJfpqTusxNrrA2lazlfBHBGpGBwrhY31gqPqVw8ELWdTeVsmSWiYELJyJA1n1tjgWdNi7HS9jVqDnsrgjPNF9LGUTcD0vB1kYEH1r/FyWp/E8EiveZLxECiPqX7FmZb4NNZ0Z8Nx/f/sa/acO0Q5d7wmrFTMYt/PNGOm1dzq1VPGGZsW8qkCmiTHK0nVnOkcCxs3n1Mdg9XfqToan0yxVmYNpFCY0WmDc9t6Wmyf9JtsBM7GYtX0MC5sfCdqfGvOofB3LUJhEkZrjWmGgx7OGjHzGrLYAKolte77fQpWkJfa2uXJvqaxMe0JuOrCtAuCnsq6Gs5q0sEWqo10qLso5Wwu9krVyXxUzl0QXSNzYq68SIt01yrGbPxrylrOinJ4hjmkwjkWOBszF4S2eohxkl7OVAdh5bE0RvxFY5VzO7dA3b449CipOiDAOBvr6DVj0Qs5s25ZWUR6+qA5n4bKGQtyRsbGMufS1eTHlZK00yUGy/kqcDbWQ7g1NMwDCu2W9fgd93XRQOjP1J6Bnkgw51zPcDz2L9RxewaezkFqU93LmZkl45ux2FD1d1oN0Hy6YSx0/rvAfwDnounCez5LEjPGuN1WjpEXAZo5SS9netAcNkVqT6IbwhwY492QYNipnqOeBQp5LsljNmItPOYl3I67F6DT+V7OVGuM56hQ0TZvfhJdPN3NGprNRICF4no6tBIz4LEBsZhnQS8NyVLr5cy+oKGmddSddTEX0FBNlb4ZtZjUHzR7bTXU2BAv4CQUbaXGYVCB9V7OzM8i+qkSG2SpsKjUCdZ2/6AzpeOzVH1jBpVzG/hyuS1gHRoMSLbt58xnabp+x4oSs055pAYH6aaxbIbB5rgR6P5bD00M0Ocxt9Y3oSrkONoxo7Na18+5nS2qkwE+XHJ3nR3dpQlXHHn0hkmHHbiqORAxuj/Ds4mzEC4l7MFshNbp4xVAcQllAGc+9ikVNAM+WPL/ObFIL5aTj/nZMK1YeXVfnEnSOVdhV3dv4rzS+CZM0KiQ7Ng6r54sWPkBnNtQJr6JhuwkxFzbqzzghhxxeIsOPMghrnjwxki0euuwaayNezZofRM2++EBRSmEwpa1XO6tDuEctcsBMNs2P42SZxupcUXDceMLsPDGVp3PYespd4KrGbtMcBrQb7G7ssbGdYyV6Jvk9MqV+5/YYbVbou0Dyj1qEOfVuV2aIBCm+fNSiEU3umFLXwhoYOhkz8sNC6sJ3Y4u1tDDkGSX5wO1jetwgmldUvVNuD7WFVyyOK4qRfD7A65egzivNuJ8rjoRXvinA6U52RG/aCx38+4ak9TY/X7BWfBNmC7fOvfqrFaJtm0Y59XGNa74AWVKdjSXH1ED7r6DTI1x3di85s4XCVwmwodxekVQa9lkzkn4pfUQvon+1QjUBO/9Qv9sAjTT9Ehcmeg0bliaOfOO0YbUnob5FS4EVhJn7+u8y7Wko4vmdgTf9KGvULeqjB39FEq7no8QM/t0P4bGJfLZ+N6qmgc1siHdBIfI7fwqP14vR0P8YCOXxCKYGF3lXSY/HOvXNiocczmtA4GQj9iN86ut1krDxeK44cdA6loIZlIkqaivs6BafjrEJ2PMJLnUpYLqPwiC7OW5DN9xaa4RaRpjUNxfedW7A2oa13WGYCqWgttV6Tgw1/7uXNkZ2PX5TiHho0p1s1hxwctfkda0BHv/nL+o8hMl+zgr0iJ7fm36iwGdg0N+S4vH87rtzxJsGqe3Z+hJjY/P4mEKgu+eaaYq23dwyEphpo94n+j87115x/ZXm/DaeeJ/sWToJRlk4p8AAAAASUVORK5CYII=">
+            <a:extLst>
+              <a:ext uri="{FF2B5EF4-FFF2-40B4-BE49-F238E27FC236}">
+                <a16:creationId xmlns:a16="http://schemas.microsoft.com/office/drawing/2014/main" id="{C58A9CFD-D360-6E64-002A-DF2C3A1436CD}"/>
+              </a:ext>
+            </a:extLst>
+          </p:cNvPr>
+          <p:cNvPicPr>
+            <a:picLocks noChangeAspect="1" noChangeArrowheads="1"/>
+          </p:cNvPicPr>
+          <p:nvPr/>
+        </p:nvPicPr>
+        <p:blipFill rotWithShape="1">
+          <a:blip r:embed="rId7">
+            <a:extLst>
+              <a:ext uri="{BEBA8EAE-BF5A-486C-A8C5-ECC9F3942E4B}">
+                <a14:imgProps xmlns:a14="http://schemas.microsoft.com/office/drawing/2010/main">
+                  <a14:imgLayer r:embed="rId8">
+                    <a14:imgEffect>
+                      <a14:backgroundRemoval t="2885" b="62019" l="9877" r="90535">
+                        <a14:foregroundMark x1="26337" y1="21635" x2="26337" y2="21635"/>
+                        <a14:foregroundMark x1="37449" y1="24038" x2="37449" y2="24038"/>
+                        <a14:foregroundMark x1="37037" y1="14423" x2="37037" y2="14423"/>
+                        <a14:foregroundMark x1="45267" y1="25962" x2="45267" y2="25962"/>
+                        <a14:foregroundMark x1="46502" y1="14423" x2="46502" y2="14423"/>
+                        <a14:foregroundMark x1="52263" y1="25000" x2="52263" y2="25000"/>
+                        <a14:foregroundMark x1="61317" y1="25962" x2="61317" y2="25962"/>
+                        <a14:foregroundMark x1="54321" y1="13462" x2="54321" y2="13462"/>
+                        <a14:foregroundMark x1="53909" y1="6731" x2="53909" y2="6731"/>
+                        <a14:foregroundMark x1="53909" y1="2885" x2="53909" y2="2885"/>
+                        <a14:foregroundMark x1="90535" y1="25962" x2="90535" y2="25962"/>
+                        <a14:foregroundMark x1="42387" y1="62019" x2="42387" y2="62019"/>
+                      </a14:backgroundRemoval>
+                    </a14:imgEffect>
+                    <a14:imgEffect>
+                      <a14:sharpenSoften amount="50000"/>
+                    </a14:imgEffect>
+                  </a14:imgLayer>
+                </a14:imgProps>
+              </a:ext>
+              <a:ext uri="{28A0092B-C50C-407E-A947-70E740481C1C}">
+                <a14:useLocalDpi xmlns:a14="http://schemas.microsoft.com/office/drawing/2010/main" val="0"/>
+              </a:ext>
+            </a:extLst>
+          </a:blip>
+          <a:srcRect b="32040"/>
+          <a:stretch/>
+        </p:blipFill>
+        <p:spPr bwMode="auto">
+          <a:xfrm>
+            <a:off x="557460" y="4815438"/>
+            <a:ext cx="743824" cy="432693"/>
+          </a:xfrm>
+          <a:prstGeom prst="rect">
+            <a:avLst/>
+          </a:prstGeom>
+          <a:noFill/>
+          <a:extLst>
+            <a:ext uri="{909E8E84-426E-40DD-AFC4-6F175D3DCCD1}">
+              <a14:hiddenFill xmlns:a14="http://schemas.microsoft.com/office/drawing/2010/main">
+                <a:solidFill>
+                  <a:srgbClr val="FFFFFF"/>
+                </a:solidFill>
+              </a14:hiddenFill>
+            </a:ext>
+          </a:extLst>
+        </p:spPr>
+      </p:pic>
+      <p:pic>
+        <p:nvPicPr>
+          <p:cNvPr id="33" name="Picture 4" descr="data:image/png;base64,iVBORw0KGgoAAAANSUhEUgAAAPMAAADQCAMAAADlEKeVAAAAbFBMVEX///8kl+0AjuwAkOz8//8XlO2/3PkAkuwble0Ajey72fjb6/uZyPV5ufKUxvXn8fy01ffv9/7n8vymz/aHv/P1+v52t/LK4vrV6PvX6fsvm+5irvGQw/RSp/BCoe+jzfZfrPA6n+5Lpe9ssvFIIBcuAAAOgUlEQVR4nO1da4OqLBBOiMAum+attSyt//8fXy+AyCXtvCrubs/5co6H1McZhmEYhtXKHq7E6YI8Lb7NPHAdGe7J9jtNDaBwhkfb7zQ1NJz/opz/Iue/qNt/kfNHt38hPpz/rG7/Rc5/Ubf/Iudfr9vqvOr3y9nBMty17XeaGr4n49eL+YMfjLWEl5flqz+yN++QbJVgUl4+Q/ky2pWXD/JlmNkm8A/YY3n0QXF5+YDky/i60sYAf6AR2yvk0GGl44y+Vr/FD/vfnH+gHzYf58ifjsV7mE+3n+59OhpvYTY5b6ED0/OETIZjLs5RPT6A65RchmIu3Y6bG8JsAV7MTJx3bGRHRTQpnyGYSbdzvohLUuuk55HzTvghSW2r9zycO7dDtn30WXQ7gt3fhBOT6sEsnD1pIgOSiVm9hoazfl5Vc/7HGGAmpaEQZ2JWr+G5UAKoyO2Vy65XXnbkqxgMsMKRoh7Yrm+SbCVs6ssb+XKtjr58dTtEtTfKHN0Bi5lwTIRQzrAqe4plMzY5HipnB9sepCeGYg8rzt4cT764oAs3L6/uIJBR9dxEbgzgd3k5Vi4/qlvflFsfhAf7UMOZzOGYqMazNiTDY4D6sarKA9ypt8bCk791nJ0hBv9/c1afDP1xfM+demskPDlRzXb1VTY/l/Opl7NmqKpazDBE25OznjPJ/cTbh/Hz8ozDvXeeQtXn5Sz2Z71uOwRijAgihCCEMIRFOLoXbk+39TZMBYI4HNc9s6fb2rHKQBuEY/oq9jhrfRITcDriYpBFzvJU8jXc8bq1vf68+npH0A5cPucBcj4P79DjxhMscl6RN5R7TF/Fom6vrm8oNxxxuLIp55P6OxNGjRppOAM95xcxwH/kzFar+jFydFCJ38HKQdyqwb59efmujwGmagxwXU1TsXy96D57sFsychTY38ioe85Zvto8NdFejvT3OCmX5RlDOEzQ+PeEyZJsGGWU237TcRBtDgQOG6vQY5xHKol7syHyvzf3OIXlhHEQYwePEiILlODcnChNGRrKtwSMx6D8eMfnswwERwn+5m+59lZBYD6K+5UMd34sA8HHSMOyZpVogSAIgudoaWOXJXMmdegPY+DE2xGjQfmCOZNLnl/ia5CMvCS7YM7o0P/6/4QF63a93jcFnssdqor+t/83qFPgpWAc90OH5Y5V0+UYvBdhnRETrkgG+qUx+5gwZ2i7UM5owrJMhiVQ6wC76ThropFLwKTJM5rg7hIw4nKUBou022SkmJcBN9v8dJhWzIt0PicWs2ZZxj4mFvNqszwjRvJpKa9Oy+M85djcYHGc0Sgh7Jd4L3dlBoy5nm7AO8v7cwDvJ6e8OI87nZ7y0rzPeXZVLcoTm8GAVVhShyZonl0nbyWjTQwwQ15+jeXIeSbNXr2RozQ95qK8Spai3GCqlQsNFiJnOGdpkoF5WRMDXWakPHgvxLSYwwETsAS3ZO46TJ59Qc+/k9/6PAPMsgO2A9tRMTjDBFKG5cmVnbocVicaeKrMkddYW+zReDYvW0JgTbuhHSlXSG1Rtph1f7aT+Wm3/p+NKSWBcwUJDLBAGc04e9Ridu3GN+vV4Fb3eW03sGewBVxm7NLWuzLDbTbSMFtK0ah1Os+KHYGBbaotojlIk+UIuUZUTK7e2NnaZikjm3a6geqyekvDYcJxGsHDotSaY4sn0m/kxoutMu/nAzepvgNSynjRNea3zsi9mmC0t+9p9uCOR2SNQLY4W61FkI6i4aVOp/vFdmMFycXF/492Sdi52p4wvonIyyB8Y092lzCGj/3kSX1TINoeHPju6EUQBkWoVKb4STh6hwIOKjpASrYYoss++cl8Gdbf3vVS11vBqC5B0Fa/d1i5PgjTLBx9I6t1nM6b4Ct85o+0dCSB65ZfIC0e+TP8CjbnRfscH3zwwQcffPDBBx988MEHH3zwwTAEt/Qy5Zmdpzi9LeUkVIoYEkLc6RIcjhA5Dpx1w0EfmvNnCJnsAc0mY8unynVBKw1NtyWgOepnjtNbBoNxnmpVZd2sYpMlFVH+cB4fH87LwIfz+PhwXgY+nMfHh/My8OE8Pj6cLcHf7XantuTJa87+sWw8NCOkanyUG/dwXn8bJnT+8XgyFmZZ77qvW3PSv+Z6cyhAcwhP+vSabA8z5yR80MO8yTPom2qerw9Y3xrg/C7e6zXnqwvdh/yyp+CZ1scGAXS563Ks9tWvfJkTQN0nVzgecJvqRBCGdTl+A+foitp8MEIwyF5EUtZ7R0geIwjc2gzHV5zPafVw1K2wvckAT0wiBMFC2b4QVLdEqcLJKV/zIn7AdQzk3C4E8pOB815JgCPwZgqaBVjOEiQ4ZXGRF5xZgri48+ZcKImWkEib3+kbe6tIwwm3yUoJ0mWzEeB5SOW8S7V5ra5WP/2btjGIezgnDnsj1Gbsa/PkpX0bftMG3Te6hMy2qvEXMKSxYboPVuS8UU9upo01G94SUwIsKvwXnEu147/DTHsj/ecr7yVuLqRnepHUsPWNfb7enXEC58BEuXy2I6e5bU0fkx2dpue8EdWO1dg+mY8cJEKlKXaOmaFxqlKuchI1yYstZ0+kLDcmTlfSHZWozu0QDyeq5afjHF0E5UCE2glfpEykewmBU/XsNpETPb2s3f9IMMzCwAuuOZZ+yDknLQsEb+HdC/ZP1L4i6ZSJEUpYlwb2UDWOHd4YhXrOnpgpCw50FBb2sRGM8us9+Ho6sG3Jy33KnDHMryWnrxyVvGFa367d54qdgIlpvS06fYdxjrhdQPjKB+Uka4kIVQfWAuOQK8qZ7eKobZPC2c+Fd8YOHwzaTZow5zL9Fro966hdzrDwuOuyiXO6YNJ+qW6MuVO6gHHmZzrBZ0eLE8L+Q4jO8+3h8NLp59Qku0cN50C0eaCV/pa9DUo7Y+Ix4/8RazjrNx/uqTwJlsfXk2AGKGdeQwzI91o/GEGu3VyBgLwctc4BxvWBixLnk3g0GE4FJ4v1XahU0L/yd/qWORNH6zJHTIWh6sX5ipwLdnvNVhFGGjMXgZV+Vb5PieRO3dUO570gZALEojNMMrqCHcwe0aLFopz12dJ3ejNtYecj/3nDmYkZavf1sbZU0Dsq5tfnPAqcd4Uo5EdHRNRm6wvoHygHcOxyNlUxpj6Hoawg79MNZ9ZBb9rGTJfpqTusxNrrA2lazlfBHBGpGBwrhY31gqPqVw8ELWdTeVsmSWiYELJyJA1n1tjgWdNi7HS9jVqDnsrgjPNF9LGUTcD0vB1kYEH1r/FyWp/E8EiveZLxECiPqX7FmZb4NNZ0Z8Nx/f/sa/acO0Q5d7wmrFTMYt/PNGOm1dzq1VPGGZsW8qkCmiTHK0nVnOkcCxs3n1Mdg9XfqToan0yxVmYNpFCY0WmDc9t6Wmyf9JtsBM7GYtX0MC5sfCdqfGvOofB3LUJhEkZrjWmGgx7OGjHzGrLYAKolte77fQpWkJfa2uXJvqaxMe0JuOrCtAuCnsq6Gs5q0sEWqo10qLso5Wwu9krVyXxUzl0QXSNzYq68SIt01yrGbPxrylrOinJ4hjmkwjkWOBszF4S2eohxkl7OVAdh5bE0RvxFY5VzO7dA3b449CipOiDAOBvr6DVj0Qs5s25ZWUR6+qA5n4bKGQtyRsbGMufS1eTHlZK00yUGy/kqcDbWQ7g1NMwDCu2W9fgd93XRQOjP1J6Bnkgw51zPcDz2L9RxewaezkFqU93LmZkl45ux2FD1d1oN0Hy6YSx0/rvAfwDnounCez5LEjPGuN1WjpEXAZo5SS9netAcNkVqT6IbwhwY492QYNipnqOeBQp5LsljNmItPOYl3I67F6DT+V7OVGuM56hQ0TZvfhJdPN3NGprNRICF4no6tBIz4LEBsZhnQS8NyVLr5cy+oKGmddSddTEX0FBNlb4ZtZjUHzR7bTXU2BAv4CQUbaXGYVCB9V7OzM8i+qkSG2SpsKjUCdZ2/6AzpeOzVH1jBpVzG/hyuS1gHRoMSLbt58xnabp+x4oSs055pAYH6aaxbIbB5rgR6P5bD00M0Ocxt9Y3oSrkONoxo7Na18+5nS2qkwE+XHJ3nR3dpQlXHHn0hkmHHbiqORAxuj/Ds4mzEC4l7MFshNbp4xVAcQllAGc+9ikVNAM+WPL/ObFIL5aTj/nZMK1YeXVfnEnSOVdhV3dv4rzS+CZM0KiQ7Ng6r54sWPkBnNtQJr6JhuwkxFzbqzzghhxxeIsOPMghrnjwxki0euuwaayNezZofRM2++EBRSmEwpa1XO6tDuEctcsBMNs2P42SZxupcUXDceMLsPDGVp3PYespd4KrGbtMcBrQb7G7ssbGdYyV6Jvk9MqV+5/YYbVbou0Dyj1qEOfVuV2aIBCm+fNSiEU3umFLXwhoYOhkz8sNC6sJ3Y4u1tDDkGSX5wO1jetwgmldUvVNuD7WFVyyOK4qRfD7A65egzivNuJ8rjoRXvinA6U52RG/aCx38+4ak9TY/X7BWfBNmC7fOvfqrFaJtm0Y59XGNa74AWVKdjSXH1ED7r6DTI1x3di85s4XCVwmwodxekVQa9lkzkn4pfUQvon+1QjUBO/9Qv9sAjTT9Ehcmeg0bliaOfOO0YbUnob5FS4EVhJn7+u8y7Wko4vmdgTf9KGvULeqjB39FEq7no8QM/t0P4bGJfLZ+N6qmgc1siHdBIfI7fwqP14vR0P8YCOXxCKYGF3lXSY/HOvXNiocczmtA4GQj9iN86ut1krDxeK44cdA6loIZlIkqaivs6BafjrEJ2PMJLnUpYLqPwiC7OW5DN9xaa4RaRpjUNxfedW7A2oa13WGYCqWgttV6Tgw1/7uXNkZ2PX5TiHho0p1s1hxwctfkda0BHv/nL+o8hMl+zgr0iJ7fm36iwGdg0N+S4vH87rtzxJsGqe3Z+hJjY/P4mEKgu+eaaYq23dwyEphpo94n+j87115x/ZXm/DaeeJ/sWToJRlk4p8AAAAASUVORK5CYII=">
+            <a:extLst>
+              <a:ext uri="{FF2B5EF4-FFF2-40B4-BE49-F238E27FC236}">
+                <a16:creationId xmlns:a16="http://schemas.microsoft.com/office/drawing/2014/main" id="{5221525A-3AB7-E4E2-7D49-391F7641C4D3}"/>
+              </a:ext>
+            </a:extLst>
+          </p:cNvPr>
+          <p:cNvPicPr>
+            <a:picLocks noChangeAspect="1" noChangeArrowheads="1"/>
+          </p:cNvPicPr>
+          <p:nvPr/>
+        </p:nvPicPr>
+        <p:blipFill rotWithShape="1">
+          <a:blip r:embed="rId7">
+            <a:extLst>
+              <a:ext uri="{BEBA8EAE-BF5A-486C-A8C5-ECC9F3942E4B}">
+                <a14:imgProps xmlns:a14="http://schemas.microsoft.com/office/drawing/2010/main">
+                  <a14:imgLayer r:embed="rId8">
+                    <a14:imgEffect>
+                      <a14:backgroundRemoval t="2885" b="62019" l="9877" r="90535">
+                        <a14:foregroundMark x1="26337" y1="21635" x2="26337" y2="21635"/>
+                        <a14:foregroundMark x1="37449" y1="24038" x2="37449" y2="24038"/>
+                        <a14:foregroundMark x1="37037" y1="14423" x2="37037" y2="14423"/>
+                        <a14:foregroundMark x1="45267" y1="25962" x2="45267" y2="25962"/>
+                        <a14:foregroundMark x1="46502" y1="14423" x2="46502" y2="14423"/>
+                        <a14:foregroundMark x1="52263" y1="25000" x2="52263" y2="25000"/>
+                        <a14:foregroundMark x1="61317" y1="25962" x2="61317" y2="25962"/>
+                        <a14:foregroundMark x1="54321" y1="13462" x2="54321" y2="13462"/>
+                        <a14:foregroundMark x1="53909" y1="6731" x2="53909" y2="6731"/>
+                        <a14:foregroundMark x1="53909" y1="2885" x2="53909" y2="2885"/>
+                        <a14:foregroundMark x1="90535" y1="25962" x2="90535" y2="25962"/>
+                        <a14:foregroundMark x1="42387" y1="62019" x2="42387" y2="62019"/>
+                      </a14:backgroundRemoval>
+                    </a14:imgEffect>
+                    <a14:imgEffect>
+                      <a14:sharpenSoften amount="50000"/>
+                    </a14:imgEffect>
+                  </a14:imgLayer>
+                </a14:imgProps>
+              </a:ext>
+              <a:ext uri="{28A0092B-C50C-407E-A947-70E740481C1C}">
+                <a14:useLocalDpi xmlns:a14="http://schemas.microsoft.com/office/drawing/2010/main" val="0"/>
+              </a:ext>
+            </a:extLst>
+          </a:blip>
+          <a:srcRect b="32040"/>
+          <a:stretch/>
+        </p:blipFill>
+        <p:spPr bwMode="auto">
+          <a:xfrm>
+            <a:off x="4154861" y="4816027"/>
+            <a:ext cx="743824" cy="432693"/>
+          </a:xfrm>
+          <a:prstGeom prst="rect">
+            <a:avLst/>
+          </a:prstGeom>
+          <a:noFill/>
+          <a:extLst>
+            <a:ext uri="{909E8E84-426E-40DD-AFC4-6F175D3DCCD1}">
+              <a14:hiddenFill xmlns:a14="http://schemas.microsoft.com/office/drawing/2010/main">
+                <a:solidFill>
+                  <a:srgbClr val="FFFFFF"/>
+                </a:solidFill>
+              </a14:hiddenFill>
+            </a:ext>
+          </a:extLst>
+        </p:spPr>
+      </p:pic>
     </p:spTree>
     <p:extLst>
       <p:ext uri="{BB962C8B-B14F-4D97-AF65-F5344CB8AC3E}">
@@ -8318,6 +10058,867 @@
           <p:cNvPr id="2" name="Titel 1">
             <a:extLst>
               <a:ext uri="{FF2B5EF4-FFF2-40B4-BE49-F238E27FC236}">
+                <a16:creationId xmlns:a16="http://schemas.microsoft.com/office/drawing/2014/main" id="{FE7310EA-0D36-8797-94D6-7E3C9FD760A2}"/>
+              </a:ext>
+            </a:extLst>
+          </p:cNvPr>
+          <p:cNvSpPr>
+            <a:spLocks noGrp="1"/>
+          </p:cNvSpPr>
+          <p:nvPr>
+            <p:ph type="title"/>
+          </p:nvPr>
+        </p:nvSpPr>
+        <p:spPr/>
+        <p:txBody>
+          <a:bodyPr/>
+          <a:lstStyle/>
+          <a:p>
+            <a:r>
+              <a:rPr lang="de-DE" dirty="0"/>
+              <a:t>Basic </a:t>
+            </a:r>
+            <a:r>
+              <a:rPr lang="de-DE" dirty="0" err="1"/>
+              <a:t>Idea</a:t>
+            </a:r>
+            <a:endParaRPr lang="de-DE" dirty="0"/>
+          </a:p>
+        </p:txBody>
+      </p:sp>
+      <p:sp>
+        <p:nvSpPr>
+          <p:cNvPr id="4" name="Rectangle: Rounded Corners 5">
+            <a:extLst>
+              <a:ext uri="{FF2B5EF4-FFF2-40B4-BE49-F238E27FC236}">
+                <a16:creationId xmlns:a16="http://schemas.microsoft.com/office/drawing/2014/main" id="{78CCAEE7-61F5-65AA-DCCD-9964C5338FAE}"/>
+              </a:ext>
+            </a:extLst>
+          </p:cNvPr>
+          <p:cNvSpPr/>
+          <p:nvPr/>
+        </p:nvSpPr>
+        <p:spPr>
+          <a:xfrm>
+            <a:off x="1164594" y="4466010"/>
+            <a:ext cx="1704110" cy="768927"/>
+          </a:xfrm>
+          <a:prstGeom prst="roundRect">
+            <a:avLst/>
+          </a:prstGeom>
+          <a:solidFill>
+            <a:srgbClr val="2088FE"/>
+          </a:solidFill>
+          <a:ln>
+            <a:noFill/>
+          </a:ln>
+        </p:spPr>
+        <p:style>
+          <a:lnRef idx="2">
+            <a:schemeClr val="accent1">
+              <a:shade val="50000"/>
+            </a:schemeClr>
+          </a:lnRef>
+          <a:fillRef idx="1">
+            <a:schemeClr val="accent1"/>
+          </a:fillRef>
+          <a:effectRef idx="0">
+            <a:schemeClr val="accent1"/>
+          </a:effectRef>
+          <a:fontRef idx="minor">
+            <a:schemeClr val="lt1"/>
+          </a:fontRef>
+        </p:style>
+        <p:txBody>
+          <a:bodyPr rtlCol="0" anchor="ctr"/>
+          <a:lstStyle/>
+          <a:p>
+            <a:pPr algn="ctr"/>
+            <a:r>
+              <a:rPr lang="de-DE" dirty="0"/>
+              <a:t>Push</a:t>
+            </a:r>
+          </a:p>
+        </p:txBody>
+      </p:sp>
+      <p:sp>
+        <p:nvSpPr>
+          <p:cNvPr id="5" name="Rectangle: Rounded Corners 6">
+            <a:extLst>
+              <a:ext uri="{FF2B5EF4-FFF2-40B4-BE49-F238E27FC236}">
+                <a16:creationId xmlns:a16="http://schemas.microsoft.com/office/drawing/2014/main" id="{264CA49D-6F4B-C4CF-E420-1104249827C0}"/>
+              </a:ext>
+            </a:extLst>
+          </p:cNvPr>
+          <p:cNvSpPr/>
+          <p:nvPr/>
+        </p:nvSpPr>
+        <p:spPr>
+          <a:xfrm>
+            <a:off x="3619766" y="4466012"/>
+            <a:ext cx="2558017" cy="768927"/>
+          </a:xfrm>
+          <a:prstGeom prst="roundRect">
+            <a:avLst/>
+          </a:prstGeom>
+          <a:solidFill>
+            <a:srgbClr val="2088FE"/>
+          </a:solidFill>
+          <a:ln>
+            <a:noFill/>
+          </a:ln>
+        </p:spPr>
+        <p:style>
+          <a:lnRef idx="2">
+            <a:schemeClr val="accent1">
+              <a:shade val="50000"/>
+            </a:schemeClr>
+          </a:lnRef>
+          <a:fillRef idx="1">
+            <a:schemeClr val="accent1"/>
+          </a:fillRef>
+          <a:effectRef idx="0">
+            <a:schemeClr val="accent1"/>
+          </a:effectRef>
+          <a:fontRef idx="minor">
+            <a:schemeClr val="lt1"/>
+          </a:fontRef>
+        </p:style>
+        <p:txBody>
+          <a:bodyPr rtlCol="0" anchor="ctr"/>
+          <a:lstStyle/>
+          <a:p>
+            <a:pPr algn="ctr"/>
+            <a:r>
+              <a:rPr lang="de-DE" dirty="0"/>
+              <a:t>Create Infrastructure </a:t>
+            </a:r>
+            <a:r>
+              <a:rPr lang="de-DE" dirty="0" err="1"/>
+              <a:t>with</a:t>
+            </a:r>
+            <a:r>
+              <a:rPr lang="de-DE" dirty="0"/>
+              <a:t> Terraform</a:t>
+            </a:r>
+          </a:p>
+        </p:txBody>
+      </p:sp>
+      <p:sp>
+        <p:nvSpPr>
+          <p:cNvPr id="6" name="Rectangle: Rounded Corners 7">
+            <a:extLst>
+              <a:ext uri="{FF2B5EF4-FFF2-40B4-BE49-F238E27FC236}">
+                <a16:creationId xmlns:a16="http://schemas.microsoft.com/office/drawing/2014/main" id="{7245DBC1-1583-905A-477C-077D529C85D9}"/>
+              </a:ext>
+            </a:extLst>
+          </p:cNvPr>
+          <p:cNvSpPr/>
+          <p:nvPr/>
+        </p:nvSpPr>
+        <p:spPr>
+          <a:xfrm>
+            <a:off x="7639731" y="4466009"/>
+            <a:ext cx="2558015" cy="768927"/>
+          </a:xfrm>
+          <a:prstGeom prst="roundRect">
+            <a:avLst/>
+          </a:prstGeom>
+          <a:solidFill>
+            <a:srgbClr val="2088FE"/>
+          </a:solidFill>
+          <a:ln>
+            <a:noFill/>
+          </a:ln>
+        </p:spPr>
+        <p:style>
+          <a:lnRef idx="2">
+            <a:schemeClr val="accent1">
+              <a:shade val="50000"/>
+            </a:schemeClr>
+          </a:lnRef>
+          <a:fillRef idx="1">
+            <a:schemeClr val="accent1"/>
+          </a:fillRef>
+          <a:effectRef idx="0">
+            <a:schemeClr val="accent1"/>
+          </a:effectRef>
+          <a:fontRef idx="minor">
+            <a:schemeClr val="lt1"/>
+          </a:fontRef>
+        </p:style>
+        <p:txBody>
+          <a:bodyPr rtlCol="0" anchor="ctr"/>
+          <a:lstStyle/>
+          <a:p>
+            <a:pPr algn="ctr"/>
+            <a:r>
+              <a:rPr lang="de-DE" dirty="0"/>
+              <a:t>Deploy </a:t>
+            </a:r>
+            <a:r>
+              <a:rPr lang="de-DE" dirty="0" err="1"/>
+              <a:t>app</a:t>
+            </a:r>
+            <a:r>
+              <a:rPr lang="de-DE" dirty="0"/>
+              <a:t> </a:t>
+            </a:r>
+            <a:r>
+              <a:rPr lang="de-DE" dirty="0" err="1"/>
+              <a:t>with</a:t>
+            </a:r>
+            <a:r>
+              <a:rPr lang="de-DE" dirty="0"/>
+              <a:t> </a:t>
+            </a:r>
+            <a:r>
+              <a:rPr lang="de-DE" dirty="0" err="1"/>
+              <a:t>docker</a:t>
+            </a:r>
+            <a:r>
+              <a:rPr lang="de-DE" dirty="0"/>
+              <a:t> </a:t>
+            </a:r>
+            <a:r>
+              <a:rPr lang="de-DE" dirty="0" err="1"/>
+              <a:t>compose</a:t>
+            </a:r>
+            <a:endParaRPr lang="de-DE" dirty="0"/>
+          </a:p>
+        </p:txBody>
+      </p:sp>
+      <p:cxnSp>
+        <p:nvCxnSpPr>
+          <p:cNvPr id="7" name="Straight Arrow Connector 11">
+            <a:extLst>
+              <a:ext uri="{FF2B5EF4-FFF2-40B4-BE49-F238E27FC236}">
+                <a16:creationId xmlns:a16="http://schemas.microsoft.com/office/drawing/2014/main" id="{F501AB0B-B3CB-38AA-624C-ED414CEFB3A8}"/>
+              </a:ext>
+            </a:extLst>
+          </p:cNvPr>
+          <p:cNvCxnSpPr>
+            <a:cxnSpLocks/>
+            <a:stCxn id="4" idx="3"/>
+            <a:endCxn id="5" idx="1"/>
+          </p:cNvCxnSpPr>
+          <p:nvPr/>
+        </p:nvCxnSpPr>
+        <p:spPr>
+          <a:xfrm>
+            <a:off x="2868704" y="4850474"/>
+            <a:ext cx="751062" cy="2"/>
+          </a:xfrm>
+          <a:prstGeom prst="straightConnector1">
+            <a:avLst/>
+          </a:prstGeom>
+          <a:ln>
+            <a:solidFill>
+              <a:srgbClr val="2088FE"/>
+            </a:solidFill>
+            <a:tailEnd type="triangle"/>
+          </a:ln>
+        </p:spPr>
+        <p:style>
+          <a:lnRef idx="1">
+            <a:schemeClr val="accent1"/>
+          </a:lnRef>
+          <a:fillRef idx="0">
+            <a:schemeClr val="accent1"/>
+          </a:fillRef>
+          <a:effectRef idx="0">
+            <a:schemeClr val="accent1"/>
+          </a:effectRef>
+          <a:fontRef idx="minor">
+            <a:schemeClr val="tx1"/>
+          </a:fontRef>
+        </p:style>
+      </p:cxnSp>
+      <p:cxnSp>
+        <p:nvCxnSpPr>
+          <p:cNvPr id="8" name="Straight Arrow Connector 13">
+            <a:extLst>
+              <a:ext uri="{FF2B5EF4-FFF2-40B4-BE49-F238E27FC236}">
+                <a16:creationId xmlns:a16="http://schemas.microsoft.com/office/drawing/2014/main" id="{15D2F7F9-D527-3673-F73F-11C0FEC9E142}"/>
+              </a:ext>
+            </a:extLst>
+          </p:cNvPr>
+          <p:cNvCxnSpPr>
+            <a:cxnSpLocks/>
+            <a:stCxn id="5" idx="3"/>
+            <a:endCxn id="6" idx="1"/>
+          </p:cNvCxnSpPr>
+          <p:nvPr/>
+        </p:nvCxnSpPr>
+        <p:spPr>
+          <a:xfrm flipV="1">
+            <a:off x="6177783" y="4850473"/>
+            <a:ext cx="1461948" cy="3"/>
+          </a:xfrm>
+          <a:prstGeom prst="straightConnector1">
+            <a:avLst/>
+          </a:prstGeom>
+          <a:ln>
+            <a:solidFill>
+              <a:srgbClr val="2088FE"/>
+            </a:solidFill>
+            <a:tailEnd type="triangle"/>
+          </a:ln>
+        </p:spPr>
+        <p:style>
+          <a:lnRef idx="1">
+            <a:schemeClr val="accent1"/>
+          </a:lnRef>
+          <a:fillRef idx="0">
+            <a:schemeClr val="accent1"/>
+          </a:fillRef>
+          <a:effectRef idx="0">
+            <a:schemeClr val="accent1"/>
+          </a:effectRef>
+          <a:fontRef idx="minor">
+            <a:schemeClr val="tx1"/>
+          </a:fontRef>
+        </p:style>
+      </p:cxnSp>
+      <p:sp>
+        <p:nvSpPr>
+          <p:cNvPr id="9" name="Rectangle: Rounded Corners 17">
+            <a:extLst>
+              <a:ext uri="{FF2B5EF4-FFF2-40B4-BE49-F238E27FC236}">
+                <a16:creationId xmlns:a16="http://schemas.microsoft.com/office/drawing/2014/main" id="{433EC4C8-5652-8E37-1388-42FECF4CA3D7}"/>
+              </a:ext>
+            </a:extLst>
+          </p:cNvPr>
+          <p:cNvSpPr/>
+          <p:nvPr/>
+        </p:nvSpPr>
+        <p:spPr>
+          <a:xfrm flipH="1" flipV="1">
+            <a:off x="3034753" y="3977640"/>
+            <a:ext cx="7433721" cy="1594946"/>
+          </a:xfrm>
+          <a:prstGeom prst="roundRect">
+            <a:avLst/>
+          </a:prstGeom>
+          <a:noFill/>
+          <a:ln>
+            <a:solidFill>
+              <a:srgbClr val="2088FE"/>
+            </a:solidFill>
+          </a:ln>
+        </p:spPr>
+        <p:style>
+          <a:lnRef idx="2">
+            <a:schemeClr val="accent1">
+              <a:shade val="50000"/>
+            </a:schemeClr>
+          </a:lnRef>
+          <a:fillRef idx="1">
+            <a:schemeClr val="accent1"/>
+          </a:fillRef>
+          <a:effectRef idx="0">
+            <a:schemeClr val="accent1"/>
+          </a:effectRef>
+          <a:fontRef idx="minor">
+            <a:schemeClr val="lt1"/>
+          </a:fontRef>
+        </p:style>
+        <p:txBody>
+          <a:bodyPr rtlCol="0" anchor="ctr"/>
+          <a:lstStyle/>
+          <a:p>
+            <a:pPr algn="ctr"/>
+            <a:endParaRPr lang="de-DE"/>
+          </a:p>
+        </p:txBody>
+      </p:sp>
+      <p:pic>
+        <p:nvPicPr>
+          <p:cNvPr id="10" name="Picture 19">
+            <a:extLst>
+              <a:ext uri="{FF2B5EF4-FFF2-40B4-BE49-F238E27FC236}">
+                <a16:creationId xmlns:a16="http://schemas.microsoft.com/office/drawing/2014/main" id="{B187C7EC-CE9C-D136-07DC-CC38CA9DE47D}"/>
+              </a:ext>
+            </a:extLst>
+          </p:cNvPr>
+          <p:cNvPicPr>
+            <a:picLocks noChangeAspect="1"/>
+          </p:cNvPicPr>
+          <p:nvPr/>
+        </p:nvPicPr>
+        <p:blipFill>
+          <a:blip r:embed="rId2"/>
+          <a:stretch>
+            <a:fillRect/>
+          </a:stretch>
+        </p:blipFill>
+        <p:spPr>
+          <a:xfrm>
+            <a:off x="3113900" y="4123214"/>
+            <a:ext cx="426720" cy="426720"/>
+          </a:xfrm>
+          <a:prstGeom prst="rect">
+            <a:avLst/>
+          </a:prstGeom>
+        </p:spPr>
+      </p:pic>
+      <p:cxnSp>
+        <p:nvCxnSpPr>
+          <p:cNvPr id="19" name="Straight Arrow Connector 11">
+            <a:extLst>
+              <a:ext uri="{FF2B5EF4-FFF2-40B4-BE49-F238E27FC236}">
+                <a16:creationId xmlns:a16="http://schemas.microsoft.com/office/drawing/2014/main" id="{2BE4D3C3-2C05-2D6B-EB00-0B569B104FB4}"/>
+              </a:ext>
+            </a:extLst>
+          </p:cNvPr>
+          <p:cNvCxnSpPr>
+            <a:cxnSpLocks/>
+            <a:stCxn id="5" idx="0"/>
+            <a:endCxn id="20" idx="2"/>
+          </p:cNvCxnSpPr>
+          <p:nvPr/>
+        </p:nvCxnSpPr>
+        <p:spPr>
+          <a:xfrm flipH="1" flipV="1">
+            <a:off x="4898774" y="3300716"/>
+            <a:ext cx="1" cy="1165296"/>
+          </a:xfrm>
+          <a:prstGeom prst="straightConnector1">
+            <a:avLst/>
+          </a:prstGeom>
+          <a:ln>
+            <a:solidFill>
+              <a:srgbClr val="5C4EE5"/>
+            </a:solidFill>
+            <a:tailEnd type="triangle"/>
+          </a:ln>
+        </p:spPr>
+        <p:style>
+          <a:lnRef idx="1">
+            <a:schemeClr val="accent1"/>
+          </a:lnRef>
+          <a:fillRef idx="0">
+            <a:schemeClr val="accent1"/>
+          </a:fillRef>
+          <a:effectRef idx="0">
+            <a:schemeClr val="accent1"/>
+          </a:effectRef>
+          <a:fontRef idx="minor">
+            <a:schemeClr val="tx1"/>
+          </a:fontRef>
+        </p:style>
+      </p:cxnSp>
+      <p:sp>
+        <p:nvSpPr>
+          <p:cNvPr id="20" name="Rectangle: Rounded Corners 6">
+            <a:extLst>
+              <a:ext uri="{FF2B5EF4-FFF2-40B4-BE49-F238E27FC236}">
+                <a16:creationId xmlns:a16="http://schemas.microsoft.com/office/drawing/2014/main" id="{B811BC74-BB0A-7701-99C2-0D2003A48E60}"/>
+              </a:ext>
+            </a:extLst>
+          </p:cNvPr>
+          <p:cNvSpPr/>
+          <p:nvPr/>
+        </p:nvSpPr>
+        <p:spPr>
+          <a:xfrm>
+            <a:off x="3619765" y="2531789"/>
+            <a:ext cx="2558017" cy="768927"/>
+          </a:xfrm>
+          <a:prstGeom prst="roundRect">
+            <a:avLst/>
+          </a:prstGeom>
+          <a:solidFill>
+            <a:srgbClr val="5C4EE5"/>
+          </a:solidFill>
+          <a:ln>
+            <a:noFill/>
+          </a:ln>
+        </p:spPr>
+        <p:style>
+          <a:lnRef idx="2">
+            <a:schemeClr val="accent1">
+              <a:shade val="50000"/>
+            </a:schemeClr>
+          </a:lnRef>
+          <a:fillRef idx="1">
+            <a:schemeClr val="accent1"/>
+          </a:fillRef>
+          <a:effectRef idx="0">
+            <a:schemeClr val="accent1"/>
+          </a:effectRef>
+          <a:fontRef idx="minor">
+            <a:schemeClr val="lt1"/>
+          </a:fontRef>
+        </p:style>
+        <p:txBody>
+          <a:bodyPr rtlCol="0" anchor="ctr"/>
+          <a:lstStyle/>
+          <a:p>
+            <a:pPr algn="ctr"/>
+            <a:r>
+              <a:rPr lang="de-DE" dirty="0"/>
+              <a:t>Create EC2 </a:t>
+            </a:r>
+            <a:r>
+              <a:rPr lang="de-DE" dirty="0" err="1"/>
+              <a:t>machine</a:t>
+            </a:r>
+            <a:endParaRPr lang="de-DE" dirty="0"/>
+          </a:p>
+        </p:txBody>
+      </p:sp>
+      <p:sp>
+        <p:nvSpPr>
+          <p:cNvPr id="21" name="Rectangle: Rounded Corners 17">
+            <a:extLst>
+              <a:ext uri="{FF2B5EF4-FFF2-40B4-BE49-F238E27FC236}">
+                <a16:creationId xmlns:a16="http://schemas.microsoft.com/office/drawing/2014/main" id="{865E96C3-898B-ABE0-91DC-5A88AEAE32A1}"/>
+              </a:ext>
+            </a:extLst>
+          </p:cNvPr>
+          <p:cNvSpPr/>
+          <p:nvPr/>
+        </p:nvSpPr>
+        <p:spPr>
+          <a:xfrm flipH="1" flipV="1">
+            <a:off x="3034754" y="1946276"/>
+            <a:ext cx="3424355" cy="1594946"/>
+          </a:xfrm>
+          <a:prstGeom prst="roundRect">
+            <a:avLst/>
+          </a:prstGeom>
+          <a:noFill/>
+          <a:ln>
+            <a:solidFill>
+              <a:srgbClr val="5C4EE5"/>
+            </a:solidFill>
+          </a:ln>
+        </p:spPr>
+        <p:style>
+          <a:lnRef idx="2">
+            <a:schemeClr val="accent1">
+              <a:shade val="50000"/>
+            </a:schemeClr>
+          </a:lnRef>
+          <a:fillRef idx="1">
+            <a:schemeClr val="accent1"/>
+          </a:fillRef>
+          <a:effectRef idx="0">
+            <a:schemeClr val="accent1"/>
+          </a:effectRef>
+          <a:fontRef idx="minor">
+            <a:schemeClr val="lt1"/>
+          </a:fontRef>
+        </p:style>
+        <p:txBody>
+          <a:bodyPr rtlCol="0" anchor="ctr"/>
+          <a:lstStyle/>
+          <a:p>
+            <a:pPr algn="ctr"/>
+            <a:endParaRPr lang="de-DE"/>
+          </a:p>
+        </p:txBody>
+      </p:sp>
+      <p:pic>
+        <p:nvPicPr>
+          <p:cNvPr id="24" name="Picture 4">
+            <a:extLst>
+              <a:ext uri="{FF2B5EF4-FFF2-40B4-BE49-F238E27FC236}">
+                <a16:creationId xmlns:a16="http://schemas.microsoft.com/office/drawing/2014/main" id="{F668A630-DDE5-F7FD-292A-06605BED7FC7}"/>
+              </a:ext>
+            </a:extLst>
+          </p:cNvPr>
+          <p:cNvPicPr>
+            <a:picLocks noChangeAspect="1"/>
+          </p:cNvPicPr>
+          <p:nvPr/>
+        </p:nvPicPr>
+        <p:blipFill>
+          <a:blip r:embed="rId3"/>
+          <a:stretch>
+            <a:fillRect/>
+          </a:stretch>
+        </p:blipFill>
+        <p:spPr>
+          <a:xfrm>
+            <a:off x="3234504" y="2049410"/>
+            <a:ext cx="426720" cy="482379"/>
+          </a:xfrm>
+          <a:prstGeom prst="rect">
+            <a:avLst/>
+          </a:prstGeom>
+        </p:spPr>
+      </p:pic>
+      <p:pic>
+        <p:nvPicPr>
+          <p:cNvPr id="28" name="Picture 6">
+            <a:extLst>
+              <a:ext uri="{FF2B5EF4-FFF2-40B4-BE49-F238E27FC236}">
+                <a16:creationId xmlns:a16="http://schemas.microsoft.com/office/drawing/2014/main" id="{97D45E23-90AD-A028-05E6-6586A5843E21}"/>
+              </a:ext>
+            </a:extLst>
+          </p:cNvPr>
+          <p:cNvPicPr>
+            <a:picLocks noChangeAspect="1"/>
+          </p:cNvPicPr>
+          <p:nvPr/>
+        </p:nvPicPr>
+        <p:blipFill>
+          <a:blip r:embed="rId4"/>
+          <a:stretch>
+            <a:fillRect/>
+          </a:stretch>
+        </p:blipFill>
+        <p:spPr>
+          <a:xfrm>
+            <a:off x="7249750" y="2094178"/>
+            <a:ext cx="549008" cy="336268"/>
+          </a:xfrm>
+          <a:prstGeom prst="rect">
+            <a:avLst/>
+          </a:prstGeom>
+        </p:spPr>
+      </p:pic>
+      <p:sp>
+        <p:nvSpPr>
+          <p:cNvPr id="29" name="Rectangle: Rounded Corners 6">
+            <a:extLst>
+              <a:ext uri="{FF2B5EF4-FFF2-40B4-BE49-F238E27FC236}">
+                <a16:creationId xmlns:a16="http://schemas.microsoft.com/office/drawing/2014/main" id="{8A69E514-DFCE-BDFC-FE4E-7567049EB630}"/>
+              </a:ext>
+            </a:extLst>
+          </p:cNvPr>
+          <p:cNvSpPr/>
+          <p:nvPr/>
+        </p:nvSpPr>
+        <p:spPr>
+          <a:xfrm>
+            <a:off x="7639732" y="2531789"/>
+            <a:ext cx="2558017" cy="768927"/>
+          </a:xfrm>
+          <a:prstGeom prst="roundRect">
+            <a:avLst/>
+          </a:prstGeom>
+          <a:solidFill>
+            <a:srgbClr val="FF9900"/>
+          </a:solidFill>
+          <a:ln>
+            <a:noFill/>
+          </a:ln>
+        </p:spPr>
+        <p:style>
+          <a:lnRef idx="2">
+            <a:schemeClr val="accent1">
+              <a:shade val="50000"/>
+            </a:schemeClr>
+          </a:lnRef>
+          <a:fillRef idx="1">
+            <a:schemeClr val="accent1"/>
+          </a:fillRef>
+          <a:effectRef idx="0">
+            <a:schemeClr val="accent1"/>
+          </a:effectRef>
+          <a:fontRef idx="minor">
+            <a:schemeClr val="lt1"/>
+          </a:fontRef>
+        </p:style>
+        <p:txBody>
+          <a:bodyPr rtlCol="0" anchor="ctr"/>
+          <a:lstStyle/>
+          <a:p>
+            <a:pPr algn="ctr"/>
+            <a:r>
+              <a:rPr lang="de-DE" dirty="0"/>
+              <a:t>EC2 </a:t>
+            </a:r>
+            <a:r>
+              <a:rPr lang="de-DE" dirty="0" err="1"/>
+              <a:t>machine</a:t>
+            </a:r>
+            <a:endParaRPr lang="de-DE" dirty="0"/>
+          </a:p>
+        </p:txBody>
+      </p:sp>
+      <p:sp>
+        <p:nvSpPr>
+          <p:cNvPr id="30" name="Rectangle: Rounded Corners 17">
+            <a:extLst>
+              <a:ext uri="{FF2B5EF4-FFF2-40B4-BE49-F238E27FC236}">
+                <a16:creationId xmlns:a16="http://schemas.microsoft.com/office/drawing/2014/main" id="{C3D25223-D404-A957-180D-7C74A93E192A}"/>
+              </a:ext>
+            </a:extLst>
+          </p:cNvPr>
+          <p:cNvSpPr/>
+          <p:nvPr/>
+        </p:nvSpPr>
+        <p:spPr>
+          <a:xfrm flipH="1" flipV="1">
+            <a:off x="7044120" y="1946276"/>
+            <a:ext cx="3424355" cy="1594946"/>
+          </a:xfrm>
+          <a:prstGeom prst="roundRect">
+            <a:avLst/>
+          </a:prstGeom>
+          <a:noFill/>
+          <a:ln>
+            <a:solidFill>
+              <a:srgbClr val="FF9900"/>
+            </a:solidFill>
+          </a:ln>
+        </p:spPr>
+        <p:style>
+          <a:lnRef idx="2">
+            <a:schemeClr val="accent1">
+              <a:shade val="50000"/>
+            </a:schemeClr>
+          </a:lnRef>
+          <a:fillRef idx="1">
+            <a:schemeClr val="accent1"/>
+          </a:fillRef>
+          <a:effectRef idx="0">
+            <a:schemeClr val="accent1"/>
+          </a:effectRef>
+          <a:fontRef idx="minor">
+            <a:schemeClr val="lt1"/>
+          </a:fontRef>
+        </p:style>
+        <p:txBody>
+          <a:bodyPr rtlCol="0" anchor="ctr"/>
+          <a:lstStyle/>
+          <a:p>
+            <a:pPr algn="ctr"/>
+            <a:endParaRPr lang="de-DE"/>
+          </a:p>
+        </p:txBody>
+      </p:sp>
+      <p:cxnSp>
+        <p:nvCxnSpPr>
+          <p:cNvPr id="31" name="Straight Arrow Connector 11">
+            <a:extLst>
+              <a:ext uri="{FF2B5EF4-FFF2-40B4-BE49-F238E27FC236}">
+                <a16:creationId xmlns:a16="http://schemas.microsoft.com/office/drawing/2014/main" id="{227B2E06-2BE5-7007-A654-EBE79D0F9520}"/>
+              </a:ext>
+            </a:extLst>
+          </p:cNvPr>
+          <p:cNvCxnSpPr>
+            <a:cxnSpLocks/>
+            <a:stCxn id="20" idx="3"/>
+            <a:endCxn id="29" idx="1"/>
+          </p:cNvCxnSpPr>
+          <p:nvPr/>
+        </p:nvCxnSpPr>
+        <p:spPr>
+          <a:xfrm>
+            <a:off x="6177782" y="2916253"/>
+            <a:ext cx="1461950" cy="0"/>
+          </a:xfrm>
+          <a:prstGeom prst="straightConnector1">
+            <a:avLst/>
+          </a:prstGeom>
+          <a:ln>
+            <a:solidFill>
+              <a:srgbClr val="FF9900"/>
+            </a:solidFill>
+            <a:tailEnd type="triangle"/>
+          </a:ln>
+        </p:spPr>
+        <p:style>
+          <a:lnRef idx="1">
+            <a:schemeClr val="accent1"/>
+          </a:lnRef>
+          <a:fillRef idx="0">
+            <a:schemeClr val="accent1"/>
+          </a:fillRef>
+          <a:effectRef idx="0">
+            <a:schemeClr val="accent1"/>
+          </a:effectRef>
+          <a:fontRef idx="minor">
+            <a:schemeClr val="tx1"/>
+          </a:fontRef>
+        </p:style>
+      </p:cxnSp>
+      <p:cxnSp>
+        <p:nvCxnSpPr>
+          <p:cNvPr id="36" name="Straight Arrow Connector 11">
+            <a:extLst>
+              <a:ext uri="{FF2B5EF4-FFF2-40B4-BE49-F238E27FC236}">
+                <a16:creationId xmlns:a16="http://schemas.microsoft.com/office/drawing/2014/main" id="{0939BA32-55A3-5025-F860-5D4857282D4C}"/>
+              </a:ext>
+            </a:extLst>
+          </p:cNvPr>
+          <p:cNvCxnSpPr>
+            <a:cxnSpLocks/>
+            <a:stCxn id="6" idx="0"/>
+            <a:endCxn id="29" idx="2"/>
+          </p:cNvCxnSpPr>
+          <p:nvPr/>
+        </p:nvCxnSpPr>
+        <p:spPr>
+          <a:xfrm flipV="1">
+            <a:off x="8918739" y="3300716"/>
+            <a:ext cx="2" cy="1165293"/>
+          </a:xfrm>
+          <a:prstGeom prst="straightConnector1">
+            <a:avLst/>
+          </a:prstGeom>
+          <a:ln>
+            <a:solidFill>
+              <a:srgbClr val="FF9900"/>
+            </a:solidFill>
+            <a:tailEnd type="triangle"/>
+          </a:ln>
+        </p:spPr>
+        <p:style>
+          <a:lnRef idx="1">
+            <a:schemeClr val="accent1"/>
+          </a:lnRef>
+          <a:fillRef idx="0">
+            <a:schemeClr val="accent1"/>
+          </a:fillRef>
+          <a:effectRef idx="0">
+            <a:schemeClr val="accent1"/>
+          </a:effectRef>
+          <a:fontRef idx="minor">
+            <a:schemeClr val="tx1"/>
+          </a:fontRef>
+        </p:style>
+      </p:cxnSp>
+    </p:spTree>
+    <p:extLst>
+      <p:ext uri="{BB962C8B-B14F-4D97-AF65-F5344CB8AC3E}">
+        <p14:creationId xmlns:p14="http://schemas.microsoft.com/office/powerpoint/2010/main" val="1877165191"/>
+      </p:ext>
+    </p:extLst>
+  </p:cSld>
+  <p:clrMapOvr>
+    <a:masterClrMapping/>
+  </p:clrMapOvr>
+</p:sld>
+</file>
+
+<file path=ppt/slides/slide6.xml><?xml version="1.0" encoding="utf-8"?>
+<p:sld xmlns:a="http://schemas.openxmlformats.org/drawingml/2006/main" xmlns:r="http://schemas.openxmlformats.org/officeDocument/2006/relationships" xmlns:p="http://schemas.openxmlformats.org/presentationml/2006/main">
+  <p:cSld>
+    <p:spTree>
+      <p:nvGrpSpPr>
+        <p:cNvPr id="1" name=""/>
+        <p:cNvGrpSpPr/>
+        <p:nvPr/>
+      </p:nvGrpSpPr>
+      <p:grpSpPr>
+        <a:xfrm>
+          <a:off x="0" y="0"/>
+          <a:ext cx="0" cy="0"/>
+          <a:chOff x="0" y="0"/>
+          <a:chExt cx="0" cy="0"/>
+        </a:xfrm>
+      </p:grpSpPr>
+      <p:sp>
+        <p:nvSpPr>
+          <p:cNvPr id="2" name="Titel 1">
+            <a:extLst>
+              <a:ext uri="{FF2B5EF4-FFF2-40B4-BE49-F238E27FC236}">
                 <a16:creationId xmlns:a16="http://schemas.microsoft.com/office/drawing/2014/main" id="{423EE35B-33E3-42A0-BBDA-368E8D825D7E}"/>
               </a:ext>
             </a:extLst>
@@ -8380,7 +10981,7 @@
 </p:sld>
 </file>
 
-<file path=ppt/slides/slide6.xml><?xml version="1.0" encoding="utf-8"?>
+<file path=ppt/slides/slide7.xml><?xml version="1.0" encoding="utf-8"?>
 <p:sld xmlns:a="http://schemas.openxmlformats.org/drawingml/2006/main" xmlns:r="http://schemas.openxmlformats.org/officeDocument/2006/relationships" xmlns:p="http://schemas.openxmlformats.org/presentationml/2006/main">
   <p:cSld>
     <p:spTree>
@@ -8822,90 +11423,6 @@
 </p:sld>
 </file>
 
-<file path=ppt/slides/slide7.xml><?xml version="1.0" encoding="utf-8"?>
-<p:sld xmlns:a="http://schemas.openxmlformats.org/drawingml/2006/main" xmlns:r="http://schemas.openxmlformats.org/officeDocument/2006/relationships" xmlns:p="http://schemas.openxmlformats.org/presentationml/2006/main">
-  <p:cSld>
-    <p:spTree>
-      <p:nvGrpSpPr>
-        <p:cNvPr id="1" name=""/>
-        <p:cNvGrpSpPr/>
-        <p:nvPr/>
-      </p:nvGrpSpPr>
-      <p:grpSpPr>
-        <a:xfrm>
-          <a:off x="0" y="0"/>
-          <a:ext cx="0" cy="0"/>
-          <a:chOff x="0" y="0"/>
-          <a:chExt cx="0" cy="0"/>
-        </a:xfrm>
-      </p:grpSpPr>
-      <p:sp>
-        <p:nvSpPr>
-          <p:cNvPr id="2" name="Titel 1">
-            <a:extLst>
-              <a:ext uri="{FF2B5EF4-FFF2-40B4-BE49-F238E27FC236}">
-                <a16:creationId xmlns:a16="http://schemas.microsoft.com/office/drawing/2014/main" id="{423EE35B-33E3-42A0-BBDA-368E8D825D7E}"/>
-              </a:ext>
-            </a:extLst>
-          </p:cNvPr>
-          <p:cNvSpPr>
-            <a:spLocks noGrp="1"/>
-          </p:cNvSpPr>
-          <p:nvPr>
-            <p:ph type="ctrTitle"/>
-          </p:nvPr>
-        </p:nvSpPr>
-        <p:spPr/>
-        <p:txBody>
-          <a:bodyPr/>
-          <a:lstStyle/>
-          <a:p>
-            <a:r>
-              <a:rPr lang="de-DE"/>
-              <a:t>Terraform &amp; AWS</a:t>
-            </a:r>
-            <a:endParaRPr lang="de-DE" dirty="0"/>
-          </a:p>
-        </p:txBody>
-      </p:sp>
-      <p:sp>
-        <p:nvSpPr>
-          <p:cNvPr id="5" name="Untertitel 4">
-            <a:extLst>
-              <a:ext uri="{FF2B5EF4-FFF2-40B4-BE49-F238E27FC236}">
-                <a16:creationId xmlns:a16="http://schemas.microsoft.com/office/drawing/2014/main" id="{B11A7254-9FA9-40F3-BD35-E1C8D97446A8}"/>
-              </a:ext>
-            </a:extLst>
-          </p:cNvPr>
-          <p:cNvSpPr>
-            <a:spLocks noGrp="1"/>
-          </p:cNvSpPr>
-          <p:nvPr>
-            <p:ph type="subTitle" idx="1"/>
-          </p:nvPr>
-        </p:nvSpPr>
-        <p:spPr/>
-        <p:txBody>
-          <a:bodyPr/>
-          <a:lstStyle/>
-          <a:p>
-            <a:endParaRPr lang="de-DE"/>
-          </a:p>
-        </p:txBody>
-      </p:sp>
-    </p:spTree>
-    <p:extLst>
-      <p:ext uri="{BB962C8B-B14F-4D97-AF65-F5344CB8AC3E}">
-        <p14:creationId xmlns:p14="http://schemas.microsoft.com/office/powerpoint/2010/main" val="2259264622"/>
-      </p:ext>
-    </p:extLst>
-  </p:cSld>
-  <p:clrMapOvr>
-    <a:masterClrMapping/>
-  </p:clrMapOvr>
-</p:sld>
-</file>
-
 <file path=ppt/slides/slide8.xml><?xml version="1.0" encoding="utf-8"?>
 <p:sld xmlns:a="http://schemas.openxmlformats.org/drawingml/2006/main" xmlns:r="http://schemas.openxmlformats.org/officeDocument/2006/relationships" xmlns:p="http://schemas.openxmlformats.org/presentationml/2006/main">
   <p:cSld>
@@ -8928,15 +11445,15 @@
           <p:cNvPr id="2" name="Titel 1">
             <a:extLst>
               <a:ext uri="{FF2B5EF4-FFF2-40B4-BE49-F238E27FC236}">
-                <a16:creationId xmlns:a16="http://schemas.microsoft.com/office/drawing/2014/main" id="{B65D7EC3-CD42-4551-8940-B2E7B1FA136C}"/>
-              </a:ext>
-            </a:extLst>
-          </p:cNvPr>
-          <p:cNvSpPr>
-            <a:spLocks noGrp="1"/>
-          </p:cNvSpPr>
-          <p:nvPr>
-            <p:ph type="title"/>
+                <a16:creationId xmlns:a16="http://schemas.microsoft.com/office/drawing/2014/main" id="{423EE35B-33E3-42A0-BBDA-368E8D825D7E}"/>
+              </a:ext>
+            </a:extLst>
+          </p:cNvPr>
+          <p:cNvSpPr>
+            <a:spLocks noGrp="1"/>
+          </p:cNvSpPr>
+          <p:nvPr>
+            <p:ph type="ctrTitle"/>
           </p:nvPr>
         </p:nvSpPr>
         <p:spPr/>
@@ -8945,27 +11462,26 @@
           <a:lstStyle/>
           <a:p>
             <a:r>
-              <a:rPr lang="de-DE"/>
+              <a:rPr lang="de-DE" dirty="0"/>
               <a:t>Terraform &amp; AWS</a:t>
             </a:r>
-            <a:endParaRPr lang="de-DE" dirty="0"/>
-          </a:p>
-        </p:txBody>
-      </p:sp>
-      <p:sp>
-        <p:nvSpPr>
-          <p:cNvPr id="4" name="Content Placeholder 3">
-            <a:extLst>
-              <a:ext uri="{FF2B5EF4-FFF2-40B4-BE49-F238E27FC236}">
-                <a16:creationId xmlns:a16="http://schemas.microsoft.com/office/drawing/2014/main" id="{2BF5D699-940E-4DE9-8183-FAB1BE315652}"/>
-              </a:ext>
-            </a:extLst>
-          </p:cNvPr>
-          <p:cNvSpPr>
-            <a:spLocks noGrp="1"/>
-          </p:cNvSpPr>
-          <p:nvPr>
-            <p:ph idx="1"/>
+          </a:p>
+        </p:txBody>
+      </p:sp>
+      <p:sp>
+        <p:nvSpPr>
+          <p:cNvPr id="5" name="Untertitel 4">
+            <a:extLst>
+              <a:ext uri="{FF2B5EF4-FFF2-40B4-BE49-F238E27FC236}">
+                <a16:creationId xmlns:a16="http://schemas.microsoft.com/office/drawing/2014/main" id="{B11A7254-9FA9-40F3-BD35-E1C8D97446A8}"/>
+              </a:ext>
+            </a:extLst>
+          </p:cNvPr>
+          <p:cNvSpPr>
+            <a:spLocks noGrp="1"/>
+          </p:cNvSpPr>
+          <p:nvPr>
+            <p:ph type="subTitle" idx="1"/>
           </p:nvPr>
         </p:nvSpPr>
         <p:spPr/>
@@ -8973,105 +11489,14 @@
           <a:bodyPr/>
           <a:lstStyle/>
           <a:p>
-            <a:r>
-              <a:rPr lang="en-US"/>
-              <a:t>Terraform to build, change, and version public cloud infrastructure</a:t>
-            </a:r>
-          </a:p>
-          <a:p>
-            <a:r>
-              <a:rPr lang="en-US"/>
-              <a:t>Amazon Elastic Compute Cloud (EC2) to deploy our application</a:t>
-            </a:r>
-          </a:p>
-          <a:p>
-            <a:pPr lvl="1"/>
-            <a:r>
-              <a:rPr lang="en-US"/>
-              <a:t>Security groups</a:t>
-            </a:r>
-          </a:p>
-          <a:p>
-            <a:pPr lvl="1"/>
-            <a:r>
-              <a:rPr lang="en-US"/>
-              <a:t>Elastic IP</a:t>
-            </a:r>
-          </a:p>
-          <a:p>
-            <a:pPr lvl="1"/>
-            <a:r>
-              <a:rPr lang="en-US"/>
-              <a:t>Load Balancer?</a:t>
-            </a:r>
             <a:endParaRPr lang="de-DE"/>
           </a:p>
         </p:txBody>
       </p:sp>
-      <p:pic>
-        <p:nvPicPr>
-          <p:cNvPr id="5" name="Picture 4">
-            <a:extLst>
-              <a:ext uri="{FF2B5EF4-FFF2-40B4-BE49-F238E27FC236}">
-                <a16:creationId xmlns:a16="http://schemas.microsoft.com/office/drawing/2014/main" id="{C71EF30E-69FD-408B-9A66-26E23FCAF59D}"/>
-              </a:ext>
-            </a:extLst>
-          </p:cNvPr>
-          <p:cNvPicPr>
-            <a:picLocks noChangeAspect="1"/>
-          </p:cNvPicPr>
-          <p:nvPr/>
-        </p:nvPicPr>
-        <p:blipFill>
-          <a:blip r:embed="rId2"/>
-          <a:stretch>
-            <a:fillRect/>
-          </a:stretch>
-        </p:blipFill>
-        <p:spPr>
-          <a:xfrm>
-            <a:off x="5363692" y="3429000"/>
-            <a:ext cx="1079150" cy="1219909"/>
-          </a:xfrm>
-          <a:prstGeom prst="rect">
-            <a:avLst/>
-          </a:prstGeom>
-        </p:spPr>
-      </p:pic>
-      <p:pic>
-        <p:nvPicPr>
-          <p:cNvPr id="7" name="Picture 6">
-            <a:extLst>
-              <a:ext uri="{FF2B5EF4-FFF2-40B4-BE49-F238E27FC236}">
-                <a16:creationId xmlns:a16="http://schemas.microsoft.com/office/drawing/2014/main" id="{E1C1E508-A52A-4971-A179-36A48ADFB13B}"/>
-              </a:ext>
-            </a:extLst>
-          </p:cNvPr>
-          <p:cNvPicPr>
-            <a:picLocks noChangeAspect="1"/>
-          </p:cNvPicPr>
-          <p:nvPr/>
-        </p:nvPicPr>
-        <p:blipFill>
-          <a:blip r:embed="rId3"/>
-          <a:stretch>
-            <a:fillRect/>
-          </a:stretch>
-        </p:blipFill>
-        <p:spPr>
-          <a:xfrm>
-            <a:off x="8702564" y="4078657"/>
-            <a:ext cx="1862047" cy="1140504"/>
-          </a:xfrm>
-          <a:prstGeom prst="rect">
-            <a:avLst/>
-          </a:prstGeom>
-        </p:spPr>
-      </p:pic>
     </p:spTree>
     <p:extLst>
       <p:ext uri="{BB962C8B-B14F-4D97-AF65-F5344CB8AC3E}">
-        <p14:creationId xmlns:p14="http://schemas.microsoft.com/office/powerpoint/2010/main" val="4128644860"/>
+        <p14:creationId xmlns:p14="http://schemas.microsoft.com/office/powerpoint/2010/main" val="2259264622"/>
       </p:ext>
     </p:extLst>
   </p:cSld>
@@ -9103,15 +11528,15 @@
           <p:cNvPr id="2" name="Titel 1">
             <a:extLst>
               <a:ext uri="{FF2B5EF4-FFF2-40B4-BE49-F238E27FC236}">
-                <a16:creationId xmlns:a16="http://schemas.microsoft.com/office/drawing/2014/main" id="{423EE35B-33E3-42A0-BBDA-368E8D825D7E}"/>
-              </a:ext>
-            </a:extLst>
-          </p:cNvPr>
-          <p:cNvSpPr>
-            <a:spLocks noGrp="1"/>
-          </p:cNvSpPr>
-          <p:nvPr>
-            <p:ph type="ctrTitle"/>
+                <a16:creationId xmlns:a16="http://schemas.microsoft.com/office/drawing/2014/main" id="{B65D7EC3-CD42-4551-8940-B2E7B1FA136C}"/>
+              </a:ext>
+            </a:extLst>
+          </p:cNvPr>
+          <p:cNvSpPr>
+            <a:spLocks noGrp="1"/>
+          </p:cNvSpPr>
+          <p:nvPr>
+            <p:ph type="title"/>
           </p:nvPr>
         </p:nvSpPr>
         <p:spPr/>
@@ -9120,27 +11545,26 @@
           <a:lstStyle/>
           <a:p>
             <a:r>
-              <a:rPr lang="de-DE"/>
-              <a:t>Solution 1</a:t>
-            </a:r>
-            <a:endParaRPr lang="de-DE" dirty="0"/>
-          </a:p>
-        </p:txBody>
-      </p:sp>
-      <p:sp>
-        <p:nvSpPr>
-          <p:cNvPr id="5" name="Untertitel 4">
-            <a:extLst>
-              <a:ext uri="{FF2B5EF4-FFF2-40B4-BE49-F238E27FC236}">
-                <a16:creationId xmlns:a16="http://schemas.microsoft.com/office/drawing/2014/main" id="{B11A7254-9FA9-40F3-BD35-E1C8D97446A8}"/>
-              </a:ext>
-            </a:extLst>
-          </p:cNvPr>
-          <p:cNvSpPr>
-            <a:spLocks noGrp="1"/>
-          </p:cNvSpPr>
-          <p:nvPr>
-            <p:ph type="subTitle" idx="1"/>
+              <a:rPr lang="de-DE" dirty="0"/>
+              <a:t>Terraform</a:t>
+            </a:r>
+          </a:p>
+        </p:txBody>
+      </p:sp>
+      <p:sp>
+        <p:nvSpPr>
+          <p:cNvPr id="4" name="Content Placeholder 3">
+            <a:extLst>
+              <a:ext uri="{FF2B5EF4-FFF2-40B4-BE49-F238E27FC236}">
+                <a16:creationId xmlns:a16="http://schemas.microsoft.com/office/drawing/2014/main" id="{2BF5D699-940E-4DE9-8183-FAB1BE315652}"/>
+              </a:ext>
+            </a:extLst>
+          </p:cNvPr>
+          <p:cNvSpPr>
+            <a:spLocks noGrp="1"/>
+          </p:cNvSpPr>
+          <p:nvPr>
+            <p:ph idx="1"/>
           </p:nvPr>
         </p:nvSpPr>
         <p:spPr/>
@@ -9148,14 +11572,84 @@
           <a:bodyPr/>
           <a:lstStyle/>
           <a:p>
-            <a:endParaRPr lang="de-DE"/>
-          </a:p>
-        </p:txBody>
-      </p:sp>
+            <a:r>
+              <a:rPr lang="en-US" dirty="0"/>
+              <a:t>Terraform to automatically build, change, and version public cloud infrastructure</a:t>
+            </a:r>
+          </a:p>
+        </p:txBody>
+      </p:sp>
+      <p:pic>
+        <p:nvPicPr>
+          <p:cNvPr id="5" name="Picture 4">
+            <a:extLst>
+              <a:ext uri="{FF2B5EF4-FFF2-40B4-BE49-F238E27FC236}">
+                <a16:creationId xmlns:a16="http://schemas.microsoft.com/office/drawing/2014/main" id="{C71EF30E-69FD-408B-9A66-26E23FCAF59D}"/>
+              </a:ext>
+            </a:extLst>
+          </p:cNvPr>
+          <p:cNvPicPr>
+            <a:picLocks noChangeAspect="1"/>
+          </p:cNvPicPr>
+          <p:nvPr/>
+        </p:nvPicPr>
+        <p:blipFill>
+          <a:blip r:embed="rId2"/>
+          <a:stretch>
+            <a:fillRect/>
+          </a:stretch>
+        </p:blipFill>
+        <p:spPr>
+          <a:xfrm>
+            <a:off x="10274650" y="417951"/>
+            <a:ext cx="1079150" cy="1219909"/>
+          </a:xfrm>
+          <a:prstGeom prst="rect">
+            <a:avLst/>
+          </a:prstGeom>
+        </p:spPr>
+      </p:pic>
+      <p:pic>
+        <p:nvPicPr>
+          <p:cNvPr id="6" name="Grafik 5">
+            <a:extLst>
+              <a:ext uri="{FF2B5EF4-FFF2-40B4-BE49-F238E27FC236}">
+                <a16:creationId xmlns:a16="http://schemas.microsoft.com/office/drawing/2014/main" id="{CF409AD2-EC87-FFBD-FDBA-2EC7012E4054}"/>
+              </a:ext>
+            </a:extLst>
+          </p:cNvPr>
+          <p:cNvPicPr>
+            <a:picLocks noChangeAspect="1"/>
+          </p:cNvPicPr>
+          <p:nvPr/>
+        </p:nvPicPr>
+        <p:blipFill>
+          <a:blip r:embed="rId3"/>
+          <a:stretch>
+            <a:fillRect/>
+          </a:stretch>
+        </p:blipFill>
+        <p:spPr>
+          <a:xfrm>
+            <a:off x="3057952" y="3283888"/>
+            <a:ext cx="6076095" cy="1752443"/>
+          </a:xfrm>
+          <a:prstGeom prst="rect">
+            <a:avLst/>
+          </a:prstGeom>
+          <a:effectLst>
+            <a:outerShdw blurRad="50800" dist="38100" dir="2700000" algn="tl" rotWithShape="0">
+              <a:prstClr val="black">
+                <a:alpha val="40000"/>
+              </a:prstClr>
+            </a:outerShdw>
+          </a:effectLst>
+        </p:spPr>
+      </p:pic>
     </p:spTree>
     <p:extLst>
       <p:ext uri="{BB962C8B-B14F-4D97-AF65-F5344CB8AC3E}">
-        <p14:creationId xmlns:p14="http://schemas.microsoft.com/office/powerpoint/2010/main" val="2403675243"/>
+        <p14:creationId xmlns:p14="http://schemas.microsoft.com/office/powerpoint/2010/main" val="4128644860"/>
       </p:ext>
     </p:extLst>
   </p:cSld>

--- a/Project Presentation.pptx
+++ b/Project Presentation.pptx
@@ -6,7 +6,7 @@
     <p:sldMasterId id="2147483660" r:id="rId2"/>
   </p:sldMasterIdLst>
   <p:notesMasterIdLst>
-    <p:notesMasterId r:id="rId21"/>
+    <p:notesMasterId r:id="rId27"/>
   </p:notesMasterIdLst>
   <p:sldIdLst>
     <p:sldId id="256" r:id="rId3"/>
@@ -14,19 +14,25 @@
     <p:sldId id="270" r:id="rId5"/>
     <p:sldId id="298" r:id="rId6"/>
     <p:sldId id="308" r:id="rId7"/>
-    <p:sldId id="271" r:id="rId8"/>
+    <p:sldId id="310" r:id="rId8"/>
     <p:sldId id="258" r:id="rId9"/>
-    <p:sldId id="273" r:id="rId10"/>
-    <p:sldId id="299" r:id="rId11"/>
-    <p:sldId id="306" r:id="rId12"/>
-    <p:sldId id="307" r:id="rId13"/>
-    <p:sldId id="272" r:id="rId14"/>
-    <p:sldId id="309" r:id="rId15"/>
-    <p:sldId id="300" r:id="rId16"/>
-    <p:sldId id="303" r:id="rId17"/>
-    <p:sldId id="302" r:id="rId18"/>
-    <p:sldId id="304" r:id="rId19"/>
-    <p:sldId id="305" r:id="rId20"/>
+    <p:sldId id="311" r:id="rId10"/>
+    <p:sldId id="312" r:id="rId11"/>
+    <p:sldId id="299" r:id="rId12"/>
+    <p:sldId id="313" r:id="rId13"/>
+    <p:sldId id="307" r:id="rId14"/>
+    <p:sldId id="272" r:id="rId15"/>
+    <p:sldId id="314" r:id="rId16"/>
+    <p:sldId id="316" r:id="rId17"/>
+    <p:sldId id="318" r:id="rId18"/>
+    <p:sldId id="309" r:id="rId19"/>
+    <p:sldId id="315" r:id="rId20"/>
+    <p:sldId id="317" r:id="rId21"/>
+    <p:sldId id="304" r:id="rId22"/>
+    <p:sldId id="305" r:id="rId23"/>
+    <p:sldId id="300" r:id="rId24"/>
+    <p:sldId id="303" r:id="rId25"/>
+    <p:sldId id="302" r:id="rId26"/>
   </p:sldIdLst>
   <p:sldSz cx="12192000" cy="6858000"/>
   <p:notesSz cx="6858000" cy="9144000"/>
@@ -631,7 +637,7 @@
           <a:p>
             <a:fld id="{5976870D-EDE0-4065-9108-FF08285B4E25}" type="slidenum">
               <a:rPr lang="de-DE" smtClean="0"/>
-              <a:t>17</a:t>
+              <a:t>20</a:t>
             </a:fld>
             <a:endParaRPr lang="de-DE"/>
           </a:p>
@@ -715,7 +721,7 @@
           <a:p>
             <a:fld id="{5976870D-EDE0-4065-9108-FF08285B4E25}" type="slidenum">
               <a:rPr lang="de-DE" smtClean="0"/>
-              <a:t>18</a:t>
+              <a:t>21</a:t>
             </a:fld>
             <a:endParaRPr lang="de-DE"/>
           </a:p>
@@ -7065,7 +7071,7 @@
           <p:cNvPr id="2" name="Titel 1">
             <a:extLst>
               <a:ext uri="{FF2B5EF4-FFF2-40B4-BE49-F238E27FC236}">
-                <a16:creationId xmlns:a16="http://schemas.microsoft.com/office/drawing/2014/main" id="{423EE35B-33E3-42A0-BBDA-368E8D825D7E}"/>
+                <a16:creationId xmlns:a16="http://schemas.microsoft.com/office/drawing/2014/main" id="{B65D7EC3-CD42-4551-8940-B2E7B1FA136C}"/>
               </a:ext>
             </a:extLst>
           </p:cNvPr>
@@ -7073,7 +7079,7 @@
             <a:spLocks noGrp="1"/>
           </p:cNvSpPr>
           <p:nvPr>
-            <p:ph type="ctrTitle"/>
+            <p:ph type="title"/>
           </p:nvPr>
         </p:nvSpPr>
         <p:spPr/>
@@ -7083,17 +7089,17 @@
           <a:p>
             <a:r>
               <a:rPr lang="de-DE" dirty="0"/>
-              <a:t>AWS</a:t>
-            </a:r>
-          </a:p>
-        </p:txBody>
-      </p:sp>
-      <p:sp>
-        <p:nvSpPr>
-          <p:cNvPr id="5" name="Untertitel 4">
-            <a:extLst>
-              <a:ext uri="{FF2B5EF4-FFF2-40B4-BE49-F238E27FC236}">
-                <a16:creationId xmlns:a16="http://schemas.microsoft.com/office/drawing/2014/main" id="{B11A7254-9FA9-40F3-BD35-E1C8D97446A8}"/>
+              <a:t>Terraform</a:t>
+            </a:r>
+          </a:p>
+        </p:txBody>
+      </p:sp>
+      <p:sp>
+        <p:nvSpPr>
+          <p:cNvPr id="4" name="Content Placeholder 3">
+            <a:extLst>
+              <a:ext uri="{FF2B5EF4-FFF2-40B4-BE49-F238E27FC236}">
+                <a16:creationId xmlns:a16="http://schemas.microsoft.com/office/drawing/2014/main" id="{2BF5D699-940E-4DE9-8183-FAB1BE315652}"/>
               </a:ext>
             </a:extLst>
           </p:cNvPr>
@@ -7101,7 +7107,7 @@
             <a:spLocks noGrp="1"/>
           </p:cNvSpPr>
           <p:nvPr>
-            <p:ph type="subTitle" idx="1"/>
+            <p:ph idx="1"/>
           </p:nvPr>
         </p:nvSpPr>
         <p:spPr/>
@@ -7109,14 +7115,84 @@
           <a:bodyPr/>
           <a:lstStyle/>
           <a:p>
-            <a:endParaRPr lang="de-DE"/>
-          </a:p>
-        </p:txBody>
-      </p:sp>
+            <a:r>
+              <a:rPr lang="en-US" dirty="0"/>
+              <a:t>Terraform to automatically build, change, and version public cloud infrastructure</a:t>
+            </a:r>
+          </a:p>
+        </p:txBody>
+      </p:sp>
+      <p:pic>
+        <p:nvPicPr>
+          <p:cNvPr id="5" name="Picture 4">
+            <a:extLst>
+              <a:ext uri="{FF2B5EF4-FFF2-40B4-BE49-F238E27FC236}">
+                <a16:creationId xmlns:a16="http://schemas.microsoft.com/office/drawing/2014/main" id="{C71EF30E-69FD-408B-9A66-26E23FCAF59D}"/>
+              </a:ext>
+            </a:extLst>
+          </p:cNvPr>
+          <p:cNvPicPr>
+            <a:picLocks noChangeAspect="1"/>
+          </p:cNvPicPr>
+          <p:nvPr/>
+        </p:nvPicPr>
+        <p:blipFill>
+          <a:blip r:embed="rId2"/>
+          <a:stretch>
+            <a:fillRect/>
+          </a:stretch>
+        </p:blipFill>
+        <p:spPr>
+          <a:xfrm>
+            <a:off x="10274650" y="417951"/>
+            <a:ext cx="1079150" cy="1219909"/>
+          </a:xfrm>
+          <a:prstGeom prst="rect">
+            <a:avLst/>
+          </a:prstGeom>
+        </p:spPr>
+      </p:pic>
+      <p:pic>
+        <p:nvPicPr>
+          <p:cNvPr id="6" name="Grafik 5">
+            <a:extLst>
+              <a:ext uri="{FF2B5EF4-FFF2-40B4-BE49-F238E27FC236}">
+                <a16:creationId xmlns:a16="http://schemas.microsoft.com/office/drawing/2014/main" id="{CF409AD2-EC87-FFBD-FDBA-2EC7012E4054}"/>
+              </a:ext>
+            </a:extLst>
+          </p:cNvPr>
+          <p:cNvPicPr>
+            <a:picLocks noChangeAspect="1"/>
+          </p:cNvPicPr>
+          <p:nvPr/>
+        </p:nvPicPr>
+        <p:blipFill>
+          <a:blip r:embed="rId3"/>
+          <a:stretch>
+            <a:fillRect/>
+          </a:stretch>
+        </p:blipFill>
+        <p:spPr>
+          <a:xfrm>
+            <a:off x="3057952" y="3283888"/>
+            <a:ext cx="6076095" cy="1752443"/>
+          </a:xfrm>
+          <a:prstGeom prst="rect">
+            <a:avLst/>
+          </a:prstGeom>
+          <a:effectLst>
+            <a:outerShdw blurRad="50800" dist="38100" dir="2700000" algn="tl" rotWithShape="0">
+              <a:prstClr val="black">
+                <a:alpha val="40000"/>
+              </a:prstClr>
+            </a:outerShdw>
+          </a:effectLst>
+        </p:spPr>
+      </p:pic>
     </p:spTree>
     <p:extLst>
       <p:ext uri="{BB962C8B-B14F-4D97-AF65-F5344CB8AC3E}">
-        <p14:creationId xmlns:p14="http://schemas.microsoft.com/office/powerpoint/2010/main" val="163883768"/>
+        <p14:creationId xmlns:p14="http://schemas.microsoft.com/office/powerpoint/2010/main" val="4128644860"/>
       </p:ext>
     </p:extLst>
   </p:cSld>
@@ -7148,7 +7224,7 @@
           <p:cNvPr id="2" name="Titel 1">
             <a:extLst>
               <a:ext uri="{FF2B5EF4-FFF2-40B4-BE49-F238E27FC236}">
-                <a16:creationId xmlns:a16="http://schemas.microsoft.com/office/drawing/2014/main" id="{B65D7EC3-CD42-4551-8940-B2E7B1FA136C}"/>
+                <a16:creationId xmlns:a16="http://schemas.microsoft.com/office/drawing/2014/main" id="{FE7310EA-0D36-8797-94D6-7E3C9FD760A2}"/>
               </a:ext>
             </a:extLst>
           </p:cNvPr>
@@ -7173,52 +7249,356 @@
       </p:sp>
       <p:sp>
         <p:nvSpPr>
-          <p:cNvPr id="4" name="Content Placeholder 3">
-            <a:extLst>
-              <a:ext uri="{FF2B5EF4-FFF2-40B4-BE49-F238E27FC236}">
-                <a16:creationId xmlns:a16="http://schemas.microsoft.com/office/drawing/2014/main" id="{2BF5D699-940E-4DE9-8183-FAB1BE315652}"/>
-              </a:ext>
-            </a:extLst>
-          </p:cNvPr>
-          <p:cNvSpPr>
-            <a:spLocks noGrp="1"/>
-          </p:cNvSpPr>
-          <p:nvPr>
-            <p:ph idx="1"/>
-          </p:nvPr>
-        </p:nvSpPr>
-        <p:spPr/>
-        <p:txBody>
-          <a:bodyPr/>
-          <a:lstStyle/>
-          <a:p>
-            <a:r>
-              <a:rPr lang="en-US" dirty="0"/>
-              <a:t>Amazon Elastic Compute Cloud (EC2) to deploy our application</a:t>
-            </a:r>
-          </a:p>
-          <a:p>
-            <a:pPr lvl="1"/>
-            <a:r>
-              <a:rPr lang="en-US" dirty="0"/>
-              <a:t>Security groups</a:t>
-            </a:r>
-          </a:p>
-          <a:p>
-            <a:pPr lvl="1"/>
-            <a:r>
-              <a:rPr lang="en-US" dirty="0"/>
-              <a:t>Elastic IP</a:t>
-            </a:r>
+          <p:cNvPr id="4" name="Rectangle: Rounded Corners 5">
+            <a:extLst>
+              <a:ext uri="{FF2B5EF4-FFF2-40B4-BE49-F238E27FC236}">
+                <a16:creationId xmlns:a16="http://schemas.microsoft.com/office/drawing/2014/main" id="{78CCAEE7-61F5-65AA-DCCD-9964C5338FAE}"/>
+              </a:ext>
+            </a:extLst>
+          </p:cNvPr>
+          <p:cNvSpPr/>
+          <p:nvPr/>
+        </p:nvSpPr>
+        <p:spPr>
+          <a:xfrm>
+            <a:off x="1164594" y="4466010"/>
+            <a:ext cx="1704110" cy="768927"/>
+          </a:xfrm>
+          <a:prstGeom prst="roundRect">
+            <a:avLst/>
+          </a:prstGeom>
+          <a:solidFill>
+            <a:srgbClr val="2088FE"/>
+          </a:solidFill>
+          <a:ln>
+            <a:noFill/>
+          </a:ln>
+        </p:spPr>
+        <p:style>
+          <a:lnRef idx="2">
+            <a:schemeClr val="accent1">
+              <a:shade val="50000"/>
+            </a:schemeClr>
+          </a:lnRef>
+          <a:fillRef idx="1">
+            <a:schemeClr val="accent1"/>
+          </a:fillRef>
+          <a:effectRef idx="0">
+            <a:schemeClr val="accent1"/>
+          </a:effectRef>
+          <a:fontRef idx="minor">
+            <a:schemeClr val="lt1"/>
+          </a:fontRef>
+        </p:style>
+        <p:txBody>
+          <a:bodyPr rtlCol="0" anchor="ctr"/>
+          <a:lstStyle/>
+          <a:p>
+            <a:pPr algn="ctr"/>
+            <a:r>
+              <a:rPr lang="de-DE" dirty="0"/>
+              <a:t>Push</a:t>
+            </a:r>
+          </a:p>
+        </p:txBody>
+      </p:sp>
+      <p:sp>
+        <p:nvSpPr>
+          <p:cNvPr id="5" name="Rectangle: Rounded Corners 6">
+            <a:extLst>
+              <a:ext uri="{FF2B5EF4-FFF2-40B4-BE49-F238E27FC236}">
+                <a16:creationId xmlns:a16="http://schemas.microsoft.com/office/drawing/2014/main" id="{264CA49D-6F4B-C4CF-E420-1104249827C0}"/>
+              </a:ext>
+            </a:extLst>
+          </p:cNvPr>
+          <p:cNvSpPr/>
+          <p:nvPr/>
+        </p:nvSpPr>
+        <p:spPr>
+          <a:xfrm>
+            <a:off x="3619766" y="4466012"/>
+            <a:ext cx="2558017" cy="768927"/>
+          </a:xfrm>
+          <a:prstGeom prst="roundRect">
+            <a:avLst/>
+          </a:prstGeom>
+          <a:solidFill>
+            <a:srgbClr val="2088FE"/>
+          </a:solidFill>
+          <a:ln>
+            <a:noFill/>
+          </a:ln>
+        </p:spPr>
+        <p:style>
+          <a:lnRef idx="2">
+            <a:schemeClr val="accent1">
+              <a:shade val="50000"/>
+            </a:schemeClr>
+          </a:lnRef>
+          <a:fillRef idx="1">
+            <a:schemeClr val="accent1"/>
+          </a:fillRef>
+          <a:effectRef idx="0">
+            <a:schemeClr val="accent1"/>
+          </a:effectRef>
+          <a:fontRef idx="minor">
+            <a:schemeClr val="lt1"/>
+          </a:fontRef>
+        </p:style>
+        <p:txBody>
+          <a:bodyPr rtlCol="0" anchor="ctr"/>
+          <a:lstStyle/>
+          <a:p>
+            <a:pPr algn="ctr"/>
+            <a:r>
+              <a:rPr lang="de-DE" dirty="0"/>
+              <a:t>Create Infrastructure </a:t>
+            </a:r>
+            <a:r>
+              <a:rPr lang="de-DE" dirty="0" err="1"/>
+              <a:t>with</a:t>
+            </a:r>
+            <a:r>
+              <a:rPr lang="de-DE" dirty="0"/>
+              <a:t> Terraform</a:t>
+            </a:r>
+          </a:p>
+        </p:txBody>
+      </p:sp>
+      <p:sp>
+        <p:nvSpPr>
+          <p:cNvPr id="6" name="Rectangle: Rounded Corners 7">
+            <a:extLst>
+              <a:ext uri="{FF2B5EF4-FFF2-40B4-BE49-F238E27FC236}">
+                <a16:creationId xmlns:a16="http://schemas.microsoft.com/office/drawing/2014/main" id="{7245DBC1-1583-905A-477C-077D529C85D9}"/>
+              </a:ext>
+            </a:extLst>
+          </p:cNvPr>
+          <p:cNvSpPr/>
+          <p:nvPr/>
+        </p:nvSpPr>
+        <p:spPr>
+          <a:xfrm>
+            <a:off x="7639731" y="4466009"/>
+            <a:ext cx="2558015" cy="768927"/>
+          </a:xfrm>
+          <a:prstGeom prst="roundRect">
+            <a:avLst/>
+          </a:prstGeom>
+          <a:solidFill>
+            <a:srgbClr val="2088FE"/>
+          </a:solidFill>
+          <a:ln>
+            <a:noFill/>
+          </a:ln>
+        </p:spPr>
+        <p:style>
+          <a:lnRef idx="2">
+            <a:schemeClr val="accent1">
+              <a:shade val="50000"/>
+            </a:schemeClr>
+          </a:lnRef>
+          <a:fillRef idx="1">
+            <a:schemeClr val="accent1"/>
+          </a:fillRef>
+          <a:effectRef idx="0">
+            <a:schemeClr val="accent1"/>
+          </a:effectRef>
+          <a:fontRef idx="minor">
+            <a:schemeClr val="lt1"/>
+          </a:fontRef>
+        </p:style>
+        <p:txBody>
+          <a:bodyPr rtlCol="0" anchor="ctr"/>
+          <a:lstStyle/>
+          <a:p>
+            <a:pPr algn="ctr"/>
+            <a:r>
+              <a:rPr lang="de-DE" dirty="0"/>
+              <a:t>Deploy </a:t>
+            </a:r>
+            <a:r>
+              <a:rPr lang="de-DE" dirty="0" err="1"/>
+              <a:t>app</a:t>
+            </a:r>
+            <a:r>
+              <a:rPr lang="de-DE" dirty="0"/>
+              <a:t> </a:t>
+            </a:r>
+            <a:r>
+              <a:rPr lang="de-DE" dirty="0" err="1"/>
+              <a:t>with</a:t>
+            </a:r>
+            <a:r>
+              <a:rPr lang="de-DE" dirty="0"/>
+              <a:t> </a:t>
+            </a:r>
+            <a:r>
+              <a:rPr lang="de-DE" dirty="0" err="1"/>
+              <a:t>docker</a:t>
+            </a:r>
+            <a:r>
+              <a:rPr lang="de-DE" dirty="0"/>
+              <a:t> </a:t>
+            </a:r>
+            <a:r>
+              <a:rPr lang="de-DE" dirty="0" err="1"/>
+              <a:t>compose</a:t>
+            </a:r>
+            <a:endParaRPr lang="de-DE" dirty="0"/>
+          </a:p>
+        </p:txBody>
+      </p:sp>
+      <p:cxnSp>
+        <p:nvCxnSpPr>
+          <p:cNvPr id="7" name="Straight Arrow Connector 11">
+            <a:extLst>
+              <a:ext uri="{FF2B5EF4-FFF2-40B4-BE49-F238E27FC236}">
+                <a16:creationId xmlns:a16="http://schemas.microsoft.com/office/drawing/2014/main" id="{F501AB0B-B3CB-38AA-624C-ED414CEFB3A8}"/>
+              </a:ext>
+            </a:extLst>
+          </p:cNvPr>
+          <p:cNvCxnSpPr>
+            <a:cxnSpLocks/>
+            <a:stCxn id="4" idx="3"/>
+            <a:endCxn id="5" idx="1"/>
+          </p:cNvCxnSpPr>
+          <p:nvPr/>
+        </p:nvCxnSpPr>
+        <p:spPr>
+          <a:xfrm>
+            <a:off x="2868704" y="4850474"/>
+            <a:ext cx="751062" cy="2"/>
+          </a:xfrm>
+          <a:prstGeom prst="straightConnector1">
+            <a:avLst/>
+          </a:prstGeom>
+          <a:ln>
+            <a:solidFill>
+              <a:srgbClr val="2088FE"/>
+            </a:solidFill>
+            <a:tailEnd type="triangle"/>
+          </a:ln>
+        </p:spPr>
+        <p:style>
+          <a:lnRef idx="1">
+            <a:schemeClr val="accent1"/>
+          </a:lnRef>
+          <a:fillRef idx="0">
+            <a:schemeClr val="accent1"/>
+          </a:fillRef>
+          <a:effectRef idx="0">
+            <a:schemeClr val="accent1"/>
+          </a:effectRef>
+          <a:fontRef idx="minor">
+            <a:schemeClr val="tx1"/>
+          </a:fontRef>
+        </p:style>
+      </p:cxnSp>
+      <p:cxnSp>
+        <p:nvCxnSpPr>
+          <p:cNvPr id="8" name="Straight Arrow Connector 13">
+            <a:extLst>
+              <a:ext uri="{FF2B5EF4-FFF2-40B4-BE49-F238E27FC236}">
+                <a16:creationId xmlns:a16="http://schemas.microsoft.com/office/drawing/2014/main" id="{15D2F7F9-D527-3673-F73F-11C0FEC9E142}"/>
+              </a:ext>
+            </a:extLst>
+          </p:cNvPr>
+          <p:cNvCxnSpPr>
+            <a:cxnSpLocks/>
+            <a:stCxn id="5" idx="3"/>
+            <a:endCxn id="6" idx="1"/>
+          </p:cNvCxnSpPr>
+          <p:nvPr/>
+        </p:nvCxnSpPr>
+        <p:spPr>
+          <a:xfrm flipV="1">
+            <a:off x="6177783" y="4850473"/>
+            <a:ext cx="1461948" cy="3"/>
+          </a:xfrm>
+          <a:prstGeom prst="straightConnector1">
+            <a:avLst/>
+          </a:prstGeom>
+          <a:ln>
+            <a:solidFill>
+              <a:srgbClr val="2088FE"/>
+            </a:solidFill>
+            <a:tailEnd type="triangle"/>
+          </a:ln>
+        </p:spPr>
+        <p:style>
+          <a:lnRef idx="1">
+            <a:schemeClr val="accent1"/>
+          </a:lnRef>
+          <a:fillRef idx="0">
+            <a:schemeClr val="accent1"/>
+          </a:fillRef>
+          <a:effectRef idx="0">
+            <a:schemeClr val="accent1"/>
+          </a:effectRef>
+          <a:fontRef idx="minor">
+            <a:schemeClr val="tx1"/>
+          </a:fontRef>
+        </p:style>
+      </p:cxnSp>
+      <p:sp>
+        <p:nvSpPr>
+          <p:cNvPr id="9" name="Rectangle: Rounded Corners 17">
+            <a:extLst>
+              <a:ext uri="{FF2B5EF4-FFF2-40B4-BE49-F238E27FC236}">
+                <a16:creationId xmlns:a16="http://schemas.microsoft.com/office/drawing/2014/main" id="{433EC4C8-5652-8E37-1388-42FECF4CA3D7}"/>
+              </a:ext>
+            </a:extLst>
+          </p:cNvPr>
+          <p:cNvSpPr/>
+          <p:nvPr/>
+        </p:nvSpPr>
+        <p:spPr>
+          <a:xfrm flipH="1" flipV="1">
+            <a:off x="3034753" y="3977640"/>
+            <a:ext cx="7433721" cy="1594946"/>
+          </a:xfrm>
+          <a:prstGeom prst="roundRect">
+            <a:avLst/>
+          </a:prstGeom>
+          <a:noFill/>
+          <a:ln>
+            <a:solidFill>
+              <a:srgbClr val="2088FE"/>
+            </a:solidFill>
+          </a:ln>
+        </p:spPr>
+        <p:style>
+          <a:lnRef idx="2">
+            <a:schemeClr val="accent1">
+              <a:shade val="50000"/>
+            </a:schemeClr>
+          </a:lnRef>
+          <a:fillRef idx="1">
+            <a:schemeClr val="accent1"/>
+          </a:fillRef>
+          <a:effectRef idx="0">
+            <a:schemeClr val="accent1"/>
+          </a:effectRef>
+          <a:fontRef idx="minor">
+            <a:schemeClr val="lt1"/>
+          </a:fontRef>
+        </p:style>
+        <p:txBody>
+          <a:bodyPr rtlCol="0" anchor="ctr"/>
+          <a:lstStyle/>
+          <a:p>
+            <a:pPr algn="ctr"/>
+            <a:endParaRPr lang="de-DE"/>
           </a:p>
         </p:txBody>
       </p:sp>
       <p:pic>
         <p:nvPicPr>
-          <p:cNvPr id="7" name="Picture 6">
-            <a:extLst>
-              <a:ext uri="{FF2B5EF4-FFF2-40B4-BE49-F238E27FC236}">
-                <a16:creationId xmlns:a16="http://schemas.microsoft.com/office/drawing/2014/main" id="{E1C1E508-A52A-4971-A179-36A48ADFB13B}"/>
+          <p:cNvPr id="10" name="Picture 19">
+            <a:extLst>
+              <a:ext uri="{FF2B5EF4-FFF2-40B4-BE49-F238E27FC236}">
+                <a16:creationId xmlns:a16="http://schemas.microsoft.com/office/drawing/2014/main" id="{B187C7EC-CE9C-D136-07DC-CC38CA9DE47D}"/>
               </a:ext>
             </a:extLst>
           </p:cNvPr>
@@ -7235,18 +7615,548 @@
         </p:blipFill>
         <p:spPr>
           <a:xfrm>
-            <a:off x="9491753" y="457654"/>
-            <a:ext cx="1862047" cy="1140504"/>
+            <a:off x="3113900" y="4123214"/>
+            <a:ext cx="426720" cy="426720"/>
           </a:xfrm>
           <a:prstGeom prst="rect">
             <a:avLst/>
           </a:prstGeom>
         </p:spPr>
       </p:pic>
+      <p:cxnSp>
+        <p:nvCxnSpPr>
+          <p:cNvPr id="19" name="Straight Arrow Connector 11">
+            <a:extLst>
+              <a:ext uri="{FF2B5EF4-FFF2-40B4-BE49-F238E27FC236}">
+                <a16:creationId xmlns:a16="http://schemas.microsoft.com/office/drawing/2014/main" id="{2BE4D3C3-2C05-2D6B-EB00-0B569B104FB4}"/>
+              </a:ext>
+            </a:extLst>
+          </p:cNvPr>
+          <p:cNvCxnSpPr>
+            <a:cxnSpLocks/>
+            <a:stCxn id="5" idx="0"/>
+            <a:endCxn id="20" idx="2"/>
+          </p:cNvCxnSpPr>
+          <p:nvPr/>
+        </p:nvCxnSpPr>
+        <p:spPr>
+          <a:xfrm flipH="1" flipV="1">
+            <a:off x="4898774" y="3300716"/>
+            <a:ext cx="1" cy="1165296"/>
+          </a:xfrm>
+          <a:prstGeom prst="straightConnector1">
+            <a:avLst/>
+          </a:prstGeom>
+          <a:ln>
+            <a:solidFill>
+              <a:srgbClr val="5C4EE5"/>
+            </a:solidFill>
+            <a:tailEnd type="triangle"/>
+          </a:ln>
+        </p:spPr>
+        <p:style>
+          <a:lnRef idx="1">
+            <a:schemeClr val="accent1"/>
+          </a:lnRef>
+          <a:fillRef idx="0">
+            <a:schemeClr val="accent1"/>
+          </a:fillRef>
+          <a:effectRef idx="0">
+            <a:schemeClr val="accent1"/>
+          </a:effectRef>
+          <a:fontRef idx="minor">
+            <a:schemeClr val="tx1"/>
+          </a:fontRef>
+        </p:style>
+      </p:cxnSp>
+      <p:sp>
+        <p:nvSpPr>
+          <p:cNvPr id="20" name="Rectangle: Rounded Corners 6">
+            <a:extLst>
+              <a:ext uri="{FF2B5EF4-FFF2-40B4-BE49-F238E27FC236}">
+                <a16:creationId xmlns:a16="http://schemas.microsoft.com/office/drawing/2014/main" id="{B811BC74-BB0A-7701-99C2-0D2003A48E60}"/>
+              </a:ext>
+            </a:extLst>
+          </p:cNvPr>
+          <p:cNvSpPr/>
+          <p:nvPr/>
+        </p:nvSpPr>
+        <p:spPr>
+          <a:xfrm>
+            <a:off x="3619765" y="2531789"/>
+            <a:ext cx="2558017" cy="768927"/>
+          </a:xfrm>
+          <a:prstGeom prst="roundRect">
+            <a:avLst/>
+          </a:prstGeom>
+          <a:solidFill>
+            <a:srgbClr val="5C4EE5"/>
+          </a:solidFill>
+          <a:ln>
+            <a:noFill/>
+          </a:ln>
+        </p:spPr>
+        <p:style>
+          <a:lnRef idx="2">
+            <a:schemeClr val="accent1">
+              <a:shade val="50000"/>
+            </a:schemeClr>
+          </a:lnRef>
+          <a:fillRef idx="1">
+            <a:schemeClr val="accent1"/>
+          </a:fillRef>
+          <a:effectRef idx="0">
+            <a:schemeClr val="accent1"/>
+          </a:effectRef>
+          <a:fontRef idx="minor">
+            <a:schemeClr val="lt1"/>
+          </a:fontRef>
+        </p:style>
+        <p:txBody>
+          <a:bodyPr rtlCol="0" anchor="ctr"/>
+          <a:lstStyle/>
+          <a:p>
+            <a:pPr algn="ctr"/>
+            <a:r>
+              <a:rPr lang="de-DE" dirty="0"/>
+              <a:t>Create EC2 </a:t>
+            </a:r>
+            <a:r>
+              <a:rPr lang="de-DE" dirty="0" err="1"/>
+              <a:t>machine</a:t>
+            </a:r>
+            <a:endParaRPr lang="de-DE" dirty="0"/>
+          </a:p>
+        </p:txBody>
+      </p:sp>
+      <p:sp>
+        <p:nvSpPr>
+          <p:cNvPr id="21" name="Rectangle: Rounded Corners 17">
+            <a:extLst>
+              <a:ext uri="{FF2B5EF4-FFF2-40B4-BE49-F238E27FC236}">
+                <a16:creationId xmlns:a16="http://schemas.microsoft.com/office/drawing/2014/main" id="{865E96C3-898B-ABE0-91DC-5A88AEAE32A1}"/>
+              </a:ext>
+            </a:extLst>
+          </p:cNvPr>
+          <p:cNvSpPr/>
+          <p:nvPr/>
+        </p:nvSpPr>
+        <p:spPr>
+          <a:xfrm flipH="1" flipV="1">
+            <a:off x="3034754" y="1946276"/>
+            <a:ext cx="3424355" cy="1594946"/>
+          </a:xfrm>
+          <a:prstGeom prst="roundRect">
+            <a:avLst/>
+          </a:prstGeom>
+          <a:noFill/>
+          <a:ln>
+            <a:solidFill>
+              <a:srgbClr val="5C4EE5"/>
+            </a:solidFill>
+          </a:ln>
+        </p:spPr>
+        <p:style>
+          <a:lnRef idx="2">
+            <a:schemeClr val="accent1">
+              <a:shade val="50000"/>
+            </a:schemeClr>
+          </a:lnRef>
+          <a:fillRef idx="1">
+            <a:schemeClr val="accent1"/>
+          </a:fillRef>
+          <a:effectRef idx="0">
+            <a:schemeClr val="accent1"/>
+          </a:effectRef>
+          <a:fontRef idx="minor">
+            <a:schemeClr val="lt1"/>
+          </a:fontRef>
+        </p:style>
+        <p:txBody>
+          <a:bodyPr rtlCol="0" anchor="ctr"/>
+          <a:lstStyle/>
+          <a:p>
+            <a:pPr algn="ctr"/>
+            <a:endParaRPr lang="de-DE"/>
+          </a:p>
+        </p:txBody>
+      </p:sp>
+      <p:pic>
+        <p:nvPicPr>
+          <p:cNvPr id="24" name="Picture 4">
+            <a:extLst>
+              <a:ext uri="{FF2B5EF4-FFF2-40B4-BE49-F238E27FC236}">
+                <a16:creationId xmlns:a16="http://schemas.microsoft.com/office/drawing/2014/main" id="{F668A630-DDE5-F7FD-292A-06605BED7FC7}"/>
+              </a:ext>
+            </a:extLst>
+          </p:cNvPr>
+          <p:cNvPicPr>
+            <a:picLocks noChangeAspect="1"/>
+          </p:cNvPicPr>
+          <p:nvPr/>
+        </p:nvPicPr>
+        <p:blipFill>
+          <a:blip r:embed="rId3"/>
+          <a:stretch>
+            <a:fillRect/>
+          </a:stretch>
+        </p:blipFill>
+        <p:spPr>
+          <a:xfrm>
+            <a:off x="3234504" y="2049410"/>
+            <a:ext cx="426720" cy="482379"/>
+          </a:xfrm>
+          <a:prstGeom prst="rect">
+            <a:avLst/>
+          </a:prstGeom>
+        </p:spPr>
+      </p:pic>
+      <p:pic>
+        <p:nvPicPr>
+          <p:cNvPr id="28" name="Picture 6">
+            <a:extLst>
+              <a:ext uri="{FF2B5EF4-FFF2-40B4-BE49-F238E27FC236}">
+                <a16:creationId xmlns:a16="http://schemas.microsoft.com/office/drawing/2014/main" id="{97D45E23-90AD-A028-05E6-6586A5843E21}"/>
+              </a:ext>
+            </a:extLst>
+          </p:cNvPr>
+          <p:cNvPicPr>
+            <a:picLocks noChangeAspect="1"/>
+          </p:cNvPicPr>
+          <p:nvPr/>
+        </p:nvPicPr>
+        <p:blipFill>
+          <a:blip r:embed="rId4"/>
+          <a:stretch>
+            <a:fillRect/>
+          </a:stretch>
+        </p:blipFill>
+        <p:spPr>
+          <a:xfrm>
+            <a:off x="7249750" y="2094178"/>
+            <a:ext cx="549008" cy="336268"/>
+          </a:xfrm>
+          <a:prstGeom prst="rect">
+            <a:avLst/>
+          </a:prstGeom>
+        </p:spPr>
+      </p:pic>
+      <p:sp>
+        <p:nvSpPr>
+          <p:cNvPr id="29" name="Rectangle: Rounded Corners 6">
+            <a:extLst>
+              <a:ext uri="{FF2B5EF4-FFF2-40B4-BE49-F238E27FC236}">
+                <a16:creationId xmlns:a16="http://schemas.microsoft.com/office/drawing/2014/main" id="{8A69E514-DFCE-BDFC-FE4E-7567049EB630}"/>
+              </a:ext>
+            </a:extLst>
+          </p:cNvPr>
+          <p:cNvSpPr/>
+          <p:nvPr/>
+        </p:nvSpPr>
+        <p:spPr>
+          <a:xfrm>
+            <a:off x="7639732" y="2531789"/>
+            <a:ext cx="2558017" cy="768927"/>
+          </a:xfrm>
+          <a:prstGeom prst="roundRect">
+            <a:avLst/>
+          </a:prstGeom>
+          <a:solidFill>
+            <a:srgbClr val="FF9900"/>
+          </a:solidFill>
+          <a:ln>
+            <a:noFill/>
+          </a:ln>
+        </p:spPr>
+        <p:style>
+          <a:lnRef idx="2">
+            <a:schemeClr val="accent1">
+              <a:shade val="50000"/>
+            </a:schemeClr>
+          </a:lnRef>
+          <a:fillRef idx="1">
+            <a:schemeClr val="accent1"/>
+          </a:fillRef>
+          <a:effectRef idx="0">
+            <a:schemeClr val="accent1"/>
+          </a:effectRef>
+          <a:fontRef idx="minor">
+            <a:schemeClr val="lt1"/>
+          </a:fontRef>
+        </p:style>
+        <p:txBody>
+          <a:bodyPr rtlCol="0" anchor="ctr"/>
+          <a:lstStyle/>
+          <a:p>
+            <a:pPr algn="ctr"/>
+            <a:r>
+              <a:rPr lang="de-DE" dirty="0"/>
+              <a:t>EC2 </a:t>
+            </a:r>
+            <a:r>
+              <a:rPr lang="de-DE" dirty="0" err="1"/>
+              <a:t>machine</a:t>
+            </a:r>
+            <a:endParaRPr lang="de-DE" dirty="0"/>
+          </a:p>
+        </p:txBody>
+      </p:sp>
+      <p:sp>
+        <p:nvSpPr>
+          <p:cNvPr id="30" name="Rectangle: Rounded Corners 17">
+            <a:extLst>
+              <a:ext uri="{FF2B5EF4-FFF2-40B4-BE49-F238E27FC236}">
+                <a16:creationId xmlns:a16="http://schemas.microsoft.com/office/drawing/2014/main" id="{C3D25223-D404-A957-180D-7C74A93E192A}"/>
+              </a:ext>
+            </a:extLst>
+          </p:cNvPr>
+          <p:cNvSpPr/>
+          <p:nvPr/>
+        </p:nvSpPr>
+        <p:spPr>
+          <a:xfrm flipH="1" flipV="1">
+            <a:off x="7044120" y="1946276"/>
+            <a:ext cx="3424355" cy="1594946"/>
+          </a:xfrm>
+          <a:prstGeom prst="roundRect">
+            <a:avLst/>
+          </a:prstGeom>
+          <a:noFill/>
+          <a:ln>
+            <a:solidFill>
+              <a:srgbClr val="FF9900"/>
+            </a:solidFill>
+          </a:ln>
+        </p:spPr>
+        <p:style>
+          <a:lnRef idx="2">
+            <a:schemeClr val="accent1">
+              <a:shade val="50000"/>
+            </a:schemeClr>
+          </a:lnRef>
+          <a:fillRef idx="1">
+            <a:schemeClr val="accent1"/>
+          </a:fillRef>
+          <a:effectRef idx="0">
+            <a:schemeClr val="accent1"/>
+          </a:effectRef>
+          <a:fontRef idx="minor">
+            <a:schemeClr val="lt1"/>
+          </a:fontRef>
+        </p:style>
+        <p:txBody>
+          <a:bodyPr rtlCol="0" anchor="ctr"/>
+          <a:lstStyle/>
+          <a:p>
+            <a:pPr algn="ctr"/>
+            <a:endParaRPr lang="de-DE"/>
+          </a:p>
+        </p:txBody>
+      </p:sp>
+      <p:cxnSp>
+        <p:nvCxnSpPr>
+          <p:cNvPr id="31" name="Straight Arrow Connector 11">
+            <a:extLst>
+              <a:ext uri="{FF2B5EF4-FFF2-40B4-BE49-F238E27FC236}">
+                <a16:creationId xmlns:a16="http://schemas.microsoft.com/office/drawing/2014/main" id="{227B2E06-2BE5-7007-A654-EBE79D0F9520}"/>
+              </a:ext>
+            </a:extLst>
+          </p:cNvPr>
+          <p:cNvCxnSpPr>
+            <a:cxnSpLocks/>
+            <a:stCxn id="20" idx="3"/>
+            <a:endCxn id="29" idx="1"/>
+          </p:cNvCxnSpPr>
+          <p:nvPr/>
+        </p:nvCxnSpPr>
+        <p:spPr>
+          <a:xfrm>
+            <a:off x="6177782" y="2916253"/>
+            <a:ext cx="1461950" cy="0"/>
+          </a:xfrm>
+          <a:prstGeom prst="straightConnector1">
+            <a:avLst/>
+          </a:prstGeom>
+          <a:ln>
+            <a:solidFill>
+              <a:srgbClr val="FF9900"/>
+            </a:solidFill>
+            <a:tailEnd type="triangle"/>
+          </a:ln>
+        </p:spPr>
+        <p:style>
+          <a:lnRef idx="1">
+            <a:schemeClr val="accent1"/>
+          </a:lnRef>
+          <a:fillRef idx="0">
+            <a:schemeClr val="accent1"/>
+          </a:fillRef>
+          <a:effectRef idx="0">
+            <a:schemeClr val="accent1"/>
+          </a:effectRef>
+          <a:fontRef idx="minor">
+            <a:schemeClr val="tx1"/>
+          </a:fontRef>
+        </p:style>
+      </p:cxnSp>
+      <p:cxnSp>
+        <p:nvCxnSpPr>
+          <p:cNvPr id="36" name="Straight Arrow Connector 11">
+            <a:extLst>
+              <a:ext uri="{FF2B5EF4-FFF2-40B4-BE49-F238E27FC236}">
+                <a16:creationId xmlns:a16="http://schemas.microsoft.com/office/drawing/2014/main" id="{0939BA32-55A3-5025-F860-5D4857282D4C}"/>
+              </a:ext>
+            </a:extLst>
+          </p:cNvPr>
+          <p:cNvCxnSpPr>
+            <a:cxnSpLocks/>
+            <a:stCxn id="6" idx="0"/>
+            <a:endCxn id="29" idx="2"/>
+          </p:cNvCxnSpPr>
+          <p:nvPr/>
+        </p:nvCxnSpPr>
+        <p:spPr>
+          <a:xfrm flipV="1">
+            <a:off x="8918739" y="3300716"/>
+            <a:ext cx="2" cy="1165293"/>
+          </a:xfrm>
+          <a:prstGeom prst="straightConnector1">
+            <a:avLst/>
+          </a:prstGeom>
+          <a:ln>
+            <a:solidFill>
+              <a:srgbClr val="FF9900"/>
+            </a:solidFill>
+            <a:tailEnd type="triangle"/>
+          </a:ln>
+        </p:spPr>
+        <p:style>
+          <a:lnRef idx="1">
+            <a:schemeClr val="accent1"/>
+          </a:lnRef>
+          <a:fillRef idx="0">
+            <a:schemeClr val="accent1"/>
+          </a:fillRef>
+          <a:effectRef idx="0">
+            <a:schemeClr val="accent1"/>
+          </a:effectRef>
+          <a:fontRef idx="minor">
+            <a:schemeClr val="tx1"/>
+          </a:fontRef>
+        </p:style>
+      </p:cxnSp>
+      <p:sp>
+        <p:nvSpPr>
+          <p:cNvPr id="3" name="Rechteck 2">
+            <a:extLst>
+              <a:ext uri="{FF2B5EF4-FFF2-40B4-BE49-F238E27FC236}">
+                <a16:creationId xmlns:a16="http://schemas.microsoft.com/office/drawing/2014/main" id="{6EEB4DD0-E328-9220-C30A-35E53E4C7453}"/>
+              </a:ext>
+            </a:extLst>
+          </p:cNvPr>
+          <p:cNvSpPr/>
+          <p:nvPr/>
+        </p:nvSpPr>
+        <p:spPr>
+          <a:xfrm>
+            <a:off x="763327" y="3886229"/>
+            <a:ext cx="10122009" cy="2248483"/>
+          </a:xfrm>
+          <a:prstGeom prst="rect">
+            <a:avLst/>
+          </a:prstGeom>
+          <a:solidFill>
+            <a:schemeClr val="bg1">
+              <a:alpha val="66000"/>
+            </a:schemeClr>
+          </a:solidFill>
+          <a:ln>
+            <a:noFill/>
+          </a:ln>
+        </p:spPr>
+        <p:style>
+          <a:lnRef idx="2">
+            <a:schemeClr val="accent1">
+              <a:shade val="50000"/>
+            </a:schemeClr>
+          </a:lnRef>
+          <a:fillRef idx="1">
+            <a:schemeClr val="accent1"/>
+          </a:fillRef>
+          <a:effectRef idx="0">
+            <a:schemeClr val="accent1"/>
+          </a:effectRef>
+          <a:fontRef idx="minor">
+            <a:schemeClr val="lt1"/>
+          </a:fontRef>
+        </p:style>
+        <p:txBody>
+          <a:bodyPr rtlCol="0" anchor="ctr"/>
+          <a:lstStyle/>
+          <a:p>
+            <a:pPr algn="ctr"/>
+            <a:endParaRPr lang="de-DE"/>
+          </a:p>
+        </p:txBody>
+      </p:sp>
+      <p:sp>
+        <p:nvSpPr>
+          <p:cNvPr id="22" name="Rechteck 21">
+            <a:extLst>
+              <a:ext uri="{FF2B5EF4-FFF2-40B4-BE49-F238E27FC236}">
+                <a16:creationId xmlns:a16="http://schemas.microsoft.com/office/drawing/2014/main" id="{814D3013-1923-2DCD-A95E-6FA7FDC431EF}"/>
+              </a:ext>
+            </a:extLst>
+          </p:cNvPr>
+          <p:cNvSpPr/>
+          <p:nvPr/>
+        </p:nvSpPr>
+        <p:spPr>
+          <a:xfrm>
+            <a:off x="2740769" y="1836262"/>
+            <a:ext cx="3901927" cy="2040191"/>
+          </a:xfrm>
+          <a:prstGeom prst="rect">
+            <a:avLst/>
+          </a:prstGeom>
+          <a:solidFill>
+            <a:schemeClr val="bg1">
+              <a:alpha val="66000"/>
+            </a:schemeClr>
+          </a:solidFill>
+          <a:ln>
+            <a:noFill/>
+          </a:ln>
+        </p:spPr>
+        <p:style>
+          <a:lnRef idx="2">
+            <a:schemeClr val="accent1">
+              <a:shade val="50000"/>
+            </a:schemeClr>
+          </a:lnRef>
+          <a:fillRef idx="1">
+            <a:schemeClr val="accent1"/>
+          </a:fillRef>
+          <a:effectRef idx="0">
+            <a:schemeClr val="accent1"/>
+          </a:effectRef>
+          <a:fontRef idx="minor">
+            <a:schemeClr val="lt1"/>
+          </a:fontRef>
+        </p:style>
+        <p:txBody>
+          <a:bodyPr rtlCol="0" anchor="ctr"/>
+          <a:lstStyle/>
+          <a:p>
+            <a:pPr algn="ctr"/>
+            <a:endParaRPr lang="de-DE"/>
+          </a:p>
+        </p:txBody>
+      </p:sp>
     </p:spTree>
     <p:extLst>
       <p:ext uri="{BB962C8B-B14F-4D97-AF65-F5344CB8AC3E}">
-        <p14:creationId xmlns:p14="http://schemas.microsoft.com/office/powerpoint/2010/main" val="3037856559"/>
+        <p14:creationId xmlns:p14="http://schemas.microsoft.com/office/powerpoint/2010/main" val="1011046658"/>
       </p:ext>
     </p:extLst>
   </p:cSld>
@@ -7278,7 +8188,7 @@
           <p:cNvPr id="2" name="Titel 1">
             <a:extLst>
               <a:ext uri="{FF2B5EF4-FFF2-40B4-BE49-F238E27FC236}">
-                <a16:creationId xmlns:a16="http://schemas.microsoft.com/office/drawing/2014/main" id="{423EE35B-33E3-42A0-BBDA-368E8D825D7E}"/>
+                <a16:creationId xmlns:a16="http://schemas.microsoft.com/office/drawing/2014/main" id="{B65D7EC3-CD42-4551-8940-B2E7B1FA136C}"/>
               </a:ext>
             </a:extLst>
           </p:cNvPr>
@@ -7286,7 +8196,7 @@
             <a:spLocks noGrp="1"/>
           </p:cNvSpPr>
           <p:nvPr>
-            <p:ph type="ctrTitle"/>
+            <p:ph type="title"/>
           </p:nvPr>
         </p:nvSpPr>
         <p:spPr/>
@@ -7296,17 +8206,17 @@
           <a:p>
             <a:r>
               <a:rPr lang="de-DE" dirty="0"/>
-              <a:t>Solution</a:t>
-            </a:r>
-          </a:p>
-        </p:txBody>
-      </p:sp>
-      <p:sp>
-        <p:nvSpPr>
-          <p:cNvPr id="5" name="Untertitel 4">
-            <a:extLst>
-              <a:ext uri="{FF2B5EF4-FFF2-40B4-BE49-F238E27FC236}">
-                <a16:creationId xmlns:a16="http://schemas.microsoft.com/office/drawing/2014/main" id="{B11A7254-9FA9-40F3-BD35-E1C8D97446A8}"/>
+              <a:t>AWS</a:t>
+            </a:r>
+          </a:p>
+        </p:txBody>
+      </p:sp>
+      <p:sp>
+        <p:nvSpPr>
+          <p:cNvPr id="4" name="Content Placeholder 3">
+            <a:extLst>
+              <a:ext uri="{FF2B5EF4-FFF2-40B4-BE49-F238E27FC236}">
+                <a16:creationId xmlns:a16="http://schemas.microsoft.com/office/drawing/2014/main" id="{2BF5D699-940E-4DE9-8183-FAB1BE315652}"/>
               </a:ext>
             </a:extLst>
           </p:cNvPr>
@@ -7314,7 +8224,7 @@
             <a:spLocks noGrp="1"/>
           </p:cNvSpPr>
           <p:nvPr>
-            <p:ph type="subTitle" idx="1"/>
+            <p:ph idx="1"/>
           </p:nvPr>
         </p:nvSpPr>
         <p:spPr/>
@@ -7322,14 +8232,91 @@
           <a:bodyPr/>
           <a:lstStyle/>
           <a:p>
-            <a:endParaRPr lang="de-DE"/>
-          </a:p>
-        </p:txBody>
-      </p:sp>
+            <a:r>
+              <a:rPr lang="en-US" dirty="0"/>
+              <a:t>Amazon Elastic Compute Cloud (EC2) to deploy our application</a:t>
+            </a:r>
+          </a:p>
+          <a:p>
+            <a:pPr lvl="1"/>
+            <a:r>
+              <a:rPr lang="en-US" dirty="0"/>
+              <a:t>Security groups</a:t>
+            </a:r>
+          </a:p>
+          <a:p>
+            <a:pPr lvl="1"/>
+            <a:r>
+              <a:rPr lang="en-US" dirty="0"/>
+              <a:t>Elastic IP</a:t>
+            </a:r>
+          </a:p>
+        </p:txBody>
+      </p:sp>
+      <p:pic>
+        <p:nvPicPr>
+          <p:cNvPr id="7" name="Picture 6">
+            <a:extLst>
+              <a:ext uri="{FF2B5EF4-FFF2-40B4-BE49-F238E27FC236}">
+                <a16:creationId xmlns:a16="http://schemas.microsoft.com/office/drawing/2014/main" id="{E1C1E508-A52A-4971-A179-36A48ADFB13B}"/>
+              </a:ext>
+            </a:extLst>
+          </p:cNvPr>
+          <p:cNvPicPr>
+            <a:picLocks noChangeAspect="1"/>
+          </p:cNvPicPr>
+          <p:nvPr/>
+        </p:nvPicPr>
+        <p:blipFill>
+          <a:blip r:embed="rId2"/>
+          <a:stretch>
+            <a:fillRect/>
+          </a:stretch>
+        </p:blipFill>
+        <p:spPr>
+          <a:xfrm>
+            <a:off x="9491753" y="457654"/>
+            <a:ext cx="1862047" cy="1140504"/>
+          </a:xfrm>
+          <a:prstGeom prst="rect">
+            <a:avLst/>
+          </a:prstGeom>
+        </p:spPr>
+      </p:pic>
+      <p:pic>
+        <p:nvPicPr>
+          <p:cNvPr id="5" name="Grafik 4">
+            <a:extLst>
+              <a:ext uri="{FF2B5EF4-FFF2-40B4-BE49-F238E27FC236}">
+                <a16:creationId xmlns:a16="http://schemas.microsoft.com/office/drawing/2014/main" id="{407EBDAD-1FD3-B40A-87C5-9B67DBCF6544}"/>
+              </a:ext>
+            </a:extLst>
+          </p:cNvPr>
+          <p:cNvPicPr>
+            <a:picLocks noChangeAspect="1"/>
+          </p:cNvPicPr>
+          <p:nvPr/>
+        </p:nvPicPr>
+        <p:blipFill>
+          <a:blip r:embed="rId3"/>
+          <a:stretch>
+            <a:fillRect/>
+          </a:stretch>
+        </p:blipFill>
+        <p:spPr>
+          <a:xfrm>
+            <a:off x="1123913" y="3360266"/>
+            <a:ext cx="9944173" cy="2347930"/>
+          </a:xfrm>
+          <a:prstGeom prst="rect">
+            <a:avLst/>
+          </a:prstGeom>
+        </p:spPr>
+      </p:pic>
     </p:spTree>
     <p:extLst>
       <p:ext uri="{BB962C8B-B14F-4D97-AF65-F5344CB8AC3E}">
-        <p14:creationId xmlns:p14="http://schemas.microsoft.com/office/powerpoint/2010/main" val="2403675243"/>
+        <p14:creationId xmlns:p14="http://schemas.microsoft.com/office/powerpoint/2010/main" val="3037856559"/>
       </p:ext>
     </p:extLst>
   </p:cSld>
@@ -7361,6 +8348,89 @@
           <p:cNvPr id="2" name="Titel 1">
             <a:extLst>
               <a:ext uri="{FF2B5EF4-FFF2-40B4-BE49-F238E27FC236}">
+                <a16:creationId xmlns:a16="http://schemas.microsoft.com/office/drawing/2014/main" id="{423EE35B-33E3-42A0-BBDA-368E8D825D7E}"/>
+              </a:ext>
+            </a:extLst>
+          </p:cNvPr>
+          <p:cNvSpPr>
+            <a:spLocks noGrp="1"/>
+          </p:cNvSpPr>
+          <p:nvPr>
+            <p:ph type="ctrTitle"/>
+          </p:nvPr>
+        </p:nvSpPr>
+        <p:spPr/>
+        <p:txBody>
+          <a:bodyPr/>
+          <a:lstStyle/>
+          <a:p>
+            <a:r>
+              <a:rPr lang="de-DE" dirty="0"/>
+              <a:t>Solution</a:t>
+            </a:r>
+          </a:p>
+        </p:txBody>
+      </p:sp>
+      <p:sp>
+        <p:nvSpPr>
+          <p:cNvPr id="5" name="Untertitel 4">
+            <a:extLst>
+              <a:ext uri="{FF2B5EF4-FFF2-40B4-BE49-F238E27FC236}">
+                <a16:creationId xmlns:a16="http://schemas.microsoft.com/office/drawing/2014/main" id="{B11A7254-9FA9-40F3-BD35-E1C8D97446A8}"/>
+              </a:ext>
+            </a:extLst>
+          </p:cNvPr>
+          <p:cNvSpPr>
+            <a:spLocks noGrp="1"/>
+          </p:cNvSpPr>
+          <p:nvPr>
+            <p:ph type="subTitle" idx="1"/>
+          </p:nvPr>
+        </p:nvSpPr>
+        <p:spPr/>
+        <p:txBody>
+          <a:bodyPr/>
+          <a:lstStyle/>
+          <a:p>
+            <a:endParaRPr lang="de-DE"/>
+          </a:p>
+        </p:txBody>
+      </p:sp>
+    </p:spTree>
+    <p:extLst>
+      <p:ext uri="{BB962C8B-B14F-4D97-AF65-F5344CB8AC3E}">
+        <p14:creationId xmlns:p14="http://schemas.microsoft.com/office/powerpoint/2010/main" val="2403675243"/>
+      </p:ext>
+    </p:extLst>
+  </p:cSld>
+  <p:clrMapOvr>
+    <a:masterClrMapping/>
+  </p:clrMapOvr>
+</p:sld>
+</file>
+
+<file path=ppt/slides/slide14.xml><?xml version="1.0" encoding="utf-8"?>
+<p:sld xmlns:a="http://schemas.openxmlformats.org/drawingml/2006/main" xmlns:r="http://schemas.openxmlformats.org/officeDocument/2006/relationships" xmlns:p="http://schemas.openxmlformats.org/presentationml/2006/main" show="0">
+  <p:cSld>
+    <p:spTree>
+      <p:nvGrpSpPr>
+        <p:cNvPr id="1" name=""/>
+        <p:cNvGrpSpPr/>
+        <p:nvPr/>
+      </p:nvGrpSpPr>
+      <p:grpSpPr>
+        <a:xfrm>
+          <a:off x="0" y="0"/>
+          <a:ext cx="0" cy="0"/>
+          <a:chOff x="0" y="0"/>
+          <a:chExt cx="0" cy="0"/>
+        </a:xfrm>
+      </p:grpSpPr>
+      <p:sp>
+        <p:nvSpPr>
+          <p:cNvPr id="2" name="Titel 1">
+            <a:extLst>
+              <a:ext uri="{FF2B5EF4-FFF2-40B4-BE49-F238E27FC236}">
                 <a16:creationId xmlns:a16="http://schemas.microsoft.com/office/drawing/2014/main" id="{FE7310EA-0D36-8797-94D6-7E3C9FD760A2}"/>
               </a:ext>
             </a:extLst>
@@ -7379,7 +8449,7 @@
           <a:p>
             <a:r>
               <a:rPr lang="de-DE" dirty="0"/>
-              <a:t>„Critical“ Points</a:t>
+              <a:t>Critical Points</a:t>
             </a:r>
           </a:p>
         </p:txBody>
@@ -7398,7 +8468,7 @@
         </p:nvSpPr>
         <p:spPr>
           <a:xfrm>
-            <a:off x="1037373" y="4362643"/>
+            <a:off x="941957" y="4402400"/>
             <a:ext cx="1704110" cy="768927"/>
           </a:xfrm>
           <a:prstGeom prst="roundRect">
@@ -7453,7 +8523,7 @@
         </p:nvSpPr>
         <p:spPr>
           <a:xfrm>
-            <a:off x="3492545" y="4362645"/>
+            <a:off x="3397129" y="4402402"/>
             <a:ext cx="2558017" cy="768927"/>
           </a:xfrm>
           <a:prstGeom prst="roundRect">
@@ -7516,7 +8586,7 @@
         </p:nvSpPr>
         <p:spPr>
           <a:xfrm>
-            <a:off x="7512510" y="4362642"/>
+            <a:off x="7417094" y="4402399"/>
             <a:ext cx="2558015" cy="768927"/>
           </a:xfrm>
           <a:prstGeom prst="roundRect">
@@ -7604,7 +8674,7 @@
         </p:nvCxnSpPr>
         <p:spPr>
           <a:xfrm>
-            <a:off x="2741483" y="4747107"/>
+            <a:off x="2646067" y="4786864"/>
             <a:ext cx="751062" cy="2"/>
           </a:xfrm>
           <a:prstGeom prst="straightConnector1">
@@ -7650,7 +8720,7 @@
         </p:nvCxnSpPr>
         <p:spPr>
           <a:xfrm flipV="1">
-            <a:off x="6050562" y="4747106"/>
+            <a:off x="5955146" y="4786863"/>
             <a:ext cx="1461948" cy="3"/>
           </a:xfrm>
           <a:prstGeom prst="straightConnector1">
@@ -7692,7 +8762,7 @@
         </p:nvSpPr>
         <p:spPr>
           <a:xfrm flipH="1" flipV="1">
-            <a:off x="2907532" y="3874273"/>
+            <a:off x="2812116" y="3914030"/>
             <a:ext cx="7433721" cy="1594946"/>
           </a:xfrm>
           <a:prstGeom prst="roundRect">
@@ -7752,7 +8822,7 @@
         </p:blipFill>
         <p:spPr>
           <a:xfrm>
-            <a:off x="2986679" y="4019847"/>
+            <a:off x="2891263" y="4059604"/>
             <a:ext cx="426720" cy="426720"/>
           </a:xfrm>
           <a:prstGeom prst="rect">
@@ -7778,7 +8848,7 @@
         </p:nvCxnSpPr>
         <p:spPr>
           <a:xfrm flipH="1" flipV="1">
-            <a:off x="4771553" y="3197349"/>
+            <a:off x="4676137" y="3237106"/>
             <a:ext cx="1" cy="1165296"/>
           </a:xfrm>
           <a:prstGeom prst="straightConnector1">
@@ -7820,7 +8890,7 @@
         </p:nvSpPr>
         <p:spPr>
           <a:xfrm>
-            <a:off x="3492544" y="2428422"/>
+            <a:off x="3397128" y="2468179"/>
             <a:ext cx="2558017" cy="768927"/>
           </a:xfrm>
           <a:prstGeom prst="roundRect">
@@ -7880,7 +8950,7 @@
         </p:nvSpPr>
         <p:spPr>
           <a:xfrm flipH="1" flipV="1">
-            <a:off x="2907533" y="1842909"/>
+            <a:off x="2812117" y="1882666"/>
             <a:ext cx="3424355" cy="1594946"/>
           </a:xfrm>
           <a:prstGeom prst="roundRect">
@@ -7940,7 +9010,7 @@
         </p:blipFill>
         <p:spPr>
           <a:xfrm>
-            <a:off x="3107283" y="1946043"/>
+            <a:off x="3011867" y="1985800"/>
             <a:ext cx="426720" cy="482379"/>
           </a:xfrm>
           <a:prstGeom prst="rect">
@@ -7970,7 +9040,7 @@
         </p:blipFill>
         <p:spPr>
           <a:xfrm>
-            <a:off x="7122529" y="1990811"/>
+            <a:off x="7027113" y="2030568"/>
             <a:ext cx="549008" cy="336268"/>
           </a:xfrm>
           <a:prstGeom prst="rect">
@@ -7992,7 +9062,7 @@
         </p:nvSpPr>
         <p:spPr>
           <a:xfrm>
-            <a:off x="7512511" y="2428422"/>
+            <a:off x="7417095" y="2468179"/>
             <a:ext cx="2558017" cy="768927"/>
           </a:xfrm>
           <a:prstGeom prst="roundRect">
@@ -8052,7 +9122,7 @@
         </p:nvSpPr>
         <p:spPr>
           <a:xfrm flipH="1" flipV="1">
-            <a:off x="6916899" y="1842909"/>
+            <a:off x="6821483" y="1882666"/>
             <a:ext cx="3424355" cy="1594946"/>
           </a:xfrm>
           <a:prstGeom prst="roundRect">
@@ -8108,7 +9178,7 @@
         </p:nvCxnSpPr>
         <p:spPr>
           <a:xfrm>
-            <a:off x="6050561" y="2812886"/>
+            <a:off x="5955145" y="2852643"/>
             <a:ext cx="1461950" cy="0"/>
           </a:xfrm>
           <a:prstGeom prst="straightConnector1">
@@ -8154,13 +9224,13 @@
         </p:nvCxnSpPr>
         <p:spPr>
           <a:xfrm flipV="1">
-            <a:off x="8791518" y="3197349"/>
+            <a:off x="8696102" y="3237106"/>
             <a:ext cx="2" cy="1165293"/>
           </a:xfrm>
           <a:prstGeom prst="straightConnector1">
             <a:avLst/>
           </a:prstGeom>
-          <a:ln>
+          <a:ln w="57150">
             <a:solidFill>
               <a:srgbClr val="FF9900"/>
             </a:solidFill>
@@ -8185,7 +9255,7 @@
     </p:spTree>
     <p:extLst>
       <p:ext uri="{BB962C8B-B14F-4D97-AF65-F5344CB8AC3E}">
-        <p14:creationId xmlns:p14="http://schemas.microsoft.com/office/powerpoint/2010/main" val="3050697166"/>
+        <p14:creationId xmlns:p14="http://schemas.microsoft.com/office/powerpoint/2010/main" val="1926015178"/>
       </p:ext>
     </p:extLst>
   </p:cSld>
@@ -8195,7 +9265,1948 @@
 </p:sld>
 </file>
 
-<file path=ppt/slides/slide14.xml><?xml version="1.0" encoding="utf-8"?>
+<file path=ppt/slides/slide15.xml><?xml version="1.0" encoding="utf-8"?>
+<p:sld xmlns:a="http://schemas.openxmlformats.org/drawingml/2006/main" xmlns:r="http://schemas.openxmlformats.org/officeDocument/2006/relationships" xmlns:p="http://schemas.openxmlformats.org/presentationml/2006/main" show="0">
+  <p:cSld>
+    <p:spTree>
+      <p:nvGrpSpPr>
+        <p:cNvPr id="1" name=""/>
+        <p:cNvGrpSpPr/>
+        <p:nvPr/>
+      </p:nvGrpSpPr>
+      <p:grpSpPr>
+        <a:xfrm>
+          <a:off x="0" y="0"/>
+          <a:ext cx="0" cy="0"/>
+          <a:chOff x="0" y="0"/>
+          <a:chExt cx="0" cy="0"/>
+        </a:xfrm>
+      </p:grpSpPr>
+      <p:sp>
+        <p:nvSpPr>
+          <p:cNvPr id="2" name="Titel 1">
+            <a:extLst>
+              <a:ext uri="{FF2B5EF4-FFF2-40B4-BE49-F238E27FC236}">
+                <a16:creationId xmlns:a16="http://schemas.microsoft.com/office/drawing/2014/main" id="{FE7310EA-0D36-8797-94D6-7E3C9FD760A2}"/>
+              </a:ext>
+            </a:extLst>
+          </p:cNvPr>
+          <p:cNvSpPr>
+            <a:spLocks noGrp="1"/>
+          </p:cNvSpPr>
+          <p:nvPr>
+            <p:ph type="title"/>
+          </p:nvPr>
+        </p:nvSpPr>
+        <p:spPr/>
+        <p:txBody>
+          <a:bodyPr/>
+          <a:lstStyle/>
+          <a:p>
+            <a:r>
+              <a:rPr lang="de-DE" dirty="0"/>
+              <a:t>Critical Points</a:t>
+            </a:r>
+          </a:p>
+        </p:txBody>
+      </p:sp>
+      <p:sp>
+        <p:nvSpPr>
+          <p:cNvPr id="4" name="Rectangle: Rounded Corners 5">
+            <a:extLst>
+              <a:ext uri="{FF2B5EF4-FFF2-40B4-BE49-F238E27FC236}">
+                <a16:creationId xmlns:a16="http://schemas.microsoft.com/office/drawing/2014/main" id="{78CCAEE7-61F5-65AA-DCCD-9964C5338FAE}"/>
+              </a:ext>
+            </a:extLst>
+          </p:cNvPr>
+          <p:cNvSpPr/>
+          <p:nvPr/>
+        </p:nvSpPr>
+        <p:spPr>
+          <a:xfrm>
+            <a:off x="941957" y="4402400"/>
+            <a:ext cx="1704110" cy="768927"/>
+          </a:xfrm>
+          <a:prstGeom prst="roundRect">
+            <a:avLst/>
+          </a:prstGeom>
+          <a:solidFill>
+            <a:schemeClr val="bg1">
+              <a:lumMod val="65000"/>
+            </a:schemeClr>
+          </a:solidFill>
+          <a:ln>
+            <a:noFill/>
+          </a:ln>
+        </p:spPr>
+        <p:style>
+          <a:lnRef idx="2">
+            <a:schemeClr val="accent1">
+              <a:shade val="50000"/>
+            </a:schemeClr>
+          </a:lnRef>
+          <a:fillRef idx="1">
+            <a:schemeClr val="accent1"/>
+          </a:fillRef>
+          <a:effectRef idx="0">
+            <a:schemeClr val="accent1"/>
+          </a:effectRef>
+          <a:fontRef idx="minor">
+            <a:schemeClr val="lt1"/>
+          </a:fontRef>
+        </p:style>
+        <p:txBody>
+          <a:bodyPr rtlCol="0" anchor="ctr"/>
+          <a:lstStyle/>
+          <a:p>
+            <a:pPr algn="ctr"/>
+            <a:r>
+              <a:rPr lang="de-DE" dirty="0"/>
+              <a:t>Push</a:t>
+            </a:r>
+          </a:p>
+        </p:txBody>
+      </p:sp>
+      <p:sp>
+        <p:nvSpPr>
+          <p:cNvPr id="5" name="Rectangle: Rounded Corners 6">
+            <a:extLst>
+              <a:ext uri="{FF2B5EF4-FFF2-40B4-BE49-F238E27FC236}">
+                <a16:creationId xmlns:a16="http://schemas.microsoft.com/office/drawing/2014/main" id="{264CA49D-6F4B-C4CF-E420-1104249827C0}"/>
+              </a:ext>
+            </a:extLst>
+          </p:cNvPr>
+          <p:cNvSpPr/>
+          <p:nvPr/>
+        </p:nvSpPr>
+        <p:spPr>
+          <a:xfrm>
+            <a:off x="3397129" y="4402402"/>
+            <a:ext cx="2558017" cy="768927"/>
+          </a:xfrm>
+          <a:prstGeom prst="roundRect">
+            <a:avLst/>
+          </a:prstGeom>
+          <a:solidFill>
+            <a:schemeClr val="bg1">
+              <a:lumMod val="65000"/>
+            </a:schemeClr>
+          </a:solidFill>
+          <a:ln>
+            <a:noFill/>
+          </a:ln>
+        </p:spPr>
+        <p:style>
+          <a:lnRef idx="2">
+            <a:schemeClr val="accent1">
+              <a:shade val="50000"/>
+            </a:schemeClr>
+          </a:lnRef>
+          <a:fillRef idx="1">
+            <a:schemeClr val="accent1"/>
+          </a:fillRef>
+          <a:effectRef idx="0">
+            <a:schemeClr val="accent1"/>
+          </a:effectRef>
+          <a:fontRef idx="minor">
+            <a:schemeClr val="lt1"/>
+          </a:fontRef>
+        </p:style>
+        <p:txBody>
+          <a:bodyPr rtlCol="0" anchor="ctr"/>
+          <a:lstStyle/>
+          <a:p>
+            <a:pPr algn="ctr"/>
+            <a:r>
+              <a:rPr lang="de-DE" dirty="0"/>
+              <a:t>Create Infrastructure </a:t>
+            </a:r>
+            <a:r>
+              <a:rPr lang="de-DE" dirty="0" err="1"/>
+              <a:t>with</a:t>
+            </a:r>
+            <a:r>
+              <a:rPr lang="de-DE" dirty="0"/>
+              <a:t> Terraform</a:t>
+            </a:r>
+          </a:p>
+        </p:txBody>
+      </p:sp>
+      <p:sp>
+        <p:nvSpPr>
+          <p:cNvPr id="6" name="Rectangle: Rounded Corners 7">
+            <a:extLst>
+              <a:ext uri="{FF2B5EF4-FFF2-40B4-BE49-F238E27FC236}">
+                <a16:creationId xmlns:a16="http://schemas.microsoft.com/office/drawing/2014/main" id="{7245DBC1-1583-905A-477C-077D529C85D9}"/>
+              </a:ext>
+            </a:extLst>
+          </p:cNvPr>
+          <p:cNvSpPr/>
+          <p:nvPr/>
+        </p:nvSpPr>
+        <p:spPr>
+          <a:xfrm>
+            <a:off x="7417094" y="4402399"/>
+            <a:ext cx="2558015" cy="768927"/>
+          </a:xfrm>
+          <a:prstGeom prst="roundRect">
+            <a:avLst/>
+          </a:prstGeom>
+          <a:solidFill>
+            <a:schemeClr val="bg1">
+              <a:lumMod val="65000"/>
+            </a:schemeClr>
+          </a:solidFill>
+          <a:ln>
+            <a:noFill/>
+          </a:ln>
+        </p:spPr>
+        <p:style>
+          <a:lnRef idx="2">
+            <a:schemeClr val="accent1">
+              <a:shade val="50000"/>
+            </a:schemeClr>
+          </a:lnRef>
+          <a:fillRef idx="1">
+            <a:schemeClr val="accent1"/>
+          </a:fillRef>
+          <a:effectRef idx="0">
+            <a:schemeClr val="accent1"/>
+          </a:effectRef>
+          <a:fontRef idx="minor">
+            <a:schemeClr val="lt1"/>
+          </a:fontRef>
+        </p:style>
+        <p:txBody>
+          <a:bodyPr rtlCol="0" anchor="ctr"/>
+          <a:lstStyle/>
+          <a:p>
+            <a:pPr algn="ctr"/>
+            <a:r>
+              <a:rPr lang="de-DE" dirty="0"/>
+              <a:t>Deploy </a:t>
+            </a:r>
+            <a:r>
+              <a:rPr lang="de-DE" dirty="0" err="1"/>
+              <a:t>app</a:t>
+            </a:r>
+            <a:r>
+              <a:rPr lang="de-DE" dirty="0"/>
+              <a:t> </a:t>
+            </a:r>
+            <a:r>
+              <a:rPr lang="de-DE" dirty="0" err="1"/>
+              <a:t>with</a:t>
+            </a:r>
+            <a:r>
+              <a:rPr lang="de-DE" dirty="0"/>
+              <a:t> </a:t>
+            </a:r>
+            <a:r>
+              <a:rPr lang="de-DE" dirty="0" err="1"/>
+              <a:t>docker</a:t>
+            </a:r>
+            <a:r>
+              <a:rPr lang="de-DE" dirty="0"/>
+              <a:t> </a:t>
+            </a:r>
+            <a:r>
+              <a:rPr lang="de-DE" dirty="0" err="1"/>
+              <a:t>compose</a:t>
+            </a:r>
+            <a:endParaRPr lang="de-DE" dirty="0"/>
+          </a:p>
+        </p:txBody>
+      </p:sp>
+      <p:cxnSp>
+        <p:nvCxnSpPr>
+          <p:cNvPr id="7" name="Straight Arrow Connector 11">
+            <a:extLst>
+              <a:ext uri="{FF2B5EF4-FFF2-40B4-BE49-F238E27FC236}">
+                <a16:creationId xmlns:a16="http://schemas.microsoft.com/office/drawing/2014/main" id="{F501AB0B-B3CB-38AA-624C-ED414CEFB3A8}"/>
+              </a:ext>
+            </a:extLst>
+          </p:cNvPr>
+          <p:cNvCxnSpPr>
+            <a:cxnSpLocks/>
+            <a:stCxn id="4" idx="3"/>
+            <a:endCxn id="5" idx="1"/>
+          </p:cNvCxnSpPr>
+          <p:nvPr/>
+        </p:nvCxnSpPr>
+        <p:spPr>
+          <a:xfrm>
+            <a:off x="2646067" y="4786864"/>
+            <a:ext cx="751062" cy="2"/>
+          </a:xfrm>
+          <a:prstGeom prst="straightConnector1">
+            <a:avLst/>
+          </a:prstGeom>
+          <a:noFill/>
+          <a:ln>
+            <a:solidFill>
+              <a:schemeClr val="bg1">
+                <a:lumMod val="75000"/>
+              </a:schemeClr>
+            </a:solidFill>
+            <a:headEnd type="none" w="med" len="med"/>
+            <a:tailEnd type="triangle" w="med" len="med"/>
+          </a:ln>
+        </p:spPr>
+        <p:style>
+          <a:lnRef idx="2">
+            <a:schemeClr val="accent1">
+              <a:shade val="50000"/>
+            </a:schemeClr>
+          </a:lnRef>
+          <a:fillRef idx="1">
+            <a:schemeClr val="accent1"/>
+          </a:fillRef>
+          <a:effectRef idx="0">
+            <a:schemeClr val="accent1"/>
+          </a:effectRef>
+          <a:fontRef idx="minor">
+            <a:schemeClr val="lt1"/>
+          </a:fontRef>
+        </p:style>
+      </p:cxnSp>
+      <p:cxnSp>
+        <p:nvCxnSpPr>
+          <p:cNvPr id="8" name="Straight Arrow Connector 13">
+            <a:extLst>
+              <a:ext uri="{FF2B5EF4-FFF2-40B4-BE49-F238E27FC236}">
+                <a16:creationId xmlns:a16="http://schemas.microsoft.com/office/drawing/2014/main" id="{15D2F7F9-D527-3673-F73F-11C0FEC9E142}"/>
+              </a:ext>
+            </a:extLst>
+          </p:cNvPr>
+          <p:cNvCxnSpPr>
+            <a:cxnSpLocks/>
+            <a:stCxn id="5" idx="3"/>
+            <a:endCxn id="6" idx="1"/>
+          </p:cNvCxnSpPr>
+          <p:nvPr/>
+        </p:nvCxnSpPr>
+        <p:spPr>
+          <a:xfrm flipV="1">
+            <a:off x="5955146" y="4786863"/>
+            <a:ext cx="1461948" cy="3"/>
+          </a:xfrm>
+          <a:prstGeom prst="straightConnector1">
+            <a:avLst/>
+          </a:prstGeom>
+          <a:noFill/>
+          <a:ln>
+            <a:solidFill>
+              <a:schemeClr val="bg1">
+                <a:lumMod val="75000"/>
+              </a:schemeClr>
+            </a:solidFill>
+            <a:headEnd type="none" w="med" len="med"/>
+            <a:tailEnd type="triangle" w="med" len="med"/>
+          </a:ln>
+        </p:spPr>
+        <p:style>
+          <a:lnRef idx="2">
+            <a:schemeClr val="accent1">
+              <a:shade val="50000"/>
+            </a:schemeClr>
+          </a:lnRef>
+          <a:fillRef idx="1">
+            <a:schemeClr val="accent1"/>
+          </a:fillRef>
+          <a:effectRef idx="0">
+            <a:schemeClr val="accent1"/>
+          </a:effectRef>
+          <a:fontRef idx="minor">
+            <a:schemeClr val="lt1"/>
+          </a:fontRef>
+        </p:style>
+      </p:cxnSp>
+      <p:sp>
+        <p:nvSpPr>
+          <p:cNvPr id="9" name="Rectangle: Rounded Corners 17">
+            <a:extLst>
+              <a:ext uri="{FF2B5EF4-FFF2-40B4-BE49-F238E27FC236}">
+                <a16:creationId xmlns:a16="http://schemas.microsoft.com/office/drawing/2014/main" id="{433EC4C8-5652-8E37-1388-42FECF4CA3D7}"/>
+              </a:ext>
+            </a:extLst>
+          </p:cNvPr>
+          <p:cNvSpPr/>
+          <p:nvPr/>
+        </p:nvSpPr>
+        <p:spPr>
+          <a:xfrm flipH="1" flipV="1">
+            <a:off x="2812116" y="3914030"/>
+            <a:ext cx="7433721" cy="1594946"/>
+          </a:xfrm>
+          <a:prstGeom prst="roundRect">
+            <a:avLst/>
+          </a:prstGeom>
+          <a:noFill/>
+          <a:ln>
+            <a:solidFill>
+              <a:schemeClr val="bg1">
+                <a:lumMod val="75000"/>
+              </a:schemeClr>
+            </a:solidFill>
+          </a:ln>
+        </p:spPr>
+        <p:style>
+          <a:lnRef idx="2">
+            <a:schemeClr val="accent1">
+              <a:shade val="50000"/>
+            </a:schemeClr>
+          </a:lnRef>
+          <a:fillRef idx="1">
+            <a:schemeClr val="accent1"/>
+          </a:fillRef>
+          <a:effectRef idx="0">
+            <a:schemeClr val="accent1"/>
+          </a:effectRef>
+          <a:fontRef idx="minor">
+            <a:schemeClr val="lt1"/>
+          </a:fontRef>
+        </p:style>
+        <p:txBody>
+          <a:bodyPr rtlCol="0" anchor="ctr"/>
+          <a:lstStyle/>
+          <a:p>
+            <a:pPr algn="ctr"/>
+            <a:endParaRPr lang="de-DE"/>
+          </a:p>
+        </p:txBody>
+      </p:sp>
+      <p:pic>
+        <p:nvPicPr>
+          <p:cNvPr id="10" name="Picture 19">
+            <a:extLst>
+              <a:ext uri="{FF2B5EF4-FFF2-40B4-BE49-F238E27FC236}">
+                <a16:creationId xmlns:a16="http://schemas.microsoft.com/office/drawing/2014/main" id="{B187C7EC-CE9C-D136-07DC-CC38CA9DE47D}"/>
+              </a:ext>
+            </a:extLst>
+          </p:cNvPr>
+          <p:cNvPicPr>
+            <a:picLocks noChangeAspect="1"/>
+          </p:cNvPicPr>
+          <p:nvPr/>
+        </p:nvPicPr>
+        <p:blipFill>
+          <a:blip r:embed="rId2"/>
+          <a:stretch>
+            <a:fillRect/>
+          </a:stretch>
+        </p:blipFill>
+        <p:spPr>
+          <a:xfrm>
+            <a:off x="2891263" y="4059604"/>
+            <a:ext cx="426720" cy="426720"/>
+          </a:xfrm>
+          <a:prstGeom prst="rect">
+            <a:avLst/>
+          </a:prstGeom>
+        </p:spPr>
+      </p:pic>
+      <p:cxnSp>
+        <p:nvCxnSpPr>
+          <p:cNvPr id="19" name="Straight Arrow Connector 11">
+            <a:extLst>
+              <a:ext uri="{FF2B5EF4-FFF2-40B4-BE49-F238E27FC236}">
+                <a16:creationId xmlns:a16="http://schemas.microsoft.com/office/drawing/2014/main" id="{2BE4D3C3-2C05-2D6B-EB00-0B569B104FB4}"/>
+              </a:ext>
+            </a:extLst>
+          </p:cNvPr>
+          <p:cNvCxnSpPr>
+            <a:cxnSpLocks/>
+            <a:stCxn id="5" idx="0"/>
+            <a:endCxn id="20" idx="2"/>
+          </p:cNvCxnSpPr>
+          <p:nvPr/>
+        </p:nvCxnSpPr>
+        <p:spPr>
+          <a:xfrm flipH="1" flipV="1">
+            <a:off x="4676137" y="3237106"/>
+            <a:ext cx="1" cy="1165296"/>
+          </a:xfrm>
+          <a:prstGeom prst="straightConnector1">
+            <a:avLst/>
+          </a:prstGeom>
+          <a:noFill/>
+          <a:ln>
+            <a:solidFill>
+              <a:schemeClr val="bg1">
+                <a:lumMod val="75000"/>
+              </a:schemeClr>
+            </a:solidFill>
+            <a:headEnd type="none" w="med" len="med"/>
+            <a:tailEnd type="triangle" w="med" len="med"/>
+          </a:ln>
+        </p:spPr>
+        <p:style>
+          <a:lnRef idx="2">
+            <a:schemeClr val="accent1">
+              <a:shade val="50000"/>
+            </a:schemeClr>
+          </a:lnRef>
+          <a:fillRef idx="1">
+            <a:schemeClr val="accent1"/>
+          </a:fillRef>
+          <a:effectRef idx="0">
+            <a:schemeClr val="accent1"/>
+          </a:effectRef>
+          <a:fontRef idx="minor">
+            <a:schemeClr val="lt1"/>
+          </a:fontRef>
+        </p:style>
+      </p:cxnSp>
+      <p:sp>
+        <p:nvSpPr>
+          <p:cNvPr id="20" name="Rectangle: Rounded Corners 6">
+            <a:extLst>
+              <a:ext uri="{FF2B5EF4-FFF2-40B4-BE49-F238E27FC236}">
+                <a16:creationId xmlns:a16="http://schemas.microsoft.com/office/drawing/2014/main" id="{B811BC74-BB0A-7701-99C2-0D2003A48E60}"/>
+              </a:ext>
+            </a:extLst>
+          </p:cNvPr>
+          <p:cNvSpPr/>
+          <p:nvPr/>
+        </p:nvSpPr>
+        <p:spPr>
+          <a:xfrm>
+            <a:off x="3397128" y="2468179"/>
+            <a:ext cx="2558017" cy="768927"/>
+          </a:xfrm>
+          <a:prstGeom prst="roundRect">
+            <a:avLst/>
+          </a:prstGeom>
+          <a:solidFill>
+            <a:schemeClr val="bg1">
+              <a:lumMod val="65000"/>
+            </a:schemeClr>
+          </a:solidFill>
+          <a:ln>
+            <a:noFill/>
+          </a:ln>
+        </p:spPr>
+        <p:style>
+          <a:lnRef idx="2">
+            <a:schemeClr val="accent1">
+              <a:shade val="50000"/>
+            </a:schemeClr>
+          </a:lnRef>
+          <a:fillRef idx="1">
+            <a:schemeClr val="accent1"/>
+          </a:fillRef>
+          <a:effectRef idx="0">
+            <a:schemeClr val="accent1"/>
+          </a:effectRef>
+          <a:fontRef idx="minor">
+            <a:schemeClr val="lt1"/>
+          </a:fontRef>
+        </p:style>
+        <p:txBody>
+          <a:bodyPr rtlCol="0" anchor="ctr"/>
+          <a:lstStyle/>
+          <a:p>
+            <a:pPr algn="ctr"/>
+            <a:r>
+              <a:rPr lang="de-DE" dirty="0"/>
+              <a:t>Create EC2 </a:t>
+            </a:r>
+            <a:r>
+              <a:rPr lang="de-DE" dirty="0" err="1"/>
+              <a:t>machine</a:t>
+            </a:r>
+            <a:endParaRPr lang="de-DE" dirty="0"/>
+          </a:p>
+        </p:txBody>
+      </p:sp>
+      <p:sp>
+        <p:nvSpPr>
+          <p:cNvPr id="21" name="Rectangle: Rounded Corners 17">
+            <a:extLst>
+              <a:ext uri="{FF2B5EF4-FFF2-40B4-BE49-F238E27FC236}">
+                <a16:creationId xmlns:a16="http://schemas.microsoft.com/office/drawing/2014/main" id="{865E96C3-898B-ABE0-91DC-5A88AEAE32A1}"/>
+              </a:ext>
+            </a:extLst>
+          </p:cNvPr>
+          <p:cNvSpPr/>
+          <p:nvPr/>
+        </p:nvSpPr>
+        <p:spPr>
+          <a:xfrm flipH="1" flipV="1">
+            <a:off x="2812117" y="1882666"/>
+            <a:ext cx="3424355" cy="1594946"/>
+          </a:xfrm>
+          <a:prstGeom prst="roundRect">
+            <a:avLst/>
+          </a:prstGeom>
+          <a:noFill/>
+          <a:ln>
+            <a:solidFill>
+              <a:schemeClr val="bg1">
+                <a:lumMod val="75000"/>
+              </a:schemeClr>
+            </a:solidFill>
+          </a:ln>
+        </p:spPr>
+        <p:style>
+          <a:lnRef idx="2">
+            <a:schemeClr val="accent1">
+              <a:shade val="50000"/>
+            </a:schemeClr>
+          </a:lnRef>
+          <a:fillRef idx="1">
+            <a:schemeClr val="accent1"/>
+          </a:fillRef>
+          <a:effectRef idx="0">
+            <a:schemeClr val="accent1"/>
+          </a:effectRef>
+          <a:fontRef idx="minor">
+            <a:schemeClr val="lt1"/>
+          </a:fontRef>
+        </p:style>
+        <p:txBody>
+          <a:bodyPr rtlCol="0" anchor="ctr"/>
+          <a:lstStyle/>
+          <a:p>
+            <a:pPr algn="ctr"/>
+            <a:endParaRPr lang="de-DE"/>
+          </a:p>
+        </p:txBody>
+      </p:sp>
+      <p:pic>
+        <p:nvPicPr>
+          <p:cNvPr id="24" name="Picture 4">
+            <a:extLst>
+              <a:ext uri="{FF2B5EF4-FFF2-40B4-BE49-F238E27FC236}">
+                <a16:creationId xmlns:a16="http://schemas.microsoft.com/office/drawing/2014/main" id="{F668A630-DDE5-F7FD-292A-06605BED7FC7}"/>
+              </a:ext>
+            </a:extLst>
+          </p:cNvPr>
+          <p:cNvPicPr>
+            <a:picLocks noChangeAspect="1"/>
+          </p:cNvPicPr>
+          <p:nvPr/>
+        </p:nvPicPr>
+        <p:blipFill>
+          <a:blip r:embed="rId3"/>
+          <a:stretch>
+            <a:fillRect/>
+          </a:stretch>
+        </p:blipFill>
+        <p:spPr>
+          <a:xfrm>
+            <a:off x="3011867" y="1985800"/>
+            <a:ext cx="426720" cy="482379"/>
+          </a:xfrm>
+          <a:prstGeom prst="rect">
+            <a:avLst/>
+          </a:prstGeom>
+        </p:spPr>
+      </p:pic>
+      <p:pic>
+        <p:nvPicPr>
+          <p:cNvPr id="28" name="Picture 6">
+            <a:extLst>
+              <a:ext uri="{FF2B5EF4-FFF2-40B4-BE49-F238E27FC236}">
+                <a16:creationId xmlns:a16="http://schemas.microsoft.com/office/drawing/2014/main" id="{97D45E23-90AD-A028-05E6-6586A5843E21}"/>
+              </a:ext>
+            </a:extLst>
+          </p:cNvPr>
+          <p:cNvPicPr>
+            <a:picLocks noChangeAspect="1"/>
+          </p:cNvPicPr>
+          <p:nvPr/>
+        </p:nvPicPr>
+        <p:blipFill>
+          <a:blip r:embed="rId4"/>
+          <a:stretch>
+            <a:fillRect/>
+          </a:stretch>
+        </p:blipFill>
+        <p:spPr>
+          <a:xfrm>
+            <a:off x="7027113" y="2030568"/>
+            <a:ext cx="549008" cy="336268"/>
+          </a:xfrm>
+          <a:prstGeom prst="rect">
+            <a:avLst/>
+          </a:prstGeom>
+        </p:spPr>
+      </p:pic>
+      <p:sp>
+        <p:nvSpPr>
+          <p:cNvPr id="29" name="Rectangle: Rounded Corners 6">
+            <a:extLst>
+              <a:ext uri="{FF2B5EF4-FFF2-40B4-BE49-F238E27FC236}">
+                <a16:creationId xmlns:a16="http://schemas.microsoft.com/office/drawing/2014/main" id="{8A69E514-DFCE-BDFC-FE4E-7567049EB630}"/>
+              </a:ext>
+            </a:extLst>
+          </p:cNvPr>
+          <p:cNvSpPr/>
+          <p:nvPr/>
+        </p:nvSpPr>
+        <p:spPr>
+          <a:xfrm>
+            <a:off x="7417095" y="2468179"/>
+            <a:ext cx="2558017" cy="768927"/>
+          </a:xfrm>
+          <a:prstGeom prst="roundRect">
+            <a:avLst/>
+          </a:prstGeom>
+          <a:solidFill>
+            <a:schemeClr val="bg1">
+              <a:lumMod val="65000"/>
+            </a:schemeClr>
+          </a:solidFill>
+          <a:ln>
+            <a:noFill/>
+          </a:ln>
+        </p:spPr>
+        <p:style>
+          <a:lnRef idx="2">
+            <a:schemeClr val="accent1">
+              <a:shade val="50000"/>
+            </a:schemeClr>
+          </a:lnRef>
+          <a:fillRef idx="1">
+            <a:schemeClr val="accent1"/>
+          </a:fillRef>
+          <a:effectRef idx="0">
+            <a:schemeClr val="accent1"/>
+          </a:effectRef>
+          <a:fontRef idx="minor">
+            <a:schemeClr val="lt1"/>
+          </a:fontRef>
+        </p:style>
+        <p:txBody>
+          <a:bodyPr rtlCol="0" anchor="ctr"/>
+          <a:lstStyle/>
+          <a:p>
+            <a:pPr algn="ctr"/>
+            <a:r>
+              <a:rPr lang="de-DE" dirty="0"/>
+              <a:t>EC2 </a:t>
+            </a:r>
+            <a:r>
+              <a:rPr lang="de-DE" dirty="0" err="1"/>
+              <a:t>machine</a:t>
+            </a:r>
+            <a:endParaRPr lang="de-DE" dirty="0"/>
+          </a:p>
+        </p:txBody>
+      </p:sp>
+      <p:sp>
+        <p:nvSpPr>
+          <p:cNvPr id="30" name="Rectangle: Rounded Corners 17">
+            <a:extLst>
+              <a:ext uri="{FF2B5EF4-FFF2-40B4-BE49-F238E27FC236}">
+                <a16:creationId xmlns:a16="http://schemas.microsoft.com/office/drawing/2014/main" id="{C3D25223-D404-A957-180D-7C74A93E192A}"/>
+              </a:ext>
+            </a:extLst>
+          </p:cNvPr>
+          <p:cNvSpPr/>
+          <p:nvPr/>
+        </p:nvSpPr>
+        <p:spPr>
+          <a:xfrm flipH="1" flipV="1">
+            <a:off x="6821483" y="1882666"/>
+            <a:ext cx="3424355" cy="1594946"/>
+          </a:xfrm>
+          <a:prstGeom prst="roundRect">
+            <a:avLst/>
+          </a:prstGeom>
+          <a:noFill/>
+          <a:ln>
+            <a:solidFill>
+              <a:schemeClr val="bg1">
+                <a:lumMod val="75000"/>
+              </a:schemeClr>
+            </a:solidFill>
+          </a:ln>
+        </p:spPr>
+        <p:style>
+          <a:lnRef idx="2">
+            <a:schemeClr val="accent1">
+              <a:shade val="50000"/>
+            </a:schemeClr>
+          </a:lnRef>
+          <a:fillRef idx="1">
+            <a:schemeClr val="accent1"/>
+          </a:fillRef>
+          <a:effectRef idx="0">
+            <a:schemeClr val="accent1"/>
+          </a:effectRef>
+          <a:fontRef idx="minor">
+            <a:schemeClr val="lt1"/>
+          </a:fontRef>
+        </p:style>
+        <p:txBody>
+          <a:bodyPr rtlCol="0" anchor="ctr"/>
+          <a:lstStyle/>
+          <a:p>
+            <a:pPr algn="ctr"/>
+            <a:endParaRPr lang="de-DE"/>
+          </a:p>
+        </p:txBody>
+      </p:sp>
+      <p:cxnSp>
+        <p:nvCxnSpPr>
+          <p:cNvPr id="31" name="Straight Arrow Connector 11">
+            <a:extLst>
+              <a:ext uri="{FF2B5EF4-FFF2-40B4-BE49-F238E27FC236}">
+                <a16:creationId xmlns:a16="http://schemas.microsoft.com/office/drawing/2014/main" id="{227B2E06-2BE5-7007-A654-EBE79D0F9520}"/>
+              </a:ext>
+            </a:extLst>
+          </p:cNvPr>
+          <p:cNvCxnSpPr>
+            <a:cxnSpLocks/>
+            <a:stCxn id="20" idx="3"/>
+            <a:endCxn id="29" idx="1"/>
+          </p:cNvCxnSpPr>
+          <p:nvPr/>
+        </p:nvCxnSpPr>
+        <p:spPr>
+          <a:xfrm>
+            <a:off x="5955145" y="2852643"/>
+            <a:ext cx="1461950" cy="0"/>
+          </a:xfrm>
+          <a:prstGeom prst="straightConnector1">
+            <a:avLst/>
+          </a:prstGeom>
+          <a:noFill/>
+          <a:ln>
+            <a:solidFill>
+              <a:schemeClr val="bg1">
+                <a:lumMod val="75000"/>
+              </a:schemeClr>
+            </a:solidFill>
+            <a:headEnd type="none" w="med" len="med"/>
+            <a:tailEnd type="triangle" w="med" len="med"/>
+          </a:ln>
+        </p:spPr>
+        <p:style>
+          <a:lnRef idx="2">
+            <a:schemeClr val="accent1">
+              <a:shade val="50000"/>
+            </a:schemeClr>
+          </a:lnRef>
+          <a:fillRef idx="1">
+            <a:schemeClr val="accent1"/>
+          </a:fillRef>
+          <a:effectRef idx="0">
+            <a:schemeClr val="accent1"/>
+          </a:effectRef>
+          <a:fontRef idx="minor">
+            <a:schemeClr val="lt1"/>
+          </a:fontRef>
+        </p:style>
+      </p:cxnSp>
+      <p:cxnSp>
+        <p:nvCxnSpPr>
+          <p:cNvPr id="36" name="Straight Arrow Connector 11">
+            <a:extLst>
+              <a:ext uri="{FF2B5EF4-FFF2-40B4-BE49-F238E27FC236}">
+                <a16:creationId xmlns:a16="http://schemas.microsoft.com/office/drawing/2014/main" id="{0939BA32-55A3-5025-F860-5D4857282D4C}"/>
+              </a:ext>
+            </a:extLst>
+          </p:cNvPr>
+          <p:cNvCxnSpPr>
+            <a:cxnSpLocks/>
+            <a:stCxn id="6" idx="0"/>
+            <a:endCxn id="29" idx="2"/>
+          </p:cNvCxnSpPr>
+          <p:nvPr/>
+        </p:nvCxnSpPr>
+        <p:spPr>
+          <a:xfrm flipV="1">
+            <a:off x="8696102" y="3237106"/>
+            <a:ext cx="2" cy="1165293"/>
+          </a:xfrm>
+          <a:prstGeom prst="straightConnector1">
+            <a:avLst/>
+          </a:prstGeom>
+          <a:noFill/>
+          <a:ln>
+            <a:solidFill>
+              <a:schemeClr val="bg1">
+                <a:lumMod val="75000"/>
+              </a:schemeClr>
+            </a:solidFill>
+            <a:headEnd type="none" w="med" len="med"/>
+            <a:tailEnd type="triangle" w="med" len="med"/>
+          </a:ln>
+        </p:spPr>
+        <p:style>
+          <a:lnRef idx="2">
+            <a:schemeClr val="accent1">
+              <a:shade val="50000"/>
+            </a:schemeClr>
+          </a:lnRef>
+          <a:fillRef idx="1">
+            <a:schemeClr val="accent1"/>
+          </a:fillRef>
+          <a:effectRef idx="0">
+            <a:schemeClr val="accent1"/>
+          </a:effectRef>
+          <a:fontRef idx="minor">
+            <a:schemeClr val="lt1"/>
+          </a:fontRef>
+        </p:style>
+      </p:cxnSp>
+    </p:spTree>
+    <p:extLst>
+      <p:ext uri="{BB962C8B-B14F-4D97-AF65-F5344CB8AC3E}">
+        <p14:creationId xmlns:p14="http://schemas.microsoft.com/office/powerpoint/2010/main" val="3271600243"/>
+      </p:ext>
+    </p:extLst>
+  </p:cSld>
+  <p:clrMapOvr>
+    <a:masterClrMapping/>
+  </p:clrMapOvr>
+</p:sld>
+</file>
+
+<file path=ppt/slides/slide16.xml><?xml version="1.0" encoding="utf-8"?>
+<p:sld xmlns:a="http://schemas.openxmlformats.org/drawingml/2006/main" xmlns:r="http://schemas.openxmlformats.org/officeDocument/2006/relationships" xmlns:p="http://schemas.openxmlformats.org/presentationml/2006/main" show="0">
+  <p:cSld>
+    <p:spTree>
+      <p:nvGrpSpPr>
+        <p:cNvPr id="1" name=""/>
+        <p:cNvGrpSpPr/>
+        <p:nvPr/>
+      </p:nvGrpSpPr>
+      <p:grpSpPr>
+        <a:xfrm>
+          <a:off x="0" y="0"/>
+          <a:ext cx="0" cy="0"/>
+          <a:chOff x="0" y="0"/>
+          <a:chExt cx="0" cy="0"/>
+        </a:xfrm>
+      </p:grpSpPr>
+      <p:sp>
+        <p:nvSpPr>
+          <p:cNvPr id="2" name="Titel 1">
+            <a:extLst>
+              <a:ext uri="{FF2B5EF4-FFF2-40B4-BE49-F238E27FC236}">
+                <a16:creationId xmlns:a16="http://schemas.microsoft.com/office/drawing/2014/main" id="{FE7310EA-0D36-8797-94D6-7E3C9FD760A2}"/>
+              </a:ext>
+            </a:extLst>
+          </p:cNvPr>
+          <p:cNvSpPr>
+            <a:spLocks noGrp="1"/>
+          </p:cNvSpPr>
+          <p:nvPr>
+            <p:ph type="title"/>
+          </p:nvPr>
+        </p:nvSpPr>
+        <p:spPr/>
+        <p:txBody>
+          <a:bodyPr/>
+          <a:lstStyle/>
+          <a:p>
+            <a:r>
+              <a:rPr lang="de-DE" dirty="0"/>
+              <a:t>Critical Points</a:t>
+            </a:r>
+          </a:p>
+        </p:txBody>
+      </p:sp>
+      <p:sp>
+        <p:nvSpPr>
+          <p:cNvPr id="4" name="Rectangle: Rounded Corners 5">
+            <a:extLst>
+              <a:ext uri="{FF2B5EF4-FFF2-40B4-BE49-F238E27FC236}">
+                <a16:creationId xmlns:a16="http://schemas.microsoft.com/office/drawing/2014/main" id="{78CCAEE7-61F5-65AA-DCCD-9964C5338FAE}"/>
+              </a:ext>
+            </a:extLst>
+          </p:cNvPr>
+          <p:cNvSpPr/>
+          <p:nvPr/>
+        </p:nvSpPr>
+        <p:spPr>
+          <a:xfrm>
+            <a:off x="941957" y="4402400"/>
+            <a:ext cx="1704110" cy="768927"/>
+          </a:xfrm>
+          <a:prstGeom prst="roundRect">
+            <a:avLst/>
+          </a:prstGeom>
+          <a:solidFill>
+            <a:schemeClr val="bg1">
+              <a:lumMod val="65000"/>
+            </a:schemeClr>
+          </a:solidFill>
+          <a:ln>
+            <a:noFill/>
+          </a:ln>
+        </p:spPr>
+        <p:style>
+          <a:lnRef idx="2">
+            <a:schemeClr val="accent1">
+              <a:shade val="50000"/>
+            </a:schemeClr>
+          </a:lnRef>
+          <a:fillRef idx="1">
+            <a:schemeClr val="accent1"/>
+          </a:fillRef>
+          <a:effectRef idx="0">
+            <a:schemeClr val="accent1"/>
+          </a:effectRef>
+          <a:fontRef idx="minor">
+            <a:schemeClr val="lt1"/>
+          </a:fontRef>
+        </p:style>
+        <p:txBody>
+          <a:bodyPr rtlCol="0" anchor="ctr"/>
+          <a:lstStyle/>
+          <a:p>
+            <a:pPr algn="ctr"/>
+            <a:r>
+              <a:rPr lang="de-DE" dirty="0"/>
+              <a:t>Push</a:t>
+            </a:r>
+          </a:p>
+        </p:txBody>
+      </p:sp>
+      <p:sp>
+        <p:nvSpPr>
+          <p:cNvPr id="5" name="Rectangle: Rounded Corners 6">
+            <a:extLst>
+              <a:ext uri="{FF2B5EF4-FFF2-40B4-BE49-F238E27FC236}">
+                <a16:creationId xmlns:a16="http://schemas.microsoft.com/office/drawing/2014/main" id="{264CA49D-6F4B-C4CF-E420-1104249827C0}"/>
+              </a:ext>
+            </a:extLst>
+          </p:cNvPr>
+          <p:cNvSpPr/>
+          <p:nvPr/>
+        </p:nvSpPr>
+        <p:spPr>
+          <a:xfrm>
+            <a:off x="3397130" y="4402402"/>
+            <a:ext cx="2256248" cy="768927"/>
+          </a:xfrm>
+          <a:prstGeom prst="roundRect">
+            <a:avLst/>
+          </a:prstGeom>
+          <a:solidFill>
+            <a:schemeClr val="bg1">
+              <a:lumMod val="65000"/>
+            </a:schemeClr>
+          </a:solidFill>
+          <a:ln>
+            <a:noFill/>
+          </a:ln>
+        </p:spPr>
+        <p:style>
+          <a:lnRef idx="2">
+            <a:schemeClr val="accent1">
+              <a:shade val="50000"/>
+            </a:schemeClr>
+          </a:lnRef>
+          <a:fillRef idx="1">
+            <a:schemeClr val="accent1"/>
+          </a:fillRef>
+          <a:effectRef idx="0">
+            <a:schemeClr val="accent1"/>
+          </a:effectRef>
+          <a:fontRef idx="minor">
+            <a:schemeClr val="lt1"/>
+          </a:fontRef>
+        </p:style>
+        <p:txBody>
+          <a:bodyPr rtlCol="0" anchor="ctr"/>
+          <a:lstStyle/>
+          <a:p>
+            <a:pPr algn="ctr"/>
+            <a:r>
+              <a:rPr lang="de-DE" dirty="0"/>
+              <a:t>Create Infrastructure </a:t>
+            </a:r>
+            <a:r>
+              <a:rPr lang="de-DE" dirty="0" err="1"/>
+              <a:t>with</a:t>
+            </a:r>
+            <a:r>
+              <a:rPr lang="de-DE" dirty="0"/>
+              <a:t> Terraform</a:t>
+            </a:r>
+          </a:p>
+        </p:txBody>
+      </p:sp>
+      <p:sp>
+        <p:nvSpPr>
+          <p:cNvPr id="6" name="Rectangle: Rounded Corners 7">
+            <a:extLst>
+              <a:ext uri="{FF2B5EF4-FFF2-40B4-BE49-F238E27FC236}">
+                <a16:creationId xmlns:a16="http://schemas.microsoft.com/office/drawing/2014/main" id="{7245DBC1-1583-905A-477C-077D529C85D9}"/>
+              </a:ext>
+            </a:extLst>
+          </p:cNvPr>
+          <p:cNvSpPr/>
+          <p:nvPr/>
+        </p:nvSpPr>
+        <p:spPr>
+          <a:xfrm>
+            <a:off x="8896038" y="4402399"/>
+            <a:ext cx="2558014" cy="768927"/>
+          </a:xfrm>
+          <a:prstGeom prst="roundRect">
+            <a:avLst/>
+          </a:prstGeom>
+          <a:solidFill>
+            <a:schemeClr val="bg1">
+              <a:lumMod val="65000"/>
+            </a:schemeClr>
+          </a:solidFill>
+          <a:ln>
+            <a:noFill/>
+          </a:ln>
+        </p:spPr>
+        <p:style>
+          <a:lnRef idx="2">
+            <a:schemeClr val="accent1">
+              <a:shade val="50000"/>
+            </a:schemeClr>
+          </a:lnRef>
+          <a:fillRef idx="1">
+            <a:schemeClr val="accent1"/>
+          </a:fillRef>
+          <a:effectRef idx="0">
+            <a:schemeClr val="accent1"/>
+          </a:effectRef>
+          <a:fontRef idx="minor">
+            <a:schemeClr val="lt1"/>
+          </a:fontRef>
+        </p:style>
+        <p:txBody>
+          <a:bodyPr rtlCol="0" anchor="ctr"/>
+          <a:lstStyle/>
+          <a:p>
+            <a:pPr algn="ctr"/>
+            <a:r>
+              <a:rPr lang="de-DE" dirty="0"/>
+              <a:t>Deploy </a:t>
+            </a:r>
+            <a:r>
+              <a:rPr lang="de-DE" dirty="0" err="1"/>
+              <a:t>app</a:t>
+            </a:r>
+            <a:r>
+              <a:rPr lang="de-DE" dirty="0"/>
+              <a:t> </a:t>
+            </a:r>
+            <a:r>
+              <a:rPr lang="de-DE" dirty="0" err="1"/>
+              <a:t>with</a:t>
+            </a:r>
+            <a:r>
+              <a:rPr lang="de-DE" dirty="0"/>
+              <a:t> </a:t>
+            </a:r>
+            <a:r>
+              <a:rPr lang="de-DE" dirty="0" err="1"/>
+              <a:t>docker</a:t>
+            </a:r>
+            <a:r>
+              <a:rPr lang="de-DE" dirty="0"/>
+              <a:t> </a:t>
+            </a:r>
+            <a:r>
+              <a:rPr lang="de-DE" dirty="0" err="1"/>
+              <a:t>compose</a:t>
+            </a:r>
+            <a:endParaRPr lang="de-DE" dirty="0"/>
+          </a:p>
+        </p:txBody>
+      </p:sp>
+      <p:cxnSp>
+        <p:nvCxnSpPr>
+          <p:cNvPr id="7" name="Straight Arrow Connector 11">
+            <a:extLst>
+              <a:ext uri="{FF2B5EF4-FFF2-40B4-BE49-F238E27FC236}">
+                <a16:creationId xmlns:a16="http://schemas.microsoft.com/office/drawing/2014/main" id="{F501AB0B-B3CB-38AA-624C-ED414CEFB3A8}"/>
+              </a:ext>
+            </a:extLst>
+          </p:cNvPr>
+          <p:cNvCxnSpPr>
+            <a:cxnSpLocks/>
+            <a:stCxn id="4" idx="3"/>
+            <a:endCxn id="5" idx="1"/>
+          </p:cNvCxnSpPr>
+          <p:nvPr/>
+        </p:nvCxnSpPr>
+        <p:spPr>
+          <a:xfrm>
+            <a:off x="2646067" y="4786864"/>
+            <a:ext cx="751063" cy="2"/>
+          </a:xfrm>
+          <a:prstGeom prst="straightConnector1">
+            <a:avLst/>
+          </a:prstGeom>
+          <a:noFill/>
+          <a:ln>
+            <a:solidFill>
+              <a:schemeClr val="bg1">
+                <a:lumMod val="75000"/>
+              </a:schemeClr>
+            </a:solidFill>
+            <a:headEnd type="none" w="med" len="med"/>
+            <a:tailEnd type="triangle" w="med" len="med"/>
+          </a:ln>
+        </p:spPr>
+        <p:style>
+          <a:lnRef idx="2">
+            <a:schemeClr val="accent1">
+              <a:shade val="50000"/>
+            </a:schemeClr>
+          </a:lnRef>
+          <a:fillRef idx="1">
+            <a:schemeClr val="accent1"/>
+          </a:fillRef>
+          <a:effectRef idx="0">
+            <a:schemeClr val="accent1"/>
+          </a:effectRef>
+          <a:fontRef idx="minor">
+            <a:schemeClr val="lt1"/>
+          </a:fontRef>
+        </p:style>
+      </p:cxnSp>
+      <p:cxnSp>
+        <p:nvCxnSpPr>
+          <p:cNvPr id="8" name="Straight Arrow Connector 13">
+            <a:extLst>
+              <a:ext uri="{FF2B5EF4-FFF2-40B4-BE49-F238E27FC236}">
+                <a16:creationId xmlns:a16="http://schemas.microsoft.com/office/drawing/2014/main" id="{15D2F7F9-D527-3673-F73F-11C0FEC9E142}"/>
+              </a:ext>
+            </a:extLst>
+          </p:cNvPr>
+          <p:cNvCxnSpPr>
+            <a:cxnSpLocks/>
+            <a:stCxn id="5" idx="3"/>
+            <a:endCxn id="22" idx="1"/>
+          </p:cNvCxnSpPr>
+          <p:nvPr/>
+        </p:nvCxnSpPr>
+        <p:spPr>
+          <a:xfrm flipV="1">
+            <a:off x="5653378" y="4786863"/>
+            <a:ext cx="510480" cy="3"/>
+          </a:xfrm>
+          <a:prstGeom prst="straightConnector1">
+            <a:avLst/>
+          </a:prstGeom>
+          <a:noFill/>
+          <a:ln>
+            <a:solidFill>
+              <a:schemeClr val="bg1">
+                <a:lumMod val="75000"/>
+              </a:schemeClr>
+            </a:solidFill>
+            <a:headEnd type="none" w="med" len="med"/>
+            <a:tailEnd type="triangle" w="med" len="med"/>
+          </a:ln>
+        </p:spPr>
+        <p:style>
+          <a:lnRef idx="2">
+            <a:schemeClr val="accent1">
+              <a:shade val="50000"/>
+            </a:schemeClr>
+          </a:lnRef>
+          <a:fillRef idx="1">
+            <a:schemeClr val="accent1"/>
+          </a:fillRef>
+          <a:effectRef idx="0">
+            <a:schemeClr val="accent1"/>
+          </a:effectRef>
+          <a:fontRef idx="minor">
+            <a:schemeClr val="lt1"/>
+          </a:fontRef>
+        </p:style>
+      </p:cxnSp>
+      <p:sp>
+        <p:nvSpPr>
+          <p:cNvPr id="9" name="Rectangle: Rounded Corners 17">
+            <a:extLst>
+              <a:ext uri="{FF2B5EF4-FFF2-40B4-BE49-F238E27FC236}">
+                <a16:creationId xmlns:a16="http://schemas.microsoft.com/office/drawing/2014/main" id="{433EC4C8-5652-8E37-1388-42FECF4CA3D7}"/>
+              </a:ext>
+            </a:extLst>
+          </p:cNvPr>
+          <p:cNvSpPr/>
+          <p:nvPr/>
+        </p:nvSpPr>
+        <p:spPr>
+          <a:xfrm flipH="1" flipV="1">
+            <a:off x="2727297" y="4035928"/>
+            <a:ext cx="8997484" cy="1594946"/>
+          </a:xfrm>
+          <a:prstGeom prst="roundRect">
+            <a:avLst/>
+          </a:prstGeom>
+          <a:noFill/>
+          <a:ln>
+            <a:solidFill>
+              <a:schemeClr val="bg1">
+                <a:lumMod val="75000"/>
+              </a:schemeClr>
+            </a:solidFill>
+          </a:ln>
+        </p:spPr>
+        <p:style>
+          <a:lnRef idx="2">
+            <a:schemeClr val="accent1">
+              <a:shade val="50000"/>
+            </a:schemeClr>
+          </a:lnRef>
+          <a:fillRef idx="1">
+            <a:schemeClr val="accent1"/>
+          </a:fillRef>
+          <a:effectRef idx="0">
+            <a:schemeClr val="accent1"/>
+          </a:effectRef>
+          <a:fontRef idx="minor">
+            <a:schemeClr val="lt1"/>
+          </a:fontRef>
+        </p:style>
+        <p:txBody>
+          <a:bodyPr rtlCol="0" anchor="ctr"/>
+          <a:lstStyle/>
+          <a:p>
+            <a:pPr algn="ctr"/>
+            <a:endParaRPr lang="de-DE"/>
+          </a:p>
+        </p:txBody>
+      </p:sp>
+      <p:pic>
+        <p:nvPicPr>
+          <p:cNvPr id="10" name="Picture 19">
+            <a:extLst>
+              <a:ext uri="{FF2B5EF4-FFF2-40B4-BE49-F238E27FC236}">
+                <a16:creationId xmlns:a16="http://schemas.microsoft.com/office/drawing/2014/main" id="{B187C7EC-CE9C-D136-07DC-CC38CA9DE47D}"/>
+              </a:ext>
+            </a:extLst>
+          </p:cNvPr>
+          <p:cNvPicPr>
+            <a:picLocks noChangeAspect="1"/>
+          </p:cNvPicPr>
+          <p:nvPr/>
+        </p:nvPicPr>
+        <p:blipFill>
+          <a:blip r:embed="rId2"/>
+          <a:stretch>
+            <a:fillRect/>
+          </a:stretch>
+        </p:blipFill>
+        <p:spPr>
+          <a:xfrm>
+            <a:off x="2891263" y="4059604"/>
+            <a:ext cx="426720" cy="426720"/>
+          </a:xfrm>
+          <a:prstGeom prst="rect">
+            <a:avLst/>
+          </a:prstGeom>
+        </p:spPr>
+      </p:pic>
+      <p:cxnSp>
+        <p:nvCxnSpPr>
+          <p:cNvPr id="19" name="Straight Arrow Connector 11">
+            <a:extLst>
+              <a:ext uri="{FF2B5EF4-FFF2-40B4-BE49-F238E27FC236}">
+                <a16:creationId xmlns:a16="http://schemas.microsoft.com/office/drawing/2014/main" id="{2BE4D3C3-2C05-2D6B-EB00-0B569B104FB4}"/>
+              </a:ext>
+            </a:extLst>
+          </p:cNvPr>
+          <p:cNvCxnSpPr>
+            <a:cxnSpLocks/>
+            <a:endCxn id="20" idx="2"/>
+          </p:cNvCxnSpPr>
+          <p:nvPr/>
+        </p:nvCxnSpPr>
+        <p:spPr>
+          <a:xfrm flipV="1">
+            <a:off x="4676135" y="3237106"/>
+            <a:ext cx="2" cy="1165293"/>
+          </a:xfrm>
+          <a:prstGeom prst="straightConnector1">
+            <a:avLst/>
+          </a:prstGeom>
+          <a:noFill/>
+          <a:ln>
+            <a:solidFill>
+              <a:schemeClr val="bg1">
+                <a:lumMod val="75000"/>
+              </a:schemeClr>
+            </a:solidFill>
+            <a:headEnd type="none" w="med" len="med"/>
+            <a:tailEnd type="triangle" w="med" len="med"/>
+          </a:ln>
+        </p:spPr>
+        <p:style>
+          <a:lnRef idx="2">
+            <a:schemeClr val="accent1">
+              <a:shade val="50000"/>
+            </a:schemeClr>
+          </a:lnRef>
+          <a:fillRef idx="1">
+            <a:schemeClr val="accent1"/>
+          </a:fillRef>
+          <a:effectRef idx="0">
+            <a:schemeClr val="accent1"/>
+          </a:effectRef>
+          <a:fontRef idx="minor">
+            <a:schemeClr val="lt1"/>
+          </a:fontRef>
+        </p:style>
+      </p:cxnSp>
+      <p:sp>
+        <p:nvSpPr>
+          <p:cNvPr id="20" name="Rectangle: Rounded Corners 6">
+            <a:extLst>
+              <a:ext uri="{FF2B5EF4-FFF2-40B4-BE49-F238E27FC236}">
+                <a16:creationId xmlns:a16="http://schemas.microsoft.com/office/drawing/2014/main" id="{B811BC74-BB0A-7701-99C2-0D2003A48E60}"/>
+              </a:ext>
+            </a:extLst>
+          </p:cNvPr>
+          <p:cNvSpPr/>
+          <p:nvPr/>
+        </p:nvSpPr>
+        <p:spPr>
+          <a:xfrm>
+            <a:off x="3397128" y="2468179"/>
+            <a:ext cx="2558017" cy="768927"/>
+          </a:xfrm>
+          <a:prstGeom prst="roundRect">
+            <a:avLst/>
+          </a:prstGeom>
+          <a:solidFill>
+            <a:schemeClr val="bg1">
+              <a:lumMod val="65000"/>
+            </a:schemeClr>
+          </a:solidFill>
+          <a:ln>
+            <a:noFill/>
+          </a:ln>
+        </p:spPr>
+        <p:style>
+          <a:lnRef idx="2">
+            <a:schemeClr val="accent1">
+              <a:shade val="50000"/>
+            </a:schemeClr>
+          </a:lnRef>
+          <a:fillRef idx="1">
+            <a:schemeClr val="accent1"/>
+          </a:fillRef>
+          <a:effectRef idx="0">
+            <a:schemeClr val="accent1"/>
+          </a:effectRef>
+          <a:fontRef idx="minor">
+            <a:schemeClr val="lt1"/>
+          </a:fontRef>
+        </p:style>
+        <p:txBody>
+          <a:bodyPr rtlCol="0" anchor="ctr"/>
+          <a:lstStyle/>
+          <a:p>
+            <a:pPr algn="ctr"/>
+            <a:r>
+              <a:rPr lang="de-DE" dirty="0"/>
+              <a:t>Create EC2 </a:t>
+            </a:r>
+            <a:r>
+              <a:rPr lang="de-DE" dirty="0" err="1"/>
+              <a:t>machine</a:t>
+            </a:r>
+            <a:endParaRPr lang="de-DE" dirty="0"/>
+          </a:p>
+        </p:txBody>
+      </p:sp>
+      <p:sp>
+        <p:nvSpPr>
+          <p:cNvPr id="21" name="Rectangle: Rounded Corners 17">
+            <a:extLst>
+              <a:ext uri="{FF2B5EF4-FFF2-40B4-BE49-F238E27FC236}">
+                <a16:creationId xmlns:a16="http://schemas.microsoft.com/office/drawing/2014/main" id="{865E96C3-898B-ABE0-91DC-5A88AEAE32A1}"/>
+              </a:ext>
+            </a:extLst>
+          </p:cNvPr>
+          <p:cNvSpPr/>
+          <p:nvPr/>
+        </p:nvSpPr>
+        <p:spPr>
+          <a:xfrm flipH="1" flipV="1">
+            <a:off x="2812117" y="1882666"/>
+            <a:ext cx="3424355" cy="1594946"/>
+          </a:xfrm>
+          <a:prstGeom prst="roundRect">
+            <a:avLst/>
+          </a:prstGeom>
+          <a:noFill/>
+          <a:ln>
+            <a:solidFill>
+              <a:schemeClr val="bg1">
+                <a:lumMod val="75000"/>
+              </a:schemeClr>
+            </a:solidFill>
+          </a:ln>
+        </p:spPr>
+        <p:style>
+          <a:lnRef idx="2">
+            <a:schemeClr val="accent1">
+              <a:shade val="50000"/>
+            </a:schemeClr>
+          </a:lnRef>
+          <a:fillRef idx="1">
+            <a:schemeClr val="accent1"/>
+          </a:fillRef>
+          <a:effectRef idx="0">
+            <a:schemeClr val="accent1"/>
+          </a:effectRef>
+          <a:fontRef idx="minor">
+            <a:schemeClr val="lt1"/>
+          </a:fontRef>
+        </p:style>
+        <p:txBody>
+          <a:bodyPr rtlCol="0" anchor="ctr"/>
+          <a:lstStyle/>
+          <a:p>
+            <a:pPr algn="ctr"/>
+            <a:endParaRPr lang="de-DE"/>
+          </a:p>
+        </p:txBody>
+      </p:sp>
+      <p:pic>
+        <p:nvPicPr>
+          <p:cNvPr id="24" name="Picture 4">
+            <a:extLst>
+              <a:ext uri="{FF2B5EF4-FFF2-40B4-BE49-F238E27FC236}">
+                <a16:creationId xmlns:a16="http://schemas.microsoft.com/office/drawing/2014/main" id="{F668A630-DDE5-F7FD-292A-06605BED7FC7}"/>
+              </a:ext>
+            </a:extLst>
+          </p:cNvPr>
+          <p:cNvPicPr>
+            <a:picLocks noChangeAspect="1"/>
+          </p:cNvPicPr>
+          <p:nvPr/>
+        </p:nvPicPr>
+        <p:blipFill>
+          <a:blip r:embed="rId3"/>
+          <a:stretch>
+            <a:fillRect/>
+          </a:stretch>
+        </p:blipFill>
+        <p:spPr>
+          <a:xfrm>
+            <a:off x="3011867" y="1985800"/>
+            <a:ext cx="426720" cy="482379"/>
+          </a:xfrm>
+          <a:prstGeom prst="rect">
+            <a:avLst/>
+          </a:prstGeom>
+        </p:spPr>
+      </p:pic>
+      <p:pic>
+        <p:nvPicPr>
+          <p:cNvPr id="28" name="Picture 6">
+            <a:extLst>
+              <a:ext uri="{FF2B5EF4-FFF2-40B4-BE49-F238E27FC236}">
+                <a16:creationId xmlns:a16="http://schemas.microsoft.com/office/drawing/2014/main" id="{97D45E23-90AD-A028-05E6-6586A5843E21}"/>
+              </a:ext>
+            </a:extLst>
+          </p:cNvPr>
+          <p:cNvPicPr>
+            <a:picLocks noChangeAspect="1"/>
+          </p:cNvPicPr>
+          <p:nvPr/>
+        </p:nvPicPr>
+        <p:blipFill>
+          <a:blip r:embed="rId4"/>
+          <a:stretch>
+            <a:fillRect/>
+          </a:stretch>
+        </p:blipFill>
+        <p:spPr>
+          <a:xfrm>
+            <a:off x="8506056" y="2030568"/>
+            <a:ext cx="549008" cy="336268"/>
+          </a:xfrm>
+          <a:prstGeom prst="rect">
+            <a:avLst/>
+          </a:prstGeom>
+        </p:spPr>
+      </p:pic>
+      <p:sp>
+        <p:nvSpPr>
+          <p:cNvPr id="29" name="Rectangle: Rounded Corners 6">
+            <a:extLst>
+              <a:ext uri="{FF2B5EF4-FFF2-40B4-BE49-F238E27FC236}">
+                <a16:creationId xmlns:a16="http://schemas.microsoft.com/office/drawing/2014/main" id="{8A69E514-DFCE-BDFC-FE4E-7567049EB630}"/>
+              </a:ext>
+            </a:extLst>
+          </p:cNvPr>
+          <p:cNvSpPr/>
+          <p:nvPr/>
+        </p:nvSpPr>
+        <p:spPr>
+          <a:xfrm>
+            <a:off x="8896038" y="2468179"/>
+            <a:ext cx="2558017" cy="768927"/>
+          </a:xfrm>
+          <a:prstGeom prst="roundRect">
+            <a:avLst/>
+          </a:prstGeom>
+          <a:solidFill>
+            <a:schemeClr val="bg1">
+              <a:lumMod val="65000"/>
+            </a:schemeClr>
+          </a:solidFill>
+          <a:ln>
+            <a:noFill/>
+          </a:ln>
+        </p:spPr>
+        <p:style>
+          <a:lnRef idx="2">
+            <a:schemeClr val="accent1">
+              <a:shade val="50000"/>
+            </a:schemeClr>
+          </a:lnRef>
+          <a:fillRef idx="1">
+            <a:schemeClr val="accent1"/>
+          </a:fillRef>
+          <a:effectRef idx="0">
+            <a:schemeClr val="accent1"/>
+          </a:effectRef>
+          <a:fontRef idx="minor">
+            <a:schemeClr val="lt1"/>
+          </a:fontRef>
+        </p:style>
+        <p:txBody>
+          <a:bodyPr rtlCol="0" anchor="ctr"/>
+          <a:lstStyle/>
+          <a:p>
+            <a:pPr algn="ctr"/>
+            <a:r>
+              <a:rPr lang="de-DE" dirty="0"/>
+              <a:t>EC2 </a:t>
+            </a:r>
+            <a:r>
+              <a:rPr lang="de-DE" dirty="0" err="1"/>
+              <a:t>machine</a:t>
+            </a:r>
+            <a:endParaRPr lang="de-DE" dirty="0"/>
+          </a:p>
+        </p:txBody>
+      </p:sp>
+      <p:sp>
+        <p:nvSpPr>
+          <p:cNvPr id="30" name="Rectangle: Rounded Corners 17">
+            <a:extLst>
+              <a:ext uri="{FF2B5EF4-FFF2-40B4-BE49-F238E27FC236}">
+                <a16:creationId xmlns:a16="http://schemas.microsoft.com/office/drawing/2014/main" id="{C3D25223-D404-A957-180D-7C74A93E192A}"/>
+              </a:ext>
+            </a:extLst>
+          </p:cNvPr>
+          <p:cNvSpPr/>
+          <p:nvPr/>
+        </p:nvSpPr>
+        <p:spPr>
+          <a:xfrm flipH="1" flipV="1">
+            <a:off x="8300426" y="1882666"/>
+            <a:ext cx="3424355" cy="1594946"/>
+          </a:xfrm>
+          <a:prstGeom prst="roundRect">
+            <a:avLst/>
+          </a:prstGeom>
+          <a:noFill/>
+          <a:ln>
+            <a:solidFill>
+              <a:schemeClr val="bg1">
+                <a:lumMod val="75000"/>
+              </a:schemeClr>
+            </a:solidFill>
+          </a:ln>
+        </p:spPr>
+        <p:style>
+          <a:lnRef idx="2">
+            <a:schemeClr val="accent1">
+              <a:shade val="50000"/>
+            </a:schemeClr>
+          </a:lnRef>
+          <a:fillRef idx="1">
+            <a:schemeClr val="accent1"/>
+          </a:fillRef>
+          <a:effectRef idx="0">
+            <a:schemeClr val="accent1"/>
+          </a:effectRef>
+          <a:fontRef idx="minor">
+            <a:schemeClr val="lt1"/>
+          </a:fontRef>
+        </p:style>
+        <p:txBody>
+          <a:bodyPr rtlCol="0" anchor="ctr"/>
+          <a:lstStyle/>
+          <a:p>
+            <a:pPr algn="ctr"/>
+            <a:endParaRPr lang="de-DE"/>
+          </a:p>
+        </p:txBody>
+      </p:sp>
+      <p:cxnSp>
+        <p:nvCxnSpPr>
+          <p:cNvPr id="31" name="Straight Arrow Connector 11">
+            <a:extLst>
+              <a:ext uri="{FF2B5EF4-FFF2-40B4-BE49-F238E27FC236}">
+                <a16:creationId xmlns:a16="http://schemas.microsoft.com/office/drawing/2014/main" id="{227B2E06-2BE5-7007-A654-EBE79D0F9520}"/>
+              </a:ext>
+            </a:extLst>
+          </p:cNvPr>
+          <p:cNvCxnSpPr>
+            <a:cxnSpLocks/>
+            <a:stCxn id="20" idx="3"/>
+            <a:endCxn id="29" idx="1"/>
+          </p:cNvCxnSpPr>
+          <p:nvPr/>
+        </p:nvCxnSpPr>
+        <p:spPr>
+          <a:xfrm>
+            <a:off x="5955145" y="2852643"/>
+            <a:ext cx="2940893" cy="0"/>
+          </a:xfrm>
+          <a:prstGeom prst="straightConnector1">
+            <a:avLst/>
+          </a:prstGeom>
+          <a:noFill/>
+          <a:ln>
+            <a:solidFill>
+              <a:schemeClr val="bg1">
+                <a:lumMod val="75000"/>
+              </a:schemeClr>
+            </a:solidFill>
+            <a:headEnd type="none" w="med" len="med"/>
+            <a:tailEnd type="triangle" w="med" len="med"/>
+          </a:ln>
+        </p:spPr>
+        <p:style>
+          <a:lnRef idx="2">
+            <a:schemeClr val="accent1">
+              <a:shade val="50000"/>
+            </a:schemeClr>
+          </a:lnRef>
+          <a:fillRef idx="1">
+            <a:schemeClr val="accent1"/>
+          </a:fillRef>
+          <a:effectRef idx="0">
+            <a:schemeClr val="accent1"/>
+          </a:effectRef>
+          <a:fontRef idx="minor">
+            <a:schemeClr val="lt1"/>
+          </a:fontRef>
+        </p:style>
+      </p:cxnSp>
+      <p:cxnSp>
+        <p:nvCxnSpPr>
+          <p:cNvPr id="36" name="Straight Arrow Connector 11">
+            <a:extLst>
+              <a:ext uri="{FF2B5EF4-FFF2-40B4-BE49-F238E27FC236}">
+                <a16:creationId xmlns:a16="http://schemas.microsoft.com/office/drawing/2014/main" id="{0939BA32-55A3-5025-F860-5D4857282D4C}"/>
+              </a:ext>
+            </a:extLst>
+          </p:cNvPr>
+          <p:cNvCxnSpPr>
+            <a:cxnSpLocks/>
+            <a:stCxn id="6" idx="0"/>
+            <a:endCxn id="29" idx="2"/>
+          </p:cNvCxnSpPr>
+          <p:nvPr/>
+        </p:nvCxnSpPr>
+        <p:spPr>
+          <a:xfrm flipV="1">
+            <a:off x="10175045" y="3237106"/>
+            <a:ext cx="2" cy="1165293"/>
+          </a:xfrm>
+          <a:prstGeom prst="straightConnector1">
+            <a:avLst/>
+          </a:prstGeom>
+          <a:noFill/>
+          <a:ln>
+            <a:solidFill>
+              <a:schemeClr val="bg1">
+                <a:lumMod val="75000"/>
+              </a:schemeClr>
+            </a:solidFill>
+            <a:headEnd type="none" w="med" len="med"/>
+            <a:tailEnd type="triangle" w="med" len="med"/>
+          </a:ln>
+        </p:spPr>
+        <p:style>
+          <a:lnRef idx="2">
+            <a:schemeClr val="accent1">
+              <a:shade val="50000"/>
+            </a:schemeClr>
+          </a:lnRef>
+          <a:fillRef idx="1">
+            <a:schemeClr val="accent1"/>
+          </a:fillRef>
+          <a:effectRef idx="0">
+            <a:schemeClr val="accent1"/>
+          </a:effectRef>
+          <a:fontRef idx="minor">
+            <a:schemeClr val="lt1"/>
+          </a:fontRef>
+        </p:style>
+      </p:cxnSp>
+      <p:sp>
+        <p:nvSpPr>
+          <p:cNvPr id="22" name="Rectangle: Rounded Corners 7">
+            <a:extLst>
+              <a:ext uri="{FF2B5EF4-FFF2-40B4-BE49-F238E27FC236}">
+                <a16:creationId xmlns:a16="http://schemas.microsoft.com/office/drawing/2014/main" id="{70D14B7E-B2E8-D44D-9F76-43A117366100}"/>
+              </a:ext>
+            </a:extLst>
+          </p:cNvPr>
+          <p:cNvSpPr/>
+          <p:nvPr/>
+        </p:nvSpPr>
+        <p:spPr>
+          <a:xfrm>
+            <a:off x="6163858" y="4402399"/>
+            <a:ext cx="2153842" cy="768927"/>
+          </a:xfrm>
+          <a:prstGeom prst="roundRect">
+            <a:avLst/>
+          </a:prstGeom>
+          <a:solidFill>
+            <a:schemeClr val="bg1">
+              <a:lumMod val="65000"/>
+            </a:schemeClr>
+          </a:solidFill>
+          <a:ln>
+            <a:noFill/>
+          </a:ln>
+        </p:spPr>
+        <p:style>
+          <a:lnRef idx="2">
+            <a:schemeClr val="accent1">
+              <a:shade val="50000"/>
+            </a:schemeClr>
+          </a:lnRef>
+          <a:fillRef idx="1">
+            <a:schemeClr val="accent1"/>
+          </a:fillRef>
+          <a:effectRef idx="0">
+            <a:schemeClr val="accent1"/>
+          </a:effectRef>
+          <a:fontRef idx="minor">
+            <a:schemeClr val="lt1"/>
+          </a:fontRef>
+        </p:style>
+        <p:txBody>
+          <a:bodyPr rtlCol="0" anchor="ctr"/>
+          <a:lstStyle/>
+          <a:p>
+            <a:pPr algn="ctr"/>
+            <a:r>
+              <a:rPr lang="de-DE" dirty="0"/>
+              <a:t>Push </a:t>
+            </a:r>
+            <a:r>
+              <a:rPr lang="de-DE" dirty="0" err="1"/>
+              <a:t>docker</a:t>
+            </a:r>
+            <a:r>
+              <a:rPr lang="de-DE" dirty="0"/>
+              <a:t> </a:t>
+            </a:r>
+            <a:r>
+              <a:rPr lang="de-DE" dirty="0" err="1"/>
+              <a:t>images</a:t>
+            </a:r>
+            <a:r>
+              <a:rPr lang="de-DE" dirty="0"/>
+              <a:t> </a:t>
+            </a:r>
+            <a:r>
+              <a:rPr lang="de-DE" dirty="0" err="1"/>
+              <a:t>to</a:t>
+            </a:r>
+            <a:r>
+              <a:rPr lang="de-DE" dirty="0"/>
+              <a:t> </a:t>
+            </a:r>
+            <a:r>
+              <a:rPr lang="de-DE" dirty="0" err="1"/>
+              <a:t>dockerhub</a:t>
+            </a:r>
+            <a:endParaRPr lang="de-DE" dirty="0"/>
+          </a:p>
+        </p:txBody>
+      </p:sp>
+      <p:cxnSp>
+        <p:nvCxnSpPr>
+          <p:cNvPr id="26" name="Straight Arrow Connector 13">
+            <a:extLst>
+              <a:ext uri="{FF2B5EF4-FFF2-40B4-BE49-F238E27FC236}">
+                <a16:creationId xmlns:a16="http://schemas.microsoft.com/office/drawing/2014/main" id="{D9F0D3DE-92F8-BAFA-2875-037DC3C725F9}"/>
+              </a:ext>
+            </a:extLst>
+          </p:cNvPr>
+          <p:cNvCxnSpPr>
+            <a:cxnSpLocks/>
+            <a:stCxn id="22" idx="3"/>
+            <a:endCxn id="6" idx="1"/>
+          </p:cNvCxnSpPr>
+          <p:nvPr/>
+        </p:nvCxnSpPr>
+        <p:spPr>
+          <a:xfrm>
+            <a:off x="8317700" y="4786863"/>
+            <a:ext cx="578338" cy="0"/>
+          </a:xfrm>
+          <a:prstGeom prst="straightConnector1">
+            <a:avLst/>
+          </a:prstGeom>
+          <a:noFill/>
+          <a:ln>
+            <a:solidFill>
+              <a:schemeClr val="bg1">
+                <a:lumMod val="75000"/>
+              </a:schemeClr>
+            </a:solidFill>
+            <a:headEnd type="none" w="med" len="med"/>
+            <a:tailEnd type="triangle" w="med" len="med"/>
+          </a:ln>
+        </p:spPr>
+        <p:style>
+          <a:lnRef idx="2">
+            <a:schemeClr val="accent1">
+              <a:shade val="50000"/>
+            </a:schemeClr>
+          </a:lnRef>
+          <a:fillRef idx="1">
+            <a:schemeClr val="accent1"/>
+          </a:fillRef>
+          <a:effectRef idx="0">
+            <a:schemeClr val="accent1"/>
+          </a:effectRef>
+          <a:fontRef idx="minor">
+            <a:schemeClr val="lt1"/>
+          </a:fontRef>
+        </p:style>
+      </p:cxnSp>
+    </p:spTree>
+    <p:extLst>
+      <p:ext uri="{BB962C8B-B14F-4D97-AF65-F5344CB8AC3E}">
+        <p14:creationId xmlns:p14="http://schemas.microsoft.com/office/powerpoint/2010/main" val="1380695859"/>
+      </p:ext>
+    </p:extLst>
+  </p:cSld>
+  <p:clrMapOvr>
+    <a:masterClrMapping/>
+  </p:clrMapOvr>
+</p:sld>
+</file>
+
+<file path=ppt/slides/slide17.xml><?xml version="1.0" encoding="utf-8"?>
 <p:sld xmlns:a="http://schemas.openxmlformats.org/drawingml/2006/main" xmlns:r="http://schemas.openxmlformats.org/officeDocument/2006/relationships" xmlns:p="http://schemas.openxmlformats.org/presentationml/2006/main">
   <p:cSld>
     <p:spTree>
@@ -8217,7 +11228,7 @@
           <p:cNvPr id="2" name="Titel 1">
             <a:extLst>
               <a:ext uri="{FF2B5EF4-FFF2-40B4-BE49-F238E27FC236}">
-                <a16:creationId xmlns:a16="http://schemas.microsoft.com/office/drawing/2014/main" id="{B65D7EC3-CD42-4551-8940-B2E7B1FA136C}"/>
+                <a16:creationId xmlns:a16="http://schemas.microsoft.com/office/drawing/2014/main" id="{FE7310EA-0D36-8797-94D6-7E3C9FD760A2}"/>
               </a:ext>
             </a:extLst>
           </p:cNvPr>
@@ -8234,74 +11245,250 @@
           <a:lstStyle/>
           <a:p>
             <a:r>
-              <a:rPr lang="de-DE"/>
-              <a:t>Solution 1</a:t>
-            </a:r>
-            <a:endParaRPr lang="de-DE" dirty="0"/>
-          </a:p>
-        </p:txBody>
-      </p:sp>
-      <p:sp>
-        <p:nvSpPr>
-          <p:cNvPr id="4" name="Content Placeholder 3">
-            <a:extLst>
-              <a:ext uri="{FF2B5EF4-FFF2-40B4-BE49-F238E27FC236}">
-                <a16:creationId xmlns:a16="http://schemas.microsoft.com/office/drawing/2014/main" id="{2BF5D699-940E-4DE9-8183-FAB1BE315652}"/>
-              </a:ext>
-            </a:extLst>
-          </p:cNvPr>
-          <p:cNvSpPr>
-            <a:spLocks noGrp="1"/>
-          </p:cNvSpPr>
-          <p:nvPr>
-            <p:ph idx="1"/>
-          </p:nvPr>
-        </p:nvSpPr>
-        <p:spPr/>
-        <p:txBody>
-          <a:bodyPr/>
-          <a:lstStyle/>
-          <a:p>
-            <a:pPr marL="0" indent="0">
-              <a:buNone/>
+              <a:rPr lang="de-DE" dirty="0"/>
+              <a:t>Critical Points</a:t>
+            </a:r>
+          </a:p>
+        </p:txBody>
+      </p:sp>
+      <p:pic>
+        <p:nvPicPr>
+          <p:cNvPr id="11" name="Grafik 10">
+            <a:extLst>
+              <a:ext uri="{FF2B5EF4-FFF2-40B4-BE49-F238E27FC236}">
+                <a16:creationId xmlns:a16="http://schemas.microsoft.com/office/drawing/2014/main" id="{9BBC58EA-FF95-B3F9-9EA9-A98430AFFFA7}"/>
+              </a:ext>
+            </a:extLst>
+          </p:cNvPr>
+          <p:cNvPicPr>
+            <a:picLocks noChangeAspect="1"/>
+          </p:cNvPicPr>
+          <p:nvPr/>
+        </p:nvPicPr>
+        <p:blipFill>
+          <a:blip r:embed="rId2">
+            <a:extLst>
+              <a:ext uri="{28A0092B-C50C-407E-A947-70E740481C1C}">
+                <a14:useLocalDpi xmlns:a14="http://schemas.microsoft.com/office/drawing/2010/main" val="0"/>
+              </a:ext>
+              <a:ext uri="{96DAC541-7B7A-43D3-8B79-37D633B846F1}">
+                <asvg:svgBlip xmlns:asvg="http://schemas.microsoft.com/office/drawing/2016/SVG/main" r:embed="rId3"/>
+              </a:ext>
+            </a:extLst>
+          </a:blip>
+          <a:stretch>
+            <a:fillRect/>
+          </a:stretch>
+        </p:blipFill>
+        <p:spPr>
+          <a:xfrm>
+            <a:off x="838200" y="2450831"/>
+            <a:ext cx="5730612" cy="2247758"/>
+          </a:xfrm>
+          <a:prstGeom prst="rect">
+            <a:avLst/>
+          </a:prstGeom>
+        </p:spPr>
+      </p:pic>
+      <p:sp>
+        <p:nvSpPr>
+          <p:cNvPr id="12" name="Textfeld 11">
+            <a:extLst>
+              <a:ext uri="{FF2B5EF4-FFF2-40B4-BE49-F238E27FC236}">
+                <a16:creationId xmlns:a16="http://schemas.microsoft.com/office/drawing/2014/main" id="{767958CC-0830-D63A-2BC6-C0B189A4BC9F}"/>
+              </a:ext>
+            </a:extLst>
+          </p:cNvPr>
+          <p:cNvSpPr txBox="1"/>
+          <p:nvPr/>
+        </p:nvSpPr>
+        <p:spPr>
+          <a:xfrm>
+            <a:off x="6965343" y="2725695"/>
+            <a:ext cx="4715123" cy="1698029"/>
+          </a:xfrm>
+          <a:prstGeom prst="rect">
+            <a:avLst/>
+          </a:prstGeom>
+          <a:noFill/>
+        </p:spPr>
+        <p:txBody>
+          <a:bodyPr wrap="square" rtlCol="0">
+            <a:spAutoFit/>
+          </a:bodyPr>
+          <a:lstStyle/>
+          <a:p>
+            <a:pPr>
+              <a:lnSpc>
+                <a:spcPct val="150000"/>
+              </a:lnSpc>
             </a:pPr>
             <a:r>
-              <a:rPr lang="de-DE"/>
-              <a:t>Deployment via .zip link:</a:t>
-            </a:r>
-          </a:p>
-          <a:p>
-            <a:pPr marL="0" indent="0">
-              <a:buNone/>
+              <a:rPr lang="de-DE" dirty="0" err="1"/>
+              <a:t>How</a:t>
+            </a:r>
+            <a:r>
+              <a:rPr lang="de-DE" dirty="0"/>
+              <a:t> </a:t>
+            </a:r>
+            <a:r>
+              <a:rPr lang="de-DE" dirty="0" err="1"/>
+              <a:t>can</a:t>
+            </a:r>
+            <a:r>
+              <a:rPr lang="de-DE" dirty="0"/>
+              <a:t> </a:t>
+            </a:r>
+            <a:r>
+              <a:rPr lang="de-DE" dirty="0" err="1"/>
+              <a:t>we</a:t>
+            </a:r>
+            <a:r>
+              <a:rPr lang="de-DE" dirty="0"/>
+              <a:t>…</a:t>
+            </a:r>
+          </a:p>
+          <a:p>
+            <a:pPr marL="285750" indent="-285750">
+              <a:lnSpc>
+                <a:spcPct val="150000"/>
+              </a:lnSpc>
+              <a:buFont typeface="Arial" panose="020B0604020202020204" pitchFamily="34" charset="0"/>
+              <a:buChar char="•"/>
             </a:pPr>
-            <a:endParaRPr lang="de-DE"/>
-          </a:p>
-          <a:p>
-            <a:pPr lvl="1"/>
-            <a:r>
-              <a:rPr lang="de-DE"/>
-              <a:t>SSH to access EC2 instance</a:t>
-            </a:r>
-          </a:p>
-          <a:p>
-            <a:pPr lvl="1"/>
-            <a:r>
-              <a:rPr lang="de-DE"/>
-              <a:t>Installation of Docker and Docker Compose on EC2</a:t>
-            </a:r>
-          </a:p>
-          <a:p>
-            <a:pPr lvl="1"/>
-            <a:r>
-              <a:rPr lang="de-DE"/>
-              <a:t>Upload of application via .zip link from GitHub Repo to EC2</a:t>
-            </a:r>
-          </a:p>
-          <a:p>
-            <a:pPr lvl="1"/>
-            <a:r>
-              <a:rPr lang="de-DE"/>
-              <a:t>Docker-compose up on EC2</a:t>
+            <a:r>
+              <a:rPr lang="de-DE" dirty="0"/>
+              <a:t>…</a:t>
+            </a:r>
+            <a:r>
+              <a:rPr lang="de-DE" dirty="0" err="1"/>
+              <a:t>install</a:t>
+            </a:r>
+            <a:r>
+              <a:rPr lang="de-DE" dirty="0"/>
+              <a:t> </a:t>
+            </a:r>
+            <a:r>
+              <a:rPr lang="de-DE" dirty="0" err="1"/>
+              <a:t>docker</a:t>
+            </a:r>
+            <a:r>
+              <a:rPr lang="de-DE" dirty="0"/>
+              <a:t> &amp; </a:t>
+            </a:r>
+            <a:r>
+              <a:rPr lang="de-DE" dirty="0" err="1"/>
+              <a:t>docker-compose</a:t>
+            </a:r>
+            <a:r>
+              <a:rPr lang="de-DE" dirty="0"/>
+              <a:t> in </a:t>
+            </a:r>
+            <a:r>
+              <a:rPr lang="de-DE" dirty="0" err="1"/>
+              <a:t>the</a:t>
+            </a:r>
+            <a:r>
+              <a:rPr lang="de-DE" dirty="0"/>
+              <a:t> EC2? </a:t>
+            </a:r>
+          </a:p>
+          <a:p>
+            <a:pPr marL="285750" indent="-285750">
+              <a:lnSpc>
+                <a:spcPct val="150000"/>
+              </a:lnSpc>
+              <a:buFont typeface="Arial" panose="020B0604020202020204" pitchFamily="34" charset="0"/>
+              <a:buChar char="•"/>
+            </a:pPr>
+            <a:r>
+              <a:rPr lang="de-DE" dirty="0"/>
+              <a:t>…</a:t>
+            </a:r>
+            <a:r>
+              <a:rPr lang="de-DE" dirty="0" err="1"/>
+              <a:t>put</a:t>
+            </a:r>
+            <a:r>
+              <a:rPr lang="de-DE" dirty="0"/>
+              <a:t> </a:t>
+            </a:r>
+            <a:r>
+              <a:rPr lang="de-DE" dirty="0" err="1"/>
+              <a:t>our</a:t>
+            </a:r>
+            <a:r>
+              <a:rPr lang="de-DE" dirty="0"/>
+              <a:t> </a:t>
+            </a:r>
+            <a:r>
+              <a:rPr lang="de-DE" dirty="0" err="1"/>
+              <a:t>containers</a:t>
+            </a:r>
+            <a:r>
+              <a:rPr lang="de-DE" dirty="0"/>
+              <a:t> in </a:t>
+            </a:r>
+            <a:r>
+              <a:rPr lang="de-DE" dirty="0" err="1"/>
+              <a:t>the</a:t>
+            </a:r>
+            <a:r>
+              <a:rPr lang="de-DE" dirty="0"/>
+              <a:t> EC2? </a:t>
+            </a:r>
+          </a:p>
+          <a:p>
+            <a:pPr marL="285750" indent="-285750">
+              <a:lnSpc>
+                <a:spcPct val="150000"/>
+              </a:lnSpc>
+              <a:buFont typeface="Arial" panose="020B0604020202020204" pitchFamily="34" charset="0"/>
+              <a:buChar char="•"/>
+            </a:pPr>
+            <a:r>
+              <a:rPr lang="de-DE" dirty="0"/>
+              <a:t>…</a:t>
+            </a:r>
+            <a:r>
+              <a:rPr lang="de-DE" dirty="0" err="1"/>
+              <a:t>start</a:t>
+            </a:r>
+            <a:r>
+              <a:rPr lang="de-DE" dirty="0"/>
+              <a:t> </a:t>
+            </a:r>
+            <a:r>
+              <a:rPr lang="de-DE" dirty="0" err="1"/>
+              <a:t>the</a:t>
+            </a:r>
+            <a:r>
+              <a:rPr lang="de-DE" dirty="0"/>
+              <a:t> </a:t>
+            </a:r>
+            <a:r>
+              <a:rPr lang="de-DE" dirty="0" err="1"/>
+              <a:t>application</a:t>
+            </a:r>
+            <a:r>
+              <a:rPr lang="de-DE" dirty="0"/>
+              <a:t> via </a:t>
+            </a:r>
+            <a:r>
+              <a:rPr lang="de-DE" dirty="0" err="1"/>
+              <a:t>docker-compose</a:t>
+            </a:r>
+            <a:r>
+              <a:rPr lang="de-DE" dirty="0"/>
+              <a:t> </a:t>
+            </a:r>
+            <a:r>
+              <a:rPr lang="de-DE" dirty="0" err="1"/>
+              <a:t>up</a:t>
+            </a:r>
+            <a:r>
+              <a:rPr lang="de-DE" dirty="0"/>
+              <a:t>? </a:t>
             </a:r>
           </a:p>
         </p:txBody>
@@ -8309,7 +11496,7 @@
     </p:spTree>
     <p:extLst>
       <p:ext uri="{BB962C8B-B14F-4D97-AF65-F5344CB8AC3E}">
-        <p14:creationId xmlns:p14="http://schemas.microsoft.com/office/powerpoint/2010/main" val="3653631288"/>
+        <p14:creationId xmlns:p14="http://schemas.microsoft.com/office/powerpoint/2010/main" val="3050697166"/>
       </p:ext>
     </p:extLst>
   </p:cSld>
@@ -8319,7 +11506,7 @@
 </p:sld>
 </file>
 
-<file path=ppt/slides/slide15.xml><?xml version="1.0" encoding="utf-8"?>
+<file path=ppt/slides/slide18.xml><?xml version="1.0" encoding="utf-8"?>
 <p:sld xmlns:a="http://schemas.openxmlformats.org/drawingml/2006/main" xmlns:r="http://schemas.openxmlformats.org/officeDocument/2006/relationships" xmlns:p="http://schemas.openxmlformats.org/presentationml/2006/main">
   <p:cSld>
     <p:spTree>
@@ -8341,7 +11528,7 @@
           <p:cNvPr id="2" name="Titel 1">
             <a:extLst>
               <a:ext uri="{FF2B5EF4-FFF2-40B4-BE49-F238E27FC236}">
-                <a16:creationId xmlns:a16="http://schemas.microsoft.com/office/drawing/2014/main" id="{B65D7EC3-CD42-4551-8940-B2E7B1FA136C}"/>
+                <a16:creationId xmlns:a16="http://schemas.microsoft.com/office/drawing/2014/main" id="{FE7310EA-0D36-8797-94D6-7E3C9FD760A2}"/>
               </a:ext>
             </a:extLst>
           </p:cNvPr>
@@ -8358,105 +11545,18 @@
           <a:lstStyle/>
           <a:p>
             <a:r>
-              <a:rPr lang="de-DE"/>
-              <a:t>Solution 2</a:t>
-            </a:r>
-            <a:endParaRPr lang="de-DE" dirty="0"/>
-          </a:p>
-        </p:txBody>
-      </p:sp>
-      <p:sp>
-        <p:nvSpPr>
-          <p:cNvPr id="4" name="Content Placeholder 3">
-            <a:extLst>
-              <a:ext uri="{FF2B5EF4-FFF2-40B4-BE49-F238E27FC236}">
-                <a16:creationId xmlns:a16="http://schemas.microsoft.com/office/drawing/2014/main" id="{2BF5D699-940E-4DE9-8183-FAB1BE315652}"/>
-              </a:ext>
-            </a:extLst>
-          </p:cNvPr>
-          <p:cNvSpPr>
-            <a:spLocks noGrp="1"/>
-          </p:cNvSpPr>
-          <p:nvPr>
-            <p:ph idx="1"/>
-          </p:nvPr>
-        </p:nvSpPr>
-        <p:spPr/>
-        <p:txBody>
-          <a:bodyPr/>
-          <a:lstStyle/>
-          <a:p>
-            <a:pPr marL="0" indent="0">
-              <a:buNone/>
-            </a:pPr>
-            <a:r>
-              <a:rPr lang="de-DE"/>
-              <a:t>Deployment via DockerHub:</a:t>
-            </a:r>
-          </a:p>
-          <a:p>
-            <a:pPr marL="0" indent="0">
-              <a:buNone/>
-            </a:pPr>
-            <a:endParaRPr lang="de-DE"/>
-          </a:p>
-          <a:p>
-            <a:pPr lvl="1"/>
-            <a:r>
-              <a:rPr lang="de-DE"/>
-              <a:t>1. workflow</a:t>
-            </a:r>
-          </a:p>
-          <a:p>
-            <a:pPr lvl="2"/>
-            <a:r>
-              <a:rPr lang="de-DE"/>
-              <a:t>Push images to DockerHub</a:t>
-            </a:r>
-          </a:p>
-          <a:p>
-            <a:pPr lvl="1"/>
-            <a:r>
-              <a:rPr lang="de-DE"/>
-              <a:t>2. workflow:</a:t>
-            </a:r>
-          </a:p>
-          <a:p>
-            <a:pPr lvl="2"/>
-            <a:r>
-              <a:rPr lang="de-DE"/>
-              <a:t>SSH to access EC2 instance</a:t>
-            </a:r>
-          </a:p>
-          <a:p>
-            <a:pPr lvl="2"/>
-            <a:r>
-              <a:rPr lang="de-DE"/>
-              <a:t>Installation of Docker and Docker Compose on EC2</a:t>
-            </a:r>
-          </a:p>
-          <a:p>
-            <a:pPr lvl="2"/>
-            <a:r>
-              <a:rPr lang="de-DE"/>
-              <a:t>Loading of images from DockerHub to EC2</a:t>
-            </a:r>
-          </a:p>
-          <a:p>
-            <a:pPr lvl="2"/>
-            <a:r>
-              <a:rPr lang="de-DE"/>
-              <a:t>Docker-compose up on EC2 with docker-compose.dockerhub.yml</a:t>
+              <a:rPr lang="de-DE" dirty="0"/>
+              <a:t>Solution 1</a:t>
             </a:r>
           </a:p>
         </p:txBody>
       </p:sp>
       <p:pic>
         <p:nvPicPr>
-          <p:cNvPr id="5" name="Picture 4">
-            <a:extLst>
-              <a:ext uri="{FF2B5EF4-FFF2-40B4-BE49-F238E27FC236}">
-                <a16:creationId xmlns:a16="http://schemas.microsoft.com/office/drawing/2014/main" id="{0F114F07-129D-42EC-AD24-46C50F053298}"/>
+          <p:cNvPr id="38" name="Grafik 37">
+            <a:extLst>
+              <a:ext uri="{FF2B5EF4-FFF2-40B4-BE49-F238E27FC236}">
+                <a16:creationId xmlns:a16="http://schemas.microsoft.com/office/drawing/2014/main" id="{6199A442-C040-E2A2-6523-D9500BEF3C00}"/>
               </a:ext>
             </a:extLst>
           </p:cNvPr>
@@ -8466,15 +11566,447 @@
           <p:nvPr/>
         </p:nvPicPr>
         <p:blipFill>
-          <a:blip r:embed="rId2"/>
+          <a:blip r:embed="rId2">
+            <a:extLst>
+              <a:ext uri="{28A0092B-C50C-407E-A947-70E740481C1C}">
+                <a14:useLocalDpi xmlns:a14="http://schemas.microsoft.com/office/drawing/2010/main" val="0"/>
+              </a:ext>
+              <a:ext uri="{96DAC541-7B7A-43D3-8B79-37D633B846F1}">
+                <asvg:svgBlip xmlns:asvg="http://schemas.microsoft.com/office/drawing/2016/SVG/main" r:embed="rId3"/>
+              </a:ext>
+            </a:extLst>
+          </a:blip>
           <a:stretch>
             <a:fillRect/>
           </a:stretch>
         </p:blipFill>
         <p:spPr>
           <a:xfrm>
-            <a:off x="7621708" y="2246038"/>
-            <a:ext cx="2791864" cy="780941"/>
+            <a:off x="1052036" y="2786037"/>
+            <a:ext cx="7941076" cy="3114784"/>
+          </a:xfrm>
+          <a:prstGeom prst="rect">
+            <a:avLst/>
+          </a:prstGeom>
+        </p:spPr>
+      </p:pic>
+      <p:sp>
+        <p:nvSpPr>
+          <p:cNvPr id="39" name="Textfeld 38">
+            <a:extLst>
+              <a:ext uri="{FF2B5EF4-FFF2-40B4-BE49-F238E27FC236}">
+                <a16:creationId xmlns:a16="http://schemas.microsoft.com/office/drawing/2014/main" id="{695DB685-95D5-A78F-2B63-74114659637B}"/>
+              </a:ext>
+            </a:extLst>
+          </p:cNvPr>
+          <p:cNvSpPr txBox="1"/>
+          <p:nvPr/>
+        </p:nvSpPr>
+        <p:spPr>
+          <a:xfrm>
+            <a:off x="2748501" y="1690688"/>
+            <a:ext cx="2719346" cy="646331"/>
+          </a:xfrm>
+          <a:prstGeom prst="rect">
+            <a:avLst/>
+          </a:prstGeom>
+          <a:solidFill>
+            <a:srgbClr val="CCCCFF"/>
+          </a:solidFill>
+        </p:spPr>
+        <p:txBody>
+          <a:bodyPr wrap="square" rtlCol="0">
+            <a:spAutoFit/>
+          </a:bodyPr>
+          <a:lstStyle/>
+          <a:p>
+            <a:r>
+              <a:rPr lang="de-DE" dirty="0">
+                <a:solidFill>
+                  <a:srgbClr val="5C4EE5"/>
+                </a:solidFill>
+                <a:latin typeface="+mj-lt"/>
+              </a:rPr>
+              <a:t>1) </a:t>
+            </a:r>
+            <a:r>
+              <a:rPr lang="de-DE" dirty="0" err="1">
+                <a:solidFill>
+                  <a:srgbClr val="5C4EE5"/>
+                </a:solidFill>
+                <a:latin typeface="+mj-lt"/>
+              </a:rPr>
+              <a:t>Install</a:t>
+            </a:r>
+            <a:r>
+              <a:rPr lang="de-DE" dirty="0">
+                <a:solidFill>
+                  <a:srgbClr val="5C4EE5"/>
+                </a:solidFill>
+                <a:latin typeface="+mj-lt"/>
+              </a:rPr>
+              <a:t> </a:t>
+            </a:r>
+            <a:r>
+              <a:rPr lang="de-DE" dirty="0" err="1">
+                <a:solidFill>
+                  <a:srgbClr val="5C4EE5"/>
+                </a:solidFill>
+                <a:latin typeface="+mj-lt"/>
+              </a:rPr>
+              <a:t>docker</a:t>
+            </a:r>
+            <a:r>
+              <a:rPr lang="de-DE" dirty="0">
+                <a:solidFill>
+                  <a:srgbClr val="5C4EE5"/>
+                </a:solidFill>
+                <a:latin typeface="+mj-lt"/>
+              </a:rPr>
+              <a:t> &amp; </a:t>
+            </a:r>
+            <a:r>
+              <a:rPr lang="de-DE" dirty="0" err="1">
+                <a:solidFill>
+                  <a:srgbClr val="5C4EE5"/>
+                </a:solidFill>
+                <a:latin typeface="+mj-lt"/>
+              </a:rPr>
+              <a:t>docker-compose</a:t>
+            </a:r>
+            <a:r>
+              <a:rPr lang="de-DE" dirty="0">
+                <a:solidFill>
+                  <a:srgbClr val="5C4EE5"/>
+                </a:solidFill>
+                <a:latin typeface="+mj-lt"/>
+              </a:rPr>
+              <a:t> in </a:t>
+            </a:r>
+            <a:r>
+              <a:rPr lang="de-DE" dirty="0" err="1">
+                <a:solidFill>
+                  <a:srgbClr val="5C4EE5"/>
+                </a:solidFill>
+                <a:latin typeface="+mj-lt"/>
+              </a:rPr>
+              <a:t>user_data</a:t>
+            </a:r>
+            <a:endParaRPr lang="de-DE" dirty="0">
+              <a:solidFill>
+                <a:srgbClr val="5C4EE5"/>
+              </a:solidFill>
+              <a:latin typeface="+mj-lt"/>
+            </a:endParaRPr>
+          </a:p>
+        </p:txBody>
+      </p:sp>
+      <p:pic>
+        <p:nvPicPr>
+          <p:cNvPr id="41" name="Grafik 40" descr="Pfeil: Kurve im Uhrzeigersinn">
+            <a:extLst>
+              <a:ext uri="{FF2B5EF4-FFF2-40B4-BE49-F238E27FC236}">
+                <a16:creationId xmlns:a16="http://schemas.microsoft.com/office/drawing/2014/main" id="{9096820B-E352-BBBB-0D9B-9D03650E261C}"/>
+              </a:ext>
+            </a:extLst>
+          </p:cNvPr>
+          <p:cNvPicPr>
+            <a:picLocks noChangeAspect="1"/>
+          </p:cNvPicPr>
+          <p:nvPr/>
+        </p:nvPicPr>
+        <p:blipFill>
+          <a:blip r:embed="rId4">
+            <a:extLst>
+              <a:ext uri="{28A0092B-C50C-407E-A947-70E740481C1C}">
+                <a14:useLocalDpi xmlns:a14="http://schemas.microsoft.com/office/drawing/2010/main" val="0"/>
+              </a:ext>
+              <a:ext uri="{96DAC541-7B7A-43D3-8B79-37D633B846F1}">
+                <asvg:svgBlip xmlns:asvg="http://schemas.microsoft.com/office/drawing/2016/SVG/main" r:embed="rId5"/>
+              </a:ext>
+            </a:extLst>
+          </a:blip>
+          <a:stretch>
+            <a:fillRect/>
+          </a:stretch>
+        </p:blipFill>
+        <p:spPr>
+          <a:xfrm rot="10800000">
+            <a:off x="4108174" y="2337019"/>
+            <a:ext cx="914400" cy="914400"/>
+          </a:xfrm>
+          <a:prstGeom prst="rect">
+            <a:avLst/>
+          </a:prstGeom>
+        </p:spPr>
+      </p:pic>
+      <p:sp>
+        <p:nvSpPr>
+          <p:cNvPr id="42" name="Textfeld 41">
+            <a:extLst>
+              <a:ext uri="{FF2B5EF4-FFF2-40B4-BE49-F238E27FC236}">
+                <a16:creationId xmlns:a16="http://schemas.microsoft.com/office/drawing/2014/main" id="{E5644BF3-453B-A266-43DB-4E6B8B5F70DA}"/>
+              </a:ext>
+            </a:extLst>
+          </p:cNvPr>
+          <p:cNvSpPr txBox="1"/>
+          <p:nvPr/>
+        </p:nvSpPr>
+        <p:spPr>
+          <a:xfrm>
+            <a:off x="9692409" y="4829676"/>
+            <a:ext cx="1758565" cy="369332"/>
+          </a:xfrm>
+          <a:prstGeom prst="rect">
+            <a:avLst/>
+          </a:prstGeom>
+          <a:solidFill>
+            <a:schemeClr val="accent5">
+              <a:lumMod val="20000"/>
+              <a:lumOff val="80000"/>
+            </a:schemeClr>
+          </a:solidFill>
+        </p:spPr>
+        <p:txBody>
+          <a:bodyPr wrap="square" rtlCol="0">
+            <a:spAutoFit/>
+          </a:bodyPr>
+          <a:lstStyle/>
+          <a:p>
+            <a:r>
+              <a:rPr lang="de-DE" dirty="0">
+                <a:solidFill>
+                  <a:srgbClr val="0070C0"/>
+                </a:solidFill>
+                <a:latin typeface="+mj-lt"/>
+              </a:rPr>
+              <a:t>2) SSH </a:t>
+            </a:r>
+            <a:r>
+              <a:rPr lang="de-DE" dirty="0" err="1">
+                <a:solidFill>
+                  <a:srgbClr val="0070C0"/>
+                </a:solidFill>
+                <a:latin typeface="+mj-lt"/>
+              </a:rPr>
+              <a:t>into</a:t>
+            </a:r>
+            <a:r>
+              <a:rPr lang="de-DE" dirty="0">
+                <a:solidFill>
+                  <a:srgbClr val="0070C0"/>
+                </a:solidFill>
+                <a:latin typeface="+mj-lt"/>
+              </a:rPr>
+              <a:t> EC2</a:t>
+            </a:r>
+          </a:p>
+        </p:txBody>
+      </p:sp>
+      <p:pic>
+        <p:nvPicPr>
+          <p:cNvPr id="43" name="Grafik 42" descr="Pfeil: Kurve im Uhrzeigersinn">
+            <a:extLst>
+              <a:ext uri="{FF2B5EF4-FFF2-40B4-BE49-F238E27FC236}">
+                <a16:creationId xmlns:a16="http://schemas.microsoft.com/office/drawing/2014/main" id="{F1BDDEB8-7110-E081-F645-DB8C0B756A2D}"/>
+              </a:ext>
+            </a:extLst>
+          </p:cNvPr>
+          <p:cNvPicPr>
+            <a:picLocks noChangeAspect="1"/>
+          </p:cNvPicPr>
+          <p:nvPr/>
+        </p:nvPicPr>
+        <p:blipFill>
+          <a:blip r:embed="rId6">
+            <a:extLst>
+              <a:ext uri="{28A0092B-C50C-407E-A947-70E740481C1C}">
+                <a14:useLocalDpi xmlns:a14="http://schemas.microsoft.com/office/drawing/2010/main" val="0"/>
+              </a:ext>
+              <a:ext uri="{96DAC541-7B7A-43D3-8B79-37D633B846F1}">
+                <asvg:svgBlip xmlns:asvg="http://schemas.microsoft.com/office/drawing/2016/SVG/main" r:embed="rId7"/>
+              </a:ext>
+            </a:extLst>
+          </a:blip>
+          <a:stretch>
+            <a:fillRect/>
+          </a:stretch>
+        </p:blipFill>
+        <p:spPr>
+          <a:xfrm rot="16008384">
+            <a:off x="8753248" y="4852820"/>
+            <a:ext cx="914400" cy="914400"/>
+          </a:xfrm>
+          <a:prstGeom prst="rect">
+            <a:avLst/>
+          </a:prstGeom>
+        </p:spPr>
+      </p:pic>
+      <p:sp>
+        <p:nvSpPr>
+          <p:cNvPr id="44" name="Textfeld 43">
+            <a:extLst>
+              <a:ext uri="{FF2B5EF4-FFF2-40B4-BE49-F238E27FC236}">
+                <a16:creationId xmlns:a16="http://schemas.microsoft.com/office/drawing/2014/main" id="{C7FB633A-15C0-45C9-D522-A0A4AE83189B}"/>
+              </a:ext>
+            </a:extLst>
+          </p:cNvPr>
+          <p:cNvSpPr txBox="1"/>
+          <p:nvPr/>
+        </p:nvSpPr>
+        <p:spPr>
+          <a:xfrm>
+            <a:off x="9364547" y="2501226"/>
+            <a:ext cx="2613142" cy="923330"/>
+          </a:xfrm>
+          <a:prstGeom prst="rect">
+            <a:avLst/>
+          </a:prstGeom>
+          <a:solidFill>
+            <a:schemeClr val="accent2">
+              <a:lumMod val="20000"/>
+              <a:lumOff val="80000"/>
+            </a:schemeClr>
+          </a:solidFill>
+        </p:spPr>
+        <p:txBody>
+          <a:bodyPr wrap="square" rtlCol="0">
+            <a:spAutoFit/>
+          </a:bodyPr>
+          <a:lstStyle/>
+          <a:p>
+            <a:r>
+              <a:rPr lang="de-DE" dirty="0">
+                <a:solidFill>
+                  <a:schemeClr val="accent2"/>
+                </a:solidFill>
+                <a:latin typeface="+mj-lt"/>
+              </a:rPr>
+              <a:t>3) Upload </a:t>
+            </a:r>
+            <a:r>
+              <a:rPr lang="de-DE" dirty="0" err="1">
+                <a:solidFill>
+                  <a:schemeClr val="accent2"/>
+                </a:solidFill>
+                <a:latin typeface="+mj-lt"/>
+              </a:rPr>
+              <a:t>app</a:t>
+            </a:r>
+            <a:r>
+              <a:rPr lang="de-DE" dirty="0">
+                <a:solidFill>
+                  <a:schemeClr val="accent2"/>
+                </a:solidFill>
+                <a:latin typeface="+mj-lt"/>
+              </a:rPr>
+              <a:t> via </a:t>
+            </a:r>
+            <a:r>
+              <a:rPr lang="de-DE" dirty="0" err="1">
+                <a:solidFill>
+                  <a:schemeClr val="accent2"/>
+                </a:solidFill>
+                <a:latin typeface="+mj-lt"/>
+              </a:rPr>
+              <a:t>github</a:t>
+            </a:r>
+            <a:r>
+              <a:rPr lang="de-DE" dirty="0">
+                <a:solidFill>
+                  <a:schemeClr val="accent2"/>
+                </a:solidFill>
+                <a:latin typeface="+mj-lt"/>
+              </a:rPr>
+              <a:t> .</a:t>
+            </a:r>
+            <a:r>
+              <a:rPr lang="de-DE" dirty="0" err="1">
+                <a:solidFill>
+                  <a:schemeClr val="accent2"/>
+                </a:solidFill>
+                <a:latin typeface="+mj-lt"/>
+              </a:rPr>
+              <a:t>zip</a:t>
+            </a:r>
+            <a:r>
+              <a:rPr lang="de-DE" dirty="0">
+                <a:solidFill>
+                  <a:schemeClr val="accent2"/>
+                </a:solidFill>
+                <a:latin typeface="+mj-lt"/>
+              </a:rPr>
+              <a:t>-Link and </a:t>
+            </a:r>
+            <a:r>
+              <a:rPr lang="de-DE" dirty="0" err="1">
+                <a:solidFill>
+                  <a:schemeClr val="accent2"/>
+                </a:solidFill>
+                <a:latin typeface="+mj-lt"/>
+              </a:rPr>
+              <a:t>docker-compose</a:t>
+            </a:r>
+            <a:r>
+              <a:rPr lang="de-DE" dirty="0">
+                <a:solidFill>
+                  <a:schemeClr val="accent2"/>
+                </a:solidFill>
+                <a:latin typeface="+mj-lt"/>
+              </a:rPr>
+              <a:t> </a:t>
+            </a:r>
+            <a:r>
+              <a:rPr lang="de-DE" dirty="0" err="1">
+                <a:solidFill>
+                  <a:schemeClr val="accent2"/>
+                </a:solidFill>
+                <a:latin typeface="+mj-lt"/>
+              </a:rPr>
+              <a:t>up</a:t>
+            </a:r>
+            <a:endParaRPr lang="de-DE" dirty="0">
+              <a:solidFill>
+                <a:schemeClr val="accent2"/>
+              </a:solidFill>
+              <a:latin typeface="+mj-lt"/>
+            </a:endParaRPr>
+          </a:p>
+        </p:txBody>
+      </p:sp>
+      <p:pic>
+        <p:nvPicPr>
+          <p:cNvPr id="45" name="Grafik 44" descr="Pfeil: Kurve im Uhrzeigersinn">
+            <a:extLst>
+              <a:ext uri="{FF2B5EF4-FFF2-40B4-BE49-F238E27FC236}">
+                <a16:creationId xmlns:a16="http://schemas.microsoft.com/office/drawing/2014/main" id="{1819F6B2-AFDA-C582-2467-C2EDC7439D78}"/>
+              </a:ext>
+            </a:extLst>
+          </p:cNvPr>
+          <p:cNvPicPr>
+            <a:picLocks noChangeAspect="1"/>
+          </p:cNvPicPr>
+          <p:nvPr/>
+        </p:nvPicPr>
+        <p:blipFill>
+          <a:blip r:embed="rId8">
+            <a:extLst>
+              <a:ext uri="{28A0092B-C50C-407E-A947-70E740481C1C}">
+                <a14:useLocalDpi xmlns:a14="http://schemas.microsoft.com/office/drawing/2010/main" val="0"/>
+              </a:ext>
+              <a:ext uri="{96DAC541-7B7A-43D3-8B79-37D633B846F1}">
+                <asvg:svgBlip xmlns:asvg="http://schemas.microsoft.com/office/drawing/2016/SVG/main" r:embed="rId9"/>
+              </a:ext>
+            </a:extLst>
+          </a:blip>
+          <a:stretch>
+            <a:fillRect/>
+          </a:stretch>
+        </p:blipFill>
+        <p:spPr>
+          <a:xfrm rot="3055667" flipV="1">
+            <a:off x="8400605" y="2487667"/>
+            <a:ext cx="914400" cy="933703"/>
           </a:xfrm>
           <a:prstGeom prst="rect">
             <a:avLst/>
@@ -8484,7 +12016,7 @@
     </p:spTree>
     <p:extLst>
       <p:ext uri="{BB962C8B-B14F-4D97-AF65-F5344CB8AC3E}">
-        <p14:creationId xmlns:p14="http://schemas.microsoft.com/office/powerpoint/2010/main" val="3928375169"/>
+        <p14:creationId xmlns:p14="http://schemas.microsoft.com/office/powerpoint/2010/main" val="784257397"/>
       </p:ext>
     </p:extLst>
   </p:cSld>
@@ -8494,7 +12026,7 @@
 </p:sld>
 </file>
 
-<file path=ppt/slides/slide16.xml><?xml version="1.0" encoding="utf-8"?>
+<file path=ppt/slides/slide19.xml><?xml version="1.0" encoding="utf-8"?>
 <p:sld xmlns:a="http://schemas.openxmlformats.org/drawingml/2006/main" xmlns:r="http://schemas.openxmlformats.org/officeDocument/2006/relationships" xmlns:p="http://schemas.openxmlformats.org/presentationml/2006/main">
   <p:cSld>
     <p:spTree>
@@ -8511,12 +12043,51 @@
           <a:chExt cx="0" cy="0"/>
         </a:xfrm>
       </p:grpSpPr>
+      <p:pic>
+        <p:nvPicPr>
+          <p:cNvPr id="4" name="Grafik 3">
+            <a:extLst>
+              <a:ext uri="{FF2B5EF4-FFF2-40B4-BE49-F238E27FC236}">
+                <a16:creationId xmlns:a16="http://schemas.microsoft.com/office/drawing/2014/main" id="{73EAFD23-835D-BE75-950B-784D8824F747}"/>
+              </a:ext>
+            </a:extLst>
+          </p:cNvPr>
+          <p:cNvPicPr>
+            <a:picLocks noChangeAspect="1"/>
+          </p:cNvPicPr>
+          <p:nvPr/>
+        </p:nvPicPr>
+        <p:blipFill>
+          <a:blip r:embed="rId2">
+            <a:extLst>
+              <a:ext uri="{28A0092B-C50C-407E-A947-70E740481C1C}">
+                <a14:useLocalDpi xmlns:a14="http://schemas.microsoft.com/office/drawing/2010/main" val="0"/>
+              </a:ext>
+              <a:ext uri="{96DAC541-7B7A-43D3-8B79-37D633B846F1}">
+                <asvg:svgBlip xmlns:asvg="http://schemas.microsoft.com/office/drawing/2016/SVG/main" r:embed="rId3"/>
+              </a:ext>
+            </a:extLst>
+          </a:blip>
+          <a:stretch>
+            <a:fillRect/>
+          </a:stretch>
+        </p:blipFill>
+        <p:spPr>
+          <a:xfrm>
+            <a:off x="476704" y="2787382"/>
+            <a:ext cx="9294109" cy="3253758"/>
+          </a:xfrm>
+          <a:prstGeom prst="rect">
+            <a:avLst/>
+          </a:prstGeom>
+        </p:spPr>
+      </p:pic>
       <p:sp>
         <p:nvSpPr>
           <p:cNvPr id="2" name="Titel 1">
             <a:extLst>
               <a:ext uri="{FF2B5EF4-FFF2-40B4-BE49-F238E27FC236}">
-                <a16:creationId xmlns:a16="http://schemas.microsoft.com/office/drawing/2014/main" id="{423EE35B-33E3-42A0-BBDA-368E8D825D7E}"/>
+                <a16:creationId xmlns:a16="http://schemas.microsoft.com/office/drawing/2014/main" id="{FE7310EA-0D36-8797-94D6-7E3C9FD760A2}"/>
               </a:ext>
             </a:extLst>
           </p:cNvPr>
@@ -8524,7 +12095,7 @@
             <a:spLocks noGrp="1"/>
           </p:cNvSpPr>
           <p:nvPr>
-            <p:ph type="ctrTitle"/>
+            <p:ph type="title"/>
           </p:nvPr>
         </p:nvSpPr>
         <p:spPr/>
@@ -8533,42 +12104,514 @@
           <a:lstStyle/>
           <a:p>
             <a:r>
-              <a:rPr lang="de-DE"/>
-              <a:t>Working Demo</a:t>
-            </a:r>
-            <a:endParaRPr lang="de-DE" dirty="0"/>
-          </a:p>
-        </p:txBody>
-      </p:sp>
-      <p:sp>
-        <p:nvSpPr>
-          <p:cNvPr id="5" name="Untertitel 4">
-            <a:extLst>
-              <a:ext uri="{FF2B5EF4-FFF2-40B4-BE49-F238E27FC236}">
-                <a16:creationId xmlns:a16="http://schemas.microsoft.com/office/drawing/2014/main" id="{B11A7254-9FA9-40F3-BD35-E1C8D97446A8}"/>
-              </a:ext>
-            </a:extLst>
-          </p:cNvPr>
-          <p:cNvSpPr>
-            <a:spLocks noGrp="1"/>
-          </p:cNvSpPr>
-          <p:nvPr>
-            <p:ph type="subTitle" idx="1"/>
-          </p:nvPr>
-        </p:nvSpPr>
-        <p:spPr/>
-        <p:txBody>
-          <a:bodyPr/>
-          <a:lstStyle/>
-          <a:p>
-            <a:endParaRPr lang="de-DE"/>
-          </a:p>
-        </p:txBody>
-      </p:sp>
+              <a:rPr lang="de-DE" dirty="0"/>
+              <a:t>Solution 2</a:t>
+            </a:r>
+          </a:p>
+        </p:txBody>
+      </p:sp>
+      <p:sp>
+        <p:nvSpPr>
+          <p:cNvPr id="39" name="Textfeld 38">
+            <a:extLst>
+              <a:ext uri="{FF2B5EF4-FFF2-40B4-BE49-F238E27FC236}">
+                <a16:creationId xmlns:a16="http://schemas.microsoft.com/office/drawing/2014/main" id="{695DB685-95D5-A78F-2B63-74114659637B}"/>
+              </a:ext>
+            </a:extLst>
+          </p:cNvPr>
+          <p:cNvSpPr txBox="1"/>
+          <p:nvPr/>
+        </p:nvSpPr>
+        <p:spPr>
+          <a:xfrm>
+            <a:off x="2056737" y="1663601"/>
+            <a:ext cx="2719346" cy="646331"/>
+          </a:xfrm>
+          <a:prstGeom prst="rect">
+            <a:avLst/>
+          </a:prstGeom>
+          <a:solidFill>
+            <a:srgbClr val="CCCCFF"/>
+          </a:solidFill>
+        </p:spPr>
+        <p:txBody>
+          <a:bodyPr wrap="square" rtlCol="0">
+            <a:spAutoFit/>
+          </a:bodyPr>
+          <a:lstStyle/>
+          <a:p>
+            <a:r>
+              <a:rPr lang="de-DE" dirty="0">
+                <a:solidFill>
+                  <a:srgbClr val="5C4EE5"/>
+                </a:solidFill>
+                <a:latin typeface="+mj-lt"/>
+              </a:rPr>
+              <a:t>1) </a:t>
+            </a:r>
+            <a:r>
+              <a:rPr lang="de-DE" dirty="0" err="1">
+                <a:solidFill>
+                  <a:srgbClr val="5C4EE5"/>
+                </a:solidFill>
+                <a:latin typeface="+mj-lt"/>
+              </a:rPr>
+              <a:t>Install</a:t>
+            </a:r>
+            <a:r>
+              <a:rPr lang="de-DE" dirty="0">
+                <a:solidFill>
+                  <a:srgbClr val="5C4EE5"/>
+                </a:solidFill>
+                <a:latin typeface="+mj-lt"/>
+              </a:rPr>
+              <a:t> </a:t>
+            </a:r>
+            <a:r>
+              <a:rPr lang="de-DE" dirty="0" err="1">
+                <a:solidFill>
+                  <a:srgbClr val="5C4EE5"/>
+                </a:solidFill>
+                <a:latin typeface="+mj-lt"/>
+              </a:rPr>
+              <a:t>docker</a:t>
+            </a:r>
+            <a:r>
+              <a:rPr lang="de-DE" dirty="0">
+                <a:solidFill>
+                  <a:srgbClr val="5C4EE5"/>
+                </a:solidFill>
+                <a:latin typeface="+mj-lt"/>
+              </a:rPr>
+              <a:t> &amp; </a:t>
+            </a:r>
+            <a:r>
+              <a:rPr lang="de-DE" dirty="0" err="1">
+                <a:solidFill>
+                  <a:srgbClr val="5C4EE5"/>
+                </a:solidFill>
+                <a:latin typeface="+mj-lt"/>
+              </a:rPr>
+              <a:t>docker-compose</a:t>
+            </a:r>
+            <a:r>
+              <a:rPr lang="de-DE" dirty="0">
+                <a:solidFill>
+                  <a:srgbClr val="5C4EE5"/>
+                </a:solidFill>
+                <a:latin typeface="+mj-lt"/>
+              </a:rPr>
+              <a:t> in </a:t>
+            </a:r>
+            <a:r>
+              <a:rPr lang="de-DE" dirty="0" err="1">
+                <a:solidFill>
+                  <a:srgbClr val="5C4EE5"/>
+                </a:solidFill>
+                <a:latin typeface="+mj-lt"/>
+              </a:rPr>
+              <a:t>user_data</a:t>
+            </a:r>
+            <a:endParaRPr lang="de-DE" dirty="0">
+              <a:solidFill>
+                <a:srgbClr val="5C4EE5"/>
+              </a:solidFill>
+              <a:latin typeface="+mj-lt"/>
+            </a:endParaRPr>
+          </a:p>
+        </p:txBody>
+      </p:sp>
+      <p:sp>
+        <p:nvSpPr>
+          <p:cNvPr id="42" name="Textfeld 41">
+            <a:extLst>
+              <a:ext uri="{FF2B5EF4-FFF2-40B4-BE49-F238E27FC236}">
+                <a16:creationId xmlns:a16="http://schemas.microsoft.com/office/drawing/2014/main" id="{E5644BF3-453B-A266-43DB-4E6B8B5F70DA}"/>
+              </a:ext>
+            </a:extLst>
+          </p:cNvPr>
+          <p:cNvSpPr txBox="1"/>
+          <p:nvPr/>
+        </p:nvSpPr>
+        <p:spPr>
+          <a:xfrm>
+            <a:off x="10372992" y="4828059"/>
+            <a:ext cx="1758565" cy="369332"/>
+          </a:xfrm>
+          <a:prstGeom prst="rect">
+            <a:avLst/>
+          </a:prstGeom>
+          <a:solidFill>
+            <a:schemeClr val="accent5">
+              <a:lumMod val="20000"/>
+              <a:lumOff val="80000"/>
+            </a:schemeClr>
+          </a:solidFill>
+        </p:spPr>
+        <p:txBody>
+          <a:bodyPr wrap="square" rtlCol="0">
+            <a:spAutoFit/>
+          </a:bodyPr>
+          <a:lstStyle/>
+          <a:p>
+            <a:r>
+              <a:rPr lang="de-DE" dirty="0">
+                <a:solidFill>
+                  <a:srgbClr val="0070C0"/>
+                </a:solidFill>
+                <a:latin typeface="+mj-lt"/>
+              </a:rPr>
+              <a:t>2) SSH </a:t>
+            </a:r>
+            <a:r>
+              <a:rPr lang="de-DE" dirty="0" err="1">
+                <a:solidFill>
+                  <a:srgbClr val="0070C0"/>
+                </a:solidFill>
+                <a:latin typeface="+mj-lt"/>
+              </a:rPr>
+              <a:t>into</a:t>
+            </a:r>
+            <a:r>
+              <a:rPr lang="de-DE" dirty="0">
+                <a:solidFill>
+                  <a:srgbClr val="0070C0"/>
+                </a:solidFill>
+                <a:latin typeface="+mj-lt"/>
+              </a:rPr>
+              <a:t> EC2</a:t>
+            </a:r>
+          </a:p>
+        </p:txBody>
+      </p:sp>
+      <p:sp>
+        <p:nvSpPr>
+          <p:cNvPr id="44" name="Textfeld 43">
+            <a:extLst>
+              <a:ext uri="{FF2B5EF4-FFF2-40B4-BE49-F238E27FC236}">
+                <a16:creationId xmlns:a16="http://schemas.microsoft.com/office/drawing/2014/main" id="{C7FB633A-15C0-45C9-D522-A0A4AE83189B}"/>
+              </a:ext>
+            </a:extLst>
+          </p:cNvPr>
+          <p:cNvSpPr txBox="1"/>
+          <p:nvPr/>
+        </p:nvSpPr>
+        <p:spPr>
+          <a:xfrm>
+            <a:off x="9253025" y="1273196"/>
+            <a:ext cx="2613142" cy="1200329"/>
+          </a:xfrm>
+          <a:prstGeom prst="rect">
+            <a:avLst/>
+          </a:prstGeom>
+          <a:solidFill>
+            <a:schemeClr val="accent2">
+              <a:lumMod val="20000"/>
+              <a:lumOff val="80000"/>
+            </a:schemeClr>
+          </a:solidFill>
+        </p:spPr>
+        <p:txBody>
+          <a:bodyPr wrap="square" rtlCol="0">
+            <a:spAutoFit/>
+          </a:bodyPr>
+          <a:lstStyle/>
+          <a:p>
+            <a:r>
+              <a:rPr lang="de-DE" dirty="0">
+                <a:solidFill>
+                  <a:schemeClr val="accent2"/>
+                </a:solidFill>
+                <a:latin typeface="+mj-lt"/>
+              </a:rPr>
+              <a:t>3) Upload </a:t>
+            </a:r>
+            <a:r>
+              <a:rPr lang="de-DE" dirty="0" err="1">
+                <a:solidFill>
+                  <a:schemeClr val="accent2"/>
+                </a:solidFill>
+                <a:latin typeface="+mj-lt"/>
+              </a:rPr>
+              <a:t>composefile</a:t>
+            </a:r>
+            <a:r>
+              <a:rPr lang="de-DE" dirty="0">
+                <a:solidFill>
+                  <a:schemeClr val="accent2"/>
+                </a:solidFill>
+                <a:latin typeface="+mj-lt"/>
+              </a:rPr>
+              <a:t> and </a:t>
+            </a:r>
+            <a:r>
+              <a:rPr lang="de-DE" dirty="0" err="1">
+                <a:solidFill>
+                  <a:schemeClr val="accent2"/>
+                </a:solidFill>
+                <a:latin typeface="+mj-lt"/>
+              </a:rPr>
+              <a:t>database</a:t>
+            </a:r>
+            <a:r>
+              <a:rPr lang="de-DE" dirty="0">
+                <a:solidFill>
+                  <a:schemeClr val="accent2"/>
+                </a:solidFill>
+                <a:latin typeface="+mj-lt"/>
+              </a:rPr>
+              <a:t> </a:t>
+            </a:r>
+            <a:r>
+              <a:rPr lang="de-DE" dirty="0" err="1">
+                <a:solidFill>
+                  <a:schemeClr val="accent2"/>
+                </a:solidFill>
+                <a:latin typeface="+mj-lt"/>
+              </a:rPr>
+              <a:t>files</a:t>
+            </a:r>
+            <a:r>
+              <a:rPr lang="de-DE" dirty="0">
+                <a:solidFill>
+                  <a:schemeClr val="accent2"/>
+                </a:solidFill>
+                <a:latin typeface="+mj-lt"/>
+              </a:rPr>
+              <a:t> </a:t>
+            </a:r>
+            <a:r>
+              <a:rPr lang="de-DE" dirty="0" err="1">
+                <a:solidFill>
+                  <a:schemeClr val="accent2"/>
+                </a:solidFill>
+                <a:latin typeface="+mj-lt"/>
+              </a:rPr>
+              <a:t>with</a:t>
+            </a:r>
+            <a:r>
+              <a:rPr lang="de-DE" dirty="0">
+                <a:solidFill>
+                  <a:schemeClr val="accent2"/>
+                </a:solidFill>
+                <a:latin typeface="+mj-lt"/>
+              </a:rPr>
+              <a:t> </a:t>
+            </a:r>
+            <a:r>
+              <a:rPr lang="de-DE" dirty="0" err="1">
+                <a:solidFill>
+                  <a:schemeClr val="accent2"/>
+                </a:solidFill>
+                <a:latin typeface="+mj-lt"/>
+              </a:rPr>
+              <a:t>scp</a:t>
+            </a:r>
+            <a:r>
+              <a:rPr lang="de-DE" dirty="0">
+                <a:solidFill>
+                  <a:schemeClr val="accent2"/>
+                </a:solidFill>
+                <a:latin typeface="+mj-lt"/>
+              </a:rPr>
+              <a:t>, and do </a:t>
+            </a:r>
+            <a:r>
+              <a:rPr lang="de-DE" dirty="0" err="1">
+                <a:solidFill>
+                  <a:schemeClr val="accent2"/>
+                </a:solidFill>
+                <a:latin typeface="+mj-lt"/>
+              </a:rPr>
+              <a:t>docker-compose</a:t>
+            </a:r>
+            <a:r>
+              <a:rPr lang="de-DE" dirty="0">
+                <a:solidFill>
+                  <a:schemeClr val="accent2"/>
+                </a:solidFill>
+                <a:latin typeface="+mj-lt"/>
+              </a:rPr>
+              <a:t> </a:t>
+            </a:r>
+            <a:r>
+              <a:rPr lang="de-DE" dirty="0" err="1">
+                <a:solidFill>
+                  <a:schemeClr val="accent2"/>
+                </a:solidFill>
+                <a:latin typeface="+mj-lt"/>
+              </a:rPr>
+              <a:t>up</a:t>
+            </a:r>
+            <a:r>
+              <a:rPr lang="de-DE" dirty="0">
+                <a:solidFill>
+                  <a:schemeClr val="accent2"/>
+                </a:solidFill>
+                <a:latin typeface="+mj-lt"/>
+              </a:rPr>
+              <a:t> </a:t>
+            </a:r>
+            <a:r>
+              <a:rPr lang="de-DE" dirty="0" err="1">
+                <a:solidFill>
+                  <a:schemeClr val="accent2"/>
+                </a:solidFill>
+                <a:latin typeface="+mj-lt"/>
+              </a:rPr>
+              <a:t>with</a:t>
+            </a:r>
+            <a:r>
+              <a:rPr lang="de-DE" dirty="0">
+                <a:solidFill>
+                  <a:schemeClr val="accent2"/>
+                </a:solidFill>
+                <a:latin typeface="+mj-lt"/>
+              </a:rPr>
+              <a:t> </a:t>
+            </a:r>
+            <a:r>
+              <a:rPr lang="de-DE" dirty="0" err="1">
+                <a:solidFill>
+                  <a:schemeClr val="accent2"/>
+                </a:solidFill>
+                <a:latin typeface="+mj-lt"/>
+              </a:rPr>
+              <a:t>dockerhub</a:t>
+            </a:r>
+            <a:r>
+              <a:rPr lang="de-DE" dirty="0">
+                <a:solidFill>
+                  <a:schemeClr val="accent2"/>
+                </a:solidFill>
+                <a:latin typeface="+mj-lt"/>
+              </a:rPr>
+              <a:t>-images</a:t>
+            </a:r>
+          </a:p>
+        </p:txBody>
+      </p:sp>
+      <p:pic>
+        <p:nvPicPr>
+          <p:cNvPr id="45" name="Grafik 44" descr="Pfeil: Kurve im Uhrzeigersinn">
+            <a:extLst>
+              <a:ext uri="{FF2B5EF4-FFF2-40B4-BE49-F238E27FC236}">
+                <a16:creationId xmlns:a16="http://schemas.microsoft.com/office/drawing/2014/main" id="{1819F6B2-AFDA-C582-2467-C2EDC7439D78}"/>
+              </a:ext>
+            </a:extLst>
+          </p:cNvPr>
+          <p:cNvPicPr>
+            <a:picLocks noChangeAspect="1"/>
+          </p:cNvPicPr>
+          <p:nvPr/>
+        </p:nvPicPr>
+        <p:blipFill>
+          <a:blip r:embed="rId4">
+            <a:extLst>
+              <a:ext uri="{28A0092B-C50C-407E-A947-70E740481C1C}">
+                <a14:useLocalDpi xmlns:a14="http://schemas.microsoft.com/office/drawing/2010/main" val="0"/>
+              </a:ext>
+              <a:ext uri="{96DAC541-7B7A-43D3-8B79-37D633B846F1}">
+                <asvg:svgBlip xmlns:asvg="http://schemas.microsoft.com/office/drawing/2016/SVG/main" r:embed="rId5"/>
+              </a:ext>
+            </a:extLst>
+          </a:blip>
+          <a:stretch>
+            <a:fillRect/>
+          </a:stretch>
+        </p:blipFill>
+        <p:spPr>
+          <a:xfrm rot="488605" flipV="1">
+            <a:off x="8475480" y="2046821"/>
+            <a:ext cx="914400" cy="933703"/>
+          </a:xfrm>
+          <a:prstGeom prst="rect">
+            <a:avLst/>
+          </a:prstGeom>
+        </p:spPr>
+      </p:pic>
+      <p:pic>
+        <p:nvPicPr>
+          <p:cNvPr id="41" name="Grafik 40" descr="Pfeil: Kurve im Uhrzeigersinn">
+            <a:extLst>
+              <a:ext uri="{FF2B5EF4-FFF2-40B4-BE49-F238E27FC236}">
+                <a16:creationId xmlns:a16="http://schemas.microsoft.com/office/drawing/2014/main" id="{9096820B-E352-BBBB-0D9B-9D03650E261C}"/>
+              </a:ext>
+            </a:extLst>
+          </p:cNvPr>
+          <p:cNvPicPr>
+            <a:picLocks noChangeAspect="1"/>
+          </p:cNvPicPr>
+          <p:nvPr/>
+        </p:nvPicPr>
+        <p:blipFill>
+          <a:blip r:embed="rId6">
+            <a:extLst>
+              <a:ext uri="{28A0092B-C50C-407E-A947-70E740481C1C}">
+                <a14:useLocalDpi xmlns:a14="http://schemas.microsoft.com/office/drawing/2010/main" val="0"/>
+              </a:ext>
+              <a:ext uri="{96DAC541-7B7A-43D3-8B79-37D633B846F1}">
+                <asvg:svgBlip xmlns:asvg="http://schemas.microsoft.com/office/drawing/2016/SVG/main" r:embed="rId7"/>
+              </a:ext>
+            </a:extLst>
+          </a:blip>
+          <a:stretch>
+            <a:fillRect/>
+          </a:stretch>
+        </p:blipFill>
+        <p:spPr>
+          <a:xfrm rot="10800000">
+            <a:off x="3416410" y="2305314"/>
+            <a:ext cx="914400" cy="914400"/>
+          </a:xfrm>
+          <a:prstGeom prst="rect">
+            <a:avLst/>
+          </a:prstGeom>
+        </p:spPr>
+      </p:pic>
+      <p:pic>
+        <p:nvPicPr>
+          <p:cNvPr id="12" name="Grafik 11" descr="Pfeil: Kurve im Uhrzeigersinn">
+            <a:extLst>
+              <a:ext uri="{FF2B5EF4-FFF2-40B4-BE49-F238E27FC236}">
+                <a16:creationId xmlns:a16="http://schemas.microsoft.com/office/drawing/2014/main" id="{3885A69E-1144-105D-A882-2A31C7FAD384}"/>
+              </a:ext>
+            </a:extLst>
+          </p:cNvPr>
+          <p:cNvPicPr>
+            <a:picLocks noChangeAspect="1"/>
+          </p:cNvPicPr>
+          <p:nvPr/>
+        </p:nvPicPr>
+        <p:blipFill>
+          <a:blip r:embed="rId8">
+            <a:extLst>
+              <a:ext uri="{28A0092B-C50C-407E-A947-70E740481C1C}">
+                <a14:useLocalDpi xmlns:a14="http://schemas.microsoft.com/office/drawing/2010/main" val="0"/>
+              </a:ext>
+              <a:ext uri="{96DAC541-7B7A-43D3-8B79-37D633B846F1}">
+                <asvg:svgBlip xmlns:asvg="http://schemas.microsoft.com/office/drawing/2016/SVG/main" r:embed="rId9"/>
+              </a:ext>
+            </a:extLst>
+          </a:blip>
+          <a:stretch>
+            <a:fillRect/>
+          </a:stretch>
+        </p:blipFill>
+        <p:spPr>
+          <a:xfrm rot="16008384">
+            <a:off x="9533181" y="4776277"/>
+            <a:ext cx="914400" cy="914400"/>
+          </a:xfrm>
+          <a:prstGeom prst="rect">
+            <a:avLst/>
+          </a:prstGeom>
+        </p:spPr>
+      </p:pic>
     </p:spTree>
     <p:extLst>
       <p:ext uri="{BB962C8B-B14F-4D97-AF65-F5344CB8AC3E}">
-        <p14:creationId xmlns:p14="http://schemas.microsoft.com/office/powerpoint/2010/main" val="3888514522"/>
+        <p14:creationId xmlns:p14="http://schemas.microsoft.com/office/powerpoint/2010/main" val="2176050440"/>
       </p:ext>
     </p:extLst>
   </p:cSld>
@@ -8578,7 +12621,124 @@
 </p:sld>
 </file>
 
-<file path=ppt/slides/slide17.xml><?xml version="1.0" encoding="utf-8"?>
+<file path=ppt/slides/slide2.xml><?xml version="1.0" encoding="utf-8"?>
+<p:sld xmlns:a="http://schemas.openxmlformats.org/drawingml/2006/main" xmlns:r="http://schemas.openxmlformats.org/officeDocument/2006/relationships" xmlns:p="http://schemas.openxmlformats.org/presentationml/2006/main">
+  <p:cSld>
+    <p:spTree>
+      <p:nvGrpSpPr>
+        <p:cNvPr id="1" name=""/>
+        <p:cNvGrpSpPr/>
+        <p:nvPr/>
+      </p:nvGrpSpPr>
+      <p:grpSpPr>
+        <a:xfrm>
+          <a:off x="0" y="0"/>
+          <a:ext cx="0" cy="0"/>
+          <a:chOff x="0" y="0"/>
+          <a:chExt cx="0" cy="0"/>
+        </a:xfrm>
+      </p:grpSpPr>
+      <p:sp>
+        <p:nvSpPr>
+          <p:cNvPr id="2" name="Titel 1">
+            <a:extLst>
+              <a:ext uri="{FF2B5EF4-FFF2-40B4-BE49-F238E27FC236}">
+                <a16:creationId xmlns:a16="http://schemas.microsoft.com/office/drawing/2014/main" id="{B65D7EC3-CD42-4551-8940-B2E7B1FA136C}"/>
+              </a:ext>
+            </a:extLst>
+          </p:cNvPr>
+          <p:cNvSpPr>
+            <a:spLocks noGrp="1"/>
+          </p:cNvSpPr>
+          <p:nvPr>
+            <p:ph type="title"/>
+          </p:nvPr>
+        </p:nvSpPr>
+        <p:spPr/>
+        <p:txBody>
+          <a:bodyPr/>
+          <a:lstStyle/>
+          <a:p>
+            <a:r>
+              <a:rPr lang="de-DE"/>
+              <a:t>Contents</a:t>
+            </a:r>
+            <a:endParaRPr lang="de-DE" dirty="0"/>
+          </a:p>
+        </p:txBody>
+      </p:sp>
+      <p:sp>
+        <p:nvSpPr>
+          <p:cNvPr id="3" name="Inhaltsplatzhalter 2">
+            <a:extLst>
+              <a:ext uri="{FF2B5EF4-FFF2-40B4-BE49-F238E27FC236}">
+                <a16:creationId xmlns:a16="http://schemas.microsoft.com/office/drawing/2014/main" id="{FEC9941A-6BA6-4874-8167-DE2F3CDEA0A8}"/>
+              </a:ext>
+            </a:extLst>
+          </p:cNvPr>
+          <p:cNvSpPr>
+            <a:spLocks noGrp="1"/>
+          </p:cNvSpPr>
+          <p:nvPr>
+            <p:ph idx="1"/>
+          </p:nvPr>
+        </p:nvSpPr>
+        <p:spPr/>
+        <p:txBody>
+          <a:bodyPr/>
+          <a:lstStyle/>
+          <a:p>
+            <a:r>
+              <a:rPr lang="de-DE"/>
+              <a:t>Starting point</a:t>
+            </a:r>
+          </a:p>
+          <a:p>
+            <a:r>
+              <a:rPr lang="de-DE"/>
+              <a:t>GitHub Actions</a:t>
+            </a:r>
+          </a:p>
+          <a:p>
+            <a:r>
+              <a:rPr lang="de-DE"/>
+              <a:t>Terraform &amp; AWS</a:t>
+            </a:r>
+          </a:p>
+          <a:p>
+            <a:r>
+              <a:rPr lang="de-DE"/>
+              <a:t>Solution 1</a:t>
+            </a:r>
+          </a:p>
+          <a:p>
+            <a:r>
+              <a:rPr lang="de-DE"/>
+              <a:t>Solution 2</a:t>
+            </a:r>
+          </a:p>
+          <a:p>
+            <a:r>
+              <a:rPr lang="de-DE"/>
+              <a:t>Working Demo</a:t>
+            </a:r>
+          </a:p>
+        </p:txBody>
+      </p:sp>
+    </p:spTree>
+    <p:extLst>
+      <p:ext uri="{BB962C8B-B14F-4D97-AF65-F5344CB8AC3E}">
+        <p14:creationId xmlns:p14="http://schemas.microsoft.com/office/powerpoint/2010/main" val="2421726158"/>
+      </p:ext>
+    </p:extLst>
+  </p:cSld>
+  <p:clrMapOvr>
+    <a:masterClrMapping/>
+  </p:clrMapOvr>
+</p:sld>
+</file>
+
+<file path=ppt/slides/slide20.xml><?xml version="1.0" encoding="utf-8"?>
 <p:sld xmlns:a="http://schemas.openxmlformats.org/drawingml/2006/main" xmlns:r="http://schemas.openxmlformats.org/officeDocument/2006/relationships" xmlns:p="http://schemas.openxmlformats.org/presentationml/2006/main">
   <p:cSld>
     <p:bg>
@@ -8651,7 +12811,7 @@
 </p:sld>
 </file>
 
-<file path=ppt/slides/slide18.xml><?xml version="1.0" encoding="utf-8"?>
+<file path=ppt/slides/slide21.xml><?xml version="1.0" encoding="utf-8"?>
 <p:sld xmlns:a="http://schemas.openxmlformats.org/drawingml/2006/main" xmlns:r="http://schemas.openxmlformats.org/officeDocument/2006/relationships" xmlns:p="http://schemas.openxmlformats.org/presentationml/2006/main">
   <p:cSld>
     <p:spTree>
@@ -8878,7 +13038,405 @@
 </p:sld>
 </file>
 
-<file path=ppt/slides/slide2.xml><?xml version="1.0" encoding="utf-8"?>
+<file path=ppt/slides/slide22.xml><?xml version="1.0" encoding="utf-8"?>
+<p:sld xmlns:a="http://schemas.openxmlformats.org/drawingml/2006/main" xmlns:r="http://schemas.openxmlformats.org/officeDocument/2006/relationships" xmlns:p="http://schemas.openxmlformats.org/presentationml/2006/main" show="0">
+  <p:cSld>
+    <p:spTree>
+      <p:nvGrpSpPr>
+        <p:cNvPr id="1" name=""/>
+        <p:cNvGrpSpPr/>
+        <p:nvPr/>
+      </p:nvGrpSpPr>
+      <p:grpSpPr>
+        <a:xfrm>
+          <a:off x="0" y="0"/>
+          <a:ext cx="0" cy="0"/>
+          <a:chOff x="0" y="0"/>
+          <a:chExt cx="0" cy="0"/>
+        </a:xfrm>
+      </p:grpSpPr>
+      <p:sp>
+        <p:nvSpPr>
+          <p:cNvPr id="2" name="Titel 1">
+            <a:extLst>
+              <a:ext uri="{FF2B5EF4-FFF2-40B4-BE49-F238E27FC236}">
+                <a16:creationId xmlns:a16="http://schemas.microsoft.com/office/drawing/2014/main" id="{B65D7EC3-CD42-4551-8940-B2E7B1FA136C}"/>
+              </a:ext>
+            </a:extLst>
+          </p:cNvPr>
+          <p:cNvSpPr>
+            <a:spLocks noGrp="1"/>
+          </p:cNvSpPr>
+          <p:nvPr>
+            <p:ph type="title"/>
+          </p:nvPr>
+        </p:nvSpPr>
+        <p:spPr/>
+        <p:txBody>
+          <a:bodyPr/>
+          <a:lstStyle/>
+          <a:p>
+            <a:r>
+              <a:rPr lang="de-DE"/>
+              <a:t>Solution 1</a:t>
+            </a:r>
+            <a:endParaRPr lang="de-DE" dirty="0"/>
+          </a:p>
+        </p:txBody>
+      </p:sp>
+      <p:sp>
+        <p:nvSpPr>
+          <p:cNvPr id="4" name="Content Placeholder 3">
+            <a:extLst>
+              <a:ext uri="{FF2B5EF4-FFF2-40B4-BE49-F238E27FC236}">
+                <a16:creationId xmlns:a16="http://schemas.microsoft.com/office/drawing/2014/main" id="{2BF5D699-940E-4DE9-8183-FAB1BE315652}"/>
+              </a:ext>
+            </a:extLst>
+          </p:cNvPr>
+          <p:cNvSpPr>
+            <a:spLocks noGrp="1"/>
+          </p:cNvSpPr>
+          <p:nvPr>
+            <p:ph idx="1"/>
+          </p:nvPr>
+        </p:nvSpPr>
+        <p:spPr/>
+        <p:txBody>
+          <a:bodyPr/>
+          <a:lstStyle/>
+          <a:p>
+            <a:pPr marL="0" indent="0">
+              <a:buNone/>
+            </a:pPr>
+            <a:r>
+              <a:rPr lang="de-DE" dirty="0" err="1"/>
+              <a:t>Deployment</a:t>
+            </a:r>
+            <a:r>
+              <a:rPr lang="de-DE" dirty="0"/>
+              <a:t> via .</a:t>
+            </a:r>
+            <a:r>
+              <a:rPr lang="de-DE" dirty="0" err="1"/>
+              <a:t>zip</a:t>
+            </a:r>
+            <a:r>
+              <a:rPr lang="de-DE" dirty="0"/>
+              <a:t> link:</a:t>
+            </a:r>
+          </a:p>
+          <a:p>
+            <a:pPr marL="0" indent="0">
+              <a:buNone/>
+            </a:pPr>
+            <a:endParaRPr lang="de-DE" dirty="0"/>
+          </a:p>
+          <a:p>
+            <a:pPr marL="457200" lvl="1" indent="0">
+              <a:buNone/>
+            </a:pPr>
+            <a:r>
+              <a:rPr lang="de-DE" dirty="0"/>
+              <a:t>1) Installation of Docker and Docker </a:t>
+            </a:r>
+            <a:r>
+              <a:rPr lang="de-DE" dirty="0" err="1"/>
+              <a:t>Compose</a:t>
+            </a:r>
+            <a:r>
+              <a:rPr lang="de-DE" dirty="0"/>
+              <a:t> SSH </a:t>
+            </a:r>
+            <a:r>
+              <a:rPr lang="de-DE" dirty="0" err="1"/>
+              <a:t>to</a:t>
+            </a:r>
+            <a:r>
+              <a:rPr lang="de-DE" dirty="0"/>
+              <a:t> </a:t>
+            </a:r>
+            <a:r>
+              <a:rPr lang="de-DE" dirty="0" err="1"/>
+              <a:t>access</a:t>
+            </a:r>
+            <a:r>
+              <a:rPr lang="de-DE" dirty="0"/>
+              <a:t> EC2 </a:t>
+            </a:r>
+            <a:r>
+              <a:rPr lang="de-DE" dirty="0" err="1"/>
+              <a:t>instance</a:t>
+            </a:r>
+            <a:endParaRPr lang="de-DE" dirty="0"/>
+          </a:p>
+          <a:p>
+            <a:pPr lvl="1"/>
+            <a:r>
+              <a:rPr lang="de-DE" dirty="0"/>
+              <a:t>Installation of Docker and Docker </a:t>
+            </a:r>
+            <a:r>
+              <a:rPr lang="de-DE" dirty="0" err="1"/>
+              <a:t>Compose</a:t>
+            </a:r>
+            <a:r>
+              <a:rPr lang="de-DE" dirty="0"/>
+              <a:t> on EC2</a:t>
+            </a:r>
+          </a:p>
+          <a:p>
+            <a:pPr lvl="1"/>
+            <a:r>
+              <a:rPr lang="de-DE" dirty="0"/>
+              <a:t>Upload of </a:t>
+            </a:r>
+            <a:r>
+              <a:rPr lang="de-DE" dirty="0" err="1"/>
+              <a:t>application</a:t>
+            </a:r>
+            <a:r>
+              <a:rPr lang="de-DE" dirty="0"/>
+              <a:t> via .</a:t>
+            </a:r>
+            <a:r>
+              <a:rPr lang="de-DE" dirty="0" err="1"/>
+              <a:t>zip</a:t>
+            </a:r>
+            <a:r>
+              <a:rPr lang="de-DE" dirty="0"/>
+              <a:t> link </a:t>
+            </a:r>
+            <a:r>
+              <a:rPr lang="de-DE" dirty="0" err="1"/>
+              <a:t>from</a:t>
+            </a:r>
+            <a:r>
+              <a:rPr lang="de-DE" dirty="0"/>
+              <a:t> GitHub Repo </a:t>
+            </a:r>
+            <a:r>
+              <a:rPr lang="de-DE" dirty="0" err="1"/>
+              <a:t>to</a:t>
+            </a:r>
+            <a:r>
+              <a:rPr lang="de-DE" dirty="0"/>
+              <a:t> EC2</a:t>
+            </a:r>
+          </a:p>
+          <a:p>
+            <a:pPr lvl="1"/>
+            <a:r>
+              <a:rPr lang="de-DE" dirty="0"/>
+              <a:t>Docker-</a:t>
+            </a:r>
+            <a:r>
+              <a:rPr lang="de-DE" dirty="0" err="1"/>
+              <a:t>compose</a:t>
+            </a:r>
+            <a:r>
+              <a:rPr lang="de-DE" dirty="0"/>
+              <a:t> </a:t>
+            </a:r>
+            <a:r>
+              <a:rPr lang="de-DE" dirty="0" err="1"/>
+              <a:t>up</a:t>
+            </a:r>
+            <a:r>
+              <a:rPr lang="de-DE" dirty="0"/>
+              <a:t> on EC2</a:t>
+            </a:r>
+          </a:p>
+        </p:txBody>
+      </p:sp>
+    </p:spTree>
+    <p:extLst>
+      <p:ext uri="{BB962C8B-B14F-4D97-AF65-F5344CB8AC3E}">
+        <p14:creationId xmlns:p14="http://schemas.microsoft.com/office/powerpoint/2010/main" val="3653631288"/>
+      </p:ext>
+    </p:extLst>
+  </p:cSld>
+  <p:clrMapOvr>
+    <a:masterClrMapping/>
+  </p:clrMapOvr>
+</p:sld>
+</file>
+
+<file path=ppt/slides/slide23.xml><?xml version="1.0" encoding="utf-8"?>
+<p:sld xmlns:a="http://schemas.openxmlformats.org/drawingml/2006/main" xmlns:r="http://schemas.openxmlformats.org/officeDocument/2006/relationships" xmlns:p="http://schemas.openxmlformats.org/presentationml/2006/main" show="0">
+  <p:cSld>
+    <p:spTree>
+      <p:nvGrpSpPr>
+        <p:cNvPr id="1" name=""/>
+        <p:cNvGrpSpPr/>
+        <p:nvPr/>
+      </p:nvGrpSpPr>
+      <p:grpSpPr>
+        <a:xfrm>
+          <a:off x="0" y="0"/>
+          <a:ext cx="0" cy="0"/>
+          <a:chOff x="0" y="0"/>
+          <a:chExt cx="0" cy="0"/>
+        </a:xfrm>
+      </p:grpSpPr>
+      <p:sp>
+        <p:nvSpPr>
+          <p:cNvPr id="2" name="Titel 1">
+            <a:extLst>
+              <a:ext uri="{FF2B5EF4-FFF2-40B4-BE49-F238E27FC236}">
+                <a16:creationId xmlns:a16="http://schemas.microsoft.com/office/drawing/2014/main" id="{B65D7EC3-CD42-4551-8940-B2E7B1FA136C}"/>
+              </a:ext>
+            </a:extLst>
+          </p:cNvPr>
+          <p:cNvSpPr>
+            <a:spLocks noGrp="1"/>
+          </p:cNvSpPr>
+          <p:nvPr>
+            <p:ph type="title"/>
+          </p:nvPr>
+        </p:nvSpPr>
+        <p:spPr/>
+        <p:txBody>
+          <a:bodyPr/>
+          <a:lstStyle/>
+          <a:p>
+            <a:r>
+              <a:rPr lang="de-DE"/>
+              <a:t>Solution 2</a:t>
+            </a:r>
+            <a:endParaRPr lang="de-DE" dirty="0"/>
+          </a:p>
+        </p:txBody>
+      </p:sp>
+      <p:sp>
+        <p:nvSpPr>
+          <p:cNvPr id="4" name="Content Placeholder 3">
+            <a:extLst>
+              <a:ext uri="{FF2B5EF4-FFF2-40B4-BE49-F238E27FC236}">
+                <a16:creationId xmlns:a16="http://schemas.microsoft.com/office/drawing/2014/main" id="{2BF5D699-940E-4DE9-8183-FAB1BE315652}"/>
+              </a:ext>
+            </a:extLst>
+          </p:cNvPr>
+          <p:cNvSpPr>
+            <a:spLocks noGrp="1"/>
+          </p:cNvSpPr>
+          <p:nvPr>
+            <p:ph idx="1"/>
+          </p:nvPr>
+        </p:nvSpPr>
+        <p:spPr/>
+        <p:txBody>
+          <a:bodyPr/>
+          <a:lstStyle/>
+          <a:p>
+            <a:pPr marL="0" indent="0">
+              <a:buNone/>
+            </a:pPr>
+            <a:r>
+              <a:rPr lang="de-DE"/>
+              <a:t>Deployment via DockerHub:</a:t>
+            </a:r>
+          </a:p>
+          <a:p>
+            <a:pPr marL="0" indent="0">
+              <a:buNone/>
+            </a:pPr>
+            <a:endParaRPr lang="de-DE"/>
+          </a:p>
+          <a:p>
+            <a:pPr lvl="1"/>
+            <a:r>
+              <a:rPr lang="de-DE"/>
+              <a:t>1. workflow</a:t>
+            </a:r>
+          </a:p>
+          <a:p>
+            <a:pPr lvl="2"/>
+            <a:r>
+              <a:rPr lang="de-DE"/>
+              <a:t>Push images to DockerHub</a:t>
+            </a:r>
+          </a:p>
+          <a:p>
+            <a:pPr lvl="1"/>
+            <a:r>
+              <a:rPr lang="de-DE"/>
+              <a:t>2. workflow:</a:t>
+            </a:r>
+          </a:p>
+          <a:p>
+            <a:pPr lvl="2"/>
+            <a:r>
+              <a:rPr lang="de-DE"/>
+              <a:t>SSH to access EC2 instance</a:t>
+            </a:r>
+          </a:p>
+          <a:p>
+            <a:pPr lvl="2"/>
+            <a:r>
+              <a:rPr lang="de-DE"/>
+              <a:t>Installation of Docker and Docker Compose on EC2</a:t>
+            </a:r>
+          </a:p>
+          <a:p>
+            <a:pPr lvl="2"/>
+            <a:r>
+              <a:rPr lang="de-DE"/>
+              <a:t>Loading of images from DockerHub to EC2</a:t>
+            </a:r>
+          </a:p>
+          <a:p>
+            <a:pPr lvl="2"/>
+            <a:r>
+              <a:rPr lang="de-DE"/>
+              <a:t>Docker-compose up on EC2 with docker-compose.dockerhub.yml</a:t>
+            </a:r>
+          </a:p>
+        </p:txBody>
+      </p:sp>
+      <p:pic>
+        <p:nvPicPr>
+          <p:cNvPr id="5" name="Picture 4">
+            <a:extLst>
+              <a:ext uri="{FF2B5EF4-FFF2-40B4-BE49-F238E27FC236}">
+                <a16:creationId xmlns:a16="http://schemas.microsoft.com/office/drawing/2014/main" id="{0F114F07-129D-42EC-AD24-46C50F053298}"/>
+              </a:ext>
+            </a:extLst>
+          </p:cNvPr>
+          <p:cNvPicPr>
+            <a:picLocks noChangeAspect="1"/>
+          </p:cNvPicPr>
+          <p:nvPr/>
+        </p:nvPicPr>
+        <p:blipFill>
+          <a:blip r:embed="rId2"/>
+          <a:stretch>
+            <a:fillRect/>
+          </a:stretch>
+        </p:blipFill>
+        <p:spPr>
+          <a:xfrm>
+            <a:off x="7621708" y="2246038"/>
+            <a:ext cx="2791864" cy="780941"/>
+          </a:xfrm>
+          <a:prstGeom prst="rect">
+            <a:avLst/>
+          </a:prstGeom>
+        </p:spPr>
+      </p:pic>
+    </p:spTree>
+    <p:extLst>
+      <p:ext uri="{BB962C8B-B14F-4D97-AF65-F5344CB8AC3E}">
+        <p14:creationId xmlns:p14="http://schemas.microsoft.com/office/powerpoint/2010/main" val="3928375169"/>
+      </p:ext>
+    </p:extLst>
+  </p:cSld>
+  <p:clrMapOvr>
+    <a:masterClrMapping/>
+  </p:clrMapOvr>
+</p:sld>
+</file>
+
+<file path=ppt/slides/slide24.xml><?xml version="1.0" encoding="utf-8"?>
 <p:sld xmlns:a="http://schemas.openxmlformats.org/drawingml/2006/main" xmlns:r="http://schemas.openxmlformats.org/officeDocument/2006/relationships" xmlns:p="http://schemas.openxmlformats.org/presentationml/2006/main">
   <p:cSld>
     <p:spTree>
@@ -8900,7 +13458,7 @@
           <p:cNvPr id="2" name="Titel 1">
             <a:extLst>
               <a:ext uri="{FF2B5EF4-FFF2-40B4-BE49-F238E27FC236}">
-                <a16:creationId xmlns:a16="http://schemas.microsoft.com/office/drawing/2014/main" id="{B65D7EC3-CD42-4551-8940-B2E7B1FA136C}"/>
+                <a16:creationId xmlns:a16="http://schemas.microsoft.com/office/drawing/2014/main" id="{423EE35B-33E3-42A0-BBDA-368E8D825D7E}"/>
               </a:ext>
             </a:extLst>
           </p:cNvPr>
@@ -8908,7 +13466,7 @@
             <a:spLocks noGrp="1"/>
           </p:cNvSpPr>
           <p:nvPr>
-            <p:ph type="title"/>
+            <p:ph type="ctrTitle"/>
           </p:nvPr>
         </p:nvSpPr>
         <p:spPr/>
@@ -8918,7 +13476,7 @@
           <a:p>
             <a:r>
               <a:rPr lang="de-DE"/>
-              <a:t>Contents</a:t>
+              <a:t>Working Demo</a:t>
             </a:r>
             <a:endParaRPr lang="de-DE" dirty="0"/>
           </a:p>
@@ -8926,10 +13484,10 @@
       </p:sp>
       <p:sp>
         <p:nvSpPr>
-          <p:cNvPr id="3" name="Inhaltsplatzhalter 2">
-            <a:extLst>
-              <a:ext uri="{FF2B5EF4-FFF2-40B4-BE49-F238E27FC236}">
-                <a16:creationId xmlns:a16="http://schemas.microsoft.com/office/drawing/2014/main" id="{FEC9941A-6BA6-4874-8167-DE2F3CDEA0A8}"/>
+          <p:cNvPr id="5" name="Untertitel 4">
+            <a:extLst>
+              <a:ext uri="{FF2B5EF4-FFF2-40B4-BE49-F238E27FC236}">
+                <a16:creationId xmlns:a16="http://schemas.microsoft.com/office/drawing/2014/main" id="{B11A7254-9FA9-40F3-BD35-E1C8D97446A8}"/>
               </a:ext>
             </a:extLst>
           </p:cNvPr>
@@ -8937,7 +13495,7 @@
             <a:spLocks noGrp="1"/>
           </p:cNvSpPr>
           <p:nvPr>
-            <p:ph idx="1"/>
+            <p:ph type="subTitle" idx="1"/>
           </p:nvPr>
         </p:nvSpPr>
         <p:spPr/>
@@ -8946,38 +13504,24 @@
           <a:lstStyle/>
           <a:p>
             <a:r>
-              <a:rPr lang="de-DE"/>
-              <a:t>Starting point</a:t>
-            </a:r>
-          </a:p>
-          <a:p>
-            <a:r>
-              <a:rPr lang="de-DE"/>
-              <a:t>GitHub Actions</a:t>
-            </a:r>
-          </a:p>
-          <a:p>
-            <a:r>
-              <a:rPr lang="de-DE"/>
-              <a:t>Terraform &amp; AWS</a:t>
-            </a:r>
-          </a:p>
-          <a:p>
-            <a:r>
-              <a:rPr lang="de-DE"/>
-              <a:t>Solution 1</a:t>
-            </a:r>
-          </a:p>
-          <a:p>
-            <a:r>
-              <a:rPr lang="de-DE"/>
-              <a:t>Solution 2</a:t>
-            </a:r>
-          </a:p>
-          <a:p>
-            <a:r>
-              <a:rPr lang="de-DE"/>
-              <a:t>Working Demo</a:t>
+              <a:rPr lang="de-DE" dirty="0"/>
+              <a:t>See </a:t>
+            </a:r>
+            <a:r>
+              <a:rPr lang="de-DE" dirty="0" err="1"/>
+              <a:t>the</a:t>
+            </a:r>
+            <a:r>
+              <a:rPr lang="de-DE" dirty="0"/>
+              <a:t> </a:t>
+            </a:r>
+            <a:r>
+              <a:rPr lang="de-DE" dirty="0" err="1"/>
+              <a:t>magic</a:t>
+            </a:r>
+            <a:r>
+              <a:rPr lang="de-DE" dirty="0"/>
+              <a:t>…</a:t>
             </a:r>
           </a:p>
         </p:txBody>
@@ -8985,7 +13529,7 @@
     </p:spTree>
     <p:extLst>
       <p:ext uri="{BB962C8B-B14F-4D97-AF65-F5344CB8AC3E}">
-        <p14:creationId xmlns:p14="http://schemas.microsoft.com/office/powerpoint/2010/main" val="2421726158"/>
+        <p14:creationId xmlns:p14="http://schemas.microsoft.com/office/powerpoint/2010/main" val="3888514522"/>
       </p:ext>
     </p:extLst>
   </p:cSld>
@@ -9049,7 +13593,10 @@
               <a:rPr lang="de-DE" dirty="0" err="1"/>
               <a:t>Idea</a:t>
             </a:r>
-            <a:endParaRPr lang="de-DE" dirty="0"/>
+            <a:r>
+              <a:rPr lang="de-DE" dirty="0"/>
+              <a:t> and Tools</a:t>
+            </a:r>
           </a:p>
         </p:txBody>
       </p:sp>
@@ -9487,86 +14034,8 @@
         </p:blipFill>
         <p:spPr>
           <a:xfrm rot="18131053">
-            <a:off x="1984961" y="3952064"/>
-            <a:ext cx="914400" cy="914400"/>
-          </a:xfrm>
-          <a:prstGeom prst="rect">
-            <a:avLst/>
-          </a:prstGeom>
-        </p:spPr>
-      </p:pic>
-      <p:pic>
-        <p:nvPicPr>
-          <p:cNvPr id="20" name="Grafik 19" descr="Übertragen">
-            <a:extLst>
-              <a:ext uri="{FF2B5EF4-FFF2-40B4-BE49-F238E27FC236}">
-                <a16:creationId xmlns:a16="http://schemas.microsoft.com/office/drawing/2014/main" id="{8304CDDF-616A-399F-E78F-81C82F028A09}"/>
-              </a:ext>
-            </a:extLst>
-          </p:cNvPr>
-          <p:cNvPicPr>
-            <a:picLocks noChangeAspect="1"/>
-          </p:cNvPicPr>
-          <p:nvPr/>
-        </p:nvPicPr>
-        <p:blipFill>
-          <a:blip r:embed="rId4">
-            <a:extLst>
-              <a:ext uri="{28A0092B-C50C-407E-A947-70E740481C1C}">
-                <a14:useLocalDpi xmlns:a14="http://schemas.microsoft.com/office/drawing/2010/main" val="0"/>
-              </a:ext>
-              <a:ext uri="{96DAC541-7B7A-43D3-8B79-37D633B846F1}">
-                <asvg:svgBlip xmlns:asvg="http://schemas.microsoft.com/office/drawing/2016/SVG/main" r:embed="rId5"/>
-              </a:ext>
-            </a:extLst>
-          </a:blip>
-          <a:stretch>
-            <a:fillRect/>
-          </a:stretch>
-        </p:blipFill>
-        <p:spPr>
-          <a:xfrm>
-            <a:off x="3325118" y="5039736"/>
-            <a:ext cx="914400" cy="914400"/>
-          </a:xfrm>
-          <a:prstGeom prst="rect">
-            <a:avLst/>
-          </a:prstGeom>
-        </p:spPr>
-      </p:pic>
-      <p:pic>
-        <p:nvPicPr>
-          <p:cNvPr id="21" name="Grafik 20" descr="Übertragen">
-            <a:extLst>
-              <a:ext uri="{FF2B5EF4-FFF2-40B4-BE49-F238E27FC236}">
-                <a16:creationId xmlns:a16="http://schemas.microsoft.com/office/drawing/2014/main" id="{E960B71E-E069-6C21-AB32-7255E5CF4A0C}"/>
-              </a:ext>
-            </a:extLst>
-          </p:cNvPr>
-          <p:cNvPicPr>
-            <a:picLocks noChangeAspect="1"/>
-          </p:cNvPicPr>
-          <p:nvPr/>
-        </p:nvPicPr>
-        <p:blipFill>
-          <a:blip r:embed="rId4">
-            <a:extLst>
-              <a:ext uri="{28A0092B-C50C-407E-A947-70E740481C1C}">
-                <a14:useLocalDpi xmlns:a14="http://schemas.microsoft.com/office/drawing/2010/main" val="0"/>
-              </a:ext>
-              <a:ext uri="{96DAC541-7B7A-43D3-8B79-37D633B846F1}">
-                <asvg:svgBlip xmlns:asvg="http://schemas.microsoft.com/office/drawing/2016/SVG/main" r:embed="rId5"/>
-              </a:ext>
-            </a:extLst>
-          </a:blip>
-          <a:stretch>
-            <a:fillRect/>
-          </a:stretch>
-        </p:blipFill>
-        <p:spPr>
-          <a:xfrm rot="3104335">
-            <a:off x="4763392" y="3952470"/>
-            <a:ext cx="914400" cy="914400"/>
+            <a:off x="2120987" y="4107298"/>
+            <a:ext cx="631445" cy="631445"/>
           </a:xfrm>
           <a:prstGeom prst="rect">
             <a:avLst/>
@@ -10021,6 +14490,84 @@
               </a14:hiddenFill>
             </a:ext>
           </a:extLst>
+        </p:spPr>
+      </p:pic>
+      <p:pic>
+        <p:nvPicPr>
+          <p:cNvPr id="22" name="Grafik 21" descr="Übertragen">
+            <a:extLst>
+              <a:ext uri="{FF2B5EF4-FFF2-40B4-BE49-F238E27FC236}">
+                <a16:creationId xmlns:a16="http://schemas.microsoft.com/office/drawing/2014/main" id="{B1BB55D9-CF19-E839-FE84-C024FA2AA55A}"/>
+              </a:ext>
+            </a:extLst>
+          </p:cNvPr>
+          <p:cNvPicPr>
+            <a:picLocks noChangeAspect="1"/>
+          </p:cNvPicPr>
+          <p:nvPr/>
+        </p:nvPicPr>
+        <p:blipFill>
+          <a:blip r:embed="rId4">
+            <a:extLst>
+              <a:ext uri="{28A0092B-C50C-407E-A947-70E740481C1C}">
+                <a14:useLocalDpi xmlns:a14="http://schemas.microsoft.com/office/drawing/2010/main" val="0"/>
+              </a:ext>
+              <a:ext uri="{96DAC541-7B7A-43D3-8B79-37D633B846F1}">
+                <asvg:svgBlip xmlns:asvg="http://schemas.microsoft.com/office/drawing/2016/SVG/main" r:embed="rId5"/>
+              </a:ext>
+            </a:extLst>
+          </a:blip>
+          <a:stretch>
+            <a:fillRect/>
+          </a:stretch>
+        </p:blipFill>
+        <p:spPr>
+          <a:xfrm>
+            <a:off x="3466595" y="5151487"/>
+            <a:ext cx="631445" cy="631445"/>
+          </a:xfrm>
+          <a:prstGeom prst="rect">
+            <a:avLst/>
+          </a:prstGeom>
+        </p:spPr>
+      </p:pic>
+      <p:pic>
+        <p:nvPicPr>
+          <p:cNvPr id="24" name="Grafik 23" descr="Übertragen">
+            <a:extLst>
+              <a:ext uri="{FF2B5EF4-FFF2-40B4-BE49-F238E27FC236}">
+                <a16:creationId xmlns:a16="http://schemas.microsoft.com/office/drawing/2014/main" id="{6B864C0C-7927-5AD8-9C30-02298D01A2A1}"/>
+              </a:ext>
+            </a:extLst>
+          </p:cNvPr>
+          <p:cNvPicPr>
+            <a:picLocks noChangeAspect="1"/>
+          </p:cNvPicPr>
+          <p:nvPr/>
+        </p:nvPicPr>
+        <p:blipFill>
+          <a:blip r:embed="rId4">
+            <a:extLst>
+              <a:ext uri="{28A0092B-C50C-407E-A947-70E740481C1C}">
+                <a14:useLocalDpi xmlns:a14="http://schemas.microsoft.com/office/drawing/2010/main" val="0"/>
+              </a:ext>
+              <a:ext uri="{96DAC541-7B7A-43D3-8B79-37D633B846F1}">
+                <asvg:svgBlip xmlns:asvg="http://schemas.microsoft.com/office/drawing/2016/SVG/main" r:embed="rId5"/>
+              </a:ext>
+            </a:extLst>
+          </a:blip>
+          <a:stretch>
+            <a:fillRect/>
+          </a:stretch>
+        </p:blipFill>
+        <p:spPr>
+          <a:xfrm rot="2649070">
+            <a:off x="4857861" y="4142342"/>
+            <a:ext cx="631445" cy="631445"/>
+          </a:xfrm>
+          <a:prstGeom prst="rect">
+            <a:avLst/>
+          </a:prstGeom>
         </p:spPr>
       </p:pic>
     </p:spTree>
@@ -10919,7 +15466,7 @@
           <p:cNvPr id="2" name="Titel 1">
             <a:extLst>
               <a:ext uri="{FF2B5EF4-FFF2-40B4-BE49-F238E27FC236}">
-                <a16:creationId xmlns:a16="http://schemas.microsoft.com/office/drawing/2014/main" id="{423EE35B-33E3-42A0-BBDA-368E8D825D7E}"/>
+                <a16:creationId xmlns:a16="http://schemas.microsoft.com/office/drawing/2014/main" id="{FE7310EA-0D36-8797-94D6-7E3C9FD760A2}"/>
               </a:ext>
             </a:extLst>
           </p:cNvPr>
@@ -10927,7 +15474,7 @@
             <a:spLocks noGrp="1"/>
           </p:cNvSpPr>
           <p:nvPr>
-            <p:ph type="ctrTitle"/>
+            <p:ph type="title"/>
           </p:nvPr>
         </p:nvSpPr>
         <p:spPr/>
@@ -10936,34 +15483,864 @@
           <a:lstStyle/>
           <a:p>
             <a:r>
-              <a:rPr lang="de-DE"/>
-              <a:t>GitHub Actions</a:t>
+              <a:rPr lang="de-DE" dirty="0" err="1"/>
+              <a:t>Github</a:t>
+            </a:r>
+            <a:r>
+              <a:rPr lang="de-DE" dirty="0"/>
+              <a:t> Actions</a:t>
+            </a:r>
+          </a:p>
+        </p:txBody>
+      </p:sp>
+      <p:sp>
+        <p:nvSpPr>
+          <p:cNvPr id="4" name="Rectangle: Rounded Corners 5">
+            <a:extLst>
+              <a:ext uri="{FF2B5EF4-FFF2-40B4-BE49-F238E27FC236}">
+                <a16:creationId xmlns:a16="http://schemas.microsoft.com/office/drawing/2014/main" id="{78CCAEE7-61F5-65AA-DCCD-9964C5338FAE}"/>
+              </a:ext>
+            </a:extLst>
+          </p:cNvPr>
+          <p:cNvSpPr/>
+          <p:nvPr/>
+        </p:nvSpPr>
+        <p:spPr>
+          <a:xfrm>
+            <a:off x="1164594" y="4466010"/>
+            <a:ext cx="1704110" cy="768927"/>
+          </a:xfrm>
+          <a:prstGeom prst="roundRect">
+            <a:avLst/>
+          </a:prstGeom>
+          <a:solidFill>
+            <a:srgbClr val="2088FE"/>
+          </a:solidFill>
+          <a:ln>
+            <a:noFill/>
+          </a:ln>
+        </p:spPr>
+        <p:style>
+          <a:lnRef idx="2">
+            <a:schemeClr val="accent1">
+              <a:shade val="50000"/>
+            </a:schemeClr>
+          </a:lnRef>
+          <a:fillRef idx="1">
+            <a:schemeClr val="accent1"/>
+          </a:fillRef>
+          <a:effectRef idx="0">
+            <a:schemeClr val="accent1"/>
+          </a:effectRef>
+          <a:fontRef idx="minor">
+            <a:schemeClr val="lt1"/>
+          </a:fontRef>
+        </p:style>
+        <p:txBody>
+          <a:bodyPr rtlCol="0" anchor="ctr"/>
+          <a:lstStyle/>
+          <a:p>
+            <a:pPr algn="ctr"/>
+            <a:r>
+              <a:rPr lang="de-DE" dirty="0"/>
+              <a:t>Push</a:t>
+            </a:r>
+          </a:p>
+        </p:txBody>
+      </p:sp>
+      <p:sp>
+        <p:nvSpPr>
+          <p:cNvPr id="5" name="Rectangle: Rounded Corners 6">
+            <a:extLst>
+              <a:ext uri="{FF2B5EF4-FFF2-40B4-BE49-F238E27FC236}">
+                <a16:creationId xmlns:a16="http://schemas.microsoft.com/office/drawing/2014/main" id="{264CA49D-6F4B-C4CF-E420-1104249827C0}"/>
+              </a:ext>
+            </a:extLst>
+          </p:cNvPr>
+          <p:cNvSpPr/>
+          <p:nvPr/>
+        </p:nvSpPr>
+        <p:spPr>
+          <a:xfrm>
+            <a:off x="3619766" y="4466012"/>
+            <a:ext cx="2558017" cy="768927"/>
+          </a:xfrm>
+          <a:prstGeom prst="roundRect">
+            <a:avLst/>
+          </a:prstGeom>
+          <a:solidFill>
+            <a:srgbClr val="2088FE"/>
+          </a:solidFill>
+          <a:ln>
+            <a:noFill/>
+          </a:ln>
+        </p:spPr>
+        <p:style>
+          <a:lnRef idx="2">
+            <a:schemeClr val="accent1">
+              <a:shade val="50000"/>
+            </a:schemeClr>
+          </a:lnRef>
+          <a:fillRef idx="1">
+            <a:schemeClr val="accent1"/>
+          </a:fillRef>
+          <a:effectRef idx="0">
+            <a:schemeClr val="accent1"/>
+          </a:effectRef>
+          <a:fontRef idx="minor">
+            <a:schemeClr val="lt1"/>
+          </a:fontRef>
+        </p:style>
+        <p:txBody>
+          <a:bodyPr rtlCol="0" anchor="ctr"/>
+          <a:lstStyle/>
+          <a:p>
+            <a:pPr algn="ctr"/>
+            <a:r>
+              <a:rPr lang="de-DE" dirty="0"/>
+              <a:t>Create Infrastructure </a:t>
+            </a:r>
+            <a:r>
+              <a:rPr lang="de-DE" dirty="0" err="1"/>
+              <a:t>with</a:t>
+            </a:r>
+            <a:r>
+              <a:rPr lang="de-DE" dirty="0"/>
+              <a:t> Terraform</a:t>
+            </a:r>
+          </a:p>
+        </p:txBody>
+      </p:sp>
+      <p:sp>
+        <p:nvSpPr>
+          <p:cNvPr id="6" name="Rectangle: Rounded Corners 7">
+            <a:extLst>
+              <a:ext uri="{FF2B5EF4-FFF2-40B4-BE49-F238E27FC236}">
+                <a16:creationId xmlns:a16="http://schemas.microsoft.com/office/drawing/2014/main" id="{7245DBC1-1583-905A-477C-077D529C85D9}"/>
+              </a:ext>
+            </a:extLst>
+          </p:cNvPr>
+          <p:cNvSpPr/>
+          <p:nvPr/>
+        </p:nvSpPr>
+        <p:spPr>
+          <a:xfrm>
+            <a:off x="7639731" y="4466009"/>
+            <a:ext cx="2558015" cy="768927"/>
+          </a:xfrm>
+          <a:prstGeom prst="roundRect">
+            <a:avLst/>
+          </a:prstGeom>
+          <a:solidFill>
+            <a:srgbClr val="2088FE"/>
+          </a:solidFill>
+          <a:ln>
+            <a:noFill/>
+          </a:ln>
+        </p:spPr>
+        <p:style>
+          <a:lnRef idx="2">
+            <a:schemeClr val="accent1">
+              <a:shade val="50000"/>
+            </a:schemeClr>
+          </a:lnRef>
+          <a:fillRef idx="1">
+            <a:schemeClr val="accent1"/>
+          </a:fillRef>
+          <a:effectRef idx="0">
+            <a:schemeClr val="accent1"/>
+          </a:effectRef>
+          <a:fontRef idx="minor">
+            <a:schemeClr val="lt1"/>
+          </a:fontRef>
+        </p:style>
+        <p:txBody>
+          <a:bodyPr rtlCol="0" anchor="ctr"/>
+          <a:lstStyle/>
+          <a:p>
+            <a:pPr algn="ctr"/>
+            <a:r>
+              <a:rPr lang="de-DE" dirty="0"/>
+              <a:t>Deploy </a:t>
+            </a:r>
+            <a:r>
+              <a:rPr lang="de-DE" dirty="0" err="1"/>
+              <a:t>app</a:t>
+            </a:r>
+            <a:r>
+              <a:rPr lang="de-DE" dirty="0"/>
+              <a:t> </a:t>
+            </a:r>
+            <a:r>
+              <a:rPr lang="de-DE" dirty="0" err="1"/>
+              <a:t>with</a:t>
+            </a:r>
+            <a:r>
+              <a:rPr lang="de-DE" dirty="0"/>
+              <a:t> </a:t>
+            </a:r>
+            <a:r>
+              <a:rPr lang="de-DE" dirty="0" err="1"/>
+              <a:t>docker</a:t>
+            </a:r>
+            <a:r>
+              <a:rPr lang="de-DE" dirty="0"/>
+              <a:t> </a:t>
+            </a:r>
+            <a:r>
+              <a:rPr lang="de-DE" dirty="0" err="1"/>
+              <a:t>compose</a:t>
             </a:r>
             <a:endParaRPr lang="de-DE" dirty="0"/>
           </a:p>
         </p:txBody>
       </p:sp>
-      <p:sp>
-        <p:nvSpPr>
-          <p:cNvPr id="5" name="Untertitel 4">
-            <a:extLst>
-              <a:ext uri="{FF2B5EF4-FFF2-40B4-BE49-F238E27FC236}">
-                <a16:creationId xmlns:a16="http://schemas.microsoft.com/office/drawing/2014/main" id="{B11A7254-9FA9-40F3-BD35-E1C8D97446A8}"/>
-              </a:ext>
-            </a:extLst>
-          </p:cNvPr>
-          <p:cNvSpPr>
-            <a:spLocks noGrp="1"/>
-          </p:cNvSpPr>
-          <p:nvPr>
-            <p:ph type="subTitle" idx="1"/>
-          </p:nvPr>
-        </p:nvSpPr>
-        <p:spPr/>
-        <p:txBody>
-          <a:bodyPr/>
-          <a:lstStyle/>
-          <a:p>
+      <p:cxnSp>
+        <p:nvCxnSpPr>
+          <p:cNvPr id="7" name="Straight Arrow Connector 11">
+            <a:extLst>
+              <a:ext uri="{FF2B5EF4-FFF2-40B4-BE49-F238E27FC236}">
+                <a16:creationId xmlns:a16="http://schemas.microsoft.com/office/drawing/2014/main" id="{F501AB0B-B3CB-38AA-624C-ED414CEFB3A8}"/>
+              </a:ext>
+            </a:extLst>
+          </p:cNvPr>
+          <p:cNvCxnSpPr>
+            <a:cxnSpLocks/>
+            <a:stCxn id="4" idx="3"/>
+            <a:endCxn id="5" idx="1"/>
+          </p:cNvCxnSpPr>
+          <p:nvPr/>
+        </p:nvCxnSpPr>
+        <p:spPr>
+          <a:xfrm>
+            <a:off x="2868704" y="4850474"/>
+            <a:ext cx="751062" cy="2"/>
+          </a:xfrm>
+          <a:prstGeom prst="straightConnector1">
+            <a:avLst/>
+          </a:prstGeom>
+          <a:ln>
+            <a:solidFill>
+              <a:srgbClr val="2088FE"/>
+            </a:solidFill>
+            <a:tailEnd type="triangle"/>
+          </a:ln>
+        </p:spPr>
+        <p:style>
+          <a:lnRef idx="1">
+            <a:schemeClr val="accent1"/>
+          </a:lnRef>
+          <a:fillRef idx="0">
+            <a:schemeClr val="accent1"/>
+          </a:fillRef>
+          <a:effectRef idx="0">
+            <a:schemeClr val="accent1"/>
+          </a:effectRef>
+          <a:fontRef idx="minor">
+            <a:schemeClr val="tx1"/>
+          </a:fontRef>
+        </p:style>
+      </p:cxnSp>
+      <p:cxnSp>
+        <p:nvCxnSpPr>
+          <p:cNvPr id="8" name="Straight Arrow Connector 13">
+            <a:extLst>
+              <a:ext uri="{FF2B5EF4-FFF2-40B4-BE49-F238E27FC236}">
+                <a16:creationId xmlns:a16="http://schemas.microsoft.com/office/drawing/2014/main" id="{15D2F7F9-D527-3673-F73F-11C0FEC9E142}"/>
+              </a:ext>
+            </a:extLst>
+          </p:cNvPr>
+          <p:cNvCxnSpPr>
+            <a:cxnSpLocks/>
+            <a:stCxn id="5" idx="3"/>
+            <a:endCxn id="6" idx="1"/>
+          </p:cNvCxnSpPr>
+          <p:nvPr/>
+        </p:nvCxnSpPr>
+        <p:spPr>
+          <a:xfrm flipV="1">
+            <a:off x="6177783" y="4850473"/>
+            <a:ext cx="1461948" cy="3"/>
+          </a:xfrm>
+          <a:prstGeom prst="straightConnector1">
+            <a:avLst/>
+          </a:prstGeom>
+          <a:ln>
+            <a:solidFill>
+              <a:srgbClr val="2088FE"/>
+            </a:solidFill>
+            <a:tailEnd type="triangle"/>
+          </a:ln>
+        </p:spPr>
+        <p:style>
+          <a:lnRef idx="1">
+            <a:schemeClr val="accent1"/>
+          </a:lnRef>
+          <a:fillRef idx="0">
+            <a:schemeClr val="accent1"/>
+          </a:fillRef>
+          <a:effectRef idx="0">
+            <a:schemeClr val="accent1"/>
+          </a:effectRef>
+          <a:fontRef idx="minor">
+            <a:schemeClr val="tx1"/>
+          </a:fontRef>
+        </p:style>
+      </p:cxnSp>
+      <p:sp>
+        <p:nvSpPr>
+          <p:cNvPr id="9" name="Rectangle: Rounded Corners 17">
+            <a:extLst>
+              <a:ext uri="{FF2B5EF4-FFF2-40B4-BE49-F238E27FC236}">
+                <a16:creationId xmlns:a16="http://schemas.microsoft.com/office/drawing/2014/main" id="{433EC4C8-5652-8E37-1388-42FECF4CA3D7}"/>
+              </a:ext>
+            </a:extLst>
+          </p:cNvPr>
+          <p:cNvSpPr/>
+          <p:nvPr/>
+        </p:nvSpPr>
+        <p:spPr>
+          <a:xfrm flipH="1" flipV="1">
+            <a:off x="3034753" y="3977640"/>
+            <a:ext cx="7433721" cy="1594946"/>
+          </a:xfrm>
+          <a:prstGeom prst="roundRect">
+            <a:avLst/>
+          </a:prstGeom>
+          <a:noFill/>
+          <a:ln>
+            <a:solidFill>
+              <a:srgbClr val="2088FE"/>
+            </a:solidFill>
+          </a:ln>
+        </p:spPr>
+        <p:style>
+          <a:lnRef idx="2">
+            <a:schemeClr val="accent1">
+              <a:shade val="50000"/>
+            </a:schemeClr>
+          </a:lnRef>
+          <a:fillRef idx="1">
+            <a:schemeClr val="accent1"/>
+          </a:fillRef>
+          <a:effectRef idx="0">
+            <a:schemeClr val="accent1"/>
+          </a:effectRef>
+          <a:fontRef idx="minor">
+            <a:schemeClr val="lt1"/>
+          </a:fontRef>
+        </p:style>
+        <p:txBody>
+          <a:bodyPr rtlCol="0" anchor="ctr"/>
+          <a:lstStyle/>
+          <a:p>
+            <a:pPr algn="ctr"/>
+            <a:endParaRPr lang="de-DE"/>
+          </a:p>
+        </p:txBody>
+      </p:sp>
+      <p:pic>
+        <p:nvPicPr>
+          <p:cNvPr id="10" name="Picture 19">
+            <a:extLst>
+              <a:ext uri="{FF2B5EF4-FFF2-40B4-BE49-F238E27FC236}">
+                <a16:creationId xmlns:a16="http://schemas.microsoft.com/office/drawing/2014/main" id="{B187C7EC-CE9C-D136-07DC-CC38CA9DE47D}"/>
+              </a:ext>
+            </a:extLst>
+          </p:cNvPr>
+          <p:cNvPicPr>
+            <a:picLocks noChangeAspect="1"/>
+          </p:cNvPicPr>
+          <p:nvPr/>
+        </p:nvPicPr>
+        <p:blipFill>
+          <a:blip r:embed="rId2"/>
+          <a:stretch>
+            <a:fillRect/>
+          </a:stretch>
+        </p:blipFill>
+        <p:spPr>
+          <a:xfrm>
+            <a:off x="3113900" y="4123214"/>
+            <a:ext cx="426720" cy="426720"/>
+          </a:xfrm>
+          <a:prstGeom prst="rect">
+            <a:avLst/>
+          </a:prstGeom>
+        </p:spPr>
+      </p:pic>
+      <p:cxnSp>
+        <p:nvCxnSpPr>
+          <p:cNvPr id="19" name="Straight Arrow Connector 11">
+            <a:extLst>
+              <a:ext uri="{FF2B5EF4-FFF2-40B4-BE49-F238E27FC236}">
+                <a16:creationId xmlns:a16="http://schemas.microsoft.com/office/drawing/2014/main" id="{2BE4D3C3-2C05-2D6B-EB00-0B569B104FB4}"/>
+              </a:ext>
+            </a:extLst>
+          </p:cNvPr>
+          <p:cNvCxnSpPr>
+            <a:cxnSpLocks/>
+            <a:stCxn id="5" idx="0"/>
+            <a:endCxn id="20" idx="2"/>
+          </p:cNvCxnSpPr>
+          <p:nvPr/>
+        </p:nvCxnSpPr>
+        <p:spPr>
+          <a:xfrm flipH="1" flipV="1">
+            <a:off x="4898774" y="3300716"/>
+            <a:ext cx="1" cy="1165296"/>
+          </a:xfrm>
+          <a:prstGeom prst="straightConnector1">
+            <a:avLst/>
+          </a:prstGeom>
+          <a:ln>
+            <a:solidFill>
+              <a:srgbClr val="5C4EE5"/>
+            </a:solidFill>
+            <a:tailEnd type="triangle"/>
+          </a:ln>
+        </p:spPr>
+        <p:style>
+          <a:lnRef idx="1">
+            <a:schemeClr val="accent1"/>
+          </a:lnRef>
+          <a:fillRef idx="0">
+            <a:schemeClr val="accent1"/>
+          </a:fillRef>
+          <a:effectRef idx="0">
+            <a:schemeClr val="accent1"/>
+          </a:effectRef>
+          <a:fontRef idx="minor">
+            <a:schemeClr val="tx1"/>
+          </a:fontRef>
+        </p:style>
+      </p:cxnSp>
+      <p:sp>
+        <p:nvSpPr>
+          <p:cNvPr id="20" name="Rectangle: Rounded Corners 6">
+            <a:extLst>
+              <a:ext uri="{FF2B5EF4-FFF2-40B4-BE49-F238E27FC236}">
+                <a16:creationId xmlns:a16="http://schemas.microsoft.com/office/drawing/2014/main" id="{B811BC74-BB0A-7701-99C2-0D2003A48E60}"/>
+              </a:ext>
+            </a:extLst>
+          </p:cNvPr>
+          <p:cNvSpPr/>
+          <p:nvPr/>
+        </p:nvSpPr>
+        <p:spPr>
+          <a:xfrm>
+            <a:off x="3619765" y="2531789"/>
+            <a:ext cx="2558017" cy="768927"/>
+          </a:xfrm>
+          <a:prstGeom prst="roundRect">
+            <a:avLst/>
+          </a:prstGeom>
+          <a:solidFill>
+            <a:srgbClr val="5C4EE5"/>
+          </a:solidFill>
+          <a:ln>
+            <a:noFill/>
+          </a:ln>
+        </p:spPr>
+        <p:style>
+          <a:lnRef idx="2">
+            <a:schemeClr val="accent1">
+              <a:shade val="50000"/>
+            </a:schemeClr>
+          </a:lnRef>
+          <a:fillRef idx="1">
+            <a:schemeClr val="accent1"/>
+          </a:fillRef>
+          <a:effectRef idx="0">
+            <a:schemeClr val="accent1"/>
+          </a:effectRef>
+          <a:fontRef idx="minor">
+            <a:schemeClr val="lt1"/>
+          </a:fontRef>
+        </p:style>
+        <p:txBody>
+          <a:bodyPr rtlCol="0" anchor="ctr"/>
+          <a:lstStyle/>
+          <a:p>
+            <a:pPr algn="ctr"/>
+            <a:r>
+              <a:rPr lang="de-DE" dirty="0"/>
+              <a:t>Create EC2 </a:t>
+            </a:r>
+            <a:r>
+              <a:rPr lang="de-DE" dirty="0" err="1"/>
+              <a:t>machine</a:t>
+            </a:r>
+            <a:endParaRPr lang="de-DE" dirty="0"/>
+          </a:p>
+        </p:txBody>
+      </p:sp>
+      <p:sp>
+        <p:nvSpPr>
+          <p:cNvPr id="21" name="Rectangle: Rounded Corners 17">
+            <a:extLst>
+              <a:ext uri="{FF2B5EF4-FFF2-40B4-BE49-F238E27FC236}">
+                <a16:creationId xmlns:a16="http://schemas.microsoft.com/office/drawing/2014/main" id="{865E96C3-898B-ABE0-91DC-5A88AEAE32A1}"/>
+              </a:ext>
+            </a:extLst>
+          </p:cNvPr>
+          <p:cNvSpPr/>
+          <p:nvPr/>
+        </p:nvSpPr>
+        <p:spPr>
+          <a:xfrm flipH="1" flipV="1">
+            <a:off x="3034754" y="1946276"/>
+            <a:ext cx="3424355" cy="1594946"/>
+          </a:xfrm>
+          <a:prstGeom prst="roundRect">
+            <a:avLst/>
+          </a:prstGeom>
+          <a:noFill/>
+          <a:ln>
+            <a:solidFill>
+              <a:srgbClr val="5C4EE5"/>
+            </a:solidFill>
+          </a:ln>
+        </p:spPr>
+        <p:style>
+          <a:lnRef idx="2">
+            <a:schemeClr val="accent1">
+              <a:shade val="50000"/>
+            </a:schemeClr>
+          </a:lnRef>
+          <a:fillRef idx="1">
+            <a:schemeClr val="accent1"/>
+          </a:fillRef>
+          <a:effectRef idx="0">
+            <a:schemeClr val="accent1"/>
+          </a:effectRef>
+          <a:fontRef idx="minor">
+            <a:schemeClr val="lt1"/>
+          </a:fontRef>
+        </p:style>
+        <p:txBody>
+          <a:bodyPr rtlCol="0" anchor="ctr"/>
+          <a:lstStyle/>
+          <a:p>
+            <a:pPr algn="ctr"/>
+            <a:endParaRPr lang="de-DE"/>
+          </a:p>
+        </p:txBody>
+      </p:sp>
+      <p:pic>
+        <p:nvPicPr>
+          <p:cNvPr id="24" name="Picture 4">
+            <a:extLst>
+              <a:ext uri="{FF2B5EF4-FFF2-40B4-BE49-F238E27FC236}">
+                <a16:creationId xmlns:a16="http://schemas.microsoft.com/office/drawing/2014/main" id="{F668A630-DDE5-F7FD-292A-06605BED7FC7}"/>
+              </a:ext>
+            </a:extLst>
+          </p:cNvPr>
+          <p:cNvPicPr>
+            <a:picLocks noChangeAspect="1"/>
+          </p:cNvPicPr>
+          <p:nvPr/>
+        </p:nvPicPr>
+        <p:blipFill>
+          <a:blip r:embed="rId3"/>
+          <a:stretch>
+            <a:fillRect/>
+          </a:stretch>
+        </p:blipFill>
+        <p:spPr>
+          <a:xfrm>
+            <a:off x="3234504" y="2049410"/>
+            <a:ext cx="426720" cy="482379"/>
+          </a:xfrm>
+          <a:prstGeom prst="rect">
+            <a:avLst/>
+          </a:prstGeom>
+        </p:spPr>
+      </p:pic>
+      <p:pic>
+        <p:nvPicPr>
+          <p:cNvPr id="28" name="Picture 6">
+            <a:extLst>
+              <a:ext uri="{FF2B5EF4-FFF2-40B4-BE49-F238E27FC236}">
+                <a16:creationId xmlns:a16="http://schemas.microsoft.com/office/drawing/2014/main" id="{97D45E23-90AD-A028-05E6-6586A5843E21}"/>
+              </a:ext>
+            </a:extLst>
+          </p:cNvPr>
+          <p:cNvPicPr>
+            <a:picLocks noChangeAspect="1"/>
+          </p:cNvPicPr>
+          <p:nvPr/>
+        </p:nvPicPr>
+        <p:blipFill>
+          <a:blip r:embed="rId4"/>
+          <a:stretch>
+            <a:fillRect/>
+          </a:stretch>
+        </p:blipFill>
+        <p:spPr>
+          <a:xfrm>
+            <a:off x="7249750" y="2094178"/>
+            <a:ext cx="549008" cy="336268"/>
+          </a:xfrm>
+          <a:prstGeom prst="rect">
+            <a:avLst/>
+          </a:prstGeom>
+        </p:spPr>
+      </p:pic>
+      <p:sp>
+        <p:nvSpPr>
+          <p:cNvPr id="29" name="Rectangle: Rounded Corners 6">
+            <a:extLst>
+              <a:ext uri="{FF2B5EF4-FFF2-40B4-BE49-F238E27FC236}">
+                <a16:creationId xmlns:a16="http://schemas.microsoft.com/office/drawing/2014/main" id="{8A69E514-DFCE-BDFC-FE4E-7567049EB630}"/>
+              </a:ext>
+            </a:extLst>
+          </p:cNvPr>
+          <p:cNvSpPr/>
+          <p:nvPr/>
+        </p:nvSpPr>
+        <p:spPr>
+          <a:xfrm>
+            <a:off x="7639732" y="2531789"/>
+            <a:ext cx="2558017" cy="768927"/>
+          </a:xfrm>
+          <a:prstGeom prst="roundRect">
+            <a:avLst/>
+          </a:prstGeom>
+          <a:solidFill>
+            <a:srgbClr val="FF9900"/>
+          </a:solidFill>
+          <a:ln>
+            <a:noFill/>
+          </a:ln>
+        </p:spPr>
+        <p:style>
+          <a:lnRef idx="2">
+            <a:schemeClr val="accent1">
+              <a:shade val="50000"/>
+            </a:schemeClr>
+          </a:lnRef>
+          <a:fillRef idx="1">
+            <a:schemeClr val="accent1"/>
+          </a:fillRef>
+          <a:effectRef idx="0">
+            <a:schemeClr val="accent1"/>
+          </a:effectRef>
+          <a:fontRef idx="minor">
+            <a:schemeClr val="lt1"/>
+          </a:fontRef>
+        </p:style>
+        <p:txBody>
+          <a:bodyPr rtlCol="0" anchor="ctr"/>
+          <a:lstStyle/>
+          <a:p>
+            <a:pPr algn="ctr"/>
+            <a:r>
+              <a:rPr lang="de-DE" dirty="0"/>
+              <a:t>EC2 </a:t>
+            </a:r>
+            <a:r>
+              <a:rPr lang="de-DE" dirty="0" err="1"/>
+              <a:t>machine</a:t>
+            </a:r>
+            <a:endParaRPr lang="de-DE" dirty="0"/>
+          </a:p>
+        </p:txBody>
+      </p:sp>
+      <p:sp>
+        <p:nvSpPr>
+          <p:cNvPr id="30" name="Rectangle: Rounded Corners 17">
+            <a:extLst>
+              <a:ext uri="{FF2B5EF4-FFF2-40B4-BE49-F238E27FC236}">
+                <a16:creationId xmlns:a16="http://schemas.microsoft.com/office/drawing/2014/main" id="{C3D25223-D404-A957-180D-7C74A93E192A}"/>
+              </a:ext>
+            </a:extLst>
+          </p:cNvPr>
+          <p:cNvSpPr/>
+          <p:nvPr/>
+        </p:nvSpPr>
+        <p:spPr>
+          <a:xfrm flipH="1" flipV="1">
+            <a:off x="7044120" y="1946276"/>
+            <a:ext cx="3424355" cy="1594946"/>
+          </a:xfrm>
+          <a:prstGeom prst="roundRect">
+            <a:avLst/>
+          </a:prstGeom>
+          <a:noFill/>
+          <a:ln>
+            <a:solidFill>
+              <a:srgbClr val="FF9900"/>
+            </a:solidFill>
+          </a:ln>
+        </p:spPr>
+        <p:style>
+          <a:lnRef idx="2">
+            <a:schemeClr val="accent1">
+              <a:shade val="50000"/>
+            </a:schemeClr>
+          </a:lnRef>
+          <a:fillRef idx="1">
+            <a:schemeClr val="accent1"/>
+          </a:fillRef>
+          <a:effectRef idx="0">
+            <a:schemeClr val="accent1"/>
+          </a:effectRef>
+          <a:fontRef idx="minor">
+            <a:schemeClr val="lt1"/>
+          </a:fontRef>
+        </p:style>
+        <p:txBody>
+          <a:bodyPr rtlCol="0" anchor="ctr"/>
+          <a:lstStyle/>
+          <a:p>
+            <a:pPr algn="ctr"/>
+            <a:endParaRPr lang="de-DE"/>
+          </a:p>
+        </p:txBody>
+      </p:sp>
+      <p:cxnSp>
+        <p:nvCxnSpPr>
+          <p:cNvPr id="31" name="Straight Arrow Connector 11">
+            <a:extLst>
+              <a:ext uri="{FF2B5EF4-FFF2-40B4-BE49-F238E27FC236}">
+                <a16:creationId xmlns:a16="http://schemas.microsoft.com/office/drawing/2014/main" id="{227B2E06-2BE5-7007-A654-EBE79D0F9520}"/>
+              </a:ext>
+            </a:extLst>
+          </p:cNvPr>
+          <p:cNvCxnSpPr>
+            <a:cxnSpLocks/>
+            <a:stCxn id="20" idx="3"/>
+            <a:endCxn id="29" idx="1"/>
+          </p:cNvCxnSpPr>
+          <p:nvPr/>
+        </p:nvCxnSpPr>
+        <p:spPr>
+          <a:xfrm>
+            <a:off x="6177782" y="2916253"/>
+            <a:ext cx="1461950" cy="0"/>
+          </a:xfrm>
+          <a:prstGeom prst="straightConnector1">
+            <a:avLst/>
+          </a:prstGeom>
+          <a:ln>
+            <a:solidFill>
+              <a:srgbClr val="FF9900"/>
+            </a:solidFill>
+            <a:tailEnd type="triangle"/>
+          </a:ln>
+        </p:spPr>
+        <p:style>
+          <a:lnRef idx="1">
+            <a:schemeClr val="accent1"/>
+          </a:lnRef>
+          <a:fillRef idx="0">
+            <a:schemeClr val="accent1"/>
+          </a:fillRef>
+          <a:effectRef idx="0">
+            <a:schemeClr val="accent1"/>
+          </a:effectRef>
+          <a:fontRef idx="minor">
+            <a:schemeClr val="tx1"/>
+          </a:fontRef>
+        </p:style>
+      </p:cxnSp>
+      <p:cxnSp>
+        <p:nvCxnSpPr>
+          <p:cNvPr id="36" name="Straight Arrow Connector 11">
+            <a:extLst>
+              <a:ext uri="{FF2B5EF4-FFF2-40B4-BE49-F238E27FC236}">
+                <a16:creationId xmlns:a16="http://schemas.microsoft.com/office/drawing/2014/main" id="{0939BA32-55A3-5025-F860-5D4857282D4C}"/>
+              </a:ext>
+            </a:extLst>
+          </p:cNvPr>
+          <p:cNvCxnSpPr>
+            <a:cxnSpLocks/>
+            <a:stCxn id="6" idx="0"/>
+            <a:endCxn id="29" idx="2"/>
+          </p:cNvCxnSpPr>
+          <p:nvPr/>
+        </p:nvCxnSpPr>
+        <p:spPr>
+          <a:xfrm flipV="1">
+            <a:off x="8918739" y="3300716"/>
+            <a:ext cx="2" cy="1165293"/>
+          </a:xfrm>
+          <a:prstGeom prst="straightConnector1">
+            <a:avLst/>
+          </a:prstGeom>
+          <a:ln>
+            <a:solidFill>
+              <a:srgbClr val="FF9900"/>
+            </a:solidFill>
+            <a:tailEnd type="triangle"/>
+          </a:ln>
+        </p:spPr>
+        <p:style>
+          <a:lnRef idx="1">
+            <a:schemeClr val="accent1"/>
+          </a:lnRef>
+          <a:fillRef idx="0">
+            <a:schemeClr val="accent1"/>
+          </a:fillRef>
+          <a:effectRef idx="0">
+            <a:schemeClr val="accent1"/>
+          </a:effectRef>
+          <a:fontRef idx="minor">
+            <a:schemeClr val="tx1"/>
+          </a:fontRef>
+        </p:style>
+      </p:cxnSp>
+      <p:sp>
+        <p:nvSpPr>
+          <p:cNvPr id="3" name="Rechteck 2">
+            <a:extLst>
+              <a:ext uri="{FF2B5EF4-FFF2-40B4-BE49-F238E27FC236}">
+                <a16:creationId xmlns:a16="http://schemas.microsoft.com/office/drawing/2014/main" id="{6EEB4DD0-E328-9220-C30A-35E53E4C7453}"/>
+              </a:ext>
+            </a:extLst>
+          </p:cNvPr>
+          <p:cNvSpPr/>
+          <p:nvPr/>
+        </p:nvSpPr>
+        <p:spPr>
+          <a:xfrm>
+            <a:off x="2671638" y="1690688"/>
+            <a:ext cx="7967207" cy="2131980"/>
+          </a:xfrm>
+          <a:prstGeom prst="rect">
+            <a:avLst/>
+          </a:prstGeom>
+          <a:solidFill>
+            <a:schemeClr val="bg1">
+              <a:alpha val="66000"/>
+            </a:schemeClr>
+          </a:solidFill>
+          <a:ln>
+            <a:noFill/>
+          </a:ln>
+        </p:spPr>
+        <p:style>
+          <a:lnRef idx="2">
+            <a:schemeClr val="accent1">
+              <a:shade val="50000"/>
+            </a:schemeClr>
+          </a:lnRef>
+          <a:fillRef idx="1">
+            <a:schemeClr val="accent1"/>
+          </a:fillRef>
+          <a:effectRef idx="0">
+            <a:schemeClr val="accent1"/>
+          </a:effectRef>
+          <a:fontRef idx="minor">
+            <a:schemeClr val="lt1"/>
+          </a:fontRef>
+        </p:style>
+        <p:txBody>
+          <a:bodyPr rtlCol="0" anchor="ctr"/>
+          <a:lstStyle/>
+          <a:p>
+            <a:pPr algn="ctr"/>
             <a:endParaRPr lang="de-DE"/>
           </a:p>
         </p:txBody>
@@ -10971,7 +16348,7 @@
     </p:spTree>
     <p:extLst>
       <p:ext uri="{BB962C8B-B14F-4D97-AF65-F5344CB8AC3E}">
-        <p14:creationId xmlns:p14="http://schemas.microsoft.com/office/powerpoint/2010/main" val="1673878000"/>
+        <p14:creationId xmlns:p14="http://schemas.microsoft.com/office/powerpoint/2010/main" val="3563816307"/>
       </p:ext>
     </p:extLst>
   </p:cSld>
@@ -11080,7 +16457,7 @@
         </p:nvSpPr>
         <p:spPr>
           <a:xfrm>
-            <a:off x="2691245" y="3917373"/>
+            <a:off x="2118751" y="4060496"/>
             <a:ext cx="1704110" cy="768927"/>
           </a:xfrm>
           <a:prstGeom prst="roundRect">
@@ -11135,7 +16512,7 @@
         </p:nvSpPr>
         <p:spPr>
           <a:xfrm>
-            <a:off x="5242212" y="3917371"/>
+            <a:off x="4669718" y="4060494"/>
             <a:ext cx="1704110" cy="768927"/>
           </a:xfrm>
           <a:prstGeom prst="roundRect">
@@ -11190,7 +16567,7 @@
         </p:nvSpPr>
         <p:spPr>
           <a:xfrm>
-            <a:off x="7793179" y="3917372"/>
+            <a:off x="7220685" y="4060495"/>
             <a:ext cx="1704110" cy="768927"/>
           </a:xfrm>
           <a:prstGeom prst="roundRect">
@@ -11255,7 +16632,7 @@
         </p:nvCxnSpPr>
         <p:spPr>
           <a:xfrm flipV="1">
-            <a:off x="4395355" y="4301835"/>
+            <a:off x="3822861" y="4444958"/>
             <a:ext cx="846857" cy="2"/>
           </a:xfrm>
           <a:prstGeom prst="straightConnector1">
@@ -11300,7 +16677,7 @@
         </p:nvCxnSpPr>
         <p:spPr>
           <a:xfrm>
-            <a:off x="6946322" y="4301835"/>
+            <a:off x="6373828" y="4444958"/>
             <a:ext cx="846857" cy="1"/>
           </a:xfrm>
           <a:prstGeom prst="straightConnector1">
@@ -11342,8 +16719,8 @@
         </p:nvSpPr>
         <p:spPr>
           <a:xfrm flipH="1" flipV="1">
-            <a:off x="2081045" y="3428999"/>
-            <a:ext cx="7967191" cy="1594946"/>
+            <a:off x="4063116" y="3572122"/>
+            <a:ext cx="5412625" cy="1594946"/>
           </a:xfrm>
           <a:prstGeom prst="roundRect">
             <a:avLst/>
@@ -11402,7 +16779,7 @@
         </p:blipFill>
         <p:spPr>
           <a:xfrm>
-            <a:off x="2191549" y="3574574"/>
+            <a:off x="4153057" y="3633774"/>
             <a:ext cx="426720" cy="426720"/>
           </a:xfrm>
           <a:prstGeom prst="rect">
@@ -11445,7 +16822,7 @@
           <p:cNvPr id="2" name="Titel 1">
             <a:extLst>
               <a:ext uri="{FF2B5EF4-FFF2-40B4-BE49-F238E27FC236}">
-                <a16:creationId xmlns:a16="http://schemas.microsoft.com/office/drawing/2014/main" id="{423EE35B-33E3-42A0-BBDA-368E8D825D7E}"/>
+                <a16:creationId xmlns:a16="http://schemas.microsoft.com/office/drawing/2014/main" id="{C8B88577-05E0-FDE3-42B7-970294868370}"/>
               </a:ext>
             </a:extLst>
           </p:cNvPr>
@@ -11453,7 +16830,7 @@
             <a:spLocks noGrp="1"/>
           </p:cNvSpPr>
           <p:nvPr>
-            <p:ph type="ctrTitle"/>
+            <p:ph type="title"/>
           </p:nvPr>
         </p:nvSpPr>
         <p:spPr/>
@@ -11462,41 +16839,46 @@
           <a:lstStyle/>
           <a:p>
             <a:r>
-              <a:rPr lang="de-DE" dirty="0"/>
-              <a:t>Terraform &amp; AWS</a:t>
-            </a:r>
-          </a:p>
-        </p:txBody>
-      </p:sp>
-      <p:sp>
-        <p:nvSpPr>
-          <p:cNvPr id="5" name="Untertitel 4">
-            <a:extLst>
-              <a:ext uri="{FF2B5EF4-FFF2-40B4-BE49-F238E27FC236}">
-                <a16:creationId xmlns:a16="http://schemas.microsoft.com/office/drawing/2014/main" id="{B11A7254-9FA9-40F3-BD35-E1C8D97446A8}"/>
-              </a:ext>
-            </a:extLst>
-          </p:cNvPr>
-          <p:cNvSpPr>
-            <a:spLocks noGrp="1"/>
-          </p:cNvSpPr>
+              <a:rPr lang="de-DE" dirty="0" err="1"/>
+              <a:t>hello_world.yml</a:t>
+            </a:r>
+            <a:endParaRPr lang="de-DE" dirty="0"/>
+          </a:p>
+        </p:txBody>
+      </p:sp>
+      <p:pic>
+        <p:nvPicPr>
+          <p:cNvPr id="5" name="Inhaltsplatzhalter 4">
+            <a:extLst>
+              <a:ext uri="{FF2B5EF4-FFF2-40B4-BE49-F238E27FC236}">
+                <a16:creationId xmlns:a16="http://schemas.microsoft.com/office/drawing/2014/main" id="{DC9CB16E-35C7-5EDA-5956-1D5A7692F514}"/>
+              </a:ext>
+            </a:extLst>
+          </p:cNvPr>
+          <p:cNvPicPr>
+            <a:picLocks noGrp="1" noChangeAspect="1"/>
+          </p:cNvPicPr>
           <p:nvPr>
-            <p:ph type="subTitle" idx="1"/>
+            <p:ph idx="1"/>
           </p:nvPr>
-        </p:nvSpPr>
-        <p:spPr/>
-        <p:txBody>
-          <a:bodyPr/>
-          <a:lstStyle/>
-          <a:p>
-            <a:endParaRPr lang="de-DE"/>
-          </a:p>
-        </p:txBody>
-      </p:sp>
+        </p:nvPicPr>
+        <p:blipFill>
+          <a:blip r:embed="rId2"/>
+          <a:stretch>
+            <a:fillRect/>
+          </a:stretch>
+        </p:blipFill>
+        <p:spPr>
+          <a:xfrm>
+            <a:off x="2749404" y="1595273"/>
+            <a:ext cx="6693192" cy="4284676"/>
+          </a:xfrm>
+        </p:spPr>
+      </p:pic>
     </p:spTree>
     <p:extLst>
       <p:ext uri="{BB962C8B-B14F-4D97-AF65-F5344CB8AC3E}">
-        <p14:creationId xmlns:p14="http://schemas.microsoft.com/office/powerpoint/2010/main" val="2259264622"/>
+        <p14:creationId xmlns:p14="http://schemas.microsoft.com/office/powerpoint/2010/main" val="530825407"/>
       </p:ext>
     </p:extLst>
   </p:cSld>
@@ -11528,7 +16910,7 @@
           <p:cNvPr id="2" name="Titel 1">
             <a:extLst>
               <a:ext uri="{FF2B5EF4-FFF2-40B4-BE49-F238E27FC236}">
-                <a16:creationId xmlns:a16="http://schemas.microsoft.com/office/drawing/2014/main" id="{B65D7EC3-CD42-4551-8940-B2E7B1FA136C}"/>
+                <a16:creationId xmlns:a16="http://schemas.microsoft.com/office/drawing/2014/main" id="{FE7310EA-0D36-8797-94D6-7E3C9FD760A2}"/>
               </a:ext>
             </a:extLst>
           </p:cNvPr>
@@ -11553,38 +16935,356 @@
       </p:sp>
       <p:sp>
         <p:nvSpPr>
-          <p:cNvPr id="4" name="Content Placeholder 3">
-            <a:extLst>
-              <a:ext uri="{FF2B5EF4-FFF2-40B4-BE49-F238E27FC236}">
-                <a16:creationId xmlns:a16="http://schemas.microsoft.com/office/drawing/2014/main" id="{2BF5D699-940E-4DE9-8183-FAB1BE315652}"/>
-              </a:ext>
-            </a:extLst>
-          </p:cNvPr>
-          <p:cNvSpPr>
-            <a:spLocks noGrp="1"/>
-          </p:cNvSpPr>
-          <p:nvPr>
-            <p:ph idx="1"/>
-          </p:nvPr>
-        </p:nvSpPr>
-        <p:spPr/>
-        <p:txBody>
-          <a:bodyPr/>
-          <a:lstStyle/>
-          <a:p>
-            <a:r>
-              <a:rPr lang="en-US" dirty="0"/>
-              <a:t>Terraform to automatically build, change, and version public cloud infrastructure</a:t>
-            </a:r>
+          <p:cNvPr id="4" name="Rectangle: Rounded Corners 5">
+            <a:extLst>
+              <a:ext uri="{FF2B5EF4-FFF2-40B4-BE49-F238E27FC236}">
+                <a16:creationId xmlns:a16="http://schemas.microsoft.com/office/drawing/2014/main" id="{78CCAEE7-61F5-65AA-DCCD-9964C5338FAE}"/>
+              </a:ext>
+            </a:extLst>
+          </p:cNvPr>
+          <p:cNvSpPr/>
+          <p:nvPr/>
+        </p:nvSpPr>
+        <p:spPr>
+          <a:xfrm>
+            <a:off x="1164594" y="4466010"/>
+            <a:ext cx="1704110" cy="768927"/>
+          </a:xfrm>
+          <a:prstGeom prst="roundRect">
+            <a:avLst/>
+          </a:prstGeom>
+          <a:solidFill>
+            <a:srgbClr val="2088FE"/>
+          </a:solidFill>
+          <a:ln>
+            <a:noFill/>
+          </a:ln>
+        </p:spPr>
+        <p:style>
+          <a:lnRef idx="2">
+            <a:schemeClr val="accent1">
+              <a:shade val="50000"/>
+            </a:schemeClr>
+          </a:lnRef>
+          <a:fillRef idx="1">
+            <a:schemeClr val="accent1"/>
+          </a:fillRef>
+          <a:effectRef idx="0">
+            <a:schemeClr val="accent1"/>
+          </a:effectRef>
+          <a:fontRef idx="minor">
+            <a:schemeClr val="lt1"/>
+          </a:fontRef>
+        </p:style>
+        <p:txBody>
+          <a:bodyPr rtlCol="0" anchor="ctr"/>
+          <a:lstStyle/>
+          <a:p>
+            <a:pPr algn="ctr"/>
+            <a:r>
+              <a:rPr lang="de-DE" dirty="0"/>
+              <a:t>Push</a:t>
+            </a:r>
+          </a:p>
+        </p:txBody>
+      </p:sp>
+      <p:sp>
+        <p:nvSpPr>
+          <p:cNvPr id="5" name="Rectangle: Rounded Corners 6">
+            <a:extLst>
+              <a:ext uri="{FF2B5EF4-FFF2-40B4-BE49-F238E27FC236}">
+                <a16:creationId xmlns:a16="http://schemas.microsoft.com/office/drawing/2014/main" id="{264CA49D-6F4B-C4CF-E420-1104249827C0}"/>
+              </a:ext>
+            </a:extLst>
+          </p:cNvPr>
+          <p:cNvSpPr/>
+          <p:nvPr/>
+        </p:nvSpPr>
+        <p:spPr>
+          <a:xfrm>
+            <a:off x="3619766" y="4466012"/>
+            <a:ext cx="2558017" cy="768927"/>
+          </a:xfrm>
+          <a:prstGeom prst="roundRect">
+            <a:avLst/>
+          </a:prstGeom>
+          <a:solidFill>
+            <a:srgbClr val="2088FE"/>
+          </a:solidFill>
+          <a:ln>
+            <a:noFill/>
+          </a:ln>
+        </p:spPr>
+        <p:style>
+          <a:lnRef idx="2">
+            <a:schemeClr val="accent1">
+              <a:shade val="50000"/>
+            </a:schemeClr>
+          </a:lnRef>
+          <a:fillRef idx="1">
+            <a:schemeClr val="accent1"/>
+          </a:fillRef>
+          <a:effectRef idx="0">
+            <a:schemeClr val="accent1"/>
+          </a:effectRef>
+          <a:fontRef idx="minor">
+            <a:schemeClr val="lt1"/>
+          </a:fontRef>
+        </p:style>
+        <p:txBody>
+          <a:bodyPr rtlCol="0" anchor="ctr"/>
+          <a:lstStyle/>
+          <a:p>
+            <a:pPr algn="ctr"/>
+            <a:r>
+              <a:rPr lang="de-DE" dirty="0"/>
+              <a:t>Create Infrastructure </a:t>
+            </a:r>
+            <a:r>
+              <a:rPr lang="de-DE" dirty="0" err="1"/>
+              <a:t>with</a:t>
+            </a:r>
+            <a:r>
+              <a:rPr lang="de-DE" dirty="0"/>
+              <a:t> Terraform</a:t>
+            </a:r>
+          </a:p>
+        </p:txBody>
+      </p:sp>
+      <p:sp>
+        <p:nvSpPr>
+          <p:cNvPr id="6" name="Rectangle: Rounded Corners 7">
+            <a:extLst>
+              <a:ext uri="{FF2B5EF4-FFF2-40B4-BE49-F238E27FC236}">
+                <a16:creationId xmlns:a16="http://schemas.microsoft.com/office/drawing/2014/main" id="{7245DBC1-1583-905A-477C-077D529C85D9}"/>
+              </a:ext>
+            </a:extLst>
+          </p:cNvPr>
+          <p:cNvSpPr/>
+          <p:nvPr/>
+        </p:nvSpPr>
+        <p:spPr>
+          <a:xfrm>
+            <a:off x="7639731" y="4466009"/>
+            <a:ext cx="2558015" cy="768927"/>
+          </a:xfrm>
+          <a:prstGeom prst="roundRect">
+            <a:avLst/>
+          </a:prstGeom>
+          <a:solidFill>
+            <a:srgbClr val="2088FE"/>
+          </a:solidFill>
+          <a:ln>
+            <a:noFill/>
+          </a:ln>
+        </p:spPr>
+        <p:style>
+          <a:lnRef idx="2">
+            <a:schemeClr val="accent1">
+              <a:shade val="50000"/>
+            </a:schemeClr>
+          </a:lnRef>
+          <a:fillRef idx="1">
+            <a:schemeClr val="accent1"/>
+          </a:fillRef>
+          <a:effectRef idx="0">
+            <a:schemeClr val="accent1"/>
+          </a:effectRef>
+          <a:fontRef idx="minor">
+            <a:schemeClr val="lt1"/>
+          </a:fontRef>
+        </p:style>
+        <p:txBody>
+          <a:bodyPr rtlCol="0" anchor="ctr"/>
+          <a:lstStyle/>
+          <a:p>
+            <a:pPr algn="ctr"/>
+            <a:r>
+              <a:rPr lang="de-DE" dirty="0"/>
+              <a:t>Deploy </a:t>
+            </a:r>
+            <a:r>
+              <a:rPr lang="de-DE" dirty="0" err="1"/>
+              <a:t>app</a:t>
+            </a:r>
+            <a:r>
+              <a:rPr lang="de-DE" dirty="0"/>
+              <a:t> </a:t>
+            </a:r>
+            <a:r>
+              <a:rPr lang="de-DE" dirty="0" err="1"/>
+              <a:t>with</a:t>
+            </a:r>
+            <a:r>
+              <a:rPr lang="de-DE" dirty="0"/>
+              <a:t> </a:t>
+            </a:r>
+            <a:r>
+              <a:rPr lang="de-DE" dirty="0" err="1"/>
+              <a:t>docker</a:t>
+            </a:r>
+            <a:r>
+              <a:rPr lang="de-DE" dirty="0"/>
+              <a:t> </a:t>
+            </a:r>
+            <a:r>
+              <a:rPr lang="de-DE" dirty="0" err="1"/>
+              <a:t>compose</a:t>
+            </a:r>
+            <a:endParaRPr lang="de-DE" dirty="0"/>
+          </a:p>
+        </p:txBody>
+      </p:sp>
+      <p:cxnSp>
+        <p:nvCxnSpPr>
+          <p:cNvPr id="7" name="Straight Arrow Connector 11">
+            <a:extLst>
+              <a:ext uri="{FF2B5EF4-FFF2-40B4-BE49-F238E27FC236}">
+                <a16:creationId xmlns:a16="http://schemas.microsoft.com/office/drawing/2014/main" id="{F501AB0B-B3CB-38AA-624C-ED414CEFB3A8}"/>
+              </a:ext>
+            </a:extLst>
+          </p:cNvPr>
+          <p:cNvCxnSpPr>
+            <a:cxnSpLocks/>
+            <a:stCxn id="4" idx="3"/>
+            <a:endCxn id="5" idx="1"/>
+          </p:cNvCxnSpPr>
+          <p:nvPr/>
+        </p:nvCxnSpPr>
+        <p:spPr>
+          <a:xfrm>
+            <a:off x="2868704" y="4850474"/>
+            <a:ext cx="751062" cy="2"/>
+          </a:xfrm>
+          <a:prstGeom prst="straightConnector1">
+            <a:avLst/>
+          </a:prstGeom>
+          <a:ln>
+            <a:solidFill>
+              <a:srgbClr val="2088FE"/>
+            </a:solidFill>
+            <a:tailEnd type="triangle"/>
+          </a:ln>
+        </p:spPr>
+        <p:style>
+          <a:lnRef idx="1">
+            <a:schemeClr val="accent1"/>
+          </a:lnRef>
+          <a:fillRef idx="0">
+            <a:schemeClr val="accent1"/>
+          </a:fillRef>
+          <a:effectRef idx="0">
+            <a:schemeClr val="accent1"/>
+          </a:effectRef>
+          <a:fontRef idx="minor">
+            <a:schemeClr val="tx1"/>
+          </a:fontRef>
+        </p:style>
+      </p:cxnSp>
+      <p:cxnSp>
+        <p:nvCxnSpPr>
+          <p:cNvPr id="8" name="Straight Arrow Connector 13">
+            <a:extLst>
+              <a:ext uri="{FF2B5EF4-FFF2-40B4-BE49-F238E27FC236}">
+                <a16:creationId xmlns:a16="http://schemas.microsoft.com/office/drawing/2014/main" id="{15D2F7F9-D527-3673-F73F-11C0FEC9E142}"/>
+              </a:ext>
+            </a:extLst>
+          </p:cNvPr>
+          <p:cNvCxnSpPr>
+            <a:cxnSpLocks/>
+            <a:stCxn id="5" idx="3"/>
+            <a:endCxn id="6" idx="1"/>
+          </p:cNvCxnSpPr>
+          <p:nvPr/>
+        </p:nvCxnSpPr>
+        <p:spPr>
+          <a:xfrm flipV="1">
+            <a:off x="6177783" y="4850473"/>
+            <a:ext cx="1461948" cy="3"/>
+          </a:xfrm>
+          <a:prstGeom prst="straightConnector1">
+            <a:avLst/>
+          </a:prstGeom>
+          <a:ln>
+            <a:solidFill>
+              <a:srgbClr val="2088FE"/>
+            </a:solidFill>
+            <a:tailEnd type="triangle"/>
+          </a:ln>
+        </p:spPr>
+        <p:style>
+          <a:lnRef idx="1">
+            <a:schemeClr val="accent1"/>
+          </a:lnRef>
+          <a:fillRef idx="0">
+            <a:schemeClr val="accent1"/>
+          </a:fillRef>
+          <a:effectRef idx="0">
+            <a:schemeClr val="accent1"/>
+          </a:effectRef>
+          <a:fontRef idx="minor">
+            <a:schemeClr val="tx1"/>
+          </a:fontRef>
+        </p:style>
+      </p:cxnSp>
+      <p:sp>
+        <p:nvSpPr>
+          <p:cNvPr id="9" name="Rectangle: Rounded Corners 17">
+            <a:extLst>
+              <a:ext uri="{FF2B5EF4-FFF2-40B4-BE49-F238E27FC236}">
+                <a16:creationId xmlns:a16="http://schemas.microsoft.com/office/drawing/2014/main" id="{433EC4C8-5652-8E37-1388-42FECF4CA3D7}"/>
+              </a:ext>
+            </a:extLst>
+          </p:cNvPr>
+          <p:cNvSpPr/>
+          <p:nvPr/>
+        </p:nvSpPr>
+        <p:spPr>
+          <a:xfrm flipH="1" flipV="1">
+            <a:off x="3034753" y="3977640"/>
+            <a:ext cx="7433721" cy="1594946"/>
+          </a:xfrm>
+          <a:prstGeom prst="roundRect">
+            <a:avLst/>
+          </a:prstGeom>
+          <a:noFill/>
+          <a:ln>
+            <a:solidFill>
+              <a:srgbClr val="2088FE"/>
+            </a:solidFill>
+          </a:ln>
+        </p:spPr>
+        <p:style>
+          <a:lnRef idx="2">
+            <a:schemeClr val="accent1">
+              <a:shade val="50000"/>
+            </a:schemeClr>
+          </a:lnRef>
+          <a:fillRef idx="1">
+            <a:schemeClr val="accent1"/>
+          </a:fillRef>
+          <a:effectRef idx="0">
+            <a:schemeClr val="accent1"/>
+          </a:effectRef>
+          <a:fontRef idx="minor">
+            <a:schemeClr val="lt1"/>
+          </a:fontRef>
+        </p:style>
+        <p:txBody>
+          <a:bodyPr rtlCol="0" anchor="ctr"/>
+          <a:lstStyle/>
+          <a:p>
+            <a:pPr algn="ctr"/>
+            <a:endParaRPr lang="de-DE"/>
           </a:p>
         </p:txBody>
       </p:sp>
       <p:pic>
         <p:nvPicPr>
-          <p:cNvPr id="5" name="Picture 4">
-            <a:extLst>
-              <a:ext uri="{FF2B5EF4-FFF2-40B4-BE49-F238E27FC236}">
-                <a16:creationId xmlns:a16="http://schemas.microsoft.com/office/drawing/2014/main" id="{C71EF30E-69FD-408B-9A66-26E23FCAF59D}"/>
+          <p:cNvPr id="10" name="Picture 19">
+            <a:extLst>
+              <a:ext uri="{FF2B5EF4-FFF2-40B4-BE49-F238E27FC236}">
+                <a16:creationId xmlns:a16="http://schemas.microsoft.com/office/drawing/2014/main" id="{B187C7EC-CE9C-D136-07DC-CC38CA9DE47D}"/>
               </a:ext>
             </a:extLst>
           </p:cNvPr>
@@ -11601,20 +17301,178 @@
         </p:blipFill>
         <p:spPr>
           <a:xfrm>
-            <a:off x="10274650" y="417951"/>
-            <a:ext cx="1079150" cy="1219909"/>
+            <a:off x="3113900" y="4123214"/>
+            <a:ext cx="426720" cy="426720"/>
           </a:xfrm>
           <a:prstGeom prst="rect">
             <a:avLst/>
           </a:prstGeom>
         </p:spPr>
       </p:pic>
+      <p:cxnSp>
+        <p:nvCxnSpPr>
+          <p:cNvPr id="19" name="Straight Arrow Connector 11">
+            <a:extLst>
+              <a:ext uri="{FF2B5EF4-FFF2-40B4-BE49-F238E27FC236}">
+                <a16:creationId xmlns:a16="http://schemas.microsoft.com/office/drawing/2014/main" id="{2BE4D3C3-2C05-2D6B-EB00-0B569B104FB4}"/>
+              </a:ext>
+            </a:extLst>
+          </p:cNvPr>
+          <p:cNvCxnSpPr>
+            <a:cxnSpLocks/>
+            <a:stCxn id="5" idx="0"/>
+            <a:endCxn id="20" idx="2"/>
+          </p:cNvCxnSpPr>
+          <p:nvPr/>
+        </p:nvCxnSpPr>
+        <p:spPr>
+          <a:xfrm flipH="1" flipV="1">
+            <a:off x="4898774" y="3300716"/>
+            <a:ext cx="1" cy="1165296"/>
+          </a:xfrm>
+          <a:prstGeom prst="straightConnector1">
+            <a:avLst/>
+          </a:prstGeom>
+          <a:ln>
+            <a:solidFill>
+              <a:srgbClr val="5C4EE5"/>
+            </a:solidFill>
+            <a:tailEnd type="triangle"/>
+          </a:ln>
+        </p:spPr>
+        <p:style>
+          <a:lnRef idx="1">
+            <a:schemeClr val="accent1"/>
+          </a:lnRef>
+          <a:fillRef idx="0">
+            <a:schemeClr val="accent1"/>
+          </a:fillRef>
+          <a:effectRef idx="0">
+            <a:schemeClr val="accent1"/>
+          </a:effectRef>
+          <a:fontRef idx="minor">
+            <a:schemeClr val="tx1"/>
+          </a:fontRef>
+        </p:style>
+      </p:cxnSp>
+      <p:sp>
+        <p:nvSpPr>
+          <p:cNvPr id="20" name="Rectangle: Rounded Corners 6">
+            <a:extLst>
+              <a:ext uri="{FF2B5EF4-FFF2-40B4-BE49-F238E27FC236}">
+                <a16:creationId xmlns:a16="http://schemas.microsoft.com/office/drawing/2014/main" id="{B811BC74-BB0A-7701-99C2-0D2003A48E60}"/>
+              </a:ext>
+            </a:extLst>
+          </p:cNvPr>
+          <p:cNvSpPr/>
+          <p:nvPr/>
+        </p:nvSpPr>
+        <p:spPr>
+          <a:xfrm>
+            <a:off x="3619765" y="2531789"/>
+            <a:ext cx="2558017" cy="768927"/>
+          </a:xfrm>
+          <a:prstGeom prst="roundRect">
+            <a:avLst/>
+          </a:prstGeom>
+          <a:solidFill>
+            <a:srgbClr val="5C4EE5"/>
+          </a:solidFill>
+          <a:ln>
+            <a:noFill/>
+          </a:ln>
+        </p:spPr>
+        <p:style>
+          <a:lnRef idx="2">
+            <a:schemeClr val="accent1">
+              <a:shade val="50000"/>
+            </a:schemeClr>
+          </a:lnRef>
+          <a:fillRef idx="1">
+            <a:schemeClr val="accent1"/>
+          </a:fillRef>
+          <a:effectRef idx="0">
+            <a:schemeClr val="accent1"/>
+          </a:effectRef>
+          <a:fontRef idx="minor">
+            <a:schemeClr val="lt1"/>
+          </a:fontRef>
+        </p:style>
+        <p:txBody>
+          <a:bodyPr rtlCol="0" anchor="ctr"/>
+          <a:lstStyle/>
+          <a:p>
+            <a:pPr algn="ctr"/>
+            <a:r>
+              <a:rPr lang="de-DE" dirty="0"/>
+              <a:t>Create EC2 </a:t>
+            </a:r>
+            <a:r>
+              <a:rPr lang="de-DE" dirty="0" err="1"/>
+              <a:t>machine</a:t>
+            </a:r>
+            <a:endParaRPr lang="de-DE" dirty="0"/>
+          </a:p>
+        </p:txBody>
+      </p:sp>
+      <p:sp>
+        <p:nvSpPr>
+          <p:cNvPr id="21" name="Rectangle: Rounded Corners 17">
+            <a:extLst>
+              <a:ext uri="{FF2B5EF4-FFF2-40B4-BE49-F238E27FC236}">
+                <a16:creationId xmlns:a16="http://schemas.microsoft.com/office/drawing/2014/main" id="{865E96C3-898B-ABE0-91DC-5A88AEAE32A1}"/>
+              </a:ext>
+            </a:extLst>
+          </p:cNvPr>
+          <p:cNvSpPr/>
+          <p:nvPr/>
+        </p:nvSpPr>
+        <p:spPr>
+          <a:xfrm flipH="1" flipV="1">
+            <a:off x="3034754" y="1946276"/>
+            <a:ext cx="3424355" cy="1594946"/>
+          </a:xfrm>
+          <a:prstGeom prst="roundRect">
+            <a:avLst/>
+          </a:prstGeom>
+          <a:noFill/>
+          <a:ln>
+            <a:solidFill>
+              <a:srgbClr val="5C4EE5"/>
+            </a:solidFill>
+          </a:ln>
+        </p:spPr>
+        <p:style>
+          <a:lnRef idx="2">
+            <a:schemeClr val="accent1">
+              <a:shade val="50000"/>
+            </a:schemeClr>
+          </a:lnRef>
+          <a:fillRef idx="1">
+            <a:schemeClr val="accent1"/>
+          </a:fillRef>
+          <a:effectRef idx="0">
+            <a:schemeClr val="accent1"/>
+          </a:effectRef>
+          <a:fontRef idx="minor">
+            <a:schemeClr val="lt1"/>
+          </a:fontRef>
+        </p:style>
+        <p:txBody>
+          <a:bodyPr rtlCol="0" anchor="ctr"/>
+          <a:lstStyle/>
+          <a:p>
+            <a:pPr algn="ctr"/>
+            <a:endParaRPr lang="de-DE"/>
+          </a:p>
+        </p:txBody>
+      </p:sp>
       <p:pic>
         <p:nvPicPr>
-          <p:cNvPr id="6" name="Grafik 5">
-            <a:extLst>
-              <a:ext uri="{FF2B5EF4-FFF2-40B4-BE49-F238E27FC236}">
-                <a16:creationId xmlns:a16="http://schemas.microsoft.com/office/drawing/2014/main" id="{CF409AD2-EC87-FFBD-FDBA-2EC7012E4054}"/>
+          <p:cNvPr id="24" name="Picture 4">
+            <a:extLst>
+              <a:ext uri="{FF2B5EF4-FFF2-40B4-BE49-F238E27FC236}">
+                <a16:creationId xmlns:a16="http://schemas.microsoft.com/office/drawing/2014/main" id="{F668A630-DDE5-F7FD-292A-06605BED7FC7}"/>
               </a:ext>
             </a:extLst>
           </p:cNvPr>
@@ -11631,25 +17489,360 @@
         </p:blipFill>
         <p:spPr>
           <a:xfrm>
-            <a:off x="3057952" y="3283888"/>
-            <a:ext cx="6076095" cy="1752443"/>
+            <a:off x="3234504" y="2049410"/>
+            <a:ext cx="426720" cy="482379"/>
           </a:xfrm>
           <a:prstGeom prst="rect">
             <a:avLst/>
           </a:prstGeom>
-          <a:effectLst>
-            <a:outerShdw blurRad="50800" dist="38100" dir="2700000" algn="tl" rotWithShape="0">
-              <a:prstClr val="black">
-                <a:alpha val="40000"/>
-              </a:prstClr>
-            </a:outerShdw>
-          </a:effectLst>
         </p:spPr>
       </p:pic>
+      <p:pic>
+        <p:nvPicPr>
+          <p:cNvPr id="28" name="Picture 6">
+            <a:extLst>
+              <a:ext uri="{FF2B5EF4-FFF2-40B4-BE49-F238E27FC236}">
+                <a16:creationId xmlns:a16="http://schemas.microsoft.com/office/drawing/2014/main" id="{97D45E23-90AD-A028-05E6-6586A5843E21}"/>
+              </a:ext>
+            </a:extLst>
+          </p:cNvPr>
+          <p:cNvPicPr>
+            <a:picLocks noChangeAspect="1"/>
+          </p:cNvPicPr>
+          <p:nvPr/>
+        </p:nvPicPr>
+        <p:blipFill>
+          <a:blip r:embed="rId4"/>
+          <a:stretch>
+            <a:fillRect/>
+          </a:stretch>
+        </p:blipFill>
+        <p:spPr>
+          <a:xfrm>
+            <a:off x="7249750" y="2094178"/>
+            <a:ext cx="549008" cy="336268"/>
+          </a:xfrm>
+          <a:prstGeom prst="rect">
+            <a:avLst/>
+          </a:prstGeom>
+        </p:spPr>
+      </p:pic>
+      <p:sp>
+        <p:nvSpPr>
+          <p:cNvPr id="29" name="Rectangle: Rounded Corners 6">
+            <a:extLst>
+              <a:ext uri="{FF2B5EF4-FFF2-40B4-BE49-F238E27FC236}">
+                <a16:creationId xmlns:a16="http://schemas.microsoft.com/office/drawing/2014/main" id="{8A69E514-DFCE-BDFC-FE4E-7567049EB630}"/>
+              </a:ext>
+            </a:extLst>
+          </p:cNvPr>
+          <p:cNvSpPr/>
+          <p:nvPr/>
+        </p:nvSpPr>
+        <p:spPr>
+          <a:xfrm>
+            <a:off x="7639732" y="2531789"/>
+            <a:ext cx="2558017" cy="768927"/>
+          </a:xfrm>
+          <a:prstGeom prst="roundRect">
+            <a:avLst/>
+          </a:prstGeom>
+          <a:solidFill>
+            <a:srgbClr val="FF9900"/>
+          </a:solidFill>
+          <a:ln>
+            <a:noFill/>
+          </a:ln>
+        </p:spPr>
+        <p:style>
+          <a:lnRef idx="2">
+            <a:schemeClr val="accent1">
+              <a:shade val="50000"/>
+            </a:schemeClr>
+          </a:lnRef>
+          <a:fillRef idx="1">
+            <a:schemeClr val="accent1"/>
+          </a:fillRef>
+          <a:effectRef idx="0">
+            <a:schemeClr val="accent1"/>
+          </a:effectRef>
+          <a:fontRef idx="minor">
+            <a:schemeClr val="lt1"/>
+          </a:fontRef>
+        </p:style>
+        <p:txBody>
+          <a:bodyPr rtlCol="0" anchor="ctr"/>
+          <a:lstStyle/>
+          <a:p>
+            <a:pPr algn="ctr"/>
+            <a:r>
+              <a:rPr lang="de-DE" dirty="0"/>
+              <a:t>EC2 </a:t>
+            </a:r>
+            <a:r>
+              <a:rPr lang="de-DE" dirty="0" err="1"/>
+              <a:t>machine</a:t>
+            </a:r>
+            <a:endParaRPr lang="de-DE" dirty="0"/>
+          </a:p>
+        </p:txBody>
+      </p:sp>
+      <p:sp>
+        <p:nvSpPr>
+          <p:cNvPr id="30" name="Rectangle: Rounded Corners 17">
+            <a:extLst>
+              <a:ext uri="{FF2B5EF4-FFF2-40B4-BE49-F238E27FC236}">
+                <a16:creationId xmlns:a16="http://schemas.microsoft.com/office/drawing/2014/main" id="{C3D25223-D404-A957-180D-7C74A93E192A}"/>
+              </a:ext>
+            </a:extLst>
+          </p:cNvPr>
+          <p:cNvSpPr/>
+          <p:nvPr/>
+        </p:nvSpPr>
+        <p:spPr>
+          <a:xfrm flipH="1" flipV="1">
+            <a:off x="7044120" y="1946276"/>
+            <a:ext cx="3424355" cy="1594946"/>
+          </a:xfrm>
+          <a:prstGeom prst="roundRect">
+            <a:avLst/>
+          </a:prstGeom>
+          <a:noFill/>
+          <a:ln>
+            <a:solidFill>
+              <a:srgbClr val="FF9900"/>
+            </a:solidFill>
+          </a:ln>
+        </p:spPr>
+        <p:style>
+          <a:lnRef idx="2">
+            <a:schemeClr val="accent1">
+              <a:shade val="50000"/>
+            </a:schemeClr>
+          </a:lnRef>
+          <a:fillRef idx="1">
+            <a:schemeClr val="accent1"/>
+          </a:fillRef>
+          <a:effectRef idx="0">
+            <a:schemeClr val="accent1"/>
+          </a:effectRef>
+          <a:fontRef idx="minor">
+            <a:schemeClr val="lt1"/>
+          </a:fontRef>
+        </p:style>
+        <p:txBody>
+          <a:bodyPr rtlCol="0" anchor="ctr"/>
+          <a:lstStyle/>
+          <a:p>
+            <a:pPr algn="ctr"/>
+            <a:endParaRPr lang="de-DE"/>
+          </a:p>
+        </p:txBody>
+      </p:sp>
+      <p:cxnSp>
+        <p:nvCxnSpPr>
+          <p:cNvPr id="31" name="Straight Arrow Connector 11">
+            <a:extLst>
+              <a:ext uri="{FF2B5EF4-FFF2-40B4-BE49-F238E27FC236}">
+                <a16:creationId xmlns:a16="http://schemas.microsoft.com/office/drawing/2014/main" id="{227B2E06-2BE5-7007-A654-EBE79D0F9520}"/>
+              </a:ext>
+            </a:extLst>
+          </p:cNvPr>
+          <p:cNvCxnSpPr>
+            <a:cxnSpLocks/>
+            <a:stCxn id="20" idx="3"/>
+            <a:endCxn id="29" idx="1"/>
+          </p:cNvCxnSpPr>
+          <p:nvPr/>
+        </p:nvCxnSpPr>
+        <p:spPr>
+          <a:xfrm>
+            <a:off x="6177782" y="2916253"/>
+            <a:ext cx="1461950" cy="0"/>
+          </a:xfrm>
+          <a:prstGeom prst="straightConnector1">
+            <a:avLst/>
+          </a:prstGeom>
+          <a:ln>
+            <a:solidFill>
+              <a:srgbClr val="FF9900"/>
+            </a:solidFill>
+            <a:tailEnd type="triangle"/>
+          </a:ln>
+        </p:spPr>
+        <p:style>
+          <a:lnRef idx="1">
+            <a:schemeClr val="accent1"/>
+          </a:lnRef>
+          <a:fillRef idx="0">
+            <a:schemeClr val="accent1"/>
+          </a:fillRef>
+          <a:effectRef idx="0">
+            <a:schemeClr val="accent1"/>
+          </a:effectRef>
+          <a:fontRef idx="minor">
+            <a:schemeClr val="tx1"/>
+          </a:fontRef>
+        </p:style>
+      </p:cxnSp>
+      <p:cxnSp>
+        <p:nvCxnSpPr>
+          <p:cNvPr id="36" name="Straight Arrow Connector 11">
+            <a:extLst>
+              <a:ext uri="{FF2B5EF4-FFF2-40B4-BE49-F238E27FC236}">
+                <a16:creationId xmlns:a16="http://schemas.microsoft.com/office/drawing/2014/main" id="{0939BA32-55A3-5025-F860-5D4857282D4C}"/>
+              </a:ext>
+            </a:extLst>
+          </p:cNvPr>
+          <p:cNvCxnSpPr>
+            <a:cxnSpLocks/>
+            <a:stCxn id="6" idx="0"/>
+            <a:endCxn id="29" idx="2"/>
+          </p:cNvCxnSpPr>
+          <p:nvPr/>
+        </p:nvCxnSpPr>
+        <p:spPr>
+          <a:xfrm flipV="1">
+            <a:off x="8918739" y="3300716"/>
+            <a:ext cx="2" cy="1165293"/>
+          </a:xfrm>
+          <a:prstGeom prst="straightConnector1">
+            <a:avLst/>
+          </a:prstGeom>
+          <a:ln>
+            <a:solidFill>
+              <a:srgbClr val="FF9900"/>
+            </a:solidFill>
+            <a:tailEnd type="triangle"/>
+          </a:ln>
+        </p:spPr>
+        <p:style>
+          <a:lnRef idx="1">
+            <a:schemeClr val="accent1"/>
+          </a:lnRef>
+          <a:fillRef idx="0">
+            <a:schemeClr val="accent1"/>
+          </a:fillRef>
+          <a:effectRef idx="0">
+            <a:schemeClr val="accent1"/>
+          </a:effectRef>
+          <a:fontRef idx="minor">
+            <a:schemeClr val="tx1"/>
+          </a:fontRef>
+        </p:style>
+      </p:cxnSp>
+      <p:sp>
+        <p:nvSpPr>
+          <p:cNvPr id="3" name="Rechteck 2">
+            <a:extLst>
+              <a:ext uri="{FF2B5EF4-FFF2-40B4-BE49-F238E27FC236}">
+                <a16:creationId xmlns:a16="http://schemas.microsoft.com/office/drawing/2014/main" id="{6EEB4DD0-E328-9220-C30A-35E53E4C7453}"/>
+              </a:ext>
+            </a:extLst>
+          </p:cNvPr>
+          <p:cNvSpPr/>
+          <p:nvPr/>
+        </p:nvSpPr>
+        <p:spPr>
+          <a:xfrm>
+            <a:off x="763327" y="3886229"/>
+            <a:ext cx="10122009" cy="2248483"/>
+          </a:xfrm>
+          <a:prstGeom prst="rect">
+            <a:avLst/>
+          </a:prstGeom>
+          <a:solidFill>
+            <a:schemeClr val="bg1">
+              <a:alpha val="66000"/>
+            </a:schemeClr>
+          </a:solidFill>
+          <a:ln>
+            <a:noFill/>
+          </a:ln>
+        </p:spPr>
+        <p:style>
+          <a:lnRef idx="2">
+            <a:schemeClr val="accent1">
+              <a:shade val="50000"/>
+            </a:schemeClr>
+          </a:lnRef>
+          <a:fillRef idx="1">
+            <a:schemeClr val="accent1"/>
+          </a:fillRef>
+          <a:effectRef idx="0">
+            <a:schemeClr val="accent1"/>
+          </a:effectRef>
+          <a:fontRef idx="minor">
+            <a:schemeClr val="lt1"/>
+          </a:fontRef>
+        </p:style>
+        <p:txBody>
+          <a:bodyPr rtlCol="0" anchor="ctr"/>
+          <a:lstStyle/>
+          <a:p>
+            <a:pPr algn="ctr"/>
+            <a:endParaRPr lang="de-DE"/>
+          </a:p>
+        </p:txBody>
+      </p:sp>
+      <p:sp>
+        <p:nvSpPr>
+          <p:cNvPr id="22" name="Rechteck 21">
+            <a:extLst>
+              <a:ext uri="{FF2B5EF4-FFF2-40B4-BE49-F238E27FC236}">
+                <a16:creationId xmlns:a16="http://schemas.microsoft.com/office/drawing/2014/main" id="{814D3013-1923-2DCD-A95E-6FA7FDC431EF}"/>
+              </a:ext>
+            </a:extLst>
+          </p:cNvPr>
+          <p:cNvSpPr/>
+          <p:nvPr/>
+        </p:nvSpPr>
+        <p:spPr>
+          <a:xfrm>
+            <a:off x="6844369" y="1846038"/>
+            <a:ext cx="3901927" cy="2040191"/>
+          </a:xfrm>
+          <a:prstGeom prst="rect">
+            <a:avLst/>
+          </a:prstGeom>
+          <a:solidFill>
+            <a:schemeClr val="bg1">
+              <a:alpha val="66000"/>
+            </a:schemeClr>
+          </a:solidFill>
+          <a:ln>
+            <a:noFill/>
+          </a:ln>
+        </p:spPr>
+        <p:style>
+          <a:lnRef idx="2">
+            <a:schemeClr val="accent1">
+              <a:shade val="50000"/>
+            </a:schemeClr>
+          </a:lnRef>
+          <a:fillRef idx="1">
+            <a:schemeClr val="accent1"/>
+          </a:fillRef>
+          <a:effectRef idx="0">
+            <a:schemeClr val="accent1"/>
+          </a:effectRef>
+          <a:fontRef idx="minor">
+            <a:schemeClr val="lt1"/>
+          </a:fontRef>
+        </p:style>
+        <p:txBody>
+          <a:bodyPr rtlCol="0" anchor="ctr"/>
+          <a:lstStyle/>
+          <a:p>
+            <a:pPr algn="ctr"/>
+            <a:endParaRPr lang="de-DE"/>
+          </a:p>
+        </p:txBody>
+      </p:sp>
     </p:spTree>
     <p:extLst>
       <p:ext uri="{BB962C8B-B14F-4D97-AF65-F5344CB8AC3E}">
-        <p14:creationId xmlns:p14="http://schemas.microsoft.com/office/powerpoint/2010/main" val="4128644860"/>
+        <p14:creationId xmlns:p14="http://schemas.microsoft.com/office/powerpoint/2010/main" val="1491844683"/>
       </p:ext>
     </p:extLst>
   </p:cSld>

--- a/Project Presentation.pptx
+++ b/Project Presentation.pptx
@@ -6,7 +6,7 @@
     <p:sldMasterId id="2147483660" r:id="rId2"/>
   </p:sldMasterIdLst>
   <p:notesMasterIdLst>
-    <p:notesMasterId r:id="rId27"/>
+    <p:notesMasterId r:id="rId32"/>
   </p:notesMasterIdLst>
   <p:sldIdLst>
     <p:sldId id="256" r:id="rId3"/>
@@ -27,12 +27,17 @@
     <p:sldId id="318" r:id="rId18"/>
     <p:sldId id="309" r:id="rId19"/>
     <p:sldId id="315" r:id="rId20"/>
-    <p:sldId id="317" r:id="rId21"/>
-    <p:sldId id="304" r:id="rId22"/>
-    <p:sldId id="305" r:id="rId23"/>
-    <p:sldId id="300" r:id="rId24"/>
-    <p:sldId id="303" r:id="rId25"/>
+    <p:sldId id="321" r:id="rId21"/>
+    <p:sldId id="317" r:id="rId22"/>
+    <p:sldId id="322" r:id="rId23"/>
+    <p:sldId id="304" r:id="rId24"/>
+    <p:sldId id="305" r:id="rId25"/>
     <p:sldId id="302" r:id="rId26"/>
+    <p:sldId id="319" r:id="rId27"/>
+    <p:sldId id="323" r:id="rId28"/>
+    <p:sldId id="320" r:id="rId29"/>
+    <p:sldId id="300" r:id="rId30"/>
+    <p:sldId id="303" r:id="rId31"/>
   </p:sldIdLst>
   <p:sldSz cx="12192000" cy="6858000"/>
   <p:notesSz cx="6858000" cy="9144000"/>
@@ -221,7 +226,7 @@
           <a:p>
             <a:fld id="{1F1BAD5C-F1F8-43FF-B1E4-442C6F91B49A}" type="datetimeFigureOut">
               <a:rPr lang="de-DE" smtClean="0"/>
-              <a:t>12.05.2022</a:t>
+              <a:t>13.05.2022</a:t>
             </a:fld>
             <a:endParaRPr lang="de-DE"/>
           </a:p>
@@ -572,6 +577,266 @@
 </p:notes>
 </file>
 
+<file path=ppt/notesSlides/notesSlide10.xml><?xml version="1.0" encoding="utf-8"?>
+<p:notes xmlns:a="http://schemas.openxmlformats.org/drawingml/2006/main" xmlns:r="http://schemas.openxmlformats.org/officeDocument/2006/relationships" xmlns:p="http://schemas.openxmlformats.org/presentationml/2006/main">
+  <p:cSld>
+    <p:spTree>
+      <p:nvGrpSpPr>
+        <p:cNvPr id="1" name=""/>
+        <p:cNvGrpSpPr/>
+        <p:nvPr/>
+      </p:nvGrpSpPr>
+      <p:grpSpPr>
+        <a:xfrm>
+          <a:off x="0" y="0"/>
+          <a:ext cx="0" cy="0"/>
+          <a:chOff x="0" y="0"/>
+          <a:chExt cx="0" cy="0"/>
+        </a:xfrm>
+      </p:grpSpPr>
+      <p:sp>
+        <p:nvSpPr>
+          <p:cNvPr id="2" name="Folienbildplatzhalter 1"/>
+          <p:cNvSpPr>
+            <a:spLocks noGrp="1" noRot="1" noChangeAspect="1"/>
+          </p:cNvSpPr>
+          <p:nvPr>
+            <p:ph type="sldImg"/>
+          </p:nvPr>
+        </p:nvSpPr>
+        <p:spPr/>
+      </p:sp>
+      <p:sp>
+        <p:nvSpPr>
+          <p:cNvPr id="3" name="Notizenplatzhalter 2"/>
+          <p:cNvSpPr>
+            <a:spLocks noGrp="1"/>
+          </p:cNvSpPr>
+          <p:nvPr>
+            <p:ph type="body" idx="1"/>
+          </p:nvPr>
+        </p:nvSpPr>
+        <p:spPr/>
+        <p:txBody>
+          <a:bodyPr/>
+          <a:lstStyle/>
+          <a:p>
+            <a:r>
+              <a:rPr lang="de-DE" dirty="0"/>
+              <a:t>Like </a:t>
+            </a:r>
+            <a:r>
+              <a:rPr lang="de-DE" dirty="0" err="1"/>
+              <a:t>this</a:t>
+            </a:r>
+            <a:r>
+              <a:rPr lang="de-DE" dirty="0"/>
+              <a:t>, </a:t>
+            </a:r>
+            <a:r>
+              <a:rPr lang="de-DE" dirty="0" err="1"/>
+              <a:t>the</a:t>
+            </a:r>
+            <a:r>
+              <a:rPr lang="de-DE" dirty="0"/>
+              <a:t> </a:t>
+            </a:r>
+            <a:r>
+              <a:rPr lang="de-DE" dirty="0" err="1"/>
+              <a:t>handling</a:t>
+            </a:r>
+            <a:r>
+              <a:rPr lang="de-DE" dirty="0"/>
+              <a:t> of </a:t>
+            </a:r>
+            <a:r>
+              <a:rPr lang="de-DE" dirty="0" err="1"/>
+              <a:t>the</a:t>
+            </a:r>
+            <a:r>
+              <a:rPr lang="de-DE" dirty="0"/>
+              <a:t> </a:t>
+            </a:r>
+            <a:r>
+              <a:rPr lang="de-DE" dirty="0" err="1"/>
+              <a:t>data</a:t>
+            </a:r>
+            <a:r>
+              <a:rPr lang="de-DE" dirty="0"/>
+              <a:t> </a:t>
+            </a:r>
+            <a:r>
+              <a:rPr lang="de-DE" dirty="0" err="1"/>
+              <a:t>would</a:t>
+            </a:r>
+            <a:r>
+              <a:rPr lang="de-DE" dirty="0"/>
+              <a:t> </a:t>
+            </a:r>
+            <a:r>
+              <a:rPr lang="de-DE" dirty="0" err="1"/>
+              <a:t>be</a:t>
+            </a:r>
+            <a:r>
+              <a:rPr lang="de-DE" dirty="0"/>
+              <a:t> </a:t>
+            </a:r>
+            <a:r>
+              <a:rPr lang="de-DE" dirty="0" err="1"/>
+              <a:t>improved</a:t>
+            </a:r>
+            <a:r>
+              <a:rPr lang="de-DE" dirty="0"/>
+              <a:t>, also </a:t>
+            </a:r>
+            <a:r>
+              <a:rPr lang="de-DE" dirty="0" err="1"/>
+              <a:t>it</a:t>
+            </a:r>
+            <a:r>
+              <a:rPr lang="de-DE" dirty="0"/>
+              <a:t> </a:t>
+            </a:r>
+            <a:r>
+              <a:rPr lang="de-DE" dirty="0" err="1"/>
+              <a:t>would</a:t>
+            </a:r>
+            <a:r>
+              <a:rPr lang="de-DE" dirty="0"/>
+              <a:t> </a:t>
+            </a:r>
+            <a:r>
+              <a:rPr lang="de-DE" dirty="0" err="1"/>
+              <a:t>be</a:t>
+            </a:r>
+            <a:r>
+              <a:rPr lang="de-DE" dirty="0"/>
+              <a:t> possible </a:t>
+            </a:r>
+            <a:r>
+              <a:rPr lang="de-DE" dirty="0" err="1"/>
+              <a:t>to</a:t>
+            </a:r>
+            <a:r>
+              <a:rPr lang="de-DE" dirty="0"/>
+              <a:t> </a:t>
+            </a:r>
+            <a:r>
+              <a:rPr lang="de-DE" dirty="0" err="1"/>
+              <a:t>implement</a:t>
+            </a:r>
+            <a:r>
+              <a:rPr lang="de-DE" dirty="0"/>
+              <a:t> </a:t>
+            </a:r>
+            <a:r>
+              <a:rPr lang="de-DE" dirty="0" err="1"/>
+              <a:t>Autoscaling</a:t>
+            </a:r>
+            <a:r>
+              <a:rPr lang="de-DE" dirty="0"/>
+              <a:t> and Load Balancer, </a:t>
+            </a:r>
+            <a:r>
+              <a:rPr lang="de-DE" dirty="0" err="1"/>
+              <a:t>possibility</a:t>
+            </a:r>
+            <a:r>
+              <a:rPr lang="de-DE" dirty="0"/>
+              <a:t> </a:t>
+            </a:r>
+            <a:r>
+              <a:rPr lang="de-DE" dirty="0" err="1"/>
+              <a:t>to</a:t>
+            </a:r>
+            <a:r>
+              <a:rPr lang="de-DE" dirty="0"/>
+              <a:t> </a:t>
+            </a:r>
+            <a:r>
+              <a:rPr lang="de-DE" dirty="0" err="1"/>
+              <a:t>use</a:t>
+            </a:r>
+            <a:r>
+              <a:rPr lang="de-DE" dirty="0"/>
+              <a:t> an alternative </a:t>
+            </a:r>
+            <a:r>
+              <a:rPr lang="de-DE" dirty="0" err="1"/>
+              <a:t>to</a:t>
+            </a:r>
+            <a:r>
+              <a:rPr lang="de-DE" dirty="0"/>
+              <a:t> EC2 (e.g. Lambda, </a:t>
+            </a:r>
+            <a:r>
+              <a:rPr lang="de-DE" dirty="0" err="1"/>
+              <a:t>Beanstalk</a:t>
+            </a:r>
+            <a:r>
+              <a:rPr lang="de-DE" dirty="0"/>
+              <a:t>), </a:t>
+            </a:r>
+            <a:r>
+              <a:rPr lang="de-DE" dirty="0" err="1"/>
+              <a:t>fewer</a:t>
+            </a:r>
+            <a:r>
+              <a:rPr lang="de-DE" dirty="0"/>
+              <a:t> </a:t>
+            </a:r>
+            <a:r>
+              <a:rPr lang="de-DE" dirty="0" err="1"/>
+              <a:t>layers</a:t>
+            </a:r>
+            <a:r>
+              <a:rPr lang="de-DE" dirty="0"/>
+              <a:t> of </a:t>
+            </a:r>
+            <a:r>
+              <a:rPr lang="de-DE" dirty="0" err="1"/>
+              <a:t>virtualisation</a:t>
+            </a:r>
+            <a:endParaRPr lang="de-DE" dirty="0"/>
+          </a:p>
+        </p:txBody>
+      </p:sp>
+      <p:sp>
+        <p:nvSpPr>
+          <p:cNvPr id="4" name="Foliennummernplatzhalter 3"/>
+          <p:cNvSpPr>
+            <a:spLocks noGrp="1"/>
+          </p:cNvSpPr>
+          <p:nvPr>
+            <p:ph type="sldNum" sz="quarter" idx="5"/>
+          </p:nvPr>
+        </p:nvSpPr>
+        <p:spPr/>
+        <p:txBody>
+          <a:bodyPr/>
+          <a:lstStyle/>
+          <a:p>
+            <a:fld id="{5976870D-EDE0-4065-9108-FF08285B4E25}" type="slidenum">
+              <a:rPr lang="de-DE" smtClean="0"/>
+              <a:t>27</a:t>
+            </a:fld>
+            <a:endParaRPr lang="de-DE"/>
+          </a:p>
+        </p:txBody>
+      </p:sp>
+    </p:spTree>
+    <p:extLst>
+      <p:ext uri="{BB962C8B-B14F-4D97-AF65-F5344CB8AC3E}">
+        <p14:creationId xmlns:p14="http://schemas.microsoft.com/office/powerpoint/2010/main" val="191350293"/>
+      </p:ext>
+    </p:extLst>
+  </p:cSld>
+  <p:clrMapOvr>
+    <a:masterClrMapping/>
+  </p:clrMapOvr>
+</p:notes>
+</file>
+
 <file path=ppt/notesSlides/notesSlide2.xml><?xml version="1.0" encoding="utf-8"?>
 <p:notes xmlns:a="http://schemas.openxmlformats.org/drawingml/2006/main" xmlns:r="http://schemas.openxmlformats.org/officeDocument/2006/relationships" xmlns:p="http://schemas.openxmlformats.org/presentationml/2006/main">
   <p:cSld>
@@ -591,7 +856,7 @@
       </p:grpSpPr>
       <p:sp>
         <p:nvSpPr>
-          <p:cNvPr id="2" name="Slide Image Placeholder 1"/>
+          <p:cNvPr id="2" name="Folienbildplatzhalter 1"/>
           <p:cNvSpPr>
             <a:spLocks noGrp="1" noRot="1" noChangeAspect="1"/>
           </p:cNvSpPr>
@@ -603,7 +868,7 @@
       </p:sp>
       <p:sp>
         <p:nvSpPr>
-          <p:cNvPr id="3" name="Notes Placeholder 2"/>
+          <p:cNvPr id="3" name="Notizenplatzhalter 2"/>
           <p:cNvSpPr>
             <a:spLocks noGrp="1"/>
           </p:cNvSpPr>
@@ -616,13 +881,266 @@
           <a:bodyPr/>
           <a:lstStyle/>
           <a:p>
-            <a:endParaRPr lang="de-DE"/>
-          </a:p>
-        </p:txBody>
-      </p:sp>
-      <p:sp>
-        <p:nvSpPr>
-          <p:cNvPr id="4" name="Slide Number Placeholder 3"/>
+            <a:r>
+              <a:rPr lang="de-DE" dirty="0"/>
+              <a:t>Point out </a:t>
+            </a:r>
+            <a:r>
+              <a:rPr lang="de-DE" dirty="0" err="1"/>
+              <a:t>that</a:t>
+            </a:r>
+            <a:r>
+              <a:rPr lang="de-DE" dirty="0"/>
+              <a:t> </a:t>
+            </a:r>
+            <a:r>
+              <a:rPr lang="de-DE" dirty="0" err="1"/>
+              <a:t>the</a:t>
+            </a:r>
+            <a:r>
+              <a:rPr lang="de-DE" dirty="0"/>
+              <a:t> </a:t>
+            </a:r>
+            <a:r>
+              <a:rPr lang="de-DE" dirty="0" err="1"/>
+              <a:t>containers</a:t>
+            </a:r>
+            <a:r>
+              <a:rPr lang="de-DE" dirty="0"/>
+              <a:t> </a:t>
+            </a:r>
+            <a:r>
+              <a:rPr lang="de-DE" dirty="0" err="1"/>
+              <a:t>talk</a:t>
+            </a:r>
+            <a:r>
+              <a:rPr lang="de-DE" dirty="0"/>
+              <a:t> </a:t>
+            </a:r>
+            <a:r>
+              <a:rPr lang="de-DE" dirty="0" err="1"/>
+              <a:t>to</a:t>
+            </a:r>
+            <a:r>
+              <a:rPr lang="de-DE" dirty="0"/>
+              <a:t> </a:t>
+            </a:r>
+            <a:r>
+              <a:rPr lang="de-DE" dirty="0" err="1"/>
+              <a:t>each</a:t>
+            </a:r>
+            <a:r>
+              <a:rPr lang="de-DE" dirty="0"/>
+              <a:t> </a:t>
+            </a:r>
+            <a:r>
+              <a:rPr lang="de-DE" dirty="0" err="1"/>
+              <a:t>other</a:t>
+            </a:r>
+            <a:r>
+              <a:rPr lang="de-DE" dirty="0"/>
+              <a:t> via a Message Queue and </a:t>
+            </a:r>
+            <a:r>
+              <a:rPr lang="de-DE" dirty="0" err="1"/>
+              <a:t>that</a:t>
+            </a:r>
+            <a:r>
+              <a:rPr lang="de-DE" dirty="0"/>
+              <a:t> </a:t>
+            </a:r>
+            <a:r>
+              <a:rPr lang="de-DE" dirty="0" err="1"/>
+              <a:t>the</a:t>
+            </a:r>
+            <a:r>
+              <a:rPr lang="de-DE" dirty="0"/>
+              <a:t> </a:t>
+            </a:r>
+            <a:r>
+              <a:rPr lang="de-DE" dirty="0" err="1"/>
+              <a:t>application</a:t>
+            </a:r>
+            <a:r>
+              <a:rPr lang="de-DE" dirty="0"/>
+              <a:t> </a:t>
+            </a:r>
+            <a:r>
+              <a:rPr lang="de-DE" dirty="0" err="1"/>
+              <a:t>is</a:t>
+            </a:r>
+            <a:r>
+              <a:rPr lang="de-DE" dirty="0"/>
+              <a:t> </a:t>
+            </a:r>
+            <a:r>
+              <a:rPr lang="de-DE" dirty="0" err="1"/>
+              <a:t>built</a:t>
+            </a:r>
+            <a:r>
+              <a:rPr lang="de-DE" dirty="0"/>
+              <a:t> </a:t>
+            </a:r>
+            <a:r>
+              <a:rPr lang="de-DE" dirty="0" err="1"/>
+              <a:t>using</a:t>
+            </a:r>
+            <a:r>
+              <a:rPr lang="de-DE" dirty="0"/>
+              <a:t> </a:t>
+            </a:r>
+            <a:r>
+              <a:rPr lang="de-DE" dirty="0" err="1"/>
+              <a:t>docker-compose</a:t>
+            </a:r>
+            <a:r>
+              <a:rPr lang="de-DE" dirty="0"/>
+              <a:t> </a:t>
+            </a:r>
+            <a:br>
+              <a:rPr lang="de-DE" dirty="0"/>
+            </a:br>
+            <a:br>
+              <a:rPr lang="de-DE" dirty="0"/>
+            </a:br>
+            <a:r>
+              <a:rPr lang="de-DE" dirty="0"/>
+              <a:t>(</a:t>
+            </a:r>
+            <a:r>
+              <a:rPr lang="de-DE" dirty="0" err="1"/>
+              <a:t>Reason</a:t>
+            </a:r>
+            <a:r>
+              <a:rPr lang="de-DE" dirty="0"/>
+              <a:t> (</a:t>
+            </a:r>
+            <a:r>
+              <a:rPr lang="de-DE" dirty="0" err="1"/>
+              <a:t>don‘t</a:t>
+            </a:r>
+            <a:r>
+              <a:rPr lang="de-DE" dirty="0"/>
+              <a:t> </a:t>
+            </a:r>
+            <a:r>
+              <a:rPr lang="de-DE" dirty="0" err="1"/>
+              <a:t>mention</a:t>
+            </a:r>
+            <a:r>
+              <a:rPr lang="de-DE" dirty="0"/>
+              <a:t>): This </a:t>
+            </a:r>
+            <a:r>
+              <a:rPr lang="de-DE" dirty="0" err="1"/>
+              <a:t>is</a:t>
+            </a:r>
+            <a:r>
+              <a:rPr lang="de-DE" dirty="0"/>
+              <a:t> </a:t>
+            </a:r>
+            <a:r>
+              <a:rPr lang="de-DE" dirty="0" err="1"/>
+              <a:t>important</a:t>
+            </a:r>
+            <a:r>
+              <a:rPr lang="de-DE" dirty="0"/>
+              <a:t> </a:t>
+            </a:r>
+            <a:r>
+              <a:rPr lang="de-DE" dirty="0" err="1"/>
+              <a:t>because</a:t>
+            </a:r>
+            <a:r>
+              <a:rPr lang="de-DE" dirty="0"/>
+              <a:t> </a:t>
+            </a:r>
+            <a:r>
+              <a:rPr lang="de-DE" dirty="0" err="1"/>
+              <a:t>that‘s</a:t>
+            </a:r>
+            <a:r>
+              <a:rPr lang="de-DE" dirty="0"/>
+              <a:t> </a:t>
+            </a:r>
+            <a:r>
+              <a:rPr lang="de-DE" dirty="0" err="1"/>
+              <a:t>why</a:t>
+            </a:r>
+            <a:r>
+              <a:rPr lang="de-DE" dirty="0"/>
+              <a:t> </a:t>
+            </a:r>
+            <a:r>
+              <a:rPr lang="de-DE" dirty="0" err="1"/>
+              <a:t>we</a:t>
+            </a:r>
+            <a:r>
+              <a:rPr lang="de-DE" dirty="0"/>
+              <a:t> </a:t>
+            </a:r>
+            <a:r>
+              <a:rPr lang="de-DE" dirty="0" err="1"/>
+              <a:t>didn‘t</a:t>
+            </a:r>
+            <a:r>
+              <a:rPr lang="de-DE" dirty="0"/>
+              <a:t> separate </a:t>
+            </a:r>
+            <a:r>
+              <a:rPr lang="de-DE" dirty="0" err="1"/>
+              <a:t>the</a:t>
+            </a:r>
+            <a:r>
+              <a:rPr lang="de-DE" dirty="0"/>
+              <a:t> </a:t>
+            </a:r>
+            <a:r>
+              <a:rPr lang="de-DE" dirty="0" err="1"/>
+              <a:t>containers</a:t>
+            </a:r>
+            <a:r>
+              <a:rPr lang="de-DE" dirty="0"/>
+              <a:t> and </a:t>
+            </a:r>
+            <a:r>
+              <a:rPr lang="de-DE" dirty="0" err="1"/>
+              <a:t>use</a:t>
+            </a:r>
+            <a:r>
+              <a:rPr lang="de-DE" dirty="0"/>
+              <a:t> </a:t>
+            </a:r>
+            <a:r>
+              <a:rPr lang="de-DE" dirty="0" err="1"/>
+              <a:t>the</a:t>
+            </a:r>
+            <a:r>
+              <a:rPr lang="de-DE" dirty="0"/>
+              <a:t> AWS </a:t>
+            </a:r>
+            <a:r>
+              <a:rPr lang="de-DE" dirty="0" err="1"/>
+              <a:t>Elastic</a:t>
+            </a:r>
+            <a:r>
+              <a:rPr lang="de-DE" dirty="0"/>
+              <a:t> Container Service </a:t>
+            </a:r>
+            <a:r>
+              <a:rPr lang="de-DE" dirty="0" err="1"/>
+              <a:t>or</a:t>
+            </a:r>
+            <a:r>
+              <a:rPr lang="de-DE" dirty="0"/>
+              <a:t> Lambda)</a:t>
+            </a:r>
+          </a:p>
+        </p:txBody>
+      </p:sp>
+      <p:sp>
+        <p:nvSpPr>
+          <p:cNvPr id="4" name="Foliennummernplatzhalter 3"/>
           <p:cNvSpPr>
             <a:spLocks noGrp="1"/>
           </p:cNvSpPr>
@@ -637,7 +1155,7 @@
           <a:p>
             <a:fld id="{5976870D-EDE0-4065-9108-FF08285B4E25}" type="slidenum">
               <a:rPr lang="de-DE" smtClean="0"/>
-              <a:t>20</a:t>
+              <a:t>4</a:t>
             </a:fld>
             <a:endParaRPr lang="de-DE"/>
           </a:p>
@@ -646,7 +1164,7 @@
     </p:spTree>
     <p:extLst>
       <p:ext uri="{BB962C8B-B14F-4D97-AF65-F5344CB8AC3E}">
-        <p14:creationId xmlns:p14="http://schemas.microsoft.com/office/powerpoint/2010/main" val="726817292"/>
+        <p14:creationId xmlns:p14="http://schemas.microsoft.com/office/powerpoint/2010/main" val="154644835"/>
       </p:ext>
     </p:extLst>
   </p:cSld>
@@ -675,6 +1193,595 @@
       </p:grpSpPr>
       <p:sp>
         <p:nvSpPr>
+          <p:cNvPr id="2" name="Folienbildplatzhalter 1"/>
+          <p:cNvSpPr>
+            <a:spLocks noGrp="1" noRot="1" noChangeAspect="1"/>
+          </p:cNvSpPr>
+          <p:nvPr>
+            <p:ph type="sldImg"/>
+          </p:nvPr>
+        </p:nvSpPr>
+        <p:spPr/>
+      </p:sp>
+      <p:sp>
+        <p:nvSpPr>
+          <p:cNvPr id="3" name="Notizenplatzhalter 2"/>
+          <p:cNvSpPr>
+            <a:spLocks noGrp="1"/>
+          </p:cNvSpPr>
+          <p:nvPr>
+            <p:ph type="body" idx="1"/>
+          </p:nvPr>
+        </p:nvSpPr>
+        <p:spPr/>
+        <p:txBody>
+          <a:bodyPr/>
+          <a:lstStyle/>
+          <a:p>
+            <a:r>
+              <a:rPr lang="de-DE" dirty="0"/>
+              <a:t>Just </a:t>
+            </a:r>
+            <a:r>
+              <a:rPr lang="de-DE" dirty="0" err="1"/>
+              <a:t>explain</a:t>
+            </a:r>
+            <a:r>
+              <a:rPr lang="de-DE" dirty="0"/>
+              <a:t> </a:t>
+            </a:r>
+            <a:r>
+              <a:rPr lang="de-DE" dirty="0" err="1"/>
+              <a:t>how</a:t>
+            </a:r>
+            <a:r>
+              <a:rPr lang="de-DE" dirty="0"/>
+              <a:t> </a:t>
+            </a:r>
+            <a:r>
+              <a:rPr lang="de-DE" dirty="0" err="1"/>
+              <a:t>this</a:t>
+            </a:r>
+            <a:r>
+              <a:rPr lang="de-DE" dirty="0"/>
+              <a:t> </a:t>
+            </a:r>
+            <a:r>
+              <a:rPr lang="de-DE" dirty="0" err="1"/>
+              <a:t>works</a:t>
+            </a:r>
+            <a:r>
+              <a:rPr lang="de-DE" dirty="0"/>
+              <a:t> </a:t>
+            </a:r>
+            <a:r>
+              <a:rPr lang="de-DE" dirty="0" err="1"/>
+              <a:t>following</a:t>
+            </a:r>
+            <a:r>
+              <a:rPr lang="de-DE" dirty="0"/>
+              <a:t> </a:t>
+            </a:r>
+            <a:r>
+              <a:rPr lang="de-DE" dirty="0" err="1"/>
+              <a:t>the</a:t>
+            </a:r>
+            <a:r>
+              <a:rPr lang="de-DE" dirty="0"/>
+              <a:t> </a:t>
+            </a:r>
+            <a:r>
+              <a:rPr lang="de-DE" dirty="0" err="1"/>
+              <a:t>comments</a:t>
+            </a:r>
+            <a:r>
+              <a:rPr lang="de-DE" dirty="0"/>
+              <a:t> </a:t>
+            </a:r>
+            <a:r>
+              <a:rPr lang="de-DE" dirty="0">
+                <a:sym typeface="Wingdings" panose="05000000000000000000" pitchFamily="2" charset="2"/>
+              </a:rPr>
+              <a:t> </a:t>
+            </a:r>
+            <a:endParaRPr lang="de-DE" dirty="0"/>
+          </a:p>
+        </p:txBody>
+      </p:sp>
+      <p:sp>
+        <p:nvSpPr>
+          <p:cNvPr id="4" name="Foliennummernplatzhalter 3"/>
+          <p:cNvSpPr>
+            <a:spLocks noGrp="1"/>
+          </p:cNvSpPr>
+          <p:nvPr>
+            <p:ph type="sldNum" sz="quarter" idx="5"/>
+          </p:nvPr>
+        </p:nvSpPr>
+        <p:spPr/>
+        <p:txBody>
+          <a:bodyPr/>
+          <a:lstStyle/>
+          <a:p>
+            <a:fld id="{5976870D-EDE0-4065-9108-FF08285B4E25}" type="slidenum">
+              <a:rPr lang="de-DE" smtClean="0"/>
+              <a:t>8</a:t>
+            </a:fld>
+            <a:endParaRPr lang="de-DE"/>
+          </a:p>
+        </p:txBody>
+      </p:sp>
+    </p:spTree>
+    <p:extLst>
+      <p:ext uri="{BB962C8B-B14F-4D97-AF65-F5344CB8AC3E}">
+        <p14:creationId xmlns:p14="http://schemas.microsoft.com/office/powerpoint/2010/main" val="1014576981"/>
+      </p:ext>
+    </p:extLst>
+  </p:cSld>
+  <p:clrMapOvr>
+    <a:masterClrMapping/>
+  </p:clrMapOvr>
+</p:notes>
+</file>
+
+<file path=ppt/notesSlides/notesSlide4.xml><?xml version="1.0" encoding="utf-8"?>
+<p:notes xmlns:a="http://schemas.openxmlformats.org/drawingml/2006/main" xmlns:r="http://schemas.openxmlformats.org/officeDocument/2006/relationships" xmlns:p="http://schemas.openxmlformats.org/presentationml/2006/main">
+  <p:cSld>
+    <p:spTree>
+      <p:nvGrpSpPr>
+        <p:cNvPr id="1" name=""/>
+        <p:cNvGrpSpPr/>
+        <p:nvPr/>
+      </p:nvGrpSpPr>
+      <p:grpSpPr>
+        <a:xfrm>
+          <a:off x="0" y="0"/>
+          <a:ext cx="0" cy="0"/>
+          <a:chOff x="0" y="0"/>
+          <a:chExt cx="0" cy="0"/>
+        </a:xfrm>
+      </p:grpSpPr>
+      <p:sp>
+        <p:nvSpPr>
+          <p:cNvPr id="2" name="Folienbildplatzhalter 1"/>
+          <p:cNvSpPr>
+            <a:spLocks noGrp="1" noRot="1" noChangeAspect="1"/>
+          </p:cNvSpPr>
+          <p:nvPr>
+            <p:ph type="sldImg"/>
+          </p:nvPr>
+        </p:nvSpPr>
+        <p:spPr/>
+      </p:sp>
+      <p:sp>
+        <p:nvSpPr>
+          <p:cNvPr id="3" name="Notizenplatzhalter 2"/>
+          <p:cNvSpPr>
+            <a:spLocks noGrp="1"/>
+          </p:cNvSpPr>
+          <p:nvPr>
+            <p:ph type="body" idx="1"/>
+          </p:nvPr>
+        </p:nvSpPr>
+        <p:spPr/>
+        <p:txBody>
+          <a:bodyPr/>
+          <a:lstStyle/>
+          <a:p>
+            <a:r>
+              <a:rPr lang="de-DE" dirty="0"/>
+              <a:t>Show </a:t>
+            </a:r>
+            <a:r>
+              <a:rPr lang="de-DE" dirty="0" err="1"/>
+              <a:t>the</a:t>
+            </a:r>
+            <a:r>
+              <a:rPr lang="de-DE" dirty="0"/>
+              <a:t> </a:t>
+            </a:r>
+            <a:r>
+              <a:rPr lang="de-DE" dirty="0" err="1"/>
+              <a:t>ami</a:t>
+            </a:r>
+            <a:r>
+              <a:rPr lang="de-DE" dirty="0"/>
+              <a:t>, </a:t>
+            </a:r>
+            <a:r>
+              <a:rPr lang="de-DE" dirty="0" err="1"/>
+              <a:t>instance</a:t>
+            </a:r>
+            <a:r>
+              <a:rPr lang="de-DE" dirty="0"/>
+              <a:t> type and </a:t>
+            </a:r>
+            <a:r>
+              <a:rPr lang="de-DE" dirty="0" err="1"/>
+              <a:t>security</a:t>
+            </a:r>
+            <a:r>
+              <a:rPr lang="de-DE" dirty="0"/>
+              <a:t> </a:t>
+            </a:r>
+            <a:r>
+              <a:rPr lang="de-DE" dirty="0" err="1"/>
+              <a:t>group</a:t>
+            </a:r>
+            <a:endParaRPr lang="de-DE" dirty="0"/>
+          </a:p>
+        </p:txBody>
+      </p:sp>
+      <p:sp>
+        <p:nvSpPr>
+          <p:cNvPr id="4" name="Foliennummernplatzhalter 3"/>
+          <p:cNvSpPr>
+            <a:spLocks noGrp="1"/>
+          </p:cNvSpPr>
+          <p:nvPr>
+            <p:ph type="sldNum" sz="quarter" idx="5"/>
+          </p:nvPr>
+        </p:nvSpPr>
+        <p:spPr/>
+        <p:txBody>
+          <a:bodyPr/>
+          <a:lstStyle/>
+          <a:p>
+            <a:fld id="{5976870D-EDE0-4065-9108-FF08285B4E25}" type="slidenum">
+              <a:rPr lang="de-DE" smtClean="0"/>
+              <a:t>10</a:t>
+            </a:fld>
+            <a:endParaRPr lang="de-DE"/>
+          </a:p>
+        </p:txBody>
+      </p:sp>
+    </p:spTree>
+    <p:extLst>
+      <p:ext uri="{BB962C8B-B14F-4D97-AF65-F5344CB8AC3E}">
+        <p14:creationId xmlns:p14="http://schemas.microsoft.com/office/powerpoint/2010/main" val="3404673348"/>
+      </p:ext>
+    </p:extLst>
+  </p:cSld>
+  <p:clrMapOvr>
+    <a:masterClrMapping/>
+  </p:clrMapOvr>
+</p:notes>
+</file>
+
+<file path=ppt/notesSlides/notesSlide5.xml><?xml version="1.0" encoding="utf-8"?>
+<p:notes xmlns:a="http://schemas.openxmlformats.org/drawingml/2006/main" xmlns:r="http://schemas.openxmlformats.org/officeDocument/2006/relationships" xmlns:p="http://schemas.openxmlformats.org/presentationml/2006/main">
+  <p:cSld>
+    <p:spTree>
+      <p:nvGrpSpPr>
+        <p:cNvPr id="1" name=""/>
+        <p:cNvGrpSpPr/>
+        <p:nvPr/>
+      </p:nvGrpSpPr>
+      <p:grpSpPr>
+        <a:xfrm>
+          <a:off x="0" y="0"/>
+          <a:ext cx="0" cy="0"/>
+          <a:chOff x="0" y="0"/>
+          <a:chExt cx="0" cy="0"/>
+        </a:xfrm>
+      </p:grpSpPr>
+      <p:sp>
+        <p:nvSpPr>
+          <p:cNvPr id="2" name="Folienbildplatzhalter 1"/>
+          <p:cNvSpPr>
+            <a:spLocks noGrp="1" noRot="1" noChangeAspect="1"/>
+          </p:cNvSpPr>
+          <p:nvPr>
+            <p:ph type="sldImg"/>
+          </p:nvPr>
+        </p:nvSpPr>
+        <p:spPr/>
+      </p:sp>
+      <p:sp>
+        <p:nvSpPr>
+          <p:cNvPr id="3" name="Notizenplatzhalter 2"/>
+          <p:cNvSpPr>
+            <a:spLocks noGrp="1"/>
+          </p:cNvSpPr>
+          <p:nvPr>
+            <p:ph type="body" idx="1"/>
+          </p:nvPr>
+        </p:nvSpPr>
+        <p:spPr/>
+        <p:txBody>
+          <a:bodyPr/>
+          <a:lstStyle/>
+          <a:p>
+            <a:r>
+              <a:rPr lang="de-DE" dirty="0"/>
+              <a:t>Most </a:t>
+            </a:r>
+            <a:r>
+              <a:rPr lang="de-DE" dirty="0" err="1"/>
+              <a:t>interesting</a:t>
+            </a:r>
+            <a:r>
+              <a:rPr lang="de-DE" dirty="0"/>
+              <a:t> </a:t>
+            </a:r>
+            <a:r>
+              <a:rPr lang="de-DE" dirty="0" err="1"/>
+              <a:t>thing</a:t>
+            </a:r>
+            <a:r>
+              <a:rPr lang="de-DE" dirty="0"/>
+              <a:t> </a:t>
+            </a:r>
+            <a:r>
+              <a:rPr lang="de-DE" dirty="0" err="1"/>
+              <a:t>for</a:t>
+            </a:r>
+            <a:r>
+              <a:rPr lang="de-DE" dirty="0"/>
+              <a:t> </a:t>
+            </a:r>
+            <a:r>
+              <a:rPr lang="de-DE" dirty="0" err="1"/>
+              <a:t>the</a:t>
+            </a:r>
+            <a:r>
+              <a:rPr lang="de-DE" dirty="0"/>
+              <a:t> </a:t>
+            </a:r>
+            <a:r>
+              <a:rPr lang="de-DE" dirty="0" err="1"/>
+              <a:t>others</a:t>
+            </a:r>
+            <a:r>
+              <a:rPr lang="de-DE" dirty="0"/>
+              <a:t> </a:t>
+            </a:r>
+            <a:r>
+              <a:rPr lang="de-DE" dirty="0" err="1"/>
+              <a:t>here</a:t>
+            </a:r>
+            <a:r>
+              <a:rPr lang="de-DE" dirty="0"/>
+              <a:t> </a:t>
+            </a:r>
+            <a:r>
+              <a:rPr lang="de-DE" dirty="0" err="1"/>
+              <a:t>is</a:t>
+            </a:r>
+            <a:r>
+              <a:rPr lang="de-DE" dirty="0"/>
+              <a:t> </a:t>
+            </a:r>
+            <a:r>
+              <a:rPr lang="de-DE" dirty="0" err="1"/>
+              <a:t>imo</a:t>
+            </a:r>
+            <a:r>
+              <a:rPr lang="de-DE" dirty="0"/>
+              <a:t> </a:t>
+            </a:r>
+            <a:r>
+              <a:rPr lang="de-DE" dirty="0" err="1"/>
+              <a:t>the</a:t>
+            </a:r>
+            <a:r>
+              <a:rPr lang="de-DE" dirty="0"/>
+              <a:t> </a:t>
+            </a:r>
+            <a:r>
+              <a:rPr lang="de-DE" dirty="0" err="1"/>
+              <a:t>Elastic</a:t>
+            </a:r>
+            <a:r>
+              <a:rPr lang="de-DE" dirty="0"/>
+              <a:t> IP </a:t>
+            </a:r>
+          </a:p>
+        </p:txBody>
+      </p:sp>
+      <p:sp>
+        <p:nvSpPr>
+          <p:cNvPr id="4" name="Foliennummernplatzhalter 3"/>
+          <p:cNvSpPr>
+            <a:spLocks noGrp="1"/>
+          </p:cNvSpPr>
+          <p:nvPr>
+            <p:ph type="sldNum" sz="quarter" idx="5"/>
+          </p:nvPr>
+        </p:nvSpPr>
+        <p:spPr/>
+        <p:txBody>
+          <a:bodyPr/>
+          <a:lstStyle/>
+          <a:p>
+            <a:fld id="{5976870D-EDE0-4065-9108-FF08285B4E25}" type="slidenum">
+              <a:rPr lang="de-DE" smtClean="0"/>
+              <a:t>12</a:t>
+            </a:fld>
+            <a:endParaRPr lang="de-DE"/>
+          </a:p>
+        </p:txBody>
+      </p:sp>
+    </p:spTree>
+    <p:extLst>
+      <p:ext uri="{BB962C8B-B14F-4D97-AF65-F5344CB8AC3E}">
+        <p14:creationId xmlns:p14="http://schemas.microsoft.com/office/powerpoint/2010/main" val="781538752"/>
+      </p:ext>
+    </p:extLst>
+  </p:cSld>
+  <p:clrMapOvr>
+    <a:masterClrMapping/>
+  </p:clrMapOvr>
+</p:notes>
+</file>
+
+<file path=ppt/notesSlides/notesSlide6.xml><?xml version="1.0" encoding="utf-8"?>
+<p:notes xmlns:a="http://schemas.openxmlformats.org/drawingml/2006/main" xmlns:r="http://schemas.openxmlformats.org/officeDocument/2006/relationships" xmlns:p="http://schemas.openxmlformats.org/presentationml/2006/main">
+  <p:cSld>
+    <p:spTree>
+      <p:nvGrpSpPr>
+        <p:cNvPr id="1" name=""/>
+        <p:cNvGrpSpPr/>
+        <p:nvPr/>
+      </p:nvGrpSpPr>
+      <p:grpSpPr>
+        <a:xfrm>
+          <a:off x="0" y="0"/>
+          <a:ext cx="0" cy="0"/>
+          <a:chOff x="0" y="0"/>
+          <a:chExt cx="0" cy="0"/>
+        </a:xfrm>
+      </p:grpSpPr>
+      <p:sp>
+        <p:nvSpPr>
+          <p:cNvPr id="2" name="Folienbildplatzhalter 1"/>
+          <p:cNvSpPr>
+            <a:spLocks noGrp="1" noRot="1" noChangeAspect="1"/>
+          </p:cNvSpPr>
+          <p:nvPr>
+            <p:ph type="sldImg"/>
+          </p:nvPr>
+        </p:nvSpPr>
+        <p:spPr/>
+      </p:sp>
+      <p:sp>
+        <p:nvSpPr>
+          <p:cNvPr id="3" name="Notizenplatzhalter 2"/>
+          <p:cNvSpPr>
+            <a:spLocks noGrp="1"/>
+          </p:cNvSpPr>
+          <p:nvPr>
+            <p:ph type="body" idx="1"/>
+          </p:nvPr>
+        </p:nvSpPr>
+        <p:spPr/>
+        <p:txBody>
+          <a:bodyPr/>
+          <a:lstStyle/>
+          <a:p>
+            <a:r>
+              <a:rPr lang="de-DE" dirty="0"/>
+              <a:t>Critical </a:t>
+            </a:r>
+            <a:r>
+              <a:rPr lang="de-DE" dirty="0" err="1"/>
+              <a:t>point</a:t>
+            </a:r>
+            <a:r>
+              <a:rPr lang="de-DE" dirty="0"/>
+              <a:t> </a:t>
+            </a:r>
+            <a:r>
+              <a:rPr lang="de-DE" dirty="0" err="1"/>
+              <a:t>is</a:t>
+            </a:r>
+            <a:r>
+              <a:rPr lang="de-DE" dirty="0"/>
+              <a:t> </a:t>
+            </a:r>
+            <a:r>
+              <a:rPr lang="de-DE" dirty="0" err="1"/>
+              <a:t>the</a:t>
+            </a:r>
+            <a:r>
+              <a:rPr lang="de-DE" dirty="0"/>
+              <a:t> </a:t>
+            </a:r>
+            <a:r>
+              <a:rPr lang="de-DE" dirty="0" err="1"/>
+              <a:t>deployment</a:t>
+            </a:r>
+            <a:r>
+              <a:rPr lang="de-DE" dirty="0"/>
+              <a:t> of </a:t>
+            </a:r>
+            <a:r>
+              <a:rPr lang="de-DE" dirty="0" err="1"/>
+              <a:t>the</a:t>
+            </a:r>
+            <a:r>
+              <a:rPr lang="de-DE" dirty="0"/>
+              <a:t> </a:t>
+            </a:r>
+            <a:r>
+              <a:rPr lang="de-DE" dirty="0" err="1"/>
+              <a:t>app</a:t>
+            </a:r>
+            <a:r>
+              <a:rPr lang="de-DE" dirty="0"/>
+              <a:t> on </a:t>
+            </a:r>
+            <a:r>
+              <a:rPr lang="de-DE" dirty="0" err="1"/>
+              <a:t>the</a:t>
+            </a:r>
+            <a:r>
+              <a:rPr lang="de-DE" dirty="0"/>
+              <a:t> EC2 </a:t>
+            </a:r>
+            <a:r>
+              <a:rPr lang="de-DE" dirty="0" err="1"/>
+              <a:t>machine</a:t>
+            </a:r>
+            <a:endParaRPr lang="de-DE" dirty="0"/>
+          </a:p>
+        </p:txBody>
+      </p:sp>
+      <p:sp>
+        <p:nvSpPr>
+          <p:cNvPr id="4" name="Foliennummernplatzhalter 3"/>
+          <p:cNvSpPr>
+            <a:spLocks noGrp="1"/>
+          </p:cNvSpPr>
+          <p:nvPr>
+            <p:ph type="sldNum" sz="quarter" idx="5"/>
+          </p:nvPr>
+        </p:nvSpPr>
+        <p:spPr/>
+        <p:txBody>
+          <a:bodyPr/>
+          <a:lstStyle/>
+          <a:p>
+            <a:fld id="{5976870D-EDE0-4065-9108-FF08285B4E25}" type="slidenum">
+              <a:rPr lang="de-DE" smtClean="0"/>
+              <a:t>17</a:t>
+            </a:fld>
+            <a:endParaRPr lang="de-DE"/>
+          </a:p>
+        </p:txBody>
+      </p:sp>
+    </p:spTree>
+    <p:extLst>
+      <p:ext uri="{BB962C8B-B14F-4D97-AF65-F5344CB8AC3E}">
+        <p14:creationId xmlns:p14="http://schemas.microsoft.com/office/powerpoint/2010/main" val="2820042387"/>
+      </p:ext>
+    </p:extLst>
+  </p:cSld>
+  <p:clrMapOvr>
+    <a:masterClrMapping/>
+  </p:clrMapOvr>
+</p:notes>
+</file>
+
+<file path=ppt/notesSlides/notesSlide7.xml><?xml version="1.0" encoding="utf-8"?>
+<p:notes xmlns:a="http://schemas.openxmlformats.org/drawingml/2006/main" xmlns:r="http://schemas.openxmlformats.org/officeDocument/2006/relationships" xmlns:p="http://schemas.openxmlformats.org/presentationml/2006/main">
+  <p:cSld>
+    <p:spTree>
+      <p:nvGrpSpPr>
+        <p:cNvPr id="1" name=""/>
+        <p:cNvGrpSpPr/>
+        <p:nvPr/>
+      </p:nvGrpSpPr>
+      <p:grpSpPr>
+        <a:xfrm>
+          <a:off x="0" y="0"/>
+          <a:ext cx="0" cy="0"/>
+          <a:chOff x="0" y="0"/>
+          <a:chExt cx="0" cy="0"/>
+        </a:xfrm>
+      </p:grpSpPr>
+      <p:sp>
+        <p:nvSpPr>
           <p:cNvPr id="2" name="Slide Image Placeholder 1"/>
           <p:cNvSpPr>
             <a:spLocks noGrp="1" noRot="1" noChangeAspect="1"/>
@@ -700,7 +1807,122 @@
           <a:bodyPr/>
           <a:lstStyle/>
           <a:p>
-            <a:endParaRPr lang="de-DE"/>
+            <a:r>
+              <a:rPr lang="de-DE" dirty="0"/>
+              <a:t>Mention </a:t>
+            </a:r>
+            <a:r>
+              <a:rPr lang="de-DE" dirty="0" err="1"/>
+              <a:t>here</a:t>
+            </a:r>
+            <a:r>
+              <a:rPr lang="de-DE" dirty="0"/>
+              <a:t> </a:t>
+            </a:r>
+            <a:r>
+              <a:rPr lang="de-DE" dirty="0" err="1"/>
+              <a:t>that</a:t>
+            </a:r>
+            <a:r>
+              <a:rPr lang="de-DE" dirty="0"/>
+              <a:t> </a:t>
+            </a:r>
+            <a:r>
+              <a:rPr lang="de-DE" dirty="0" err="1"/>
+              <a:t>both</a:t>
+            </a:r>
+            <a:r>
+              <a:rPr lang="de-DE" dirty="0"/>
+              <a:t> </a:t>
+            </a:r>
+            <a:r>
+              <a:rPr lang="de-DE" dirty="0" err="1"/>
+              <a:t>workflows</a:t>
+            </a:r>
+            <a:r>
+              <a:rPr lang="de-DE" dirty="0"/>
+              <a:t> </a:t>
+            </a:r>
+            <a:r>
+              <a:rPr lang="de-DE" dirty="0" err="1"/>
+              <a:t>use</a:t>
+            </a:r>
+            <a:r>
+              <a:rPr lang="de-DE" dirty="0"/>
+              <a:t> </a:t>
+            </a:r>
+            <a:r>
+              <a:rPr lang="de-DE" dirty="0" err="1"/>
+              <a:t>the</a:t>
+            </a:r>
+            <a:r>
+              <a:rPr lang="de-DE" dirty="0"/>
+              <a:t> same EC2 </a:t>
+            </a:r>
+            <a:r>
+              <a:rPr lang="de-DE" dirty="0" err="1"/>
+              <a:t>machine</a:t>
+            </a:r>
+            <a:r>
+              <a:rPr lang="de-DE" dirty="0"/>
+              <a:t> and </a:t>
+            </a:r>
+            <a:r>
+              <a:rPr lang="de-DE" dirty="0" err="1"/>
+              <a:t>that</a:t>
+            </a:r>
+            <a:r>
+              <a:rPr lang="de-DE" dirty="0"/>
+              <a:t> </a:t>
+            </a:r>
+            <a:r>
+              <a:rPr lang="de-DE" dirty="0" err="1"/>
+              <a:t>we</a:t>
+            </a:r>
+            <a:r>
+              <a:rPr lang="de-DE" dirty="0"/>
+              <a:t> also </a:t>
+            </a:r>
+            <a:r>
+              <a:rPr lang="de-DE" dirty="0" err="1"/>
+              <a:t>have</a:t>
+            </a:r>
+            <a:r>
+              <a:rPr lang="de-DE" dirty="0"/>
+              <a:t> a </a:t>
+            </a:r>
+            <a:r>
+              <a:rPr lang="de-DE" dirty="0" err="1"/>
+              <a:t>workflow</a:t>
+            </a:r>
+            <a:r>
+              <a:rPr lang="de-DE" dirty="0"/>
+              <a:t> </a:t>
+            </a:r>
+            <a:r>
+              <a:rPr lang="de-DE" dirty="0" err="1"/>
+              <a:t>for</a:t>
+            </a:r>
+            <a:r>
+              <a:rPr lang="de-DE" dirty="0"/>
+              <a:t> </a:t>
+            </a:r>
+            <a:r>
+              <a:rPr lang="de-DE" dirty="0" err="1"/>
+              <a:t>shutting</a:t>
+            </a:r>
+            <a:r>
+              <a:rPr lang="de-DE" dirty="0"/>
+              <a:t> down </a:t>
+            </a:r>
+            <a:r>
+              <a:rPr lang="de-DE" dirty="0" err="1"/>
+              <a:t>the</a:t>
+            </a:r>
+            <a:r>
+              <a:rPr lang="de-DE" dirty="0"/>
+              <a:t> EC2 </a:t>
+            </a:r>
           </a:p>
         </p:txBody>
       </p:sp>
@@ -721,7 +1943,91 @@
           <a:p>
             <a:fld id="{5976870D-EDE0-4065-9108-FF08285B4E25}" type="slidenum">
               <a:rPr lang="de-DE" smtClean="0"/>
-              <a:t>21</a:t>
+              <a:t>22</a:t>
+            </a:fld>
+            <a:endParaRPr lang="de-DE"/>
+          </a:p>
+        </p:txBody>
+      </p:sp>
+    </p:spTree>
+    <p:extLst>
+      <p:ext uri="{BB962C8B-B14F-4D97-AF65-F5344CB8AC3E}">
+        <p14:creationId xmlns:p14="http://schemas.microsoft.com/office/powerpoint/2010/main" val="726817292"/>
+      </p:ext>
+    </p:extLst>
+  </p:cSld>
+  <p:clrMapOvr>
+    <a:masterClrMapping/>
+  </p:clrMapOvr>
+</p:notes>
+</file>
+
+<file path=ppt/notesSlides/notesSlide8.xml><?xml version="1.0" encoding="utf-8"?>
+<p:notes xmlns:a="http://schemas.openxmlformats.org/drawingml/2006/main" xmlns:r="http://schemas.openxmlformats.org/officeDocument/2006/relationships" xmlns:p="http://schemas.openxmlformats.org/presentationml/2006/main">
+  <p:cSld>
+    <p:spTree>
+      <p:nvGrpSpPr>
+        <p:cNvPr id="1" name=""/>
+        <p:cNvGrpSpPr/>
+        <p:nvPr/>
+      </p:nvGrpSpPr>
+      <p:grpSpPr>
+        <a:xfrm>
+          <a:off x="0" y="0"/>
+          <a:ext cx="0" cy="0"/>
+          <a:chOff x="0" y="0"/>
+          <a:chExt cx="0" cy="0"/>
+        </a:xfrm>
+      </p:grpSpPr>
+      <p:sp>
+        <p:nvSpPr>
+          <p:cNvPr id="2" name="Slide Image Placeholder 1"/>
+          <p:cNvSpPr>
+            <a:spLocks noGrp="1" noRot="1" noChangeAspect="1"/>
+          </p:cNvSpPr>
+          <p:nvPr>
+            <p:ph type="sldImg"/>
+          </p:nvPr>
+        </p:nvSpPr>
+        <p:spPr/>
+      </p:sp>
+      <p:sp>
+        <p:nvSpPr>
+          <p:cNvPr id="3" name="Notes Placeholder 2"/>
+          <p:cNvSpPr>
+            <a:spLocks noGrp="1"/>
+          </p:cNvSpPr>
+          <p:nvPr>
+            <p:ph type="body" idx="1"/>
+          </p:nvPr>
+        </p:nvSpPr>
+        <p:spPr/>
+        <p:txBody>
+          <a:bodyPr/>
+          <a:lstStyle/>
+          <a:p>
+            <a:endParaRPr lang="de-DE"/>
+          </a:p>
+        </p:txBody>
+      </p:sp>
+      <p:sp>
+        <p:nvSpPr>
+          <p:cNvPr id="4" name="Slide Number Placeholder 3"/>
+          <p:cNvSpPr>
+            <a:spLocks noGrp="1"/>
+          </p:cNvSpPr>
+          <p:nvPr>
+            <p:ph type="sldNum" sz="quarter" idx="5"/>
+          </p:nvPr>
+        </p:nvSpPr>
+        <p:spPr/>
+        <p:txBody>
+          <a:bodyPr/>
+          <a:lstStyle/>
+          <a:p>
+            <a:fld id="{5976870D-EDE0-4065-9108-FF08285B4E25}" type="slidenum">
+              <a:rPr lang="de-DE" smtClean="0"/>
+              <a:t>23</a:t>
             </a:fld>
             <a:endParaRPr lang="de-DE"/>
           </a:p>
@@ -731,6 +2037,266 @@
     <p:extLst>
       <p:ext uri="{BB962C8B-B14F-4D97-AF65-F5344CB8AC3E}">
         <p14:creationId xmlns:p14="http://schemas.microsoft.com/office/powerpoint/2010/main" val="287121394"/>
+      </p:ext>
+    </p:extLst>
+  </p:cSld>
+  <p:clrMapOvr>
+    <a:masterClrMapping/>
+  </p:clrMapOvr>
+</p:notes>
+</file>
+
+<file path=ppt/notesSlides/notesSlide9.xml><?xml version="1.0" encoding="utf-8"?>
+<p:notes xmlns:a="http://schemas.openxmlformats.org/drawingml/2006/main" xmlns:r="http://schemas.openxmlformats.org/officeDocument/2006/relationships" xmlns:p="http://schemas.openxmlformats.org/presentationml/2006/main">
+  <p:cSld>
+    <p:spTree>
+      <p:nvGrpSpPr>
+        <p:cNvPr id="1" name=""/>
+        <p:cNvGrpSpPr/>
+        <p:nvPr/>
+      </p:nvGrpSpPr>
+      <p:grpSpPr>
+        <a:xfrm>
+          <a:off x="0" y="0"/>
+          <a:ext cx="0" cy="0"/>
+          <a:chOff x="0" y="0"/>
+          <a:chExt cx="0" cy="0"/>
+        </a:xfrm>
+      </p:grpSpPr>
+      <p:sp>
+        <p:nvSpPr>
+          <p:cNvPr id="2" name="Folienbildplatzhalter 1"/>
+          <p:cNvSpPr>
+            <a:spLocks noGrp="1" noRot="1" noChangeAspect="1"/>
+          </p:cNvSpPr>
+          <p:nvPr>
+            <p:ph type="sldImg"/>
+          </p:nvPr>
+        </p:nvSpPr>
+        <p:spPr/>
+      </p:sp>
+      <p:sp>
+        <p:nvSpPr>
+          <p:cNvPr id="3" name="Notizenplatzhalter 2"/>
+          <p:cNvSpPr>
+            <a:spLocks noGrp="1"/>
+          </p:cNvSpPr>
+          <p:nvPr>
+            <p:ph type="body" idx="1"/>
+          </p:nvPr>
+        </p:nvSpPr>
+        <p:spPr/>
+        <p:txBody>
+          <a:bodyPr/>
+          <a:lstStyle/>
+          <a:p>
+            <a:r>
+              <a:rPr lang="de-DE" dirty="0"/>
+              <a:t>Like </a:t>
+            </a:r>
+            <a:r>
+              <a:rPr lang="de-DE" dirty="0" err="1"/>
+              <a:t>this</a:t>
+            </a:r>
+            <a:r>
+              <a:rPr lang="de-DE" dirty="0"/>
+              <a:t>, </a:t>
+            </a:r>
+            <a:r>
+              <a:rPr lang="de-DE" dirty="0" err="1"/>
+              <a:t>the</a:t>
+            </a:r>
+            <a:r>
+              <a:rPr lang="de-DE" dirty="0"/>
+              <a:t> </a:t>
+            </a:r>
+            <a:r>
+              <a:rPr lang="de-DE" dirty="0" err="1"/>
+              <a:t>handling</a:t>
+            </a:r>
+            <a:r>
+              <a:rPr lang="de-DE" dirty="0"/>
+              <a:t> of </a:t>
+            </a:r>
+            <a:r>
+              <a:rPr lang="de-DE" dirty="0" err="1"/>
+              <a:t>the</a:t>
+            </a:r>
+            <a:r>
+              <a:rPr lang="de-DE" dirty="0"/>
+              <a:t> </a:t>
+            </a:r>
+            <a:r>
+              <a:rPr lang="de-DE" dirty="0" err="1"/>
+              <a:t>data</a:t>
+            </a:r>
+            <a:r>
+              <a:rPr lang="de-DE" dirty="0"/>
+              <a:t> </a:t>
+            </a:r>
+            <a:r>
+              <a:rPr lang="de-DE" dirty="0" err="1"/>
+              <a:t>would</a:t>
+            </a:r>
+            <a:r>
+              <a:rPr lang="de-DE" dirty="0"/>
+              <a:t> </a:t>
+            </a:r>
+            <a:r>
+              <a:rPr lang="de-DE" dirty="0" err="1"/>
+              <a:t>be</a:t>
+            </a:r>
+            <a:r>
+              <a:rPr lang="de-DE" dirty="0"/>
+              <a:t> </a:t>
+            </a:r>
+            <a:r>
+              <a:rPr lang="de-DE" dirty="0" err="1"/>
+              <a:t>improved</a:t>
+            </a:r>
+            <a:r>
+              <a:rPr lang="de-DE" dirty="0"/>
+              <a:t>, also </a:t>
+            </a:r>
+            <a:r>
+              <a:rPr lang="de-DE" dirty="0" err="1"/>
+              <a:t>it</a:t>
+            </a:r>
+            <a:r>
+              <a:rPr lang="de-DE" dirty="0"/>
+              <a:t> </a:t>
+            </a:r>
+            <a:r>
+              <a:rPr lang="de-DE" dirty="0" err="1"/>
+              <a:t>would</a:t>
+            </a:r>
+            <a:r>
+              <a:rPr lang="de-DE" dirty="0"/>
+              <a:t> </a:t>
+            </a:r>
+            <a:r>
+              <a:rPr lang="de-DE" dirty="0" err="1"/>
+              <a:t>be</a:t>
+            </a:r>
+            <a:r>
+              <a:rPr lang="de-DE" dirty="0"/>
+              <a:t> possible </a:t>
+            </a:r>
+            <a:r>
+              <a:rPr lang="de-DE" dirty="0" err="1"/>
+              <a:t>to</a:t>
+            </a:r>
+            <a:r>
+              <a:rPr lang="de-DE" dirty="0"/>
+              <a:t> </a:t>
+            </a:r>
+            <a:r>
+              <a:rPr lang="de-DE" dirty="0" err="1"/>
+              <a:t>implement</a:t>
+            </a:r>
+            <a:r>
+              <a:rPr lang="de-DE" dirty="0"/>
+              <a:t> </a:t>
+            </a:r>
+            <a:r>
+              <a:rPr lang="de-DE" dirty="0" err="1"/>
+              <a:t>Autoscaling</a:t>
+            </a:r>
+            <a:r>
+              <a:rPr lang="de-DE" dirty="0"/>
+              <a:t> and Load Balancer, </a:t>
+            </a:r>
+            <a:r>
+              <a:rPr lang="de-DE" dirty="0" err="1"/>
+              <a:t>possibility</a:t>
+            </a:r>
+            <a:r>
+              <a:rPr lang="de-DE" dirty="0"/>
+              <a:t> </a:t>
+            </a:r>
+            <a:r>
+              <a:rPr lang="de-DE" dirty="0" err="1"/>
+              <a:t>to</a:t>
+            </a:r>
+            <a:r>
+              <a:rPr lang="de-DE" dirty="0"/>
+              <a:t> </a:t>
+            </a:r>
+            <a:r>
+              <a:rPr lang="de-DE" dirty="0" err="1"/>
+              <a:t>use</a:t>
+            </a:r>
+            <a:r>
+              <a:rPr lang="de-DE" dirty="0"/>
+              <a:t> an alternative </a:t>
+            </a:r>
+            <a:r>
+              <a:rPr lang="de-DE" dirty="0" err="1"/>
+              <a:t>to</a:t>
+            </a:r>
+            <a:r>
+              <a:rPr lang="de-DE" dirty="0"/>
+              <a:t> EC2 (e.g. Lambda, </a:t>
+            </a:r>
+            <a:r>
+              <a:rPr lang="de-DE" dirty="0" err="1"/>
+              <a:t>Beanstalk</a:t>
+            </a:r>
+            <a:r>
+              <a:rPr lang="de-DE" dirty="0"/>
+              <a:t>), </a:t>
+            </a:r>
+            <a:r>
+              <a:rPr lang="de-DE" dirty="0" err="1"/>
+              <a:t>fewer</a:t>
+            </a:r>
+            <a:r>
+              <a:rPr lang="de-DE" dirty="0"/>
+              <a:t> </a:t>
+            </a:r>
+            <a:r>
+              <a:rPr lang="de-DE" dirty="0" err="1"/>
+              <a:t>layers</a:t>
+            </a:r>
+            <a:r>
+              <a:rPr lang="de-DE" dirty="0"/>
+              <a:t> of </a:t>
+            </a:r>
+            <a:r>
+              <a:rPr lang="de-DE" dirty="0" err="1"/>
+              <a:t>virtualisation</a:t>
+            </a:r>
+            <a:endParaRPr lang="de-DE" dirty="0"/>
+          </a:p>
+        </p:txBody>
+      </p:sp>
+      <p:sp>
+        <p:nvSpPr>
+          <p:cNvPr id="4" name="Foliennummernplatzhalter 3"/>
+          <p:cNvSpPr>
+            <a:spLocks noGrp="1"/>
+          </p:cNvSpPr>
+          <p:nvPr>
+            <p:ph type="sldNum" sz="quarter" idx="5"/>
+          </p:nvPr>
+        </p:nvSpPr>
+        <p:spPr/>
+        <p:txBody>
+          <a:bodyPr/>
+          <a:lstStyle/>
+          <a:p>
+            <a:fld id="{5976870D-EDE0-4065-9108-FF08285B4E25}" type="slidenum">
+              <a:rPr lang="de-DE" smtClean="0"/>
+              <a:t>26</a:t>
+            </a:fld>
+            <a:endParaRPr lang="de-DE"/>
+          </a:p>
+        </p:txBody>
+      </p:sp>
+    </p:spTree>
+    <p:extLst>
+      <p:ext uri="{BB962C8B-B14F-4D97-AF65-F5344CB8AC3E}">
+        <p14:creationId xmlns:p14="http://schemas.microsoft.com/office/powerpoint/2010/main" val="848746586"/>
       </p:ext>
     </p:extLst>
   </p:cSld>
@@ -892,7 +2458,7 @@
           <a:p>
             <a:fld id="{C8735BCC-3E06-4614-A9C9-2FA5849F9F0F}" type="datetimeFigureOut">
               <a:rPr lang="de-DE" smtClean="0"/>
-              <a:t>12.05.2022</a:t>
+              <a:t>13.05.2022</a:t>
             </a:fld>
             <a:endParaRPr lang="de-DE"/>
           </a:p>
@@ -1093,7 +2659,7 @@
           <a:p>
             <a:fld id="{C8735BCC-3E06-4614-A9C9-2FA5849F9F0F}" type="datetimeFigureOut">
               <a:rPr lang="de-DE" smtClean="0"/>
-              <a:t>12.05.2022</a:t>
+              <a:t>13.05.2022</a:t>
             </a:fld>
             <a:endParaRPr lang="de-DE"/>
           </a:p>
@@ -1301,7 +2867,7 @@
           <a:p>
             <a:fld id="{C8735BCC-3E06-4614-A9C9-2FA5849F9F0F}" type="datetimeFigureOut">
               <a:rPr lang="de-DE" smtClean="0"/>
-              <a:t>12.05.2022</a:t>
+              <a:t>13.05.2022</a:t>
             </a:fld>
             <a:endParaRPr lang="de-DE"/>
           </a:p>
@@ -1505,7 +3071,7 @@
           <a:p>
             <a:fld id="{C8735BCC-3E06-4614-A9C9-2FA5849F9F0F}" type="datetimeFigureOut">
               <a:rPr lang="de-DE" smtClean="0"/>
-              <a:t>12.05.2022</a:t>
+              <a:t>13.05.2022</a:t>
             </a:fld>
             <a:endParaRPr lang="de-DE"/>
           </a:p>
@@ -1675,7 +3241,7 @@
           <a:p>
             <a:fld id="{C8735BCC-3E06-4614-A9C9-2FA5849F9F0F}" type="datetimeFigureOut">
               <a:rPr lang="de-DE" smtClean="0"/>
-              <a:t>12.05.2022</a:t>
+              <a:t>13.05.2022</a:t>
             </a:fld>
             <a:endParaRPr lang="de-DE"/>
           </a:p>
@@ -1921,7 +3487,7 @@
           <a:p>
             <a:fld id="{C8735BCC-3E06-4614-A9C9-2FA5849F9F0F}" type="datetimeFigureOut">
               <a:rPr lang="de-DE" smtClean="0"/>
-              <a:t>12.05.2022</a:t>
+              <a:t>13.05.2022</a:t>
             </a:fld>
             <a:endParaRPr lang="de-DE"/>
           </a:p>
@@ -2153,7 +3719,7 @@
           <a:p>
             <a:fld id="{C8735BCC-3E06-4614-A9C9-2FA5849F9F0F}" type="datetimeFigureOut">
               <a:rPr lang="de-DE" smtClean="0"/>
-              <a:t>12.05.2022</a:t>
+              <a:t>13.05.2022</a:t>
             </a:fld>
             <a:endParaRPr lang="de-DE"/>
           </a:p>
@@ -2520,7 +4086,7 @@
           <a:p>
             <a:fld id="{C8735BCC-3E06-4614-A9C9-2FA5849F9F0F}" type="datetimeFigureOut">
               <a:rPr lang="de-DE" smtClean="0"/>
-              <a:t>12.05.2022</a:t>
+              <a:t>13.05.2022</a:t>
             </a:fld>
             <a:endParaRPr lang="de-DE"/>
           </a:p>
@@ -2638,7 +4204,7 @@
           <a:p>
             <a:fld id="{C8735BCC-3E06-4614-A9C9-2FA5849F9F0F}" type="datetimeFigureOut">
               <a:rPr lang="de-DE" smtClean="0"/>
-              <a:t>12.05.2022</a:t>
+              <a:t>13.05.2022</a:t>
             </a:fld>
             <a:endParaRPr lang="de-DE"/>
           </a:p>
@@ -2733,7 +4299,7 @@
           <a:p>
             <a:fld id="{C8735BCC-3E06-4614-A9C9-2FA5849F9F0F}" type="datetimeFigureOut">
               <a:rPr lang="de-DE" smtClean="0"/>
-              <a:t>12.05.2022</a:t>
+              <a:t>13.05.2022</a:t>
             </a:fld>
             <a:endParaRPr lang="de-DE"/>
           </a:p>
@@ -3010,7 +4576,7 @@
           <a:p>
             <a:fld id="{C8735BCC-3E06-4614-A9C9-2FA5849F9F0F}" type="datetimeFigureOut">
               <a:rPr lang="de-DE" smtClean="0"/>
-              <a:t>12.05.2022</a:t>
+              <a:t>13.05.2022</a:t>
             </a:fld>
             <a:endParaRPr lang="de-DE"/>
           </a:p>
@@ -3256,7 +4822,7 @@
             <a:fld id="{C8735BCC-3E06-4614-A9C9-2FA5849F9F0F}" type="datetimeFigureOut">
               <a:rPr lang="de-DE" smtClean="0"/>
               <a:pPr/>
-              <a:t>12.05.2022</a:t>
+              <a:t>13.05.2022</a:t>
             </a:fld>
             <a:endParaRPr lang="de-DE"/>
           </a:p>
@@ -3546,7 +5112,7 @@
           <a:p>
             <a:fld id="{C8735BCC-3E06-4614-A9C9-2FA5849F9F0F}" type="datetimeFigureOut">
               <a:rPr lang="de-DE" smtClean="0"/>
-              <a:t>12.05.2022</a:t>
+              <a:t>13.05.2022</a:t>
             </a:fld>
             <a:endParaRPr lang="de-DE"/>
           </a:p>
@@ -3716,7 +5282,7 @@
           <a:p>
             <a:fld id="{C8735BCC-3E06-4614-A9C9-2FA5849F9F0F}" type="datetimeFigureOut">
               <a:rPr lang="de-DE" smtClean="0"/>
-              <a:t>12.05.2022</a:t>
+              <a:t>13.05.2022</a:t>
             </a:fld>
             <a:endParaRPr lang="de-DE"/>
           </a:p>
@@ -3896,7 +5462,7 @@
           <a:p>
             <a:fld id="{C8735BCC-3E06-4614-A9C9-2FA5849F9F0F}" type="datetimeFigureOut">
               <a:rPr lang="de-DE" smtClean="0"/>
-              <a:t>12.05.2022</a:t>
+              <a:t>13.05.2022</a:t>
             </a:fld>
             <a:endParaRPr lang="de-DE"/>
           </a:p>
@@ -4159,7 +5725,7 @@
           <a:p>
             <a:fld id="{C8735BCC-3E06-4614-A9C9-2FA5849F9F0F}" type="datetimeFigureOut">
               <a:rPr lang="de-DE" smtClean="0"/>
-              <a:t>12.05.2022</a:t>
+              <a:t>13.05.2022</a:t>
             </a:fld>
             <a:endParaRPr lang="de-DE"/>
           </a:p>
@@ -4427,7 +5993,7 @@
           <a:p>
             <a:fld id="{C8735BCC-3E06-4614-A9C9-2FA5849F9F0F}" type="datetimeFigureOut">
               <a:rPr lang="de-DE" smtClean="0"/>
-              <a:t>12.05.2022</a:t>
+              <a:t>13.05.2022</a:t>
             </a:fld>
             <a:endParaRPr lang="de-DE"/>
           </a:p>
@@ -4842,7 +6408,7 @@
           <a:p>
             <a:fld id="{C8735BCC-3E06-4614-A9C9-2FA5849F9F0F}" type="datetimeFigureOut">
               <a:rPr lang="de-DE" smtClean="0"/>
-              <a:t>12.05.2022</a:t>
+              <a:t>13.05.2022</a:t>
             </a:fld>
             <a:endParaRPr lang="de-DE"/>
           </a:p>
@@ -4983,7 +6549,7 @@
           <a:p>
             <a:fld id="{C8735BCC-3E06-4614-A9C9-2FA5849F9F0F}" type="datetimeFigureOut">
               <a:rPr lang="de-DE" smtClean="0"/>
-              <a:t>12.05.2022</a:t>
+              <a:t>13.05.2022</a:t>
             </a:fld>
             <a:endParaRPr lang="de-DE"/>
           </a:p>
@@ -5096,7 +6662,7 @@
           <a:p>
             <a:fld id="{C8735BCC-3E06-4614-A9C9-2FA5849F9F0F}" type="datetimeFigureOut">
               <a:rPr lang="de-DE" smtClean="0"/>
-              <a:t>12.05.2022</a:t>
+              <a:t>13.05.2022</a:t>
             </a:fld>
             <a:endParaRPr lang="de-DE"/>
           </a:p>
@@ -5407,7 +6973,7 @@
           <a:p>
             <a:fld id="{C8735BCC-3E06-4614-A9C9-2FA5849F9F0F}" type="datetimeFigureOut">
               <a:rPr lang="de-DE" smtClean="0"/>
-              <a:t>12.05.2022</a:t>
+              <a:t>13.05.2022</a:t>
             </a:fld>
             <a:endParaRPr lang="de-DE"/>
           </a:p>
@@ -5695,7 +7261,7 @@
           <a:p>
             <a:fld id="{C8735BCC-3E06-4614-A9C9-2FA5849F9F0F}" type="datetimeFigureOut">
               <a:rPr lang="de-DE" smtClean="0"/>
-              <a:t>12.05.2022</a:t>
+              <a:t>13.05.2022</a:t>
             </a:fld>
             <a:endParaRPr lang="de-DE"/>
           </a:p>
@@ -5936,7 +7502,7 @@
           <a:p>
             <a:fld id="{C8735BCC-3E06-4614-A9C9-2FA5849F9F0F}" type="datetimeFigureOut">
               <a:rPr lang="de-DE" smtClean="0"/>
-              <a:t>12.05.2022</a:t>
+              <a:t>13.05.2022</a:t>
             </a:fld>
             <a:endParaRPr lang="de-DE"/>
           </a:p>
@@ -6488,7 +8054,7 @@
           <a:p>
             <a:fld id="{C8735BCC-3E06-4614-A9C9-2FA5849F9F0F}" type="datetimeFigureOut">
               <a:rPr lang="de-DE" smtClean="0"/>
-              <a:t>12.05.2022</a:t>
+              <a:t>13.05.2022</a:t>
             </a:fld>
             <a:endParaRPr lang="de-DE"/>
           </a:p>
@@ -6893,6 +8459,41 @@
           <a:chExt cx="0" cy="0"/>
         </a:xfrm>
       </p:grpSpPr>
+      <p:pic>
+        <p:nvPicPr>
+          <p:cNvPr id="5" name="Grafik 4">
+            <a:extLst>
+              <a:ext uri="{FF2B5EF4-FFF2-40B4-BE49-F238E27FC236}">
+                <a16:creationId xmlns:a16="http://schemas.microsoft.com/office/drawing/2014/main" id="{BF2DDAE4-44C0-2C09-7CAF-66AA180514DC}"/>
+              </a:ext>
+            </a:extLst>
+          </p:cNvPr>
+          <p:cNvPicPr>
+            <a:picLocks noChangeAspect="1"/>
+          </p:cNvPicPr>
+          <p:nvPr/>
+        </p:nvPicPr>
+        <p:blipFill rotWithShape="1">
+          <a:blip r:embed="rId2">
+            <a:extLst>
+              <a:ext uri="{28A0092B-C50C-407E-A947-70E740481C1C}">
+                <a14:useLocalDpi xmlns:a14="http://schemas.microsoft.com/office/drawing/2010/main" val="0"/>
+              </a:ext>
+            </a:extLst>
+          </a:blip>
+          <a:srcRect b="29282"/>
+          <a:stretch/>
+        </p:blipFill>
+        <p:spPr>
+          <a:xfrm>
+            <a:off x="4680665" y="3429000"/>
+            <a:ext cx="8258833" cy="4997262"/>
+          </a:xfrm>
+          <a:prstGeom prst="rect">
+            <a:avLst/>
+          </a:prstGeom>
+        </p:spPr>
+      </p:pic>
       <p:sp>
         <p:nvSpPr>
           <p:cNvPr id="2" name="Titel 1">
@@ -6966,76 +8567,6 @@
           </a:p>
         </p:txBody>
       </p:sp>
-      <p:pic>
-        <p:nvPicPr>
-          <p:cNvPr id="1028" name="Picture 4" descr="data:image/png;base64,iVBORw0KGgoAAAANSUhEUgAAAPMAAADQCAMAAADlEKeVAAAAbFBMVEX///8kl+0AjuwAkOz8//8XlO2/3PkAkuwble0Ajey72fjb6/uZyPV5ufKUxvXn8fy01ffv9/7n8vymz/aHv/P1+v52t/LK4vrV6PvX6fsvm+5irvGQw/RSp/BCoe+jzfZfrPA6n+5Lpe9ssvFIIBcuAAAOgUlEQVR4nO1da4OqLBBOiMAum+attSyt//8fXy+AyCXtvCrubs/5co6H1McZhmEYhtXKHq7E6YI8Lb7NPHAdGe7J9jtNDaBwhkfb7zQ1NJz/opz/Iue/qNt/kfNHt38hPpz/rG7/Rc5/Ubf/Iudfr9vqvOr3y9nBMty17XeaGr4n49eL+YMfjLWEl5flqz+yN++QbJVgUl4+Q/ky2pWXD/JlmNkm8A/YY3n0QXF5+YDky/i60sYAf6AR2yvk0GGl44y+Vr/FD/vfnH+gHzYf58ifjsV7mE+3n+59OhpvYTY5b6ED0/OETIZjLs5RPT6A65RchmIu3Y6bG8JsAV7MTJx3bGRHRTQpnyGYSbdzvohLUuuk55HzTvghSW2r9zycO7dDtn30WXQ7gt3fhBOT6sEsnD1pIgOSiVm9hoazfl5Vc/7HGGAmpaEQZ2JWr+G5UAKoyO2Vy65XXnbkqxgMsMKRoh7Yrm+SbCVs6ssb+XKtjr58dTtEtTfKHN0Bi5lwTIRQzrAqe4plMzY5HipnB9sepCeGYg8rzt4cT764oAs3L6/uIJBR9dxEbgzgd3k5Vi4/qlvflFsfhAf7UMOZzOGYqMazNiTDY4D6sarKA9ypt8bCk791nJ0hBv9/c1afDP1xfM+demskPDlRzXb1VTY/l/Opl7NmqKpazDBE25OznjPJ/cTbh/Hz8ozDvXeeQtXn5Sz2Z71uOwRijAgihCCEMIRFOLoXbk+39TZMBYI4HNc9s6fb2rHKQBuEY/oq9jhrfRITcDriYpBFzvJU8jXc8bq1vf68+npH0A5cPucBcj4P79DjxhMscl6RN5R7TF/Fom6vrm8oNxxxuLIp55P6OxNGjRppOAM95xcxwH/kzFar+jFydFCJ38HKQdyqwb59efmujwGmagxwXU1TsXy96D57sFsychTY38ioe85Zvto8NdFejvT3OCmX5RlDOEzQ+PeEyZJsGGWU237TcRBtDgQOG6vQY5xHKol7syHyvzf3OIXlhHEQYwePEiILlODcnChNGRrKtwSMx6D8eMfnswwERwn+5m+59lZBYD6K+5UMd34sA8HHSMOyZpVogSAIgudoaWOXJXMmdegPY+DE2xGjQfmCOZNLnl/ia5CMvCS7YM7o0P/6/4QF63a93jcFnssdqor+t/83qFPgpWAc90OH5Y5V0+UYvBdhnRETrkgG+qUx+5gwZ2i7UM5owrJMhiVQ6wC76ThropFLwKTJM5rg7hIw4nKUBou022SkmJcBN9v8dJhWzIt0PicWs2ZZxj4mFvNqszwjRvJpKa9Oy+M85djcYHGc0Sgh7Jd4L3dlBoy5nm7AO8v7cwDvJ6e8OI87nZ7y0rzPeXZVLcoTm8GAVVhShyZonl0nbyWjTQwwQ15+jeXIeSbNXr2RozQ95qK8Spai3GCqlQsNFiJnOGdpkoF5WRMDXWakPHgvxLSYwwETsAS3ZO46TJ59Qc+/k9/6PAPMsgO2A9tRMTjDBFKG5cmVnbocVicaeKrMkddYW+zReDYvW0JgTbuhHSlXSG1Rtph1f7aT+Wm3/p+NKSWBcwUJDLBAGc04e9Ridu3GN+vV4Fb3eW03sGewBVxm7NLWuzLDbTbSMFtK0ah1Os+KHYGBbaotojlIk+UIuUZUTK7e2NnaZikjm3a6geqyekvDYcJxGsHDotSaY4sn0m/kxoutMu/nAzepvgNSynjRNea3zsi9mmC0t+9p9uCOR2SNQLY4W61FkI6i4aVOp/vFdmMFycXF/492Sdi52p4wvonIyyB8Y092lzCGj/3kSX1TINoeHPju6EUQBkWoVKb4STh6hwIOKjpASrYYoss++cl8Gdbf3vVS11vBqC5B0Fa/d1i5PgjTLBx9I6t1nM6b4Ct85o+0dCSB65ZfIC0e+TP8CjbnRfscH3zwwQcffPDBBx988MEHH3zwwTAEt/Qy5Zmdpzi9LeUkVIoYEkLc6RIcjhA5Dpx1w0EfmvNnCJnsAc0mY8unynVBKw1NtyWgOepnjtNbBoNxnmpVZd2sYpMlFVH+cB4fH87LwIfz+PhwXgY+nMfHh/My8OE8Pj6cLcHf7XantuTJa87+sWw8NCOkanyUG/dwXn8bJnT+8XgyFmZZ77qvW3PSv+Z6cyhAcwhP+vSabA8z5yR80MO8yTPom2qerw9Y3xrg/C7e6zXnqwvdh/yyp+CZ1scGAXS563Ks9tWvfJkTQN0nVzgecJvqRBCGdTl+A+foitp8MEIwyF5EUtZ7R0geIwjc2gzHV5zPafVw1K2wvckAT0wiBMFC2b4QVLdEqcLJKV/zIn7AdQzk3C4E8pOB815JgCPwZgqaBVjOEiQ4ZXGRF5xZgri48+ZcKImWkEib3+kbe6tIwwm3yUoJ0mWzEeB5SOW8S7V5ra5WP/2btjGIezgnDnsj1Gbsa/PkpX0bftMG3Te6hMy2qvEXMKSxYboPVuS8UU9upo01G94SUwIsKvwXnEu147/DTHsj/ecr7yVuLqRnepHUsPWNfb7enXEC58BEuXy2I6e5bU0fkx2dpue8EdWO1dg+mY8cJEKlKXaOmaFxqlKuchI1yYstZ0+kLDcmTlfSHZWozu0QDyeq5afjHF0E5UCE2glfpEykewmBU/XsNpETPb2s3f9IMMzCwAuuOZZ+yDknLQsEb+HdC/ZP1L4i6ZSJEUpYlwb2UDWOHd4YhXrOnpgpCw50FBb2sRGM8us9+Ho6sG3Jy33KnDHMryWnrxyVvGFa367d54qdgIlpvS06fYdxjrhdQPjKB+Uka4kIVQfWAuOQK8qZ7eKobZPC2c+Fd8YOHwzaTZow5zL9Fro966hdzrDwuOuyiXO6YNJ+qW6MuVO6gHHmZzrBZ0eLE8L+Q4jO8+3h8NLp59Qku0cN50C0eaCV/pa9DUo7Y+Ix4/8RazjrNx/uqTwJlsfXk2AGKGdeQwzI91o/GEGu3VyBgLwctc4BxvWBixLnk3g0GE4FJ4v1XahU0L/yd/qWORNH6zJHTIWh6sX5ipwLdnvNVhFGGjMXgZV+Vb5PieRO3dUO570gZALEojNMMrqCHcwe0aLFopz12dJ3ejNtYecj/3nDmYkZavf1sbZU0Dsq5tfnPAqcd4Uo5EdHRNRm6wvoHygHcOxyNlUxpj6Hoawg79MNZ9ZBb9rGTJfpqTusxNrrA2lazlfBHBGpGBwrhY31gqPqVw8ELWdTeVsmSWiYELJyJA1n1tjgWdNi7HS9jVqDnsrgjPNF9LGUTcD0vB1kYEH1r/FyWp/E8EiveZLxECiPqX7FmZb4NNZ0Z8Nx/f/sa/acO0Q5d7wmrFTMYt/PNGOm1dzq1VPGGZsW8qkCmiTHK0nVnOkcCxs3n1Mdg9XfqToan0yxVmYNpFCY0WmDc9t6Wmyf9JtsBM7GYtX0MC5sfCdqfGvOofB3LUJhEkZrjWmGgx7OGjHzGrLYAKolte77fQpWkJfa2uXJvqaxMe0JuOrCtAuCnsq6Gs5q0sEWqo10qLso5Wwu9krVyXxUzl0QXSNzYq68SIt01yrGbPxrylrOinJ4hjmkwjkWOBszF4S2eohxkl7OVAdh5bE0RvxFY5VzO7dA3b449CipOiDAOBvr6DVj0Qs5s25ZWUR6+qA5n4bKGQtyRsbGMufS1eTHlZK00yUGy/kqcDbWQ7g1NMwDCu2W9fgd93XRQOjP1J6Bnkgw51zPcDz2L9RxewaezkFqU93LmZkl45ux2FD1d1oN0Hy6YSx0/rvAfwDnounCez5LEjPGuN1WjpEXAZo5SS9netAcNkVqT6IbwhwY492QYNipnqOeBQp5LsljNmItPOYl3I67F6DT+V7OVGuM56hQ0TZvfhJdPN3NGprNRICF4no6tBIz4LEBsZhnQS8NyVLr5cy+oKGmddSddTEX0FBNlb4ZtZjUHzR7bTXU2BAv4CQUbaXGYVCB9V7OzM8i+qkSG2SpsKjUCdZ2/6AzpeOzVH1jBpVzG/hyuS1gHRoMSLbt58xnabp+x4oSs055pAYH6aaxbIbB5rgR6P5bD00M0Ocxt9Y3oSrkONoxo7Na18+5nS2qkwE+XHJ3nR3dpQlXHHn0hkmHHbiqORAxuj/Ds4mzEC4l7MFshNbp4xVAcQllAGc+9ikVNAM+WPL/ObFIL5aTj/nZMK1YeXVfnEnSOVdhV3dv4rzS+CZM0KiQ7Ng6r54sWPkBnNtQJr6JhuwkxFzbqzzghhxxeIsOPMghrnjwxki0euuwaayNezZofRM2++EBRSmEwpa1XO6tDuEctcsBMNs2P42SZxupcUXDceMLsPDGVp3PYespd4KrGbtMcBrQb7G7ssbGdYyV6Jvk9MqV+5/YYbVbou0Dyj1qEOfVuV2aIBCm+fNSiEU3umFLXwhoYOhkz8sNC6sJ3Y4u1tDDkGSX5wO1jetwgmldUvVNuD7WFVyyOK4qRfD7A65egzivNuJ8rjoRXvinA6U52RG/aCx38+4ak9TY/X7BWfBNmC7fOvfqrFaJtm0Y59XGNa74AWVKdjSXH1ED7r6DTI1x3di85s4XCVwmwodxekVQa9lkzkn4pfUQvon+1QjUBO/9Qv9sAjTT9Ehcmeg0bliaOfOO0YbUnob5FS4EVhJn7+u8y7Wko4vmdgTf9KGvULeqjB39FEq7no8QM/t0P4bGJfLZ+N6qmgc1siHdBIfI7fwqP14vR0P8YCOXxCKYGF3lXSY/HOvXNiocczmtA4GQj9iN86ut1krDxeK44cdA6loIZlIkqaivs6BafjrEJ2PMJLnUpYLqPwiC7OW5DN9xaa4RaRpjUNxfedW7A2oa13WGYCqWgttV6Tgw1/7uXNkZ2PX5TiHho0p1s1hxwctfkda0BHv/nL+o8hMl+zgr0iJ7fm36iwGdg0N+S4vH87rtzxJsGqe3Z+hJjY/P4mEKgu+eaaYq23dwyEphpo94n+j87115x/ZXm/DaeeJ/sWToJRlk4p8AAAAASUVORK5CYII=">
-            <a:extLst>
-              <a:ext uri="{FF2B5EF4-FFF2-40B4-BE49-F238E27FC236}">
-                <a16:creationId xmlns:a16="http://schemas.microsoft.com/office/drawing/2014/main" id="{9223A398-C879-076B-AE61-94FB2F235974}"/>
-              </a:ext>
-            </a:extLst>
-          </p:cNvPr>
-          <p:cNvPicPr>
-            <a:picLocks noChangeAspect="1" noChangeArrowheads="1"/>
-          </p:cNvPicPr>
-          <p:nvPr/>
-        </p:nvPicPr>
-        <p:blipFill rotWithShape="1">
-          <a:blip r:embed="rId2">
-            <a:extLst>
-              <a:ext uri="{BEBA8EAE-BF5A-486C-A8C5-ECC9F3942E4B}">
-                <a14:imgProps xmlns:a14="http://schemas.microsoft.com/office/drawing/2010/main">
-                  <a14:imgLayer r:embed="rId3">
-                    <a14:imgEffect>
-                      <a14:backgroundRemoval t="2885" b="62019" l="9877" r="90535">
-                        <a14:foregroundMark x1="26337" y1="21635" x2="26337" y2="21635"/>
-                        <a14:foregroundMark x1="37449" y1="24038" x2="37449" y2="24038"/>
-                        <a14:foregroundMark x1="37037" y1="14423" x2="37037" y2="14423"/>
-                        <a14:foregroundMark x1="45267" y1="25962" x2="45267" y2="25962"/>
-                        <a14:foregroundMark x1="46502" y1="14423" x2="46502" y2="14423"/>
-                        <a14:foregroundMark x1="52263" y1="25000" x2="52263" y2="25000"/>
-                        <a14:foregroundMark x1="61317" y1="25962" x2="61317" y2="25962"/>
-                        <a14:foregroundMark x1="54321" y1="13462" x2="54321" y2="13462"/>
-                        <a14:foregroundMark x1="53909" y1="6731" x2="53909" y2="6731"/>
-                        <a14:foregroundMark x1="53909" y1="2885" x2="53909" y2="2885"/>
-                        <a14:foregroundMark x1="90535" y1="25962" x2="90535" y2="25962"/>
-                        <a14:foregroundMark x1="42387" y1="62019" x2="42387" y2="62019"/>
-                      </a14:backgroundRemoval>
-                    </a14:imgEffect>
-                    <a14:imgEffect>
-                      <a14:sharpenSoften amount="50000"/>
-                    </a14:imgEffect>
-                  </a14:imgLayer>
-                </a14:imgProps>
-              </a:ext>
-              <a:ext uri="{28A0092B-C50C-407E-A947-70E740481C1C}">
-                <a14:useLocalDpi xmlns:a14="http://schemas.microsoft.com/office/drawing/2010/main" val="0"/>
-              </a:ext>
-            </a:extLst>
-          </a:blip>
-          <a:srcRect b="32040"/>
-          <a:stretch/>
-        </p:blipFill>
-        <p:spPr bwMode="auto">
-          <a:xfrm>
-            <a:off x="4938711" y="4643217"/>
-            <a:ext cx="2314575" cy="1346421"/>
-          </a:xfrm>
-          <a:prstGeom prst="rect">
-            <a:avLst/>
-          </a:prstGeom>
-          <a:noFill/>
-          <a:extLst>
-            <a:ext uri="{909E8E84-426E-40DD-AFC4-6F175D3DCCD1}">
-              <a14:hiddenFill xmlns:a14="http://schemas.microsoft.com/office/drawing/2010/main">
-                <a:solidFill>
-                  <a:srgbClr val="FFFFFF"/>
-                </a:solidFill>
-              </a14:hiddenFill>
-            </a:ext>
-          </a:extLst>
-        </p:spPr>
-      </p:pic>
     </p:spTree>
     <p:extLst>
       <p:ext uri="{BB962C8B-B14F-4D97-AF65-F5344CB8AC3E}">
@@ -7137,7 +8668,7 @@
           <p:nvPr/>
         </p:nvPicPr>
         <p:blipFill>
-          <a:blip r:embed="rId2"/>
+          <a:blip r:embed="rId3"/>
           <a:stretch>
             <a:fillRect/>
           </a:stretch>
@@ -7167,7 +8698,7 @@
           <p:nvPr/>
         </p:nvPicPr>
         <p:blipFill>
-          <a:blip r:embed="rId3"/>
+          <a:blip r:embed="rId4"/>
           <a:stretch>
             <a:fillRect/>
           </a:stretch>
@@ -8153,6 +9684,36 @@
           </a:p>
         </p:txBody>
       </p:sp>
+      <p:pic>
+        <p:nvPicPr>
+          <p:cNvPr id="23" name="Picture 6">
+            <a:extLst>
+              <a:ext uri="{FF2B5EF4-FFF2-40B4-BE49-F238E27FC236}">
+                <a16:creationId xmlns:a16="http://schemas.microsoft.com/office/drawing/2014/main" id="{28A139B5-3B63-4EFF-59AF-FB9994611600}"/>
+              </a:ext>
+            </a:extLst>
+          </p:cNvPr>
+          <p:cNvPicPr>
+            <a:picLocks noChangeAspect="1"/>
+          </p:cNvPicPr>
+          <p:nvPr/>
+        </p:nvPicPr>
+        <p:blipFill>
+          <a:blip r:embed="rId4"/>
+          <a:stretch>
+            <a:fillRect/>
+          </a:stretch>
+        </p:blipFill>
+        <p:spPr>
+          <a:xfrm>
+            <a:off x="9491753" y="457654"/>
+            <a:ext cx="1862047" cy="1140504"/>
+          </a:xfrm>
+          <a:prstGeom prst="rect">
+            <a:avLst/>
+          </a:prstGeom>
+        </p:spPr>
+      </p:pic>
     </p:spTree>
     <p:extLst>
       <p:ext uri="{BB962C8B-B14F-4D97-AF65-F5344CB8AC3E}">
@@ -8268,7 +9829,7 @@
           <p:nvPr/>
         </p:nvPicPr>
         <p:blipFill>
-          <a:blip r:embed="rId2"/>
+          <a:blip r:embed="rId3"/>
           <a:stretch>
             <a:fillRect/>
           </a:stretch>
@@ -8298,7 +9859,7 @@
           <p:nvPr/>
         </p:nvPicPr>
         <p:blipFill>
-          <a:blip r:embed="rId3"/>
+          <a:blip r:embed="rId4"/>
           <a:stretch>
             <a:fillRect/>
           </a:stretch>
@@ -9230,9 +10791,9 @@
           <a:prstGeom prst="straightConnector1">
             <a:avLst/>
           </a:prstGeom>
-          <a:ln w="57150">
+          <a:ln w="76200">
             <a:solidFill>
-              <a:srgbClr val="FF9900"/>
+              <a:srgbClr val="FF0000"/>
             </a:solidFill>
             <a:tailEnd type="triangle"/>
           </a:ln>
@@ -11251,45 +12812,6 @@
           </a:p>
         </p:txBody>
       </p:sp>
-      <p:pic>
-        <p:nvPicPr>
-          <p:cNvPr id="11" name="Grafik 10">
-            <a:extLst>
-              <a:ext uri="{FF2B5EF4-FFF2-40B4-BE49-F238E27FC236}">
-                <a16:creationId xmlns:a16="http://schemas.microsoft.com/office/drawing/2014/main" id="{9BBC58EA-FF95-B3F9-9EA9-A98430AFFFA7}"/>
-              </a:ext>
-            </a:extLst>
-          </p:cNvPr>
-          <p:cNvPicPr>
-            <a:picLocks noChangeAspect="1"/>
-          </p:cNvPicPr>
-          <p:nvPr/>
-        </p:nvPicPr>
-        <p:blipFill>
-          <a:blip r:embed="rId2">
-            <a:extLst>
-              <a:ext uri="{28A0092B-C50C-407E-A947-70E740481C1C}">
-                <a14:useLocalDpi xmlns:a14="http://schemas.microsoft.com/office/drawing/2010/main" val="0"/>
-              </a:ext>
-              <a:ext uri="{96DAC541-7B7A-43D3-8B79-37D633B846F1}">
-                <asvg:svgBlip xmlns:asvg="http://schemas.microsoft.com/office/drawing/2016/SVG/main" r:embed="rId3"/>
-              </a:ext>
-            </a:extLst>
-          </a:blip>
-          <a:stretch>
-            <a:fillRect/>
-          </a:stretch>
-        </p:blipFill>
-        <p:spPr>
-          <a:xfrm>
-            <a:off x="838200" y="2450831"/>
-            <a:ext cx="5730612" cy="2247758"/>
-          </a:xfrm>
-          <a:prstGeom prst="rect">
-            <a:avLst/>
-          </a:prstGeom>
-        </p:spPr>
-      </p:pic>
       <p:sp>
         <p:nvSpPr>
           <p:cNvPr id="12" name="Textfeld 11">
@@ -11324,27 +12846,39 @@
               </a:lnSpc>
             </a:pPr>
             <a:r>
-              <a:rPr lang="de-DE" dirty="0" err="1"/>
+              <a:rPr lang="de-DE" dirty="0" err="1">
+                <a:latin typeface="+mj-lt"/>
+              </a:rPr>
               <a:t>How</a:t>
             </a:r>
             <a:r>
-              <a:rPr lang="de-DE" dirty="0"/>
+              <a:rPr lang="de-DE" dirty="0">
+                <a:latin typeface="+mj-lt"/>
+              </a:rPr>
               <a:t> </a:t>
             </a:r>
             <a:r>
-              <a:rPr lang="de-DE" dirty="0" err="1"/>
+              <a:rPr lang="de-DE" dirty="0" err="1">
+                <a:latin typeface="+mj-lt"/>
+              </a:rPr>
               <a:t>can</a:t>
             </a:r>
             <a:r>
-              <a:rPr lang="de-DE" dirty="0"/>
+              <a:rPr lang="de-DE" dirty="0">
+                <a:latin typeface="+mj-lt"/>
+              </a:rPr>
               <a:t> </a:t>
             </a:r>
             <a:r>
-              <a:rPr lang="de-DE" dirty="0" err="1"/>
+              <a:rPr lang="de-DE" dirty="0" err="1">
+                <a:latin typeface="+mj-lt"/>
+              </a:rPr>
               <a:t>we</a:t>
             </a:r>
             <a:r>
-              <a:rPr lang="de-DE" dirty="0"/>
+              <a:rPr lang="de-DE" dirty="0">
+                <a:latin typeface="+mj-lt"/>
+              </a:rPr>
               <a:t>…</a:t>
             </a:r>
           </a:p>
@@ -11357,39 +12891,57 @@
               <a:buChar char="•"/>
             </a:pPr>
             <a:r>
-              <a:rPr lang="de-DE" dirty="0"/>
+              <a:rPr lang="de-DE" dirty="0">
+                <a:latin typeface="+mj-lt"/>
+              </a:rPr>
               <a:t>…</a:t>
             </a:r>
             <a:r>
-              <a:rPr lang="de-DE" dirty="0" err="1"/>
+              <a:rPr lang="de-DE" dirty="0" err="1">
+                <a:latin typeface="+mj-lt"/>
+              </a:rPr>
               <a:t>install</a:t>
             </a:r>
             <a:r>
-              <a:rPr lang="de-DE" dirty="0"/>
+              <a:rPr lang="de-DE" dirty="0">
+                <a:latin typeface="+mj-lt"/>
+              </a:rPr>
               <a:t> </a:t>
             </a:r>
             <a:r>
-              <a:rPr lang="de-DE" dirty="0" err="1"/>
+              <a:rPr lang="de-DE" dirty="0" err="1">
+                <a:latin typeface="+mj-lt"/>
+              </a:rPr>
               <a:t>docker</a:t>
             </a:r>
             <a:r>
-              <a:rPr lang="de-DE" dirty="0"/>
+              <a:rPr lang="de-DE" dirty="0">
+                <a:latin typeface="+mj-lt"/>
+              </a:rPr>
               <a:t> &amp; </a:t>
             </a:r>
             <a:r>
-              <a:rPr lang="de-DE" dirty="0" err="1"/>
+              <a:rPr lang="de-DE" dirty="0" err="1">
+                <a:latin typeface="+mj-lt"/>
+              </a:rPr>
               <a:t>docker-compose</a:t>
             </a:r>
             <a:r>
-              <a:rPr lang="de-DE" dirty="0"/>
+              <a:rPr lang="de-DE" dirty="0">
+                <a:latin typeface="+mj-lt"/>
+              </a:rPr>
               <a:t> in </a:t>
             </a:r>
             <a:r>
-              <a:rPr lang="de-DE" dirty="0" err="1"/>
+              <a:rPr lang="de-DE" dirty="0" err="1">
+                <a:latin typeface="+mj-lt"/>
+              </a:rPr>
               <a:t>the</a:t>
             </a:r>
             <a:r>
-              <a:rPr lang="de-DE" dirty="0"/>
+              <a:rPr lang="de-DE" dirty="0">
+                <a:latin typeface="+mj-lt"/>
+              </a:rPr>
               <a:t> EC2? </a:t>
             </a:r>
           </a:p>
@@ -11402,39 +12954,57 @@
               <a:buChar char="•"/>
             </a:pPr>
             <a:r>
-              <a:rPr lang="de-DE" dirty="0"/>
+              <a:rPr lang="de-DE" dirty="0">
+                <a:latin typeface="+mj-lt"/>
+              </a:rPr>
               <a:t>…</a:t>
             </a:r>
             <a:r>
-              <a:rPr lang="de-DE" dirty="0" err="1"/>
+              <a:rPr lang="de-DE" dirty="0" err="1">
+                <a:latin typeface="+mj-lt"/>
+              </a:rPr>
               <a:t>put</a:t>
             </a:r>
             <a:r>
-              <a:rPr lang="de-DE" dirty="0"/>
+              <a:rPr lang="de-DE" dirty="0">
+                <a:latin typeface="+mj-lt"/>
+              </a:rPr>
               <a:t> </a:t>
             </a:r>
             <a:r>
-              <a:rPr lang="de-DE" dirty="0" err="1"/>
+              <a:rPr lang="de-DE" dirty="0" err="1">
+                <a:latin typeface="+mj-lt"/>
+              </a:rPr>
               <a:t>our</a:t>
             </a:r>
             <a:r>
-              <a:rPr lang="de-DE" dirty="0"/>
+              <a:rPr lang="de-DE" dirty="0">
+                <a:latin typeface="+mj-lt"/>
+              </a:rPr>
               <a:t> </a:t>
             </a:r>
             <a:r>
-              <a:rPr lang="de-DE" dirty="0" err="1"/>
+              <a:rPr lang="de-DE" dirty="0" err="1">
+                <a:latin typeface="+mj-lt"/>
+              </a:rPr>
               <a:t>containers</a:t>
             </a:r>
             <a:r>
-              <a:rPr lang="de-DE" dirty="0"/>
+              <a:rPr lang="de-DE" dirty="0">
+                <a:latin typeface="+mj-lt"/>
+              </a:rPr>
               <a:t> in </a:t>
             </a:r>
             <a:r>
-              <a:rPr lang="de-DE" dirty="0" err="1"/>
+              <a:rPr lang="de-DE" dirty="0" err="1">
+                <a:latin typeface="+mj-lt"/>
+              </a:rPr>
               <a:t>the</a:t>
             </a:r>
             <a:r>
-              <a:rPr lang="de-DE" dirty="0"/>
+              <a:rPr lang="de-DE" dirty="0">
+                <a:latin typeface="+mj-lt"/>
+              </a:rPr>
               <a:t> EC2? </a:t>
             </a:r>
           </a:p>
@@ -11447,52 +13017,113 @@
               <a:buChar char="•"/>
             </a:pPr>
             <a:r>
-              <a:rPr lang="de-DE" dirty="0"/>
+              <a:rPr lang="de-DE" dirty="0">
+                <a:latin typeface="+mj-lt"/>
+              </a:rPr>
               <a:t>…</a:t>
             </a:r>
             <a:r>
-              <a:rPr lang="de-DE" dirty="0" err="1"/>
+              <a:rPr lang="de-DE" dirty="0" err="1">
+                <a:latin typeface="+mj-lt"/>
+              </a:rPr>
               <a:t>start</a:t>
             </a:r>
             <a:r>
-              <a:rPr lang="de-DE" dirty="0"/>
+              <a:rPr lang="de-DE" dirty="0">
+                <a:latin typeface="+mj-lt"/>
+              </a:rPr>
               <a:t> </a:t>
             </a:r>
             <a:r>
-              <a:rPr lang="de-DE" dirty="0" err="1"/>
+              <a:rPr lang="de-DE" dirty="0" err="1">
+                <a:latin typeface="+mj-lt"/>
+              </a:rPr>
               <a:t>the</a:t>
             </a:r>
             <a:r>
-              <a:rPr lang="de-DE" dirty="0"/>
+              <a:rPr lang="de-DE" dirty="0">
+                <a:latin typeface="+mj-lt"/>
+              </a:rPr>
               <a:t> </a:t>
             </a:r>
             <a:r>
-              <a:rPr lang="de-DE" dirty="0" err="1"/>
+              <a:rPr lang="de-DE" dirty="0" err="1">
+                <a:latin typeface="+mj-lt"/>
+              </a:rPr>
               <a:t>application</a:t>
             </a:r>
             <a:r>
-              <a:rPr lang="de-DE" dirty="0"/>
+              <a:rPr lang="de-DE" dirty="0">
+                <a:latin typeface="+mj-lt"/>
+              </a:rPr>
               <a:t> via </a:t>
             </a:r>
             <a:r>
-              <a:rPr lang="de-DE" dirty="0" err="1"/>
+              <a:rPr lang="de-DE" dirty="0" err="1">
+                <a:latin typeface="+mj-lt"/>
+              </a:rPr>
               <a:t>docker-compose</a:t>
             </a:r>
             <a:r>
-              <a:rPr lang="de-DE" dirty="0"/>
+              <a:rPr lang="de-DE" dirty="0">
+                <a:latin typeface="+mj-lt"/>
+              </a:rPr>
               <a:t> </a:t>
             </a:r>
             <a:r>
-              <a:rPr lang="de-DE" dirty="0" err="1"/>
+              <a:rPr lang="de-DE" dirty="0" err="1">
+                <a:latin typeface="+mj-lt"/>
+              </a:rPr>
               <a:t>up</a:t>
             </a:r>
             <a:r>
-              <a:rPr lang="de-DE" dirty="0"/>
+              <a:rPr lang="de-DE" dirty="0">
+                <a:latin typeface="+mj-lt"/>
+              </a:rPr>
               <a:t>? </a:t>
             </a:r>
           </a:p>
         </p:txBody>
       </p:sp>
+      <p:pic>
+        <p:nvPicPr>
+          <p:cNvPr id="4" name="Grafik 3">
+            <a:extLst>
+              <a:ext uri="{FF2B5EF4-FFF2-40B4-BE49-F238E27FC236}">
+                <a16:creationId xmlns:a16="http://schemas.microsoft.com/office/drawing/2014/main" id="{093B13FD-5A14-A2A1-D001-6EA7953F3662}"/>
+              </a:ext>
+            </a:extLst>
+          </p:cNvPr>
+          <p:cNvPicPr>
+            <a:picLocks noChangeAspect="1"/>
+          </p:cNvPicPr>
+          <p:nvPr/>
+        </p:nvPicPr>
+        <p:blipFill>
+          <a:blip r:embed="rId3">
+            <a:extLst>
+              <a:ext uri="{28A0092B-C50C-407E-A947-70E740481C1C}">
+                <a14:useLocalDpi xmlns:a14="http://schemas.microsoft.com/office/drawing/2010/main" val="0"/>
+              </a:ext>
+              <a:ext uri="{96DAC541-7B7A-43D3-8B79-37D633B846F1}">
+                <asvg:svgBlip xmlns:asvg="http://schemas.microsoft.com/office/drawing/2016/SVG/main" r:embed="rId4"/>
+              </a:ext>
+            </a:extLst>
+          </a:blip>
+          <a:stretch>
+            <a:fillRect/>
+          </a:stretch>
+        </p:blipFill>
+        <p:spPr>
+          <a:xfrm>
+            <a:off x="511534" y="2362197"/>
+            <a:ext cx="6269107" cy="2458976"/>
+          </a:xfrm>
+          <a:prstGeom prst="rect">
+            <a:avLst/>
+          </a:prstGeom>
+        </p:spPr>
+      </p:pic>
     </p:spTree>
     <p:extLst>
       <p:ext uri="{BB962C8B-B14F-4D97-AF65-F5344CB8AC3E}">
@@ -12043,12 +13674,62 @@
           <a:chExt cx="0" cy="0"/>
         </a:xfrm>
       </p:grpSpPr>
+      <p:sp>
+        <p:nvSpPr>
+          <p:cNvPr id="2" name="Titel 1">
+            <a:extLst>
+              <a:ext uri="{FF2B5EF4-FFF2-40B4-BE49-F238E27FC236}">
+                <a16:creationId xmlns:a16="http://schemas.microsoft.com/office/drawing/2014/main" id="{65F321A6-B27A-FCAB-B7CD-310195D9C352}"/>
+              </a:ext>
+            </a:extLst>
+          </p:cNvPr>
+          <p:cNvSpPr>
+            <a:spLocks noGrp="1"/>
+          </p:cNvSpPr>
+          <p:nvPr>
+            <p:ph type="title"/>
+          </p:nvPr>
+        </p:nvSpPr>
+        <p:spPr/>
+        <p:txBody>
+          <a:bodyPr/>
+          <a:lstStyle/>
+          <a:p>
+            <a:endParaRPr lang="de-DE"/>
+          </a:p>
+        </p:txBody>
+      </p:sp>
+      <p:sp>
+        <p:nvSpPr>
+          <p:cNvPr id="3" name="Inhaltsplatzhalter 2">
+            <a:extLst>
+              <a:ext uri="{FF2B5EF4-FFF2-40B4-BE49-F238E27FC236}">
+                <a16:creationId xmlns:a16="http://schemas.microsoft.com/office/drawing/2014/main" id="{2E501025-991A-F00D-93BA-8D3A9A360C4E}"/>
+              </a:ext>
+            </a:extLst>
+          </p:cNvPr>
+          <p:cNvSpPr>
+            <a:spLocks noGrp="1"/>
+          </p:cNvSpPr>
+          <p:nvPr>
+            <p:ph idx="1"/>
+          </p:nvPr>
+        </p:nvSpPr>
+        <p:spPr/>
+        <p:txBody>
+          <a:bodyPr/>
+          <a:lstStyle/>
+          <a:p>
+            <a:endParaRPr lang="de-DE"/>
+          </a:p>
+        </p:txBody>
+      </p:sp>
       <p:pic>
         <p:nvPicPr>
-          <p:cNvPr id="4" name="Grafik 3">
-            <a:extLst>
-              <a:ext uri="{FF2B5EF4-FFF2-40B4-BE49-F238E27FC236}">
-                <a16:creationId xmlns:a16="http://schemas.microsoft.com/office/drawing/2014/main" id="{73EAFD23-835D-BE75-950B-784D8824F747}"/>
+          <p:cNvPr id="5" name="Grafik 4">
+            <a:extLst>
+              <a:ext uri="{FF2B5EF4-FFF2-40B4-BE49-F238E27FC236}">
+                <a16:creationId xmlns:a16="http://schemas.microsoft.com/office/drawing/2014/main" id="{C62DE989-020E-E6E4-E856-813516B718FB}"/>
               </a:ext>
             </a:extLst>
           </p:cNvPr>
@@ -12058,550 +13739,15 @@
           <p:nvPr/>
         </p:nvPicPr>
         <p:blipFill>
-          <a:blip r:embed="rId2">
-            <a:extLst>
-              <a:ext uri="{28A0092B-C50C-407E-A947-70E740481C1C}">
-                <a14:useLocalDpi xmlns:a14="http://schemas.microsoft.com/office/drawing/2010/main" val="0"/>
-              </a:ext>
-              <a:ext uri="{96DAC541-7B7A-43D3-8B79-37D633B846F1}">
-                <asvg:svgBlip xmlns:asvg="http://schemas.microsoft.com/office/drawing/2016/SVG/main" r:embed="rId3"/>
-              </a:ext>
-            </a:extLst>
-          </a:blip>
+          <a:blip r:embed="rId2"/>
           <a:stretch>
             <a:fillRect/>
           </a:stretch>
         </p:blipFill>
         <p:spPr>
           <a:xfrm>
-            <a:off x="476704" y="2787382"/>
-            <a:ext cx="9294109" cy="3253758"/>
-          </a:xfrm>
-          <a:prstGeom prst="rect">
-            <a:avLst/>
-          </a:prstGeom>
-        </p:spPr>
-      </p:pic>
-      <p:sp>
-        <p:nvSpPr>
-          <p:cNvPr id="2" name="Titel 1">
-            <a:extLst>
-              <a:ext uri="{FF2B5EF4-FFF2-40B4-BE49-F238E27FC236}">
-                <a16:creationId xmlns:a16="http://schemas.microsoft.com/office/drawing/2014/main" id="{FE7310EA-0D36-8797-94D6-7E3C9FD760A2}"/>
-              </a:ext>
-            </a:extLst>
-          </p:cNvPr>
-          <p:cNvSpPr>
-            <a:spLocks noGrp="1"/>
-          </p:cNvSpPr>
-          <p:nvPr>
-            <p:ph type="title"/>
-          </p:nvPr>
-        </p:nvSpPr>
-        <p:spPr/>
-        <p:txBody>
-          <a:bodyPr/>
-          <a:lstStyle/>
-          <a:p>
-            <a:r>
-              <a:rPr lang="de-DE" dirty="0"/>
-              <a:t>Solution 2</a:t>
-            </a:r>
-          </a:p>
-        </p:txBody>
-      </p:sp>
-      <p:sp>
-        <p:nvSpPr>
-          <p:cNvPr id="39" name="Textfeld 38">
-            <a:extLst>
-              <a:ext uri="{FF2B5EF4-FFF2-40B4-BE49-F238E27FC236}">
-                <a16:creationId xmlns:a16="http://schemas.microsoft.com/office/drawing/2014/main" id="{695DB685-95D5-A78F-2B63-74114659637B}"/>
-              </a:ext>
-            </a:extLst>
-          </p:cNvPr>
-          <p:cNvSpPr txBox="1"/>
-          <p:nvPr/>
-        </p:nvSpPr>
-        <p:spPr>
-          <a:xfrm>
-            <a:off x="2056737" y="1663601"/>
-            <a:ext cx="2719346" cy="646331"/>
-          </a:xfrm>
-          <a:prstGeom prst="rect">
-            <a:avLst/>
-          </a:prstGeom>
-          <a:solidFill>
-            <a:srgbClr val="CCCCFF"/>
-          </a:solidFill>
-        </p:spPr>
-        <p:txBody>
-          <a:bodyPr wrap="square" rtlCol="0">
-            <a:spAutoFit/>
-          </a:bodyPr>
-          <a:lstStyle/>
-          <a:p>
-            <a:r>
-              <a:rPr lang="de-DE" dirty="0">
-                <a:solidFill>
-                  <a:srgbClr val="5C4EE5"/>
-                </a:solidFill>
-                <a:latin typeface="+mj-lt"/>
-              </a:rPr>
-              <a:t>1) </a:t>
-            </a:r>
-            <a:r>
-              <a:rPr lang="de-DE" dirty="0" err="1">
-                <a:solidFill>
-                  <a:srgbClr val="5C4EE5"/>
-                </a:solidFill>
-                <a:latin typeface="+mj-lt"/>
-              </a:rPr>
-              <a:t>Install</a:t>
-            </a:r>
-            <a:r>
-              <a:rPr lang="de-DE" dirty="0">
-                <a:solidFill>
-                  <a:srgbClr val="5C4EE5"/>
-                </a:solidFill>
-                <a:latin typeface="+mj-lt"/>
-              </a:rPr>
-              <a:t> </a:t>
-            </a:r>
-            <a:r>
-              <a:rPr lang="de-DE" dirty="0" err="1">
-                <a:solidFill>
-                  <a:srgbClr val="5C4EE5"/>
-                </a:solidFill>
-                <a:latin typeface="+mj-lt"/>
-              </a:rPr>
-              <a:t>docker</a:t>
-            </a:r>
-            <a:r>
-              <a:rPr lang="de-DE" dirty="0">
-                <a:solidFill>
-                  <a:srgbClr val="5C4EE5"/>
-                </a:solidFill>
-                <a:latin typeface="+mj-lt"/>
-              </a:rPr>
-              <a:t> &amp; </a:t>
-            </a:r>
-            <a:r>
-              <a:rPr lang="de-DE" dirty="0" err="1">
-                <a:solidFill>
-                  <a:srgbClr val="5C4EE5"/>
-                </a:solidFill>
-                <a:latin typeface="+mj-lt"/>
-              </a:rPr>
-              <a:t>docker-compose</a:t>
-            </a:r>
-            <a:r>
-              <a:rPr lang="de-DE" dirty="0">
-                <a:solidFill>
-                  <a:srgbClr val="5C4EE5"/>
-                </a:solidFill>
-                <a:latin typeface="+mj-lt"/>
-              </a:rPr>
-              <a:t> in </a:t>
-            </a:r>
-            <a:r>
-              <a:rPr lang="de-DE" dirty="0" err="1">
-                <a:solidFill>
-                  <a:srgbClr val="5C4EE5"/>
-                </a:solidFill>
-                <a:latin typeface="+mj-lt"/>
-              </a:rPr>
-              <a:t>user_data</a:t>
-            </a:r>
-            <a:endParaRPr lang="de-DE" dirty="0">
-              <a:solidFill>
-                <a:srgbClr val="5C4EE5"/>
-              </a:solidFill>
-              <a:latin typeface="+mj-lt"/>
-            </a:endParaRPr>
-          </a:p>
-        </p:txBody>
-      </p:sp>
-      <p:sp>
-        <p:nvSpPr>
-          <p:cNvPr id="42" name="Textfeld 41">
-            <a:extLst>
-              <a:ext uri="{FF2B5EF4-FFF2-40B4-BE49-F238E27FC236}">
-                <a16:creationId xmlns:a16="http://schemas.microsoft.com/office/drawing/2014/main" id="{E5644BF3-453B-A266-43DB-4E6B8B5F70DA}"/>
-              </a:ext>
-            </a:extLst>
-          </p:cNvPr>
-          <p:cNvSpPr txBox="1"/>
-          <p:nvPr/>
-        </p:nvSpPr>
-        <p:spPr>
-          <a:xfrm>
-            <a:off x="10372992" y="4828059"/>
-            <a:ext cx="1758565" cy="369332"/>
-          </a:xfrm>
-          <a:prstGeom prst="rect">
-            <a:avLst/>
-          </a:prstGeom>
-          <a:solidFill>
-            <a:schemeClr val="accent5">
-              <a:lumMod val="20000"/>
-              <a:lumOff val="80000"/>
-            </a:schemeClr>
-          </a:solidFill>
-        </p:spPr>
-        <p:txBody>
-          <a:bodyPr wrap="square" rtlCol="0">
-            <a:spAutoFit/>
-          </a:bodyPr>
-          <a:lstStyle/>
-          <a:p>
-            <a:r>
-              <a:rPr lang="de-DE" dirty="0">
-                <a:solidFill>
-                  <a:srgbClr val="0070C0"/>
-                </a:solidFill>
-                <a:latin typeface="+mj-lt"/>
-              </a:rPr>
-              <a:t>2) SSH </a:t>
-            </a:r>
-            <a:r>
-              <a:rPr lang="de-DE" dirty="0" err="1">
-                <a:solidFill>
-                  <a:srgbClr val="0070C0"/>
-                </a:solidFill>
-                <a:latin typeface="+mj-lt"/>
-              </a:rPr>
-              <a:t>into</a:t>
-            </a:r>
-            <a:r>
-              <a:rPr lang="de-DE" dirty="0">
-                <a:solidFill>
-                  <a:srgbClr val="0070C0"/>
-                </a:solidFill>
-                <a:latin typeface="+mj-lt"/>
-              </a:rPr>
-              <a:t> EC2</a:t>
-            </a:r>
-          </a:p>
-        </p:txBody>
-      </p:sp>
-      <p:sp>
-        <p:nvSpPr>
-          <p:cNvPr id="44" name="Textfeld 43">
-            <a:extLst>
-              <a:ext uri="{FF2B5EF4-FFF2-40B4-BE49-F238E27FC236}">
-                <a16:creationId xmlns:a16="http://schemas.microsoft.com/office/drawing/2014/main" id="{C7FB633A-15C0-45C9-D522-A0A4AE83189B}"/>
-              </a:ext>
-            </a:extLst>
-          </p:cNvPr>
-          <p:cNvSpPr txBox="1"/>
-          <p:nvPr/>
-        </p:nvSpPr>
-        <p:spPr>
-          <a:xfrm>
-            <a:off x="9253025" y="1273196"/>
-            <a:ext cx="2613142" cy="1200329"/>
-          </a:xfrm>
-          <a:prstGeom prst="rect">
-            <a:avLst/>
-          </a:prstGeom>
-          <a:solidFill>
-            <a:schemeClr val="accent2">
-              <a:lumMod val="20000"/>
-              <a:lumOff val="80000"/>
-            </a:schemeClr>
-          </a:solidFill>
-        </p:spPr>
-        <p:txBody>
-          <a:bodyPr wrap="square" rtlCol="0">
-            <a:spAutoFit/>
-          </a:bodyPr>
-          <a:lstStyle/>
-          <a:p>
-            <a:r>
-              <a:rPr lang="de-DE" dirty="0">
-                <a:solidFill>
-                  <a:schemeClr val="accent2"/>
-                </a:solidFill>
-                <a:latin typeface="+mj-lt"/>
-              </a:rPr>
-              <a:t>3) Upload </a:t>
-            </a:r>
-            <a:r>
-              <a:rPr lang="de-DE" dirty="0" err="1">
-                <a:solidFill>
-                  <a:schemeClr val="accent2"/>
-                </a:solidFill>
-                <a:latin typeface="+mj-lt"/>
-              </a:rPr>
-              <a:t>composefile</a:t>
-            </a:r>
-            <a:r>
-              <a:rPr lang="de-DE" dirty="0">
-                <a:solidFill>
-                  <a:schemeClr val="accent2"/>
-                </a:solidFill>
-                <a:latin typeface="+mj-lt"/>
-              </a:rPr>
-              <a:t> and </a:t>
-            </a:r>
-            <a:r>
-              <a:rPr lang="de-DE" dirty="0" err="1">
-                <a:solidFill>
-                  <a:schemeClr val="accent2"/>
-                </a:solidFill>
-                <a:latin typeface="+mj-lt"/>
-              </a:rPr>
-              <a:t>database</a:t>
-            </a:r>
-            <a:r>
-              <a:rPr lang="de-DE" dirty="0">
-                <a:solidFill>
-                  <a:schemeClr val="accent2"/>
-                </a:solidFill>
-                <a:latin typeface="+mj-lt"/>
-              </a:rPr>
-              <a:t> </a:t>
-            </a:r>
-            <a:r>
-              <a:rPr lang="de-DE" dirty="0" err="1">
-                <a:solidFill>
-                  <a:schemeClr val="accent2"/>
-                </a:solidFill>
-                <a:latin typeface="+mj-lt"/>
-              </a:rPr>
-              <a:t>files</a:t>
-            </a:r>
-            <a:r>
-              <a:rPr lang="de-DE" dirty="0">
-                <a:solidFill>
-                  <a:schemeClr val="accent2"/>
-                </a:solidFill>
-                <a:latin typeface="+mj-lt"/>
-              </a:rPr>
-              <a:t> </a:t>
-            </a:r>
-            <a:r>
-              <a:rPr lang="de-DE" dirty="0" err="1">
-                <a:solidFill>
-                  <a:schemeClr val="accent2"/>
-                </a:solidFill>
-                <a:latin typeface="+mj-lt"/>
-              </a:rPr>
-              <a:t>with</a:t>
-            </a:r>
-            <a:r>
-              <a:rPr lang="de-DE" dirty="0">
-                <a:solidFill>
-                  <a:schemeClr val="accent2"/>
-                </a:solidFill>
-                <a:latin typeface="+mj-lt"/>
-              </a:rPr>
-              <a:t> </a:t>
-            </a:r>
-            <a:r>
-              <a:rPr lang="de-DE" dirty="0" err="1">
-                <a:solidFill>
-                  <a:schemeClr val="accent2"/>
-                </a:solidFill>
-                <a:latin typeface="+mj-lt"/>
-              </a:rPr>
-              <a:t>scp</a:t>
-            </a:r>
-            <a:r>
-              <a:rPr lang="de-DE" dirty="0">
-                <a:solidFill>
-                  <a:schemeClr val="accent2"/>
-                </a:solidFill>
-                <a:latin typeface="+mj-lt"/>
-              </a:rPr>
-              <a:t>, and do </a:t>
-            </a:r>
-            <a:r>
-              <a:rPr lang="de-DE" dirty="0" err="1">
-                <a:solidFill>
-                  <a:schemeClr val="accent2"/>
-                </a:solidFill>
-                <a:latin typeface="+mj-lt"/>
-              </a:rPr>
-              <a:t>docker-compose</a:t>
-            </a:r>
-            <a:r>
-              <a:rPr lang="de-DE" dirty="0">
-                <a:solidFill>
-                  <a:schemeClr val="accent2"/>
-                </a:solidFill>
-                <a:latin typeface="+mj-lt"/>
-              </a:rPr>
-              <a:t> </a:t>
-            </a:r>
-            <a:r>
-              <a:rPr lang="de-DE" dirty="0" err="1">
-                <a:solidFill>
-                  <a:schemeClr val="accent2"/>
-                </a:solidFill>
-                <a:latin typeface="+mj-lt"/>
-              </a:rPr>
-              <a:t>up</a:t>
-            </a:r>
-            <a:r>
-              <a:rPr lang="de-DE" dirty="0">
-                <a:solidFill>
-                  <a:schemeClr val="accent2"/>
-                </a:solidFill>
-                <a:latin typeface="+mj-lt"/>
-              </a:rPr>
-              <a:t> </a:t>
-            </a:r>
-            <a:r>
-              <a:rPr lang="de-DE" dirty="0" err="1">
-                <a:solidFill>
-                  <a:schemeClr val="accent2"/>
-                </a:solidFill>
-                <a:latin typeface="+mj-lt"/>
-              </a:rPr>
-              <a:t>with</a:t>
-            </a:r>
-            <a:r>
-              <a:rPr lang="de-DE" dirty="0">
-                <a:solidFill>
-                  <a:schemeClr val="accent2"/>
-                </a:solidFill>
-                <a:latin typeface="+mj-lt"/>
-              </a:rPr>
-              <a:t> </a:t>
-            </a:r>
-            <a:r>
-              <a:rPr lang="de-DE" dirty="0" err="1">
-                <a:solidFill>
-                  <a:schemeClr val="accent2"/>
-                </a:solidFill>
-                <a:latin typeface="+mj-lt"/>
-              </a:rPr>
-              <a:t>dockerhub</a:t>
-            </a:r>
-            <a:r>
-              <a:rPr lang="de-DE" dirty="0">
-                <a:solidFill>
-                  <a:schemeClr val="accent2"/>
-                </a:solidFill>
-                <a:latin typeface="+mj-lt"/>
-              </a:rPr>
-              <a:t>-images</a:t>
-            </a:r>
-          </a:p>
-        </p:txBody>
-      </p:sp>
-      <p:pic>
-        <p:nvPicPr>
-          <p:cNvPr id="45" name="Grafik 44" descr="Pfeil: Kurve im Uhrzeigersinn">
-            <a:extLst>
-              <a:ext uri="{FF2B5EF4-FFF2-40B4-BE49-F238E27FC236}">
-                <a16:creationId xmlns:a16="http://schemas.microsoft.com/office/drawing/2014/main" id="{1819F6B2-AFDA-C582-2467-C2EDC7439D78}"/>
-              </a:ext>
-            </a:extLst>
-          </p:cNvPr>
-          <p:cNvPicPr>
-            <a:picLocks noChangeAspect="1"/>
-          </p:cNvPicPr>
-          <p:nvPr/>
-        </p:nvPicPr>
-        <p:blipFill>
-          <a:blip r:embed="rId4">
-            <a:extLst>
-              <a:ext uri="{28A0092B-C50C-407E-A947-70E740481C1C}">
-                <a14:useLocalDpi xmlns:a14="http://schemas.microsoft.com/office/drawing/2010/main" val="0"/>
-              </a:ext>
-              <a:ext uri="{96DAC541-7B7A-43D3-8B79-37D633B846F1}">
-                <asvg:svgBlip xmlns:asvg="http://schemas.microsoft.com/office/drawing/2016/SVG/main" r:embed="rId5"/>
-              </a:ext>
-            </a:extLst>
-          </a:blip>
-          <a:stretch>
-            <a:fillRect/>
-          </a:stretch>
-        </p:blipFill>
-        <p:spPr>
-          <a:xfrm rot="488605" flipV="1">
-            <a:off x="8475480" y="2046821"/>
-            <a:ext cx="914400" cy="933703"/>
-          </a:xfrm>
-          <a:prstGeom prst="rect">
-            <a:avLst/>
-          </a:prstGeom>
-        </p:spPr>
-      </p:pic>
-      <p:pic>
-        <p:nvPicPr>
-          <p:cNvPr id="41" name="Grafik 40" descr="Pfeil: Kurve im Uhrzeigersinn">
-            <a:extLst>
-              <a:ext uri="{FF2B5EF4-FFF2-40B4-BE49-F238E27FC236}">
-                <a16:creationId xmlns:a16="http://schemas.microsoft.com/office/drawing/2014/main" id="{9096820B-E352-BBBB-0D9B-9D03650E261C}"/>
-              </a:ext>
-            </a:extLst>
-          </p:cNvPr>
-          <p:cNvPicPr>
-            <a:picLocks noChangeAspect="1"/>
-          </p:cNvPicPr>
-          <p:nvPr/>
-        </p:nvPicPr>
-        <p:blipFill>
-          <a:blip r:embed="rId6">
-            <a:extLst>
-              <a:ext uri="{28A0092B-C50C-407E-A947-70E740481C1C}">
-                <a14:useLocalDpi xmlns:a14="http://schemas.microsoft.com/office/drawing/2010/main" val="0"/>
-              </a:ext>
-              <a:ext uri="{96DAC541-7B7A-43D3-8B79-37D633B846F1}">
-                <asvg:svgBlip xmlns:asvg="http://schemas.microsoft.com/office/drawing/2016/SVG/main" r:embed="rId7"/>
-              </a:ext>
-            </a:extLst>
-          </a:blip>
-          <a:stretch>
-            <a:fillRect/>
-          </a:stretch>
-        </p:blipFill>
-        <p:spPr>
-          <a:xfrm rot="10800000">
-            <a:off x="3416410" y="2305314"/>
-            <a:ext cx="914400" cy="914400"/>
-          </a:xfrm>
-          <a:prstGeom prst="rect">
-            <a:avLst/>
-          </a:prstGeom>
-        </p:spPr>
-      </p:pic>
-      <p:pic>
-        <p:nvPicPr>
-          <p:cNvPr id="12" name="Grafik 11" descr="Pfeil: Kurve im Uhrzeigersinn">
-            <a:extLst>
-              <a:ext uri="{FF2B5EF4-FFF2-40B4-BE49-F238E27FC236}">
-                <a16:creationId xmlns:a16="http://schemas.microsoft.com/office/drawing/2014/main" id="{3885A69E-1144-105D-A882-2A31C7FAD384}"/>
-              </a:ext>
-            </a:extLst>
-          </p:cNvPr>
-          <p:cNvPicPr>
-            <a:picLocks noChangeAspect="1"/>
-          </p:cNvPicPr>
-          <p:nvPr/>
-        </p:nvPicPr>
-        <p:blipFill>
-          <a:blip r:embed="rId8">
-            <a:extLst>
-              <a:ext uri="{28A0092B-C50C-407E-A947-70E740481C1C}">
-                <a14:useLocalDpi xmlns:a14="http://schemas.microsoft.com/office/drawing/2010/main" val="0"/>
-              </a:ext>
-              <a:ext uri="{96DAC541-7B7A-43D3-8B79-37D633B846F1}">
-                <asvg:svgBlip xmlns:asvg="http://schemas.microsoft.com/office/drawing/2016/SVG/main" r:embed="rId9"/>
-              </a:ext>
-            </a:extLst>
-          </a:blip>
-          <a:stretch>
-            <a:fillRect/>
-          </a:stretch>
-        </p:blipFill>
-        <p:spPr>
-          <a:xfrm rot="16008384">
-            <a:off x="9533181" y="4776277"/>
-            <a:ext cx="914400" cy="914400"/>
+            <a:off x="1614582" y="365125"/>
+            <a:ext cx="8962835" cy="5811838"/>
           </a:xfrm>
           <a:prstGeom prst="rect">
             <a:avLst/>
@@ -12611,7 +13757,7 @@
     </p:spTree>
     <p:extLst>
       <p:ext uri="{BB962C8B-B14F-4D97-AF65-F5344CB8AC3E}">
-        <p14:creationId xmlns:p14="http://schemas.microsoft.com/office/powerpoint/2010/main" val="2176050440"/>
+        <p14:creationId xmlns:p14="http://schemas.microsoft.com/office/powerpoint/2010/main" val="859493405"/>
       </p:ext>
     </p:extLst>
   </p:cSld>
@@ -12689,39 +13835,44 @@
           <a:lstStyle/>
           <a:p>
             <a:r>
-              <a:rPr lang="de-DE"/>
-              <a:t>Starting point</a:t>
-            </a:r>
-          </a:p>
-          <a:p>
-            <a:r>
-              <a:rPr lang="de-DE"/>
-              <a:t>GitHub Actions</a:t>
-            </a:r>
-          </a:p>
-          <a:p>
-            <a:r>
-              <a:rPr lang="de-DE"/>
-              <a:t>Terraform &amp; AWS</a:t>
-            </a:r>
-          </a:p>
-          <a:p>
-            <a:r>
-              <a:rPr lang="de-DE"/>
-              <a:t>Solution 1</a:t>
-            </a:r>
-          </a:p>
-          <a:p>
-            <a:r>
-              <a:rPr lang="de-DE"/>
-              <a:t>Solution 2</a:t>
-            </a:r>
-          </a:p>
-          <a:p>
-            <a:r>
-              <a:rPr lang="de-DE"/>
+              <a:rPr lang="de-DE" dirty="0"/>
+              <a:t>Basic </a:t>
+            </a:r>
+            <a:r>
+              <a:rPr lang="de-DE" dirty="0" err="1"/>
+              <a:t>Idea</a:t>
+            </a:r>
+            <a:r>
+              <a:rPr lang="de-DE" dirty="0"/>
+              <a:t> and Tools</a:t>
+            </a:r>
+          </a:p>
+          <a:p>
+            <a:r>
+              <a:rPr lang="de-DE" dirty="0" err="1"/>
+              <a:t>Our</a:t>
+            </a:r>
+            <a:r>
+              <a:rPr lang="de-DE" dirty="0"/>
+              <a:t> Solution</a:t>
+            </a:r>
+          </a:p>
+          <a:p>
+            <a:r>
+              <a:rPr lang="de-DE" dirty="0"/>
               <a:t>Working Demo</a:t>
             </a:r>
+          </a:p>
+          <a:p>
+            <a:r>
+              <a:rPr lang="de-DE" dirty="0"/>
+              <a:t>Possible </a:t>
+            </a:r>
+            <a:r>
+              <a:rPr lang="de-DE" dirty="0" err="1"/>
+              <a:t>Improvements</a:t>
+            </a:r>
+            <a:endParaRPr lang="de-DE" dirty="0"/>
           </a:p>
         </p:txBody>
       </p:sp>
@@ -12739,6 +13890,711 @@
 </file>
 
 <file path=ppt/slides/slide20.xml><?xml version="1.0" encoding="utf-8"?>
+<p:sld xmlns:a="http://schemas.openxmlformats.org/drawingml/2006/main" xmlns:r="http://schemas.openxmlformats.org/officeDocument/2006/relationships" xmlns:p="http://schemas.openxmlformats.org/presentationml/2006/main">
+  <p:cSld>
+    <p:spTree>
+      <p:nvGrpSpPr>
+        <p:cNvPr id="1" name=""/>
+        <p:cNvGrpSpPr/>
+        <p:nvPr/>
+      </p:nvGrpSpPr>
+      <p:grpSpPr>
+        <a:xfrm>
+          <a:off x="0" y="0"/>
+          <a:ext cx="0" cy="0"/>
+          <a:chOff x="0" y="0"/>
+          <a:chExt cx="0" cy="0"/>
+        </a:xfrm>
+      </p:grpSpPr>
+      <p:pic>
+        <p:nvPicPr>
+          <p:cNvPr id="4" name="Grafik 3">
+            <a:extLst>
+              <a:ext uri="{FF2B5EF4-FFF2-40B4-BE49-F238E27FC236}">
+                <a16:creationId xmlns:a16="http://schemas.microsoft.com/office/drawing/2014/main" id="{73EAFD23-835D-BE75-950B-784D8824F747}"/>
+              </a:ext>
+            </a:extLst>
+          </p:cNvPr>
+          <p:cNvPicPr>
+            <a:picLocks noChangeAspect="1"/>
+          </p:cNvPicPr>
+          <p:nvPr/>
+        </p:nvPicPr>
+        <p:blipFill>
+          <a:blip r:embed="rId2">
+            <a:extLst>
+              <a:ext uri="{28A0092B-C50C-407E-A947-70E740481C1C}">
+                <a14:useLocalDpi xmlns:a14="http://schemas.microsoft.com/office/drawing/2010/main" val="0"/>
+              </a:ext>
+              <a:ext uri="{96DAC541-7B7A-43D3-8B79-37D633B846F1}">
+                <asvg:svgBlip xmlns:asvg="http://schemas.microsoft.com/office/drawing/2016/SVG/main" r:embed="rId3"/>
+              </a:ext>
+            </a:extLst>
+          </a:blip>
+          <a:stretch>
+            <a:fillRect/>
+          </a:stretch>
+        </p:blipFill>
+        <p:spPr>
+          <a:xfrm>
+            <a:off x="476704" y="2787382"/>
+            <a:ext cx="9294109" cy="3253758"/>
+          </a:xfrm>
+          <a:prstGeom prst="rect">
+            <a:avLst/>
+          </a:prstGeom>
+        </p:spPr>
+      </p:pic>
+      <p:sp>
+        <p:nvSpPr>
+          <p:cNvPr id="2" name="Titel 1">
+            <a:extLst>
+              <a:ext uri="{FF2B5EF4-FFF2-40B4-BE49-F238E27FC236}">
+                <a16:creationId xmlns:a16="http://schemas.microsoft.com/office/drawing/2014/main" id="{FE7310EA-0D36-8797-94D6-7E3C9FD760A2}"/>
+              </a:ext>
+            </a:extLst>
+          </p:cNvPr>
+          <p:cNvSpPr>
+            <a:spLocks noGrp="1"/>
+          </p:cNvSpPr>
+          <p:nvPr>
+            <p:ph type="title"/>
+          </p:nvPr>
+        </p:nvSpPr>
+        <p:spPr/>
+        <p:txBody>
+          <a:bodyPr/>
+          <a:lstStyle/>
+          <a:p>
+            <a:r>
+              <a:rPr lang="de-DE" dirty="0"/>
+              <a:t>Solution 2</a:t>
+            </a:r>
+          </a:p>
+        </p:txBody>
+      </p:sp>
+      <p:sp>
+        <p:nvSpPr>
+          <p:cNvPr id="39" name="Textfeld 38">
+            <a:extLst>
+              <a:ext uri="{FF2B5EF4-FFF2-40B4-BE49-F238E27FC236}">
+                <a16:creationId xmlns:a16="http://schemas.microsoft.com/office/drawing/2014/main" id="{695DB685-95D5-A78F-2B63-74114659637B}"/>
+              </a:ext>
+            </a:extLst>
+          </p:cNvPr>
+          <p:cNvSpPr txBox="1"/>
+          <p:nvPr/>
+        </p:nvSpPr>
+        <p:spPr>
+          <a:xfrm>
+            <a:off x="2056737" y="1663601"/>
+            <a:ext cx="2719346" cy="646331"/>
+          </a:xfrm>
+          <a:prstGeom prst="rect">
+            <a:avLst/>
+          </a:prstGeom>
+          <a:solidFill>
+            <a:srgbClr val="CCCCFF"/>
+          </a:solidFill>
+        </p:spPr>
+        <p:txBody>
+          <a:bodyPr wrap="square" rtlCol="0">
+            <a:spAutoFit/>
+          </a:bodyPr>
+          <a:lstStyle/>
+          <a:p>
+            <a:r>
+              <a:rPr lang="de-DE" dirty="0">
+                <a:solidFill>
+                  <a:srgbClr val="5C4EE5"/>
+                </a:solidFill>
+                <a:latin typeface="+mj-lt"/>
+              </a:rPr>
+              <a:t>1) </a:t>
+            </a:r>
+            <a:r>
+              <a:rPr lang="de-DE" dirty="0" err="1">
+                <a:solidFill>
+                  <a:srgbClr val="5C4EE5"/>
+                </a:solidFill>
+                <a:latin typeface="+mj-lt"/>
+              </a:rPr>
+              <a:t>Install</a:t>
+            </a:r>
+            <a:r>
+              <a:rPr lang="de-DE" dirty="0">
+                <a:solidFill>
+                  <a:srgbClr val="5C4EE5"/>
+                </a:solidFill>
+                <a:latin typeface="+mj-lt"/>
+              </a:rPr>
+              <a:t> </a:t>
+            </a:r>
+            <a:r>
+              <a:rPr lang="de-DE" dirty="0" err="1">
+                <a:solidFill>
+                  <a:srgbClr val="5C4EE5"/>
+                </a:solidFill>
+                <a:latin typeface="+mj-lt"/>
+              </a:rPr>
+              <a:t>docker</a:t>
+            </a:r>
+            <a:r>
+              <a:rPr lang="de-DE" dirty="0">
+                <a:solidFill>
+                  <a:srgbClr val="5C4EE5"/>
+                </a:solidFill>
+                <a:latin typeface="+mj-lt"/>
+              </a:rPr>
+              <a:t> &amp; </a:t>
+            </a:r>
+            <a:r>
+              <a:rPr lang="de-DE" dirty="0" err="1">
+                <a:solidFill>
+                  <a:srgbClr val="5C4EE5"/>
+                </a:solidFill>
+                <a:latin typeface="+mj-lt"/>
+              </a:rPr>
+              <a:t>docker-compose</a:t>
+            </a:r>
+            <a:r>
+              <a:rPr lang="de-DE" dirty="0">
+                <a:solidFill>
+                  <a:srgbClr val="5C4EE5"/>
+                </a:solidFill>
+                <a:latin typeface="+mj-lt"/>
+              </a:rPr>
+              <a:t> in </a:t>
+            </a:r>
+            <a:r>
+              <a:rPr lang="de-DE" dirty="0" err="1">
+                <a:solidFill>
+                  <a:srgbClr val="5C4EE5"/>
+                </a:solidFill>
+                <a:latin typeface="+mj-lt"/>
+              </a:rPr>
+              <a:t>user_data</a:t>
+            </a:r>
+            <a:endParaRPr lang="de-DE" dirty="0">
+              <a:solidFill>
+                <a:srgbClr val="5C4EE5"/>
+              </a:solidFill>
+              <a:latin typeface="+mj-lt"/>
+            </a:endParaRPr>
+          </a:p>
+        </p:txBody>
+      </p:sp>
+      <p:sp>
+        <p:nvSpPr>
+          <p:cNvPr id="42" name="Textfeld 41">
+            <a:extLst>
+              <a:ext uri="{FF2B5EF4-FFF2-40B4-BE49-F238E27FC236}">
+                <a16:creationId xmlns:a16="http://schemas.microsoft.com/office/drawing/2014/main" id="{E5644BF3-453B-A266-43DB-4E6B8B5F70DA}"/>
+              </a:ext>
+            </a:extLst>
+          </p:cNvPr>
+          <p:cNvSpPr txBox="1"/>
+          <p:nvPr/>
+        </p:nvSpPr>
+        <p:spPr>
+          <a:xfrm>
+            <a:off x="10372992" y="4828059"/>
+            <a:ext cx="1758565" cy="369332"/>
+          </a:xfrm>
+          <a:prstGeom prst="rect">
+            <a:avLst/>
+          </a:prstGeom>
+          <a:solidFill>
+            <a:schemeClr val="accent5">
+              <a:lumMod val="20000"/>
+              <a:lumOff val="80000"/>
+            </a:schemeClr>
+          </a:solidFill>
+        </p:spPr>
+        <p:txBody>
+          <a:bodyPr wrap="square" rtlCol="0">
+            <a:spAutoFit/>
+          </a:bodyPr>
+          <a:lstStyle/>
+          <a:p>
+            <a:r>
+              <a:rPr lang="de-DE" dirty="0">
+                <a:solidFill>
+                  <a:srgbClr val="0070C0"/>
+                </a:solidFill>
+                <a:latin typeface="+mj-lt"/>
+              </a:rPr>
+              <a:t>2) SSH </a:t>
+            </a:r>
+            <a:r>
+              <a:rPr lang="de-DE" dirty="0" err="1">
+                <a:solidFill>
+                  <a:srgbClr val="0070C0"/>
+                </a:solidFill>
+                <a:latin typeface="+mj-lt"/>
+              </a:rPr>
+              <a:t>into</a:t>
+            </a:r>
+            <a:r>
+              <a:rPr lang="de-DE" dirty="0">
+                <a:solidFill>
+                  <a:srgbClr val="0070C0"/>
+                </a:solidFill>
+                <a:latin typeface="+mj-lt"/>
+              </a:rPr>
+              <a:t> EC2</a:t>
+            </a:r>
+          </a:p>
+        </p:txBody>
+      </p:sp>
+      <p:sp>
+        <p:nvSpPr>
+          <p:cNvPr id="44" name="Textfeld 43">
+            <a:extLst>
+              <a:ext uri="{FF2B5EF4-FFF2-40B4-BE49-F238E27FC236}">
+                <a16:creationId xmlns:a16="http://schemas.microsoft.com/office/drawing/2014/main" id="{C7FB633A-15C0-45C9-D522-A0A4AE83189B}"/>
+              </a:ext>
+            </a:extLst>
+          </p:cNvPr>
+          <p:cNvSpPr txBox="1"/>
+          <p:nvPr/>
+        </p:nvSpPr>
+        <p:spPr>
+          <a:xfrm>
+            <a:off x="9253025" y="1273196"/>
+            <a:ext cx="2613142" cy="1200329"/>
+          </a:xfrm>
+          <a:prstGeom prst="rect">
+            <a:avLst/>
+          </a:prstGeom>
+          <a:solidFill>
+            <a:schemeClr val="accent2">
+              <a:lumMod val="20000"/>
+              <a:lumOff val="80000"/>
+            </a:schemeClr>
+          </a:solidFill>
+        </p:spPr>
+        <p:txBody>
+          <a:bodyPr wrap="square" rtlCol="0">
+            <a:spAutoFit/>
+          </a:bodyPr>
+          <a:lstStyle/>
+          <a:p>
+            <a:r>
+              <a:rPr lang="de-DE" dirty="0">
+                <a:solidFill>
+                  <a:schemeClr val="accent2"/>
+                </a:solidFill>
+                <a:latin typeface="+mj-lt"/>
+              </a:rPr>
+              <a:t>3) Upload </a:t>
+            </a:r>
+            <a:r>
+              <a:rPr lang="de-DE" dirty="0" err="1">
+                <a:solidFill>
+                  <a:schemeClr val="accent2"/>
+                </a:solidFill>
+                <a:latin typeface="+mj-lt"/>
+              </a:rPr>
+              <a:t>composefile</a:t>
+            </a:r>
+            <a:r>
+              <a:rPr lang="de-DE" dirty="0">
+                <a:solidFill>
+                  <a:schemeClr val="accent2"/>
+                </a:solidFill>
+                <a:latin typeface="+mj-lt"/>
+              </a:rPr>
+              <a:t> and </a:t>
+            </a:r>
+            <a:r>
+              <a:rPr lang="de-DE" dirty="0" err="1">
+                <a:solidFill>
+                  <a:schemeClr val="accent2"/>
+                </a:solidFill>
+                <a:latin typeface="+mj-lt"/>
+              </a:rPr>
+              <a:t>database</a:t>
+            </a:r>
+            <a:r>
+              <a:rPr lang="de-DE" dirty="0">
+                <a:solidFill>
+                  <a:schemeClr val="accent2"/>
+                </a:solidFill>
+                <a:latin typeface="+mj-lt"/>
+              </a:rPr>
+              <a:t> </a:t>
+            </a:r>
+            <a:r>
+              <a:rPr lang="de-DE" dirty="0" err="1">
+                <a:solidFill>
+                  <a:schemeClr val="accent2"/>
+                </a:solidFill>
+                <a:latin typeface="+mj-lt"/>
+              </a:rPr>
+              <a:t>files</a:t>
+            </a:r>
+            <a:r>
+              <a:rPr lang="de-DE" dirty="0">
+                <a:solidFill>
+                  <a:schemeClr val="accent2"/>
+                </a:solidFill>
+                <a:latin typeface="+mj-lt"/>
+              </a:rPr>
+              <a:t> </a:t>
+            </a:r>
+            <a:r>
+              <a:rPr lang="de-DE" dirty="0" err="1">
+                <a:solidFill>
+                  <a:schemeClr val="accent2"/>
+                </a:solidFill>
+                <a:latin typeface="+mj-lt"/>
+              </a:rPr>
+              <a:t>with</a:t>
+            </a:r>
+            <a:r>
+              <a:rPr lang="de-DE" dirty="0">
+                <a:solidFill>
+                  <a:schemeClr val="accent2"/>
+                </a:solidFill>
+                <a:latin typeface="+mj-lt"/>
+              </a:rPr>
+              <a:t> </a:t>
+            </a:r>
+            <a:r>
+              <a:rPr lang="de-DE" dirty="0" err="1">
+                <a:solidFill>
+                  <a:schemeClr val="accent2"/>
+                </a:solidFill>
+                <a:latin typeface="+mj-lt"/>
+              </a:rPr>
+              <a:t>scp</a:t>
+            </a:r>
+            <a:r>
+              <a:rPr lang="de-DE" dirty="0">
+                <a:solidFill>
+                  <a:schemeClr val="accent2"/>
+                </a:solidFill>
+                <a:latin typeface="+mj-lt"/>
+              </a:rPr>
+              <a:t>, and do </a:t>
+            </a:r>
+            <a:r>
+              <a:rPr lang="de-DE" dirty="0" err="1">
+                <a:solidFill>
+                  <a:schemeClr val="accent2"/>
+                </a:solidFill>
+                <a:latin typeface="+mj-lt"/>
+              </a:rPr>
+              <a:t>docker-compose</a:t>
+            </a:r>
+            <a:r>
+              <a:rPr lang="de-DE" dirty="0">
+                <a:solidFill>
+                  <a:schemeClr val="accent2"/>
+                </a:solidFill>
+                <a:latin typeface="+mj-lt"/>
+              </a:rPr>
+              <a:t> </a:t>
+            </a:r>
+            <a:r>
+              <a:rPr lang="de-DE" dirty="0" err="1">
+                <a:solidFill>
+                  <a:schemeClr val="accent2"/>
+                </a:solidFill>
+                <a:latin typeface="+mj-lt"/>
+              </a:rPr>
+              <a:t>up</a:t>
+            </a:r>
+            <a:r>
+              <a:rPr lang="de-DE" dirty="0">
+                <a:solidFill>
+                  <a:schemeClr val="accent2"/>
+                </a:solidFill>
+                <a:latin typeface="+mj-lt"/>
+              </a:rPr>
+              <a:t> </a:t>
+            </a:r>
+            <a:r>
+              <a:rPr lang="de-DE" dirty="0" err="1">
+                <a:solidFill>
+                  <a:schemeClr val="accent2"/>
+                </a:solidFill>
+                <a:latin typeface="+mj-lt"/>
+              </a:rPr>
+              <a:t>with</a:t>
+            </a:r>
+            <a:r>
+              <a:rPr lang="de-DE" dirty="0">
+                <a:solidFill>
+                  <a:schemeClr val="accent2"/>
+                </a:solidFill>
+                <a:latin typeface="+mj-lt"/>
+              </a:rPr>
+              <a:t> </a:t>
+            </a:r>
+            <a:r>
+              <a:rPr lang="de-DE" dirty="0" err="1">
+                <a:solidFill>
+                  <a:schemeClr val="accent2"/>
+                </a:solidFill>
+                <a:latin typeface="+mj-lt"/>
+              </a:rPr>
+              <a:t>dockerhub</a:t>
+            </a:r>
+            <a:r>
+              <a:rPr lang="de-DE" dirty="0">
+                <a:solidFill>
+                  <a:schemeClr val="accent2"/>
+                </a:solidFill>
+                <a:latin typeface="+mj-lt"/>
+              </a:rPr>
+              <a:t>-images</a:t>
+            </a:r>
+          </a:p>
+        </p:txBody>
+      </p:sp>
+      <p:pic>
+        <p:nvPicPr>
+          <p:cNvPr id="45" name="Grafik 44" descr="Pfeil: Kurve im Uhrzeigersinn">
+            <a:extLst>
+              <a:ext uri="{FF2B5EF4-FFF2-40B4-BE49-F238E27FC236}">
+                <a16:creationId xmlns:a16="http://schemas.microsoft.com/office/drawing/2014/main" id="{1819F6B2-AFDA-C582-2467-C2EDC7439D78}"/>
+              </a:ext>
+            </a:extLst>
+          </p:cNvPr>
+          <p:cNvPicPr>
+            <a:picLocks noChangeAspect="1"/>
+          </p:cNvPicPr>
+          <p:nvPr/>
+        </p:nvPicPr>
+        <p:blipFill>
+          <a:blip r:embed="rId4">
+            <a:extLst>
+              <a:ext uri="{28A0092B-C50C-407E-A947-70E740481C1C}">
+                <a14:useLocalDpi xmlns:a14="http://schemas.microsoft.com/office/drawing/2010/main" val="0"/>
+              </a:ext>
+              <a:ext uri="{96DAC541-7B7A-43D3-8B79-37D633B846F1}">
+                <asvg:svgBlip xmlns:asvg="http://schemas.microsoft.com/office/drawing/2016/SVG/main" r:embed="rId5"/>
+              </a:ext>
+            </a:extLst>
+          </a:blip>
+          <a:stretch>
+            <a:fillRect/>
+          </a:stretch>
+        </p:blipFill>
+        <p:spPr>
+          <a:xfrm rot="488605" flipV="1">
+            <a:off x="8475480" y="2046821"/>
+            <a:ext cx="914400" cy="933703"/>
+          </a:xfrm>
+          <a:prstGeom prst="rect">
+            <a:avLst/>
+          </a:prstGeom>
+        </p:spPr>
+      </p:pic>
+      <p:pic>
+        <p:nvPicPr>
+          <p:cNvPr id="41" name="Grafik 40" descr="Pfeil: Kurve im Uhrzeigersinn">
+            <a:extLst>
+              <a:ext uri="{FF2B5EF4-FFF2-40B4-BE49-F238E27FC236}">
+                <a16:creationId xmlns:a16="http://schemas.microsoft.com/office/drawing/2014/main" id="{9096820B-E352-BBBB-0D9B-9D03650E261C}"/>
+              </a:ext>
+            </a:extLst>
+          </p:cNvPr>
+          <p:cNvPicPr>
+            <a:picLocks noChangeAspect="1"/>
+          </p:cNvPicPr>
+          <p:nvPr/>
+        </p:nvPicPr>
+        <p:blipFill>
+          <a:blip r:embed="rId6">
+            <a:extLst>
+              <a:ext uri="{28A0092B-C50C-407E-A947-70E740481C1C}">
+                <a14:useLocalDpi xmlns:a14="http://schemas.microsoft.com/office/drawing/2010/main" val="0"/>
+              </a:ext>
+              <a:ext uri="{96DAC541-7B7A-43D3-8B79-37D633B846F1}">
+                <asvg:svgBlip xmlns:asvg="http://schemas.microsoft.com/office/drawing/2016/SVG/main" r:embed="rId7"/>
+              </a:ext>
+            </a:extLst>
+          </a:blip>
+          <a:stretch>
+            <a:fillRect/>
+          </a:stretch>
+        </p:blipFill>
+        <p:spPr>
+          <a:xfrm rot="10800000">
+            <a:off x="3416410" y="2305314"/>
+            <a:ext cx="914400" cy="914400"/>
+          </a:xfrm>
+          <a:prstGeom prst="rect">
+            <a:avLst/>
+          </a:prstGeom>
+        </p:spPr>
+      </p:pic>
+      <p:pic>
+        <p:nvPicPr>
+          <p:cNvPr id="12" name="Grafik 11" descr="Pfeil: Kurve im Uhrzeigersinn">
+            <a:extLst>
+              <a:ext uri="{FF2B5EF4-FFF2-40B4-BE49-F238E27FC236}">
+                <a16:creationId xmlns:a16="http://schemas.microsoft.com/office/drawing/2014/main" id="{3885A69E-1144-105D-A882-2A31C7FAD384}"/>
+              </a:ext>
+            </a:extLst>
+          </p:cNvPr>
+          <p:cNvPicPr>
+            <a:picLocks noChangeAspect="1"/>
+          </p:cNvPicPr>
+          <p:nvPr/>
+        </p:nvPicPr>
+        <p:blipFill>
+          <a:blip r:embed="rId8">
+            <a:extLst>
+              <a:ext uri="{28A0092B-C50C-407E-A947-70E740481C1C}">
+                <a14:useLocalDpi xmlns:a14="http://schemas.microsoft.com/office/drawing/2010/main" val="0"/>
+              </a:ext>
+              <a:ext uri="{96DAC541-7B7A-43D3-8B79-37D633B846F1}">
+                <asvg:svgBlip xmlns:asvg="http://schemas.microsoft.com/office/drawing/2016/SVG/main" r:embed="rId9"/>
+              </a:ext>
+            </a:extLst>
+          </a:blip>
+          <a:stretch>
+            <a:fillRect/>
+          </a:stretch>
+        </p:blipFill>
+        <p:spPr>
+          <a:xfrm rot="16008384">
+            <a:off x="9533181" y="4776277"/>
+            <a:ext cx="914400" cy="914400"/>
+          </a:xfrm>
+          <a:prstGeom prst="rect">
+            <a:avLst/>
+          </a:prstGeom>
+        </p:spPr>
+      </p:pic>
+    </p:spTree>
+    <p:extLst>
+      <p:ext uri="{BB962C8B-B14F-4D97-AF65-F5344CB8AC3E}">
+        <p14:creationId xmlns:p14="http://schemas.microsoft.com/office/powerpoint/2010/main" val="2176050440"/>
+      </p:ext>
+    </p:extLst>
+  </p:cSld>
+  <p:clrMapOvr>
+    <a:masterClrMapping/>
+  </p:clrMapOvr>
+</p:sld>
+</file>
+
+<file path=ppt/slides/slide21.xml><?xml version="1.0" encoding="utf-8"?>
+<p:sld xmlns:a="http://schemas.openxmlformats.org/drawingml/2006/main" xmlns:r="http://schemas.openxmlformats.org/officeDocument/2006/relationships" xmlns:p="http://schemas.openxmlformats.org/presentationml/2006/main">
+  <p:cSld>
+    <p:spTree>
+      <p:nvGrpSpPr>
+        <p:cNvPr id="1" name=""/>
+        <p:cNvGrpSpPr/>
+        <p:nvPr/>
+      </p:nvGrpSpPr>
+      <p:grpSpPr>
+        <a:xfrm>
+          <a:off x="0" y="0"/>
+          <a:ext cx="0" cy="0"/>
+          <a:chOff x="0" y="0"/>
+          <a:chExt cx="0" cy="0"/>
+        </a:xfrm>
+      </p:grpSpPr>
+      <p:sp>
+        <p:nvSpPr>
+          <p:cNvPr id="2" name="Titel 1">
+            <a:extLst>
+              <a:ext uri="{FF2B5EF4-FFF2-40B4-BE49-F238E27FC236}">
+                <a16:creationId xmlns:a16="http://schemas.microsoft.com/office/drawing/2014/main" id="{A7158C91-19AA-8C26-FF2D-FB4E99CF564F}"/>
+              </a:ext>
+            </a:extLst>
+          </p:cNvPr>
+          <p:cNvSpPr>
+            <a:spLocks noGrp="1"/>
+          </p:cNvSpPr>
+          <p:nvPr>
+            <p:ph type="title"/>
+          </p:nvPr>
+        </p:nvSpPr>
+        <p:spPr/>
+        <p:txBody>
+          <a:bodyPr/>
+          <a:lstStyle/>
+          <a:p>
+            <a:endParaRPr lang="de-DE"/>
+          </a:p>
+        </p:txBody>
+      </p:sp>
+      <p:sp>
+        <p:nvSpPr>
+          <p:cNvPr id="3" name="Inhaltsplatzhalter 2">
+            <a:extLst>
+              <a:ext uri="{FF2B5EF4-FFF2-40B4-BE49-F238E27FC236}">
+                <a16:creationId xmlns:a16="http://schemas.microsoft.com/office/drawing/2014/main" id="{990FCECD-0788-ABC3-E9C1-7BEF15A4F3BA}"/>
+              </a:ext>
+            </a:extLst>
+          </p:cNvPr>
+          <p:cNvSpPr>
+            <a:spLocks noGrp="1"/>
+          </p:cNvSpPr>
+          <p:nvPr>
+            <p:ph idx="1"/>
+          </p:nvPr>
+        </p:nvSpPr>
+        <p:spPr/>
+        <p:txBody>
+          <a:bodyPr/>
+          <a:lstStyle/>
+          <a:p>
+            <a:endParaRPr lang="de-DE"/>
+          </a:p>
+        </p:txBody>
+      </p:sp>
+      <p:pic>
+        <p:nvPicPr>
+          <p:cNvPr id="5" name="Grafik 4">
+            <a:extLst>
+              <a:ext uri="{FF2B5EF4-FFF2-40B4-BE49-F238E27FC236}">
+                <a16:creationId xmlns:a16="http://schemas.microsoft.com/office/drawing/2014/main" id="{F4E7E60F-208E-42B0-52E7-8E0F87AA1705}"/>
+              </a:ext>
+            </a:extLst>
+          </p:cNvPr>
+          <p:cNvPicPr>
+            <a:picLocks noChangeAspect="1"/>
+          </p:cNvPicPr>
+          <p:nvPr/>
+        </p:nvPicPr>
+        <p:blipFill>
+          <a:blip r:embed="rId2"/>
+          <a:stretch>
+            <a:fillRect/>
+          </a:stretch>
+        </p:blipFill>
+        <p:spPr>
+          <a:xfrm>
+            <a:off x="1573547" y="365125"/>
+            <a:ext cx="9044905" cy="5741476"/>
+          </a:xfrm>
+          <a:prstGeom prst="rect">
+            <a:avLst/>
+          </a:prstGeom>
+        </p:spPr>
+      </p:pic>
+    </p:spTree>
+    <p:extLst>
+      <p:ext uri="{BB962C8B-B14F-4D97-AF65-F5344CB8AC3E}">
+        <p14:creationId xmlns:p14="http://schemas.microsoft.com/office/powerpoint/2010/main" val="1272277092"/>
+      </p:ext>
+    </p:extLst>
+  </p:cSld>
+  <p:clrMapOvr>
+    <a:masterClrMapping/>
+  </p:clrMapOvr>
+</p:sld>
+</file>
+
+<file path=ppt/slides/slide22.xml><?xml version="1.0" encoding="utf-8"?>
 <p:sld xmlns:a="http://schemas.openxmlformats.org/drawingml/2006/main" xmlns:r="http://schemas.openxmlformats.org/officeDocument/2006/relationships" xmlns:p="http://schemas.openxmlformats.org/presentationml/2006/main">
   <p:cSld>
     <p:bg>
@@ -12811,8 +14667,8 @@
 </p:sld>
 </file>
 
-<file path=ppt/slides/slide21.xml><?xml version="1.0" encoding="utf-8"?>
-<p:sld xmlns:a="http://schemas.openxmlformats.org/drawingml/2006/main" xmlns:r="http://schemas.openxmlformats.org/officeDocument/2006/relationships" xmlns:p="http://schemas.openxmlformats.org/presentationml/2006/main">
+<file path=ppt/slides/slide23.xml><?xml version="1.0" encoding="utf-8"?>
+<p:sld xmlns:a="http://schemas.openxmlformats.org/drawingml/2006/main" xmlns:r="http://schemas.openxmlformats.org/officeDocument/2006/relationships" xmlns:p="http://schemas.openxmlformats.org/presentationml/2006/main" show="0">
   <p:cSld>
     <p:spTree>
       <p:nvGrpSpPr>
@@ -13029,404 +14885,6 @@
     <p:extLst>
       <p:ext uri="{BB962C8B-B14F-4D97-AF65-F5344CB8AC3E}">
         <p14:creationId xmlns:p14="http://schemas.microsoft.com/office/powerpoint/2010/main" val="1587925568"/>
-      </p:ext>
-    </p:extLst>
-  </p:cSld>
-  <p:clrMapOvr>
-    <a:masterClrMapping/>
-  </p:clrMapOvr>
-</p:sld>
-</file>
-
-<file path=ppt/slides/slide22.xml><?xml version="1.0" encoding="utf-8"?>
-<p:sld xmlns:a="http://schemas.openxmlformats.org/drawingml/2006/main" xmlns:r="http://schemas.openxmlformats.org/officeDocument/2006/relationships" xmlns:p="http://schemas.openxmlformats.org/presentationml/2006/main" show="0">
-  <p:cSld>
-    <p:spTree>
-      <p:nvGrpSpPr>
-        <p:cNvPr id="1" name=""/>
-        <p:cNvGrpSpPr/>
-        <p:nvPr/>
-      </p:nvGrpSpPr>
-      <p:grpSpPr>
-        <a:xfrm>
-          <a:off x="0" y="0"/>
-          <a:ext cx="0" cy="0"/>
-          <a:chOff x="0" y="0"/>
-          <a:chExt cx="0" cy="0"/>
-        </a:xfrm>
-      </p:grpSpPr>
-      <p:sp>
-        <p:nvSpPr>
-          <p:cNvPr id="2" name="Titel 1">
-            <a:extLst>
-              <a:ext uri="{FF2B5EF4-FFF2-40B4-BE49-F238E27FC236}">
-                <a16:creationId xmlns:a16="http://schemas.microsoft.com/office/drawing/2014/main" id="{B65D7EC3-CD42-4551-8940-B2E7B1FA136C}"/>
-              </a:ext>
-            </a:extLst>
-          </p:cNvPr>
-          <p:cNvSpPr>
-            <a:spLocks noGrp="1"/>
-          </p:cNvSpPr>
-          <p:nvPr>
-            <p:ph type="title"/>
-          </p:nvPr>
-        </p:nvSpPr>
-        <p:spPr/>
-        <p:txBody>
-          <a:bodyPr/>
-          <a:lstStyle/>
-          <a:p>
-            <a:r>
-              <a:rPr lang="de-DE"/>
-              <a:t>Solution 1</a:t>
-            </a:r>
-            <a:endParaRPr lang="de-DE" dirty="0"/>
-          </a:p>
-        </p:txBody>
-      </p:sp>
-      <p:sp>
-        <p:nvSpPr>
-          <p:cNvPr id="4" name="Content Placeholder 3">
-            <a:extLst>
-              <a:ext uri="{FF2B5EF4-FFF2-40B4-BE49-F238E27FC236}">
-                <a16:creationId xmlns:a16="http://schemas.microsoft.com/office/drawing/2014/main" id="{2BF5D699-940E-4DE9-8183-FAB1BE315652}"/>
-              </a:ext>
-            </a:extLst>
-          </p:cNvPr>
-          <p:cNvSpPr>
-            <a:spLocks noGrp="1"/>
-          </p:cNvSpPr>
-          <p:nvPr>
-            <p:ph idx="1"/>
-          </p:nvPr>
-        </p:nvSpPr>
-        <p:spPr/>
-        <p:txBody>
-          <a:bodyPr/>
-          <a:lstStyle/>
-          <a:p>
-            <a:pPr marL="0" indent="0">
-              <a:buNone/>
-            </a:pPr>
-            <a:r>
-              <a:rPr lang="de-DE" dirty="0" err="1"/>
-              <a:t>Deployment</a:t>
-            </a:r>
-            <a:r>
-              <a:rPr lang="de-DE" dirty="0"/>
-              <a:t> via .</a:t>
-            </a:r>
-            <a:r>
-              <a:rPr lang="de-DE" dirty="0" err="1"/>
-              <a:t>zip</a:t>
-            </a:r>
-            <a:r>
-              <a:rPr lang="de-DE" dirty="0"/>
-              <a:t> link:</a:t>
-            </a:r>
-          </a:p>
-          <a:p>
-            <a:pPr marL="0" indent="0">
-              <a:buNone/>
-            </a:pPr>
-            <a:endParaRPr lang="de-DE" dirty="0"/>
-          </a:p>
-          <a:p>
-            <a:pPr marL="457200" lvl="1" indent="0">
-              <a:buNone/>
-            </a:pPr>
-            <a:r>
-              <a:rPr lang="de-DE" dirty="0"/>
-              <a:t>1) Installation of Docker and Docker </a:t>
-            </a:r>
-            <a:r>
-              <a:rPr lang="de-DE" dirty="0" err="1"/>
-              <a:t>Compose</a:t>
-            </a:r>
-            <a:r>
-              <a:rPr lang="de-DE" dirty="0"/>
-              <a:t> SSH </a:t>
-            </a:r>
-            <a:r>
-              <a:rPr lang="de-DE" dirty="0" err="1"/>
-              <a:t>to</a:t>
-            </a:r>
-            <a:r>
-              <a:rPr lang="de-DE" dirty="0"/>
-              <a:t> </a:t>
-            </a:r>
-            <a:r>
-              <a:rPr lang="de-DE" dirty="0" err="1"/>
-              <a:t>access</a:t>
-            </a:r>
-            <a:r>
-              <a:rPr lang="de-DE" dirty="0"/>
-              <a:t> EC2 </a:t>
-            </a:r>
-            <a:r>
-              <a:rPr lang="de-DE" dirty="0" err="1"/>
-              <a:t>instance</a:t>
-            </a:r>
-            <a:endParaRPr lang="de-DE" dirty="0"/>
-          </a:p>
-          <a:p>
-            <a:pPr lvl="1"/>
-            <a:r>
-              <a:rPr lang="de-DE" dirty="0"/>
-              <a:t>Installation of Docker and Docker </a:t>
-            </a:r>
-            <a:r>
-              <a:rPr lang="de-DE" dirty="0" err="1"/>
-              <a:t>Compose</a:t>
-            </a:r>
-            <a:r>
-              <a:rPr lang="de-DE" dirty="0"/>
-              <a:t> on EC2</a:t>
-            </a:r>
-          </a:p>
-          <a:p>
-            <a:pPr lvl="1"/>
-            <a:r>
-              <a:rPr lang="de-DE" dirty="0"/>
-              <a:t>Upload of </a:t>
-            </a:r>
-            <a:r>
-              <a:rPr lang="de-DE" dirty="0" err="1"/>
-              <a:t>application</a:t>
-            </a:r>
-            <a:r>
-              <a:rPr lang="de-DE" dirty="0"/>
-              <a:t> via .</a:t>
-            </a:r>
-            <a:r>
-              <a:rPr lang="de-DE" dirty="0" err="1"/>
-              <a:t>zip</a:t>
-            </a:r>
-            <a:r>
-              <a:rPr lang="de-DE" dirty="0"/>
-              <a:t> link </a:t>
-            </a:r>
-            <a:r>
-              <a:rPr lang="de-DE" dirty="0" err="1"/>
-              <a:t>from</a:t>
-            </a:r>
-            <a:r>
-              <a:rPr lang="de-DE" dirty="0"/>
-              <a:t> GitHub Repo </a:t>
-            </a:r>
-            <a:r>
-              <a:rPr lang="de-DE" dirty="0" err="1"/>
-              <a:t>to</a:t>
-            </a:r>
-            <a:r>
-              <a:rPr lang="de-DE" dirty="0"/>
-              <a:t> EC2</a:t>
-            </a:r>
-          </a:p>
-          <a:p>
-            <a:pPr lvl="1"/>
-            <a:r>
-              <a:rPr lang="de-DE" dirty="0"/>
-              <a:t>Docker-</a:t>
-            </a:r>
-            <a:r>
-              <a:rPr lang="de-DE" dirty="0" err="1"/>
-              <a:t>compose</a:t>
-            </a:r>
-            <a:r>
-              <a:rPr lang="de-DE" dirty="0"/>
-              <a:t> </a:t>
-            </a:r>
-            <a:r>
-              <a:rPr lang="de-DE" dirty="0" err="1"/>
-              <a:t>up</a:t>
-            </a:r>
-            <a:r>
-              <a:rPr lang="de-DE" dirty="0"/>
-              <a:t> on EC2</a:t>
-            </a:r>
-          </a:p>
-        </p:txBody>
-      </p:sp>
-    </p:spTree>
-    <p:extLst>
-      <p:ext uri="{BB962C8B-B14F-4D97-AF65-F5344CB8AC3E}">
-        <p14:creationId xmlns:p14="http://schemas.microsoft.com/office/powerpoint/2010/main" val="3653631288"/>
-      </p:ext>
-    </p:extLst>
-  </p:cSld>
-  <p:clrMapOvr>
-    <a:masterClrMapping/>
-  </p:clrMapOvr>
-</p:sld>
-</file>
-
-<file path=ppt/slides/slide23.xml><?xml version="1.0" encoding="utf-8"?>
-<p:sld xmlns:a="http://schemas.openxmlformats.org/drawingml/2006/main" xmlns:r="http://schemas.openxmlformats.org/officeDocument/2006/relationships" xmlns:p="http://schemas.openxmlformats.org/presentationml/2006/main" show="0">
-  <p:cSld>
-    <p:spTree>
-      <p:nvGrpSpPr>
-        <p:cNvPr id="1" name=""/>
-        <p:cNvGrpSpPr/>
-        <p:nvPr/>
-      </p:nvGrpSpPr>
-      <p:grpSpPr>
-        <a:xfrm>
-          <a:off x="0" y="0"/>
-          <a:ext cx="0" cy="0"/>
-          <a:chOff x="0" y="0"/>
-          <a:chExt cx="0" cy="0"/>
-        </a:xfrm>
-      </p:grpSpPr>
-      <p:sp>
-        <p:nvSpPr>
-          <p:cNvPr id="2" name="Titel 1">
-            <a:extLst>
-              <a:ext uri="{FF2B5EF4-FFF2-40B4-BE49-F238E27FC236}">
-                <a16:creationId xmlns:a16="http://schemas.microsoft.com/office/drawing/2014/main" id="{B65D7EC3-CD42-4551-8940-B2E7B1FA136C}"/>
-              </a:ext>
-            </a:extLst>
-          </p:cNvPr>
-          <p:cNvSpPr>
-            <a:spLocks noGrp="1"/>
-          </p:cNvSpPr>
-          <p:nvPr>
-            <p:ph type="title"/>
-          </p:nvPr>
-        </p:nvSpPr>
-        <p:spPr/>
-        <p:txBody>
-          <a:bodyPr/>
-          <a:lstStyle/>
-          <a:p>
-            <a:r>
-              <a:rPr lang="de-DE"/>
-              <a:t>Solution 2</a:t>
-            </a:r>
-            <a:endParaRPr lang="de-DE" dirty="0"/>
-          </a:p>
-        </p:txBody>
-      </p:sp>
-      <p:sp>
-        <p:nvSpPr>
-          <p:cNvPr id="4" name="Content Placeholder 3">
-            <a:extLst>
-              <a:ext uri="{FF2B5EF4-FFF2-40B4-BE49-F238E27FC236}">
-                <a16:creationId xmlns:a16="http://schemas.microsoft.com/office/drawing/2014/main" id="{2BF5D699-940E-4DE9-8183-FAB1BE315652}"/>
-              </a:ext>
-            </a:extLst>
-          </p:cNvPr>
-          <p:cNvSpPr>
-            <a:spLocks noGrp="1"/>
-          </p:cNvSpPr>
-          <p:nvPr>
-            <p:ph idx="1"/>
-          </p:nvPr>
-        </p:nvSpPr>
-        <p:spPr/>
-        <p:txBody>
-          <a:bodyPr/>
-          <a:lstStyle/>
-          <a:p>
-            <a:pPr marL="0" indent="0">
-              <a:buNone/>
-            </a:pPr>
-            <a:r>
-              <a:rPr lang="de-DE"/>
-              <a:t>Deployment via DockerHub:</a:t>
-            </a:r>
-          </a:p>
-          <a:p>
-            <a:pPr marL="0" indent="0">
-              <a:buNone/>
-            </a:pPr>
-            <a:endParaRPr lang="de-DE"/>
-          </a:p>
-          <a:p>
-            <a:pPr lvl="1"/>
-            <a:r>
-              <a:rPr lang="de-DE"/>
-              <a:t>1. workflow</a:t>
-            </a:r>
-          </a:p>
-          <a:p>
-            <a:pPr lvl="2"/>
-            <a:r>
-              <a:rPr lang="de-DE"/>
-              <a:t>Push images to DockerHub</a:t>
-            </a:r>
-          </a:p>
-          <a:p>
-            <a:pPr lvl="1"/>
-            <a:r>
-              <a:rPr lang="de-DE"/>
-              <a:t>2. workflow:</a:t>
-            </a:r>
-          </a:p>
-          <a:p>
-            <a:pPr lvl="2"/>
-            <a:r>
-              <a:rPr lang="de-DE"/>
-              <a:t>SSH to access EC2 instance</a:t>
-            </a:r>
-          </a:p>
-          <a:p>
-            <a:pPr lvl="2"/>
-            <a:r>
-              <a:rPr lang="de-DE"/>
-              <a:t>Installation of Docker and Docker Compose on EC2</a:t>
-            </a:r>
-          </a:p>
-          <a:p>
-            <a:pPr lvl="2"/>
-            <a:r>
-              <a:rPr lang="de-DE"/>
-              <a:t>Loading of images from DockerHub to EC2</a:t>
-            </a:r>
-          </a:p>
-          <a:p>
-            <a:pPr lvl="2"/>
-            <a:r>
-              <a:rPr lang="de-DE"/>
-              <a:t>Docker-compose up on EC2 with docker-compose.dockerhub.yml</a:t>
-            </a:r>
-          </a:p>
-        </p:txBody>
-      </p:sp>
-      <p:pic>
-        <p:nvPicPr>
-          <p:cNvPr id="5" name="Picture 4">
-            <a:extLst>
-              <a:ext uri="{FF2B5EF4-FFF2-40B4-BE49-F238E27FC236}">
-                <a16:creationId xmlns:a16="http://schemas.microsoft.com/office/drawing/2014/main" id="{0F114F07-129D-42EC-AD24-46C50F053298}"/>
-              </a:ext>
-            </a:extLst>
-          </p:cNvPr>
-          <p:cNvPicPr>
-            <a:picLocks noChangeAspect="1"/>
-          </p:cNvPicPr>
-          <p:nvPr/>
-        </p:nvPicPr>
-        <p:blipFill>
-          <a:blip r:embed="rId2"/>
-          <a:stretch>
-            <a:fillRect/>
-          </a:stretch>
-        </p:blipFill>
-        <p:spPr>
-          <a:xfrm>
-            <a:off x="7621708" y="2246038"/>
-            <a:ext cx="2791864" cy="780941"/>
-          </a:xfrm>
-          <a:prstGeom prst="rect">
-            <a:avLst/>
-          </a:prstGeom>
-        </p:spPr>
-      </p:pic>
-    </p:spTree>
-    <p:extLst>
-      <p:ext uri="{BB962C8B-B14F-4D97-AF65-F5344CB8AC3E}">
-        <p14:creationId xmlns:p14="http://schemas.microsoft.com/office/powerpoint/2010/main" val="3928375169"/>
       </p:ext>
     </p:extLst>
   </p:cSld>
@@ -13521,7 +14979,7 @@
             </a:r>
             <a:r>
               <a:rPr lang="de-DE" dirty="0"/>
-              <a:t>…</a:t>
+              <a:t>… 🦄</a:t>
             </a:r>
           </a:p>
         </p:txBody>
@@ -13530,6 +14988,3507 @@
     <p:extLst>
       <p:ext uri="{BB962C8B-B14F-4D97-AF65-F5344CB8AC3E}">
         <p14:creationId xmlns:p14="http://schemas.microsoft.com/office/powerpoint/2010/main" val="3888514522"/>
+      </p:ext>
+    </p:extLst>
+  </p:cSld>
+  <p:clrMapOvr>
+    <a:masterClrMapping/>
+  </p:clrMapOvr>
+</p:sld>
+</file>
+
+<file path=ppt/slides/slide25.xml><?xml version="1.0" encoding="utf-8"?>
+<p:sld xmlns:a="http://schemas.openxmlformats.org/drawingml/2006/main" xmlns:r="http://schemas.openxmlformats.org/officeDocument/2006/relationships" xmlns:p="http://schemas.openxmlformats.org/presentationml/2006/main">
+  <p:cSld>
+    <p:spTree>
+      <p:nvGrpSpPr>
+        <p:cNvPr id="1" name=""/>
+        <p:cNvGrpSpPr/>
+        <p:nvPr/>
+      </p:nvGrpSpPr>
+      <p:grpSpPr>
+        <a:xfrm>
+          <a:off x="0" y="0"/>
+          <a:ext cx="0" cy="0"/>
+          <a:chOff x="0" y="0"/>
+          <a:chExt cx="0" cy="0"/>
+        </a:xfrm>
+      </p:grpSpPr>
+      <p:sp>
+        <p:nvSpPr>
+          <p:cNvPr id="2" name="Titel 1">
+            <a:extLst>
+              <a:ext uri="{FF2B5EF4-FFF2-40B4-BE49-F238E27FC236}">
+                <a16:creationId xmlns:a16="http://schemas.microsoft.com/office/drawing/2014/main" id="{423EE35B-33E3-42A0-BBDA-368E8D825D7E}"/>
+              </a:ext>
+            </a:extLst>
+          </p:cNvPr>
+          <p:cNvSpPr>
+            <a:spLocks noGrp="1"/>
+          </p:cNvSpPr>
+          <p:nvPr>
+            <p:ph type="ctrTitle"/>
+          </p:nvPr>
+        </p:nvSpPr>
+        <p:spPr/>
+        <p:txBody>
+          <a:bodyPr/>
+          <a:lstStyle/>
+          <a:p>
+            <a:r>
+              <a:rPr lang="de-DE" dirty="0"/>
+              <a:t>Possible </a:t>
+            </a:r>
+            <a:r>
+              <a:rPr lang="de-DE" dirty="0" err="1"/>
+              <a:t>Improvement</a:t>
+            </a:r>
+            <a:endParaRPr lang="de-DE" dirty="0"/>
+          </a:p>
+        </p:txBody>
+      </p:sp>
+      <p:sp>
+        <p:nvSpPr>
+          <p:cNvPr id="5" name="Untertitel 4">
+            <a:extLst>
+              <a:ext uri="{FF2B5EF4-FFF2-40B4-BE49-F238E27FC236}">
+                <a16:creationId xmlns:a16="http://schemas.microsoft.com/office/drawing/2014/main" id="{B11A7254-9FA9-40F3-BD35-E1C8D97446A8}"/>
+              </a:ext>
+            </a:extLst>
+          </p:cNvPr>
+          <p:cNvSpPr>
+            <a:spLocks noGrp="1"/>
+          </p:cNvSpPr>
+          <p:nvPr>
+            <p:ph type="subTitle" idx="1"/>
+          </p:nvPr>
+        </p:nvSpPr>
+        <p:spPr/>
+        <p:txBody>
+          <a:bodyPr/>
+          <a:lstStyle/>
+          <a:p>
+            <a:endParaRPr lang="de-DE" dirty="0"/>
+          </a:p>
+        </p:txBody>
+      </p:sp>
+    </p:spTree>
+    <p:extLst>
+      <p:ext uri="{BB962C8B-B14F-4D97-AF65-F5344CB8AC3E}">
+        <p14:creationId xmlns:p14="http://schemas.microsoft.com/office/powerpoint/2010/main" val="2931762388"/>
+      </p:ext>
+    </p:extLst>
+  </p:cSld>
+  <p:clrMapOvr>
+    <a:masterClrMapping/>
+  </p:clrMapOvr>
+</p:sld>
+</file>
+
+<file path=ppt/slides/slide26.xml><?xml version="1.0" encoding="utf-8"?>
+<p:sld xmlns:a="http://schemas.openxmlformats.org/drawingml/2006/main" xmlns:r="http://schemas.openxmlformats.org/officeDocument/2006/relationships" xmlns:p="http://schemas.openxmlformats.org/presentationml/2006/main">
+  <p:cSld>
+    <p:spTree>
+      <p:nvGrpSpPr>
+        <p:cNvPr id="1" name=""/>
+        <p:cNvGrpSpPr/>
+        <p:nvPr/>
+      </p:nvGrpSpPr>
+      <p:grpSpPr>
+        <a:xfrm>
+          <a:off x="0" y="0"/>
+          <a:ext cx="0" cy="0"/>
+          <a:chOff x="0" y="0"/>
+          <a:chExt cx="0" cy="0"/>
+        </a:xfrm>
+      </p:grpSpPr>
+      <p:graphicFrame>
+        <p:nvGraphicFramePr>
+          <p:cNvPr id="4" name="Tabelle 4">
+            <a:extLst>
+              <a:ext uri="{FF2B5EF4-FFF2-40B4-BE49-F238E27FC236}">
+                <a16:creationId xmlns:a16="http://schemas.microsoft.com/office/drawing/2014/main" id="{9C6476EC-4750-8667-F207-30BF999ED601}"/>
+              </a:ext>
+            </a:extLst>
+          </p:cNvPr>
+          <p:cNvGraphicFramePr>
+            <a:graphicFrameLocks noGrp="1"/>
+          </p:cNvGraphicFramePr>
+          <p:nvPr>
+            <p:ph idx="1"/>
+            <p:extLst>
+              <p:ext uri="{D42A27DB-BD31-4B8C-83A1-F6EECF244321}">
+                <p14:modId xmlns:p14="http://schemas.microsoft.com/office/powerpoint/2010/main" val="2732212337"/>
+              </p:ext>
+            </p:extLst>
+          </p:nvPr>
+        </p:nvGraphicFramePr>
+        <p:xfrm>
+          <a:off x="838200" y="1825625"/>
+          <a:ext cx="10515600" cy="4074243"/>
+        </p:xfrm>
+        <a:graphic>
+          <a:graphicData uri="http://schemas.openxmlformats.org/drawingml/2006/table">
+            <a:tbl>
+              <a:tblPr firstRow="1" bandRow="1">
+                <a:tableStyleId>{2D5ABB26-0587-4C30-8999-92F81FD0307C}</a:tableStyleId>
+              </a:tblPr>
+              <a:tblGrid>
+                <a:gridCol w="5257800">
+                  <a:extLst>
+                    <a:ext uri="{9D8B030D-6E8A-4147-A177-3AD203B41FA5}">
+                      <a16:colId xmlns:a16="http://schemas.microsoft.com/office/drawing/2014/main" val="2128308769"/>
+                    </a:ext>
+                  </a:extLst>
+                </a:gridCol>
+                <a:gridCol w="5257800">
+                  <a:extLst>
+                    <a:ext uri="{9D8B030D-6E8A-4147-A177-3AD203B41FA5}">
+                      <a16:colId xmlns:a16="http://schemas.microsoft.com/office/drawing/2014/main" val="3816173545"/>
+                    </a:ext>
+                  </a:extLst>
+                </a:gridCol>
+              </a:tblGrid>
+              <a:tr h="779206">
+                <a:tc>
+                  <a:txBody>
+                    <a:bodyPr/>
+                    <a:lstStyle/>
+                    <a:p>
+                      <a:pPr algn="ctr"/>
+                      <a:r>
+                        <a:rPr lang="de-DE" sz="2400" dirty="0" err="1"/>
+                        <a:t>Current</a:t>
+                      </a:r>
+                      <a:r>
+                        <a:rPr lang="de-DE" sz="2400" dirty="0"/>
+                        <a:t> Solution</a:t>
+                      </a:r>
+                    </a:p>
+                  </a:txBody>
+                  <a:tcPr anchor="ctr">
+                    <a:lnL w="12700" cap="flat" cmpd="sng" algn="ctr">
+                      <a:solidFill>
+                        <a:schemeClr val="tx1"/>
+                      </a:solidFill>
+                      <a:prstDash val="solid"/>
+                      <a:round/>
+                      <a:headEnd type="none" w="med" len="med"/>
+                      <a:tailEnd type="none" w="med" len="med"/>
+                    </a:lnL>
+                    <a:lnR w="12700" cap="flat" cmpd="sng" algn="ctr">
+                      <a:solidFill>
+                        <a:schemeClr val="tx1"/>
+                      </a:solidFill>
+                      <a:prstDash val="solid"/>
+                      <a:round/>
+                      <a:headEnd type="none" w="med" len="med"/>
+                      <a:tailEnd type="none" w="med" len="med"/>
+                    </a:lnR>
+                    <a:lnT w="12700" cap="flat" cmpd="sng" algn="ctr">
+                      <a:solidFill>
+                        <a:schemeClr val="tx1"/>
+                      </a:solidFill>
+                      <a:prstDash val="solid"/>
+                      <a:round/>
+                      <a:headEnd type="none" w="med" len="med"/>
+                      <a:tailEnd type="none" w="med" len="med"/>
+                    </a:lnT>
+                    <a:lnB w="12700" cap="flat" cmpd="sng" algn="ctr">
+                      <a:solidFill>
+                        <a:schemeClr val="tx1"/>
+                      </a:solidFill>
+                      <a:prstDash val="solid"/>
+                      <a:round/>
+                      <a:headEnd type="none" w="med" len="med"/>
+                      <a:tailEnd type="none" w="med" len="med"/>
+                    </a:lnB>
+                  </a:tcPr>
+                </a:tc>
+                <a:tc>
+                  <a:txBody>
+                    <a:bodyPr/>
+                    <a:lstStyle/>
+                    <a:p>
+                      <a:pPr algn="ctr"/>
+                      <a:r>
+                        <a:rPr lang="de-DE" sz="2400" dirty="0"/>
+                        <a:t>Problems</a:t>
+                      </a:r>
+                    </a:p>
+                  </a:txBody>
+                  <a:tcPr anchor="ctr">
+                    <a:lnL w="12700" cap="flat" cmpd="sng" algn="ctr">
+                      <a:solidFill>
+                        <a:schemeClr val="tx1"/>
+                      </a:solidFill>
+                      <a:prstDash val="solid"/>
+                      <a:round/>
+                      <a:headEnd type="none" w="med" len="med"/>
+                      <a:tailEnd type="none" w="med" len="med"/>
+                    </a:lnL>
+                    <a:lnR w="12700" cap="flat" cmpd="sng" algn="ctr">
+                      <a:solidFill>
+                        <a:schemeClr val="tx1"/>
+                      </a:solidFill>
+                      <a:prstDash val="solid"/>
+                      <a:round/>
+                      <a:headEnd type="none" w="med" len="med"/>
+                      <a:tailEnd type="none" w="med" len="med"/>
+                    </a:lnR>
+                    <a:lnT w="12700" cap="flat" cmpd="sng" algn="ctr">
+                      <a:solidFill>
+                        <a:schemeClr val="tx1"/>
+                      </a:solidFill>
+                      <a:prstDash val="solid"/>
+                      <a:round/>
+                      <a:headEnd type="none" w="med" len="med"/>
+                      <a:tailEnd type="none" w="med" len="med"/>
+                    </a:lnT>
+                    <a:lnB w="12700" cap="flat" cmpd="sng" algn="ctr">
+                      <a:solidFill>
+                        <a:schemeClr val="tx1"/>
+                      </a:solidFill>
+                      <a:prstDash val="solid"/>
+                      <a:round/>
+                      <a:headEnd type="none" w="med" len="med"/>
+                      <a:tailEnd type="none" w="med" len="med"/>
+                    </a:lnB>
+                  </a:tcPr>
+                </a:tc>
+                <a:extLst>
+                  <a:ext uri="{0D108BD9-81ED-4DB2-BD59-A6C34878D82A}">
+                    <a16:rowId xmlns:a16="http://schemas.microsoft.com/office/drawing/2014/main" val="543205323"/>
+                  </a:ext>
+                </a:extLst>
+              </a:tr>
+              <a:tr h="3295037">
+                <a:tc>
+                  <a:txBody>
+                    <a:bodyPr/>
+                    <a:lstStyle/>
+                    <a:p>
+                      <a:endParaRPr lang="de-DE" dirty="0"/>
+                    </a:p>
+                  </a:txBody>
+                  <a:tcPr>
+                    <a:lnL w="12700" cap="flat" cmpd="sng" algn="ctr">
+                      <a:solidFill>
+                        <a:schemeClr val="tx1"/>
+                      </a:solidFill>
+                      <a:prstDash val="solid"/>
+                      <a:round/>
+                      <a:headEnd type="none" w="med" len="med"/>
+                      <a:tailEnd type="none" w="med" len="med"/>
+                    </a:lnL>
+                    <a:lnR w="12700" cap="flat" cmpd="sng" algn="ctr">
+                      <a:solidFill>
+                        <a:schemeClr val="tx1"/>
+                      </a:solidFill>
+                      <a:prstDash val="solid"/>
+                      <a:round/>
+                      <a:headEnd type="none" w="med" len="med"/>
+                      <a:tailEnd type="none" w="med" len="med"/>
+                    </a:lnR>
+                    <a:lnT w="12700" cap="flat" cmpd="sng" algn="ctr">
+                      <a:solidFill>
+                        <a:schemeClr val="tx1"/>
+                      </a:solidFill>
+                      <a:prstDash val="solid"/>
+                      <a:round/>
+                      <a:headEnd type="none" w="med" len="med"/>
+                      <a:tailEnd type="none" w="med" len="med"/>
+                    </a:lnT>
+                    <a:lnB w="12700" cap="flat" cmpd="sng" algn="ctr">
+                      <a:solidFill>
+                        <a:schemeClr val="tx1"/>
+                      </a:solidFill>
+                      <a:prstDash val="solid"/>
+                      <a:round/>
+                      <a:headEnd type="none" w="med" len="med"/>
+                      <a:tailEnd type="none" w="med" len="med"/>
+                    </a:lnB>
+                  </a:tcPr>
+                </a:tc>
+                <a:tc>
+                  <a:txBody>
+                    <a:bodyPr/>
+                    <a:lstStyle/>
+                    <a:p>
+                      <a:pPr marL="285750" indent="-285750">
+                        <a:buFont typeface="Arial" panose="020B0604020202020204" pitchFamily="34" charset="0"/>
+                        <a:buChar char="•"/>
+                      </a:pPr>
+                      <a:r>
+                        <a:rPr lang="de-DE" sz="2400" dirty="0"/>
+                        <a:t>Lots of </a:t>
+                      </a:r>
+                      <a:r>
+                        <a:rPr lang="de-DE" sz="2400" dirty="0" err="1"/>
+                        <a:t>virtualization</a:t>
+                      </a:r>
+                      <a:r>
+                        <a:rPr lang="de-DE" sz="2400" dirty="0"/>
+                        <a:t> </a:t>
+                      </a:r>
+                      <a:r>
+                        <a:rPr lang="de-DE" sz="2400" dirty="0" err="1"/>
+                        <a:t>layers</a:t>
+                      </a:r>
+                      <a:r>
+                        <a:rPr lang="de-DE" sz="2400" dirty="0"/>
+                        <a:t> </a:t>
+                      </a:r>
+                      <a:r>
+                        <a:rPr lang="de-DE" sz="2400" dirty="0" err="1"/>
+                        <a:t>can</a:t>
+                      </a:r>
+                      <a:r>
+                        <a:rPr lang="de-DE" sz="2400" dirty="0"/>
+                        <a:t> </a:t>
+                      </a:r>
+                      <a:r>
+                        <a:rPr lang="de-DE" sz="2400" dirty="0" err="1"/>
+                        <a:t>lead</a:t>
+                      </a:r>
+                      <a:r>
+                        <a:rPr lang="de-DE" sz="2400" dirty="0"/>
+                        <a:t> </a:t>
+                      </a:r>
+                      <a:r>
+                        <a:rPr lang="de-DE" sz="2400" dirty="0" err="1"/>
+                        <a:t>to</a:t>
+                      </a:r>
+                      <a:r>
+                        <a:rPr lang="de-DE" sz="2400" dirty="0"/>
+                        <a:t> </a:t>
+                      </a:r>
+                      <a:r>
+                        <a:rPr lang="de-DE" sz="2400" dirty="0" err="1"/>
+                        <a:t>problems</a:t>
+                      </a:r>
+                      <a:endParaRPr lang="de-DE" sz="2400" dirty="0"/>
+                    </a:p>
+                    <a:p>
+                      <a:pPr marL="285750" indent="-285750">
+                        <a:buFont typeface="Arial" panose="020B0604020202020204" pitchFamily="34" charset="0"/>
+                        <a:buChar char="•"/>
+                      </a:pPr>
+                      <a:r>
+                        <a:rPr lang="de-DE" sz="2400" dirty="0"/>
+                        <a:t>Database </a:t>
+                      </a:r>
+                      <a:r>
+                        <a:rPr lang="de-DE" sz="2400" dirty="0" err="1"/>
+                        <a:t>synchronization</a:t>
+                      </a:r>
+                      <a:r>
+                        <a:rPr lang="de-DE" sz="2400" dirty="0"/>
+                        <a:t> </a:t>
+                      </a:r>
+                      <a:r>
+                        <a:rPr lang="de-DE" sz="2400" dirty="0" err="1"/>
+                        <a:t>is</a:t>
+                      </a:r>
+                      <a:r>
+                        <a:rPr lang="de-DE" sz="2400" dirty="0"/>
+                        <a:t> not possible </a:t>
+                      </a:r>
+                      <a:r>
+                        <a:rPr lang="de-DE" sz="2400" dirty="0" err="1"/>
+                        <a:t>when</a:t>
+                      </a:r>
+                      <a:r>
+                        <a:rPr lang="de-DE" sz="2400" dirty="0"/>
+                        <a:t> </a:t>
+                      </a:r>
+                      <a:r>
+                        <a:rPr lang="de-DE" sz="2400" dirty="0" err="1"/>
+                        <a:t>using</a:t>
+                      </a:r>
+                      <a:r>
+                        <a:rPr lang="de-DE" sz="2400" dirty="0"/>
+                        <a:t> </a:t>
+                      </a:r>
+                      <a:r>
+                        <a:rPr lang="de-DE" sz="2400" dirty="0" err="1"/>
+                        <a:t>Autoscaling</a:t>
+                      </a:r>
+                      <a:endParaRPr lang="de-DE" sz="2400" dirty="0"/>
+                    </a:p>
+                    <a:p>
+                      <a:pPr marL="285750" indent="-285750">
+                        <a:buFont typeface="Arial" panose="020B0604020202020204" pitchFamily="34" charset="0"/>
+                        <a:buChar char="•"/>
+                      </a:pPr>
+                      <a:r>
+                        <a:rPr lang="de-DE" sz="2400" dirty="0"/>
+                        <a:t>Not (</a:t>
+                      </a:r>
+                      <a:r>
+                        <a:rPr lang="de-DE" sz="2400" dirty="0" err="1"/>
+                        <a:t>easily</a:t>
+                      </a:r>
+                      <a:r>
+                        <a:rPr lang="de-DE" sz="2400" dirty="0"/>
+                        <a:t>) possible </a:t>
+                      </a:r>
+                      <a:r>
+                        <a:rPr lang="de-DE" sz="2400" dirty="0" err="1"/>
+                        <a:t>to</a:t>
+                      </a:r>
+                      <a:r>
+                        <a:rPr lang="de-DE" sz="2400" dirty="0"/>
+                        <a:t> </a:t>
+                      </a:r>
+                      <a:r>
+                        <a:rPr lang="de-DE" sz="2400" dirty="0" err="1"/>
+                        <a:t>use</a:t>
+                      </a:r>
+                      <a:r>
+                        <a:rPr lang="de-DE" sz="2400" dirty="0"/>
+                        <a:t> AWS Lambda </a:t>
+                      </a:r>
+                      <a:r>
+                        <a:rPr lang="de-DE" sz="2400" dirty="0" err="1"/>
+                        <a:t>or</a:t>
+                      </a:r>
+                      <a:r>
+                        <a:rPr lang="de-DE" sz="2400" dirty="0"/>
+                        <a:t> </a:t>
+                      </a:r>
+                      <a:r>
+                        <a:rPr lang="de-DE" sz="2400" dirty="0" err="1"/>
+                        <a:t>Beanstalk</a:t>
+                      </a:r>
+                      <a:endParaRPr lang="de-DE" sz="2400" dirty="0"/>
+                    </a:p>
+                    <a:p>
+                      <a:pPr marL="285750" indent="-285750">
+                        <a:buFont typeface="Arial" panose="020B0604020202020204" pitchFamily="34" charset="0"/>
+                        <a:buChar char="•"/>
+                      </a:pPr>
+                      <a:endParaRPr lang="de-DE" sz="2400" dirty="0"/>
+                    </a:p>
+                  </a:txBody>
+                  <a:tcPr>
+                    <a:lnL w="12700" cap="flat" cmpd="sng" algn="ctr">
+                      <a:solidFill>
+                        <a:schemeClr val="tx1"/>
+                      </a:solidFill>
+                      <a:prstDash val="solid"/>
+                      <a:round/>
+                      <a:headEnd type="none" w="med" len="med"/>
+                      <a:tailEnd type="none" w="med" len="med"/>
+                    </a:lnL>
+                    <a:lnR w="12700" cap="flat" cmpd="sng" algn="ctr">
+                      <a:solidFill>
+                        <a:schemeClr val="tx1"/>
+                      </a:solidFill>
+                      <a:prstDash val="solid"/>
+                      <a:round/>
+                      <a:headEnd type="none" w="med" len="med"/>
+                      <a:tailEnd type="none" w="med" len="med"/>
+                    </a:lnR>
+                    <a:lnT w="12700" cap="flat" cmpd="sng" algn="ctr">
+                      <a:solidFill>
+                        <a:schemeClr val="tx1"/>
+                      </a:solidFill>
+                      <a:prstDash val="solid"/>
+                      <a:round/>
+                      <a:headEnd type="none" w="med" len="med"/>
+                      <a:tailEnd type="none" w="med" len="med"/>
+                    </a:lnT>
+                    <a:lnB w="12700" cap="flat" cmpd="sng" algn="ctr">
+                      <a:solidFill>
+                        <a:schemeClr val="tx1"/>
+                      </a:solidFill>
+                      <a:prstDash val="solid"/>
+                      <a:round/>
+                      <a:headEnd type="none" w="med" len="med"/>
+                      <a:tailEnd type="none" w="med" len="med"/>
+                    </a:lnB>
+                  </a:tcPr>
+                </a:tc>
+                <a:extLst>
+                  <a:ext uri="{0D108BD9-81ED-4DB2-BD59-A6C34878D82A}">
+                    <a16:rowId xmlns:a16="http://schemas.microsoft.com/office/drawing/2014/main" val="1528291314"/>
+                  </a:ext>
+                </a:extLst>
+              </a:tr>
+            </a:tbl>
+          </a:graphicData>
+        </a:graphic>
+      </p:graphicFrame>
+      <p:sp>
+        <p:nvSpPr>
+          <p:cNvPr id="2" name="Titel 1">
+            <a:extLst>
+              <a:ext uri="{FF2B5EF4-FFF2-40B4-BE49-F238E27FC236}">
+                <a16:creationId xmlns:a16="http://schemas.microsoft.com/office/drawing/2014/main" id="{A96423E0-9761-213F-DD72-FDE2B3BFF04C}"/>
+              </a:ext>
+            </a:extLst>
+          </p:cNvPr>
+          <p:cNvSpPr>
+            <a:spLocks noGrp="1"/>
+          </p:cNvSpPr>
+          <p:nvPr>
+            <p:ph type="title"/>
+          </p:nvPr>
+        </p:nvSpPr>
+        <p:spPr/>
+        <p:txBody>
+          <a:bodyPr/>
+          <a:lstStyle/>
+          <a:p>
+            <a:r>
+              <a:rPr lang="de-DE" dirty="0" err="1"/>
+              <a:t>One</a:t>
+            </a:r>
+            <a:r>
+              <a:rPr lang="de-DE" dirty="0"/>
+              <a:t> EC2 </a:t>
+            </a:r>
+            <a:r>
+              <a:rPr lang="de-DE" dirty="0" err="1"/>
+              <a:t>instance</a:t>
+            </a:r>
+            <a:r>
+              <a:rPr lang="de-DE" dirty="0"/>
+              <a:t> per </a:t>
+            </a:r>
+            <a:r>
+              <a:rPr lang="de-DE" dirty="0" err="1"/>
+              <a:t>container</a:t>
+            </a:r>
+            <a:r>
+              <a:rPr lang="de-DE" dirty="0"/>
+              <a:t> </a:t>
+            </a:r>
+          </a:p>
+        </p:txBody>
+      </p:sp>
+      <p:sp>
+        <p:nvSpPr>
+          <p:cNvPr id="6" name="Rectangle: Rounded Corners 17">
+            <a:extLst>
+              <a:ext uri="{FF2B5EF4-FFF2-40B4-BE49-F238E27FC236}">
+                <a16:creationId xmlns:a16="http://schemas.microsoft.com/office/drawing/2014/main" id="{49945982-CAF8-4F41-4032-6CFBC53F41B9}"/>
+              </a:ext>
+            </a:extLst>
+          </p:cNvPr>
+          <p:cNvSpPr/>
+          <p:nvPr/>
+        </p:nvSpPr>
+        <p:spPr>
+          <a:xfrm rot="10800000" flipH="1" flipV="1">
+            <a:off x="1438448" y="2916335"/>
+            <a:ext cx="4079756" cy="2697286"/>
+          </a:xfrm>
+          <a:prstGeom prst="roundRect">
+            <a:avLst/>
+          </a:prstGeom>
+          <a:noFill/>
+          <a:ln>
+            <a:solidFill>
+              <a:srgbClr val="FF9900"/>
+            </a:solidFill>
+          </a:ln>
+        </p:spPr>
+        <p:style>
+          <a:lnRef idx="2">
+            <a:schemeClr val="accent1">
+              <a:shade val="50000"/>
+            </a:schemeClr>
+          </a:lnRef>
+          <a:fillRef idx="1">
+            <a:schemeClr val="accent1"/>
+          </a:fillRef>
+          <a:effectRef idx="0">
+            <a:schemeClr val="accent1"/>
+          </a:effectRef>
+          <a:fontRef idx="minor">
+            <a:schemeClr val="lt1"/>
+          </a:fontRef>
+        </p:style>
+        <p:txBody>
+          <a:bodyPr rtlCol="0" anchor="ctr"/>
+          <a:lstStyle/>
+          <a:p>
+            <a:pPr algn="ctr"/>
+            <a:endParaRPr lang="de-DE" dirty="0">
+              <a:solidFill>
+                <a:schemeClr val="accent2"/>
+              </a:solidFill>
+            </a:endParaRPr>
+          </a:p>
+        </p:txBody>
+      </p:sp>
+      <p:sp>
+        <p:nvSpPr>
+          <p:cNvPr id="7" name="Textfeld 6">
+            <a:extLst>
+              <a:ext uri="{FF2B5EF4-FFF2-40B4-BE49-F238E27FC236}">
+                <a16:creationId xmlns:a16="http://schemas.microsoft.com/office/drawing/2014/main" id="{63DC7ECA-7283-7502-BFB5-5448D11E7212}"/>
+              </a:ext>
+            </a:extLst>
+          </p:cNvPr>
+          <p:cNvSpPr txBox="1"/>
+          <p:nvPr/>
+        </p:nvSpPr>
+        <p:spPr>
+          <a:xfrm>
+            <a:off x="1606164" y="3027661"/>
+            <a:ext cx="1152939" cy="369332"/>
+          </a:xfrm>
+          <a:prstGeom prst="rect">
+            <a:avLst/>
+          </a:prstGeom>
+          <a:noFill/>
+        </p:spPr>
+        <p:txBody>
+          <a:bodyPr wrap="square" rtlCol="0">
+            <a:spAutoFit/>
+          </a:bodyPr>
+          <a:lstStyle/>
+          <a:p>
+            <a:r>
+              <a:rPr lang="de-DE" dirty="0">
+                <a:solidFill>
+                  <a:schemeClr val="accent2"/>
+                </a:solidFill>
+                <a:latin typeface="+mj-lt"/>
+              </a:rPr>
+              <a:t>EC2</a:t>
+            </a:r>
+          </a:p>
+        </p:txBody>
+      </p:sp>
+      <p:grpSp>
+        <p:nvGrpSpPr>
+          <p:cNvPr id="12" name="Gruppieren 11">
+            <a:extLst>
+              <a:ext uri="{FF2B5EF4-FFF2-40B4-BE49-F238E27FC236}">
+                <a16:creationId xmlns:a16="http://schemas.microsoft.com/office/drawing/2014/main" id="{7381334C-86F0-22B7-385B-D2ACD6D96527}"/>
+              </a:ext>
+            </a:extLst>
+          </p:cNvPr>
+          <p:cNvGrpSpPr/>
+          <p:nvPr/>
+        </p:nvGrpSpPr>
+        <p:grpSpPr>
+          <a:xfrm>
+            <a:off x="1762543" y="3704815"/>
+            <a:ext cx="1561101" cy="891038"/>
+            <a:chOff x="2812115" y="3895646"/>
+            <a:chExt cx="1561101" cy="891038"/>
+          </a:xfrm>
+        </p:grpSpPr>
+        <p:sp>
+          <p:nvSpPr>
+            <p:cNvPr id="8" name="Rectangle: Rounded Corners 17">
+              <a:extLst>
+                <a:ext uri="{FF2B5EF4-FFF2-40B4-BE49-F238E27FC236}">
+                  <a16:creationId xmlns:a16="http://schemas.microsoft.com/office/drawing/2014/main" id="{9DE2D785-83EF-360D-F684-AC290370F20A}"/>
+                </a:ext>
+              </a:extLst>
+            </p:cNvPr>
+            <p:cNvSpPr/>
+            <p:nvPr/>
+          </p:nvSpPr>
+          <p:spPr>
+            <a:xfrm flipH="1" flipV="1">
+              <a:off x="2812115" y="3914029"/>
+              <a:ext cx="1561101" cy="872655"/>
+            </a:xfrm>
+            <a:prstGeom prst="roundRect">
+              <a:avLst/>
+            </a:prstGeom>
+            <a:noFill/>
+            <a:ln>
+              <a:solidFill>
+                <a:srgbClr val="2088FE"/>
+              </a:solidFill>
+            </a:ln>
+          </p:spPr>
+          <p:style>
+            <a:lnRef idx="2">
+              <a:schemeClr val="accent1">
+                <a:shade val="50000"/>
+              </a:schemeClr>
+            </a:lnRef>
+            <a:fillRef idx="1">
+              <a:schemeClr val="accent1"/>
+            </a:fillRef>
+            <a:effectRef idx="0">
+              <a:schemeClr val="accent1"/>
+            </a:effectRef>
+            <a:fontRef idx="minor">
+              <a:schemeClr val="lt1"/>
+            </a:fontRef>
+          </p:style>
+          <p:txBody>
+            <a:bodyPr rtlCol="0" anchor="ctr"/>
+            <a:lstStyle/>
+            <a:p>
+              <a:pPr algn="ctr"/>
+              <a:endParaRPr lang="de-DE"/>
+            </a:p>
+          </p:txBody>
+        </p:sp>
+        <p:sp>
+          <p:nvSpPr>
+            <p:cNvPr id="9" name="Textfeld 8">
+              <a:extLst>
+                <a:ext uri="{FF2B5EF4-FFF2-40B4-BE49-F238E27FC236}">
+                  <a16:creationId xmlns:a16="http://schemas.microsoft.com/office/drawing/2014/main" id="{94B2D766-6EEB-A4EC-985C-69007A5C5A6F}"/>
+                </a:ext>
+              </a:extLst>
+            </p:cNvPr>
+            <p:cNvSpPr txBox="1"/>
+            <p:nvPr/>
+          </p:nvSpPr>
+          <p:spPr>
+            <a:xfrm>
+              <a:off x="2859824" y="3895646"/>
+              <a:ext cx="1152939" cy="369332"/>
+            </a:xfrm>
+            <a:prstGeom prst="rect">
+              <a:avLst/>
+            </a:prstGeom>
+            <a:noFill/>
+          </p:spPr>
+          <p:txBody>
+            <a:bodyPr wrap="square" rtlCol="0">
+              <a:spAutoFit/>
+            </a:bodyPr>
+            <a:lstStyle/>
+            <a:p>
+              <a:r>
+                <a:rPr lang="de-DE" dirty="0">
+                  <a:solidFill>
+                    <a:schemeClr val="accent5"/>
+                  </a:solidFill>
+                  <a:latin typeface="+mj-lt"/>
+                </a:rPr>
+                <a:t>Container</a:t>
+              </a:r>
+            </a:p>
+          </p:txBody>
+        </p:sp>
+        <p:pic>
+          <p:nvPicPr>
+            <p:cNvPr id="11" name="Grafik 10" descr="Datenbank">
+              <a:extLst>
+                <a:ext uri="{FF2B5EF4-FFF2-40B4-BE49-F238E27FC236}">
+                  <a16:creationId xmlns:a16="http://schemas.microsoft.com/office/drawing/2014/main" id="{6E70A209-C635-D014-5EA4-21A91F0B229A}"/>
+                </a:ext>
+              </a:extLst>
+            </p:cNvPr>
+            <p:cNvPicPr>
+              <a:picLocks noChangeAspect="1"/>
+            </p:cNvPicPr>
+            <p:nvPr/>
+          </p:nvPicPr>
+          <p:blipFill>
+            <a:blip r:embed="rId3">
+              <a:extLst>
+                <a:ext uri="{28A0092B-C50C-407E-A947-70E740481C1C}">
+                  <a14:useLocalDpi xmlns:a14="http://schemas.microsoft.com/office/drawing/2010/main" val="0"/>
+                </a:ext>
+                <a:ext uri="{96DAC541-7B7A-43D3-8B79-37D633B846F1}">
+                  <asvg:svgBlip xmlns:asvg="http://schemas.microsoft.com/office/drawing/2016/SVG/main" r:embed="rId4"/>
+                </a:ext>
+              </a:extLst>
+            </a:blip>
+            <a:stretch>
+              <a:fillRect/>
+            </a:stretch>
+          </p:blipFill>
+          <p:spPr>
+            <a:xfrm>
+              <a:off x="3899751" y="4283361"/>
+              <a:ext cx="369332" cy="369332"/>
+            </a:xfrm>
+            <a:prstGeom prst="rect">
+              <a:avLst/>
+            </a:prstGeom>
+          </p:spPr>
+        </p:pic>
+      </p:grpSp>
+      <p:grpSp>
+        <p:nvGrpSpPr>
+          <p:cNvPr id="13" name="Gruppieren 12">
+            <a:extLst>
+              <a:ext uri="{FF2B5EF4-FFF2-40B4-BE49-F238E27FC236}">
+                <a16:creationId xmlns:a16="http://schemas.microsoft.com/office/drawing/2014/main" id="{7D05BBFD-EF33-0971-7F58-4DCCF3BC26F2}"/>
+              </a:ext>
+            </a:extLst>
+          </p:cNvPr>
+          <p:cNvGrpSpPr/>
+          <p:nvPr/>
+        </p:nvGrpSpPr>
+        <p:grpSpPr>
+          <a:xfrm>
+            <a:off x="3630729" y="3170040"/>
+            <a:ext cx="1561101" cy="891038"/>
+            <a:chOff x="2812115" y="3895646"/>
+            <a:chExt cx="1561101" cy="891038"/>
+          </a:xfrm>
+        </p:grpSpPr>
+        <p:sp>
+          <p:nvSpPr>
+            <p:cNvPr id="14" name="Rectangle: Rounded Corners 17">
+              <a:extLst>
+                <a:ext uri="{FF2B5EF4-FFF2-40B4-BE49-F238E27FC236}">
+                  <a16:creationId xmlns:a16="http://schemas.microsoft.com/office/drawing/2014/main" id="{40E0B8DE-6842-5970-91F0-AA84C76B805D}"/>
+                </a:ext>
+              </a:extLst>
+            </p:cNvPr>
+            <p:cNvSpPr/>
+            <p:nvPr/>
+          </p:nvSpPr>
+          <p:spPr>
+            <a:xfrm flipH="1" flipV="1">
+              <a:off x="2812115" y="3914029"/>
+              <a:ext cx="1561101" cy="872655"/>
+            </a:xfrm>
+            <a:prstGeom prst="roundRect">
+              <a:avLst/>
+            </a:prstGeom>
+            <a:noFill/>
+            <a:ln>
+              <a:solidFill>
+                <a:srgbClr val="2088FE"/>
+              </a:solidFill>
+            </a:ln>
+          </p:spPr>
+          <p:style>
+            <a:lnRef idx="2">
+              <a:schemeClr val="accent1">
+                <a:shade val="50000"/>
+              </a:schemeClr>
+            </a:lnRef>
+            <a:fillRef idx="1">
+              <a:schemeClr val="accent1"/>
+            </a:fillRef>
+            <a:effectRef idx="0">
+              <a:schemeClr val="accent1"/>
+            </a:effectRef>
+            <a:fontRef idx="minor">
+              <a:schemeClr val="lt1"/>
+            </a:fontRef>
+          </p:style>
+          <p:txBody>
+            <a:bodyPr rtlCol="0" anchor="ctr"/>
+            <a:lstStyle/>
+            <a:p>
+              <a:pPr algn="ctr"/>
+              <a:endParaRPr lang="de-DE"/>
+            </a:p>
+          </p:txBody>
+        </p:sp>
+        <p:sp>
+          <p:nvSpPr>
+            <p:cNvPr id="15" name="Textfeld 14">
+              <a:extLst>
+                <a:ext uri="{FF2B5EF4-FFF2-40B4-BE49-F238E27FC236}">
+                  <a16:creationId xmlns:a16="http://schemas.microsoft.com/office/drawing/2014/main" id="{266D6032-8CAD-77A7-529F-8C6B36BCBED3}"/>
+                </a:ext>
+              </a:extLst>
+            </p:cNvPr>
+            <p:cNvSpPr txBox="1"/>
+            <p:nvPr/>
+          </p:nvSpPr>
+          <p:spPr>
+            <a:xfrm>
+              <a:off x="2859824" y="3895646"/>
+              <a:ext cx="1152939" cy="369332"/>
+            </a:xfrm>
+            <a:prstGeom prst="rect">
+              <a:avLst/>
+            </a:prstGeom>
+            <a:noFill/>
+          </p:spPr>
+          <p:txBody>
+            <a:bodyPr wrap="square" rtlCol="0">
+              <a:spAutoFit/>
+            </a:bodyPr>
+            <a:lstStyle/>
+            <a:p>
+              <a:r>
+                <a:rPr lang="de-DE" dirty="0">
+                  <a:solidFill>
+                    <a:schemeClr val="accent5"/>
+                  </a:solidFill>
+                  <a:latin typeface="+mj-lt"/>
+                </a:rPr>
+                <a:t>Container</a:t>
+              </a:r>
+            </a:p>
+          </p:txBody>
+        </p:sp>
+        <p:pic>
+          <p:nvPicPr>
+            <p:cNvPr id="16" name="Grafik 15" descr="Datenbank">
+              <a:extLst>
+                <a:ext uri="{FF2B5EF4-FFF2-40B4-BE49-F238E27FC236}">
+                  <a16:creationId xmlns:a16="http://schemas.microsoft.com/office/drawing/2014/main" id="{4F8BA719-FD86-0A08-7E0C-7B2AA67A5115}"/>
+                </a:ext>
+              </a:extLst>
+            </p:cNvPr>
+            <p:cNvPicPr>
+              <a:picLocks noChangeAspect="1"/>
+            </p:cNvPicPr>
+            <p:nvPr/>
+          </p:nvPicPr>
+          <p:blipFill>
+            <a:blip r:embed="rId3">
+              <a:extLst>
+                <a:ext uri="{28A0092B-C50C-407E-A947-70E740481C1C}">
+                  <a14:useLocalDpi xmlns:a14="http://schemas.microsoft.com/office/drawing/2010/main" val="0"/>
+                </a:ext>
+                <a:ext uri="{96DAC541-7B7A-43D3-8B79-37D633B846F1}">
+                  <asvg:svgBlip xmlns:asvg="http://schemas.microsoft.com/office/drawing/2016/SVG/main" r:embed="rId4"/>
+                </a:ext>
+              </a:extLst>
+            </a:blip>
+            <a:stretch>
+              <a:fillRect/>
+            </a:stretch>
+          </p:blipFill>
+          <p:spPr>
+            <a:xfrm>
+              <a:off x="3899751" y="4283361"/>
+              <a:ext cx="369332" cy="369332"/>
+            </a:xfrm>
+            <a:prstGeom prst="rect">
+              <a:avLst/>
+            </a:prstGeom>
+          </p:spPr>
+        </p:pic>
+      </p:grpSp>
+      <p:grpSp>
+        <p:nvGrpSpPr>
+          <p:cNvPr id="17" name="Gruppieren 16">
+            <a:extLst>
+              <a:ext uri="{FF2B5EF4-FFF2-40B4-BE49-F238E27FC236}">
+                <a16:creationId xmlns:a16="http://schemas.microsoft.com/office/drawing/2014/main" id="{AF165BE8-A8ED-640E-99D5-23A2008FE966}"/>
+              </a:ext>
+            </a:extLst>
+          </p:cNvPr>
+          <p:cNvGrpSpPr/>
+          <p:nvPr/>
+        </p:nvGrpSpPr>
+        <p:grpSpPr>
+          <a:xfrm>
+            <a:off x="3478325" y="4165006"/>
+            <a:ext cx="1561101" cy="891038"/>
+            <a:chOff x="2812115" y="3895646"/>
+            <a:chExt cx="1561101" cy="891038"/>
+          </a:xfrm>
+        </p:grpSpPr>
+        <p:sp>
+          <p:nvSpPr>
+            <p:cNvPr id="18" name="Rectangle: Rounded Corners 17">
+              <a:extLst>
+                <a:ext uri="{FF2B5EF4-FFF2-40B4-BE49-F238E27FC236}">
+                  <a16:creationId xmlns:a16="http://schemas.microsoft.com/office/drawing/2014/main" id="{85C63CB8-3C00-023A-CBF7-62EF9A97F615}"/>
+                </a:ext>
+              </a:extLst>
+            </p:cNvPr>
+            <p:cNvSpPr/>
+            <p:nvPr/>
+          </p:nvSpPr>
+          <p:spPr>
+            <a:xfrm flipH="1" flipV="1">
+              <a:off x="2812115" y="3914029"/>
+              <a:ext cx="1561101" cy="872655"/>
+            </a:xfrm>
+            <a:prstGeom prst="roundRect">
+              <a:avLst/>
+            </a:prstGeom>
+            <a:noFill/>
+            <a:ln>
+              <a:solidFill>
+                <a:srgbClr val="2088FE"/>
+              </a:solidFill>
+            </a:ln>
+          </p:spPr>
+          <p:style>
+            <a:lnRef idx="2">
+              <a:schemeClr val="accent1">
+                <a:shade val="50000"/>
+              </a:schemeClr>
+            </a:lnRef>
+            <a:fillRef idx="1">
+              <a:schemeClr val="accent1"/>
+            </a:fillRef>
+            <a:effectRef idx="0">
+              <a:schemeClr val="accent1"/>
+            </a:effectRef>
+            <a:fontRef idx="minor">
+              <a:schemeClr val="lt1"/>
+            </a:fontRef>
+          </p:style>
+          <p:txBody>
+            <a:bodyPr rtlCol="0" anchor="ctr"/>
+            <a:lstStyle/>
+            <a:p>
+              <a:pPr algn="ctr"/>
+              <a:endParaRPr lang="de-DE"/>
+            </a:p>
+          </p:txBody>
+        </p:sp>
+        <p:sp>
+          <p:nvSpPr>
+            <p:cNvPr id="19" name="Textfeld 18">
+              <a:extLst>
+                <a:ext uri="{FF2B5EF4-FFF2-40B4-BE49-F238E27FC236}">
+                  <a16:creationId xmlns:a16="http://schemas.microsoft.com/office/drawing/2014/main" id="{C03CFA04-9F60-B5EF-8464-54EB0B889CEF}"/>
+                </a:ext>
+              </a:extLst>
+            </p:cNvPr>
+            <p:cNvSpPr txBox="1"/>
+            <p:nvPr/>
+          </p:nvSpPr>
+          <p:spPr>
+            <a:xfrm>
+              <a:off x="2859824" y="3895646"/>
+              <a:ext cx="1152939" cy="369332"/>
+            </a:xfrm>
+            <a:prstGeom prst="rect">
+              <a:avLst/>
+            </a:prstGeom>
+            <a:noFill/>
+          </p:spPr>
+          <p:txBody>
+            <a:bodyPr wrap="square" rtlCol="0">
+              <a:spAutoFit/>
+            </a:bodyPr>
+            <a:lstStyle/>
+            <a:p>
+              <a:r>
+                <a:rPr lang="de-DE" dirty="0">
+                  <a:solidFill>
+                    <a:schemeClr val="accent5"/>
+                  </a:solidFill>
+                  <a:latin typeface="+mj-lt"/>
+                </a:rPr>
+                <a:t>Container</a:t>
+              </a:r>
+            </a:p>
+          </p:txBody>
+        </p:sp>
+        <p:pic>
+          <p:nvPicPr>
+            <p:cNvPr id="20" name="Grafik 19" descr="Datenbank">
+              <a:extLst>
+                <a:ext uri="{FF2B5EF4-FFF2-40B4-BE49-F238E27FC236}">
+                  <a16:creationId xmlns:a16="http://schemas.microsoft.com/office/drawing/2014/main" id="{303B4FC6-48CE-AF2A-7C43-421D2F0F82CF}"/>
+                </a:ext>
+              </a:extLst>
+            </p:cNvPr>
+            <p:cNvPicPr>
+              <a:picLocks noChangeAspect="1"/>
+            </p:cNvPicPr>
+            <p:nvPr/>
+          </p:nvPicPr>
+          <p:blipFill>
+            <a:blip r:embed="rId3">
+              <a:extLst>
+                <a:ext uri="{28A0092B-C50C-407E-A947-70E740481C1C}">
+                  <a14:useLocalDpi xmlns:a14="http://schemas.microsoft.com/office/drawing/2010/main" val="0"/>
+                </a:ext>
+                <a:ext uri="{96DAC541-7B7A-43D3-8B79-37D633B846F1}">
+                  <asvg:svgBlip xmlns:asvg="http://schemas.microsoft.com/office/drawing/2016/SVG/main" r:embed="rId4"/>
+                </a:ext>
+              </a:extLst>
+            </a:blip>
+            <a:stretch>
+              <a:fillRect/>
+            </a:stretch>
+          </p:blipFill>
+          <p:spPr>
+            <a:xfrm>
+              <a:off x="3899751" y="4283361"/>
+              <a:ext cx="369332" cy="369332"/>
+            </a:xfrm>
+            <a:prstGeom prst="rect">
+              <a:avLst/>
+            </a:prstGeom>
+          </p:spPr>
+        </p:pic>
+      </p:grpSp>
+      <p:sp>
+        <p:nvSpPr>
+          <p:cNvPr id="21" name="Textfeld 20">
+            <a:extLst>
+              <a:ext uri="{FF2B5EF4-FFF2-40B4-BE49-F238E27FC236}">
+                <a16:creationId xmlns:a16="http://schemas.microsoft.com/office/drawing/2014/main" id="{F39F3E80-1F13-D819-4E6B-1830EEE4ABE5}"/>
+              </a:ext>
+            </a:extLst>
+          </p:cNvPr>
+          <p:cNvSpPr txBox="1"/>
+          <p:nvPr/>
+        </p:nvSpPr>
+        <p:spPr>
+          <a:xfrm>
+            <a:off x="1963972" y="5138152"/>
+            <a:ext cx="2588057" cy="369332"/>
+          </a:xfrm>
+          <a:prstGeom prst="rect">
+            <a:avLst/>
+          </a:prstGeom>
+          <a:noFill/>
+        </p:spPr>
+        <p:txBody>
+          <a:bodyPr wrap="square" rtlCol="0">
+            <a:spAutoFit/>
+          </a:bodyPr>
+          <a:lstStyle/>
+          <a:p>
+            <a:r>
+              <a:rPr lang="de-DE" dirty="0" err="1">
+                <a:solidFill>
+                  <a:schemeClr val="accent5"/>
+                </a:solidFill>
+                <a:latin typeface="+mj-lt"/>
+              </a:rPr>
+              <a:t>Build</a:t>
+            </a:r>
+            <a:r>
+              <a:rPr lang="de-DE" dirty="0">
+                <a:solidFill>
+                  <a:schemeClr val="accent5"/>
+                </a:solidFill>
+                <a:latin typeface="+mj-lt"/>
+              </a:rPr>
+              <a:t>: </a:t>
+            </a:r>
+            <a:r>
+              <a:rPr lang="de-DE" dirty="0" err="1">
+                <a:solidFill>
+                  <a:schemeClr val="accent5"/>
+                </a:solidFill>
+                <a:latin typeface="+mj-lt"/>
+              </a:rPr>
+              <a:t>docker-compose</a:t>
+            </a:r>
+            <a:r>
+              <a:rPr lang="de-DE" dirty="0">
+                <a:solidFill>
+                  <a:schemeClr val="accent5"/>
+                </a:solidFill>
+                <a:latin typeface="+mj-lt"/>
+              </a:rPr>
+              <a:t> </a:t>
+            </a:r>
+            <a:r>
+              <a:rPr lang="de-DE" dirty="0" err="1">
+                <a:solidFill>
+                  <a:schemeClr val="accent5"/>
+                </a:solidFill>
+                <a:latin typeface="+mj-lt"/>
+              </a:rPr>
+              <a:t>up</a:t>
+            </a:r>
+            <a:endParaRPr lang="de-DE" dirty="0">
+              <a:solidFill>
+                <a:schemeClr val="accent5"/>
+              </a:solidFill>
+              <a:latin typeface="+mj-lt"/>
+            </a:endParaRPr>
+          </a:p>
+        </p:txBody>
+      </p:sp>
+    </p:spTree>
+    <p:extLst>
+      <p:ext uri="{BB962C8B-B14F-4D97-AF65-F5344CB8AC3E}">
+        <p14:creationId xmlns:p14="http://schemas.microsoft.com/office/powerpoint/2010/main" val="3112954773"/>
+      </p:ext>
+    </p:extLst>
+  </p:cSld>
+  <p:clrMapOvr>
+    <a:masterClrMapping/>
+  </p:clrMapOvr>
+</p:sld>
+</file>
+
+<file path=ppt/slides/slide27.xml><?xml version="1.0" encoding="utf-8"?>
+<p:sld xmlns:a="http://schemas.openxmlformats.org/drawingml/2006/main" xmlns:r="http://schemas.openxmlformats.org/officeDocument/2006/relationships" xmlns:p="http://schemas.openxmlformats.org/presentationml/2006/main">
+  <p:cSld>
+    <p:spTree>
+      <p:nvGrpSpPr>
+        <p:cNvPr id="1" name=""/>
+        <p:cNvGrpSpPr/>
+        <p:nvPr/>
+      </p:nvGrpSpPr>
+      <p:grpSpPr>
+        <a:xfrm>
+          <a:off x="0" y="0"/>
+          <a:ext cx="0" cy="0"/>
+          <a:chOff x="0" y="0"/>
+          <a:chExt cx="0" cy="0"/>
+        </a:xfrm>
+      </p:grpSpPr>
+      <p:graphicFrame>
+        <p:nvGraphicFramePr>
+          <p:cNvPr id="4" name="Tabelle 4">
+            <a:extLst>
+              <a:ext uri="{FF2B5EF4-FFF2-40B4-BE49-F238E27FC236}">
+                <a16:creationId xmlns:a16="http://schemas.microsoft.com/office/drawing/2014/main" id="{9C6476EC-4750-8667-F207-30BF999ED601}"/>
+              </a:ext>
+            </a:extLst>
+          </p:cNvPr>
+          <p:cNvGraphicFramePr>
+            <a:graphicFrameLocks noGrp="1"/>
+          </p:cNvGraphicFramePr>
+          <p:nvPr>
+            <p:ph idx="1"/>
+            <p:extLst>
+              <p:ext uri="{D42A27DB-BD31-4B8C-83A1-F6EECF244321}">
+                <p14:modId xmlns:p14="http://schemas.microsoft.com/office/powerpoint/2010/main" val="3771457541"/>
+              </p:ext>
+            </p:extLst>
+          </p:nvPr>
+        </p:nvGraphicFramePr>
+        <p:xfrm>
+          <a:off x="838200" y="1825625"/>
+          <a:ext cx="10515600" cy="4074243"/>
+        </p:xfrm>
+        <a:graphic>
+          <a:graphicData uri="http://schemas.openxmlformats.org/drawingml/2006/table">
+            <a:tbl>
+              <a:tblPr firstRow="1" bandRow="1">
+                <a:tableStyleId>{2D5ABB26-0587-4C30-8999-92F81FD0307C}</a:tableStyleId>
+              </a:tblPr>
+              <a:tblGrid>
+                <a:gridCol w="5257800">
+                  <a:extLst>
+                    <a:ext uri="{9D8B030D-6E8A-4147-A177-3AD203B41FA5}">
+                      <a16:colId xmlns:a16="http://schemas.microsoft.com/office/drawing/2014/main" val="2128308769"/>
+                    </a:ext>
+                  </a:extLst>
+                </a:gridCol>
+                <a:gridCol w="5257800">
+                  <a:extLst>
+                    <a:ext uri="{9D8B030D-6E8A-4147-A177-3AD203B41FA5}">
+                      <a16:colId xmlns:a16="http://schemas.microsoft.com/office/drawing/2014/main" val="3816173545"/>
+                    </a:ext>
+                  </a:extLst>
+                </a:gridCol>
+              </a:tblGrid>
+              <a:tr h="779206">
+                <a:tc>
+                  <a:txBody>
+                    <a:bodyPr/>
+                    <a:lstStyle/>
+                    <a:p>
+                      <a:pPr algn="ctr"/>
+                      <a:r>
+                        <a:rPr lang="de-DE" sz="2400" dirty="0" err="1"/>
+                        <a:t>Current</a:t>
+                      </a:r>
+                      <a:r>
+                        <a:rPr lang="de-DE" sz="2400" dirty="0"/>
+                        <a:t> Solution</a:t>
+                      </a:r>
+                    </a:p>
+                  </a:txBody>
+                  <a:tcPr anchor="ctr">
+                    <a:lnL w="12700" cap="flat" cmpd="sng" algn="ctr">
+                      <a:solidFill>
+                        <a:schemeClr val="tx1"/>
+                      </a:solidFill>
+                      <a:prstDash val="solid"/>
+                      <a:round/>
+                      <a:headEnd type="none" w="med" len="med"/>
+                      <a:tailEnd type="none" w="med" len="med"/>
+                    </a:lnL>
+                    <a:lnR w="12700" cap="flat" cmpd="sng" algn="ctr">
+                      <a:solidFill>
+                        <a:schemeClr val="tx1"/>
+                      </a:solidFill>
+                      <a:prstDash val="solid"/>
+                      <a:round/>
+                      <a:headEnd type="none" w="med" len="med"/>
+                      <a:tailEnd type="none" w="med" len="med"/>
+                    </a:lnR>
+                    <a:lnT w="12700" cap="flat" cmpd="sng" algn="ctr">
+                      <a:solidFill>
+                        <a:schemeClr val="tx1"/>
+                      </a:solidFill>
+                      <a:prstDash val="solid"/>
+                      <a:round/>
+                      <a:headEnd type="none" w="med" len="med"/>
+                      <a:tailEnd type="none" w="med" len="med"/>
+                    </a:lnT>
+                    <a:lnB w="12700" cap="flat" cmpd="sng" algn="ctr">
+                      <a:solidFill>
+                        <a:schemeClr val="tx1"/>
+                      </a:solidFill>
+                      <a:prstDash val="solid"/>
+                      <a:round/>
+                      <a:headEnd type="none" w="med" len="med"/>
+                      <a:tailEnd type="none" w="med" len="med"/>
+                    </a:lnB>
+                  </a:tcPr>
+                </a:tc>
+                <a:tc>
+                  <a:txBody>
+                    <a:bodyPr/>
+                    <a:lstStyle/>
+                    <a:p>
+                      <a:pPr algn="ctr"/>
+                      <a:r>
+                        <a:rPr lang="de-DE" sz="2400" dirty="0" err="1"/>
+                        <a:t>Improvement</a:t>
+                      </a:r>
+                      <a:endParaRPr lang="de-DE" sz="2400" dirty="0"/>
+                    </a:p>
+                  </a:txBody>
+                  <a:tcPr anchor="ctr">
+                    <a:lnL w="12700" cap="flat" cmpd="sng" algn="ctr">
+                      <a:solidFill>
+                        <a:schemeClr val="tx1"/>
+                      </a:solidFill>
+                      <a:prstDash val="solid"/>
+                      <a:round/>
+                      <a:headEnd type="none" w="med" len="med"/>
+                      <a:tailEnd type="none" w="med" len="med"/>
+                    </a:lnL>
+                    <a:lnR w="12700" cap="flat" cmpd="sng" algn="ctr">
+                      <a:solidFill>
+                        <a:schemeClr val="tx1"/>
+                      </a:solidFill>
+                      <a:prstDash val="solid"/>
+                      <a:round/>
+                      <a:headEnd type="none" w="med" len="med"/>
+                      <a:tailEnd type="none" w="med" len="med"/>
+                    </a:lnR>
+                    <a:lnT w="12700" cap="flat" cmpd="sng" algn="ctr">
+                      <a:solidFill>
+                        <a:schemeClr val="tx1"/>
+                      </a:solidFill>
+                      <a:prstDash val="solid"/>
+                      <a:round/>
+                      <a:headEnd type="none" w="med" len="med"/>
+                      <a:tailEnd type="none" w="med" len="med"/>
+                    </a:lnT>
+                    <a:lnB w="12700" cap="flat" cmpd="sng" algn="ctr">
+                      <a:solidFill>
+                        <a:schemeClr val="tx1"/>
+                      </a:solidFill>
+                      <a:prstDash val="solid"/>
+                      <a:round/>
+                      <a:headEnd type="none" w="med" len="med"/>
+                      <a:tailEnd type="none" w="med" len="med"/>
+                    </a:lnB>
+                  </a:tcPr>
+                </a:tc>
+                <a:extLst>
+                  <a:ext uri="{0D108BD9-81ED-4DB2-BD59-A6C34878D82A}">
+                    <a16:rowId xmlns:a16="http://schemas.microsoft.com/office/drawing/2014/main" val="543205323"/>
+                  </a:ext>
+                </a:extLst>
+              </a:tr>
+              <a:tr h="3295037">
+                <a:tc>
+                  <a:txBody>
+                    <a:bodyPr/>
+                    <a:lstStyle/>
+                    <a:p>
+                      <a:endParaRPr lang="de-DE" dirty="0"/>
+                    </a:p>
+                  </a:txBody>
+                  <a:tcPr>
+                    <a:lnL w="12700" cap="flat" cmpd="sng" algn="ctr">
+                      <a:solidFill>
+                        <a:schemeClr val="tx1"/>
+                      </a:solidFill>
+                      <a:prstDash val="solid"/>
+                      <a:round/>
+                      <a:headEnd type="none" w="med" len="med"/>
+                      <a:tailEnd type="none" w="med" len="med"/>
+                    </a:lnL>
+                    <a:lnR w="12700" cap="flat" cmpd="sng" algn="ctr">
+                      <a:solidFill>
+                        <a:schemeClr val="tx1"/>
+                      </a:solidFill>
+                      <a:prstDash val="solid"/>
+                      <a:round/>
+                      <a:headEnd type="none" w="med" len="med"/>
+                      <a:tailEnd type="none" w="med" len="med"/>
+                    </a:lnR>
+                    <a:lnT w="12700" cap="flat" cmpd="sng" algn="ctr">
+                      <a:solidFill>
+                        <a:schemeClr val="tx1"/>
+                      </a:solidFill>
+                      <a:prstDash val="solid"/>
+                      <a:round/>
+                      <a:headEnd type="none" w="med" len="med"/>
+                      <a:tailEnd type="none" w="med" len="med"/>
+                    </a:lnT>
+                    <a:lnB w="12700" cap="flat" cmpd="sng" algn="ctr">
+                      <a:solidFill>
+                        <a:schemeClr val="tx1"/>
+                      </a:solidFill>
+                      <a:prstDash val="solid"/>
+                      <a:round/>
+                      <a:headEnd type="none" w="med" len="med"/>
+                      <a:tailEnd type="none" w="med" len="med"/>
+                    </a:lnB>
+                  </a:tcPr>
+                </a:tc>
+                <a:tc>
+                  <a:txBody>
+                    <a:bodyPr/>
+                    <a:lstStyle/>
+                    <a:p>
+                      <a:endParaRPr lang="de-DE" dirty="0"/>
+                    </a:p>
+                  </a:txBody>
+                  <a:tcPr>
+                    <a:lnL w="12700" cap="flat" cmpd="sng" algn="ctr">
+                      <a:solidFill>
+                        <a:schemeClr val="tx1"/>
+                      </a:solidFill>
+                      <a:prstDash val="solid"/>
+                      <a:round/>
+                      <a:headEnd type="none" w="med" len="med"/>
+                      <a:tailEnd type="none" w="med" len="med"/>
+                    </a:lnL>
+                    <a:lnR w="12700" cap="flat" cmpd="sng" algn="ctr">
+                      <a:solidFill>
+                        <a:schemeClr val="tx1"/>
+                      </a:solidFill>
+                      <a:prstDash val="solid"/>
+                      <a:round/>
+                      <a:headEnd type="none" w="med" len="med"/>
+                      <a:tailEnd type="none" w="med" len="med"/>
+                    </a:lnR>
+                    <a:lnT w="12700" cap="flat" cmpd="sng" algn="ctr">
+                      <a:solidFill>
+                        <a:schemeClr val="tx1"/>
+                      </a:solidFill>
+                      <a:prstDash val="solid"/>
+                      <a:round/>
+                      <a:headEnd type="none" w="med" len="med"/>
+                      <a:tailEnd type="none" w="med" len="med"/>
+                    </a:lnT>
+                    <a:lnB w="12700" cap="flat" cmpd="sng" algn="ctr">
+                      <a:solidFill>
+                        <a:schemeClr val="tx1"/>
+                      </a:solidFill>
+                      <a:prstDash val="solid"/>
+                      <a:round/>
+                      <a:headEnd type="none" w="med" len="med"/>
+                      <a:tailEnd type="none" w="med" len="med"/>
+                    </a:lnB>
+                  </a:tcPr>
+                </a:tc>
+                <a:extLst>
+                  <a:ext uri="{0D108BD9-81ED-4DB2-BD59-A6C34878D82A}">
+                    <a16:rowId xmlns:a16="http://schemas.microsoft.com/office/drawing/2014/main" val="1528291314"/>
+                  </a:ext>
+                </a:extLst>
+              </a:tr>
+            </a:tbl>
+          </a:graphicData>
+        </a:graphic>
+      </p:graphicFrame>
+      <p:sp>
+        <p:nvSpPr>
+          <p:cNvPr id="2" name="Titel 1">
+            <a:extLst>
+              <a:ext uri="{FF2B5EF4-FFF2-40B4-BE49-F238E27FC236}">
+                <a16:creationId xmlns:a16="http://schemas.microsoft.com/office/drawing/2014/main" id="{A96423E0-9761-213F-DD72-FDE2B3BFF04C}"/>
+              </a:ext>
+            </a:extLst>
+          </p:cNvPr>
+          <p:cNvSpPr>
+            <a:spLocks noGrp="1"/>
+          </p:cNvSpPr>
+          <p:nvPr>
+            <p:ph type="title"/>
+          </p:nvPr>
+        </p:nvSpPr>
+        <p:spPr/>
+        <p:txBody>
+          <a:bodyPr/>
+          <a:lstStyle/>
+          <a:p>
+            <a:r>
+              <a:rPr lang="de-DE" dirty="0" err="1"/>
+              <a:t>One</a:t>
+            </a:r>
+            <a:r>
+              <a:rPr lang="de-DE" dirty="0"/>
+              <a:t> EC2 </a:t>
+            </a:r>
+            <a:r>
+              <a:rPr lang="de-DE" dirty="0" err="1"/>
+              <a:t>instance</a:t>
+            </a:r>
+            <a:r>
+              <a:rPr lang="de-DE" dirty="0"/>
+              <a:t> per </a:t>
+            </a:r>
+            <a:r>
+              <a:rPr lang="de-DE" dirty="0" err="1"/>
+              <a:t>container</a:t>
+            </a:r>
+            <a:r>
+              <a:rPr lang="de-DE" dirty="0"/>
+              <a:t> </a:t>
+            </a:r>
+          </a:p>
+        </p:txBody>
+      </p:sp>
+      <p:sp>
+        <p:nvSpPr>
+          <p:cNvPr id="6" name="Rectangle: Rounded Corners 17">
+            <a:extLst>
+              <a:ext uri="{FF2B5EF4-FFF2-40B4-BE49-F238E27FC236}">
+                <a16:creationId xmlns:a16="http://schemas.microsoft.com/office/drawing/2014/main" id="{49945982-CAF8-4F41-4032-6CFBC53F41B9}"/>
+              </a:ext>
+            </a:extLst>
+          </p:cNvPr>
+          <p:cNvSpPr/>
+          <p:nvPr/>
+        </p:nvSpPr>
+        <p:spPr>
+          <a:xfrm rot="10800000" flipH="1" flipV="1">
+            <a:off x="1438448" y="2916335"/>
+            <a:ext cx="4079756" cy="2697286"/>
+          </a:xfrm>
+          <a:prstGeom prst="roundRect">
+            <a:avLst/>
+          </a:prstGeom>
+          <a:noFill/>
+          <a:ln>
+            <a:solidFill>
+              <a:srgbClr val="FF9900"/>
+            </a:solidFill>
+          </a:ln>
+        </p:spPr>
+        <p:style>
+          <a:lnRef idx="2">
+            <a:schemeClr val="accent1">
+              <a:shade val="50000"/>
+            </a:schemeClr>
+          </a:lnRef>
+          <a:fillRef idx="1">
+            <a:schemeClr val="accent1"/>
+          </a:fillRef>
+          <a:effectRef idx="0">
+            <a:schemeClr val="accent1"/>
+          </a:effectRef>
+          <a:fontRef idx="minor">
+            <a:schemeClr val="lt1"/>
+          </a:fontRef>
+        </p:style>
+        <p:txBody>
+          <a:bodyPr rtlCol="0" anchor="ctr"/>
+          <a:lstStyle/>
+          <a:p>
+            <a:pPr algn="ctr"/>
+            <a:endParaRPr lang="de-DE" dirty="0">
+              <a:solidFill>
+                <a:schemeClr val="accent2"/>
+              </a:solidFill>
+            </a:endParaRPr>
+          </a:p>
+        </p:txBody>
+      </p:sp>
+      <p:sp>
+        <p:nvSpPr>
+          <p:cNvPr id="7" name="Textfeld 6">
+            <a:extLst>
+              <a:ext uri="{FF2B5EF4-FFF2-40B4-BE49-F238E27FC236}">
+                <a16:creationId xmlns:a16="http://schemas.microsoft.com/office/drawing/2014/main" id="{63DC7ECA-7283-7502-BFB5-5448D11E7212}"/>
+              </a:ext>
+            </a:extLst>
+          </p:cNvPr>
+          <p:cNvSpPr txBox="1"/>
+          <p:nvPr/>
+        </p:nvSpPr>
+        <p:spPr>
+          <a:xfrm>
+            <a:off x="1606164" y="3027661"/>
+            <a:ext cx="1152939" cy="369332"/>
+          </a:xfrm>
+          <a:prstGeom prst="rect">
+            <a:avLst/>
+          </a:prstGeom>
+          <a:noFill/>
+        </p:spPr>
+        <p:txBody>
+          <a:bodyPr wrap="square" rtlCol="0">
+            <a:spAutoFit/>
+          </a:bodyPr>
+          <a:lstStyle/>
+          <a:p>
+            <a:r>
+              <a:rPr lang="de-DE" dirty="0">
+                <a:solidFill>
+                  <a:schemeClr val="accent2"/>
+                </a:solidFill>
+                <a:latin typeface="+mj-lt"/>
+              </a:rPr>
+              <a:t>EC2</a:t>
+            </a:r>
+          </a:p>
+        </p:txBody>
+      </p:sp>
+      <p:grpSp>
+        <p:nvGrpSpPr>
+          <p:cNvPr id="12" name="Gruppieren 11">
+            <a:extLst>
+              <a:ext uri="{FF2B5EF4-FFF2-40B4-BE49-F238E27FC236}">
+                <a16:creationId xmlns:a16="http://schemas.microsoft.com/office/drawing/2014/main" id="{7381334C-86F0-22B7-385B-D2ACD6D96527}"/>
+              </a:ext>
+            </a:extLst>
+          </p:cNvPr>
+          <p:cNvGrpSpPr/>
+          <p:nvPr/>
+        </p:nvGrpSpPr>
+        <p:grpSpPr>
+          <a:xfrm>
+            <a:off x="1762543" y="3704815"/>
+            <a:ext cx="1561101" cy="891038"/>
+            <a:chOff x="2812115" y="3895646"/>
+            <a:chExt cx="1561101" cy="891038"/>
+          </a:xfrm>
+        </p:grpSpPr>
+        <p:sp>
+          <p:nvSpPr>
+            <p:cNvPr id="8" name="Rectangle: Rounded Corners 17">
+              <a:extLst>
+                <a:ext uri="{FF2B5EF4-FFF2-40B4-BE49-F238E27FC236}">
+                  <a16:creationId xmlns:a16="http://schemas.microsoft.com/office/drawing/2014/main" id="{9DE2D785-83EF-360D-F684-AC290370F20A}"/>
+                </a:ext>
+              </a:extLst>
+            </p:cNvPr>
+            <p:cNvSpPr/>
+            <p:nvPr/>
+          </p:nvSpPr>
+          <p:spPr>
+            <a:xfrm flipH="1" flipV="1">
+              <a:off x="2812115" y="3914029"/>
+              <a:ext cx="1561101" cy="872655"/>
+            </a:xfrm>
+            <a:prstGeom prst="roundRect">
+              <a:avLst/>
+            </a:prstGeom>
+            <a:noFill/>
+            <a:ln>
+              <a:solidFill>
+                <a:srgbClr val="2088FE"/>
+              </a:solidFill>
+            </a:ln>
+          </p:spPr>
+          <p:style>
+            <a:lnRef idx="2">
+              <a:schemeClr val="accent1">
+                <a:shade val="50000"/>
+              </a:schemeClr>
+            </a:lnRef>
+            <a:fillRef idx="1">
+              <a:schemeClr val="accent1"/>
+            </a:fillRef>
+            <a:effectRef idx="0">
+              <a:schemeClr val="accent1"/>
+            </a:effectRef>
+            <a:fontRef idx="minor">
+              <a:schemeClr val="lt1"/>
+            </a:fontRef>
+          </p:style>
+          <p:txBody>
+            <a:bodyPr rtlCol="0" anchor="ctr"/>
+            <a:lstStyle/>
+            <a:p>
+              <a:pPr algn="ctr"/>
+              <a:endParaRPr lang="de-DE"/>
+            </a:p>
+          </p:txBody>
+        </p:sp>
+        <p:sp>
+          <p:nvSpPr>
+            <p:cNvPr id="9" name="Textfeld 8">
+              <a:extLst>
+                <a:ext uri="{FF2B5EF4-FFF2-40B4-BE49-F238E27FC236}">
+                  <a16:creationId xmlns:a16="http://schemas.microsoft.com/office/drawing/2014/main" id="{94B2D766-6EEB-A4EC-985C-69007A5C5A6F}"/>
+                </a:ext>
+              </a:extLst>
+            </p:cNvPr>
+            <p:cNvSpPr txBox="1"/>
+            <p:nvPr/>
+          </p:nvSpPr>
+          <p:spPr>
+            <a:xfrm>
+              <a:off x="2859824" y="3895646"/>
+              <a:ext cx="1152939" cy="369332"/>
+            </a:xfrm>
+            <a:prstGeom prst="rect">
+              <a:avLst/>
+            </a:prstGeom>
+            <a:noFill/>
+          </p:spPr>
+          <p:txBody>
+            <a:bodyPr wrap="square" rtlCol="0">
+              <a:spAutoFit/>
+            </a:bodyPr>
+            <a:lstStyle/>
+            <a:p>
+              <a:r>
+                <a:rPr lang="de-DE" dirty="0">
+                  <a:solidFill>
+                    <a:schemeClr val="accent5"/>
+                  </a:solidFill>
+                  <a:latin typeface="+mj-lt"/>
+                </a:rPr>
+                <a:t>Container</a:t>
+              </a:r>
+            </a:p>
+          </p:txBody>
+        </p:sp>
+        <p:pic>
+          <p:nvPicPr>
+            <p:cNvPr id="11" name="Grafik 10" descr="Datenbank">
+              <a:extLst>
+                <a:ext uri="{FF2B5EF4-FFF2-40B4-BE49-F238E27FC236}">
+                  <a16:creationId xmlns:a16="http://schemas.microsoft.com/office/drawing/2014/main" id="{6E70A209-C635-D014-5EA4-21A91F0B229A}"/>
+                </a:ext>
+              </a:extLst>
+            </p:cNvPr>
+            <p:cNvPicPr>
+              <a:picLocks noChangeAspect="1"/>
+            </p:cNvPicPr>
+            <p:nvPr/>
+          </p:nvPicPr>
+          <p:blipFill>
+            <a:blip r:embed="rId3">
+              <a:extLst>
+                <a:ext uri="{28A0092B-C50C-407E-A947-70E740481C1C}">
+                  <a14:useLocalDpi xmlns:a14="http://schemas.microsoft.com/office/drawing/2010/main" val="0"/>
+                </a:ext>
+                <a:ext uri="{96DAC541-7B7A-43D3-8B79-37D633B846F1}">
+                  <asvg:svgBlip xmlns:asvg="http://schemas.microsoft.com/office/drawing/2016/SVG/main" r:embed="rId4"/>
+                </a:ext>
+              </a:extLst>
+            </a:blip>
+            <a:stretch>
+              <a:fillRect/>
+            </a:stretch>
+          </p:blipFill>
+          <p:spPr>
+            <a:xfrm>
+              <a:off x="3899751" y="4283361"/>
+              <a:ext cx="369332" cy="369332"/>
+            </a:xfrm>
+            <a:prstGeom prst="rect">
+              <a:avLst/>
+            </a:prstGeom>
+          </p:spPr>
+        </p:pic>
+      </p:grpSp>
+      <p:grpSp>
+        <p:nvGrpSpPr>
+          <p:cNvPr id="13" name="Gruppieren 12">
+            <a:extLst>
+              <a:ext uri="{FF2B5EF4-FFF2-40B4-BE49-F238E27FC236}">
+                <a16:creationId xmlns:a16="http://schemas.microsoft.com/office/drawing/2014/main" id="{7D05BBFD-EF33-0971-7F58-4DCCF3BC26F2}"/>
+              </a:ext>
+            </a:extLst>
+          </p:cNvPr>
+          <p:cNvGrpSpPr/>
+          <p:nvPr/>
+        </p:nvGrpSpPr>
+        <p:grpSpPr>
+          <a:xfrm>
+            <a:off x="3630729" y="3170040"/>
+            <a:ext cx="1561101" cy="891038"/>
+            <a:chOff x="2812115" y="3895646"/>
+            <a:chExt cx="1561101" cy="891038"/>
+          </a:xfrm>
+        </p:grpSpPr>
+        <p:sp>
+          <p:nvSpPr>
+            <p:cNvPr id="14" name="Rectangle: Rounded Corners 17">
+              <a:extLst>
+                <a:ext uri="{FF2B5EF4-FFF2-40B4-BE49-F238E27FC236}">
+                  <a16:creationId xmlns:a16="http://schemas.microsoft.com/office/drawing/2014/main" id="{40E0B8DE-6842-5970-91F0-AA84C76B805D}"/>
+                </a:ext>
+              </a:extLst>
+            </p:cNvPr>
+            <p:cNvSpPr/>
+            <p:nvPr/>
+          </p:nvSpPr>
+          <p:spPr>
+            <a:xfrm flipH="1" flipV="1">
+              <a:off x="2812115" y="3914029"/>
+              <a:ext cx="1561101" cy="872655"/>
+            </a:xfrm>
+            <a:prstGeom prst="roundRect">
+              <a:avLst/>
+            </a:prstGeom>
+            <a:noFill/>
+            <a:ln>
+              <a:solidFill>
+                <a:srgbClr val="2088FE"/>
+              </a:solidFill>
+            </a:ln>
+          </p:spPr>
+          <p:style>
+            <a:lnRef idx="2">
+              <a:schemeClr val="accent1">
+                <a:shade val="50000"/>
+              </a:schemeClr>
+            </a:lnRef>
+            <a:fillRef idx="1">
+              <a:schemeClr val="accent1"/>
+            </a:fillRef>
+            <a:effectRef idx="0">
+              <a:schemeClr val="accent1"/>
+            </a:effectRef>
+            <a:fontRef idx="minor">
+              <a:schemeClr val="lt1"/>
+            </a:fontRef>
+          </p:style>
+          <p:txBody>
+            <a:bodyPr rtlCol="0" anchor="ctr"/>
+            <a:lstStyle/>
+            <a:p>
+              <a:pPr algn="ctr"/>
+              <a:endParaRPr lang="de-DE"/>
+            </a:p>
+          </p:txBody>
+        </p:sp>
+        <p:sp>
+          <p:nvSpPr>
+            <p:cNvPr id="15" name="Textfeld 14">
+              <a:extLst>
+                <a:ext uri="{FF2B5EF4-FFF2-40B4-BE49-F238E27FC236}">
+                  <a16:creationId xmlns:a16="http://schemas.microsoft.com/office/drawing/2014/main" id="{266D6032-8CAD-77A7-529F-8C6B36BCBED3}"/>
+                </a:ext>
+              </a:extLst>
+            </p:cNvPr>
+            <p:cNvSpPr txBox="1"/>
+            <p:nvPr/>
+          </p:nvSpPr>
+          <p:spPr>
+            <a:xfrm>
+              <a:off x="2859824" y="3895646"/>
+              <a:ext cx="1152939" cy="369332"/>
+            </a:xfrm>
+            <a:prstGeom prst="rect">
+              <a:avLst/>
+            </a:prstGeom>
+            <a:noFill/>
+          </p:spPr>
+          <p:txBody>
+            <a:bodyPr wrap="square" rtlCol="0">
+              <a:spAutoFit/>
+            </a:bodyPr>
+            <a:lstStyle/>
+            <a:p>
+              <a:r>
+                <a:rPr lang="de-DE" dirty="0">
+                  <a:solidFill>
+                    <a:schemeClr val="accent5"/>
+                  </a:solidFill>
+                  <a:latin typeface="+mj-lt"/>
+                </a:rPr>
+                <a:t>Container</a:t>
+              </a:r>
+            </a:p>
+          </p:txBody>
+        </p:sp>
+        <p:pic>
+          <p:nvPicPr>
+            <p:cNvPr id="16" name="Grafik 15" descr="Datenbank">
+              <a:extLst>
+                <a:ext uri="{FF2B5EF4-FFF2-40B4-BE49-F238E27FC236}">
+                  <a16:creationId xmlns:a16="http://schemas.microsoft.com/office/drawing/2014/main" id="{4F8BA719-FD86-0A08-7E0C-7B2AA67A5115}"/>
+                </a:ext>
+              </a:extLst>
+            </p:cNvPr>
+            <p:cNvPicPr>
+              <a:picLocks noChangeAspect="1"/>
+            </p:cNvPicPr>
+            <p:nvPr/>
+          </p:nvPicPr>
+          <p:blipFill>
+            <a:blip r:embed="rId3">
+              <a:extLst>
+                <a:ext uri="{28A0092B-C50C-407E-A947-70E740481C1C}">
+                  <a14:useLocalDpi xmlns:a14="http://schemas.microsoft.com/office/drawing/2010/main" val="0"/>
+                </a:ext>
+                <a:ext uri="{96DAC541-7B7A-43D3-8B79-37D633B846F1}">
+                  <asvg:svgBlip xmlns:asvg="http://schemas.microsoft.com/office/drawing/2016/SVG/main" r:embed="rId4"/>
+                </a:ext>
+              </a:extLst>
+            </a:blip>
+            <a:stretch>
+              <a:fillRect/>
+            </a:stretch>
+          </p:blipFill>
+          <p:spPr>
+            <a:xfrm>
+              <a:off x="3899751" y="4283361"/>
+              <a:ext cx="369332" cy="369332"/>
+            </a:xfrm>
+            <a:prstGeom prst="rect">
+              <a:avLst/>
+            </a:prstGeom>
+          </p:spPr>
+        </p:pic>
+      </p:grpSp>
+      <p:grpSp>
+        <p:nvGrpSpPr>
+          <p:cNvPr id="17" name="Gruppieren 16">
+            <a:extLst>
+              <a:ext uri="{FF2B5EF4-FFF2-40B4-BE49-F238E27FC236}">
+                <a16:creationId xmlns:a16="http://schemas.microsoft.com/office/drawing/2014/main" id="{AF165BE8-A8ED-640E-99D5-23A2008FE966}"/>
+              </a:ext>
+            </a:extLst>
+          </p:cNvPr>
+          <p:cNvGrpSpPr/>
+          <p:nvPr/>
+        </p:nvGrpSpPr>
+        <p:grpSpPr>
+          <a:xfrm>
+            <a:off x="3478325" y="4165006"/>
+            <a:ext cx="1561101" cy="891038"/>
+            <a:chOff x="2812115" y="3895646"/>
+            <a:chExt cx="1561101" cy="891038"/>
+          </a:xfrm>
+        </p:grpSpPr>
+        <p:sp>
+          <p:nvSpPr>
+            <p:cNvPr id="18" name="Rectangle: Rounded Corners 17">
+              <a:extLst>
+                <a:ext uri="{FF2B5EF4-FFF2-40B4-BE49-F238E27FC236}">
+                  <a16:creationId xmlns:a16="http://schemas.microsoft.com/office/drawing/2014/main" id="{85C63CB8-3C00-023A-CBF7-62EF9A97F615}"/>
+                </a:ext>
+              </a:extLst>
+            </p:cNvPr>
+            <p:cNvSpPr/>
+            <p:nvPr/>
+          </p:nvSpPr>
+          <p:spPr>
+            <a:xfrm flipH="1" flipV="1">
+              <a:off x="2812115" y="3914029"/>
+              <a:ext cx="1561101" cy="872655"/>
+            </a:xfrm>
+            <a:prstGeom prst="roundRect">
+              <a:avLst/>
+            </a:prstGeom>
+            <a:noFill/>
+            <a:ln>
+              <a:solidFill>
+                <a:srgbClr val="2088FE"/>
+              </a:solidFill>
+            </a:ln>
+          </p:spPr>
+          <p:style>
+            <a:lnRef idx="2">
+              <a:schemeClr val="accent1">
+                <a:shade val="50000"/>
+              </a:schemeClr>
+            </a:lnRef>
+            <a:fillRef idx="1">
+              <a:schemeClr val="accent1"/>
+            </a:fillRef>
+            <a:effectRef idx="0">
+              <a:schemeClr val="accent1"/>
+            </a:effectRef>
+            <a:fontRef idx="minor">
+              <a:schemeClr val="lt1"/>
+            </a:fontRef>
+          </p:style>
+          <p:txBody>
+            <a:bodyPr rtlCol="0" anchor="ctr"/>
+            <a:lstStyle/>
+            <a:p>
+              <a:pPr algn="ctr"/>
+              <a:endParaRPr lang="de-DE"/>
+            </a:p>
+          </p:txBody>
+        </p:sp>
+        <p:sp>
+          <p:nvSpPr>
+            <p:cNvPr id="19" name="Textfeld 18">
+              <a:extLst>
+                <a:ext uri="{FF2B5EF4-FFF2-40B4-BE49-F238E27FC236}">
+                  <a16:creationId xmlns:a16="http://schemas.microsoft.com/office/drawing/2014/main" id="{C03CFA04-9F60-B5EF-8464-54EB0B889CEF}"/>
+                </a:ext>
+              </a:extLst>
+            </p:cNvPr>
+            <p:cNvSpPr txBox="1"/>
+            <p:nvPr/>
+          </p:nvSpPr>
+          <p:spPr>
+            <a:xfrm>
+              <a:off x="2859824" y="3895646"/>
+              <a:ext cx="1152939" cy="369332"/>
+            </a:xfrm>
+            <a:prstGeom prst="rect">
+              <a:avLst/>
+            </a:prstGeom>
+            <a:noFill/>
+          </p:spPr>
+          <p:txBody>
+            <a:bodyPr wrap="square" rtlCol="0">
+              <a:spAutoFit/>
+            </a:bodyPr>
+            <a:lstStyle/>
+            <a:p>
+              <a:r>
+                <a:rPr lang="de-DE" dirty="0">
+                  <a:solidFill>
+                    <a:schemeClr val="accent5"/>
+                  </a:solidFill>
+                  <a:latin typeface="+mj-lt"/>
+                </a:rPr>
+                <a:t>Container</a:t>
+              </a:r>
+            </a:p>
+          </p:txBody>
+        </p:sp>
+        <p:pic>
+          <p:nvPicPr>
+            <p:cNvPr id="20" name="Grafik 19" descr="Datenbank">
+              <a:extLst>
+                <a:ext uri="{FF2B5EF4-FFF2-40B4-BE49-F238E27FC236}">
+                  <a16:creationId xmlns:a16="http://schemas.microsoft.com/office/drawing/2014/main" id="{303B4FC6-48CE-AF2A-7C43-421D2F0F82CF}"/>
+                </a:ext>
+              </a:extLst>
+            </p:cNvPr>
+            <p:cNvPicPr>
+              <a:picLocks noChangeAspect="1"/>
+            </p:cNvPicPr>
+            <p:nvPr/>
+          </p:nvPicPr>
+          <p:blipFill>
+            <a:blip r:embed="rId3">
+              <a:extLst>
+                <a:ext uri="{28A0092B-C50C-407E-A947-70E740481C1C}">
+                  <a14:useLocalDpi xmlns:a14="http://schemas.microsoft.com/office/drawing/2010/main" val="0"/>
+                </a:ext>
+                <a:ext uri="{96DAC541-7B7A-43D3-8B79-37D633B846F1}">
+                  <asvg:svgBlip xmlns:asvg="http://schemas.microsoft.com/office/drawing/2016/SVG/main" r:embed="rId4"/>
+                </a:ext>
+              </a:extLst>
+            </a:blip>
+            <a:stretch>
+              <a:fillRect/>
+            </a:stretch>
+          </p:blipFill>
+          <p:spPr>
+            <a:xfrm>
+              <a:off x="3899751" y="4283361"/>
+              <a:ext cx="369332" cy="369332"/>
+            </a:xfrm>
+            <a:prstGeom prst="rect">
+              <a:avLst/>
+            </a:prstGeom>
+          </p:spPr>
+        </p:pic>
+      </p:grpSp>
+      <p:sp>
+        <p:nvSpPr>
+          <p:cNvPr id="21" name="Textfeld 20">
+            <a:extLst>
+              <a:ext uri="{FF2B5EF4-FFF2-40B4-BE49-F238E27FC236}">
+                <a16:creationId xmlns:a16="http://schemas.microsoft.com/office/drawing/2014/main" id="{F39F3E80-1F13-D819-4E6B-1830EEE4ABE5}"/>
+              </a:ext>
+            </a:extLst>
+          </p:cNvPr>
+          <p:cNvSpPr txBox="1"/>
+          <p:nvPr/>
+        </p:nvSpPr>
+        <p:spPr>
+          <a:xfrm>
+            <a:off x="1963972" y="5138152"/>
+            <a:ext cx="2588057" cy="369332"/>
+          </a:xfrm>
+          <a:prstGeom prst="rect">
+            <a:avLst/>
+          </a:prstGeom>
+          <a:noFill/>
+        </p:spPr>
+        <p:txBody>
+          <a:bodyPr wrap="square" rtlCol="0">
+            <a:spAutoFit/>
+          </a:bodyPr>
+          <a:lstStyle/>
+          <a:p>
+            <a:r>
+              <a:rPr lang="de-DE" dirty="0" err="1">
+                <a:solidFill>
+                  <a:schemeClr val="accent5"/>
+                </a:solidFill>
+                <a:latin typeface="+mj-lt"/>
+              </a:rPr>
+              <a:t>Build</a:t>
+            </a:r>
+            <a:r>
+              <a:rPr lang="de-DE" dirty="0">
+                <a:solidFill>
+                  <a:schemeClr val="accent5"/>
+                </a:solidFill>
+                <a:latin typeface="+mj-lt"/>
+              </a:rPr>
+              <a:t>: </a:t>
+            </a:r>
+            <a:r>
+              <a:rPr lang="de-DE" dirty="0" err="1">
+                <a:solidFill>
+                  <a:schemeClr val="accent5"/>
+                </a:solidFill>
+                <a:latin typeface="+mj-lt"/>
+              </a:rPr>
+              <a:t>docker-compose</a:t>
+            </a:r>
+            <a:r>
+              <a:rPr lang="de-DE" dirty="0">
+                <a:solidFill>
+                  <a:schemeClr val="accent5"/>
+                </a:solidFill>
+                <a:latin typeface="+mj-lt"/>
+              </a:rPr>
+              <a:t> </a:t>
+            </a:r>
+            <a:r>
+              <a:rPr lang="de-DE" dirty="0" err="1">
+                <a:solidFill>
+                  <a:schemeClr val="accent5"/>
+                </a:solidFill>
+                <a:latin typeface="+mj-lt"/>
+              </a:rPr>
+              <a:t>up</a:t>
+            </a:r>
+            <a:endParaRPr lang="de-DE" dirty="0">
+              <a:solidFill>
+                <a:schemeClr val="accent5"/>
+              </a:solidFill>
+              <a:latin typeface="+mj-lt"/>
+            </a:endParaRPr>
+          </a:p>
+        </p:txBody>
+      </p:sp>
+      <p:grpSp>
+        <p:nvGrpSpPr>
+          <p:cNvPr id="37" name="Gruppieren 36">
+            <a:extLst>
+              <a:ext uri="{FF2B5EF4-FFF2-40B4-BE49-F238E27FC236}">
+                <a16:creationId xmlns:a16="http://schemas.microsoft.com/office/drawing/2014/main" id="{1F12E16E-1C64-E727-7878-B20C3CFD1324}"/>
+              </a:ext>
+            </a:extLst>
+          </p:cNvPr>
+          <p:cNvGrpSpPr/>
+          <p:nvPr/>
+        </p:nvGrpSpPr>
+        <p:grpSpPr>
+          <a:xfrm>
+            <a:off x="6805548" y="2787736"/>
+            <a:ext cx="1758749" cy="1075010"/>
+            <a:chOff x="6287971" y="2765471"/>
+            <a:chExt cx="1758749" cy="1075010"/>
+          </a:xfrm>
+        </p:grpSpPr>
+        <p:sp>
+          <p:nvSpPr>
+            <p:cNvPr id="22" name="Rectangle: Rounded Corners 17">
+              <a:extLst>
+                <a:ext uri="{FF2B5EF4-FFF2-40B4-BE49-F238E27FC236}">
+                  <a16:creationId xmlns:a16="http://schemas.microsoft.com/office/drawing/2014/main" id="{5BED2B1B-A525-5DC3-667E-B41F3BF4DA77}"/>
+                </a:ext>
+              </a:extLst>
+            </p:cNvPr>
+            <p:cNvSpPr/>
+            <p:nvPr/>
+          </p:nvSpPr>
+          <p:spPr>
+            <a:xfrm rot="10800000" flipH="1" flipV="1">
+              <a:off x="6287971" y="2765471"/>
+              <a:ext cx="1758749" cy="1075010"/>
+            </a:xfrm>
+            <a:prstGeom prst="roundRect">
+              <a:avLst/>
+            </a:prstGeom>
+            <a:noFill/>
+            <a:ln>
+              <a:solidFill>
+                <a:srgbClr val="FF9900"/>
+              </a:solidFill>
+            </a:ln>
+          </p:spPr>
+          <p:style>
+            <a:lnRef idx="2">
+              <a:schemeClr val="accent1">
+                <a:shade val="50000"/>
+              </a:schemeClr>
+            </a:lnRef>
+            <a:fillRef idx="1">
+              <a:schemeClr val="accent1"/>
+            </a:fillRef>
+            <a:effectRef idx="0">
+              <a:schemeClr val="accent1"/>
+            </a:effectRef>
+            <a:fontRef idx="minor">
+              <a:schemeClr val="lt1"/>
+            </a:fontRef>
+          </p:style>
+          <p:txBody>
+            <a:bodyPr rtlCol="0" anchor="ctr"/>
+            <a:lstStyle/>
+            <a:p>
+              <a:pPr algn="ctr"/>
+              <a:endParaRPr lang="de-DE" dirty="0">
+                <a:solidFill>
+                  <a:schemeClr val="accent2"/>
+                </a:solidFill>
+              </a:endParaRPr>
+            </a:p>
+          </p:txBody>
+        </p:sp>
+        <p:sp>
+          <p:nvSpPr>
+            <p:cNvPr id="23" name="Textfeld 22">
+              <a:extLst>
+                <a:ext uri="{FF2B5EF4-FFF2-40B4-BE49-F238E27FC236}">
+                  <a16:creationId xmlns:a16="http://schemas.microsoft.com/office/drawing/2014/main" id="{C4FB1E0D-BC16-30BC-742B-5ECF86D4838A}"/>
+                </a:ext>
+              </a:extLst>
+            </p:cNvPr>
+            <p:cNvSpPr txBox="1"/>
+            <p:nvPr/>
+          </p:nvSpPr>
+          <p:spPr>
+            <a:xfrm>
+              <a:off x="6426062" y="2811567"/>
+              <a:ext cx="619539" cy="369332"/>
+            </a:xfrm>
+            <a:prstGeom prst="rect">
+              <a:avLst/>
+            </a:prstGeom>
+            <a:noFill/>
+          </p:spPr>
+          <p:txBody>
+            <a:bodyPr wrap="square" rtlCol="0">
+              <a:spAutoFit/>
+            </a:bodyPr>
+            <a:lstStyle/>
+            <a:p>
+              <a:r>
+                <a:rPr lang="de-DE" dirty="0">
+                  <a:solidFill>
+                    <a:schemeClr val="accent2"/>
+                  </a:solidFill>
+                  <a:latin typeface="+mj-lt"/>
+                </a:rPr>
+                <a:t>EC2</a:t>
+              </a:r>
+            </a:p>
+          </p:txBody>
+        </p:sp>
+        <p:grpSp>
+          <p:nvGrpSpPr>
+            <p:cNvPr id="24" name="Gruppieren 23">
+              <a:extLst>
+                <a:ext uri="{FF2B5EF4-FFF2-40B4-BE49-F238E27FC236}">
+                  <a16:creationId xmlns:a16="http://schemas.microsoft.com/office/drawing/2014/main" id="{3A97BBE8-7021-5BF7-E2C7-A7575BE51C1C}"/>
+                </a:ext>
+              </a:extLst>
+            </p:cNvPr>
+            <p:cNvGrpSpPr/>
+            <p:nvPr/>
+          </p:nvGrpSpPr>
+          <p:grpSpPr>
+            <a:xfrm>
+              <a:off x="6735828" y="3211833"/>
+              <a:ext cx="1180631" cy="511365"/>
+              <a:chOff x="2812113" y="3895644"/>
+              <a:chExt cx="1251209" cy="637041"/>
+            </a:xfrm>
+          </p:grpSpPr>
+          <p:sp>
+            <p:nvSpPr>
+              <p:cNvPr id="25" name="Rectangle: Rounded Corners 17">
+                <a:extLst>
+                  <a:ext uri="{FF2B5EF4-FFF2-40B4-BE49-F238E27FC236}">
+                    <a16:creationId xmlns:a16="http://schemas.microsoft.com/office/drawing/2014/main" id="{D0D42745-3B22-4C28-EF0C-FEC89E90114B}"/>
+                  </a:ext>
+                </a:extLst>
+              </p:cNvPr>
+              <p:cNvSpPr/>
+              <p:nvPr/>
+            </p:nvSpPr>
+            <p:spPr>
+              <a:xfrm flipH="1" flipV="1">
+                <a:off x="2812113" y="3895644"/>
+                <a:ext cx="1251209" cy="637041"/>
+              </a:xfrm>
+              <a:prstGeom prst="roundRect">
+                <a:avLst/>
+              </a:prstGeom>
+              <a:noFill/>
+              <a:ln>
+                <a:solidFill>
+                  <a:srgbClr val="2088FE"/>
+                </a:solidFill>
+              </a:ln>
+            </p:spPr>
+            <p:style>
+              <a:lnRef idx="2">
+                <a:schemeClr val="accent1">
+                  <a:shade val="50000"/>
+                </a:schemeClr>
+              </a:lnRef>
+              <a:fillRef idx="1">
+                <a:schemeClr val="accent1"/>
+              </a:fillRef>
+              <a:effectRef idx="0">
+                <a:schemeClr val="accent1"/>
+              </a:effectRef>
+              <a:fontRef idx="minor">
+                <a:schemeClr val="lt1"/>
+              </a:fontRef>
+            </p:style>
+            <p:txBody>
+              <a:bodyPr rtlCol="0" anchor="ctr"/>
+              <a:lstStyle/>
+              <a:p>
+                <a:pPr algn="ctr"/>
+                <a:endParaRPr lang="de-DE"/>
+              </a:p>
+            </p:txBody>
+          </p:sp>
+          <p:sp>
+            <p:nvSpPr>
+              <p:cNvPr id="26" name="Textfeld 25">
+                <a:extLst>
+                  <a:ext uri="{FF2B5EF4-FFF2-40B4-BE49-F238E27FC236}">
+                    <a16:creationId xmlns:a16="http://schemas.microsoft.com/office/drawing/2014/main" id="{E12B7DB6-1F5C-D2FC-1EB6-2E18E1E41B98}"/>
+                  </a:ext>
+                </a:extLst>
+              </p:cNvPr>
+              <p:cNvSpPr txBox="1"/>
+              <p:nvPr/>
+            </p:nvSpPr>
+            <p:spPr>
+              <a:xfrm>
+                <a:off x="2859824" y="3895646"/>
+                <a:ext cx="1152939" cy="369332"/>
+              </a:xfrm>
+              <a:prstGeom prst="rect">
+                <a:avLst/>
+              </a:prstGeom>
+              <a:noFill/>
+            </p:spPr>
+            <p:txBody>
+              <a:bodyPr wrap="square" rtlCol="0">
+                <a:spAutoFit/>
+              </a:bodyPr>
+              <a:lstStyle/>
+              <a:p>
+                <a:r>
+                  <a:rPr lang="de-DE" dirty="0">
+                    <a:solidFill>
+                      <a:schemeClr val="accent5"/>
+                    </a:solidFill>
+                    <a:latin typeface="+mj-lt"/>
+                  </a:rPr>
+                  <a:t>Container</a:t>
+                </a:r>
+              </a:p>
+            </p:txBody>
+          </p:sp>
+        </p:grpSp>
+      </p:grpSp>
+      <p:sp>
+        <p:nvSpPr>
+          <p:cNvPr id="36" name="Textfeld 35">
+            <a:extLst>
+              <a:ext uri="{FF2B5EF4-FFF2-40B4-BE49-F238E27FC236}">
+                <a16:creationId xmlns:a16="http://schemas.microsoft.com/office/drawing/2014/main" id="{6EA184F9-64E9-E6D0-0320-74D420A37A0B}"/>
+              </a:ext>
+            </a:extLst>
+          </p:cNvPr>
+          <p:cNvSpPr txBox="1"/>
+          <p:nvPr/>
+        </p:nvSpPr>
+        <p:spPr>
+          <a:xfrm>
+            <a:off x="6542942" y="5438333"/>
+            <a:ext cx="4326567" cy="369332"/>
+          </a:xfrm>
+          <a:prstGeom prst="rect">
+            <a:avLst/>
+          </a:prstGeom>
+          <a:noFill/>
+        </p:spPr>
+        <p:txBody>
+          <a:bodyPr wrap="square" rtlCol="0">
+            <a:spAutoFit/>
+          </a:bodyPr>
+          <a:lstStyle/>
+          <a:p>
+            <a:r>
+              <a:rPr lang="de-DE" dirty="0" err="1">
+                <a:solidFill>
+                  <a:schemeClr val="accent5"/>
+                </a:solidFill>
+                <a:latin typeface="+mj-lt"/>
+              </a:rPr>
+              <a:t>Build</a:t>
+            </a:r>
+            <a:r>
+              <a:rPr lang="de-DE" dirty="0">
+                <a:solidFill>
+                  <a:schemeClr val="accent5"/>
+                </a:solidFill>
+                <a:latin typeface="+mj-lt"/>
+              </a:rPr>
+              <a:t> and Communication: Find </a:t>
+            </a:r>
+            <a:r>
+              <a:rPr lang="de-DE" dirty="0" err="1">
+                <a:solidFill>
+                  <a:schemeClr val="accent5"/>
+                </a:solidFill>
+                <a:latin typeface="+mj-lt"/>
+              </a:rPr>
+              <a:t>other</a:t>
+            </a:r>
+            <a:r>
+              <a:rPr lang="de-DE" dirty="0">
+                <a:solidFill>
+                  <a:schemeClr val="accent5"/>
+                </a:solidFill>
+                <a:latin typeface="+mj-lt"/>
+              </a:rPr>
+              <a:t> </a:t>
+            </a:r>
+            <a:r>
+              <a:rPr lang="de-DE" dirty="0" err="1">
+                <a:solidFill>
+                  <a:schemeClr val="accent5"/>
+                </a:solidFill>
+                <a:latin typeface="+mj-lt"/>
+              </a:rPr>
+              <a:t>method</a:t>
+            </a:r>
+            <a:endParaRPr lang="de-DE" dirty="0">
+              <a:solidFill>
+                <a:schemeClr val="accent5"/>
+              </a:solidFill>
+              <a:latin typeface="+mj-lt"/>
+            </a:endParaRPr>
+          </a:p>
+        </p:txBody>
+      </p:sp>
+      <p:grpSp>
+        <p:nvGrpSpPr>
+          <p:cNvPr id="38" name="Gruppieren 37">
+            <a:extLst>
+              <a:ext uri="{FF2B5EF4-FFF2-40B4-BE49-F238E27FC236}">
+                <a16:creationId xmlns:a16="http://schemas.microsoft.com/office/drawing/2014/main" id="{69BC7E76-92AC-D3EA-FCA4-DDEFCBC7ACED}"/>
+              </a:ext>
+            </a:extLst>
+          </p:cNvPr>
+          <p:cNvGrpSpPr/>
+          <p:nvPr/>
+        </p:nvGrpSpPr>
+        <p:grpSpPr>
+          <a:xfrm>
+            <a:off x="8994804" y="2988359"/>
+            <a:ext cx="1758749" cy="1075010"/>
+            <a:chOff x="6287971" y="2765471"/>
+            <a:chExt cx="1758749" cy="1075010"/>
+          </a:xfrm>
+        </p:grpSpPr>
+        <p:sp>
+          <p:nvSpPr>
+            <p:cNvPr id="39" name="Rectangle: Rounded Corners 17">
+              <a:extLst>
+                <a:ext uri="{FF2B5EF4-FFF2-40B4-BE49-F238E27FC236}">
+                  <a16:creationId xmlns:a16="http://schemas.microsoft.com/office/drawing/2014/main" id="{DE75EBA1-FC97-226E-6103-67D0E7D16C44}"/>
+                </a:ext>
+              </a:extLst>
+            </p:cNvPr>
+            <p:cNvSpPr/>
+            <p:nvPr/>
+          </p:nvSpPr>
+          <p:spPr>
+            <a:xfrm rot="10800000" flipH="1" flipV="1">
+              <a:off x="6287971" y="2765471"/>
+              <a:ext cx="1758749" cy="1075010"/>
+            </a:xfrm>
+            <a:prstGeom prst="roundRect">
+              <a:avLst/>
+            </a:prstGeom>
+            <a:noFill/>
+            <a:ln>
+              <a:solidFill>
+                <a:srgbClr val="FF9900"/>
+              </a:solidFill>
+            </a:ln>
+          </p:spPr>
+          <p:style>
+            <a:lnRef idx="2">
+              <a:schemeClr val="accent1">
+                <a:shade val="50000"/>
+              </a:schemeClr>
+            </a:lnRef>
+            <a:fillRef idx="1">
+              <a:schemeClr val="accent1"/>
+            </a:fillRef>
+            <a:effectRef idx="0">
+              <a:schemeClr val="accent1"/>
+            </a:effectRef>
+            <a:fontRef idx="minor">
+              <a:schemeClr val="lt1"/>
+            </a:fontRef>
+          </p:style>
+          <p:txBody>
+            <a:bodyPr rtlCol="0" anchor="ctr"/>
+            <a:lstStyle/>
+            <a:p>
+              <a:pPr algn="ctr"/>
+              <a:endParaRPr lang="de-DE" dirty="0">
+                <a:solidFill>
+                  <a:schemeClr val="accent2"/>
+                </a:solidFill>
+              </a:endParaRPr>
+            </a:p>
+          </p:txBody>
+        </p:sp>
+        <p:sp>
+          <p:nvSpPr>
+            <p:cNvPr id="40" name="Textfeld 39">
+              <a:extLst>
+                <a:ext uri="{FF2B5EF4-FFF2-40B4-BE49-F238E27FC236}">
+                  <a16:creationId xmlns:a16="http://schemas.microsoft.com/office/drawing/2014/main" id="{BCE97ECA-AE94-BCC6-3431-CE5457F9B2BE}"/>
+                </a:ext>
+              </a:extLst>
+            </p:cNvPr>
+            <p:cNvSpPr txBox="1"/>
+            <p:nvPr/>
+          </p:nvSpPr>
+          <p:spPr>
+            <a:xfrm>
+              <a:off x="6426062" y="2811567"/>
+              <a:ext cx="619539" cy="369332"/>
+            </a:xfrm>
+            <a:prstGeom prst="rect">
+              <a:avLst/>
+            </a:prstGeom>
+            <a:noFill/>
+          </p:spPr>
+          <p:txBody>
+            <a:bodyPr wrap="square" rtlCol="0">
+              <a:spAutoFit/>
+            </a:bodyPr>
+            <a:lstStyle/>
+            <a:p>
+              <a:r>
+                <a:rPr lang="de-DE" dirty="0">
+                  <a:solidFill>
+                    <a:schemeClr val="accent2"/>
+                  </a:solidFill>
+                  <a:latin typeface="+mj-lt"/>
+                </a:rPr>
+                <a:t>EC2</a:t>
+              </a:r>
+            </a:p>
+          </p:txBody>
+        </p:sp>
+        <p:grpSp>
+          <p:nvGrpSpPr>
+            <p:cNvPr id="41" name="Gruppieren 40">
+              <a:extLst>
+                <a:ext uri="{FF2B5EF4-FFF2-40B4-BE49-F238E27FC236}">
+                  <a16:creationId xmlns:a16="http://schemas.microsoft.com/office/drawing/2014/main" id="{9E6654A2-0EDD-8EC6-223B-754C2261BF04}"/>
+                </a:ext>
+              </a:extLst>
+            </p:cNvPr>
+            <p:cNvGrpSpPr/>
+            <p:nvPr/>
+          </p:nvGrpSpPr>
+          <p:grpSpPr>
+            <a:xfrm>
+              <a:off x="6735828" y="3211833"/>
+              <a:ext cx="1180631" cy="511365"/>
+              <a:chOff x="2812113" y="3895644"/>
+              <a:chExt cx="1251209" cy="637041"/>
+            </a:xfrm>
+          </p:grpSpPr>
+          <p:sp>
+            <p:nvSpPr>
+              <p:cNvPr id="42" name="Rectangle: Rounded Corners 17">
+                <a:extLst>
+                  <a:ext uri="{FF2B5EF4-FFF2-40B4-BE49-F238E27FC236}">
+                    <a16:creationId xmlns:a16="http://schemas.microsoft.com/office/drawing/2014/main" id="{8F8228AF-4D0E-1B90-AD56-BCE6520E7095}"/>
+                  </a:ext>
+                </a:extLst>
+              </p:cNvPr>
+              <p:cNvSpPr/>
+              <p:nvPr/>
+            </p:nvSpPr>
+            <p:spPr>
+              <a:xfrm flipH="1" flipV="1">
+                <a:off x="2812113" y="3895644"/>
+                <a:ext cx="1251209" cy="637041"/>
+              </a:xfrm>
+              <a:prstGeom prst="roundRect">
+                <a:avLst/>
+              </a:prstGeom>
+              <a:noFill/>
+              <a:ln>
+                <a:solidFill>
+                  <a:srgbClr val="2088FE"/>
+                </a:solidFill>
+              </a:ln>
+            </p:spPr>
+            <p:style>
+              <a:lnRef idx="2">
+                <a:schemeClr val="accent1">
+                  <a:shade val="50000"/>
+                </a:schemeClr>
+              </a:lnRef>
+              <a:fillRef idx="1">
+                <a:schemeClr val="accent1"/>
+              </a:fillRef>
+              <a:effectRef idx="0">
+                <a:schemeClr val="accent1"/>
+              </a:effectRef>
+              <a:fontRef idx="minor">
+                <a:schemeClr val="lt1"/>
+              </a:fontRef>
+            </p:style>
+            <p:txBody>
+              <a:bodyPr rtlCol="0" anchor="ctr"/>
+              <a:lstStyle/>
+              <a:p>
+                <a:pPr algn="ctr"/>
+                <a:endParaRPr lang="de-DE"/>
+              </a:p>
+            </p:txBody>
+          </p:sp>
+          <p:sp>
+            <p:nvSpPr>
+              <p:cNvPr id="43" name="Textfeld 42">
+                <a:extLst>
+                  <a:ext uri="{FF2B5EF4-FFF2-40B4-BE49-F238E27FC236}">
+                    <a16:creationId xmlns:a16="http://schemas.microsoft.com/office/drawing/2014/main" id="{8380C25F-FF5C-A615-7C5A-7F96CD5B4532}"/>
+                  </a:ext>
+                </a:extLst>
+              </p:cNvPr>
+              <p:cNvSpPr txBox="1"/>
+              <p:nvPr/>
+            </p:nvSpPr>
+            <p:spPr>
+              <a:xfrm>
+                <a:off x="2859824" y="3895646"/>
+                <a:ext cx="1152939" cy="369332"/>
+              </a:xfrm>
+              <a:prstGeom prst="rect">
+                <a:avLst/>
+              </a:prstGeom>
+              <a:noFill/>
+            </p:spPr>
+            <p:txBody>
+              <a:bodyPr wrap="square" rtlCol="0">
+                <a:spAutoFit/>
+              </a:bodyPr>
+              <a:lstStyle/>
+              <a:p>
+                <a:r>
+                  <a:rPr lang="de-DE" dirty="0">
+                    <a:solidFill>
+                      <a:schemeClr val="accent5"/>
+                    </a:solidFill>
+                    <a:latin typeface="+mj-lt"/>
+                  </a:rPr>
+                  <a:t>Container</a:t>
+                </a:r>
+              </a:p>
+            </p:txBody>
+          </p:sp>
+        </p:grpSp>
+      </p:grpSp>
+      <p:grpSp>
+        <p:nvGrpSpPr>
+          <p:cNvPr id="44" name="Gruppieren 43">
+            <a:extLst>
+              <a:ext uri="{FF2B5EF4-FFF2-40B4-BE49-F238E27FC236}">
+                <a16:creationId xmlns:a16="http://schemas.microsoft.com/office/drawing/2014/main" id="{A072F6A1-D9C6-14F2-BC17-3055808346E6}"/>
+              </a:ext>
+            </a:extLst>
+          </p:cNvPr>
+          <p:cNvGrpSpPr/>
+          <p:nvPr/>
+        </p:nvGrpSpPr>
+        <p:grpSpPr>
+          <a:xfrm>
+            <a:off x="7231708" y="4063142"/>
+            <a:ext cx="1758749" cy="1075010"/>
+            <a:chOff x="6287971" y="2765471"/>
+            <a:chExt cx="1758749" cy="1075010"/>
+          </a:xfrm>
+        </p:grpSpPr>
+        <p:sp>
+          <p:nvSpPr>
+            <p:cNvPr id="45" name="Rectangle: Rounded Corners 17">
+              <a:extLst>
+                <a:ext uri="{FF2B5EF4-FFF2-40B4-BE49-F238E27FC236}">
+                  <a16:creationId xmlns:a16="http://schemas.microsoft.com/office/drawing/2014/main" id="{3FD74779-274A-A921-5186-31BB6C6EDD52}"/>
+                </a:ext>
+              </a:extLst>
+            </p:cNvPr>
+            <p:cNvSpPr/>
+            <p:nvPr/>
+          </p:nvSpPr>
+          <p:spPr>
+            <a:xfrm rot="10800000" flipH="1" flipV="1">
+              <a:off x="6287971" y="2765471"/>
+              <a:ext cx="1758749" cy="1075010"/>
+            </a:xfrm>
+            <a:prstGeom prst="roundRect">
+              <a:avLst/>
+            </a:prstGeom>
+            <a:noFill/>
+            <a:ln>
+              <a:solidFill>
+                <a:srgbClr val="FF9900"/>
+              </a:solidFill>
+            </a:ln>
+          </p:spPr>
+          <p:style>
+            <a:lnRef idx="2">
+              <a:schemeClr val="accent1">
+                <a:shade val="50000"/>
+              </a:schemeClr>
+            </a:lnRef>
+            <a:fillRef idx="1">
+              <a:schemeClr val="accent1"/>
+            </a:fillRef>
+            <a:effectRef idx="0">
+              <a:schemeClr val="accent1"/>
+            </a:effectRef>
+            <a:fontRef idx="minor">
+              <a:schemeClr val="lt1"/>
+            </a:fontRef>
+          </p:style>
+          <p:txBody>
+            <a:bodyPr rtlCol="0" anchor="ctr"/>
+            <a:lstStyle/>
+            <a:p>
+              <a:pPr algn="ctr"/>
+              <a:endParaRPr lang="de-DE" dirty="0">
+                <a:solidFill>
+                  <a:schemeClr val="accent2"/>
+                </a:solidFill>
+              </a:endParaRPr>
+            </a:p>
+          </p:txBody>
+        </p:sp>
+        <p:sp>
+          <p:nvSpPr>
+            <p:cNvPr id="46" name="Textfeld 45">
+              <a:extLst>
+                <a:ext uri="{FF2B5EF4-FFF2-40B4-BE49-F238E27FC236}">
+                  <a16:creationId xmlns:a16="http://schemas.microsoft.com/office/drawing/2014/main" id="{70B6CB87-ED0D-6226-7EED-C6418D0C0493}"/>
+                </a:ext>
+              </a:extLst>
+            </p:cNvPr>
+            <p:cNvSpPr txBox="1"/>
+            <p:nvPr/>
+          </p:nvSpPr>
+          <p:spPr>
+            <a:xfrm>
+              <a:off x="6426062" y="2811567"/>
+              <a:ext cx="619539" cy="369332"/>
+            </a:xfrm>
+            <a:prstGeom prst="rect">
+              <a:avLst/>
+            </a:prstGeom>
+            <a:noFill/>
+          </p:spPr>
+          <p:txBody>
+            <a:bodyPr wrap="square" rtlCol="0">
+              <a:spAutoFit/>
+            </a:bodyPr>
+            <a:lstStyle/>
+            <a:p>
+              <a:r>
+                <a:rPr lang="de-DE" dirty="0">
+                  <a:solidFill>
+                    <a:schemeClr val="accent2"/>
+                  </a:solidFill>
+                  <a:latin typeface="+mj-lt"/>
+                </a:rPr>
+                <a:t>EC2</a:t>
+              </a:r>
+            </a:p>
+          </p:txBody>
+        </p:sp>
+        <p:grpSp>
+          <p:nvGrpSpPr>
+            <p:cNvPr id="47" name="Gruppieren 46">
+              <a:extLst>
+                <a:ext uri="{FF2B5EF4-FFF2-40B4-BE49-F238E27FC236}">
+                  <a16:creationId xmlns:a16="http://schemas.microsoft.com/office/drawing/2014/main" id="{D3FF6E01-BE48-27D5-69E8-0545CD7D298A}"/>
+                </a:ext>
+              </a:extLst>
+            </p:cNvPr>
+            <p:cNvGrpSpPr/>
+            <p:nvPr/>
+          </p:nvGrpSpPr>
+          <p:grpSpPr>
+            <a:xfrm>
+              <a:off x="6735828" y="3211833"/>
+              <a:ext cx="1180631" cy="511365"/>
+              <a:chOff x="2812113" y="3895644"/>
+              <a:chExt cx="1251209" cy="637041"/>
+            </a:xfrm>
+          </p:grpSpPr>
+          <p:sp>
+            <p:nvSpPr>
+              <p:cNvPr id="48" name="Rectangle: Rounded Corners 17">
+                <a:extLst>
+                  <a:ext uri="{FF2B5EF4-FFF2-40B4-BE49-F238E27FC236}">
+                    <a16:creationId xmlns:a16="http://schemas.microsoft.com/office/drawing/2014/main" id="{DA2AE152-2CD4-F97D-3DA1-F2E7E8B23591}"/>
+                  </a:ext>
+                </a:extLst>
+              </p:cNvPr>
+              <p:cNvSpPr/>
+              <p:nvPr/>
+            </p:nvSpPr>
+            <p:spPr>
+              <a:xfrm flipH="1" flipV="1">
+                <a:off x="2812113" y="3895644"/>
+                <a:ext cx="1251209" cy="637041"/>
+              </a:xfrm>
+              <a:prstGeom prst="roundRect">
+                <a:avLst/>
+              </a:prstGeom>
+              <a:noFill/>
+              <a:ln>
+                <a:solidFill>
+                  <a:srgbClr val="2088FE"/>
+                </a:solidFill>
+              </a:ln>
+            </p:spPr>
+            <p:style>
+              <a:lnRef idx="2">
+                <a:schemeClr val="accent1">
+                  <a:shade val="50000"/>
+                </a:schemeClr>
+              </a:lnRef>
+              <a:fillRef idx="1">
+                <a:schemeClr val="accent1"/>
+              </a:fillRef>
+              <a:effectRef idx="0">
+                <a:schemeClr val="accent1"/>
+              </a:effectRef>
+              <a:fontRef idx="minor">
+                <a:schemeClr val="lt1"/>
+              </a:fontRef>
+            </p:style>
+            <p:txBody>
+              <a:bodyPr rtlCol="0" anchor="ctr"/>
+              <a:lstStyle/>
+              <a:p>
+                <a:pPr algn="ctr"/>
+                <a:endParaRPr lang="de-DE"/>
+              </a:p>
+            </p:txBody>
+          </p:sp>
+          <p:sp>
+            <p:nvSpPr>
+              <p:cNvPr id="49" name="Textfeld 48">
+                <a:extLst>
+                  <a:ext uri="{FF2B5EF4-FFF2-40B4-BE49-F238E27FC236}">
+                    <a16:creationId xmlns:a16="http://schemas.microsoft.com/office/drawing/2014/main" id="{B52D5686-919D-E4BA-15D8-1F25BF2931E2}"/>
+                  </a:ext>
+                </a:extLst>
+              </p:cNvPr>
+              <p:cNvSpPr txBox="1"/>
+              <p:nvPr/>
+            </p:nvSpPr>
+            <p:spPr>
+              <a:xfrm>
+                <a:off x="2859824" y="3895646"/>
+                <a:ext cx="1152939" cy="369332"/>
+              </a:xfrm>
+              <a:prstGeom prst="rect">
+                <a:avLst/>
+              </a:prstGeom>
+              <a:noFill/>
+            </p:spPr>
+            <p:txBody>
+              <a:bodyPr wrap="square" rtlCol="0">
+                <a:spAutoFit/>
+              </a:bodyPr>
+              <a:lstStyle/>
+              <a:p>
+                <a:r>
+                  <a:rPr lang="de-DE" dirty="0">
+                    <a:solidFill>
+                      <a:schemeClr val="accent5"/>
+                    </a:solidFill>
+                    <a:latin typeface="+mj-lt"/>
+                  </a:rPr>
+                  <a:t>Container</a:t>
+                </a:r>
+              </a:p>
+            </p:txBody>
+          </p:sp>
+        </p:grpSp>
+      </p:grpSp>
+      <p:sp>
+        <p:nvSpPr>
+          <p:cNvPr id="50" name="Rectangle: Rounded Corners 17">
+            <a:extLst>
+              <a:ext uri="{FF2B5EF4-FFF2-40B4-BE49-F238E27FC236}">
+                <a16:creationId xmlns:a16="http://schemas.microsoft.com/office/drawing/2014/main" id="{FBFBF6B4-0B3E-D136-6148-F1BBE074626C}"/>
+              </a:ext>
+            </a:extLst>
+          </p:cNvPr>
+          <p:cNvSpPr/>
+          <p:nvPr/>
+        </p:nvSpPr>
+        <p:spPr>
+          <a:xfrm rot="10800000" flipH="1" flipV="1">
+            <a:off x="9280948" y="4344937"/>
+            <a:ext cx="1758749" cy="1075010"/>
+          </a:xfrm>
+          <a:prstGeom prst="roundRect">
+            <a:avLst/>
+          </a:prstGeom>
+          <a:noFill/>
+          <a:ln>
+            <a:solidFill>
+              <a:srgbClr val="FF9900"/>
+            </a:solidFill>
+          </a:ln>
+        </p:spPr>
+        <p:style>
+          <a:lnRef idx="2">
+            <a:schemeClr val="accent1">
+              <a:shade val="50000"/>
+            </a:schemeClr>
+          </a:lnRef>
+          <a:fillRef idx="1">
+            <a:schemeClr val="accent1"/>
+          </a:fillRef>
+          <a:effectRef idx="0">
+            <a:schemeClr val="accent1"/>
+          </a:effectRef>
+          <a:fontRef idx="minor">
+            <a:schemeClr val="lt1"/>
+          </a:fontRef>
+        </p:style>
+        <p:txBody>
+          <a:bodyPr rtlCol="0" anchor="ctr"/>
+          <a:lstStyle/>
+          <a:p>
+            <a:pPr algn="ctr"/>
+            <a:endParaRPr lang="de-DE" dirty="0">
+              <a:solidFill>
+                <a:schemeClr val="accent2"/>
+              </a:solidFill>
+            </a:endParaRPr>
+          </a:p>
+        </p:txBody>
+      </p:sp>
+      <p:sp>
+        <p:nvSpPr>
+          <p:cNvPr id="51" name="Textfeld 50">
+            <a:extLst>
+              <a:ext uri="{FF2B5EF4-FFF2-40B4-BE49-F238E27FC236}">
+                <a16:creationId xmlns:a16="http://schemas.microsoft.com/office/drawing/2014/main" id="{CF08CFF7-54AB-DD47-C094-C3040AEFEC19}"/>
+              </a:ext>
+            </a:extLst>
+          </p:cNvPr>
+          <p:cNvSpPr txBox="1"/>
+          <p:nvPr/>
+        </p:nvSpPr>
+        <p:spPr>
+          <a:xfrm>
+            <a:off x="9308053" y="4363322"/>
+            <a:ext cx="1121404" cy="369332"/>
+          </a:xfrm>
+          <a:prstGeom prst="rect">
+            <a:avLst/>
+          </a:prstGeom>
+          <a:noFill/>
+        </p:spPr>
+        <p:txBody>
+          <a:bodyPr wrap="square" rtlCol="0">
+            <a:spAutoFit/>
+          </a:bodyPr>
+          <a:lstStyle/>
+          <a:p>
+            <a:r>
+              <a:rPr lang="de-DE" dirty="0">
+                <a:solidFill>
+                  <a:schemeClr val="accent2"/>
+                </a:solidFill>
+                <a:latin typeface="+mj-lt"/>
+              </a:rPr>
+              <a:t>Database</a:t>
+            </a:r>
+          </a:p>
+        </p:txBody>
+      </p:sp>
+      <p:pic>
+        <p:nvPicPr>
+          <p:cNvPr id="52" name="Grafik 51" descr="Datenbank">
+            <a:extLst>
+              <a:ext uri="{FF2B5EF4-FFF2-40B4-BE49-F238E27FC236}">
+                <a16:creationId xmlns:a16="http://schemas.microsoft.com/office/drawing/2014/main" id="{594A872B-D77F-F6E3-5C59-5E8602B1D044}"/>
+              </a:ext>
+            </a:extLst>
+          </p:cNvPr>
+          <p:cNvPicPr>
+            <a:picLocks noChangeAspect="1"/>
+          </p:cNvPicPr>
+          <p:nvPr/>
+        </p:nvPicPr>
+        <p:blipFill>
+          <a:blip r:embed="rId5">
+            <a:extLst>
+              <a:ext uri="{28A0092B-C50C-407E-A947-70E740481C1C}">
+                <a14:useLocalDpi xmlns:a14="http://schemas.microsoft.com/office/drawing/2010/main" val="0"/>
+              </a:ext>
+              <a:ext uri="{96DAC541-7B7A-43D3-8B79-37D633B846F1}">
+                <asvg:svgBlip xmlns:asvg="http://schemas.microsoft.com/office/drawing/2016/SVG/main" r:embed="rId6"/>
+              </a:ext>
+            </a:extLst>
+          </a:blip>
+          <a:stretch>
+            <a:fillRect/>
+          </a:stretch>
+        </p:blipFill>
+        <p:spPr>
+          <a:xfrm>
+            <a:off x="10228028" y="4582477"/>
+            <a:ext cx="599929" cy="599929"/>
+          </a:xfrm>
+          <a:prstGeom prst="rect">
+            <a:avLst/>
+          </a:prstGeom>
+        </p:spPr>
+      </p:pic>
+    </p:spTree>
+    <p:extLst>
+      <p:ext uri="{BB962C8B-B14F-4D97-AF65-F5344CB8AC3E}">
+        <p14:creationId xmlns:p14="http://schemas.microsoft.com/office/powerpoint/2010/main" val="1230817463"/>
+      </p:ext>
+    </p:extLst>
+  </p:cSld>
+  <p:clrMapOvr>
+    <a:masterClrMapping/>
+  </p:clrMapOvr>
+</p:sld>
+</file>
+
+<file path=ppt/slides/slide28.xml><?xml version="1.0" encoding="utf-8"?>
+<p:sld xmlns:a="http://schemas.openxmlformats.org/drawingml/2006/main" xmlns:r="http://schemas.openxmlformats.org/officeDocument/2006/relationships" xmlns:p="http://schemas.openxmlformats.org/presentationml/2006/main" show="0">
+  <p:cSld>
+    <p:spTree>
+      <p:nvGrpSpPr>
+        <p:cNvPr id="1" name=""/>
+        <p:cNvGrpSpPr/>
+        <p:nvPr/>
+      </p:nvGrpSpPr>
+      <p:grpSpPr>
+        <a:xfrm>
+          <a:off x="0" y="0"/>
+          <a:ext cx="0" cy="0"/>
+          <a:chOff x="0" y="0"/>
+          <a:chExt cx="0" cy="0"/>
+        </a:xfrm>
+      </p:grpSpPr>
+      <p:sp>
+        <p:nvSpPr>
+          <p:cNvPr id="2" name="Titel 1">
+            <a:extLst>
+              <a:ext uri="{FF2B5EF4-FFF2-40B4-BE49-F238E27FC236}">
+                <a16:creationId xmlns:a16="http://schemas.microsoft.com/office/drawing/2014/main" id="{B65D7EC3-CD42-4551-8940-B2E7B1FA136C}"/>
+              </a:ext>
+            </a:extLst>
+          </p:cNvPr>
+          <p:cNvSpPr>
+            <a:spLocks noGrp="1"/>
+          </p:cNvSpPr>
+          <p:nvPr>
+            <p:ph type="title"/>
+          </p:nvPr>
+        </p:nvSpPr>
+        <p:spPr/>
+        <p:txBody>
+          <a:bodyPr/>
+          <a:lstStyle/>
+          <a:p>
+            <a:r>
+              <a:rPr lang="de-DE"/>
+              <a:t>Solution 1</a:t>
+            </a:r>
+            <a:endParaRPr lang="de-DE" dirty="0"/>
+          </a:p>
+        </p:txBody>
+      </p:sp>
+      <p:sp>
+        <p:nvSpPr>
+          <p:cNvPr id="4" name="Content Placeholder 3">
+            <a:extLst>
+              <a:ext uri="{FF2B5EF4-FFF2-40B4-BE49-F238E27FC236}">
+                <a16:creationId xmlns:a16="http://schemas.microsoft.com/office/drawing/2014/main" id="{2BF5D699-940E-4DE9-8183-FAB1BE315652}"/>
+              </a:ext>
+            </a:extLst>
+          </p:cNvPr>
+          <p:cNvSpPr>
+            <a:spLocks noGrp="1"/>
+          </p:cNvSpPr>
+          <p:nvPr>
+            <p:ph idx="1"/>
+          </p:nvPr>
+        </p:nvSpPr>
+        <p:spPr/>
+        <p:txBody>
+          <a:bodyPr/>
+          <a:lstStyle/>
+          <a:p>
+            <a:pPr marL="0" indent="0">
+              <a:buNone/>
+            </a:pPr>
+            <a:r>
+              <a:rPr lang="de-DE" dirty="0" err="1"/>
+              <a:t>Deployment</a:t>
+            </a:r>
+            <a:r>
+              <a:rPr lang="de-DE" dirty="0"/>
+              <a:t> via .</a:t>
+            </a:r>
+            <a:r>
+              <a:rPr lang="de-DE" dirty="0" err="1"/>
+              <a:t>zip</a:t>
+            </a:r>
+            <a:r>
+              <a:rPr lang="de-DE" dirty="0"/>
+              <a:t> link:</a:t>
+            </a:r>
+          </a:p>
+          <a:p>
+            <a:pPr marL="0" indent="0">
+              <a:buNone/>
+            </a:pPr>
+            <a:endParaRPr lang="de-DE" dirty="0"/>
+          </a:p>
+          <a:p>
+            <a:pPr marL="457200" lvl="1" indent="0">
+              <a:buNone/>
+            </a:pPr>
+            <a:r>
+              <a:rPr lang="de-DE" dirty="0"/>
+              <a:t>1) Installation of Docker and Docker </a:t>
+            </a:r>
+            <a:r>
+              <a:rPr lang="de-DE" dirty="0" err="1"/>
+              <a:t>Compose</a:t>
+            </a:r>
+            <a:r>
+              <a:rPr lang="de-DE" dirty="0"/>
+              <a:t> SSH </a:t>
+            </a:r>
+            <a:r>
+              <a:rPr lang="de-DE" dirty="0" err="1"/>
+              <a:t>to</a:t>
+            </a:r>
+            <a:r>
+              <a:rPr lang="de-DE" dirty="0"/>
+              <a:t> </a:t>
+            </a:r>
+            <a:r>
+              <a:rPr lang="de-DE" dirty="0" err="1"/>
+              <a:t>access</a:t>
+            </a:r>
+            <a:r>
+              <a:rPr lang="de-DE" dirty="0"/>
+              <a:t> EC2 </a:t>
+            </a:r>
+            <a:r>
+              <a:rPr lang="de-DE" dirty="0" err="1"/>
+              <a:t>instance</a:t>
+            </a:r>
+            <a:endParaRPr lang="de-DE" dirty="0"/>
+          </a:p>
+          <a:p>
+            <a:pPr lvl="1"/>
+            <a:r>
+              <a:rPr lang="de-DE" dirty="0"/>
+              <a:t>Installation of Docker and Docker </a:t>
+            </a:r>
+            <a:r>
+              <a:rPr lang="de-DE" dirty="0" err="1"/>
+              <a:t>Compose</a:t>
+            </a:r>
+            <a:r>
+              <a:rPr lang="de-DE" dirty="0"/>
+              <a:t> on EC2</a:t>
+            </a:r>
+          </a:p>
+          <a:p>
+            <a:pPr lvl="1"/>
+            <a:r>
+              <a:rPr lang="de-DE" dirty="0"/>
+              <a:t>Upload of </a:t>
+            </a:r>
+            <a:r>
+              <a:rPr lang="de-DE" dirty="0" err="1"/>
+              <a:t>application</a:t>
+            </a:r>
+            <a:r>
+              <a:rPr lang="de-DE" dirty="0"/>
+              <a:t> via .</a:t>
+            </a:r>
+            <a:r>
+              <a:rPr lang="de-DE" dirty="0" err="1"/>
+              <a:t>zip</a:t>
+            </a:r>
+            <a:r>
+              <a:rPr lang="de-DE" dirty="0"/>
+              <a:t> link </a:t>
+            </a:r>
+            <a:r>
+              <a:rPr lang="de-DE" dirty="0" err="1"/>
+              <a:t>from</a:t>
+            </a:r>
+            <a:r>
+              <a:rPr lang="de-DE" dirty="0"/>
+              <a:t> GitHub Repo </a:t>
+            </a:r>
+            <a:r>
+              <a:rPr lang="de-DE" dirty="0" err="1"/>
+              <a:t>to</a:t>
+            </a:r>
+            <a:r>
+              <a:rPr lang="de-DE" dirty="0"/>
+              <a:t> EC2</a:t>
+            </a:r>
+          </a:p>
+          <a:p>
+            <a:pPr lvl="1"/>
+            <a:r>
+              <a:rPr lang="de-DE" dirty="0"/>
+              <a:t>Docker-</a:t>
+            </a:r>
+            <a:r>
+              <a:rPr lang="de-DE" dirty="0" err="1"/>
+              <a:t>compose</a:t>
+            </a:r>
+            <a:r>
+              <a:rPr lang="de-DE" dirty="0"/>
+              <a:t> </a:t>
+            </a:r>
+            <a:r>
+              <a:rPr lang="de-DE" dirty="0" err="1"/>
+              <a:t>up</a:t>
+            </a:r>
+            <a:r>
+              <a:rPr lang="de-DE" dirty="0"/>
+              <a:t> on EC2</a:t>
+            </a:r>
+          </a:p>
+        </p:txBody>
+      </p:sp>
+    </p:spTree>
+    <p:extLst>
+      <p:ext uri="{BB962C8B-B14F-4D97-AF65-F5344CB8AC3E}">
+        <p14:creationId xmlns:p14="http://schemas.microsoft.com/office/powerpoint/2010/main" val="3653631288"/>
+      </p:ext>
+    </p:extLst>
+  </p:cSld>
+  <p:clrMapOvr>
+    <a:masterClrMapping/>
+  </p:clrMapOvr>
+</p:sld>
+</file>
+
+<file path=ppt/slides/slide29.xml><?xml version="1.0" encoding="utf-8"?>
+<p:sld xmlns:a="http://schemas.openxmlformats.org/drawingml/2006/main" xmlns:r="http://schemas.openxmlformats.org/officeDocument/2006/relationships" xmlns:p="http://schemas.openxmlformats.org/presentationml/2006/main" show="0">
+  <p:cSld>
+    <p:spTree>
+      <p:nvGrpSpPr>
+        <p:cNvPr id="1" name=""/>
+        <p:cNvGrpSpPr/>
+        <p:nvPr/>
+      </p:nvGrpSpPr>
+      <p:grpSpPr>
+        <a:xfrm>
+          <a:off x="0" y="0"/>
+          <a:ext cx="0" cy="0"/>
+          <a:chOff x="0" y="0"/>
+          <a:chExt cx="0" cy="0"/>
+        </a:xfrm>
+      </p:grpSpPr>
+      <p:sp>
+        <p:nvSpPr>
+          <p:cNvPr id="2" name="Titel 1">
+            <a:extLst>
+              <a:ext uri="{FF2B5EF4-FFF2-40B4-BE49-F238E27FC236}">
+                <a16:creationId xmlns:a16="http://schemas.microsoft.com/office/drawing/2014/main" id="{B65D7EC3-CD42-4551-8940-B2E7B1FA136C}"/>
+              </a:ext>
+            </a:extLst>
+          </p:cNvPr>
+          <p:cNvSpPr>
+            <a:spLocks noGrp="1"/>
+          </p:cNvSpPr>
+          <p:nvPr>
+            <p:ph type="title"/>
+          </p:nvPr>
+        </p:nvSpPr>
+        <p:spPr/>
+        <p:txBody>
+          <a:bodyPr/>
+          <a:lstStyle/>
+          <a:p>
+            <a:r>
+              <a:rPr lang="de-DE"/>
+              <a:t>Solution 2</a:t>
+            </a:r>
+            <a:endParaRPr lang="de-DE" dirty="0"/>
+          </a:p>
+        </p:txBody>
+      </p:sp>
+      <p:sp>
+        <p:nvSpPr>
+          <p:cNvPr id="4" name="Content Placeholder 3">
+            <a:extLst>
+              <a:ext uri="{FF2B5EF4-FFF2-40B4-BE49-F238E27FC236}">
+                <a16:creationId xmlns:a16="http://schemas.microsoft.com/office/drawing/2014/main" id="{2BF5D699-940E-4DE9-8183-FAB1BE315652}"/>
+              </a:ext>
+            </a:extLst>
+          </p:cNvPr>
+          <p:cNvSpPr>
+            <a:spLocks noGrp="1"/>
+          </p:cNvSpPr>
+          <p:nvPr>
+            <p:ph idx="1"/>
+          </p:nvPr>
+        </p:nvSpPr>
+        <p:spPr/>
+        <p:txBody>
+          <a:bodyPr/>
+          <a:lstStyle/>
+          <a:p>
+            <a:pPr marL="0" indent="0">
+              <a:buNone/>
+            </a:pPr>
+            <a:r>
+              <a:rPr lang="de-DE"/>
+              <a:t>Deployment via DockerHub:</a:t>
+            </a:r>
+          </a:p>
+          <a:p>
+            <a:pPr marL="0" indent="0">
+              <a:buNone/>
+            </a:pPr>
+            <a:endParaRPr lang="de-DE"/>
+          </a:p>
+          <a:p>
+            <a:pPr lvl="1"/>
+            <a:r>
+              <a:rPr lang="de-DE"/>
+              <a:t>1. workflow</a:t>
+            </a:r>
+          </a:p>
+          <a:p>
+            <a:pPr lvl="2"/>
+            <a:r>
+              <a:rPr lang="de-DE"/>
+              <a:t>Push images to DockerHub</a:t>
+            </a:r>
+          </a:p>
+          <a:p>
+            <a:pPr lvl="1"/>
+            <a:r>
+              <a:rPr lang="de-DE"/>
+              <a:t>2. workflow:</a:t>
+            </a:r>
+          </a:p>
+          <a:p>
+            <a:pPr lvl="2"/>
+            <a:r>
+              <a:rPr lang="de-DE"/>
+              <a:t>SSH to access EC2 instance</a:t>
+            </a:r>
+          </a:p>
+          <a:p>
+            <a:pPr lvl="2"/>
+            <a:r>
+              <a:rPr lang="de-DE"/>
+              <a:t>Installation of Docker and Docker Compose on EC2</a:t>
+            </a:r>
+          </a:p>
+          <a:p>
+            <a:pPr lvl="2"/>
+            <a:r>
+              <a:rPr lang="de-DE"/>
+              <a:t>Loading of images from DockerHub to EC2</a:t>
+            </a:r>
+          </a:p>
+          <a:p>
+            <a:pPr lvl="2"/>
+            <a:r>
+              <a:rPr lang="de-DE"/>
+              <a:t>Docker-compose up on EC2 with docker-compose.dockerhub.yml</a:t>
+            </a:r>
+          </a:p>
+        </p:txBody>
+      </p:sp>
+      <p:pic>
+        <p:nvPicPr>
+          <p:cNvPr id="5" name="Picture 4">
+            <a:extLst>
+              <a:ext uri="{FF2B5EF4-FFF2-40B4-BE49-F238E27FC236}">
+                <a16:creationId xmlns:a16="http://schemas.microsoft.com/office/drawing/2014/main" id="{0F114F07-129D-42EC-AD24-46C50F053298}"/>
+              </a:ext>
+            </a:extLst>
+          </p:cNvPr>
+          <p:cNvPicPr>
+            <a:picLocks noChangeAspect="1"/>
+          </p:cNvPicPr>
+          <p:nvPr/>
+        </p:nvPicPr>
+        <p:blipFill>
+          <a:blip r:embed="rId2"/>
+          <a:stretch>
+            <a:fillRect/>
+          </a:stretch>
+        </p:blipFill>
+        <p:spPr>
+          <a:xfrm>
+            <a:off x="7621708" y="2246038"/>
+            <a:ext cx="2791864" cy="780941"/>
+          </a:xfrm>
+          <a:prstGeom prst="rect">
+            <a:avLst/>
+          </a:prstGeom>
+        </p:spPr>
+      </p:pic>
+    </p:spTree>
+    <p:extLst>
+      <p:ext uri="{BB962C8B-B14F-4D97-AF65-F5344CB8AC3E}">
+        <p14:creationId xmlns:p14="http://schemas.microsoft.com/office/powerpoint/2010/main" val="3928375169"/>
       </p:ext>
     </p:extLst>
   </p:cSld>
@@ -13595,7 +18554,7 @@
             </a:r>
             <a:r>
               <a:rPr lang="de-DE" dirty="0"/>
-              <a:t> and Tools</a:t>
+              <a:t> &amp; Tools</a:t>
             </a:r>
           </a:p>
         </p:txBody>
@@ -13793,13 +18752,13 @@
           <p:nvPr/>
         </p:nvPicPr>
         <p:blipFill>
-          <a:blip r:embed="rId2">
+          <a:blip r:embed="rId3">
             <a:extLst>
               <a:ext uri="{28A0092B-C50C-407E-A947-70E740481C1C}">
                 <a14:useLocalDpi xmlns:a14="http://schemas.microsoft.com/office/drawing/2010/main" val="0"/>
               </a:ext>
               <a:ext uri="{96DAC541-7B7A-43D3-8B79-37D633B846F1}">
-                <asvg:svgBlip xmlns:asvg="http://schemas.microsoft.com/office/drawing/2016/SVG/main" r:embed="rId3"/>
+                <asvg:svgBlip xmlns:asvg="http://schemas.microsoft.com/office/drawing/2016/SVG/main" r:embed="rId4"/>
               </a:ext>
             </a:extLst>
           </a:blip>
@@ -13886,13 +18845,13 @@
           <p:nvPr/>
         </p:nvPicPr>
         <p:blipFill>
-          <a:blip r:embed="rId2">
+          <a:blip r:embed="rId3">
             <a:extLst>
               <a:ext uri="{28A0092B-C50C-407E-A947-70E740481C1C}">
                 <a14:useLocalDpi xmlns:a14="http://schemas.microsoft.com/office/drawing/2010/main" val="0"/>
               </a:ext>
               <a:ext uri="{96DAC541-7B7A-43D3-8B79-37D633B846F1}">
-                <asvg:svgBlip xmlns:asvg="http://schemas.microsoft.com/office/drawing/2016/SVG/main" r:embed="rId3"/>
+                <asvg:svgBlip xmlns:asvg="http://schemas.microsoft.com/office/drawing/2016/SVG/main" r:embed="rId4"/>
               </a:ext>
             </a:extLst>
           </a:blip>
@@ -13979,13 +18938,13 @@
           <p:nvPr/>
         </p:nvPicPr>
         <p:blipFill>
-          <a:blip r:embed="rId2">
+          <a:blip r:embed="rId3">
             <a:extLst>
               <a:ext uri="{28A0092B-C50C-407E-A947-70E740481C1C}">
                 <a14:useLocalDpi xmlns:a14="http://schemas.microsoft.com/office/drawing/2010/main" val="0"/>
               </a:ext>
               <a:ext uri="{96DAC541-7B7A-43D3-8B79-37D633B846F1}">
-                <asvg:svgBlip xmlns:asvg="http://schemas.microsoft.com/office/drawing/2016/SVG/main" r:embed="rId3"/>
+                <asvg:svgBlip xmlns:asvg="http://schemas.microsoft.com/office/drawing/2016/SVG/main" r:embed="rId4"/>
               </a:ext>
             </a:extLst>
           </a:blip>
@@ -14018,13 +18977,13 @@
           <p:nvPr/>
         </p:nvPicPr>
         <p:blipFill>
-          <a:blip r:embed="rId4">
+          <a:blip r:embed="rId5">
             <a:extLst>
               <a:ext uri="{28A0092B-C50C-407E-A947-70E740481C1C}">
                 <a14:useLocalDpi xmlns:a14="http://schemas.microsoft.com/office/drawing/2010/main" val="0"/>
               </a:ext>
               <a:ext uri="{96DAC541-7B7A-43D3-8B79-37D633B846F1}">
-                <asvg:svgBlip xmlns:asvg="http://schemas.microsoft.com/office/drawing/2016/SVG/main" r:embed="rId5"/>
+                <asvg:svgBlip xmlns:asvg="http://schemas.microsoft.com/office/drawing/2016/SVG/main" r:embed="rId6"/>
               </a:ext>
             </a:extLst>
           </a:blip>
@@ -14057,7 +19016,7 @@
           <p:nvPr/>
         </p:nvPicPr>
         <p:blipFill>
-          <a:blip r:embed="rId6">
+          <a:blip r:embed="rId7">
             <a:extLst>
               <a:ext uri="{28A0092B-C50C-407E-A947-70E740481C1C}">
                 <a14:useLocalDpi xmlns:a14="http://schemas.microsoft.com/office/drawing/2010/main" val="0"/>
@@ -14152,11 +19111,11 @@
           <p:nvPr/>
         </p:nvPicPr>
         <p:blipFill rotWithShape="1">
-          <a:blip r:embed="rId7">
+          <a:blip r:embed="rId8">
             <a:extLst>
               <a:ext uri="{BEBA8EAE-BF5A-486C-A8C5-ECC9F3942E4B}">
                 <a14:imgProps xmlns:a14="http://schemas.microsoft.com/office/drawing/2010/main">
-                  <a14:imgLayer r:embed="rId8">
+                  <a14:imgLayer r:embed="rId9">
                     <a14:imgEffect>
                       <a14:backgroundRemoval t="2885" b="62019" l="9877" r="90535">
                         <a14:foregroundMark x1="26337" y1="21635" x2="26337" y2="21635"/>
@@ -14258,13 +19217,13 @@
           <p:nvPr/>
         </p:nvPicPr>
         <p:blipFill>
-          <a:blip r:embed="rId9">
+          <a:blip r:embed="rId10">
             <a:extLst>
               <a:ext uri="{28A0092B-C50C-407E-A947-70E740481C1C}">
                 <a14:useLocalDpi xmlns:a14="http://schemas.microsoft.com/office/drawing/2010/main" val="0"/>
               </a:ext>
               <a:ext uri="{96DAC541-7B7A-43D3-8B79-37D633B846F1}">
-                <asvg:svgBlip xmlns:asvg="http://schemas.microsoft.com/office/drawing/2016/SVG/main" r:embed="rId10"/>
+                <asvg:svgBlip xmlns:asvg="http://schemas.microsoft.com/office/drawing/2016/SVG/main" r:embed="rId11"/>
               </a:ext>
             </a:extLst>
           </a:blip>
@@ -14297,11 +19256,11 @@
           <p:nvPr/>
         </p:nvPicPr>
         <p:blipFill rotWithShape="1">
-          <a:blip r:embed="rId7">
+          <a:blip r:embed="rId8">
             <a:extLst>
               <a:ext uri="{BEBA8EAE-BF5A-486C-A8C5-ECC9F3942E4B}">
                 <a14:imgProps xmlns:a14="http://schemas.microsoft.com/office/drawing/2010/main">
-                  <a14:imgLayer r:embed="rId8">
+                  <a14:imgLayer r:embed="rId9">
                     <a14:imgEffect>
                       <a14:backgroundRemoval t="2885" b="62019" l="9877" r="90535">
                         <a14:foregroundMark x1="26337" y1="21635" x2="26337" y2="21635"/>
@@ -14367,11 +19326,11 @@
           <p:nvPr/>
         </p:nvPicPr>
         <p:blipFill rotWithShape="1">
-          <a:blip r:embed="rId7">
+          <a:blip r:embed="rId8">
             <a:extLst>
               <a:ext uri="{BEBA8EAE-BF5A-486C-A8C5-ECC9F3942E4B}">
                 <a14:imgProps xmlns:a14="http://schemas.microsoft.com/office/drawing/2010/main">
-                  <a14:imgLayer r:embed="rId8">
+                  <a14:imgLayer r:embed="rId9">
                     <a14:imgEffect>
                       <a14:backgroundRemoval t="2885" b="62019" l="9877" r="90535">
                         <a14:foregroundMark x1="26337" y1="21635" x2="26337" y2="21635"/>
@@ -14437,11 +19396,11 @@
           <p:nvPr/>
         </p:nvPicPr>
         <p:blipFill rotWithShape="1">
-          <a:blip r:embed="rId7">
+          <a:blip r:embed="rId8">
             <a:extLst>
               <a:ext uri="{BEBA8EAE-BF5A-486C-A8C5-ECC9F3942E4B}">
                 <a14:imgProps xmlns:a14="http://schemas.microsoft.com/office/drawing/2010/main">
-                  <a14:imgLayer r:embed="rId8">
+                  <a14:imgLayer r:embed="rId9">
                     <a14:imgEffect>
                       <a14:backgroundRemoval t="2885" b="62019" l="9877" r="90535">
                         <a14:foregroundMark x1="26337" y1="21635" x2="26337" y2="21635"/>
@@ -14507,13 +19466,13 @@
           <p:nvPr/>
         </p:nvPicPr>
         <p:blipFill>
-          <a:blip r:embed="rId4">
+          <a:blip r:embed="rId5">
             <a:extLst>
               <a:ext uri="{28A0092B-C50C-407E-A947-70E740481C1C}">
                 <a14:useLocalDpi xmlns:a14="http://schemas.microsoft.com/office/drawing/2010/main" val="0"/>
               </a:ext>
               <a:ext uri="{96DAC541-7B7A-43D3-8B79-37D633B846F1}">
-                <asvg:svgBlip xmlns:asvg="http://schemas.microsoft.com/office/drawing/2016/SVG/main" r:embed="rId5"/>
+                <asvg:svgBlip xmlns:asvg="http://schemas.microsoft.com/office/drawing/2016/SVG/main" r:embed="rId6"/>
               </a:ext>
             </a:extLst>
           </a:blip>
@@ -14546,13 +19505,13 @@
           <p:nvPr/>
         </p:nvPicPr>
         <p:blipFill>
-          <a:blip r:embed="rId4">
+          <a:blip r:embed="rId5">
             <a:extLst>
               <a:ext uri="{28A0092B-C50C-407E-A947-70E740481C1C}">
                 <a14:useLocalDpi xmlns:a14="http://schemas.microsoft.com/office/drawing/2010/main" val="0"/>
               </a:ext>
               <a:ext uri="{96DAC541-7B7A-43D3-8B79-37D633B846F1}">
-                <asvg:svgBlip xmlns:asvg="http://schemas.microsoft.com/office/drawing/2016/SVG/main" r:embed="rId5"/>
+                <asvg:svgBlip xmlns:asvg="http://schemas.microsoft.com/office/drawing/2016/SVG/main" r:embed="rId6"/>
               </a:ext>
             </a:extLst>
           </a:blip>
@@ -15483,12 +20442,8 @@
           <a:lstStyle/>
           <a:p>
             <a:r>
-              <a:rPr lang="de-DE" dirty="0" err="1"/>
-              <a:t>Github</a:t>
-            </a:r>
-            <a:r>
-              <a:rPr lang="de-DE" dirty="0"/>
-              <a:t> Actions</a:t>
+              <a:rPr lang="de-DE" dirty="0"/>
+              <a:t>GitHub Actions</a:t>
             </a:r>
           </a:p>
         </p:txBody>
@@ -16345,6 +21300,45 @@
           </a:p>
         </p:txBody>
       </p:sp>
+      <p:pic>
+        <p:nvPicPr>
+          <p:cNvPr id="12" name="Grafik 11">
+            <a:extLst>
+              <a:ext uri="{FF2B5EF4-FFF2-40B4-BE49-F238E27FC236}">
+                <a16:creationId xmlns:a16="http://schemas.microsoft.com/office/drawing/2014/main" id="{24BDEA68-AAE7-7503-7A11-827F1DC471CE}"/>
+              </a:ext>
+            </a:extLst>
+          </p:cNvPr>
+          <p:cNvPicPr>
+            <a:picLocks noChangeAspect="1"/>
+          </p:cNvPicPr>
+          <p:nvPr/>
+        </p:nvPicPr>
+        <p:blipFill>
+          <a:blip r:embed="rId5">
+            <a:extLst>
+              <a:ext uri="{28A0092B-C50C-407E-A947-70E740481C1C}">
+                <a14:useLocalDpi xmlns:a14="http://schemas.microsoft.com/office/drawing/2010/main" val="0"/>
+              </a:ext>
+              <a:ext uri="{96DAC541-7B7A-43D3-8B79-37D633B846F1}">
+                <asvg:svgBlip xmlns:asvg="http://schemas.microsoft.com/office/drawing/2016/SVG/main" r:embed="rId6"/>
+              </a:ext>
+            </a:extLst>
+          </a:blip>
+          <a:stretch>
+            <a:fillRect/>
+          </a:stretch>
+        </p:blipFill>
+        <p:spPr>
+          <a:xfrm>
+            <a:off x="10329516" y="475933"/>
+            <a:ext cx="1024284" cy="1024284"/>
+          </a:xfrm>
+          <a:prstGeom prst="rect">
+            <a:avLst/>
+          </a:prstGeom>
+        </p:spPr>
+      </p:pic>
     </p:spTree>
     <p:extLst>
       <p:ext uri="{BB962C8B-B14F-4D97-AF65-F5344CB8AC3E}">
@@ -16781,6 +21775,45 @@
           <a:xfrm>
             <a:off x="4153057" y="3633774"/>
             <a:ext cx="426720" cy="426720"/>
+          </a:xfrm>
+          <a:prstGeom prst="rect">
+            <a:avLst/>
+          </a:prstGeom>
+        </p:spPr>
+      </p:pic>
+      <p:pic>
+        <p:nvPicPr>
+          <p:cNvPr id="11" name="Grafik 10">
+            <a:extLst>
+              <a:ext uri="{FF2B5EF4-FFF2-40B4-BE49-F238E27FC236}">
+                <a16:creationId xmlns:a16="http://schemas.microsoft.com/office/drawing/2014/main" id="{04D9AD02-C346-C8AC-2E02-9FC28BFC8220}"/>
+              </a:ext>
+            </a:extLst>
+          </p:cNvPr>
+          <p:cNvPicPr>
+            <a:picLocks noChangeAspect="1"/>
+          </p:cNvPicPr>
+          <p:nvPr/>
+        </p:nvPicPr>
+        <p:blipFill>
+          <a:blip r:embed="rId3">
+            <a:extLst>
+              <a:ext uri="{28A0092B-C50C-407E-A947-70E740481C1C}">
+                <a14:useLocalDpi xmlns:a14="http://schemas.microsoft.com/office/drawing/2010/main" val="0"/>
+              </a:ext>
+              <a:ext uri="{96DAC541-7B7A-43D3-8B79-37D633B846F1}">
+                <asvg:svgBlip xmlns:asvg="http://schemas.microsoft.com/office/drawing/2016/SVG/main" r:embed="rId4"/>
+              </a:ext>
+            </a:extLst>
+          </a:blip>
+          <a:stretch>
+            <a:fillRect/>
+          </a:stretch>
+        </p:blipFill>
+        <p:spPr>
+          <a:xfrm>
+            <a:off x="10329516" y="475933"/>
+            <a:ext cx="1024284" cy="1024284"/>
           </a:xfrm>
           <a:prstGeom prst="rect">
             <a:avLst/>
@@ -16863,7 +21896,7 @@
           </p:nvPr>
         </p:nvPicPr>
         <p:blipFill>
-          <a:blip r:embed="rId2"/>
+          <a:blip r:embed="rId3"/>
           <a:stretch>
             <a:fillRect/>
           </a:stretch>
@@ -16873,6 +21906,45 @@
             <a:off x="2749404" y="1595273"/>
             <a:ext cx="6693192" cy="4284676"/>
           </a:xfrm>
+        </p:spPr>
+      </p:pic>
+      <p:pic>
+        <p:nvPicPr>
+          <p:cNvPr id="4" name="Grafik 3">
+            <a:extLst>
+              <a:ext uri="{FF2B5EF4-FFF2-40B4-BE49-F238E27FC236}">
+                <a16:creationId xmlns:a16="http://schemas.microsoft.com/office/drawing/2014/main" id="{85FD773A-3B6E-D68C-DC58-65C750B48157}"/>
+              </a:ext>
+            </a:extLst>
+          </p:cNvPr>
+          <p:cNvPicPr>
+            <a:picLocks noChangeAspect="1"/>
+          </p:cNvPicPr>
+          <p:nvPr/>
+        </p:nvPicPr>
+        <p:blipFill>
+          <a:blip r:embed="rId4">
+            <a:extLst>
+              <a:ext uri="{28A0092B-C50C-407E-A947-70E740481C1C}">
+                <a14:useLocalDpi xmlns:a14="http://schemas.microsoft.com/office/drawing/2010/main" val="0"/>
+              </a:ext>
+              <a:ext uri="{96DAC541-7B7A-43D3-8B79-37D633B846F1}">
+                <asvg:svgBlip xmlns:asvg="http://schemas.microsoft.com/office/drawing/2016/SVG/main" r:embed="rId5"/>
+              </a:ext>
+            </a:extLst>
+          </a:blip>
+          <a:stretch>
+            <a:fillRect/>
+          </a:stretch>
+        </p:blipFill>
+        <p:spPr>
+          <a:xfrm>
+            <a:off x="10329516" y="475933"/>
+            <a:ext cx="1024284" cy="1024284"/>
+          </a:xfrm>
+          <a:prstGeom prst="rect">
+            <a:avLst/>
+          </a:prstGeom>
         </p:spPr>
       </p:pic>
     </p:spTree>
@@ -17839,6 +22911,36 @@
           </a:p>
         </p:txBody>
       </p:sp>
+      <p:pic>
+        <p:nvPicPr>
+          <p:cNvPr id="23" name="Picture 4">
+            <a:extLst>
+              <a:ext uri="{FF2B5EF4-FFF2-40B4-BE49-F238E27FC236}">
+                <a16:creationId xmlns:a16="http://schemas.microsoft.com/office/drawing/2014/main" id="{C4ABF16F-8FF6-B4B3-DF9B-9E021A162473}"/>
+              </a:ext>
+            </a:extLst>
+          </p:cNvPr>
+          <p:cNvPicPr>
+            <a:picLocks noChangeAspect="1"/>
+          </p:cNvPicPr>
+          <p:nvPr/>
+        </p:nvPicPr>
+        <p:blipFill>
+          <a:blip r:embed="rId3"/>
+          <a:stretch>
+            <a:fillRect/>
+          </a:stretch>
+        </p:blipFill>
+        <p:spPr>
+          <a:xfrm>
+            <a:off x="10274650" y="417951"/>
+            <a:ext cx="1079150" cy="1219909"/>
+          </a:xfrm>
+          <a:prstGeom prst="rect">
+            <a:avLst/>
+          </a:prstGeom>
+        </p:spPr>
+      </p:pic>
     </p:spTree>
     <p:extLst>
       <p:ext uri="{BB962C8B-B14F-4D97-AF65-F5344CB8AC3E}">

--- a/Project Presentation.pptx
+++ b/Project Presentation.pptx
@@ -6,7 +6,7 @@
     <p:sldMasterId id="2147483660" r:id="rId2"/>
   </p:sldMasterIdLst>
   <p:notesMasterIdLst>
-    <p:notesMasterId r:id="rId32"/>
+    <p:notesMasterId r:id="rId33"/>
   </p:notesMasterIdLst>
   <p:sldIdLst>
     <p:sldId id="256" r:id="rId3"/>
@@ -33,11 +33,12 @@
     <p:sldId id="304" r:id="rId24"/>
     <p:sldId id="305" r:id="rId25"/>
     <p:sldId id="302" r:id="rId26"/>
-    <p:sldId id="319" r:id="rId27"/>
-    <p:sldId id="323" r:id="rId28"/>
-    <p:sldId id="320" r:id="rId29"/>
-    <p:sldId id="300" r:id="rId30"/>
-    <p:sldId id="303" r:id="rId31"/>
+    <p:sldId id="324" r:id="rId27"/>
+    <p:sldId id="319" r:id="rId28"/>
+    <p:sldId id="323" r:id="rId29"/>
+    <p:sldId id="320" r:id="rId30"/>
+    <p:sldId id="300" r:id="rId31"/>
+    <p:sldId id="303" r:id="rId32"/>
   </p:sldIdLst>
   <p:sldSz cx="12192000" cy="6858000"/>
   <p:notesSz cx="6858000" cy="9144000"/>
@@ -818,7 +819,7 @@
           <a:p>
             <a:fld id="{5976870D-EDE0-4065-9108-FF08285B4E25}" type="slidenum">
               <a:rPr lang="de-DE" smtClean="0"/>
-              <a:t>27</a:t>
+              <a:t>28</a:t>
             </a:fld>
             <a:endParaRPr lang="de-DE"/>
           </a:p>
@@ -2287,7 +2288,7 @@
           <a:p>
             <a:fld id="{5976870D-EDE0-4065-9108-FF08285B4E25}" type="slidenum">
               <a:rPr lang="de-DE" smtClean="0"/>
-              <a:t>26</a:t>
+              <a:t>27</a:t>
             </a:fld>
             <a:endParaRPr lang="de-DE"/>
           </a:p>
@@ -15030,6 +15031,110 @@
             <p:ph type="ctrTitle"/>
           </p:nvPr>
         </p:nvSpPr>
+        <p:spPr>
+          <a:xfrm>
+            <a:off x="1524000" y="1432464"/>
+            <a:ext cx="9144000" cy="2387600"/>
+          </a:xfrm>
+        </p:spPr>
+        <p:txBody>
+          <a:bodyPr>
+            <a:normAutofit/>
+          </a:bodyPr>
+          <a:lstStyle/>
+          <a:p>
+            <a:r>
+              <a:rPr lang="de-DE" sz="2800" dirty="0"/>
+              <a:t>https://gitlab.inf.unibz.it/Jana.Karas/cloud-computing-project</a:t>
+            </a:r>
+          </a:p>
+        </p:txBody>
+      </p:sp>
+      <p:pic>
+        <p:nvPicPr>
+          <p:cNvPr id="6" name="Grafik 5">
+            <a:extLst>
+              <a:ext uri="{FF2B5EF4-FFF2-40B4-BE49-F238E27FC236}">
+                <a16:creationId xmlns:a16="http://schemas.microsoft.com/office/drawing/2014/main" id="{BFCBC996-5DE8-D3B6-4865-A2B9DF3908FF}"/>
+              </a:ext>
+            </a:extLst>
+          </p:cNvPr>
+          <p:cNvPicPr>
+            <a:picLocks noChangeAspect="1"/>
+          </p:cNvPicPr>
+          <p:nvPr/>
+        </p:nvPicPr>
+        <p:blipFill>
+          <a:blip r:embed="rId2">
+            <a:extLst>
+              <a:ext uri="{28A0092B-C50C-407E-A947-70E740481C1C}">
+                <a14:useLocalDpi xmlns:a14="http://schemas.microsoft.com/office/drawing/2010/main" val="0"/>
+              </a:ext>
+              <a:ext uri="{96DAC541-7B7A-43D3-8B79-37D633B846F1}">
+                <asvg:svgBlip xmlns:asvg="http://schemas.microsoft.com/office/drawing/2016/SVG/main" r:embed="rId3"/>
+              </a:ext>
+            </a:extLst>
+          </a:blip>
+          <a:stretch>
+            <a:fillRect/>
+          </a:stretch>
+        </p:blipFill>
+        <p:spPr>
+          <a:xfrm>
+            <a:off x="5583858" y="4133532"/>
+            <a:ext cx="1024284" cy="1024284"/>
+          </a:xfrm>
+          <a:prstGeom prst="rect">
+            <a:avLst/>
+          </a:prstGeom>
+        </p:spPr>
+      </p:pic>
+    </p:spTree>
+    <p:extLst>
+      <p:ext uri="{BB962C8B-B14F-4D97-AF65-F5344CB8AC3E}">
+        <p14:creationId xmlns:p14="http://schemas.microsoft.com/office/powerpoint/2010/main" val="1611829248"/>
+      </p:ext>
+    </p:extLst>
+  </p:cSld>
+  <p:clrMapOvr>
+    <a:masterClrMapping/>
+  </p:clrMapOvr>
+</p:sld>
+</file>
+
+<file path=ppt/slides/slide26.xml><?xml version="1.0" encoding="utf-8"?>
+<p:sld xmlns:a="http://schemas.openxmlformats.org/drawingml/2006/main" xmlns:r="http://schemas.openxmlformats.org/officeDocument/2006/relationships" xmlns:p="http://schemas.openxmlformats.org/presentationml/2006/main">
+  <p:cSld>
+    <p:spTree>
+      <p:nvGrpSpPr>
+        <p:cNvPr id="1" name=""/>
+        <p:cNvGrpSpPr/>
+        <p:nvPr/>
+      </p:nvGrpSpPr>
+      <p:grpSpPr>
+        <a:xfrm>
+          <a:off x="0" y="0"/>
+          <a:ext cx="0" cy="0"/>
+          <a:chOff x="0" y="0"/>
+          <a:chExt cx="0" cy="0"/>
+        </a:xfrm>
+      </p:grpSpPr>
+      <p:sp>
+        <p:nvSpPr>
+          <p:cNvPr id="2" name="Titel 1">
+            <a:extLst>
+              <a:ext uri="{FF2B5EF4-FFF2-40B4-BE49-F238E27FC236}">
+                <a16:creationId xmlns:a16="http://schemas.microsoft.com/office/drawing/2014/main" id="{423EE35B-33E3-42A0-BBDA-368E8D825D7E}"/>
+              </a:ext>
+            </a:extLst>
+          </p:cNvPr>
+          <p:cNvSpPr>
+            <a:spLocks noGrp="1"/>
+          </p:cNvSpPr>
+          <p:nvPr>
+            <p:ph type="ctrTitle"/>
+          </p:nvPr>
+        </p:nvSpPr>
         <p:spPr/>
         <p:txBody>
           <a:bodyPr/>
@@ -15085,7 +15190,7 @@
 </p:sld>
 </file>
 
-<file path=ppt/slides/slide26.xml><?xml version="1.0" encoding="utf-8"?>
+<file path=ppt/slides/slide27.xml><?xml version="1.0" encoding="utf-8"?>
 <p:sld xmlns:a="http://schemas.openxmlformats.org/drawingml/2006/main" xmlns:r="http://schemas.openxmlformats.org/officeDocument/2006/relationships" xmlns:p="http://schemas.openxmlformats.org/presentationml/2006/main">
   <p:cSld>
     <p:spTree>
@@ -16215,7 +16320,7 @@
 </p:sld>
 </file>
 
-<file path=ppt/slides/slide27.xml><?xml version="1.0" encoding="utf-8"?>
+<file path=ppt/slides/slide28.xml><?xml version="1.0" encoding="utf-8"?>
 <p:sld xmlns:a="http://schemas.openxmlformats.org/drawingml/2006/main" xmlns:r="http://schemas.openxmlformats.org/officeDocument/2006/relationships" xmlns:p="http://schemas.openxmlformats.org/presentationml/2006/main">
   <p:cSld>
     <p:spTree>
@@ -18100,229 +18205,6 @@
 </p:sld>
 </file>
 
-<file path=ppt/slides/slide28.xml><?xml version="1.0" encoding="utf-8"?>
-<p:sld xmlns:a="http://schemas.openxmlformats.org/drawingml/2006/main" xmlns:r="http://schemas.openxmlformats.org/officeDocument/2006/relationships" xmlns:p="http://schemas.openxmlformats.org/presentationml/2006/main" show="0">
-  <p:cSld>
-    <p:spTree>
-      <p:nvGrpSpPr>
-        <p:cNvPr id="1" name=""/>
-        <p:cNvGrpSpPr/>
-        <p:nvPr/>
-      </p:nvGrpSpPr>
-      <p:grpSpPr>
-        <a:xfrm>
-          <a:off x="0" y="0"/>
-          <a:ext cx="0" cy="0"/>
-          <a:chOff x="0" y="0"/>
-          <a:chExt cx="0" cy="0"/>
-        </a:xfrm>
-      </p:grpSpPr>
-      <p:sp>
-        <p:nvSpPr>
-          <p:cNvPr id="2" name="Titel 1">
-            <a:extLst>
-              <a:ext uri="{FF2B5EF4-FFF2-40B4-BE49-F238E27FC236}">
-                <a16:creationId xmlns:a16="http://schemas.microsoft.com/office/drawing/2014/main" id="{B65D7EC3-CD42-4551-8940-B2E7B1FA136C}"/>
-              </a:ext>
-            </a:extLst>
-          </p:cNvPr>
-          <p:cNvSpPr>
-            <a:spLocks noGrp="1"/>
-          </p:cNvSpPr>
-          <p:nvPr>
-            <p:ph type="title"/>
-          </p:nvPr>
-        </p:nvSpPr>
-        <p:spPr/>
-        <p:txBody>
-          <a:bodyPr/>
-          <a:lstStyle/>
-          <a:p>
-            <a:r>
-              <a:rPr lang="de-DE"/>
-              <a:t>Solution 1</a:t>
-            </a:r>
-            <a:endParaRPr lang="de-DE" dirty="0"/>
-          </a:p>
-        </p:txBody>
-      </p:sp>
-      <p:sp>
-        <p:nvSpPr>
-          <p:cNvPr id="4" name="Content Placeholder 3">
-            <a:extLst>
-              <a:ext uri="{FF2B5EF4-FFF2-40B4-BE49-F238E27FC236}">
-                <a16:creationId xmlns:a16="http://schemas.microsoft.com/office/drawing/2014/main" id="{2BF5D699-940E-4DE9-8183-FAB1BE315652}"/>
-              </a:ext>
-            </a:extLst>
-          </p:cNvPr>
-          <p:cNvSpPr>
-            <a:spLocks noGrp="1"/>
-          </p:cNvSpPr>
-          <p:nvPr>
-            <p:ph idx="1"/>
-          </p:nvPr>
-        </p:nvSpPr>
-        <p:spPr/>
-        <p:txBody>
-          <a:bodyPr/>
-          <a:lstStyle/>
-          <a:p>
-            <a:pPr marL="0" indent="0">
-              <a:buNone/>
-            </a:pPr>
-            <a:r>
-              <a:rPr lang="de-DE" dirty="0" err="1"/>
-              <a:t>Deployment</a:t>
-            </a:r>
-            <a:r>
-              <a:rPr lang="de-DE" dirty="0"/>
-              <a:t> via .</a:t>
-            </a:r>
-            <a:r>
-              <a:rPr lang="de-DE" dirty="0" err="1"/>
-              <a:t>zip</a:t>
-            </a:r>
-            <a:r>
-              <a:rPr lang="de-DE" dirty="0"/>
-              <a:t> link:</a:t>
-            </a:r>
-          </a:p>
-          <a:p>
-            <a:pPr marL="0" indent="0">
-              <a:buNone/>
-            </a:pPr>
-            <a:endParaRPr lang="de-DE" dirty="0"/>
-          </a:p>
-          <a:p>
-            <a:pPr marL="457200" lvl="1" indent="0">
-              <a:buNone/>
-            </a:pPr>
-            <a:r>
-              <a:rPr lang="de-DE" dirty="0"/>
-              <a:t>1) Installation of Docker and Docker </a:t>
-            </a:r>
-            <a:r>
-              <a:rPr lang="de-DE" dirty="0" err="1"/>
-              <a:t>Compose</a:t>
-            </a:r>
-            <a:r>
-              <a:rPr lang="de-DE" dirty="0"/>
-              <a:t> SSH </a:t>
-            </a:r>
-            <a:r>
-              <a:rPr lang="de-DE" dirty="0" err="1"/>
-              <a:t>to</a:t>
-            </a:r>
-            <a:r>
-              <a:rPr lang="de-DE" dirty="0"/>
-              <a:t> </a:t>
-            </a:r>
-            <a:r>
-              <a:rPr lang="de-DE" dirty="0" err="1"/>
-              <a:t>access</a:t>
-            </a:r>
-            <a:r>
-              <a:rPr lang="de-DE" dirty="0"/>
-              <a:t> EC2 </a:t>
-            </a:r>
-            <a:r>
-              <a:rPr lang="de-DE" dirty="0" err="1"/>
-              <a:t>instance</a:t>
-            </a:r>
-            <a:endParaRPr lang="de-DE" dirty="0"/>
-          </a:p>
-          <a:p>
-            <a:pPr lvl="1"/>
-            <a:r>
-              <a:rPr lang="de-DE" dirty="0"/>
-              <a:t>Installation of Docker and Docker </a:t>
-            </a:r>
-            <a:r>
-              <a:rPr lang="de-DE" dirty="0" err="1"/>
-              <a:t>Compose</a:t>
-            </a:r>
-            <a:r>
-              <a:rPr lang="de-DE" dirty="0"/>
-              <a:t> on EC2</a:t>
-            </a:r>
-          </a:p>
-          <a:p>
-            <a:pPr lvl="1"/>
-            <a:r>
-              <a:rPr lang="de-DE" dirty="0"/>
-              <a:t>Upload of </a:t>
-            </a:r>
-            <a:r>
-              <a:rPr lang="de-DE" dirty="0" err="1"/>
-              <a:t>application</a:t>
-            </a:r>
-            <a:r>
-              <a:rPr lang="de-DE" dirty="0"/>
-              <a:t> via .</a:t>
-            </a:r>
-            <a:r>
-              <a:rPr lang="de-DE" dirty="0" err="1"/>
-              <a:t>zip</a:t>
-            </a:r>
-            <a:r>
-              <a:rPr lang="de-DE" dirty="0"/>
-              <a:t> link </a:t>
-            </a:r>
-            <a:r>
-              <a:rPr lang="de-DE" dirty="0" err="1"/>
-              <a:t>from</a:t>
-            </a:r>
-            <a:r>
-              <a:rPr lang="de-DE" dirty="0"/>
-              <a:t> GitHub Repo </a:t>
-            </a:r>
-            <a:r>
-              <a:rPr lang="de-DE" dirty="0" err="1"/>
-              <a:t>to</a:t>
-            </a:r>
-            <a:r>
-              <a:rPr lang="de-DE" dirty="0"/>
-              <a:t> EC2</a:t>
-            </a:r>
-          </a:p>
-          <a:p>
-            <a:pPr lvl="1"/>
-            <a:r>
-              <a:rPr lang="de-DE" dirty="0"/>
-              <a:t>Docker-</a:t>
-            </a:r>
-            <a:r>
-              <a:rPr lang="de-DE" dirty="0" err="1"/>
-              <a:t>compose</a:t>
-            </a:r>
-            <a:r>
-              <a:rPr lang="de-DE" dirty="0"/>
-              <a:t> </a:t>
-            </a:r>
-            <a:r>
-              <a:rPr lang="de-DE" dirty="0" err="1"/>
-              <a:t>up</a:t>
-            </a:r>
-            <a:r>
-              <a:rPr lang="de-DE" dirty="0"/>
-              <a:t> on EC2</a:t>
-            </a:r>
-          </a:p>
-        </p:txBody>
-      </p:sp>
-    </p:spTree>
-    <p:extLst>
-      <p:ext uri="{BB962C8B-B14F-4D97-AF65-F5344CB8AC3E}">
-        <p14:creationId xmlns:p14="http://schemas.microsoft.com/office/powerpoint/2010/main" val="3653631288"/>
-      </p:ext>
-    </p:extLst>
-  </p:cSld>
-  <p:clrMapOvr>
-    <a:masterClrMapping/>
-  </p:clrMapOvr>
-</p:sld>
-</file>
-
 <file path=ppt/slides/slide29.xml><?xml version="1.0" encoding="utf-8"?>
 <p:sld xmlns:a="http://schemas.openxmlformats.org/drawingml/2006/main" xmlns:r="http://schemas.openxmlformats.org/officeDocument/2006/relationships" xmlns:p="http://schemas.openxmlformats.org/presentationml/2006/main" show="0">
   <p:cSld>
@@ -18363,7 +18245,7 @@
           <a:p>
             <a:r>
               <a:rPr lang="de-DE"/>
-              <a:t>Solution 2</a:t>
+              <a:t>Solution 1</a:t>
             </a:r>
             <a:endParaRPr lang="de-DE" dirty="0"/>
           </a:p>
@@ -18394,101 +18276,149 @@
               <a:buNone/>
             </a:pPr>
             <a:r>
-              <a:rPr lang="de-DE"/>
-              <a:t>Deployment via DockerHub:</a:t>
+              <a:rPr lang="de-DE" dirty="0" err="1"/>
+              <a:t>Deployment</a:t>
+            </a:r>
+            <a:r>
+              <a:rPr lang="de-DE" dirty="0"/>
+              <a:t> via .</a:t>
+            </a:r>
+            <a:r>
+              <a:rPr lang="de-DE" dirty="0" err="1"/>
+              <a:t>zip</a:t>
+            </a:r>
+            <a:r>
+              <a:rPr lang="de-DE" dirty="0"/>
+              <a:t> link:</a:t>
             </a:r>
           </a:p>
           <a:p>
             <a:pPr marL="0" indent="0">
               <a:buNone/>
             </a:pPr>
-            <a:endParaRPr lang="de-DE"/>
+            <a:endParaRPr lang="de-DE" dirty="0"/>
+          </a:p>
+          <a:p>
+            <a:pPr marL="457200" lvl="1" indent="0">
+              <a:buNone/>
+            </a:pPr>
+            <a:r>
+              <a:rPr lang="de-DE" dirty="0"/>
+              <a:t>1) Installation of Docker and Docker </a:t>
+            </a:r>
+            <a:r>
+              <a:rPr lang="de-DE" dirty="0" err="1"/>
+              <a:t>Compose</a:t>
+            </a:r>
+            <a:r>
+              <a:rPr lang="de-DE" dirty="0"/>
+              <a:t> SSH </a:t>
+            </a:r>
+            <a:r>
+              <a:rPr lang="de-DE" dirty="0" err="1"/>
+              <a:t>to</a:t>
+            </a:r>
+            <a:r>
+              <a:rPr lang="de-DE" dirty="0"/>
+              <a:t> </a:t>
+            </a:r>
+            <a:r>
+              <a:rPr lang="de-DE" dirty="0" err="1"/>
+              <a:t>access</a:t>
+            </a:r>
+            <a:r>
+              <a:rPr lang="de-DE" dirty="0"/>
+              <a:t> EC2 </a:t>
+            </a:r>
+            <a:r>
+              <a:rPr lang="de-DE" dirty="0" err="1"/>
+              <a:t>instance</a:t>
+            </a:r>
+            <a:endParaRPr lang="de-DE" dirty="0"/>
           </a:p>
           <a:p>
             <a:pPr lvl="1"/>
             <a:r>
-              <a:rPr lang="de-DE"/>
-              <a:t>1. workflow</a:t>
-            </a:r>
-          </a:p>
-          <a:p>
-            <a:pPr lvl="2"/>
-            <a:r>
-              <a:rPr lang="de-DE"/>
-              <a:t>Push images to DockerHub</a:t>
+              <a:rPr lang="de-DE" dirty="0"/>
+              <a:t>Installation of Docker and Docker </a:t>
+            </a:r>
+            <a:r>
+              <a:rPr lang="de-DE" dirty="0" err="1"/>
+              <a:t>Compose</a:t>
+            </a:r>
+            <a:r>
+              <a:rPr lang="de-DE" dirty="0"/>
+              <a:t> on EC2</a:t>
             </a:r>
           </a:p>
           <a:p>
             <a:pPr lvl="1"/>
             <a:r>
-              <a:rPr lang="de-DE"/>
-              <a:t>2. workflow:</a:t>
-            </a:r>
-          </a:p>
-          <a:p>
-            <a:pPr lvl="2"/>
-            <a:r>
-              <a:rPr lang="de-DE"/>
-              <a:t>SSH to access EC2 instance</a:t>
-            </a:r>
-          </a:p>
-          <a:p>
-            <a:pPr lvl="2"/>
-            <a:r>
-              <a:rPr lang="de-DE"/>
-              <a:t>Installation of Docker and Docker Compose on EC2</a:t>
-            </a:r>
-          </a:p>
-          <a:p>
-            <a:pPr lvl="2"/>
-            <a:r>
-              <a:rPr lang="de-DE"/>
-              <a:t>Loading of images from DockerHub to EC2</a:t>
-            </a:r>
-          </a:p>
-          <a:p>
-            <a:pPr lvl="2"/>
-            <a:r>
-              <a:rPr lang="de-DE"/>
-              <a:t>Docker-compose up on EC2 with docker-compose.dockerhub.yml</a:t>
-            </a:r>
-          </a:p>
-        </p:txBody>
-      </p:sp>
-      <p:pic>
-        <p:nvPicPr>
-          <p:cNvPr id="5" name="Picture 4">
-            <a:extLst>
-              <a:ext uri="{FF2B5EF4-FFF2-40B4-BE49-F238E27FC236}">
-                <a16:creationId xmlns:a16="http://schemas.microsoft.com/office/drawing/2014/main" id="{0F114F07-129D-42EC-AD24-46C50F053298}"/>
-              </a:ext>
-            </a:extLst>
-          </p:cNvPr>
-          <p:cNvPicPr>
-            <a:picLocks noChangeAspect="1"/>
-          </p:cNvPicPr>
-          <p:nvPr/>
-        </p:nvPicPr>
-        <p:blipFill>
-          <a:blip r:embed="rId2"/>
-          <a:stretch>
-            <a:fillRect/>
-          </a:stretch>
-        </p:blipFill>
-        <p:spPr>
-          <a:xfrm>
-            <a:off x="7621708" y="2246038"/>
-            <a:ext cx="2791864" cy="780941"/>
-          </a:xfrm>
-          <a:prstGeom prst="rect">
-            <a:avLst/>
-          </a:prstGeom>
-        </p:spPr>
-      </p:pic>
+              <a:rPr lang="de-DE" dirty="0"/>
+              <a:t>Upload of </a:t>
+            </a:r>
+            <a:r>
+              <a:rPr lang="de-DE" dirty="0" err="1"/>
+              <a:t>application</a:t>
+            </a:r>
+            <a:r>
+              <a:rPr lang="de-DE" dirty="0"/>
+              <a:t> via .</a:t>
+            </a:r>
+            <a:r>
+              <a:rPr lang="de-DE" dirty="0" err="1"/>
+              <a:t>zip</a:t>
+            </a:r>
+            <a:r>
+              <a:rPr lang="de-DE" dirty="0"/>
+              <a:t> link </a:t>
+            </a:r>
+            <a:r>
+              <a:rPr lang="de-DE" dirty="0" err="1"/>
+              <a:t>from</a:t>
+            </a:r>
+            <a:r>
+              <a:rPr lang="de-DE" dirty="0"/>
+              <a:t> GitHub Repo </a:t>
+            </a:r>
+            <a:r>
+              <a:rPr lang="de-DE" dirty="0" err="1"/>
+              <a:t>to</a:t>
+            </a:r>
+            <a:r>
+              <a:rPr lang="de-DE" dirty="0"/>
+              <a:t> EC2</a:t>
+            </a:r>
+          </a:p>
+          <a:p>
+            <a:pPr lvl="1"/>
+            <a:r>
+              <a:rPr lang="de-DE" dirty="0"/>
+              <a:t>Docker-</a:t>
+            </a:r>
+            <a:r>
+              <a:rPr lang="de-DE" dirty="0" err="1"/>
+              <a:t>compose</a:t>
+            </a:r>
+            <a:r>
+              <a:rPr lang="de-DE" dirty="0"/>
+              <a:t> </a:t>
+            </a:r>
+            <a:r>
+              <a:rPr lang="de-DE" dirty="0" err="1"/>
+              <a:t>up</a:t>
+            </a:r>
+            <a:r>
+              <a:rPr lang="de-DE" dirty="0"/>
+              <a:t> on EC2</a:t>
+            </a:r>
+          </a:p>
+        </p:txBody>
+      </p:sp>
     </p:spTree>
     <p:extLst>
       <p:ext uri="{BB962C8B-B14F-4D97-AF65-F5344CB8AC3E}">
-        <p14:creationId xmlns:p14="http://schemas.microsoft.com/office/powerpoint/2010/main" val="3928375169"/>
+        <p14:creationId xmlns:p14="http://schemas.microsoft.com/office/powerpoint/2010/main" val="3653631288"/>
       </p:ext>
     </p:extLst>
   </p:cSld>
@@ -18588,6 +18518,181 @@
     <p:extLst>
       <p:ext uri="{BB962C8B-B14F-4D97-AF65-F5344CB8AC3E}">
         <p14:creationId xmlns:p14="http://schemas.microsoft.com/office/powerpoint/2010/main" val="1443446330"/>
+      </p:ext>
+    </p:extLst>
+  </p:cSld>
+  <p:clrMapOvr>
+    <a:masterClrMapping/>
+  </p:clrMapOvr>
+</p:sld>
+</file>
+
+<file path=ppt/slides/slide30.xml><?xml version="1.0" encoding="utf-8"?>
+<p:sld xmlns:a="http://schemas.openxmlformats.org/drawingml/2006/main" xmlns:r="http://schemas.openxmlformats.org/officeDocument/2006/relationships" xmlns:p="http://schemas.openxmlformats.org/presentationml/2006/main" show="0">
+  <p:cSld>
+    <p:spTree>
+      <p:nvGrpSpPr>
+        <p:cNvPr id="1" name=""/>
+        <p:cNvGrpSpPr/>
+        <p:nvPr/>
+      </p:nvGrpSpPr>
+      <p:grpSpPr>
+        <a:xfrm>
+          <a:off x="0" y="0"/>
+          <a:ext cx="0" cy="0"/>
+          <a:chOff x="0" y="0"/>
+          <a:chExt cx="0" cy="0"/>
+        </a:xfrm>
+      </p:grpSpPr>
+      <p:sp>
+        <p:nvSpPr>
+          <p:cNvPr id="2" name="Titel 1">
+            <a:extLst>
+              <a:ext uri="{FF2B5EF4-FFF2-40B4-BE49-F238E27FC236}">
+                <a16:creationId xmlns:a16="http://schemas.microsoft.com/office/drawing/2014/main" id="{B65D7EC3-CD42-4551-8940-B2E7B1FA136C}"/>
+              </a:ext>
+            </a:extLst>
+          </p:cNvPr>
+          <p:cNvSpPr>
+            <a:spLocks noGrp="1"/>
+          </p:cNvSpPr>
+          <p:nvPr>
+            <p:ph type="title"/>
+          </p:nvPr>
+        </p:nvSpPr>
+        <p:spPr/>
+        <p:txBody>
+          <a:bodyPr/>
+          <a:lstStyle/>
+          <a:p>
+            <a:r>
+              <a:rPr lang="de-DE"/>
+              <a:t>Solution 2</a:t>
+            </a:r>
+            <a:endParaRPr lang="de-DE" dirty="0"/>
+          </a:p>
+        </p:txBody>
+      </p:sp>
+      <p:sp>
+        <p:nvSpPr>
+          <p:cNvPr id="4" name="Content Placeholder 3">
+            <a:extLst>
+              <a:ext uri="{FF2B5EF4-FFF2-40B4-BE49-F238E27FC236}">
+                <a16:creationId xmlns:a16="http://schemas.microsoft.com/office/drawing/2014/main" id="{2BF5D699-940E-4DE9-8183-FAB1BE315652}"/>
+              </a:ext>
+            </a:extLst>
+          </p:cNvPr>
+          <p:cNvSpPr>
+            <a:spLocks noGrp="1"/>
+          </p:cNvSpPr>
+          <p:nvPr>
+            <p:ph idx="1"/>
+          </p:nvPr>
+        </p:nvSpPr>
+        <p:spPr/>
+        <p:txBody>
+          <a:bodyPr/>
+          <a:lstStyle/>
+          <a:p>
+            <a:pPr marL="0" indent="0">
+              <a:buNone/>
+            </a:pPr>
+            <a:r>
+              <a:rPr lang="de-DE"/>
+              <a:t>Deployment via DockerHub:</a:t>
+            </a:r>
+          </a:p>
+          <a:p>
+            <a:pPr marL="0" indent="0">
+              <a:buNone/>
+            </a:pPr>
+            <a:endParaRPr lang="de-DE"/>
+          </a:p>
+          <a:p>
+            <a:pPr lvl="1"/>
+            <a:r>
+              <a:rPr lang="de-DE"/>
+              <a:t>1. workflow</a:t>
+            </a:r>
+          </a:p>
+          <a:p>
+            <a:pPr lvl="2"/>
+            <a:r>
+              <a:rPr lang="de-DE"/>
+              <a:t>Push images to DockerHub</a:t>
+            </a:r>
+          </a:p>
+          <a:p>
+            <a:pPr lvl="1"/>
+            <a:r>
+              <a:rPr lang="de-DE"/>
+              <a:t>2. workflow:</a:t>
+            </a:r>
+          </a:p>
+          <a:p>
+            <a:pPr lvl="2"/>
+            <a:r>
+              <a:rPr lang="de-DE"/>
+              <a:t>SSH to access EC2 instance</a:t>
+            </a:r>
+          </a:p>
+          <a:p>
+            <a:pPr lvl="2"/>
+            <a:r>
+              <a:rPr lang="de-DE"/>
+              <a:t>Installation of Docker and Docker Compose on EC2</a:t>
+            </a:r>
+          </a:p>
+          <a:p>
+            <a:pPr lvl="2"/>
+            <a:r>
+              <a:rPr lang="de-DE"/>
+              <a:t>Loading of images from DockerHub to EC2</a:t>
+            </a:r>
+          </a:p>
+          <a:p>
+            <a:pPr lvl="2"/>
+            <a:r>
+              <a:rPr lang="de-DE"/>
+              <a:t>Docker-compose up on EC2 with docker-compose.dockerhub.yml</a:t>
+            </a:r>
+          </a:p>
+        </p:txBody>
+      </p:sp>
+      <p:pic>
+        <p:nvPicPr>
+          <p:cNvPr id="5" name="Picture 4">
+            <a:extLst>
+              <a:ext uri="{FF2B5EF4-FFF2-40B4-BE49-F238E27FC236}">
+                <a16:creationId xmlns:a16="http://schemas.microsoft.com/office/drawing/2014/main" id="{0F114F07-129D-42EC-AD24-46C50F053298}"/>
+              </a:ext>
+            </a:extLst>
+          </p:cNvPr>
+          <p:cNvPicPr>
+            <a:picLocks noChangeAspect="1"/>
+          </p:cNvPicPr>
+          <p:nvPr/>
+        </p:nvPicPr>
+        <p:blipFill>
+          <a:blip r:embed="rId2"/>
+          <a:stretch>
+            <a:fillRect/>
+          </a:stretch>
+        </p:blipFill>
+        <p:spPr>
+          <a:xfrm>
+            <a:off x="7621708" y="2246038"/>
+            <a:ext cx="2791864" cy="780941"/>
+          </a:xfrm>
+          <a:prstGeom prst="rect">
+            <a:avLst/>
+          </a:prstGeom>
+        </p:spPr>
+      </p:pic>
+    </p:spTree>
+    <p:extLst>
+      <p:ext uri="{BB962C8B-B14F-4D97-AF65-F5344CB8AC3E}">
+        <p14:creationId xmlns:p14="http://schemas.microsoft.com/office/powerpoint/2010/main" val="3928375169"/>
       </p:ext>
     </p:extLst>
   </p:cSld>

--- a/Project Presentation.pptx
+++ b/Project Presentation.pptx
@@ -6,7 +6,7 @@
     <p:sldMasterId id="2147483660" r:id="rId2"/>
   </p:sldMasterIdLst>
   <p:notesMasterIdLst>
-    <p:notesMasterId r:id="rId33"/>
+    <p:notesMasterId r:id="rId34"/>
   </p:notesMasterIdLst>
   <p:sldIdLst>
     <p:sldId id="256" r:id="rId3"/>
@@ -17,28 +17,29 @@
     <p:sldId id="310" r:id="rId8"/>
     <p:sldId id="258" r:id="rId9"/>
     <p:sldId id="311" r:id="rId10"/>
-    <p:sldId id="312" r:id="rId11"/>
-    <p:sldId id="299" r:id="rId12"/>
-    <p:sldId id="313" r:id="rId13"/>
-    <p:sldId id="307" r:id="rId14"/>
-    <p:sldId id="272" r:id="rId15"/>
-    <p:sldId id="314" r:id="rId16"/>
-    <p:sldId id="316" r:id="rId17"/>
-    <p:sldId id="318" r:id="rId18"/>
-    <p:sldId id="309" r:id="rId19"/>
-    <p:sldId id="315" r:id="rId20"/>
-    <p:sldId id="321" r:id="rId21"/>
-    <p:sldId id="317" r:id="rId22"/>
-    <p:sldId id="322" r:id="rId23"/>
-    <p:sldId id="304" r:id="rId24"/>
-    <p:sldId id="305" r:id="rId25"/>
-    <p:sldId id="302" r:id="rId26"/>
-    <p:sldId id="324" r:id="rId27"/>
-    <p:sldId id="319" r:id="rId28"/>
-    <p:sldId id="323" r:id="rId29"/>
-    <p:sldId id="320" r:id="rId30"/>
-    <p:sldId id="300" r:id="rId31"/>
-    <p:sldId id="303" r:id="rId32"/>
+    <p:sldId id="325" r:id="rId11"/>
+    <p:sldId id="312" r:id="rId12"/>
+    <p:sldId id="299" r:id="rId13"/>
+    <p:sldId id="313" r:id="rId14"/>
+    <p:sldId id="307" r:id="rId15"/>
+    <p:sldId id="272" r:id="rId16"/>
+    <p:sldId id="314" r:id="rId17"/>
+    <p:sldId id="316" r:id="rId18"/>
+    <p:sldId id="318" r:id="rId19"/>
+    <p:sldId id="309" r:id="rId20"/>
+    <p:sldId id="315" r:id="rId21"/>
+    <p:sldId id="321" r:id="rId22"/>
+    <p:sldId id="317" r:id="rId23"/>
+    <p:sldId id="322" r:id="rId24"/>
+    <p:sldId id="304" r:id="rId25"/>
+    <p:sldId id="305" r:id="rId26"/>
+    <p:sldId id="302" r:id="rId27"/>
+    <p:sldId id="324" r:id="rId28"/>
+    <p:sldId id="319" r:id="rId29"/>
+    <p:sldId id="323" r:id="rId30"/>
+    <p:sldId id="320" r:id="rId31"/>
+    <p:sldId id="300" r:id="rId32"/>
+    <p:sldId id="303" r:id="rId33"/>
   </p:sldIdLst>
   <p:sldSz cx="12192000" cy="6858000"/>
   <p:notesSz cx="6858000" cy="9144000"/>
@@ -385,7 +386,7 @@
           <a:p>
             <a:fld id="{5976870D-EDE0-4065-9108-FF08285B4E25}" type="slidenum">
               <a:rPr lang="de-DE" smtClean="0"/>
-              <a:t>‹Nr.›</a:t>
+              <a:t>‹#›</a:t>
             </a:fld>
             <a:endParaRPr lang="de-DE"/>
           </a:p>
@@ -819,7 +820,7 @@
           <a:p>
             <a:fld id="{5976870D-EDE0-4065-9108-FF08285B4E25}" type="slidenum">
               <a:rPr lang="de-DE" smtClean="0"/>
-              <a:t>28</a:t>
+              <a:t>29</a:t>
             </a:fld>
             <a:endParaRPr lang="de-DE"/>
           </a:p>
@@ -1430,7 +1431,7 @@
           <a:p>
             <a:fld id="{5976870D-EDE0-4065-9108-FF08285B4E25}" type="slidenum">
               <a:rPr lang="de-DE" smtClean="0"/>
-              <a:t>10</a:t>
+              <a:t>11</a:t>
             </a:fld>
             <a:endParaRPr lang="de-DE"/>
           </a:p>
@@ -1597,7 +1598,7 @@
           <a:p>
             <a:fld id="{5976870D-EDE0-4065-9108-FF08285B4E25}" type="slidenum">
               <a:rPr lang="de-DE" smtClean="0"/>
-              <a:t>12</a:t>
+              <a:t>13</a:t>
             </a:fld>
             <a:endParaRPr lang="de-DE"/>
           </a:p>
@@ -1745,7 +1746,7 @@
           <a:p>
             <a:fld id="{5976870D-EDE0-4065-9108-FF08285B4E25}" type="slidenum">
               <a:rPr lang="de-DE" smtClean="0"/>
-              <a:t>17</a:t>
+              <a:t>18</a:t>
             </a:fld>
             <a:endParaRPr lang="de-DE"/>
           </a:p>
@@ -1944,7 +1945,7 @@
           <a:p>
             <a:fld id="{5976870D-EDE0-4065-9108-FF08285B4E25}" type="slidenum">
               <a:rPr lang="de-DE" smtClean="0"/>
-              <a:t>22</a:t>
+              <a:t>23</a:t>
             </a:fld>
             <a:endParaRPr lang="de-DE"/>
           </a:p>
@@ -2028,7 +2029,7 @@
           <a:p>
             <a:fld id="{5976870D-EDE0-4065-9108-FF08285B4E25}" type="slidenum">
               <a:rPr lang="de-DE" smtClean="0"/>
-              <a:t>23</a:t>
+              <a:t>24</a:t>
             </a:fld>
             <a:endParaRPr lang="de-DE"/>
           </a:p>
@@ -2288,7 +2289,7 @@
           <a:p>
             <a:fld id="{5976870D-EDE0-4065-9108-FF08285B4E25}" type="slidenum">
               <a:rPr lang="de-DE" smtClean="0"/>
-              <a:t>27</a:t>
+              <a:t>28</a:t>
             </a:fld>
             <a:endParaRPr lang="de-DE"/>
           </a:p>
@@ -2516,7 +2517,7 @@
           <a:p>
             <a:fld id="{B82E1514-0941-4E58-8ADF-3E33D2A7C7AA}" type="slidenum">
               <a:rPr lang="de-DE" smtClean="0"/>
-              <a:t>‹Nr.›</a:t>
+              <a:t>‹#›</a:t>
             </a:fld>
             <a:endParaRPr lang="de-DE"/>
           </a:p>
@@ -2714,7 +2715,7 @@
           <a:p>
             <a:fld id="{B82E1514-0941-4E58-8ADF-3E33D2A7C7AA}" type="slidenum">
               <a:rPr lang="de-DE" smtClean="0"/>
-              <a:t>‹Nr.›</a:t>
+              <a:t>‹#›</a:t>
             </a:fld>
             <a:endParaRPr lang="de-DE"/>
           </a:p>
@@ -2922,7 +2923,7 @@
           <a:p>
             <a:fld id="{B82E1514-0941-4E58-8ADF-3E33D2A7C7AA}" type="slidenum">
               <a:rPr lang="de-DE" smtClean="0"/>
-              <a:t>‹Nr.›</a:t>
+              <a:t>‹#›</a:t>
             </a:fld>
             <a:endParaRPr lang="de-DE"/>
           </a:p>
@@ -3114,7 +3115,7 @@
           <a:p>
             <a:fld id="{B82E1514-0941-4E58-8ADF-3E33D2A7C7AA}" type="slidenum">
               <a:rPr lang="de-DE" smtClean="0"/>
-              <a:t>‹Nr.›</a:t>
+              <a:t>‹#›</a:t>
             </a:fld>
             <a:endParaRPr lang="de-DE"/>
           </a:p>
@@ -3284,7 +3285,7 @@
           <a:p>
             <a:fld id="{B82E1514-0941-4E58-8ADF-3E33D2A7C7AA}" type="slidenum">
               <a:rPr lang="de-DE" smtClean="0"/>
-              <a:t>‹Nr.›</a:t>
+              <a:t>‹#›</a:t>
             </a:fld>
             <a:endParaRPr lang="de-DE"/>
           </a:p>
@@ -3530,7 +3531,7 @@
           <a:p>
             <a:fld id="{B82E1514-0941-4E58-8ADF-3E33D2A7C7AA}" type="slidenum">
               <a:rPr lang="de-DE" smtClean="0"/>
-              <a:t>‹Nr.›</a:t>
+              <a:t>‹#›</a:t>
             </a:fld>
             <a:endParaRPr lang="de-DE"/>
           </a:p>
@@ -3762,7 +3763,7 @@
           <a:p>
             <a:fld id="{B82E1514-0941-4E58-8ADF-3E33D2A7C7AA}" type="slidenum">
               <a:rPr lang="de-DE" smtClean="0"/>
-              <a:t>‹Nr.›</a:t>
+              <a:t>‹#›</a:t>
             </a:fld>
             <a:endParaRPr lang="de-DE"/>
           </a:p>
@@ -4129,7 +4130,7 @@
           <a:p>
             <a:fld id="{B82E1514-0941-4E58-8ADF-3E33D2A7C7AA}" type="slidenum">
               <a:rPr lang="de-DE" smtClean="0"/>
-              <a:t>‹Nr.›</a:t>
+              <a:t>‹#›</a:t>
             </a:fld>
             <a:endParaRPr lang="de-DE"/>
           </a:p>
@@ -4247,7 +4248,7 @@
           <a:p>
             <a:fld id="{B82E1514-0941-4E58-8ADF-3E33D2A7C7AA}" type="slidenum">
               <a:rPr lang="de-DE" smtClean="0"/>
-              <a:t>‹Nr.›</a:t>
+              <a:t>‹#›</a:t>
             </a:fld>
             <a:endParaRPr lang="de-DE"/>
           </a:p>
@@ -4342,7 +4343,7 @@
           <a:p>
             <a:fld id="{B82E1514-0941-4E58-8ADF-3E33D2A7C7AA}" type="slidenum">
               <a:rPr lang="de-DE" smtClean="0"/>
-              <a:t>‹Nr.›</a:t>
+              <a:t>‹#›</a:t>
             </a:fld>
             <a:endParaRPr lang="de-DE"/>
           </a:p>
@@ -4619,7 +4620,7 @@
           <a:p>
             <a:fld id="{B82E1514-0941-4E58-8ADF-3E33D2A7C7AA}" type="slidenum">
               <a:rPr lang="de-DE" smtClean="0"/>
-              <a:t>‹Nr.›</a:t>
+              <a:t>‹#›</a:t>
             </a:fld>
             <a:endParaRPr lang="de-DE"/>
           </a:p>
@@ -4898,7 +4899,7 @@
             <a:fld id="{B82E1514-0941-4E58-8ADF-3E33D2A7C7AA}" type="slidenum">
               <a:rPr lang="de-DE" smtClean="0"/>
               <a:pPr/>
-              <a:t>‹Nr.›</a:t>
+              <a:t>‹#›</a:t>
             </a:fld>
             <a:endParaRPr lang="de-DE"/>
           </a:p>
@@ -5155,7 +5156,7 @@
           <a:p>
             <a:fld id="{B82E1514-0941-4E58-8ADF-3E33D2A7C7AA}" type="slidenum">
               <a:rPr lang="de-DE" smtClean="0"/>
-              <a:t>‹Nr.›</a:t>
+              <a:t>‹#›</a:t>
             </a:fld>
             <a:endParaRPr lang="de-DE"/>
           </a:p>
@@ -5325,7 +5326,7 @@
           <a:p>
             <a:fld id="{B82E1514-0941-4E58-8ADF-3E33D2A7C7AA}" type="slidenum">
               <a:rPr lang="de-DE" smtClean="0"/>
-              <a:t>‹Nr.›</a:t>
+              <a:t>‹#›</a:t>
             </a:fld>
             <a:endParaRPr lang="de-DE"/>
           </a:p>
@@ -5505,7 +5506,7 @@
           <a:p>
             <a:fld id="{B82E1514-0941-4E58-8ADF-3E33D2A7C7AA}" type="slidenum">
               <a:rPr lang="de-DE" smtClean="0"/>
-              <a:t>‹Nr.›</a:t>
+              <a:t>‹#›</a:t>
             </a:fld>
             <a:endParaRPr lang="de-DE"/>
           </a:p>
@@ -5783,7 +5784,7 @@
           <a:p>
             <a:fld id="{B82E1514-0941-4E58-8ADF-3E33D2A7C7AA}" type="slidenum">
               <a:rPr lang="de-DE" smtClean="0"/>
-              <a:t>‹Nr.›</a:t>
+              <a:t>‹#›</a:t>
             </a:fld>
             <a:endParaRPr lang="de-DE"/>
           </a:p>
@@ -6051,7 +6052,7 @@
           <a:p>
             <a:fld id="{B82E1514-0941-4E58-8ADF-3E33D2A7C7AA}" type="slidenum">
               <a:rPr lang="de-DE" smtClean="0"/>
-              <a:t>‹Nr.›</a:t>
+              <a:t>‹#›</a:t>
             </a:fld>
             <a:endParaRPr lang="de-DE"/>
           </a:p>
@@ -6463,7 +6464,7 @@
           <a:p>
             <a:fld id="{B82E1514-0941-4E58-8ADF-3E33D2A7C7AA}" type="slidenum">
               <a:rPr lang="de-DE" smtClean="0"/>
-              <a:t>‹Nr.›</a:t>
+              <a:t>‹#›</a:t>
             </a:fld>
             <a:endParaRPr lang="de-DE"/>
           </a:p>
@@ -6604,7 +6605,7 @@
           <a:p>
             <a:fld id="{B82E1514-0941-4E58-8ADF-3E33D2A7C7AA}" type="slidenum">
               <a:rPr lang="de-DE" smtClean="0"/>
-              <a:t>‹Nr.›</a:t>
+              <a:t>‹#›</a:t>
             </a:fld>
             <a:endParaRPr lang="de-DE"/>
           </a:p>
@@ -6717,7 +6718,7 @@
           <a:p>
             <a:fld id="{B82E1514-0941-4E58-8ADF-3E33D2A7C7AA}" type="slidenum">
               <a:rPr lang="de-DE" smtClean="0"/>
-              <a:t>‹Nr.›</a:t>
+              <a:t>‹#›</a:t>
             </a:fld>
             <a:endParaRPr lang="de-DE"/>
           </a:p>
@@ -7028,7 +7029,7 @@
           <a:p>
             <a:fld id="{B82E1514-0941-4E58-8ADF-3E33D2A7C7AA}" type="slidenum">
               <a:rPr lang="de-DE" smtClean="0"/>
-              <a:t>‹Nr.›</a:t>
+              <a:t>‹#›</a:t>
             </a:fld>
             <a:endParaRPr lang="de-DE"/>
           </a:p>
@@ -7316,7 +7317,7 @@
           <a:p>
             <a:fld id="{B82E1514-0941-4E58-8ADF-3E33D2A7C7AA}" type="slidenum">
               <a:rPr lang="de-DE" smtClean="0"/>
-              <a:t>‹Nr.›</a:t>
+              <a:t>‹#›</a:t>
             </a:fld>
             <a:endParaRPr lang="de-DE"/>
           </a:p>
@@ -7593,7 +7594,7 @@
           <a:p>
             <a:fld id="{B82E1514-0941-4E58-8ADF-3E33D2A7C7AA}" type="slidenum">
               <a:rPr lang="de-DE" smtClean="0"/>
-              <a:t>‹Nr.›</a:t>
+              <a:t>‹#›</a:t>
             </a:fld>
             <a:endParaRPr lang="de-DE"/>
           </a:p>
@@ -8133,7 +8134,7 @@
           <a:p>
             <a:fld id="{B82E1514-0941-4E58-8ADF-3E33D2A7C7AA}" type="slidenum">
               <a:rPr lang="de-DE" smtClean="0"/>
-              <a:t>‹Nr.›</a:t>
+              <a:t>‹#›</a:t>
             </a:fld>
             <a:endParaRPr lang="de-DE"/>
           </a:p>
@@ -8603,7 +8604,7 @@
           <p:cNvPr id="2" name="Titel 1">
             <a:extLst>
               <a:ext uri="{FF2B5EF4-FFF2-40B4-BE49-F238E27FC236}">
-                <a16:creationId xmlns:a16="http://schemas.microsoft.com/office/drawing/2014/main" id="{B65D7EC3-CD42-4551-8940-B2E7B1FA136C}"/>
+                <a16:creationId xmlns:a16="http://schemas.microsoft.com/office/drawing/2014/main" id="{FE7310EA-0D36-8797-94D6-7E3C9FD760A2}"/>
               </a:ext>
             </a:extLst>
           </p:cNvPr>
@@ -8628,38 +8629,544 @@
       </p:sp>
       <p:sp>
         <p:nvSpPr>
-          <p:cNvPr id="4" name="Content Placeholder 3">
-            <a:extLst>
-              <a:ext uri="{FF2B5EF4-FFF2-40B4-BE49-F238E27FC236}">
-                <a16:creationId xmlns:a16="http://schemas.microsoft.com/office/drawing/2014/main" id="{2BF5D699-940E-4DE9-8183-FAB1BE315652}"/>
-              </a:ext>
-            </a:extLst>
-          </p:cNvPr>
-          <p:cNvSpPr>
-            <a:spLocks noGrp="1"/>
-          </p:cNvSpPr>
-          <p:nvPr>
-            <p:ph idx="1"/>
-          </p:nvPr>
-        </p:nvSpPr>
-        <p:spPr/>
-        <p:txBody>
-          <a:bodyPr/>
-          <a:lstStyle/>
-          <a:p>
-            <a:r>
-              <a:rPr lang="en-US" dirty="0"/>
-              <a:t>Terraform to automatically build, change, and version public cloud infrastructure</a:t>
-            </a:r>
+          <p:cNvPr id="4" name="Rectangle: Rounded Corners 5">
+            <a:extLst>
+              <a:ext uri="{FF2B5EF4-FFF2-40B4-BE49-F238E27FC236}">
+                <a16:creationId xmlns:a16="http://schemas.microsoft.com/office/drawing/2014/main" id="{78CCAEE7-61F5-65AA-DCCD-9964C5338FAE}"/>
+              </a:ext>
+            </a:extLst>
+          </p:cNvPr>
+          <p:cNvSpPr/>
+          <p:nvPr/>
+        </p:nvSpPr>
+        <p:spPr>
+          <a:xfrm>
+            <a:off x="1164594" y="4466010"/>
+            <a:ext cx="1704110" cy="768927"/>
+          </a:xfrm>
+          <a:prstGeom prst="roundRect">
+            <a:avLst/>
+          </a:prstGeom>
+          <a:solidFill>
+            <a:srgbClr val="2088FE"/>
+          </a:solidFill>
+          <a:ln>
+            <a:noFill/>
+          </a:ln>
+        </p:spPr>
+        <p:style>
+          <a:lnRef idx="2">
+            <a:schemeClr val="accent1">
+              <a:shade val="50000"/>
+            </a:schemeClr>
+          </a:lnRef>
+          <a:fillRef idx="1">
+            <a:schemeClr val="accent1"/>
+          </a:fillRef>
+          <a:effectRef idx="0">
+            <a:schemeClr val="accent1"/>
+          </a:effectRef>
+          <a:fontRef idx="minor">
+            <a:schemeClr val="lt1"/>
+          </a:fontRef>
+        </p:style>
+        <p:txBody>
+          <a:bodyPr rtlCol="0" anchor="ctr"/>
+          <a:lstStyle/>
+          <a:p>
+            <a:pPr algn="ctr"/>
+            <a:r>
+              <a:rPr lang="de-DE" dirty="0"/>
+              <a:t>Push</a:t>
+            </a:r>
+          </a:p>
+        </p:txBody>
+      </p:sp>
+      <p:sp>
+        <p:nvSpPr>
+          <p:cNvPr id="5" name="Rectangle: Rounded Corners 6">
+            <a:extLst>
+              <a:ext uri="{FF2B5EF4-FFF2-40B4-BE49-F238E27FC236}">
+                <a16:creationId xmlns:a16="http://schemas.microsoft.com/office/drawing/2014/main" id="{264CA49D-6F4B-C4CF-E420-1104249827C0}"/>
+              </a:ext>
+            </a:extLst>
+          </p:cNvPr>
+          <p:cNvSpPr/>
+          <p:nvPr/>
+        </p:nvSpPr>
+        <p:spPr>
+          <a:xfrm>
+            <a:off x="3619766" y="4466012"/>
+            <a:ext cx="2558017" cy="768927"/>
+          </a:xfrm>
+          <a:prstGeom prst="roundRect">
+            <a:avLst/>
+          </a:prstGeom>
+          <a:solidFill>
+            <a:srgbClr val="2088FE"/>
+          </a:solidFill>
+          <a:ln>
+            <a:noFill/>
+          </a:ln>
+        </p:spPr>
+        <p:style>
+          <a:lnRef idx="2">
+            <a:schemeClr val="accent1">
+              <a:shade val="50000"/>
+            </a:schemeClr>
+          </a:lnRef>
+          <a:fillRef idx="1">
+            <a:schemeClr val="accent1"/>
+          </a:fillRef>
+          <a:effectRef idx="0">
+            <a:schemeClr val="accent1"/>
+          </a:effectRef>
+          <a:fontRef idx="minor">
+            <a:schemeClr val="lt1"/>
+          </a:fontRef>
+        </p:style>
+        <p:txBody>
+          <a:bodyPr rtlCol="0" anchor="ctr"/>
+          <a:lstStyle/>
+          <a:p>
+            <a:pPr algn="ctr"/>
+            <a:r>
+              <a:rPr lang="de-DE" dirty="0"/>
+              <a:t>Create Infrastructure </a:t>
+            </a:r>
+            <a:r>
+              <a:rPr lang="de-DE" dirty="0" err="1"/>
+              <a:t>with</a:t>
+            </a:r>
+            <a:r>
+              <a:rPr lang="de-DE" dirty="0"/>
+              <a:t> Terraform</a:t>
+            </a:r>
+          </a:p>
+        </p:txBody>
+      </p:sp>
+      <p:sp>
+        <p:nvSpPr>
+          <p:cNvPr id="6" name="Rectangle: Rounded Corners 7">
+            <a:extLst>
+              <a:ext uri="{FF2B5EF4-FFF2-40B4-BE49-F238E27FC236}">
+                <a16:creationId xmlns:a16="http://schemas.microsoft.com/office/drawing/2014/main" id="{7245DBC1-1583-905A-477C-077D529C85D9}"/>
+              </a:ext>
+            </a:extLst>
+          </p:cNvPr>
+          <p:cNvSpPr/>
+          <p:nvPr/>
+        </p:nvSpPr>
+        <p:spPr>
+          <a:xfrm>
+            <a:off x="7639731" y="4466009"/>
+            <a:ext cx="2558015" cy="768927"/>
+          </a:xfrm>
+          <a:prstGeom prst="roundRect">
+            <a:avLst/>
+          </a:prstGeom>
+          <a:solidFill>
+            <a:srgbClr val="2088FE"/>
+          </a:solidFill>
+          <a:ln>
+            <a:noFill/>
+          </a:ln>
+        </p:spPr>
+        <p:style>
+          <a:lnRef idx="2">
+            <a:schemeClr val="accent1">
+              <a:shade val="50000"/>
+            </a:schemeClr>
+          </a:lnRef>
+          <a:fillRef idx="1">
+            <a:schemeClr val="accent1"/>
+          </a:fillRef>
+          <a:effectRef idx="0">
+            <a:schemeClr val="accent1"/>
+          </a:effectRef>
+          <a:fontRef idx="minor">
+            <a:schemeClr val="lt1"/>
+          </a:fontRef>
+        </p:style>
+        <p:txBody>
+          <a:bodyPr rtlCol="0" anchor="ctr"/>
+          <a:lstStyle/>
+          <a:p>
+            <a:pPr algn="ctr"/>
+            <a:r>
+              <a:rPr lang="de-DE" dirty="0"/>
+              <a:t>Deploy </a:t>
+            </a:r>
+            <a:r>
+              <a:rPr lang="de-DE" dirty="0" err="1"/>
+              <a:t>app</a:t>
+            </a:r>
+            <a:r>
+              <a:rPr lang="de-DE" dirty="0"/>
+              <a:t> </a:t>
+            </a:r>
+            <a:r>
+              <a:rPr lang="de-DE" dirty="0" err="1"/>
+              <a:t>with</a:t>
+            </a:r>
+            <a:r>
+              <a:rPr lang="de-DE" dirty="0"/>
+              <a:t> </a:t>
+            </a:r>
+            <a:r>
+              <a:rPr lang="de-DE" dirty="0" err="1"/>
+              <a:t>docker</a:t>
+            </a:r>
+            <a:r>
+              <a:rPr lang="de-DE" dirty="0"/>
+              <a:t> </a:t>
+            </a:r>
+            <a:r>
+              <a:rPr lang="de-DE" dirty="0" err="1"/>
+              <a:t>compose</a:t>
+            </a:r>
+            <a:endParaRPr lang="de-DE" dirty="0"/>
+          </a:p>
+        </p:txBody>
+      </p:sp>
+      <p:cxnSp>
+        <p:nvCxnSpPr>
+          <p:cNvPr id="7" name="Straight Arrow Connector 11">
+            <a:extLst>
+              <a:ext uri="{FF2B5EF4-FFF2-40B4-BE49-F238E27FC236}">
+                <a16:creationId xmlns:a16="http://schemas.microsoft.com/office/drawing/2014/main" id="{F501AB0B-B3CB-38AA-624C-ED414CEFB3A8}"/>
+              </a:ext>
+            </a:extLst>
+          </p:cNvPr>
+          <p:cNvCxnSpPr>
+            <a:cxnSpLocks/>
+            <a:stCxn id="4" idx="3"/>
+            <a:endCxn id="5" idx="1"/>
+          </p:cNvCxnSpPr>
+          <p:nvPr/>
+        </p:nvCxnSpPr>
+        <p:spPr>
+          <a:xfrm>
+            <a:off x="2868704" y="4850474"/>
+            <a:ext cx="751062" cy="2"/>
+          </a:xfrm>
+          <a:prstGeom prst="straightConnector1">
+            <a:avLst/>
+          </a:prstGeom>
+          <a:ln>
+            <a:solidFill>
+              <a:srgbClr val="2088FE"/>
+            </a:solidFill>
+            <a:tailEnd type="triangle"/>
+          </a:ln>
+        </p:spPr>
+        <p:style>
+          <a:lnRef idx="1">
+            <a:schemeClr val="accent1"/>
+          </a:lnRef>
+          <a:fillRef idx="0">
+            <a:schemeClr val="accent1"/>
+          </a:fillRef>
+          <a:effectRef idx="0">
+            <a:schemeClr val="accent1"/>
+          </a:effectRef>
+          <a:fontRef idx="minor">
+            <a:schemeClr val="tx1"/>
+          </a:fontRef>
+        </p:style>
+      </p:cxnSp>
+      <p:cxnSp>
+        <p:nvCxnSpPr>
+          <p:cNvPr id="8" name="Straight Arrow Connector 13">
+            <a:extLst>
+              <a:ext uri="{FF2B5EF4-FFF2-40B4-BE49-F238E27FC236}">
+                <a16:creationId xmlns:a16="http://schemas.microsoft.com/office/drawing/2014/main" id="{15D2F7F9-D527-3673-F73F-11C0FEC9E142}"/>
+              </a:ext>
+            </a:extLst>
+          </p:cNvPr>
+          <p:cNvCxnSpPr>
+            <a:cxnSpLocks/>
+            <a:stCxn id="5" idx="3"/>
+            <a:endCxn id="6" idx="1"/>
+          </p:cNvCxnSpPr>
+          <p:nvPr/>
+        </p:nvCxnSpPr>
+        <p:spPr>
+          <a:xfrm flipV="1">
+            <a:off x="6177783" y="4850473"/>
+            <a:ext cx="1461948" cy="3"/>
+          </a:xfrm>
+          <a:prstGeom prst="straightConnector1">
+            <a:avLst/>
+          </a:prstGeom>
+          <a:ln>
+            <a:solidFill>
+              <a:srgbClr val="2088FE"/>
+            </a:solidFill>
+            <a:tailEnd type="triangle"/>
+          </a:ln>
+        </p:spPr>
+        <p:style>
+          <a:lnRef idx="1">
+            <a:schemeClr val="accent1"/>
+          </a:lnRef>
+          <a:fillRef idx="0">
+            <a:schemeClr val="accent1"/>
+          </a:fillRef>
+          <a:effectRef idx="0">
+            <a:schemeClr val="accent1"/>
+          </a:effectRef>
+          <a:fontRef idx="minor">
+            <a:schemeClr val="tx1"/>
+          </a:fontRef>
+        </p:style>
+      </p:cxnSp>
+      <p:sp>
+        <p:nvSpPr>
+          <p:cNvPr id="9" name="Rectangle: Rounded Corners 17">
+            <a:extLst>
+              <a:ext uri="{FF2B5EF4-FFF2-40B4-BE49-F238E27FC236}">
+                <a16:creationId xmlns:a16="http://schemas.microsoft.com/office/drawing/2014/main" id="{433EC4C8-5652-8E37-1388-42FECF4CA3D7}"/>
+              </a:ext>
+            </a:extLst>
+          </p:cNvPr>
+          <p:cNvSpPr/>
+          <p:nvPr/>
+        </p:nvSpPr>
+        <p:spPr>
+          <a:xfrm flipH="1" flipV="1">
+            <a:off x="3034753" y="3977640"/>
+            <a:ext cx="7433721" cy="1594946"/>
+          </a:xfrm>
+          <a:prstGeom prst="roundRect">
+            <a:avLst/>
+          </a:prstGeom>
+          <a:noFill/>
+          <a:ln>
+            <a:solidFill>
+              <a:srgbClr val="2088FE"/>
+            </a:solidFill>
+          </a:ln>
+        </p:spPr>
+        <p:style>
+          <a:lnRef idx="2">
+            <a:schemeClr val="accent1">
+              <a:shade val="50000"/>
+            </a:schemeClr>
+          </a:lnRef>
+          <a:fillRef idx="1">
+            <a:schemeClr val="accent1"/>
+          </a:fillRef>
+          <a:effectRef idx="0">
+            <a:schemeClr val="accent1"/>
+          </a:effectRef>
+          <a:fontRef idx="minor">
+            <a:schemeClr val="lt1"/>
+          </a:fontRef>
+        </p:style>
+        <p:txBody>
+          <a:bodyPr rtlCol="0" anchor="ctr"/>
+          <a:lstStyle/>
+          <a:p>
+            <a:pPr algn="ctr"/>
+            <a:endParaRPr lang="de-DE"/>
           </a:p>
         </p:txBody>
       </p:sp>
       <p:pic>
         <p:nvPicPr>
-          <p:cNvPr id="5" name="Picture 4">
-            <a:extLst>
-              <a:ext uri="{FF2B5EF4-FFF2-40B4-BE49-F238E27FC236}">
-                <a16:creationId xmlns:a16="http://schemas.microsoft.com/office/drawing/2014/main" id="{C71EF30E-69FD-408B-9A66-26E23FCAF59D}"/>
+          <p:cNvPr id="10" name="Picture 19">
+            <a:extLst>
+              <a:ext uri="{FF2B5EF4-FFF2-40B4-BE49-F238E27FC236}">
+                <a16:creationId xmlns:a16="http://schemas.microsoft.com/office/drawing/2014/main" id="{B187C7EC-CE9C-D136-07DC-CC38CA9DE47D}"/>
+              </a:ext>
+            </a:extLst>
+          </p:cNvPr>
+          <p:cNvPicPr>
+            <a:picLocks noChangeAspect="1"/>
+          </p:cNvPicPr>
+          <p:nvPr/>
+        </p:nvPicPr>
+        <p:blipFill>
+          <a:blip r:embed="rId2"/>
+          <a:stretch>
+            <a:fillRect/>
+          </a:stretch>
+        </p:blipFill>
+        <p:spPr>
+          <a:xfrm>
+            <a:off x="3113900" y="4123214"/>
+            <a:ext cx="426720" cy="426720"/>
+          </a:xfrm>
+          <a:prstGeom prst="rect">
+            <a:avLst/>
+          </a:prstGeom>
+        </p:spPr>
+      </p:pic>
+      <p:cxnSp>
+        <p:nvCxnSpPr>
+          <p:cNvPr id="19" name="Straight Arrow Connector 11">
+            <a:extLst>
+              <a:ext uri="{FF2B5EF4-FFF2-40B4-BE49-F238E27FC236}">
+                <a16:creationId xmlns:a16="http://schemas.microsoft.com/office/drawing/2014/main" id="{2BE4D3C3-2C05-2D6B-EB00-0B569B104FB4}"/>
+              </a:ext>
+            </a:extLst>
+          </p:cNvPr>
+          <p:cNvCxnSpPr>
+            <a:cxnSpLocks/>
+            <a:stCxn id="5" idx="0"/>
+            <a:endCxn id="20" idx="2"/>
+          </p:cNvCxnSpPr>
+          <p:nvPr/>
+        </p:nvCxnSpPr>
+        <p:spPr>
+          <a:xfrm flipH="1" flipV="1">
+            <a:off x="4898774" y="3300716"/>
+            <a:ext cx="1" cy="1165296"/>
+          </a:xfrm>
+          <a:prstGeom prst="straightConnector1">
+            <a:avLst/>
+          </a:prstGeom>
+          <a:ln>
+            <a:solidFill>
+              <a:srgbClr val="5C4EE5"/>
+            </a:solidFill>
+            <a:tailEnd type="triangle"/>
+          </a:ln>
+        </p:spPr>
+        <p:style>
+          <a:lnRef idx="1">
+            <a:schemeClr val="accent1"/>
+          </a:lnRef>
+          <a:fillRef idx="0">
+            <a:schemeClr val="accent1"/>
+          </a:fillRef>
+          <a:effectRef idx="0">
+            <a:schemeClr val="accent1"/>
+          </a:effectRef>
+          <a:fontRef idx="minor">
+            <a:schemeClr val="tx1"/>
+          </a:fontRef>
+        </p:style>
+      </p:cxnSp>
+      <p:sp>
+        <p:nvSpPr>
+          <p:cNvPr id="20" name="Rectangle: Rounded Corners 6">
+            <a:extLst>
+              <a:ext uri="{FF2B5EF4-FFF2-40B4-BE49-F238E27FC236}">
+                <a16:creationId xmlns:a16="http://schemas.microsoft.com/office/drawing/2014/main" id="{B811BC74-BB0A-7701-99C2-0D2003A48E60}"/>
+              </a:ext>
+            </a:extLst>
+          </p:cNvPr>
+          <p:cNvSpPr/>
+          <p:nvPr/>
+        </p:nvSpPr>
+        <p:spPr>
+          <a:xfrm>
+            <a:off x="3619765" y="2531789"/>
+            <a:ext cx="2558017" cy="768927"/>
+          </a:xfrm>
+          <a:prstGeom prst="roundRect">
+            <a:avLst/>
+          </a:prstGeom>
+          <a:solidFill>
+            <a:srgbClr val="5C4EE5"/>
+          </a:solidFill>
+          <a:ln>
+            <a:noFill/>
+          </a:ln>
+        </p:spPr>
+        <p:style>
+          <a:lnRef idx="2">
+            <a:schemeClr val="accent1">
+              <a:shade val="50000"/>
+            </a:schemeClr>
+          </a:lnRef>
+          <a:fillRef idx="1">
+            <a:schemeClr val="accent1"/>
+          </a:fillRef>
+          <a:effectRef idx="0">
+            <a:schemeClr val="accent1"/>
+          </a:effectRef>
+          <a:fontRef idx="minor">
+            <a:schemeClr val="lt1"/>
+          </a:fontRef>
+        </p:style>
+        <p:txBody>
+          <a:bodyPr rtlCol="0" anchor="ctr"/>
+          <a:lstStyle/>
+          <a:p>
+            <a:pPr algn="ctr"/>
+            <a:r>
+              <a:rPr lang="de-DE" dirty="0"/>
+              <a:t>Create EC2 </a:t>
+            </a:r>
+            <a:r>
+              <a:rPr lang="de-DE" dirty="0" err="1"/>
+              <a:t>machine</a:t>
+            </a:r>
+            <a:endParaRPr lang="de-DE" dirty="0"/>
+          </a:p>
+        </p:txBody>
+      </p:sp>
+      <p:sp>
+        <p:nvSpPr>
+          <p:cNvPr id="21" name="Rectangle: Rounded Corners 17">
+            <a:extLst>
+              <a:ext uri="{FF2B5EF4-FFF2-40B4-BE49-F238E27FC236}">
+                <a16:creationId xmlns:a16="http://schemas.microsoft.com/office/drawing/2014/main" id="{865E96C3-898B-ABE0-91DC-5A88AEAE32A1}"/>
+              </a:ext>
+            </a:extLst>
+          </p:cNvPr>
+          <p:cNvSpPr/>
+          <p:nvPr/>
+        </p:nvSpPr>
+        <p:spPr>
+          <a:xfrm flipH="1" flipV="1">
+            <a:off x="3034754" y="1946276"/>
+            <a:ext cx="3424355" cy="1594946"/>
+          </a:xfrm>
+          <a:prstGeom prst="roundRect">
+            <a:avLst/>
+          </a:prstGeom>
+          <a:noFill/>
+          <a:ln>
+            <a:solidFill>
+              <a:srgbClr val="5C4EE5"/>
+            </a:solidFill>
+          </a:ln>
+        </p:spPr>
+        <p:style>
+          <a:lnRef idx="2">
+            <a:schemeClr val="accent1">
+              <a:shade val="50000"/>
+            </a:schemeClr>
+          </a:lnRef>
+          <a:fillRef idx="1">
+            <a:schemeClr val="accent1"/>
+          </a:fillRef>
+          <a:effectRef idx="0">
+            <a:schemeClr val="accent1"/>
+          </a:effectRef>
+          <a:fontRef idx="minor">
+            <a:schemeClr val="lt1"/>
+          </a:fontRef>
+        </p:style>
+        <p:txBody>
+          <a:bodyPr rtlCol="0" anchor="ctr"/>
+          <a:lstStyle/>
+          <a:p>
+            <a:pPr algn="ctr"/>
+            <a:endParaRPr lang="de-DE"/>
+          </a:p>
+        </p:txBody>
+      </p:sp>
+      <p:pic>
+        <p:nvPicPr>
+          <p:cNvPr id="24" name="Picture 4">
+            <a:extLst>
+              <a:ext uri="{FF2B5EF4-FFF2-40B4-BE49-F238E27FC236}">
+                <a16:creationId xmlns:a16="http://schemas.microsoft.com/office/drawing/2014/main" id="{F668A630-DDE5-F7FD-292A-06605BED7FC7}"/>
               </a:ext>
             </a:extLst>
           </p:cNvPr>
@@ -8676,8 +9183,8 @@
         </p:blipFill>
         <p:spPr>
           <a:xfrm>
-            <a:off x="10274650" y="417951"/>
-            <a:ext cx="1079150" cy="1219909"/>
+            <a:off x="3234504" y="2049410"/>
+            <a:ext cx="426720" cy="482379"/>
           </a:xfrm>
           <a:prstGeom prst="rect">
             <a:avLst/>
@@ -8686,10 +9193,10 @@
       </p:pic>
       <p:pic>
         <p:nvPicPr>
-          <p:cNvPr id="6" name="Grafik 5">
-            <a:extLst>
-              <a:ext uri="{FF2B5EF4-FFF2-40B4-BE49-F238E27FC236}">
-                <a16:creationId xmlns:a16="http://schemas.microsoft.com/office/drawing/2014/main" id="{CF409AD2-EC87-FFBD-FDBA-2EC7012E4054}"/>
+          <p:cNvPr id="28" name="Picture 6">
+            <a:extLst>
+              <a:ext uri="{FF2B5EF4-FFF2-40B4-BE49-F238E27FC236}">
+                <a16:creationId xmlns:a16="http://schemas.microsoft.com/office/drawing/2014/main" id="{97D45E23-90AD-A028-05E6-6586A5843E21}"/>
               </a:ext>
             </a:extLst>
           </p:cNvPr>
@@ -8706,25 +9213,360 @@
         </p:blipFill>
         <p:spPr>
           <a:xfrm>
-            <a:off x="3057952" y="3283888"/>
-            <a:ext cx="6076095" cy="1752443"/>
+            <a:off x="7249750" y="2094178"/>
+            <a:ext cx="549008" cy="336268"/>
           </a:xfrm>
           <a:prstGeom prst="rect">
             <a:avLst/>
           </a:prstGeom>
-          <a:effectLst>
-            <a:outerShdw blurRad="50800" dist="38100" dir="2700000" algn="tl" rotWithShape="0">
-              <a:prstClr val="black">
-                <a:alpha val="40000"/>
-              </a:prstClr>
-            </a:outerShdw>
-          </a:effectLst>
+        </p:spPr>
+      </p:pic>
+      <p:sp>
+        <p:nvSpPr>
+          <p:cNvPr id="29" name="Rectangle: Rounded Corners 6">
+            <a:extLst>
+              <a:ext uri="{FF2B5EF4-FFF2-40B4-BE49-F238E27FC236}">
+                <a16:creationId xmlns:a16="http://schemas.microsoft.com/office/drawing/2014/main" id="{8A69E514-DFCE-BDFC-FE4E-7567049EB630}"/>
+              </a:ext>
+            </a:extLst>
+          </p:cNvPr>
+          <p:cNvSpPr/>
+          <p:nvPr/>
+        </p:nvSpPr>
+        <p:spPr>
+          <a:xfrm>
+            <a:off x="7639732" y="2531789"/>
+            <a:ext cx="2558017" cy="768927"/>
+          </a:xfrm>
+          <a:prstGeom prst="roundRect">
+            <a:avLst/>
+          </a:prstGeom>
+          <a:solidFill>
+            <a:srgbClr val="FF9900"/>
+          </a:solidFill>
+          <a:ln>
+            <a:noFill/>
+          </a:ln>
+        </p:spPr>
+        <p:style>
+          <a:lnRef idx="2">
+            <a:schemeClr val="accent1">
+              <a:shade val="50000"/>
+            </a:schemeClr>
+          </a:lnRef>
+          <a:fillRef idx="1">
+            <a:schemeClr val="accent1"/>
+          </a:fillRef>
+          <a:effectRef idx="0">
+            <a:schemeClr val="accent1"/>
+          </a:effectRef>
+          <a:fontRef idx="minor">
+            <a:schemeClr val="lt1"/>
+          </a:fontRef>
+        </p:style>
+        <p:txBody>
+          <a:bodyPr rtlCol="0" anchor="ctr"/>
+          <a:lstStyle/>
+          <a:p>
+            <a:pPr algn="ctr"/>
+            <a:r>
+              <a:rPr lang="de-DE" dirty="0"/>
+              <a:t>EC2 </a:t>
+            </a:r>
+            <a:r>
+              <a:rPr lang="de-DE" dirty="0" err="1"/>
+              <a:t>machine</a:t>
+            </a:r>
+            <a:endParaRPr lang="de-DE" dirty="0"/>
+          </a:p>
+        </p:txBody>
+      </p:sp>
+      <p:sp>
+        <p:nvSpPr>
+          <p:cNvPr id="30" name="Rectangle: Rounded Corners 17">
+            <a:extLst>
+              <a:ext uri="{FF2B5EF4-FFF2-40B4-BE49-F238E27FC236}">
+                <a16:creationId xmlns:a16="http://schemas.microsoft.com/office/drawing/2014/main" id="{C3D25223-D404-A957-180D-7C74A93E192A}"/>
+              </a:ext>
+            </a:extLst>
+          </p:cNvPr>
+          <p:cNvSpPr/>
+          <p:nvPr/>
+        </p:nvSpPr>
+        <p:spPr>
+          <a:xfrm flipH="1" flipV="1">
+            <a:off x="7044120" y="1946276"/>
+            <a:ext cx="3424355" cy="1594946"/>
+          </a:xfrm>
+          <a:prstGeom prst="roundRect">
+            <a:avLst/>
+          </a:prstGeom>
+          <a:noFill/>
+          <a:ln>
+            <a:solidFill>
+              <a:srgbClr val="FF9900"/>
+            </a:solidFill>
+          </a:ln>
+        </p:spPr>
+        <p:style>
+          <a:lnRef idx="2">
+            <a:schemeClr val="accent1">
+              <a:shade val="50000"/>
+            </a:schemeClr>
+          </a:lnRef>
+          <a:fillRef idx="1">
+            <a:schemeClr val="accent1"/>
+          </a:fillRef>
+          <a:effectRef idx="0">
+            <a:schemeClr val="accent1"/>
+          </a:effectRef>
+          <a:fontRef idx="minor">
+            <a:schemeClr val="lt1"/>
+          </a:fontRef>
+        </p:style>
+        <p:txBody>
+          <a:bodyPr rtlCol="0" anchor="ctr"/>
+          <a:lstStyle/>
+          <a:p>
+            <a:pPr algn="ctr"/>
+            <a:endParaRPr lang="de-DE"/>
+          </a:p>
+        </p:txBody>
+      </p:sp>
+      <p:cxnSp>
+        <p:nvCxnSpPr>
+          <p:cNvPr id="31" name="Straight Arrow Connector 11">
+            <a:extLst>
+              <a:ext uri="{FF2B5EF4-FFF2-40B4-BE49-F238E27FC236}">
+                <a16:creationId xmlns:a16="http://schemas.microsoft.com/office/drawing/2014/main" id="{227B2E06-2BE5-7007-A654-EBE79D0F9520}"/>
+              </a:ext>
+            </a:extLst>
+          </p:cNvPr>
+          <p:cNvCxnSpPr>
+            <a:cxnSpLocks/>
+            <a:stCxn id="20" idx="3"/>
+            <a:endCxn id="29" idx="1"/>
+          </p:cNvCxnSpPr>
+          <p:nvPr/>
+        </p:nvCxnSpPr>
+        <p:spPr>
+          <a:xfrm>
+            <a:off x="6177782" y="2916253"/>
+            <a:ext cx="1461950" cy="0"/>
+          </a:xfrm>
+          <a:prstGeom prst="straightConnector1">
+            <a:avLst/>
+          </a:prstGeom>
+          <a:ln>
+            <a:solidFill>
+              <a:srgbClr val="FF9900"/>
+            </a:solidFill>
+            <a:tailEnd type="triangle"/>
+          </a:ln>
+        </p:spPr>
+        <p:style>
+          <a:lnRef idx="1">
+            <a:schemeClr val="accent1"/>
+          </a:lnRef>
+          <a:fillRef idx="0">
+            <a:schemeClr val="accent1"/>
+          </a:fillRef>
+          <a:effectRef idx="0">
+            <a:schemeClr val="accent1"/>
+          </a:effectRef>
+          <a:fontRef idx="minor">
+            <a:schemeClr val="tx1"/>
+          </a:fontRef>
+        </p:style>
+      </p:cxnSp>
+      <p:cxnSp>
+        <p:nvCxnSpPr>
+          <p:cNvPr id="36" name="Straight Arrow Connector 11">
+            <a:extLst>
+              <a:ext uri="{FF2B5EF4-FFF2-40B4-BE49-F238E27FC236}">
+                <a16:creationId xmlns:a16="http://schemas.microsoft.com/office/drawing/2014/main" id="{0939BA32-55A3-5025-F860-5D4857282D4C}"/>
+              </a:ext>
+            </a:extLst>
+          </p:cNvPr>
+          <p:cNvCxnSpPr>
+            <a:cxnSpLocks/>
+            <a:stCxn id="6" idx="0"/>
+            <a:endCxn id="29" idx="2"/>
+          </p:cNvCxnSpPr>
+          <p:nvPr/>
+        </p:nvCxnSpPr>
+        <p:spPr>
+          <a:xfrm flipV="1">
+            <a:off x="8918739" y="3300716"/>
+            <a:ext cx="2" cy="1165293"/>
+          </a:xfrm>
+          <a:prstGeom prst="straightConnector1">
+            <a:avLst/>
+          </a:prstGeom>
+          <a:ln>
+            <a:solidFill>
+              <a:srgbClr val="FF9900"/>
+            </a:solidFill>
+            <a:tailEnd type="triangle"/>
+          </a:ln>
+        </p:spPr>
+        <p:style>
+          <a:lnRef idx="1">
+            <a:schemeClr val="accent1"/>
+          </a:lnRef>
+          <a:fillRef idx="0">
+            <a:schemeClr val="accent1"/>
+          </a:fillRef>
+          <a:effectRef idx="0">
+            <a:schemeClr val="accent1"/>
+          </a:effectRef>
+          <a:fontRef idx="minor">
+            <a:schemeClr val="tx1"/>
+          </a:fontRef>
+        </p:style>
+      </p:cxnSp>
+      <p:sp>
+        <p:nvSpPr>
+          <p:cNvPr id="3" name="Rechteck 2">
+            <a:extLst>
+              <a:ext uri="{FF2B5EF4-FFF2-40B4-BE49-F238E27FC236}">
+                <a16:creationId xmlns:a16="http://schemas.microsoft.com/office/drawing/2014/main" id="{6EEB4DD0-E328-9220-C30A-35E53E4C7453}"/>
+              </a:ext>
+            </a:extLst>
+          </p:cNvPr>
+          <p:cNvSpPr/>
+          <p:nvPr/>
+        </p:nvSpPr>
+        <p:spPr>
+          <a:xfrm>
+            <a:off x="763327" y="3886229"/>
+            <a:ext cx="10122009" cy="2248483"/>
+          </a:xfrm>
+          <a:prstGeom prst="rect">
+            <a:avLst/>
+          </a:prstGeom>
+          <a:solidFill>
+            <a:schemeClr val="bg1">
+              <a:alpha val="66000"/>
+            </a:schemeClr>
+          </a:solidFill>
+          <a:ln>
+            <a:noFill/>
+          </a:ln>
+        </p:spPr>
+        <p:style>
+          <a:lnRef idx="2">
+            <a:schemeClr val="accent1">
+              <a:shade val="50000"/>
+            </a:schemeClr>
+          </a:lnRef>
+          <a:fillRef idx="1">
+            <a:schemeClr val="accent1"/>
+          </a:fillRef>
+          <a:effectRef idx="0">
+            <a:schemeClr val="accent1"/>
+          </a:effectRef>
+          <a:fontRef idx="minor">
+            <a:schemeClr val="lt1"/>
+          </a:fontRef>
+        </p:style>
+        <p:txBody>
+          <a:bodyPr rtlCol="0" anchor="ctr"/>
+          <a:lstStyle/>
+          <a:p>
+            <a:pPr algn="ctr"/>
+            <a:endParaRPr lang="de-DE"/>
+          </a:p>
+        </p:txBody>
+      </p:sp>
+      <p:sp>
+        <p:nvSpPr>
+          <p:cNvPr id="22" name="Rechteck 21">
+            <a:extLst>
+              <a:ext uri="{FF2B5EF4-FFF2-40B4-BE49-F238E27FC236}">
+                <a16:creationId xmlns:a16="http://schemas.microsoft.com/office/drawing/2014/main" id="{814D3013-1923-2DCD-A95E-6FA7FDC431EF}"/>
+              </a:ext>
+            </a:extLst>
+          </p:cNvPr>
+          <p:cNvSpPr/>
+          <p:nvPr/>
+        </p:nvSpPr>
+        <p:spPr>
+          <a:xfrm>
+            <a:off x="6844369" y="1846038"/>
+            <a:ext cx="3901927" cy="2040191"/>
+          </a:xfrm>
+          <a:prstGeom prst="rect">
+            <a:avLst/>
+          </a:prstGeom>
+          <a:solidFill>
+            <a:schemeClr val="bg1">
+              <a:alpha val="66000"/>
+            </a:schemeClr>
+          </a:solidFill>
+          <a:ln>
+            <a:noFill/>
+          </a:ln>
+        </p:spPr>
+        <p:style>
+          <a:lnRef idx="2">
+            <a:schemeClr val="accent1">
+              <a:shade val="50000"/>
+            </a:schemeClr>
+          </a:lnRef>
+          <a:fillRef idx="1">
+            <a:schemeClr val="accent1"/>
+          </a:fillRef>
+          <a:effectRef idx="0">
+            <a:schemeClr val="accent1"/>
+          </a:effectRef>
+          <a:fontRef idx="minor">
+            <a:schemeClr val="lt1"/>
+          </a:fontRef>
+        </p:style>
+        <p:txBody>
+          <a:bodyPr rtlCol="0" anchor="ctr"/>
+          <a:lstStyle/>
+          <a:p>
+            <a:pPr algn="ctr"/>
+            <a:endParaRPr lang="de-DE"/>
+          </a:p>
+        </p:txBody>
+      </p:sp>
+      <p:pic>
+        <p:nvPicPr>
+          <p:cNvPr id="23" name="Picture 4">
+            <a:extLst>
+              <a:ext uri="{FF2B5EF4-FFF2-40B4-BE49-F238E27FC236}">
+                <a16:creationId xmlns:a16="http://schemas.microsoft.com/office/drawing/2014/main" id="{C4ABF16F-8FF6-B4B3-DF9B-9E021A162473}"/>
+              </a:ext>
+            </a:extLst>
+          </p:cNvPr>
+          <p:cNvPicPr>
+            <a:picLocks noChangeAspect="1"/>
+          </p:cNvPicPr>
+          <p:nvPr/>
+        </p:nvPicPr>
+        <p:blipFill>
+          <a:blip r:embed="rId3"/>
+          <a:stretch>
+            <a:fillRect/>
+          </a:stretch>
+        </p:blipFill>
+        <p:spPr>
+          <a:xfrm>
+            <a:off x="10274650" y="417951"/>
+            <a:ext cx="1079150" cy="1219909"/>
+          </a:xfrm>
+          <a:prstGeom prst="rect">
+            <a:avLst/>
+          </a:prstGeom>
         </p:spPr>
       </p:pic>
     </p:spTree>
     <p:extLst>
       <p:ext uri="{BB962C8B-B14F-4D97-AF65-F5344CB8AC3E}">
-        <p14:creationId xmlns:p14="http://schemas.microsoft.com/office/powerpoint/2010/main" val="4128644860"/>
+        <p14:creationId xmlns:p14="http://schemas.microsoft.com/office/powerpoint/2010/main" val="1491844683"/>
       </p:ext>
     </p:extLst>
   </p:cSld>
@@ -8756,7 +9598,7 @@
           <p:cNvPr id="2" name="Titel 1">
             <a:extLst>
               <a:ext uri="{FF2B5EF4-FFF2-40B4-BE49-F238E27FC236}">
-                <a16:creationId xmlns:a16="http://schemas.microsoft.com/office/drawing/2014/main" id="{FE7310EA-0D36-8797-94D6-7E3C9FD760A2}"/>
+                <a16:creationId xmlns:a16="http://schemas.microsoft.com/office/drawing/2014/main" id="{B65D7EC3-CD42-4551-8940-B2E7B1FA136C}"/>
               </a:ext>
             </a:extLst>
           </p:cNvPr>
@@ -8774,551 +9616,45 @@
           <a:p>
             <a:r>
               <a:rPr lang="de-DE" dirty="0"/>
-              <a:t>AWS</a:t>
-            </a:r>
-          </a:p>
-        </p:txBody>
-      </p:sp>
-      <p:sp>
-        <p:nvSpPr>
-          <p:cNvPr id="4" name="Rectangle: Rounded Corners 5">
-            <a:extLst>
-              <a:ext uri="{FF2B5EF4-FFF2-40B4-BE49-F238E27FC236}">
-                <a16:creationId xmlns:a16="http://schemas.microsoft.com/office/drawing/2014/main" id="{78CCAEE7-61F5-65AA-DCCD-9964C5338FAE}"/>
-              </a:ext>
-            </a:extLst>
-          </p:cNvPr>
-          <p:cNvSpPr/>
-          <p:nvPr/>
-        </p:nvSpPr>
-        <p:spPr>
-          <a:xfrm>
-            <a:off x="1164594" y="4466010"/>
-            <a:ext cx="1704110" cy="768927"/>
-          </a:xfrm>
-          <a:prstGeom prst="roundRect">
-            <a:avLst/>
-          </a:prstGeom>
-          <a:solidFill>
-            <a:srgbClr val="2088FE"/>
-          </a:solidFill>
-          <a:ln>
-            <a:noFill/>
-          </a:ln>
-        </p:spPr>
-        <p:style>
-          <a:lnRef idx="2">
-            <a:schemeClr val="accent1">
-              <a:shade val="50000"/>
-            </a:schemeClr>
-          </a:lnRef>
-          <a:fillRef idx="1">
-            <a:schemeClr val="accent1"/>
-          </a:fillRef>
-          <a:effectRef idx="0">
-            <a:schemeClr val="accent1"/>
-          </a:effectRef>
-          <a:fontRef idx="minor">
-            <a:schemeClr val="lt1"/>
-          </a:fontRef>
-        </p:style>
-        <p:txBody>
-          <a:bodyPr rtlCol="0" anchor="ctr"/>
-          <a:lstStyle/>
-          <a:p>
-            <a:pPr algn="ctr"/>
-            <a:r>
-              <a:rPr lang="de-DE" dirty="0"/>
-              <a:t>Push</a:t>
-            </a:r>
-          </a:p>
-        </p:txBody>
-      </p:sp>
-      <p:sp>
-        <p:nvSpPr>
-          <p:cNvPr id="5" name="Rectangle: Rounded Corners 6">
-            <a:extLst>
-              <a:ext uri="{FF2B5EF4-FFF2-40B4-BE49-F238E27FC236}">
-                <a16:creationId xmlns:a16="http://schemas.microsoft.com/office/drawing/2014/main" id="{264CA49D-6F4B-C4CF-E420-1104249827C0}"/>
-              </a:ext>
-            </a:extLst>
-          </p:cNvPr>
-          <p:cNvSpPr/>
-          <p:nvPr/>
-        </p:nvSpPr>
-        <p:spPr>
-          <a:xfrm>
-            <a:off x="3619766" y="4466012"/>
-            <a:ext cx="2558017" cy="768927"/>
-          </a:xfrm>
-          <a:prstGeom prst="roundRect">
-            <a:avLst/>
-          </a:prstGeom>
-          <a:solidFill>
-            <a:srgbClr val="2088FE"/>
-          </a:solidFill>
-          <a:ln>
-            <a:noFill/>
-          </a:ln>
-        </p:spPr>
-        <p:style>
-          <a:lnRef idx="2">
-            <a:schemeClr val="accent1">
-              <a:shade val="50000"/>
-            </a:schemeClr>
-          </a:lnRef>
-          <a:fillRef idx="1">
-            <a:schemeClr val="accent1"/>
-          </a:fillRef>
-          <a:effectRef idx="0">
-            <a:schemeClr val="accent1"/>
-          </a:effectRef>
-          <a:fontRef idx="minor">
-            <a:schemeClr val="lt1"/>
-          </a:fontRef>
-        </p:style>
-        <p:txBody>
-          <a:bodyPr rtlCol="0" anchor="ctr"/>
-          <a:lstStyle/>
-          <a:p>
-            <a:pPr algn="ctr"/>
-            <a:r>
-              <a:rPr lang="de-DE" dirty="0"/>
-              <a:t>Create Infrastructure </a:t>
-            </a:r>
-            <a:r>
-              <a:rPr lang="de-DE" dirty="0" err="1"/>
-              <a:t>with</a:t>
-            </a:r>
-            <a:r>
-              <a:rPr lang="de-DE" dirty="0"/>
-              <a:t> Terraform</a:t>
-            </a:r>
-          </a:p>
-        </p:txBody>
-      </p:sp>
-      <p:sp>
-        <p:nvSpPr>
-          <p:cNvPr id="6" name="Rectangle: Rounded Corners 7">
-            <a:extLst>
-              <a:ext uri="{FF2B5EF4-FFF2-40B4-BE49-F238E27FC236}">
-                <a16:creationId xmlns:a16="http://schemas.microsoft.com/office/drawing/2014/main" id="{7245DBC1-1583-905A-477C-077D529C85D9}"/>
-              </a:ext>
-            </a:extLst>
-          </p:cNvPr>
-          <p:cNvSpPr/>
-          <p:nvPr/>
-        </p:nvSpPr>
-        <p:spPr>
-          <a:xfrm>
-            <a:off x="7639731" y="4466009"/>
-            <a:ext cx="2558015" cy="768927"/>
-          </a:xfrm>
-          <a:prstGeom prst="roundRect">
-            <a:avLst/>
-          </a:prstGeom>
-          <a:solidFill>
-            <a:srgbClr val="2088FE"/>
-          </a:solidFill>
-          <a:ln>
-            <a:noFill/>
-          </a:ln>
-        </p:spPr>
-        <p:style>
-          <a:lnRef idx="2">
-            <a:schemeClr val="accent1">
-              <a:shade val="50000"/>
-            </a:schemeClr>
-          </a:lnRef>
-          <a:fillRef idx="1">
-            <a:schemeClr val="accent1"/>
-          </a:fillRef>
-          <a:effectRef idx="0">
-            <a:schemeClr val="accent1"/>
-          </a:effectRef>
-          <a:fontRef idx="minor">
-            <a:schemeClr val="lt1"/>
-          </a:fontRef>
-        </p:style>
-        <p:txBody>
-          <a:bodyPr rtlCol="0" anchor="ctr"/>
-          <a:lstStyle/>
-          <a:p>
-            <a:pPr algn="ctr"/>
-            <a:r>
-              <a:rPr lang="de-DE" dirty="0"/>
-              <a:t>Deploy </a:t>
-            </a:r>
-            <a:r>
-              <a:rPr lang="de-DE" dirty="0" err="1"/>
-              <a:t>app</a:t>
-            </a:r>
-            <a:r>
-              <a:rPr lang="de-DE" dirty="0"/>
-              <a:t> </a:t>
-            </a:r>
-            <a:r>
-              <a:rPr lang="de-DE" dirty="0" err="1"/>
-              <a:t>with</a:t>
-            </a:r>
-            <a:r>
-              <a:rPr lang="de-DE" dirty="0"/>
-              <a:t> </a:t>
-            </a:r>
-            <a:r>
-              <a:rPr lang="de-DE" dirty="0" err="1"/>
-              <a:t>docker</a:t>
-            </a:r>
-            <a:r>
-              <a:rPr lang="de-DE" dirty="0"/>
-              <a:t> </a:t>
-            </a:r>
-            <a:r>
-              <a:rPr lang="de-DE" dirty="0" err="1"/>
-              <a:t>compose</a:t>
-            </a:r>
-            <a:endParaRPr lang="de-DE" dirty="0"/>
-          </a:p>
-        </p:txBody>
-      </p:sp>
-      <p:cxnSp>
-        <p:nvCxnSpPr>
-          <p:cNvPr id="7" name="Straight Arrow Connector 11">
-            <a:extLst>
-              <a:ext uri="{FF2B5EF4-FFF2-40B4-BE49-F238E27FC236}">
-                <a16:creationId xmlns:a16="http://schemas.microsoft.com/office/drawing/2014/main" id="{F501AB0B-B3CB-38AA-624C-ED414CEFB3A8}"/>
-              </a:ext>
-            </a:extLst>
-          </p:cNvPr>
-          <p:cNvCxnSpPr>
-            <a:cxnSpLocks/>
-            <a:stCxn id="4" idx="3"/>
-            <a:endCxn id="5" idx="1"/>
-          </p:cNvCxnSpPr>
-          <p:nvPr/>
-        </p:nvCxnSpPr>
-        <p:spPr>
-          <a:xfrm>
-            <a:off x="2868704" y="4850474"/>
-            <a:ext cx="751062" cy="2"/>
-          </a:xfrm>
-          <a:prstGeom prst="straightConnector1">
-            <a:avLst/>
-          </a:prstGeom>
-          <a:ln>
-            <a:solidFill>
-              <a:srgbClr val="2088FE"/>
-            </a:solidFill>
-            <a:tailEnd type="triangle"/>
-          </a:ln>
-        </p:spPr>
-        <p:style>
-          <a:lnRef idx="1">
-            <a:schemeClr val="accent1"/>
-          </a:lnRef>
-          <a:fillRef idx="0">
-            <a:schemeClr val="accent1"/>
-          </a:fillRef>
-          <a:effectRef idx="0">
-            <a:schemeClr val="accent1"/>
-          </a:effectRef>
-          <a:fontRef idx="minor">
-            <a:schemeClr val="tx1"/>
-          </a:fontRef>
-        </p:style>
-      </p:cxnSp>
-      <p:cxnSp>
-        <p:nvCxnSpPr>
-          <p:cNvPr id="8" name="Straight Arrow Connector 13">
-            <a:extLst>
-              <a:ext uri="{FF2B5EF4-FFF2-40B4-BE49-F238E27FC236}">
-                <a16:creationId xmlns:a16="http://schemas.microsoft.com/office/drawing/2014/main" id="{15D2F7F9-D527-3673-F73F-11C0FEC9E142}"/>
-              </a:ext>
-            </a:extLst>
-          </p:cNvPr>
-          <p:cNvCxnSpPr>
-            <a:cxnSpLocks/>
-            <a:stCxn id="5" idx="3"/>
-            <a:endCxn id="6" idx="1"/>
-          </p:cNvCxnSpPr>
-          <p:nvPr/>
-        </p:nvCxnSpPr>
-        <p:spPr>
-          <a:xfrm flipV="1">
-            <a:off x="6177783" y="4850473"/>
-            <a:ext cx="1461948" cy="3"/>
-          </a:xfrm>
-          <a:prstGeom prst="straightConnector1">
-            <a:avLst/>
-          </a:prstGeom>
-          <a:ln>
-            <a:solidFill>
-              <a:srgbClr val="2088FE"/>
-            </a:solidFill>
-            <a:tailEnd type="triangle"/>
-          </a:ln>
-        </p:spPr>
-        <p:style>
-          <a:lnRef idx="1">
-            <a:schemeClr val="accent1"/>
-          </a:lnRef>
-          <a:fillRef idx="0">
-            <a:schemeClr val="accent1"/>
-          </a:fillRef>
-          <a:effectRef idx="0">
-            <a:schemeClr val="accent1"/>
-          </a:effectRef>
-          <a:fontRef idx="minor">
-            <a:schemeClr val="tx1"/>
-          </a:fontRef>
-        </p:style>
-      </p:cxnSp>
-      <p:sp>
-        <p:nvSpPr>
-          <p:cNvPr id="9" name="Rectangle: Rounded Corners 17">
-            <a:extLst>
-              <a:ext uri="{FF2B5EF4-FFF2-40B4-BE49-F238E27FC236}">
-                <a16:creationId xmlns:a16="http://schemas.microsoft.com/office/drawing/2014/main" id="{433EC4C8-5652-8E37-1388-42FECF4CA3D7}"/>
-              </a:ext>
-            </a:extLst>
-          </p:cNvPr>
-          <p:cNvSpPr/>
-          <p:nvPr/>
-        </p:nvSpPr>
-        <p:spPr>
-          <a:xfrm flipH="1" flipV="1">
-            <a:off x="3034753" y="3977640"/>
-            <a:ext cx="7433721" cy="1594946"/>
-          </a:xfrm>
-          <a:prstGeom prst="roundRect">
-            <a:avLst/>
-          </a:prstGeom>
-          <a:noFill/>
-          <a:ln>
-            <a:solidFill>
-              <a:srgbClr val="2088FE"/>
-            </a:solidFill>
-          </a:ln>
-        </p:spPr>
-        <p:style>
-          <a:lnRef idx="2">
-            <a:schemeClr val="accent1">
-              <a:shade val="50000"/>
-            </a:schemeClr>
-          </a:lnRef>
-          <a:fillRef idx="1">
-            <a:schemeClr val="accent1"/>
-          </a:fillRef>
-          <a:effectRef idx="0">
-            <a:schemeClr val="accent1"/>
-          </a:effectRef>
-          <a:fontRef idx="minor">
-            <a:schemeClr val="lt1"/>
-          </a:fontRef>
-        </p:style>
-        <p:txBody>
-          <a:bodyPr rtlCol="0" anchor="ctr"/>
-          <a:lstStyle/>
-          <a:p>
-            <a:pPr algn="ctr"/>
-            <a:endParaRPr lang="de-DE"/>
+              <a:t>Terraform</a:t>
+            </a:r>
+          </a:p>
+        </p:txBody>
+      </p:sp>
+      <p:sp>
+        <p:nvSpPr>
+          <p:cNvPr id="4" name="Content Placeholder 3">
+            <a:extLst>
+              <a:ext uri="{FF2B5EF4-FFF2-40B4-BE49-F238E27FC236}">
+                <a16:creationId xmlns:a16="http://schemas.microsoft.com/office/drawing/2014/main" id="{2BF5D699-940E-4DE9-8183-FAB1BE315652}"/>
+              </a:ext>
+            </a:extLst>
+          </p:cNvPr>
+          <p:cNvSpPr>
+            <a:spLocks noGrp="1"/>
+          </p:cNvSpPr>
+          <p:nvPr>
+            <p:ph idx="1"/>
+          </p:nvPr>
+        </p:nvSpPr>
+        <p:spPr/>
+        <p:txBody>
+          <a:bodyPr/>
+          <a:lstStyle/>
+          <a:p>
+            <a:r>
+              <a:rPr lang="en-US" dirty="0"/>
+              <a:t>Terraform to automatically build, change, and version public cloud infrastructure</a:t>
+            </a:r>
           </a:p>
         </p:txBody>
       </p:sp>
       <p:pic>
         <p:nvPicPr>
-          <p:cNvPr id="10" name="Picture 19">
-            <a:extLst>
-              <a:ext uri="{FF2B5EF4-FFF2-40B4-BE49-F238E27FC236}">
-                <a16:creationId xmlns:a16="http://schemas.microsoft.com/office/drawing/2014/main" id="{B187C7EC-CE9C-D136-07DC-CC38CA9DE47D}"/>
-              </a:ext>
-            </a:extLst>
-          </p:cNvPr>
-          <p:cNvPicPr>
-            <a:picLocks noChangeAspect="1"/>
-          </p:cNvPicPr>
-          <p:nvPr/>
-        </p:nvPicPr>
-        <p:blipFill>
-          <a:blip r:embed="rId2"/>
-          <a:stretch>
-            <a:fillRect/>
-          </a:stretch>
-        </p:blipFill>
-        <p:spPr>
-          <a:xfrm>
-            <a:off x="3113900" y="4123214"/>
-            <a:ext cx="426720" cy="426720"/>
-          </a:xfrm>
-          <a:prstGeom prst="rect">
-            <a:avLst/>
-          </a:prstGeom>
-        </p:spPr>
-      </p:pic>
-      <p:cxnSp>
-        <p:nvCxnSpPr>
-          <p:cNvPr id="19" name="Straight Arrow Connector 11">
-            <a:extLst>
-              <a:ext uri="{FF2B5EF4-FFF2-40B4-BE49-F238E27FC236}">
-                <a16:creationId xmlns:a16="http://schemas.microsoft.com/office/drawing/2014/main" id="{2BE4D3C3-2C05-2D6B-EB00-0B569B104FB4}"/>
-              </a:ext>
-            </a:extLst>
-          </p:cNvPr>
-          <p:cNvCxnSpPr>
-            <a:cxnSpLocks/>
-            <a:stCxn id="5" idx="0"/>
-            <a:endCxn id="20" idx="2"/>
-          </p:cNvCxnSpPr>
-          <p:nvPr/>
-        </p:nvCxnSpPr>
-        <p:spPr>
-          <a:xfrm flipH="1" flipV="1">
-            <a:off x="4898774" y="3300716"/>
-            <a:ext cx="1" cy="1165296"/>
-          </a:xfrm>
-          <a:prstGeom prst="straightConnector1">
-            <a:avLst/>
-          </a:prstGeom>
-          <a:ln>
-            <a:solidFill>
-              <a:srgbClr val="5C4EE5"/>
-            </a:solidFill>
-            <a:tailEnd type="triangle"/>
-          </a:ln>
-        </p:spPr>
-        <p:style>
-          <a:lnRef idx="1">
-            <a:schemeClr val="accent1"/>
-          </a:lnRef>
-          <a:fillRef idx="0">
-            <a:schemeClr val="accent1"/>
-          </a:fillRef>
-          <a:effectRef idx="0">
-            <a:schemeClr val="accent1"/>
-          </a:effectRef>
-          <a:fontRef idx="minor">
-            <a:schemeClr val="tx1"/>
-          </a:fontRef>
-        </p:style>
-      </p:cxnSp>
-      <p:sp>
-        <p:nvSpPr>
-          <p:cNvPr id="20" name="Rectangle: Rounded Corners 6">
-            <a:extLst>
-              <a:ext uri="{FF2B5EF4-FFF2-40B4-BE49-F238E27FC236}">
-                <a16:creationId xmlns:a16="http://schemas.microsoft.com/office/drawing/2014/main" id="{B811BC74-BB0A-7701-99C2-0D2003A48E60}"/>
-              </a:ext>
-            </a:extLst>
-          </p:cNvPr>
-          <p:cNvSpPr/>
-          <p:nvPr/>
-        </p:nvSpPr>
-        <p:spPr>
-          <a:xfrm>
-            <a:off x="3619765" y="2531789"/>
-            <a:ext cx="2558017" cy="768927"/>
-          </a:xfrm>
-          <a:prstGeom prst="roundRect">
-            <a:avLst/>
-          </a:prstGeom>
-          <a:solidFill>
-            <a:srgbClr val="5C4EE5"/>
-          </a:solidFill>
-          <a:ln>
-            <a:noFill/>
-          </a:ln>
-        </p:spPr>
-        <p:style>
-          <a:lnRef idx="2">
-            <a:schemeClr val="accent1">
-              <a:shade val="50000"/>
-            </a:schemeClr>
-          </a:lnRef>
-          <a:fillRef idx="1">
-            <a:schemeClr val="accent1"/>
-          </a:fillRef>
-          <a:effectRef idx="0">
-            <a:schemeClr val="accent1"/>
-          </a:effectRef>
-          <a:fontRef idx="minor">
-            <a:schemeClr val="lt1"/>
-          </a:fontRef>
-        </p:style>
-        <p:txBody>
-          <a:bodyPr rtlCol="0" anchor="ctr"/>
-          <a:lstStyle/>
-          <a:p>
-            <a:pPr algn="ctr"/>
-            <a:r>
-              <a:rPr lang="de-DE" dirty="0"/>
-              <a:t>Create EC2 </a:t>
-            </a:r>
-            <a:r>
-              <a:rPr lang="de-DE" dirty="0" err="1"/>
-              <a:t>machine</a:t>
-            </a:r>
-            <a:endParaRPr lang="de-DE" dirty="0"/>
-          </a:p>
-        </p:txBody>
-      </p:sp>
-      <p:sp>
-        <p:nvSpPr>
-          <p:cNvPr id="21" name="Rectangle: Rounded Corners 17">
-            <a:extLst>
-              <a:ext uri="{FF2B5EF4-FFF2-40B4-BE49-F238E27FC236}">
-                <a16:creationId xmlns:a16="http://schemas.microsoft.com/office/drawing/2014/main" id="{865E96C3-898B-ABE0-91DC-5A88AEAE32A1}"/>
-              </a:ext>
-            </a:extLst>
-          </p:cNvPr>
-          <p:cNvSpPr/>
-          <p:nvPr/>
-        </p:nvSpPr>
-        <p:spPr>
-          <a:xfrm flipH="1" flipV="1">
-            <a:off x="3034754" y="1946276"/>
-            <a:ext cx="3424355" cy="1594946"/>
-          </a:xfrm>
-          <a:prstGeom prst="roundRect">
-            <a:avLst/>
-          </a:prstGeom>
-          <a:noFill/>
-          <a:ln>
-            <a:solidFill>
-              <a:srgbClr val="5C4EE5"/>
-            </a:solidFill>
-          </a:ln>
-        </p:spPr>
-        <p:style>
-          <a:lnRef idx="2">
-            <a:schemeClr val="accent1">
-              <a:shade val="50000"/>
-            </a:schemeClr>
-          </a:lnRef>
-          <a:fillRef idx="1">
-            <a:schemeClr val="accent1"/>
-          </a:fillRef>
-          <a:effectRef idx="0">
-            <a:schemeClr val="accent1"/>
-          </a:effectRef>
-          <a:fontRef idx="minor">
-            <a:schemeClr val="lt1"/>
-          </a:fontRef>
-        </p:style>
-        <p:txBody>
-          <a:bodyPr rtlCol="0" anchor="ctr"/>
-          <a:lstStyle/>
-          <a:p>
-            <a:pPr algn="ctr"/>
-            <a:endParaRPr lang="de-DE"/>
-          </a:p>
-        </p:txBody>
-      </p:sp>
-      <p:pic>
-        <p:nvPicPr>
-          <p:cNvPr id="24" name="Picture 4">
-            <a:extLst>
-              <a:ext uri="{FF2B5EF4-FFF2-40B4-BE49-F238E27FC236}">
-                <a16:creationId xmlns:a16="http://schemas.microsoft.com/office/drawing/2014/main" id="{F668A630-DDE5-F7FD-292A-06605BED7FC7}"/>
+          <p:cNvPr id="5" name="Picture 4">
+            <a:extLst>
+              <a:ext uri="{FF2B5EF4-FFF2-40B4-BE49-F238E27FC236}">
+                <a16:creationId xmlns:a16="http://schemas.microsoft.com/office/drawing/2014/main" id="{C71EF30E-69FD-408B-9A66-26E23FCAF59D}"/>
               </a:ext>
             </a:extLst>
           </p:cNvPr>
@@ -9335,8 +9671,8 @@
         </p:blipFill>
         <p:spPr>
           <a:xfrm>
-            <a:off x="3234504" y="2049410"/>
-            <a:ext cx="426720" cy="482379"/>
+            <a:off x="10274650" y="417951"/>
+            <a:ext cx="1079150" cy="1219909"/>
           </a:xfrm>
           <a:prstGeom prst="rect">
             <a:avLst/>
@@ -9345,10 +9681,10 @@
       </p:pic>
       <p:pic>
         <p:nvPicPr>
-          <p:cNvPr id="28" name="Picture 6">
-            <a:extLst>
-              <a:ext uri="{FF2B5EF4-FFF2-40B4-BE49-F238E27FC236}">
-                <a16:creationId xmlns:a16="http://schemas.microsoft.com/office/drawing/2014/main" id="{97D45E23-90AD-A028-05E6-6586A5843E21}"/>
+          <p:cNvPr id="6" name="Grafik 5">
+            <a:extLst>
+              <a:ext uri="{FF2B5EF4-FFF2-40B4-BE49-F238E27FC236}">
+                <a16:creationId xmlns:a16="http://schemas.microsoft.com/office/drawing/2014/main" id="{CF409AD2-EC87-FFBD-FDBA-2EC7012E4054}"/>
               </a:ext>
             </a:extLst>
           </p:cNvPr>
@@ -9365,360 +9701,25 @@
         </p:blipFill>
         <p:spPr>
           <a:xfrm>
-            <a:off x="7249750" y="2094178"/>
-            <a:ext cx="549008" cy="336268"/>
+            <a:off x="3057952" y="3283888"/>
+            <a:ext cx="6076095" cy="1752443"/>
           </a:xfrm>
           <a:prstGeom prst="rect">
             <a:avLst/>
           </a:prstGeom>
-        </p:spPr>
-      </p:pic>
-      <p:sp>
-        <p:nvSpPr>
-          <p:cNvPr id="29" name="Rectangle: Rounded Corners 6">
-            <a:extLst>
-              <a:ext uri="{FF2B5EF4-FFF2-40B4-BE49-F238E27FC236}">
-                <a16:creationId xmlns:a16="http://schemas.microsoft.com/office/drawing/2014/main" id="{8A69E514-DFCE-BDFC-FE4E-7567049EB630}"/>
-              </a:ext>
-            </a:extLst>
-          </p:cNvPr>
-          <p:cNvSpPr/>
-          <p:nvPr/>
-        </p:nvSpPr>
-        <p:spPr>
-          <a:xfrm>
-            <a:off x="7639732" y="2531789"/>
-            <a:ext cx="2558017" cy="768927"/>
-          </a:xfrm>
-          <a:prstGeom prst="roundRect">
-            <a:avLst/>
-          </a:prstGeom>
-          <a:solidFill>
-            <a:srgbClr val="FF9900"/>
-          </a:solidFill>
-          <a:ln>
-            <a:noFill/>
-          </a:ln>
-        </p:spPr>
-        <p:style>
-          <a:lnRef idx="2">
-            <a:schemeClr val="accent1">
-              <a:shade val="50000"/>
-            </a:schemeClr>
-          </a:lnRef>
-          <a:fillRef idx="1">
-            <a:schemeClr val="accent1"/>
-          </a:fillRef>
-          <a:effectRef idx="0">
-            <a:schemeClr val="accent1"/>
-          </a:effectRef>
-          <a:fontRef idx="minor">
-            <a:schemeClr val="lt1"/>
-          </a:fontRef>
-        </p:style>
-        <p:txBody>
-          <a:bodyPr rtlCol="0" anchor="ctr"/>
-          <a:lstStyle/>
-          <a:p>
-            <a:pPr algn="ctr"/>
-            <a:r>
-              <a:rPr lang="de-DE" dirty="0"/>
-              <a:t>EC2 </a:t>
-            </a:r>
-            <a:r>
-              <a:rPr lang="de-DE" dirty="0" err="1"/>
-              <a:t>machine</a:t>
-            </a:r>
-            <a:endParaRPr lang="de-DE" dirty="0"/>
-          </a:p>
-        </p:txBody>
-      </p:sp>
-      <p:sp>
-        <p:nvSpPr>
-          <p:cNvPr id="30" name="Rectangle: Rounded Corners 17">
-            <a:extLst>
-              <a:ext uri="{FF2B5EF4-FFF2-40B4-BE49-F238E27FC236}">
-                <a16:creationId xmlns:a16="http://schemas.microsoft.com/office/drawing/2014/main" id="{C3D25223-D404-A957-180D-7C74A93E192A}"/>
-              </a:ext>
-            </a:extLst>
-          </p:cNvPr>
-          <p:cNvSpPr/>
-          <p:nvPr/>
-        </p:nvSpPr>
-        <p:spPr>
-          <a:xfrm flipH="1" flipV="1">
-            <a:off x="7044120" y="1946276"/>
-            <a:ext cx="3424355" cy="1594946"/>
-          </a:xfrm>
-          <a:prstGeom prst="roundRect">
-            <a:avLst/>
-          </a:prstGeom>
-          <a:noFill/>
-          <a:ln>
-            <a:solidFill>
-              <a:srgbClr val="FF9900"/>
-            </a:solidFill>
-          </a:ln>
-        </p:spPr>
-        <p:style>
-          <a:lnRef idx="2">
-            <a:schemeClr val="accent1">
-              <a:shade val="50000"/>
-            </a:schemeClr>
-          </a:lnRef>
-          <a:fillRef idx="1">
-            <a:schemeClr val="accent1"/>
-          </a:fillRef>
-          <a:effectRef idx="0">
-            <a:schemeClr val="accent1"/>
-          </a:effectRef>
-          <a:fontRef idx="minor">
-            <a:schemeClr val="lt1"/>
-          </a:fontRef>
-        </p:style>
-        <p:txBody>
-          <a:bodyPr rtlCol="0" anchor="ctr"/>
-          <a:lstStyle/>
-          <a:p>
-            <a:pPr algn="ctr"/>
-            <a:endParaRPr lang="de-DE"/>
-          </a:p>
-        </p:txBody>
-      </p:sp>
-      <p:cxnSp>
-        <p:nvCxnSpPr>
-          <p:cNvPr id="31" name="Straight Arrow Connector 11">
-            <a:extLst>
-              <a:ext uri="{FF2B5EF4-FFF2-40B4-BE49-F238E27FC236}">
-                <a16:creationId xmlns:a16="http://schemas.microsoft.com/office/drawing/2014/main" id="{227B2E06-2BE5-7007-A654-EBE79D0F9520}"/>
-              </a:ext>
-            </a:extLst>
-          </p:cNvPr>
-          <p:cNvCxnSpPr>
-            <a:cxnSpLocks/>
-            <a:stCxn id="20" idx="3"/>
-            <a:endCxn id="29" idx="1"/>
-          </p:cNvCxnSpPr>
-          <p:nvPr/>
-        </p:nvCxnSpPr>
-        <p:spPr>
-          <a:xfrm>
-            <a:off x="6177782" y="2916253"/>
-            <a:ext cx="1461950" cy="0"/>
-          </a:xfrm>
-          <a:prstGeom prst="straightConnector1">
-            <a:avLst/>
-          </a:prstGeom>
-          <a:ln>
-            <a:solidFill>
-              <a:srgbClr val="FF9900"/>
-            </a:solidFill>
-            <a:tailEnd type="triangle"/>
-          </a:ln>
-        </p:spPr>
-        <p:style>
-          <a:lnRef idx="1">
-            <a:schemeClr val="accent1"/>
-          </a:lnRef>
-          <a:fillRef idx="0">
-            <a:schemeClr val="accent1"/>
-          </a:fillRef>
-          <a:effectRef idx="0">
-            <a:schemeClr val="accent1"/>
-          </a:effectRef>
-          <a:fontRef idx="minor">
-            <a:schemeClr val="tx1"/>
-          </a:fontRef>
-        </p:style>
-      </p:cxnSp>
-      <p:cxnSp>
-        <p:nvCxnSpPr>
-          <p:cNvPr id="36" name="Straight Arrow Connector 11">
-            <a:extLst>
-              <a:ext uri="{FF2B5EF4-FFF2-40B4-BE49-F238E27FC236}">
-                <a16:creationId xmlns:a16="http://schemas.microsoft.com/office/drawing/2014/main" id="{0939BA32-55A3-5025-F860-5D4857282D4C}"/>
-              </a:ext>
-            </a:extLst>
-          </p:cNvPr>
-          <p:cNvCxnSpPr>
-            <a:cxnSpLocks/>
-            <a:stCxn id="6" idx="0"/>
-            <a:endCxn id="29" idx="2"/>
-          </p:cNvCxnSpPr>
-          <p:nvPr/>
-        </p:nvCxnSpPr>
-        <p:spPr>
-          <a:xfrm flipV="1">
-            <a:off x="8918739" y="3300716"/>
-            <a:ext cx="2" cy="1165293"/>
-          </a:xfrm>
-          <a:prstGeom prst="straightConnector1">
-            <a:avLst/>
-          </a:prstGeom>
-          <a:ln>
-            <a:solidFill>
-              <a:srgbClr val="FF9900"/>
-            </a:solidFill>
-            <a:tailEnd type="triangle"/>
-          </a:ln>
-        </p:spPr>
-        <p:style>
-          <a:lnRef idx="1">
-            <a:schemeClr val="accent1"/>
-          </a:lnRef>
-          <a:fillRef idx="0">
-            <a:schemeClr val="accent1"/>
-          </a:fillRef>
-          <a:effectRef idx="0">
-            <a:schemeClr val="accent1"/>
-          </a:effectRef>
-          <a:fontRef idx="minor">
-            <a:schemeClr val="tx1"/>
-          </a:fontRef>
-        </p:style>
-      </p:cxnSp>
-      <p:sp>
-        <p:nvSpPr>
-          <p:cNvPr id="3" name="Rechteck 2">
-            <a:extLst>
-              <a:ext uri="{FF2B5EF4-FFF2-40B4-BE49-F238E27FC236}">
-                <a16:creationId xmlns:a16="http://schemas.microsoft.com/office/drawing/2014/main" id="{6EEB4DD0-E328-9220-C30A-35E53E4C7453}"/>
-              </a:ext>
-            </a:extLst>
-          </p:cNvPr>
-          <p:cNvSpPr/>
-          <p:nvPr/>
-        </p:nvSpPr>
-        <p:spPr>
-          <a:xfrm>
-            <a:off x="763327" y="3886229"/>
-            <a:ext cx="10122009" cy="2248483"/>
-          </a:xfrm>
-          <a:prstGeom prst="rect">
-            <a:avLst/>
-          </a:prstGeom>
-          <a:solidFill>
-            <a:schemeClr val="bg1">
-              <a:alpha val="66000"/>
-            </a:schemeClr>
-          </a:solidFill>
-          <a:ln>
-            <a:noFill/>
-          </a:ln>
-        </p:spPr>
-        <p:style>
-          <a:lnRef idx="2">
-            <a:schemeClr val="accent1">
-              <a:shade val="50000"/>
-            </a:schemeClr>
-          </a:lnRef>
-          <a:fillRef idx="1">
-            <a:schemeClr val="accent1"/>
-          </a:fillRef>
-          <a:effectRef idx="0">
-            <a:schemeClr val="accent1"/>
-          </a:effectRef>
-          <a:fontRef idx="minor">
-            <a:schemeClr val="lt1"/>
-          </a:fontRef>
-        </p:style>
-        <p:txBody>
-          <a:bodyPr rtlCol="0" anchor="ctr"/>
-          <a:lstStyle/>
-          <a:p>
-            <a:pPr algn="ctr"/>
-            <a:endParaRPr lang="de-DE"/>
-          </a:p>
-        </p:txBody>
-      </p:sp>
-      <p:sp>
-        <p:nvSpPr>
-          <p:cNvPr id="22" name="Rechteck 21">
-            <a:extLst>
-              <a:ext uri="{FF2B5EF4-FFF2-40B4-BE49-F238E27FC236}">
-                <a16:creationId xmlns:a16="http://schemas.microsoft.com/office/drawing/2014/main" id="{814D3013-1923-2DCD-A95E-6FA7FDC431EF}"/>
-              </a:ext>
-            </a:extLst>
-          </p:cNvPr>
-          <p:cNvSpPr/>
-          <p:nvPr/>
-        </p:nvSpPr>
-        <p:spPr>
-          <a:xfrm>
-            <a:off x="2740769" y="1836262"/>
-            <a:ext cx="3901927" cy="2040191"/>
-          </a:xfrm>
-          <a:prstGeom prst="rect">
-            <a:avLst/>
-          </a:prstGeom>
-          <a:solidFill>
-            <a:schemeClr val="bg1">
-              <a:alpha val="66000"/>
-            </a:schemeClr>
-          </a:solidFill>
-          <a:ln>
-            <a:noFill/>
-          </a:ln>
-        </p:spPr>
-        <p:style>
-          <a:lnRef idx="2">
-            <a:schemeClr val="accent1">
-              <a:shade val="50000"/>
-            </a:schemeClr>
-          </a:lnRef>
-          <a:fillRef idx="1">
-            <a:schemeClr val="accent1"/>
-          </a:fillRef>
-          <a:effectRef idx="0">
-            <a:schemeClr val="accent1"/>
-          </a:effectRef>
-          <a:fontRef idx="minor">
-            <a:schemeClr val="lt1"/>
-          </a:fontRef>
-        </p:style>
-        <p:txBody>
-          <a:bodyPr rtlCol="0" anchor="ctr"/>
-          <a:lstStyle/>
-          <a:p>
-            <a:pPr algn="ctr"/>
-            <a:endParaRPr lang="de-DE"/>
-          </a:p>
-        </p:txBody>
-      </p:sp>
-      <p:pic>
-        <p:nvPicPr>
-          <p:cNvPr id="23" name="Picture 6">
-            <a:extLst>
-              <a:ext uri="{FF2B5EF4-FFF2-40B4-BE49-F238E27FC236}">
-                <a16:creationId xmlns:a16="http://schemas.microsoft.com/office/drawing/2014/main" id="{28A139B5-3B63-4EFF-59AF-FB9994611600}"/>
-              </a:ext>
-            </a:extLst>
-          </p:cNvPr>
-          <p:cNvPicPr>
-            <a:picLocks noChangeAspect="1"/>
-          </p:cNvPicPr>
-          <p:nvPr/>
-        </p:nvPicPr>
-        <p:blipFill>
-          <a:blip r:embed="rId4"/>
-          <a:stretch>
-            <a:fillRect/>
-          </a:stretch>
-        </p:blipFill>
-        <p:spPr>
-          <a:xfrm>
-            <a:off x="9491753" y="457654"/>
-            <a:ext cx="1862047" cy="1140504"/>
-          </a:xfrm>
-          <a:prstGeom prst="rect">
-            <a:avLst/>
-          </a:prstGeom>
+          <a:effectLst>
+            <a:outerShdw blurRad="50800" dist="38100" dir="2700000" algn="tl" rotWithShape="0">
+              <a:prstClr val="black">
+                <a:alpha val="40000"/>
+              </a:prstClr>
+            </a:outerShdw>
+          </a:effectLst>
         </p:spPr>
       </p:pic>
     </p:spTree>
     <p:extLst>
       <p:ext uri="{BB962C8B-B14F-4D97-AF65-F5344CB8AC3E}">
-        <p14:creationId xmlns:p14="http://schemas.microsoft.com/office/powerpoint/2010/main" val="1011046658"/>
+        <p14:creationId xmlns:p14="http://schemas.microsoft.com/office/powerpoint/2010/main" val="4128644860"/>
       </p:ext>
     </p:extLst>
   </p:cSld>
@@ -9750,7 +9751,7 @@
           <p:cNvPr id="2" name="Titel 1">
             <a:extLst>
               <a:ext uri="{FF2B5EF4-FFF2-40B4-BE49-F238E27FC236}">
-                <a16:creationId xmlns:a16="http://schemas.microsoft.com/office/drawing/2014/main" id="{B65D7EC3-CD42-4551-8940-B2E7B1FA136C}"/>
+                <a16:creationId xmlns:a16="http://schemas.microsoft.com/office/drawing/2014/main" id="{FE7310EA-0D36-8797-94D6-7E3C9FD760A2}"/>
               </a:ext>
             </a:extLst>
           </p:cNvPr>
@@ -9775,52 +9776,544 @@
       </p:sp>
       <p:sp>
         <p:nvSpPr>
-          <p:cNvPr id="4" name="Content Placeholder 3">
-            <a:extLst>
-              <a:ext uri="{FF2B5EF4-FFF2-40B4-BE49-F238E27FC236}">
-                <a16:creationId xmlns:a16="http://schemas.microsoft.com/office/drawing/2014/main" id="{2BF5D699-940E-4DE9-8183-FAB1BE315652}"/>
-              </a:ext>
-            </a:extLst>
-          </p:cNvPr>
-          <p:cNvSpPr>
-            <a:spLocks noGrp="1"/>
-          </p:cNvSpPr>
-          <p:nvPr>
-            <p:ph idx="1"/>
-          </p:nvPr>
-        </p:nvSpPr>
-        <p:spPr/>
-        <p:txBody>
-          <a:bodyPr/>
-          <a:lstStyle/>
-          <a:p>
-            <a:r>
-              <a:rPr lang="en-US" dirty="0"/>
-              <a:t>Amazon Elastic Compute Cloud (EC2) to deploy our application</a:t>
-            </a:r>
-          </a:p>
-          <a:p>
-            <a:pPr lvl="1"/>
-            <a:r>
-              <a:rPr lang="en-US" dirty="0"/>
-              <a:t>Security groups</a:t>
-            </a:r>
-          </a:p>
-          <a:p>
-            <a:pPr lvl="1"/>
-            <a:r>
-              <a:rPr lang="en-US" dirty="0"/>
-              <a:t>Elastic IP</a:t>
-            </a:r>
+          <p:cNvPr id="4" name="Rectangle: Rounded Corners 5">
+            <a:extLst>
+              <a:ext uri="{FF2B5EF4-FFF2-40B4-BE49-F238E27FC236}">
+                <a16:creationId xmlns:a16="http://schemas.microsoft.com/office/drawing/2014/main" id="{78CCAEE7-61F5-65AA-DCCD-9964C5338FAE}"/>
+              </a:ext>
+            </a:extLst>
+          </p:cNvPr>
+          <p:cNvSpPr/>
+          <p:nvPr/>
+        </p:nvSpPr>
+        <p:spPr>
+          <a:xfrm>
+            <a:off x="1164594" y="4466010"/>
+            <a:ext cx="1704110" cy="768927"/>
+          </a:xfrm>
+          <a:prstGeom prst="roundRect">
+            <a:avLst/>
+          </a:prstGeom>
+          <a:solidFill>
+            <a:srgbClr val="2088FE"/>
+          </a:solidFill>
+          <a:ln>
+            <a:noFill/>
+          </a:ln>
+        </p:spPr>
+        <p:style>
+          <a:lnRef idx="2">
+            <a:schemeClr val="accent1">
+              <a:shade val="50000"/>
+            </a:schemeClr>
+          </a:lnRef>
+          <a:fillRef idx="1">
+            <a:schemeClr val="accent1"/>
+          </a:fillRef>
+          <a:effectRef idx="0">
+            <a:schemeClr val="accent1"/>
+          </a:effectRef>
+          <a:fontRef idx="minor">
+            <a:schemeClr val="lt1"/>
+          </a:fontRef>
+        </p:style>
+        <p:txBody>
+          <a:bodyPr rtlCol="0" anchor="ctr"/>
+          <a:lstStyle/>
+          <a:p>
+            <a:pPr algn="ctr"/>
+            <a:r>
+              <a:rPr lang="de-DE" dirty="0"/>
+              <a:t>Push</a:t>
+            </a:r>
+          </a:p>
+        </p:txBody>
+      </p:sp>
+      <p:sp>
+        <p:nvSpPr>
+          <p:cNvPr id="5" name="Rectangle: Rounded Corners 6">
+            <a:extLst>
+              <a:ext uri="{FF2B5EF4-FFF2-40B4-BE49-F238E27FC236}">
+                <a16:creationId xmlns:a16="http://schemas.microsoft.com/office/drawing/2014/main" id="{264CA49D-6F4B-C4CF-E420-1104249827C0}"/>
+              </a:ext>
+            </a:extLst>
+          </p:cNvPr>
+          <p:cNvSpPr/>
+          <p:nvPr/>
+        </p:nvSpPr>
+        <p:spPr>
+          <a:xfrm>
+            <a:off x="3619766" y="4466012"/>
+            <a:ext cx="2558017" cy="768927"/>
+          </a:xfrm>
+          <a:prstGeom prst="roundRect">
+            <a:avLst/>
+          </a:prstGeom>
+          <a:solidFill>
+            <a:srgbClr val="2088FE"/>
+          </a:solidFill>
+          <a:ln>
+            <a:noFill/>
+          </a:ln>
+        </p:spPr>
+        <p:style>
+          <a:lnRef idx="2">
+            <a:schemeClr val="accent1">
+              <a:shade val="50000"/>
+            </a:schemeClr>
+          </a:lnRef>
+          <a:fillRef idx="1">
+            <a:schemeClr val="accent1"/>
+          </a:fillRef>
+          <a:effectRef idx="0">
+            <a:schemeClr val="accent1"/>
+          </a:effectRef>
+          <a:fontRef idx="minor">
+            <a:schemeClr val="lt1"/>
+          </a:fontRef>
+        </p:style>
+        <p:txBody>
+          <a:bodyPr rtlCol="0" anchor="ctr"/>
+          <a:lstStyle/>
+          <a:p>
+            <a:pPr algn="ctr"/>
+            <a:r>
+              <a:rPr lang="de-DE" dirty="0"/>
+              <a:t>Create Infrastructure </a:t>
+            </a:r>
+            <a:r>
+              <a:rPr lang="de-DE" dirty="0" err="1"/>
+              <a:t>with</a:t>
+            </a:r>
+            <a:r>
+              <a:rPr lang="de-DE" dirty="0"/>
+              <a:t> Terraform</a:t>
+            </a:r>
+          </a:p>
+        </p:txBody>
+      </p:sp>
+      <p:sp>
+        <p:nvSpPr>
+          <p:cNvPr id="6" name="Rectangle: Rounded Corners 7">
+            <a:extLst>
+              <a:ext uri="{FF2B5EF4-FFF2-40B4-BE49-F238E27FC236}">
+                <a16:creationId xmlns:a16="http://schemas.microsoft.com/office/drawing/2014/main" id="{7245DBC1-1583-905A-477C-077D529C85D9}"/>
+              </a:ext>
+            </a:extLst>
+          </p:cNvPr>
+          <p:cNvSpPr/>
+          <p:nvPr/>
+        </p:nvSpPr>
+        <p:spPr>
+          <a:xfrm>
+            <a:off x="7639731" y="4466009"/>
+            <a:ext cx="2558015" cy="768927"/>
+          </a:xfrm>
+          <a:prstGeom prst="roundRect">
+            <a:avLst/>
+          </a:prstGeom>
+          <a:solidFill>
+            <a:srgbClr val="2088FE"/>
+          </a:solidFill>
+          <a:ln>
+            <a:noFill/>
+          </a:ln>
+        </p:spPr>
+        <p:style>
+          <a:lnRef idx="2">
+            <a:schemeClr val="accent1">
+              <a:shade val="50000"/>
+            </a:schemeClr>
+          </a:lnRef>
+          <a:fillRef idx="1">
+            <a:schemeClr val="accent1"/>
+          </a:fillRef>
+          <a:effectRef idx="0">
+            <a:schemeClr val="accent1"/>
+          </a:effectRef>
+          <a:fontRef idx="minor">
+            <a:schemeClr val="lt1"/>
+          </a:fontRef>
+        </p:style>
+        <p:txBody>
+          <a:bodyPr rtlCol="0" anchor="ctr"/>
+          <a:lstStyle/>
+          <a:p>
+            <a:pPr algn="ctr"/>
+            <a:r>
+              <a:rPr lang="de-DE" dirty="0"/>
+              <a:t>Deploy </a:t>
+            </a:r>
+            <a:r>
+              <a:rPr lang="de-DE" dirty="0" err="1"/>
+              <a:t>app</a:t>
+            </a:r>
+            <a:r>
+              <a:rPr lang="de-DE" dirty="0"/>
+              <a:t> </a:t>
+            </a:r>
+            <a:r>
+              <a:rPr lang="de-DE" dirty="0" err="1"/>
+              <a:t>with</a:t>
+            </a:r>
+            <a:r>
+              <a:rPr lang="de-DE" dirty="0"/>
+              <a:t> </a:t>
+            </a:r>
+            <a:r>
+              <a:rPr lang="de-DE" dirty="0" err="1"/>
+              <a:t>docker</a:t>
+            </a:r>
+            <a:r>
+              <a:rPr lang="de-DE" dirty="0"/>
+              <a:t> </a:t>
+            </a:r>
+            <a:r>
+              <a:rPr lang="de-DE" dirty="0" err="1"/>
+              <a:t>compose</a:t>
+            </a:r>
+            <a:endParaRPr lang="de-DE" dirty="0"/>
+          </a:p>
+        </p:txBody>
+      </p:sp>
+      <p:cxnSp>
+        <p:nvCxnSpPr>
+          <p:cNvPr id="7" name="Straight Arrow Connector 11">
+            <a:extLst>
+              <a:ext uri="{FF2B5EF4-FFF2-40B4-BE49-F238E27FC236}">
+                <a16:creationId xmlns:a16="http://schemas.microsoft.com/office/drawing/2014/main" id="{F501AB0B-B3CB-38AA-624C-ED414CEFB3A8}"/>
+              </a:ext>
+            </a:extLst>
+          </p:cNvPr>
+          <p:cNvCxnSpPr>
+            <a:cxnSpLocks/>
+            <a:stCxn id="4" idx="3"/>
+            <a:endCxn id="5" idx="1"/>
+          </p:cNvCxnSpPr>
+          <p:nvPr/>
+        </p:nvCxnSpPr>
+        <p:spPr>
+          <a:xfrm>
+            <a:off x="2868704" y="4850474"/>
+            <a:ext cx="751062" cy="2"/>
+          </a:xfrm>
+          <a:prstGeom prst="straightConnector1">
+            <a:avLst/>
+          </a:prstGeom>
+          <a:ln>
+            <a:solidFill>
+              <a:srgbClr val="2088FE"/>
+            </a:solidFill>
+            <a:tailEnd type="triangle"/>
+          </a:ln>
+        </p:spPr>
+        <p:style>
+          <a:lnRef idx="1">
+            <a:schemeClr val="accent1"/>
+          </a:lnRef>
+          <a:fillRef idx="0">
+            <a:schemeClr val="accent1"/>
+          </a:fillRef>
+          <a:effectRef idx="0">
+            <a:schemeClr val="accent1"/>
+          </a:effectRef>
+          <a:fontRef idx="minor">
+            <a:schemeClr val="tx1"/>
+          </a:fontRef>
+        </p:style>
+      </p:cxnSp>
+      <p:cxnSp>
+        <p:nvCxnSpPr>
+          <p:cNvPr id="8" name="Straight Arrow Connector 13">
+            <a:extLst>
+              <a:ext uri="{FF2B5EF4-FFF2-40B4-BE49-F238E27FC236}">
+                <a16:creationId xmlns:a16="http://schemas.microsoft.com/office/drawing/2014/main" id="{15D2F7F9-D527-3673-F73F-11C0FEC9E142}"/>
+              </a:ext>
+            </a:extLst>
+          </p:cNvPr>
+          <p:cNvCxnSpPr>
+            <a:cxnSpLocks/>
+            <a:stCxn id="5" idx="3"/>
+            <a:endCxn id="6" idx="1"/>
+          </p:cNvCxnSpPr>
+          <p:nvPr/>
+        </p:nvCxnSpPr>
+        <p:spPr>
+          <a:xfrm flipV="1">
+            <a:off x="6177783" y="4850473"/>
+            <a:ext cx="1461948" cy="3"/>
+          </a:xfrm>
+          <a:prstGeom prst="straightConnector1">
+            <a:avLst/>
+          </a:prstGeom>
+          <a:ln>
+            <a:solidFill>
+              <a:srgbClr val="2088FE"/>
+            </a:solidFill>
+            <a:tailEnd type="triangle"/>
+          </a:ln>
+        </p:spPr>
+        <p:style>
+          <a:lnRef idx="1">
+            <a:schemeClr val="accent1"/>
+          </a:lnRef>
+          <a:fillRef idx="0">
+            <a:schemeClr val="accent1"/>
+          </a:fillRef>
+          <a:effectRef idx="0">
+            <a:schemeClr val="accent1"/>
+          </a:effectRef>
+          <a:fontRef idx="minor">
+            <a:schemeClr val="tx1"/>
+          </a:fontRef>
+        </p:style>
+      </p:cxnSp>
+      <p:sp>
+        <p:nvSpPr>
+          <p:cNvPr id="9" name="Rectangle: Rounded Corners 17">
+            <a:extLst>
+              <a:ext uri="{FF2B5EF4-FFF2-40B4-BE49-F238E27FC236}">
+                <a16:creationId xmlns:a16="http://schemas.microsoft.com/office/drawing/2014/main" id="{433EC4C8-5652-8E37-1388-42FECF4CA3D7}"/>
+              </a:ext>
+            </a:extLst>
+          </p:cNvPr>
+          <p:cNvSpPr/>
+          <p:nvPr/>
+        </p:nvSpPr>
+        <p:spPr>
+          <a:xfrm flipH="1" flipV="1">
+            <a:off x="3034753" y="3977640"/>
+            <a:ext cx="7433721" cy="1594946"/>
+          </a:xfrm>
+          <a:prstGeom prst="roundRect">
+            <a:avLst/>
+          </a:prstGeom>
+          <a:noFill/>
+          <a:ln>
+            <a:solidFill>
+              <a:srgbClr val="2088FE"/>
+            </a:solidFill>
+          </a:ln>
+        </p:spPr>
+        <p:style>
+          <a:lnRef idx="2">
+            <a:schemeClr val="accent1">
+              <a:shade val="50000"/>
+            </a:schemeClr>
+          </a:lnRef>
+          <a:fillRef idx="1">
+            <a:schemeClr val="accent1"/>
+          </a:fillRef>
+          <a:effectRef idx="0">
+            <a:schemeClr val="accent1"/>
+          </a:effectRef>
+          <a:fontRef idx="minor">
+            <a:schemeClr val="lt1"/>
+          </a:fontRef>
+        </p:style>
+        <p:txBody>
+          <a:bodyPr rtlCol="0" anchor="ctr"/>
+          <a:lstStyle/>
+          <a:p>
+            <a:pPr algn="ctr"/>
+            <a:endParaRPr lang="de-DE"/>
           </a:p>
         </p:txBody>
       </p:sp>
       <p:pic>
         <p:nvPicPr>
-          <p:cNvPr id="7" name="Picture 6">
-            <a:extLst>
-              <a:ext uri="{FF2B5EF4-FFF2-40B4-BE49-F238E27FC236}">
-                <a16:creationId xmlns:a16="http://schemas.microsoft.com/office/drawing/2014/main" id="{E1C1E508-A52A-4971-A179-36A48ADFB13B}"/>
+          <p:cNvPr id="10" name="Picture 19">
+            <a:extLst>
+              <a:ext uri="{FF2B5EF4-FFF2-40B4-BE49-F238E27FC236}">
+                <a16:creationId xmlns:a16="http://schemas.microsoft.com/office/drawing/2014/main" id="{B187C7EC-CE9C-D136-07DC-CC38CA9DE47D}"/>
+              </a:ext>
+            </a:extLst>
+          </p:cNvPr>
+          <p:cNvPicPr>
+            <a:picLocks noChangeAspect="1"/>
+          </p:cNvPicPr>
+          <p:nvPr/>
+        </p:nvPicPr>
+        <p:blipFill>
+          <a:blip r:embed="rId2"/>
+          <a:stretch>
+            <a:fillRect/>
+          </a:stretch>
+        </p:blipFill>
+        <p:spPr>
+          <a:xfrm>
+            <a:off x="3113900" y="4123214"/>
+            <a:ext cx="426720" cy="426720"/>
+          </a:xfrm>
+          <a:prstGeom prst="rect">
+            <a:avLst/>
+          </a:prstGeom>
+        </p:spPr>
+      </p:pic>
+      <p:cxnSp>
+        <p:nvCxnSpPr>
+          <p:cNvPr id="19" name="Straight Arrow Connector 11">
+            <a:extLst>
+              <a:ext uri="{FF2B5EF4-FFF2-40B4-BE49-F238E27FC236}">
+                <a16:creationId xmlns:a16="http://schemas.microsoft.com/office/drawing/2014/main" id="{2BE4D3C3-2C05-2D6B-EB00-0B569B104FB4}"/>
+              </a:ext>
+            </a:extLst>
+          </p:cNvPr>
+          <p:cNvCxnSpPr>
+            <a:cxnSpLocks/>
+            <a:stCxn id="5" idx="0"/>
+            <a:endCxn id="20" idx="2"/>
+          </p:cNvCxnSpPr>
+          <p:nvPr/>
+        </p:nvCxnSpPr>
+        <p:spPr>
+          <a:xfrm flipH="1" flipV="1">
+            <a:off x="4898774" y="3300716"/>
+            <a:ext cx="1" cy="1165296"/>
+          </a:xfrm>
+          <a:prstGeom prst="straightConnector1">
+            <a:avLst/>
+          </a:prstGeom>
+          <a:ln>
+            <a:solidFill>
+              <a:srgbClr val="5C4EE5"/>
+            </a:solidFill>
+            <a:tailEnd type="triangle"/>
+          </a:ln>
+        </p:spPr>
+        <p:style>
+          <a:lnRef idx="1">
+            <a:schemeClr val="accent1"/>
+          </a:lnRef>
+          <a:fillRef idx="0">
+            <a:schemeClr val="accent1"/>
+          </a:fillRef>
+          <a:effectRef idx="0">
+            <a:schemeClr val="accent1"/>
+          </a:effectRef>
+          <a:fontRef idx="minor">
+            <a:schemeClr val="tx1"/>
+          </a:fontRef>
+        </p:style>
+      </p:cxnSp>
+      <p:sp>
+        <p:nvSpPr>
+          <p:cNvPr id="20" name="Rectangle: Rounded Corners 6">
+            <a:extLst>
+              <a:ext uri="{FF2B5EF4-FFF2-40B4-BE49-F238E27FC236}">
+                <a16:creationId xmlns:a16="http://schemas.microsoft.com/office/drawing/2014/main" id="{B811BC74-BB0A-7701-99C2-0D2003A48E60}"/>
+              </a:ext>
+            </a:extLst>
+          </p:cNvPr>
+          <p:cNvSpPr/>
+          <p:nvPr/>
+        </p:nvSpPr>
+        <p:spPr>
+          <a:xfrm>
+            <a:off x="3619765" y="2531789"/>
+            <a:ext cx="2558017" cy="768927"/>
+          </a:xfrm>
+          <a:prstGeom prst="roundRect">
+            <a:avLst/>
+          </a:prstGeom>
+          <a:solidFill>
+            <a:srgbClr val="5C4EE5"/>
+          </a:solidFill>
+          <a:ln>
+            <a:noFill/>
+          </a:ln>
+        </p:spPr>
+        <p:style>
+          <a:lnRef idx="2">
+            <a:schemeClr val="accent1">
+              <a:shade val="50000"/>
+            </a:schemeClr>
+          </a:lnRef>
+          <a:fillRef idx="1">
+            <a:schemeClr val="accent1"/>
+          </a:fillRef>
+          <a:effectRef idx="0">
+            <a:schemeClr val="accent1"/>
+          </a:effectRef>
+          <a:fontRef idx="minor">
+            <a:schemeClr val="lt1"/>
+          </a:fontRef>
+        </p:style>
+        <p:txBody>
+          <a:bodyPr rtlCol="0" anchor="ctr"/>
+          <a:lstStyle/>
+          <a:p>
+            <a:pPr algn="ctr"/>
+            <a:r>
+              <a:rPr lang="de-DE" dirty="0"/>
+              <a:t>Create EC2 </a:t>
+            </a:r>
+            <a:r>
+              <a:rPr lang="de-DE" dirty="0" err="1"/>
+              <a:t>machine</a:t>
+            </a:r>
+            <a:endParaRPr lang="de-DE" dirty="0"/>
+          </a:p>
+        </p:txBody>
+      </p:sp>
+      <p:sp>
+        <p:nvSpPr>
+          <p:cNvPr id="21" name="Rectangle: Rounded Corners 17">
+            <a:extLst>
+              <a:ext uri="{FF2B5EF4-FFF2-40B4-BE49-F238E27FC236}">
+                <a16:creationId xmlns:a16="http://schemas.microsoft.com/office/drawing/2014/main" id="{865E96C3-898B-ABE0-91DC-5A88AEAE32A1}"/>
+              </a:ext>
+            </a:extLst>
+          </p:cNvPr>
+          <p:cNvSpPr/>
+          <p:nvPr/>
+        </p:nvSpPr>
+        <p:spPr>
+          <a:xfrm flipH="1" flipV="1">
+            <a:off x="3034754" y="1946276"/>
+            <a:ext cx="3424355" cy="1594946"/>
+          </a:xfrm>
+          <a:prstGeom prst="roundRect">
+            <a:avLst/>
+          </a:prstGeom>
+          <a:noFill/>
+          <a:ln>
+            <a:solidFill>
+              <a:srgbClr val="5C4EE5"/>
+            </a:solidFill>
+          </a:ln>
+        </p:spPr>
+        <p:style>
+          <a:lnRef idx="2">
+            <a:schemeClr val="accent1">
+              <a:shade val="50000"/>
+            </a:schemeClr>
+          </a:lnRef>
+          <a:fillRef idx="1">
+            <a:schemeClr val="accent1"/>
+          </a:fillRef>
+          <a:effectRef idx="0">
+            <a:schemeClr val="accent1"/>
+          </a:effectRef>
+          <a:fontRef idx="minor">
+            <a:schemeClr val="lt1"/>
+          </a:fontRef>
+        </p:style>
+        <p:txBody>
+          <a:bodyPr rtlCol="0" anchor="ctr"/>
+          <a:lstStyle/>
+          <a:p>
+            <a:pPr algn="ctr"/>
+            <a:endParaRPr lang="de-DE"/>
+          </a:p>
+        </p:txBody>
+      </p:sp>
+      <p:pic>
+        <p:nvPicPr>
+          <p:cNvPr id="24" name="Picture 4">
+            <a:extLst>
+              <a:ext uri="{FF2B5EF4-FFF2-40B4-BE49-F238E27FC236}">
+                <a16:creationId xmlns:a16="http://schemas.microsoft.com/office/drawing/2014/main" id="{F668A630-DDE5-F7FD-292A-06605BED7FC7}"/>
               </a:ext>
             </a:extLst>
           </p:cNvPr>
@@ -9837,8 +10330,8 @@
         </p:blipFill>
         <p:spPr>
           <a:xfrm>
-            <a:off x="9491753" y="457654"/>
-            <a:ext cx="1862047" cy="1140504"/>
+            <a:off x="3234504" y="2049410"/>
+            <a:ext cx="426720" cy="482379"/>
           </a:xfrm>
           <a:prstGeom prst="rect">
             <a:avLst/>
@@ -9847,10 +10340,10 @@
       </p:pic>
       <p:pic>
         <p:nvPicPr>
-          <p:cNvPr id="5" name="Grafik 4">
-            <a:extLst>
-              <a:ext uri="{FF2B5EF4-FFF2-40B4-BE49-F238E27FC236}">
-                <a16:creationId xmlns:a16="http://schemas.microsoft.com/office/drawing/2014/main" id="{407EBDAD-1FD3-B40A-87C5-9B67DBCF6544}"/>
+          <p:cNvPr id="28" name="Picture 6">
+            <a:extLst>
+              <a:ext uri="{FF2B5EF4-FFF2-40B4-BE49-F238E27FC236}">
+                <a16:creationId xmlns:a16="http://schemas.microsoft.com/office/drawing/2014/main" id="{97D45E23-90AD-A028-05E6-6586A5843E21}"/>
               </a:ext>
             </a:extLst>
           </p:cNvPr>
@@ -9867,8 +10360,350 @@
         </p:blipFill>
         <p:spPr>
           <a:xfrm>
-            <a:off x="1123913" y="3360266"/>
-            <a:ext cx="9944173" cy="2347930"/>
+            <a:off x="7249750" y="2094178"/>
+            <a:ext cx="549008" cy="336268"/>
+          </a:xfrm>
+          <a:prstGeom prst="rect">
+            <a:avLst/>
+          </a:prstGeom>
+        </p:spPr>
+      </p:pic>
+      <p:sp>
+        <p:nvSpPr>
+          <p:cNvPr id="29" name="Rectangle: Rounded Corners 6">
+            <a:extLst>
+              <a:ext uri="{FF2B5EF4-FFF2-40B4-BE49-F238E27FC236}">
+                <a16:creationId xmlns:a16="http://schemas.microsoft.com/office/drawing/2014/main" id="{8A69E514-DFCE-BDFC-FE4E-7567049EB630}"/>
+              </a:ext>
+            </a:extLst>
+          </p:cNvPr>
+          <p:cNvSpPr/>
+          <p:nvPr/>
+        </p:nvSpPr>
+        <p:spPr>
+          <a:xfrm>
+            <a:off x="7639732" y="2531789"/>
+            <a:ext cx="2558017" cy="768927"/>
+          </a:xfrm>
+          <a:prstGeom prst="roundRect">
+            <a:avLst/>
+          </a:prstGeom>
+          <a:solidFill>
+            <a:srgbClr val="FF9900"/>
+          </a:solidFill>
+          <a:ln>
+            <a:noFill/>
+          </a:ln>
+        </p:spPr>
+        <p:style>
+          <a:lnRef idx="2">
+            <a:schemeClr val="accent1">
+              <a:shade val="50000"/>
+            </a:schemeClr>
+          </a:lnRef>
+          <a:fillRef idx="1">
+            <a:schemeClr val="accent1"/>
+          </a:fillRef>
+          <a:effectRef idx="0">
+            <a:schemeClr val="accent1"/>
+          </a:effectRef>
+          <a:fontRef idx="minor">
+            <a:schemeClr val="lt1"/>
+          </a:fontRef>
+        </p:style>
+        <p:txBody>
+          <a:bodyPr rtlCol="0" anchor="ctr"/>
+          <a:lstStyle/>
+          <a:p>
+            <a:pPr algn="ctr"/>
+            <a:r>
+              <a:rPr lang="de-DE" dirty="0"/>
+              <a:t>EC2 </a:t>
+            </a:r>
+            <a:r>
+              <a:rPr lang="de-DE" dirty="0" err="1"/>
+              <a:t>machine</a:t>
+            </a:r>
+            <a:endParaRPr lang="de-DE" dirty="0"/>
+          </a:p>
+        </p:txBody>
+      </p:sp>
+      <p:sp>
+        <p:nvSpPr>
+          <p:cNvPr id="30" name="Rectangle: Rounded Corners 17">
+            <a:extLst>
+              <a:ext uri="{FF2B5EF4-FFF2-40B4-BE49-F238E27FC236}">
+                <a16:creationId xmlns:a16="http://schemas.microsoft.com/office/drawing/2014/main" id="{C3D25223-D404-A957-180D-7C74A93E192A}"/>
+              </a:ext>
+            </a:extLst>
+          </p:cNvPr>
+          <p:cNvSpPr/>
+          <p:nvPr/>
+        </p:nvSpPr>
+        <p:spPr>
+          <a:xfrm flipH="1" flipV="1">
+            <a:off x="7044120" y="1946276"/>
+            <a:ext cx="3424355" cy="1594946"/>
+          </a:xfrm>
+          <a:prstGeom prst="roundRect">
+            <a:avLst/>
+          </a:prstGeom>
+          <a:noFill/>
+          <a:ln>
+            <a:solidFill>
+              <a:srgbClr val="FF9900"/>
+            </a:solidFill>
+          </a:ln>
+        </p:spPr>
+        <p:style>
+          <a:lnRef idx="2">
+            <a:schemeClr val="accent1">
+              <a:shade val="50000"/>
+            </a:schemeClr>
+          </a:lnRef>
+          <a:fillRef idx="1">
+            <a:schemeClr val="accent1"/>
+          </a:fillRef>
+          <a:effectRef idx="0">
+            <a:schemeClr val="accent1"/>
+          </a:effectRef>
+          <a:fontRef idx="minor">
+            <a:schemeClr val="lt1"/>
+          </a:fontRef>
+        </p:style>
+        <p:txBody>
+          <a:bodyPr rtlCol="0" anchor="ctr"/>
+          <a:lstStyle/>
+          <a:p>
+            <a:pPr algn="ctr"/>
+            <a:endParaRPr lang="de-DE"/>
+          </a:p>
+        </p:txBody>
+      </p:sp>
+      <p:cxnSp>
+        <p:nvCxnSpPr>
+          <p:cNvPr id="31" name="Straight Arrow Connector 11">
+            <a:extLst>
+              <a:ext uri="{FF2B5EF4-FFF2-40B4-BE49-F238E27FC236}">
+                <a16:creationId xmlns:a16="http://schemas.microsoft.com/office/drawing/2014/main" id="{227B2E06-2BE5-7007-A654-EBE79D0F9520}"/>
+              </a:ext>
+            </a:extLst>
+          </p:cNvPr>
+          <p:cNvCxnSpPr>
+            <a:cxnSpLocks/>
+            <a:stCxn id="20" idx="3"/>
+            <a:endCxn id="29" idx="1"/>
+          </p:cNvCxnSpPr>
+          <p:nvPr/>
+        </p:nvCxnSpPr>
+        <p:spPr>
+          <a:xfrm>
+            <a:off x="6177782" y="2916253"/>
+            <a:ext cx="1461950" cy="0"/>
+          </a:xfrm>
+          <a:prstGeom prst="straightConnector1">
+            <a:avLst/>
+          </a:prstGeom>
+          <a:ln>
+            <a:solidFill>
+              <a:srgbClr val="FF9900"/>
+            </a:solidFill>
+            <a:tailEnd type="triangle"/>
+          </a:ln>
+        </p:spPr>
+        <p:style>
+          <a:lnRef idx="1">
+            <a:schemeClr val="accent1"/>
+          </a:lnRef>
+          <a:fillRef idx="0">
+            <a:schemeClr val="accent1"/>
+          </a:fillRef>
+          <a:effectRef idx="0">
+            <a:schemeClr val="accent1"/>
+          </a:effectRef>
+          <a:fontRef idx="minor">
+            <a:schemeClr val="tx1"/>
+          </a:fontRef>
+        </p:style>
+      </p:cxnSp>
+      <p:cxnSp>
+        <p:nvCxnSpPr>
+          <p:cNvPr id="36" name="Straight Arrow Connector 11">
+            <a:extLst>
+              <a:ext uri="{FF2B5EF4-FFF2-40B4-BE49-F238E27FC236}">
+                <a16:creationId xmlns:a16="http://schemas.microsoft.com/office/drawing/2014/main" id="{0939BA32-55A3-5025-F860-5D4857282D4C}"/>
+              </a:ext>
+            </a:extLst>
+          </p:cNvPr>
+          <p:cNvCxnSpPr>
+            <a:cxnSpLocks/>
+            <a:stCxn id="6" idx="0"/>
+            <a:endCxn id="29" idx="2"/>
+          </p:cNvCxnSpPr>
+          <p:nvPr/>
+        </p:nvCxnSpPr>
+        <p:spPr>
+          <a:xfrm flipV="1">
+            <a:off x="8918739" y="3300716"/>
+            <a:ext cx="2" cy="1165293"/>
+          </a:xfrm>
+          <a:prstGeom prst="straightConnector1">
+            <a:avLst/>
+          </a:prstGeom>
+          <a:ln>
+            <a:solidFill>
+              <a:srgbClr val="FF9900"/>
+            </a:solidFill>
+            <a:tailEnd type="triangle"/>
+          </a:ln>
+        </p:spPr>
+        <p:style>
+          <a:lnRef idx="1">
+            <a:schemeClr val="accent1"/>
+          </a:lnRef>
+          <a:fillRef idx="0">
+            <a:schemeClr val="accent1"/>
+          </a:fillRef>
+          <a:effectRef idx="0">
+            <a:schemeClr val="accent1"/>
+          </a:effectRef>
+          <a:fontRef idx="minor">
+            <a:schemeClr val="tx1"/>
+          </a:fontRef>
+        </p:style>
+      </p:cxnSp>
+      <p:sp>
+        <p:nvSpPr>
+          <p:cNvPr id="3" name="Rechteck 2">
+            <a:extLst>
+              <a:ext uri="{FF2B5EF4-FFF2-40B4-BE49-F238E27FC236}">
+                <a16:creationId xmlns:a16="http://schemas.microsoft.com/office/drawing/2014/main" id="{6EEB4DD0-E328-9220-C30A-35E53E4C7453}"/>
+              </a:ext>
+            </a:extLst>
+          </p:cNvPr>
+          <p:cNvSpPr/>
+          <p:nvPr/>
+        </p:nvSpPr>
+        <p:spPr>
+          <a:xfrm>
+            <a:off x="763327" y="3886229"/>
+            <a:ext cx="10122009" cy="2248483"/>
+          </a:xfrm>
+          <a:prstGeom prst="rect">
+            <a:avLst/>
+          </a:prstGeom>
+          <a:solidFill>
+            <a:schemeClr val="bg1">
+              <a:alpha val="66000"/>
+            </a:schemeClr>
+          </a:solidFill>
+          <a:ln>
+            <a:noFill/>
+          </a:ln>
+        </p:spPr>
+        <p:style>
+          <a:lnRef idx="2">
+            <a:schemeClr val="accent1">
+              <a:shade val="50000"/>
+            </a:schemeClr>
+          </a:lnRef>
+          <a:fillRef idx="1">
+            <a:schemeClr val="accent1"/>
+          </a:fillRef>
+          <a:effectRef idx="0">
+            <a:schemeClr val="accent1"/>
+          </a:effectRef>
+          <a:fontRef idx="minor">
+            <a:schemeClr val="lt1"/>
+          </a:fontRef>
+        </p:style>
+        <p:txBody>
+          <a:bodyPr rtlCol="0" anchor="ctr"/>
+          <a:lstStyle/>
+          <a:p>
+            <a:pPr algn="ctr"/>
+            <a:endParaRPr lang="de-DE"/>
+          </a:p>
+        </p:txBody>
+      </p:sp>
+      <p:sp>
+        <p:nvSpPr>
+          <p:cNvPr id="22" name="Rechteck 21">
+            <a:extLst>
+              <a:ext uri="{FF2B5EF4-FFF2-40B4-BE49-F238E27FC236}">
+                <a16:creationId xmlns:a16="http://schemas.microsoft.com/office/drawing/2014/main" id="{814D3013-1923-2DCD-A95E-6FA7FDC431EF}"/>
+              </a:ext>
+            </a:extLst>
+          </p:cNvPr>
+          <p:cNvSpPr/>
+          <p:nvPr/>
+        </p:nvSpPr>
+        <p:spPr>
+          <a:xfrm>
+            <a:off x="2740769" y="1836262"/>
+            <a:ext cx="3901927" cy="2040191"/>
+          </a:xfrm>
+          <a:prstGeom prst="rect">
+            <a:avLst/>
+          </a:prstGeom>
+          <a:solidFill>
+            <a:schemeClr val="bg1">
+              <a:alpha val="66000"/>
+            </a:schemeClr>
+          </a:solidFill>
+          <a:ln>
+            <a:noFill/>
+          </a:ln>
+        </p:spPr>
+        <p:style>
+          <a:lnRef idx="2">
+            <a:schemeClr val="accent1">
+              <a:shade val="50000"/>
+            </a:schemeClr>
+          </a:lnRef>
+          <a:fillRef idx="1">
+            <a:schemeClr val="accent1"/>
+          </a:fillRef>
+          <a:effectRef idx="0">
+            <a:schemeClr val="accent1"/>
+          </a:effectRef>
+          <a:fontRef idx="minor">
+            <a:schemeClr val="lt1"/>
+          </a:fontRef>
+        </p:style>
+        <p:txBody>
+          <a:bodyPr rtlCol="0" anchor="ctr"/>
+          <a:lstStyle/>
+          <a:p>
+            <a:pPr algn="ctr"/>
+            <a:endParaRPr lang="de-DE"/>
+          </a:p>
+        </p:txBody>
+      </p:sp>
+      <p:pic>
+        <p:nvPicPr>
+          <p:cNvPr id="23" name="Picture 6">
+            <a:extLst>
+              <a:ext uri="{FF2B5EF4-FFF2-40B4-BE49-F238E27FC236}">
+                <a16:creationId xmlns:a16="http://schemas.microsoft.com/office/drawing/2014/main" id="{28A139B5-3B63-4EFF-59AF-FB9994611600}"/>
+              </a:ext>
+            </a:extLst>
+          </p:cNvPr>
+          <p:cNvPicPr>
+            <a:picLocks noChangeAspect="1"/>
+          </p:cNvPicPr>
+          <p:nvPr/>
+        </p:nvPicPr>
+        <p:blipFill>
+          <a:blip r:embed="rId4"/>
+          <a:stretch>
+            <a:fillRect/>
+          </a:stretch>
+        </p:blipFill>
+        <p:spPr>
+          <a:xfrm>
+            <a:off x="9491753" y="457654"/>
+            <a:ext cx="1862047" cy="1140504"/>
           </a:xfrm>
           <a:prstGeom prst="rect">
             <a:avLst/>
@@ -9878,7 +10713,7 @@
     </p:spTree>
     <p:extLst>
       <p:ext uri="{BB962C8B-B14F-4D97-AF65-F5344CB8AC3E}">
-        <p14:creationId xmlns:p14="http://schemas.microsoft.com/office/powerpoint/2010/main" val="3037856559"/>
+        <p14:creationId xmlns:p14="http://schemas.microsoft.com/office/powerpoint/2010/main" val="1011046658"/>
       </p:ext>
     </p:extLst>
   </p:cSld>
@@ -9910,7 +10745,7 @@
           <p:cNvPr id="2" name="Titel 1">
             <a:extLst>
               <a:ext uri="{FF2B5EF4-FFF2-40B4-BE49-F238E27FC236}">
-                <a16:creationId xmlns:a16="http://schemas.microsoft.com/office/drawing/2014/main" id="{423EE35B-33E3-42A0-BBDA-368E8D825D7E}"/>
+                <a16:creationId xmlns:a16="http://schemas.microsoft.com/office/drawing/2014/main" id="{B65D7EC3-CD42-4551-8940-B2E7B1FA136C}"/>
               </a:ext>
             </a:extLst>
           </p:cNvPr>
@@ -9918,7 +10753,7 @@
             <a:spLocks noGrp="1"/>
           </p:cNvSpPr>
           <p:nvPr>
-            <p:ph type="ctrTitle"/>
+            <p:ph type="title"/>
           </p:nvPr>
         </p:nvSpPr>
         <p:spPr/>
@@ -9928,17 +10763,17 @@
           <a:p>
             <a:r>
               <a:rPr lang="de-DE" dirty="0"/>
-              <a:t>Solution</a:t>
-            </a:r>
-          </a:p>
-        </p:txBody>
-      </p:sp>
-      <p:sp>
-        <p:nvSpPr>
-          <p:cNvPr id="5" name="Untertitel 4">
-            <a:extLst>
-              <a:ext uri="{FF2B5EF4-FFF2-40B4-BE49-F238E27FC236}">
-                <a16:creationId xmlns:a16="http://schemas.microsoft.com/office/drawing/2014/main" id="{B11A7254-9FA9-40F3-BD35-E1C8D97446A8}"/>
+              <a:t>AWS</a:t>
+            </a:r>
+          </a:p>
+        </p:txBody>
+      </p:sp>
+      <p:sp>
+        <p:nvSpPr>
+          <p:cNvPr id="4" name="Content Placeholder 3">
+            <a:extLst>
+              <a:ext uri="{FF2B5EF4-FFF2-40B4-BE49-F238E27FC236}">
+                <a16:creationId xmlns:a16="http://schemas.microsoft.com/office/drawing/2014/main" id="{2BF5D699-940E-4DE9-8183-FAB1BE315652}"/>
               </a:ext>
             </a:extLst>
           </p:cNvPr>
@@ -9946,7 +10781,7 @@
             <a:spLocks noGrp="1"/>
           </p:cNvSpPr>
           <p:nvPr>
-            <p:ph type="subTitle" idx="1"/>
+            <p:ph idx="1"/>
           </p:nvPr>
         </p:nvSpPr>
         <p:spPr/>
@@ -9954,14 +10789,96 @@
           <a:bodyPr/>
           <a:lstStyle/>
           <a:p>
-            <a:endParaRPr lang="de-DE"/>
-          </a:p>
-        </p:txBody>
-      </p:sp>
+            <a:r>
+              <a:rPr lang="en-US" dirty="0"/>
+              <a:t>Amazon Elastic Compute Cloud (EC2) to deploy </a:t>
+            </a:r>
+            <a:r>
+              <a:rPr lang="en-US"/>
+              <a:t>our application</a:t>
+            </a:r>
+          </a:p>
+          <a:p>
+            <a:pPr lvl="1"/>
+            <a:r>
+              <a:rPr lang="en-US"/>
+              <a:t>Security groups</a:t>
+            </a:r>
+          </a:p>
+          <a:p>
+            <a:pPr lvl="1"/>
+            <a:r>
+              <a:rPr lang="en-US"/>
+              <a:t>Elastic IP</a:t>
+            </a:r>
+            <a:endParaRPr lang="en-US" dirty="0"/>
+          </a:p>
+        </p:txBody>
+      </p:sp>
+      <p:pic>
+        <p:nvPicPr>
+          <p:cNvPr id="7" name="Picture 6">
+            <a:extLst>
+              <a:ext uri="{FF2B5EF4-FFF2-40B4-BE49-F238E27FC236}">
+                <a16:creationId xmlns:a16="http://schemas.microsoft.com/office/drawing/2014/main" id="{E1C1E508-A52A-4971-A179-36A48ADFB13B}"/>
+              </a:ext>
+            </a:extLst>
+          </p:cNvPr>
+          <p:cNvPicPr>
+            <a:picLocks noChangeAspect="1"/>
+          </p:cNvPicPr>
+          <p:nvPr/>
+        </p:nvPicPr>
+        <p:blipFill>
+          <a:blip r:embed="rId3"/>
+          <a:stretch>
+            <a:fillRect/>
+          </a:stretch>
+        </p:blipFill>
+        <p:spPr>
+          <a:xfrm>
+            <a:off x="9491753" y="457654"/>
+            <a:ext cx="1862047" cy="1140504"/>
+          </a:xfrm>
+          <a:prstGeom prst="rect">
+            <a:avLst/>
+          </a:prstGeom>
+        </p:spPr>
+      </p:pic>
+      <p:pic>
+        <p:nvPicPr>
+          <p:cNvPr id="5" name="Grafik 4">
+            <a:extLst>
+              <a:ext uri="{FF2B5EF4-FFF2-40B4-BE49-F238E27FC236}">
+                <a16:creationId xmlns:a16="http://schemas.microsoft.com/office/drawing/2014/main" id="{407EBDAD-1FD3-B40A-87C5-9B67DBCF6544}"/>
+              </a:ext>
+            </a:extLst>
+          </p:cNvPr>
+          <p:cNvPicPr>
+            <a:picLocks noChangeAspect="1"/>
+          </p:cNvPicPr>
+          <p:nvPr/>
+        </p:nvPicPr>
+        <p:blipFill>
+          <a:blip r:embed="rId4"/>
+          <a:stretch>
+            <a:fillRect/>
+          </a:stretch>
+        </p:blipFill>
+        <p:spPr>
+          <a:xfrm>
+            <a:off x="1123913" y="3360266"/>
+            <a:ext cx="9944173" cy="2347930"/>
+          </a:xfrm>
+          <a:prstGeom prst="rect">
+            <a:avLst/>
+          </a:prstGeom>
+        </p:spPr>
+      </p:pic>
     </p:spTree>
     <p:extLst>
       <p:ext uri="{BB962C8B-B14F-4D97-AF65-F5344CB8AC3E}">
-        <p14:creationId xmlns:p14="http://schemas.microsoft.com/office/powerpoint/2010/main" val="2403675243"/>
+        <p14:creationId xmlns:p14="http://schemas.microsoft.com/office/powerpoint/2010/main" val="3037856559"/>
       </p:ext>
     </p:extLst>
   </p:cSld>
@@ -9972,7 +10889,7 @@
 </file>
 
 <file path=ppt/slides/slide14.xml><?xml version="1.0" encoding="utf-8"?>
-<p:sld xmlns:a="http://schemas.openxmlformats.org/drawingml/2006/main" xmlns:r="http://schemas.openxmlformats.org/officeDocument/2006/relationships" xmlns:p="http://schemas.openxmlformats.org/presentationml/2006/main" show="0">
+<p:sld xmlns:a="http://schemas.openxmlformats.org/drawingml/2006/main" xmlns:r="http://schemas.openxmlformats.org/officeDocument/2006/relationships" xmlns:p="http://schemas.openxmlformats.org/presentationml/2006/main">
   <p:cSld>
     <p:spTree>
       <p:nvGrpSpPr>
@@ -9993,7 +10910,7 @@
           <p:cNvPr id="2" name="Titel 1">
             <a:extLst>
               <a:ext uri="{FF2B5EF4-FFF2-40B4-BE49-F238E27FC236}">
-                <a16:creationId xmlns:a16="http://schemas.microsoft.com/office/drawing/2014/main" id="{FE7310EA-0D36-8797-94D6-7E3C9FD760A2}"/>
+                <a16:creationId xmlns:a16="http://schemas.microsoft.com/office/drawing/2014/main" id="{423EE35B-33E3-42A0-BBDA-368E8D825D7E}"/>
               </a:ext>
             </a:extLst>
           </p:cNvPr>
@@ -10001,7 +10918,7 @@
             <a:spLocks noGrp="1"/>
           </p:cNvSpPr>
           <p:nvPr>
-            <p:ph type="title"/>
+            <p:ph type="ctrTitle"/>
           </p:nvPr>
         </p:nvSpPr>
         <p:spPr/>
@@ -10011,813 +10928,40 @@
           <a:p>
             <a:r>
               <a:rPr lang="de-DE" dirty="0"/>
-              <a:t>Critical Points</a:t>
-            </a:r>
-          </a:p>
-        </p:txBody>
-      </p:sp>
-      <p:sp>
-        <p:nvSpPr>
-          <p:cNvPr id="4" name="Rectangle: Rounded Corners 5">
-            <a:extLst>
-              <a:ext uri="{FF2B5EF4-FFF2-40B4-BE49-F238E27FC236}">
-                <a16:creationId xmlns:a16="http://schemas.microsoft.com/office/drawing/2014/main" id="{78CCAEE7-61F5-65AA-DCCD-9964C5338FAE}"/>
-              </a:ext>
-            </a:extLst>
-          </p:cNvPr>
-          <p:cNvSpPr/>
-          <p:nvPr/>
-        </p:nvSpPr>
-        <p:spPr>
-          <a:xfrm>
-            <a:off x="941957" y="4402400"/>
-            <a:ext cx="1704110" cy="768927"/>
-          </a:xfrm>
-          <a:prstGeom prst="roundRect">
-            <a:avLst/>
-          </a:prstGeom>
-          <a:solidFill>
-            <a:srgbClr val="2088FE"/>
-          </a:solidFill>
-          <a:ln>
-            <a:noFill/>
-          </a:ln>
-        </p:spPr>
-        <p:style>
-          <a:lnRef idx="2">
-            <a:schemeClr val="accent1">
-              <a:shade val="50000"/>
-            </a:schemeClr>
-          </a:lnRef>
-          <a:fillRef idx="1">
-            <a:schemeClr val="accent1"/>
-          </a:fillRef>
-          <a:effectRef idx="0">
-            <a:schemeClr val="accent1"/>
-          </a:effectRef>
-          <a:fontRef idx="minor">
-            <a:schemeClr val="lt1"/>
-          </a:fontRef>
-        </p:style>
-        <p:txBody>
-          <a:bodyPr rtlCol="0" anchor="ctr"/>
-          <a:lstStyle/>
-          <a:p>
-            <a:pPr algn="ctr"/>
-            <a:r>
-              <a:rPr lang="de-DE" dirty="0"/>
-              <a:t>Push</a:t>
-            </a:r>
-          </a:p>
-        </p:txBody>
-      </p:sp>
-      <p:sp>
-        <p:nvSpPr>
-          <p:cNvPr id="5" name="Rectangle: Rounded Corners 6">
-            <a:extLst>
-              <a:ext uri="{FF2B5EF4-FFF2-40B4-BE49-F238E27FC236}">
-                <a16:creationId xmlns:a16="http://schemas.microsoft.com/office/drawing/2014/main" id="{264CA49D-6F4B-C4CF-E420-1104249827C0}"/>
-              </a:ext>
-            </a:extLst>
-          </p:cNvPr>
-          <p:cNvSpPr/>
-          <p:nvPr/>
-        </p:nvSpPr>
-        <p:spPr>
-          <a:xfrm>
-            <a:off x="3397129" y="4402402"/>
-            <a:ext cx="2558017" cy="768927"/>
-          </a:xfrm>
-          <a:prstGeom prst="roundRect">
-            <a:avLst/>
-          </a:prstGeom>
-          <a:solidFill>
-            <a:srgbClr val="2088FE"/>
-          </a:solidFill>
-          <a:ln>
-            <a:noFill/>
-          </a:ln>
-        </p:spPr>
-        <p:style>
-          <a:lnRef idx="2">
-            <a:schemeClr val="accent1">
-              <a:shade val="50000"/>
-            </a:schemeClr>
-          </a:lnRef>
-          <a:fillRef idx="1">
-            <a:schemeClr val="accent1"/>
-          </a:fillRef>
-          <a:effectRef idx="0">
-            <a:schemeClr val="accent1"/>
-          </a:effectRef>
-          <a:fontRef idx="minor">
-            <a:schemeClr val="lt1"/>
-          </a:fontRef>
-        </p:style>
-        <p:txBody>
-          <a:bodyPr rtlCol="0" anchor="ctr"/>
-          <a:lstStyle/>
-          <a:p>
-            <a:pPr algn="ctr"/>
-            <a:r>
-              <a:rPr lang="de-DE" dirty="0"/>
-              <a:t>Create Infrastructure </a:t>
-            </a:r>
-            <a:r>
-              <a:rPr lang="de-DE" dirty="0" err="1"/>
-              <a:t>with</a:t>
-            </a:r>
-            <a:r>
-              <a:rPr lang="de-DE" dirty="0"/>
-              <a:t> Terraform</a:t>
-            </a:r>
-          </a:p>
-        </p:txBody>
-      </p:sp>
-      <p:sp>
-        <p:nvSpPr>
-          <p:cNvPr id="6" name="Rectangle: Rounded Corners 7">
-            <a:extLst>
-              <a:ext uri="{FF2B5EF4-FFF2-40B4-BE49-F238E27FC236}">
-                <a16:creationId xmlns:a16="http://schemas.microsoft.com/office/drawing/2014/main" id="{7245DBC1-1583-905A-477C-077D529C85D9}"/>
-              </a:ext>
-            </a:extLst>
-          </p:cNvPr>
-          <p:cNvSpPr/>
-          <p:nvPr/>
-        </p:nvSpPr>
-        <p:spPr>
-          <a:xfrm>
-            <a:off x="7417094" y="4402399"/>
-            <a:ext cx="2558015" cy="768927"/>
-          </a:xfrm>
-          <a:prstGeom prst="roundRect">
-            <a:avLst/>
-          </a:prstGeom>
-          <a:solidFill>
-            <a:srgbClr val="2088FE"/>
-          </a:solidFill>
-          <a:ln>
-            <a:noFill/>
-          </a:ln>
-        </p:spPr>
-        <p:style>
-          <a:lnRef idx="2">
-            <a:schemeClr val="accent1">
-              <a:shade val="50000"/>
-            </a:schemeClr>
-          </a:lnRef>
-          <a:fillRef idx="1">
-            <a:schemeClr val="accent1"/>
-          </a:fillRef>
-          <a:effectRef idx="0">
-            <a:schemeClr val="accent1"/>
-          </a:effectRef>
-          <a:fontRef idx="minor">
-            <a:schemeClr val="lt1"/>
-          </a:fontRef>
-        </p:style>
-        <p:txBody>
-          <a:bodyPr rtlCol="0" anchor="ctr"/>
-          <a:lstStyle/>
-          <a:p>
-            <a:pPr algn="ctr"/>
-            <a:r>
-              <a:rPr lang="de-DE" dirty="0"/>
-              <a:t>Deploy </a:t>
-            </a:r>
-            <a:r>
-              <a:rPr lang="de-DE" dirty="0" err="1"/>
-              <a:t>app</a:t>
-            </a:r>
-            <a:r>
-              <a:rPr lang="de-DE" dirty="0"/>
-              <a:t> </a:t>
-            </a:r>
-            <a:r>
-              <a:rPr lang="de-DE" dirty="0" err="1"/>
-              <a:t>with</a:t>
-            </a:r>
-            <a:r>
-              <a:rPr lang="de-DE" dirty="0"/>
-              <a:t> </a:t>
-            </a:r>
-            <a:r>
-              <a:rPr lang="de-DE" dirty="0" err="1"/>
-              <a:t>docker</a:t>
-            </a:r>
-            <a:r>
-              <a:rPr lang="de-DE" dirty="0"/>
-              <a:t> </a:t>
-            </a:r>
-            <a:r>
-              <a:rPr lang="de-DE" dirty="0" err="1"/>
-              <a:t>compose</a:t>
-            </a:r>
-            <a:endParaRPr lang="de-DE" dirty="0"/>
-          </a:p>
-        </p:txBody>
-      </p:sp>
-      <p:cxnSp>
-        <p:nvCxnSpPr>
-          <p:cNvPr id="7" name="Straight Arrow Connector 11">
-            <a:extLst>
-              <a:ext uri="{FF2B5EF4-FFF2-40B4-BE49-F238E27FC236}">
-                <a16:creationId xmlns:a16="http://schemas.microsoft.com/office/drawing/2014/main" id="{F501AB0B-B3CB-38AA-624C-ED414CEFB3A8}"/>
-              </a:ext>
-            </a:extLst>
-          </p:cNvPr>
-          <p:cNvCxnSpPr>
-            <a:cxnSpLocks/>
-            <a:stCxn id="4" idx="3"/>
-            <a:endCxn id="5" idx="1"/>
-          </p:cNvCxnSpPr>
-          <p:nvPr/>
-        </p:nvCxnSpPr>
-        <p:spPr>
-          <a:xfrm>
-            <a:off x="2646067" y="4786864"/>
-            <a:ext cx="751062" cy="2"/>
-          </a:xfrm>
-          <a:prstGeom prst="straightConnector1">
-            <a:avLst/>
-          </a:prstGeom>
-          <a:ln>
-            <a:solidFill>
-              <a:srgbClr val="2088FE"/>
-            </a:solidFill>
-            <a:tailEnd type="triangle"/>
-          </a:ln>
-        </p:spPr>
-        <p:style>
-          <a:lnRef idx="1">
-            <a:schemeClr val="accent1"/>
-          </a:lnRef>
-          <a:fillRef idx="0">
-            <a:schemeClr val="accent1"/>
-          </a:fillRef>
-          <a:effectRef idx="0">
-            <a:schemeClr val="accent1"/>
-          </a:effectRef>
-          <a:fontRef idx="minor">
-            <a:schemeClr val="tx1"/>
-          </a:fontRef>
-        </p:style>
-      </p:cxnSp>
-      <p:cxnSp>
-        <p:nvCxnSpPr>
-          <p:cNvPr id="8" name="Straight Arrow Connector 13">
-            <a:extLst>
-              <a:ext uri="{FF2B5EF4-FFF2-40B4-BE49-F238E27FC236}">
-                <a16:creationId xmlns:a16="http://schemas.microsoft.com/office/drawing/2014/main" id="{15D2F7F9-D527-3673-F73F-11C0FEC9E142}"/>
-              </a:ext>
-            </a:extLst>
-          </p:cNvPr>
-          <p:cNvCxnSpPr>
-            <a:cxnSpLocks/>
-            <a:stCxn id="5" idx="3"/>
-            <a:endCxn id="6" idx="1"/>
-          </p:cNvCxnSpPr>
-          <p:nvPr/>
-        </p:nvCxnSpPr>
-        <p:spPr>
-          <a:xfrm flipV="1">
-            <a:off x="5955146" y="4786863"/>
-            <a:ext cx="1461948" cy="3"/>
-          </a:xfrm>
-          <a:prstGeom prst="straightConnector1">
-            <a:avLst/>
-          </a:prstGeom>
-          <a:ln>
-            <a:solidFill>
-              <a:srgbClr val="2088FE"/>
-            </a:solidFill>
-            <a:tailEnd type="triangle"/>
-          </a:ln>
-        </p:spPr>
-        <p:style>
-          <a:lnRef idx="1">
-            <a:schemeClr val="accent1"/>
-          </a:lnRef>
-          <a:fillRef idx="0">
-            <a:schemeClr val="accent1"/>
-          </a:fillRef>
-          <a:effectRef idx="0">
-            <a:schemeClr val="accent1"/>
-          </a:effectRef>
-          <a:fontRef idx="minor">
-            <a:schemeClr val="tx1"/>
-          </a:fontRef>
-        </p:style>
-      </p:cxnSp>
-      <p:sp>
-        <p:nvSpPr>
-          <p:cNvPr id="9" name="Rectangle: Rounded Corners 17">
-            <a:extLst>
-              <a:ext uri="{FF2B5EF4-FFF2-40B4-BE49-F238E27FC236}">
-                <a16:creationId xmlns:a16="http://schemas.microsoft.com/office/drawing/2014/main" id="{433EC4C8-5652-8E37-1388-42FECF4CA3D7}"/>
-              </a:ext>
-            </a:extLst>
-          </p:cNvPr>
-          <p:cNvSpPr/>
-          <p:nvPr/>
-        </p:nvSpPr>
-        <p:spPr>
-          <a:xfrm flipH="1" flipV="1">
-            <a:off x="2812116" y="3914030"/>
-            <a:ext cx="7433721" cy="1594946"/>
-          </a:xfrm>
-          <a:prstGeom prst="roundRect">
-            <a:avLst/>
-          </a:prstGeom>
-          <a:noFill/>
-          <a:ln>
-            <a:solidFill>
-              <a:srgbClr val="2088FE"/>
-            </a:solidFill>
-          </a:ln>
-        </p:spPr>
-        <p:style>
-          <a:lnRef idx="2">
-            <a:schemeClr val="accent1">
-              <a:shade val="50000"/>
-            </a:schemeClr>
-          </a:lnRef>
-          <a:fillRef idx="1">
-            <a:schemeClr val="accent1"/>
-          </a:fillRef>
-          <a:effectRef idx="0">
-            <a:schemeClr val="accent1"/>
-          </a:effectRef>
-          <a:fontRef idx="minor">
-            <a:schemeClr val="lt1"/>
-          </a:fontRef>
-        </p:style>
-        <p:txBody>
-          <a:bodyPr rtlCol="0" anchor="ctr"/>
-          <a:lstStyle/>
-          <a:p>
-            <a:pPr algn="ctr"/>
+              <a:t>Solution</a:t>
+            </a:r>
+          </a:p>
+        </p:txBody>
+      </p:sp>
+      <p:sp>
+        <p:nvSpPr>
+          <p:cNvPr id="5" name="Untertitel 4">
+            <a:extLst>
+              <a:ext uri="{FF2B5EF4-FFF2-40B4-BE49-F238E27FC236}">
+                <a16:creationId xmlns:a16="http://schemas.microsoft.com/office/drawing/2014/main" id="{B11A7254-9FA9-40F3-BD35-E1C8D97446A8}"/>
+              </a:ext>
+            </a:extLst>
+          </p:cNvPr>
+          <p:cNvSpPr>
+            <a:spLocks noGrp="1"/>
+          </p:cNvSpPr>
+          <p:nvPr>
+            <p:ph type="subTitle" idx="1"/>
+          </p:nvPr>
+        </p:nvSpPr>
+        <p:spPr/>
+        <p:txBody>
+          <a:bodyPr/>
+          <a:lstStyle/>
+          <a:p>
             <a:endParaRPr lang="de-DE"/>
           </a:p>
         </p:txBody>
       </p:sp>
-      <p:pic>
-        <p:nvPicPr>
-          <p:cNvPr id="10" name="Picture 19">
-            <a:extLst>
-              <a:ext uri="{FF2B5EF4-FFF2-40B4-BE49-F238E27FC236}">
-                <a16:creationId xmlns:a16="http://schemas.microsoft.com/office/drawing/2014/main" id="{B187C7EC-CE9C-D136-07DC-CC38CA9DE47D}"/>
-              </a:ext>
-            </a:extLst>
-          </p:cNvPr>
-          <p:cNvPicPr>
-            <a:picLocks noChangeAspect="1"/>
-          </p:cNvPicPr>
-          <p:nvPr/>
-        </p:nvPicPr>
-        <p:blipFill>
-          <a:blip r:embed="rId2"/>
-          <a:stretch>
-            <a:fillRect/>
-          </a:stretch>
-        </p:blipFill>
-        <p:spPr>
-          <a:xfrm>
-            <a:off x="2891263" y="4059604"/>
-            <a:ext cx="426720" cy="426720"/>
-          </a:xfrm>
-          <a:prstGeom prst="rect">
-            <a:avLst/>
-          </a:prstGeom>
-        </p:spPr>
-      </p:pic>
-      <p:cxnSp>
-        <p:nvCxnSpPr>
-          <p:cNvPr id="19" name="Straight Arrow Connector 11">
-            <a:extLst>
-              <a:ext uri="{FF2B5EF4-FFF2-40B4-BE49-F238E27FC236}">
-                <a16:creationId xmlns:a16="http://schemas.microsoft.com/office/drawing/2014/main" id="{2BE4D3C3-2C05-2D6B-EB00-0B569B104FB4}"/>
-              </a:ext>
-            </a:extLst>
-          </p:cNvPr>
-          <p:cNvCxnSpPr>
-            <a:cxnSpLocks/>
-            <a:stCxn id="5" idx="0"/>
-            <a:endCxn id="20" idx="2"/>
-          </p:cNvCxnSpPr>
-          <p:nvPr/>
-        </p:nvCxnSpPr>
-        <p:spPr>
-          <a:xfrm flipH="1" flipV="1">
-            <a:off x="4676137" y="3237106"/>
-            <a:ext cx="1" cy="1165296"/>
-          </a:xfrm>
-          <a:prstGeom prst="straightConnector1">
-            <a:avLst/>
-          </a:prstGeom>
-          <a:ln>
-            <a:solidFill>
-              <a:srgbClr val="5C4EE5"/>
-            </a:solidFill>
-            <a:tailEnd type="triangle"/>
-          </a:ln>
-        </p:spPr>
-        <p:style>
-          <a:lnRef idx="1">
-            <a:schemeClr val="accent1"/>
-          </a:lnRef>
-          <a:fillRef idx="0">
-            <a:schemeClr val="accent1"/>
-          </a:fillRef>
-          <a:effectRef idx="0">
-            <a:schemeClr val="accent1"/>
-          </a:effectRef>
-          <a:fontRef idx="minor">
-            <a:schemeClr val="tx1"/>
-          </a:fontRef>
-        </p:style>
-      </p:cxnSp>
-      <p:sp>
-        <p:nvSpPr>
-          <p:cNvPr id="20" name="Rectangle: Rounded Corners 6">
-            <a:extLst>
-              <a:ext uri="{FF2B5EF4-FFF2-40B4-BE49-F238E27FC236}">
-                <a16:creationId xmlns:a16="http://schemas.microsoft.com/office/drawing/2014/main" id="{B811BC74-BB0A-7701-99C2-0D2003A48E60}"/>
-              </a:ext>
-            </a:extLst>
-          </p:cNvPr>
-          <p:cNvSpPr/>
-          <p:nvPr/>
-        </p:nvSpPr>
-        <p:spPr>
-          <a:xfrm>
-            <a:off x="3397128" y="2468179"/>
-            <a:ext cx="2558017" cy="768927"/>
-          </a:xfrm>
-          <a:prstGeom prst="roundRect">
-            <a:avLst/>
-          </a:prstGeom>
-          <a:solidFill>
-            <a:srgbClr val="5C4EE5"/>
-          </a:solidFill>
-          <a:ln>
-            <a:noFill/>
-          </a:ln>
-        </p:spPr>
-        <p:style>
-          <a:lnRef idx="2">
-            <a:schemeClr val="accent1">
-              <a:shade val="50000"/>
-            </a:schemeClr>
-          </a:lnRef>
-          <a:fillRef idx="1">
-            <a:schemeClr val="accent1"/>
-          </a:fillRef>
-          <a:effectRef idx="0">
-            <a:schemeClr val="accent1"/>
-          </a:effectRef>
-          <a:fontRef idx="minor">
-            <a:schemeClr val="lt1"/>
-          </a:fontRef>
-        </p:style>
-        <p:txBody>
-          <a:bodyPr rtlCol="0" anchor="ctr"/>
-          <a:lstStyle/>
-          <a:p>
-            <a:pPr algn="ctr"/>
-            <a:r>
-              <a:rPr lang="de-DE" dirty="0"/>
-              <a:t>Create EC2 </a:t>
-            </a:r>
-            <a:r>
-              <a:rPr lang="de-DE" dirty="0" err="1"/>
-              <a:t>machine</a:t>
-            </a:r>
-            <a:endParaRPr lang="de-DE" dirty="0"/>
-          </a:p>
-        </p:txBody>
-      </p:sp>
-      <p:sp>
-        <p:nvSpPr>
-          <p:cNvPr id="21" name="Rectangle: Rounded Corners 17">
-            <a:extLst>
-              <a:ext uri="{FF2B5EF4-FFF2-40B4-BE49-F238E27FC236}">
-                <a16:creationId xmlns:a16="http://schemas.microsoft.com/office/drawing/2014/main" id="{865E96C3-898B-ABE0-91DC-5A88AEAE32A1}"/>
-              </a:ext>
-            </a:extLst>
-          </p:cNvPr>
-          <p:cNvSpPr/>
-          <p:nvPr/>
-        </p:nvSpPr>
-        <p:spPr>
-          <a:xfrm flipH="1" flipV="1">
-            <a:off x="2812117" y="1882666"/>
-            <a:ext cx="3424355" cy="1594946"/>
-          </a:xfrm>
-          <a:prstGeom prst="roundRect">
-            <a:avLst/>
-          </a:prstGeom>
-          <a:noFill/>
-          <a:ln>
-            <a:solidFill>
-              <a:srgbClr val="5C4EE5"/>
-            </a:solidFill>
-          </a:ln>
-        </p:spPr>
-        <p:style>
-          <a:lnRef idx="2">
-            <a:schemeClr val="accent1">
-              <a:shade val="50000"/>
-            </a:schemeClr>
-          </a:lnRef>
-          <a:fillRef idx="1">
-            <a:schemeClr val="accent1"/>
-          </a:fillRef>
-          <a:effectRef idx="0">
-            <a:schemeClr val="accent1"/>
-          </a:effectRef>
-          <a:fontRef idx="minor">
-            <a:schemeClr val="lt1"/>
-          </a:fontRef>
-        </p:style>
-        <p:txBody>
-          <a:bodyPr rtlCol="0" anchor="ctr"/>
-          <a:lstStyle/>
-          <a:p>
-            <a:pPr algn="ctr"/>
-            <a:endParaRPr lang="de-DE"/>
-          </a:p>
-        </p:txBody>
-      </p:sp>
-      <p:pic>
-        <p:nvPicPr>
-          <p:cNvPr id="24" name="Picture 4">
-            <a:extLst>
-              <a:ext uri="{FF2B5EF4-FFF2-40B4-BE49-F238E27FC236}">
-                <a16:creationId xmlns:a16="http://schemas.microsoft.com/office/drawing/2014/main" id="{F668A630-DDE5-F7FD-292A-06605BED7FC7}"/>
-              </a:ext>
-            </a:extLst>
-          </p:cNvPr>
-          <p:cNvPicPr>
-            <a:picLocks noChangeAspect="1"/>
-          </p:cNvPicPr>
-          <p:nvPr/>
-        </p:nvPicPr>
-        <p:blipFill>
-          <a:blip r:embed="rId3"/>
-          <a:stretch>
-            <a:fillRect/>
-          </a:stretch>
-        </p:blipFill>
-        <p:spPr>
-          <a:xfrm>
-            <a:off x="3011867" y="1985800"/>
-            <a:ext cx="426720" cy="482379"/>
-          </a:xfrm>
-          <a:prstGeom prst="rect">
-            <a:avLst/>
-          </a:prstGeom>
-        </p:spPr>
-      </p:pic>
-      <p:pic>
-        <p:nvPicPr>
-          <p:cNvPr id="28" name="Picture 6">
-            <a:extLst>
-              <a:ext uri="{FF2B5EF4-FFF2-40B4-BE49-F238E27FC236}">
-                <a16:creationId xmlns:a16="http://schemas.microsoft.com/office/drawing/2014/main" id="{97D45E23-90AD-A028-05E6-6586A5843E21}"/>
-              </a:ext>
-            </a:extLst>
-          </p:cNvPr>
-          <p:cNvPicPr>
-            <a:picLocks noChangeAspect="1"/>
-          </p:cNvPicPr>
-          <p:nvPr/>
-        </p:nvPicPr>
-        <p:blipFill>
-          <a:blip r:embed="rId4"/>
-          <a:stretch>
-            <a:fillRect/>
-          </a:stretch>
-        </p:blipFill>
-        <p:spPr>
-          <a:xfrm>
-            <a:off x="7027113" y="2030568"/>
-            <a:ext cx="549008" cy="336268"/>
-          </a:xfrm>
-          <a:prstGeom prst="rect">
-            <a:avLst/>
-          </a:prstGeom>
-        </p:spPr>
-      </p:pic>
-      <p:sp>
-        <p:nvSpPr>
-          <p:cNvPr id="29" name="Rectangle: Rounded Corners 6">
-            <a:extLst>
-              <a:ext uri="{FF2B5EF4-FFF2-40B4-BE49-F238E27FC236}">
-                <a16:creationId xmlns:a16="http://schemas.microsoft.com/office/drawing/2014/main" id="{8A69E514-DFCE-BDFC-FE4E-7567049EB630}"/>
-              </a:ext>
-            </a:extLst>
-          </p:cNvPr>
-          <p:cNvSpPr/>
-          <p:nvPr/>
-        </p:nvSpPr>
-        <p:spPr>
-          <a:xfrm>
-            <a:off x="7417095" y="2468179"/>
-            <a:ext cx="2558017" cy="768927"/>
-          </a:xfrm>
-          <a:prstGeom prst="roundRect">
-            <a:avLst/>
-          </a:prstGeom>
-          <a:solidFill>
-            <a:srgbClr val="FF9900"/>
-          </a:solidFill>
-          <a:ln>
-            <a:noFill/>
-          </a:ln>
-        </p:spPr>
-        <p:style>
-          <a:lnRef idx="2">
-            <a:schemeClr val="accent1">
-              <a:shade val="50000"/>
-            </a:schemeClr>
-          </a:lnRef>
-          <a:fillRef idx="1">
-            <a:schemeClr val="accent1"/>
-          </a:fillRef>
-          <a:effectRef idx="0">
-            <a:schemeClr val="accent1"/>
-          </a:effectRef>
-          <a:fontRef idx="minor">
-            <a:schemeClr val="lt1"/>
-          </a:fontRef>
-        </p:style>
-        <p:txBody>
-          <a:bodyPr rtlCol="0" anchor="ctr"/>
-          <a:lstStyle/>
-          <a:p>
-            <a:pPr algn="ctr"/>
-            <a:r>
-              <a:rPr lang="de-DE" dirty="0"/>
-              <a:t>EC2 </a:t>
-            </a:r>
-            <a:r>
-              <a:rPr lang="de-DE" dirty="0" err="1"/>
-              <a:t>machine</a:t>
-            </a:r>
-            <a:endParaRPr lang="de-DE" dirty="0"/>
-          </a:p>
-        </p:txBody>
-      </p:sp>
-      <p:sp>
-        <p:nvSpPr>
-          <p:cNvPr id="30" name="Rectangle: Rounded Corners 17">
-            <a:extLst>
-              <a:ext uri="{FF2B5EF4-FFF2-40B4-BE49-F238E27FC236}">
-                <a16:creationId xmlns:a16="http://schemas.microsoft.com/office/drawing/2014/main" id="{C3D25223-D404-A957-180D-7C74A93E192A}"/>
-              </a:ext>
-            </a:extLst>
-          </p:cNvPr>
-          <p:cNvSpPr/>
-          <p:nvPr/>
-        </p:nvSpPr>
-        <p:spPr>
-          <a:xfrm flipH="1" flipV="1">
-            <a:off x="6821483" y="1882666"/>
-            <a:ext cx="3424355" cy="1594946"/>
-          </a:xfrm>
-          <a:prstGeom prst="roundRect">
-            <a:avLst/>
-          </a:prstGeom>
-          <a:noFill/>
-          <a:ln>
-            <a:solidFill>
-              <a:srgbClr val="FF9900"/>
-            </a:solidFill>
-          </a:ln>
-        </p:spPr>
-        <p:style>
-          <a:lnRef idx="2">
-            <a:schemeClr val="accent1">
-              <a:shade val="50000"/>
-            </a:schemeClr>
-          </a:lnRef>
-          <a:fillRef idx="1">
-            <a:schemeClr val="accent1"/>
-          </a:fillRef>
-          <a:effectRef idx="0">
-            <a:schemeClr val="accent1"/>
-          </a:effectRef>
-          <a:fontRef idx="minor">
-            <a:schemeClr val="lt1"/>
-          </a:fontRef>
-        </p:style>
-        <p:txBody>
-          <a:bodyPr rtlCol="0" anchor="ctr"/>
-          <a:lstStyle/>
-          <a:p>
-            <a:pPr algn="ctr"/>
-            <a:endParaRPr lang="de-DE"/>
-          </a:p>
-        </p:txBody>
-      </p:sp>
-      <p:cxnSp>
-        <p:nvCxnSpPr>
-          <p:cNvPr id="31" name="Straight Arrow Connector 11">
-            <a:extLst>
-              <a:ext uri="{FF2B5EF4-FFF2-40B4-BE49-F238E27FC236}">
-                <a16:creationId xmlns:a16="http://schemas.microsoft.com/office/drawing/2014/main" id="{227B2E06-2BE5-7007-A654-EBE79D0F9520}"/>
-              </a:ext>
-            </a:extLst>
-          </p:cNvPr>
-          <p:cNvCxnSpPr>
-            <a:cxnSpLocks/>
-            <a:stCxn id="20" idx="3"/>
-            <a:endCxn id="29" idx="1"/>
-          </p:cNvCxnSpPr>
-          <p:nvPr/>
-        </p:nvCxnSpPr>
-        <p:spPr>
-          <a:xfrm>
-            <a:off x="5955145" y="2852643"/>
-            <a:ext cx="1461950" cy="0"/>
-          </a:xfrm>
-          <a:prstGeom prst="straightConnector1">
-            <a:avLst/>
-          </a:prstGeom>
-          <a:ln>
-            <a:solidFill>
-              <a:srgbClr val="FF9900"/>
-            </a:solidFill>
-            <a:tailEnd type="triangle"/>
-          </a:ln>
-        </p:spPr>
-        <p:style>
-          <a:lnRef idx="1">
-            <a:schemeClr val="accent1"/>
-          </a:lnRef>
-          <a:fillRef idx="0">
-            <a:schemeClr val="accent1"/>
-          </a:fillRef>
-          <a:effectRef idx="0">
-            <a:schemeClr val="accent1"/>
-          </a:effectRef>
-          <a:fontRef idx="minor">
-            <a:schemeClr val="tx1"/>
-          </a:fontRef>
-        </p:style>
-      </p:cxnSp>
-      <p:cxnSp>
-        <p:nvCxnSpPr>
-          <p:cNvPr id="36" name="Straight Arrow Connector 11">
-            <a:extLst>
-              <a:ext uri="{FF2B5EF4-FFF2-40B4-BE49-F238E27FC236}">
-                <a16:creationId xmlns:a16="http://schemas.microsoft.com/office/drawing/2014/main" id="{0939BA32-55A3-5025-F860-5D4857282D4C}"/>
-              </a:ext>
-            </a:extLst>
-          </p:cNvPr>
-          <p:cNvCxnSpPr>
-            <a:cxnSpLocks/>
-            <a:stCxn id="6" idx="0"/>
-            <a:endCxn id="29" idx="2"/>
-          </p:cNvCxnSpPr>
-          <p:nvPr/>
-        </p:nvCxnSpPr>
-        <p:spPr>
-          <a:xfrm flipV="1">
-            <a:off x="8696102" y="3237106"/>
-            <a:ext cx="2" cy="1165293"/>
-          </a:xfrm>
-          <a:prstGeom prst="straightConnector1">
-            <a:avLst/>
-          </a:prstGeom>
-          <a:ln w="76200">
-            <a:solidFill>
-              <a:srgbClr val="FF0000"/>
-            </a:solidFill>
-            <a:tailEnd type="triangle"/>
-          </a:ln>
-        </p:spPr>
-        <p:style>
-          <a:lnRef idx="1">
-            <a:schemeClr val="accent1"/>
-          </a:lnRef>
-          <a:fillRef idx="0">
-            <a:schemeClr val="accent1"/>
-          </a:fillRef>
-          <a:effectRef idx="0">
-            <a:schemeClr val="accent1"/>
-          </a:effectRef>
-          <a:fontRef idx="minor">
-            <a:schemeClr val="tx1"/>
-          </a:fontRef>
-        </p:style>
-      </p:cxnSp>
     </p:spTree>
     <p:extLst>
       <p:ext uri="{BB962C8B-B14F-4D97-AF65-F5344CB8AC3E}">
-        <p14:creationId xmlns:p14="http://schemas.microsoft.com/office/powerpoint/2010/main" val="1926015178"/>
+        <p14:creationId xmlns:p14="http://schemas.microsoft.com/office/powerpoint/2010/main" val="2403675243"/>
       </p:ext>
     </p:extLst>
   </p:cSld>
@@ -10893,9 +11037,7 @@
             <a:avLst/>
           </a:prstGeom>
           <a:solidFill>
-            <a:schemeClr val="bg1">
-              <a:lumMod val="65000"/>
-            </a:schemeClr>
+            <a:srgbClr val="2088FE"/>
           </a:solidFill>
           <a:ln>
             <a:noFill/>
@@ -10950,9 +11092,7 @@
             <a:avLst/>
           </a:prstGeom>
           <a:solidFill>
-            <a:schemeClr val="bg1">
-              <a:lumMod val="65000"/>
-            </a:schemeClr>
+            <a:srgbClr val="2088FE"/>
           </a:solidFill>
           <a:ln>
             <a:noFill/>
@@ -11015,9 +11155,7 @@
             <a:avLst/>
           </a:prstGeom>
           <a:solidFill>
-            <a:schemeClr val="bg1">
-              <a:lumMod val="65000"/>
-            </a:schemeClr>
+            <a:srgbClr val="2088FE"/>
           </a:solidFill>
           <a:ln>
             <a:noFill/>
@@ -11104,31 +11242,25 @@
           <a:prstGeom prst="straightConnector1">
             <a:avLst/>
           </a:prstGeom>
-          <a:noFill/>
           <a:ln>
             <a:solidFill>
-              <a:schemeClr val="bg1">
-                <a:lumMod val="75000"/>
-              </a:schemeClr>
+              <a:srgbClr val="2088FE"/>
             </a:solidFill>
-            <a:headEnd type="none" w="med" len="med"/>
-            <a:tailEnd type="triangle" w="med" len="med"/>
+            <a:tailEnd type="triangle"/>
           </a:ln>
         </p:spPr>
         <p:style>
-          <a:lnRef idx="2">
-            <a:schemeClr val="accent1">
-              <a:shade val="50000"/>
-            </a:schemeClr>
+          <a:lnRef idx="1">
+            <a:schemeClr val="accent1"/>
           </a:lnRef>
-          <a:fillRef idx="1">
+          <a:fillRef idx="0">
             <a:schemeClr val="accent1"/>
           </a:fillRef>
           <a:effectRef idx="0">
             <a:schemeClr val="accent1"/>
           </a:effectRef>
           <a:fontRef idx="minor">
-            <a:schemeClr val="lt1"/>
+            <a:schemeClr val="tx1"/>
           </a:fontRef>
         </p:style>
       </p:cxnSp>
@@ -11156,31 +11288,25 @@
           <a:prstGeom prst="straightConnector1">
             <a:avLst/>
           </a:prstGeom>
-          <a:noFill/>
           <a:ln>
             <a:solidFill>
-              <a:schemeClr val="bg1">
-                <a:lumMod val="75000"/>
-              </a:schemeClr>
+              <a:srgbClr val="2088FE"/>
             </a:solidFill>
-            <a:headEnd type="none" w="med" len="med"/>
-            <a:tailEnd type="triangle" w="med" len="med"/>
+            <a:tailEnd type="triangle"/>
           </a:ln>
         </p:spPr>
         <p:style>
-          <a:lnRef idx="2">
-            <a:schemeClr val="accent1">
-              <a:shade val="50000"/>
-            </a:schemeClr>
+          <a:lnRef idx="1">
+            <a:schemeClr val="accent1"/>
           </a:lnRef>
-          <a:fillRef idx="1">
+          <a:fillRef idx="0">
             <a:schemeClr val="accent1"/>
           </a:fillRef>
           <a:effectRef idx="0">
             <a:schemeClr val="accent1"/>
           </a:effectRef>
           <a:fontRef idx="minor">
-            <a:schemeClr val="lt1"/>
+            <a:schemeClr val="tx1"/>
           </a:fontRef>
         </p:style>
       </p:cxnSp>
@@ -11207,9 +11333,7 @@
           <a:noFill/>
           <a:ln>
             <a:solidFill>
-              <a:schemeClr val="bg1">
-                <a:lumMod val="75000"/>
-              </a:schemeClr>
+              <a:srgbClr val="2088FE"/>
             </a:solidFill>
           </a:ln>
         </p:spPr>
@@ -11292,15 +11416,53 @@
           <a:prstGeom prst="straightConnector1">
             <a:avLst/>
           </a:prstGeom>
-          <a:noFill/>
           <a:ln>
             <a:solidFill>
-              <a:schemeClr val="bg1">
-                <a:lumMod val="75000"/>
-              </a:schemeClr>
+              <a:srgbClr val="5C4EE5"/>
             </a:solidFill>
-            <a:headEnd type="none" w="med" len="med"/>
-            <a:tailEnd type="triangle" w="med" len="med"/>
+            <a:tailEnd type="triangle"/>
+          </a:ln>
+        </p:spPr>
+        <p:style>
+          <a:lnRef idx="1">
+            <a:schemeClr val="accent1"/>
+          </a:lnRef>
+          <a:fillRef idx="0">
+            <a:schemeClr val="accent1"/>
+          </a:fillRef>
+          <a:effectRef idx="0">
+            <a:schemeClr val="accent1"/>
+          </a:effectRef>
+          <a:fontRef idx="minor">
+            <a:schemeClr val="tx1"/>
+          </a:fontRef>
+        </p:style>
+      </p:cxnSp>
+      <p:sp>
+        <p:nvSpPr>
+          <p:cNvPr id="20" name="Rectangle: Rounded Corners 6">
+            <a:extLst>
+              <a:ext uri="{FF2B5EF4-FFF2-40B4-BE49-F238E27FC236}">
+                <a16:creationId xmlns:a16="http://schemas.microsoft.com/office/drawing/2014/main" id="{B811BC74-BB0A-7701-99C2-0D2003A48E60}"/>
+              </a:ext>
+            </a:extLst>
+          </p:cNvPr>
+          <p:cNvSpPr/>
+          <p:nvPr/>
+        </p:nvSpPr>
+        <p:spPr>
+          <a:xfrm>
+            <a:off x="3397128" y="2468179"/>
+            <a:ext cx="2558017" cy="768927"/>
+          </a:xfrm>
+          <a:prstGeom prst="roundRect">
+            <a:avLst/>
+          </a:prstGeom>
+          <a:solidFill>
+            <a:srgbClr val="5C4EE5"/>
+          </a:solidFill>
+          <a:ln>
+            <a:noFill/>
           </a:ln>
         </p:spPr>
         <p:style>
@@ -11319,52 +11481,6 @@
             <a:schemeClr val="lt1"/>
           </a:fontRef>
         </p:style>
-      </p:cxnSp>
-      <p:sp>
-        <p:nvSpPr>
-          <p:cNvPr id="20" name="Rectangle: Rounded Corners 6">
-            <a:extLst>
-              <a:ext uri="{FF2B5EF4-FFF2-40B4-BE49-F238E27FC236}">
-                <a16:creationId xmlns:a16="http://schemas.microsoft.com/office/drawing/2014/main" id="{B811BC74-BB0A-7701-99C2-0D2003A48E60}"/>
-              </a:ext>
-            </a:extLst>
-          </p:cNvPr>
-          <p:cNvSpPr/>
-          <p:nvPr/>
-        </p:nvSpPr>
-        <p:spPr>
-          <a:xfrm>
-            <a:off x="3397128" y="2468179"/>
-            <a:ext cx="2558017" cy="768927"/>
-          </a:xfrm>
-          <a:prstGeom prst="roundRect">
-            <a:avLst/>
-          </a:prstGeom>
-          <a:solidFill>
-            <a:schemeClr val="bg1">
-              <a:lumMod val="65000"/>
-            </a:schemeClr>
-          </a:solidFill>
-          <a:ln>
-            <a:noFill/>
-          </a:ln>
-        </p:spPr>
-        <p:style>
-          <a:lnRef idx="2">
-            <a:schemeClr val="accent1">
-              <a:shade val="50000"/>
-            </a:schemeClr>
-          </a:lnRef>
-          <a:fillRef idx="1">
-            <a:schemeClr val="accent1"/>
-          </a:fillRef>
-          <a:effectRef idx="0">
-            <a:schemeClr val="accent1"/>
-          </a:effectRef>
-          <a:fontRef idx="minor">
-            <a:schemeClr val="lt1"/>
-          </a:fontRef>
-        </p:style>
         <p:txBody>
           <a:bodyPr rtlCol="0" anchor="ctr"/>
           <a:lstStyle/>
@@ -11405,9 +11521,7 @@
           <a:noFill/>
           <a:ln>
             <a:solidFill>
-              <a:schemeClr val="bg1">
-                <a:lumMod val="75000"/>
-              </a:schemeClr>
+              <a:srgbClr val="5C4EE5"/>
             </a:solidFill>
           </a:ln>
         </p:spPr>
@@ -11517,9 +11631,7 @@
             <a:avLst/>
           </a:prstGeom>
           <a:solidFill>
-            <a:schemeClr val="bg1">
-              <a:lumMod val="65000"/>
-            </a:schemeClr>
+            <a:srgbClr val="FF9900"/>
           </a:solidFill>
           <a:ln>
             <a:noFill/>
@@ -11581,9 +11693,7 @@
           <a:noFill/>
           <a:ln>
             <a:solidFill>
-              <a:schemeClr val="bg1">
-                <a:lumMod val="75000"/>
-              </a:schemeClr>
+              <a:srgbClr val="FF9900"/>
             </a:solidFill>
           </a:ln>
         </p:spPr>
@@ -11636,31 +11746,25 @@
           <a:prstGeom prst="straightConnector1">
             <a:avLst/>
           </a:prstGeom>
-          <a:noFill/>
           <a:ln>
             <a:solidFill>
-              <a:schemeClr val="bg1">
-                <a:lumMod val="75000"/>
-              </a:schemeClr>
+              <a:srgbClr val="FF9900"/>
             </a:solidFill>
-            <a:headEnd type="none" w="med" len="med"/>
-            <a:tailEnd type="triangle" w="med" len="med"/>
+            <a:tailEnd type="triangle"/>
           </a:ln>
         </p:spPr>
         <p:style>
-          <a:lnRef idx="2">
-            <a:schemeClr val="accent1">
-              <a:shade val="50000"/>
-            </a:schemeClr>
+          <a:lnRef idx="1">
+            <a:schemeClr val="accent1"/>
           </a:lnRef>
-          <a:fillRef idx="1">
+          <a:fillRef idx="0">
             <a:schemeClr val="accent1"/>
           </a:fillRef>
           <a:effectRef idx="0">
             <a:schemeClr val="accent1"/>
           </a:effectRef>
           <a:fontRef idx="minor">
-            <a:schemeClr val="lt1"/>
+            <a:schemeClr val="tx1"/>
           </a:fontRef>
         </p:style>
       </p:cxnSp>
@@ -11688,38 +11792,32 @@
           <a:prstGeom prst="straightConnector1">
             <a:avLst/>
           </a:prstGeom>
-          <a:noFill/>
-          <a:ln>
+          <a:ln w="76200">
             <a:solidFill>
-              <a:schemeClr val="bg1">
-                <a:lumMod val="75000"/>
-              </a:schemeClr>
+              <a:srgbClr val="FF0000"/>
             </a:solidFill>
-            <a:headEnd type="none" w="med" len="med"/>
-            <a:tailEnd type="triangle" w="med" len="med"/>
+            <a:tailEnd type="triangle"/>
           </a:ln>
         </p:spPr>
         <p:style>
-          <a:lnRef idx="2">
-            <a:schemeClr val="accent1">
-              <a:shade val="50000"/>
-            </a:schemeClr>
+          <a:lnRef idx="1">
+            <a:schemeClr val="accent1"/>
           </a:lnRef>
-          <a:fillRef idx="1">
+          <a:fillRef idx="0">
             <a:schemeClr val="accent1"/>
           </a:fillRef>
           <a:effectRef idx="0">
             <a:schemeClr val="accent1"/>
           </a:effectRef>
           <a:fontRef idx="minor">
-            <a:schemeClr val="lt1"/>
+            <a:schemeClr val="tx1"/>
           </a:fontRef>
         </p:style>
       </p:cxnSp>
     </p:spTree>
     <p:extLst>
       <p:ext uri="{BB962C8B-B14F-4D97-AF65-F5344CB8AC3E}">
-        <p14:creationId xmlns:p14="http://schemas.microsoft.com/office/powerpoint/2010/main" val="3271600243"/>
+        <p14:creationId xmlns:p14="http://schemas.microsoft.com/office/powerpoint/2010/main" val="1926015178"/>
       </p:ext>
     </p:extLst>
   </p:cSld>
@@ -11845,8 +11943,8 @@
         </p:nvSpPr>
         <p:spPr>
           <a:xfrm>
-            <a:off x="3397130" y="4402402"/>
-            <a:ext cx="2256248" cy="768927"/>
+            <a:off x="3397129" y="4402402"/>
+            <a:ext cx="2558017" cy="768927"/>
           </a:xfrm>
           <a:prstGeom prst="roundRect">
             <a:avLst/>
@@ -11910,8 +12008,8 @@
         </p:nvSpPr>
         <p:spPr>
           <a:xfrm>
-            <a:off x="8896038" y="4402399"/>
-            <a:ext cx="2558014" cy="768927"/>
+            <a:off x="7417094" y="4402399"/>
+            <a:ext cx="2558015" cy="768927"/>
           </a:xfrm>
           <a:prstGeom prst="roundRect">
             <a:avLst/>
@@ -12001,7 +12099,7 @@
         <p:spPr>
           <a:xfrm>
             <a:off x="2646067" y="4786864"/>
-            <a:ext cx="751063" cy="2"/>
+            <a:ext cx="751062" cy="2"/>
           </a:xfrm>
           <a:prstGeom prst="straightConnector1">
             <a:avLst/>
@@ -12046,14 +12144,14 @@
           <p:cNvCxnSpPr>
             <a:cxnSpLocks/>
             <a:stCxn id="5" idx="3"/>
-            <a:endCxn id="22" idx="1"/>
+            <a:endCxn id="6" idx="1"/>
           </p:cNvCxnSpPr>
           <p:nvPr/>
         </p:nvCxnSpPr>
         <p:spPr>
           <a:xfrm flipV="1">
-            <a:off x="5653378" y="4786863"/>
-            <a:ext cx="510480" cy="3"/>
+            <a:off x="5955146" y="4786863"/>
+            <a:ext cx="1461948" cy="3"/>
           </a:xfrm>
           <a:prstGeom prst="straightConnector1">
             <a:avLst/>
@@ -12100,8 +12198,8 @@
         </p:nvSpPr>
         <p:spPr>
           <a:xfrm flipH="1" flipV="1">
-            <a:off x="2727297" y="4035928"/>
-            <a:ext cx="8997484" cy="1594946"/>
+            <a:off x="2812116" y="3914030"/>
+            <a:ext cx="7433721" cy="1594946"/>
           </a:xfrm>
           <a:prstGeom prst="roundRect">
             <a:avLst/>
@@ -12181,14 +12279,15 @@
           </p:cNvPr>
           <p:cNvCxnSpPr>
             <a:cxnSpLocks/>
+            <a:stCxn id="5" idx="0"/>
             <a:endCxn id="20" idx="2"/>
           </p:cNvCxnSpPr>
           <p:nvPr/>
         </p:nvCxnSpPr>
         <p:spPr>
-          <a:xfrm flipV="1">
-            <a:off x="4676135" y="3237106"/>
-            <a:ext cx="2" cy="1165293"/>
+          <a:xfrm flipH="1" flipV="1">
+            <a:off x="4676137" y="3237106"/>
+            <a:ext cx="1" cy="1165296"/>
           </a:xfrm>
           <a:prstGeom prst="straightConnector1">
             <a:avLst/>
@@ -12389,7 +12488,7 @@
         </p:blipFill>
         <p:spPr>
           <a:xfrm>
-            <a:off x="8506056" y="2030568"/>
+            <a:off x="7027113" y="2030568"/>
             <a:ext cx="549008" cy="336268"/>
           </a:xfrm>
           <a:prstGeom prst="rect">
@@ -12411,7 +12510,7 @@
         </p:nvSpPr>
         <p:spPr>
           <a:xfrm>
-            <a:off x="8896038" y="2468179"/>
+            <a:off x="7417095" y="2468179"/>
             <a:ext cx="2558017" cy="768927"/>
           </a:xfrm>
           <a:prstGeom prst="roundRect">
@@ -12473,7 +12572,7 @@
         </p:nvSpPr>
         <p:spPr>
           <a:xfrm flipH="1" flipV="1">
-            <a:off x="8300426" y="1882666"/>
+            <a:off x="6821483" y="1882666"/>
             <a:ext cx="3424355" cy="1594946"/>
           </a:xfrm>
           <a:prstGeom prst="roundRect">
@@ -12532,7 +12631,7 @@
         <p:spPr>
           <a:xfrm>
             <a:off x="5955145" y="2852643"/>
-            <a:ext cx="2940893" cy="0"/>
+            <a:ext cx="1461950" cy="0"/>
           </a:xfrm>
           <a:prstGeom prst="straightConnector1">
             <a:avLst/>
@@ -12583,7 +12682,7 @@
         </p:nvCxnSpPr>
         <p:spPr>
           <a:xfrm flipV="1">
-            <a:off x="10175045" y="3237106"/>
+            <a:off x="8696102" y="3237106"/>
             <a:ext cx="2" cy="1165293"/>
           </a:xfrm>
           <a:prstGeom prst="straightConnector1">
@@ -12617,148 +12716,10 @@
           </a:fontRef>
         </p:style>
       </p:cxnSp>
-      <p:sp>
-        <p:nvSpPr>
-          <p:cNvPr id="22" name="Rectangle: Rounded Corners 7">
-            <a:extLst>
-              <a:ext uri="{FF2B5EF4-FFF2-40B4-BE49-F238E27FC236}">
-                <a16:creationId xmlns:a16="http://schemas.microsoft.com/office/drawing/2014/main" id="{70D14B7E-B2E8-D44D-9F76-43A117366100}"/>
-              </a:ext>
-            </a:extLst>
-          </p:cNvPr>
-          <p:cNvSpPr/>
-          <p:nvPr/>
-        </p:nvSpPr>
-        <p:spPr>
-          <a:xfrm>
-            <a:off x="6163858" y="4402399"/>
-            <a:ext cx="2153842" cy="768927"/>
-          </a:xfrm>
-          <a:prstGeom prst="roundRect">
-            <a:avLst/>
-          </a:prstGeom>
-          <a:solidFill>
-            <a:schemeClr val="bg1">
-              <a:lumMod val="65000"/>
-            </a:schemeClr>
-          </a:solidFill>
-          <a:ln>
-            <a:noFill/>
-          </a:ln>
-        </p:spPr>
-        <p:style>
-          <a:lnRef idx="2">
-            <a:schemeClr val="accent1">
-              <a:shade val="50000"/>
-            </a:schemeClr>
-          </a:lnRef>
-          <a:fillRef idx="1">
-            <a:schemeClr val="accent1"/>
-          </a:fillRef>
-          <a:effectRef idx="0">
-            <a:schemeClr val="accent1"/>
-          </a:effectRef>
-          <a:fontRef idx="minor">
-            <a:schemeClr val="lt1"/>
-          </a:fontRef>
-        </p:style>
-        <p:txBody>
-          <a:bodyPr rtlCol="0" anchor="ctr"/>
-          <a:lstStyle/>
-          <a:p>
-            <a:pPr algn="ctr"/>
-            <a:r>
-              <a:rPr lang="de-DE" dirty="0"/>
-              <a:t>Push </a:t>
-            </a:r>
-            <a:r>
-              <a:rPr lang="de-DE" dirty="0" err="1"/>
-              <a:t>docker</a:t>
-            </a:r>
-            <a:r>
-              <a:rPr lang="de-DE" dirty="0"/>
-              <a:t> </a:t>
-            </a:r>
-            <a:r>
-              <a:rPr lang="de-DE" dirty="0" err="1"/>
-              <a:t>images</a:t>
-            </a:r>
-            <a:r>
-              <a:rPr lang="de-DE" dirty="0"/>
-              <a:t> </a:t>
-            </a:r>
-            <a:r>
-              <a:rPr lang="de-DE" dirty="0" err="1"/>
-              <a:t>to</a:t>
-            </a:r>
-            <a:r>
-              <a:rPr lang="de-DE" dirty="0"/>
-              <a:t> </a:t>
-            </a:r>
-            <a:r>
-              <a:rPr lang="de-DE" dirty="0" err="1"/>
-              <a:t>dockerhub</a:t>
-            </a:r>
-            <a:endParaRPr lang="de-DE" dirty="0"/>
-          </a:p>
-        </p:txBody>
-      </p:sp>
-      <p:cxnSp>
-        <p:nvCxnSpPr>
-          <p:cNvPr id="26" name="Straight Arrow Connector 13">
-            <a:extLst>
-              <a:ext uri="{FF2B5EF4-FFF2-40B4-BE49-F238E27FC236}">
-                <a16:creationId xmlns:a16="http://schemas.microsoft.com/office/drawing/2014/main" id="{D9F0D3DE-92F8-BAFA-2875-037DC3C725F9}"/>
-              </a:ext>
-            </a:extLst>
-          </p:cNvPr>
-          <p:cNvCxnSpPr>
-            <a:cxnSpLocks/>
-            <a:stCxn id="22" idx="3"/>
-            <a:endCxn id="6" idx="1"/>
-          </p:cNvCxnSpPr>
-          <p:nvPr/>
-        </p:nvCxnSpPr>
-        <p:spPr>
-          <a:xfrm>
-            <a:off x="8317700" y="4786863"/>
-            <a:ext cx="578338" cy="0"/>
-          </a:xfrm>
-          <a:prstGeom prst="straightConnector1">
-            <a:avLst/>
-          </a:prstGeom>
-          <a:noFill/>
-          <a:ln>
-            <a:solidFill>
-              <a:schemeClr val="bg1">
-                <a:lumMod val="75000"/>
-              </a:schemeClr>
-            </a:solidFill>
-            <a:headEnd type="none" w="med" len="med"/>
-            <a:tailEnd type="triangle" w="med" len="med"/>
-          </a:ln>
-        </p:spPr>
-        <p:style>
-          <a:lnRef idx="2">
-            <a:schemeClr val="accent1">
-              <a:shade val="50000"/>
-            </a:schemeClr>
-          </a:lnRef>
-          <a:fillRef idx="1">
-            <a:schemeClr val="accent1"/>
-          </a:fillRef>
-          <a:effectRef idx="0">
-            <a:schemeClr val="accent1"/>
-          </a:effectRef>
-          <a:fontRef idx="minor">
-            <a:schemeClr val="lt1"/>
-          </a:fontRef>
-        </p:style>
-      </p:cxnSp>
     </p:spTree>
     <p:extLst>
       <p:ext uri="{BB962C8B-B14F-4D97-AF65-F5344CB8AC3E}">
-        <p14:creationId xmlns:p14="http://schemas.microsoft.com/office/powerpoint/2010/main" val="1380695859"/>
+        <p14:creationId xmlns:p14="http://schemas.microsoft.com/office/powerpoint/2010/main" val="3271600243"/>
       </p:ext>
     </p:extLst>
   </p:cSld>
@@ -12769,7 +12730,7 @@
 </file>
 
 <file path=ppt/slides/slide17.xml><?xml version="1.0" encoding="utf-8"?>
-<p:sld xmlns:a="http://schemas.openxmlformats.org/drawingml/2006/main" xmlns:r="http://schemas.openxmlformats.org/officeDocument/2006/relationships" xmlns:p="http://schemas.openxmlformats.org/presentationml/2006/main">
+<p:sld xmlns:a="http://schemas.openxmlformats.org/drawingml/2006/main" xmlns:r="http://schemas.openxmlformats.org/officeDocument/2006/relationships" xmlns:p="http://schemas.openxmlformats.org/presentationml/2006/main" show="0">
   <p:cSld>
     <p:spTree>
       <p:nvGrpSpPr>
@@ -12815,283 +12776,376 @@
       </p:sp>
       <p:sp>
         <p:nvSpPr>
-          <p:cNvPr id="12" name="Textfeld 11">
-            <a:extLst>
-              <a:ext uri="{FF2B5EF4-FFF2-40B4-BE49-F238E27FC236}">
-                <a16:creationId xmlns:a16="http://schemas.microsoft.com/office/drawing/2014/main" id="{767958CC-0830-D63A-2BC6-C0B189A4BC9F}"/>
-              </a:ext>
-            </a:extLst>
-          </p:cNvPr>
-          <p:cNvSpPr txBox="1"/>
+          <p:cNvPr id="4" name="Rectangle: Rounded Corners 5">
+            <a:extLst>
+              <a:ext uri="{FF2B5EF4-FFF2-40B4-BE49-F238E27FC236}">
+                <a16:creationId xmlns:a16="http://schemas.microsoft.com/office/drawing/2014/main" id="{78CCAEE7-61F5-65AA-DCCD-9964C5338FAE}"/>
+              </a:ext>
+            </a:extLst>
+          </p:cNvPr>
+          <p:cNvSpPr/>
           <p:nvPr/>
         </p:nvSpPr>
         <p:spPr>
           <a:xfrm>
-            <a:off x="6965343" y="2725695"/>
-            <a:ext cx="4715123" cy="1698029"/>
-          </a:xfrm>
-          <a:prstGeom prst="rect">
+            <a:off x="941957" y="4402400"/>
+            <a:ext cx="1704110" cy="768927"/>
+          </a:xfrm>
+          <a:prstGeom prst="roundRect">
+            <a:avLst/>
+          </a:prstGeom>
+          <a:solidFill>
+            <a:schemeClr val="bg1">
+              <a:lumMod val="65000"/>
+            </a:schemeClr>
+          </a:solidFill>
+          <a:ln>
+            <a:noFill/>
+          </a:ln>
+        </p:spPr>
+        <p:style>
+          <a:lnRef idx="2">
+            <a:schemeClr val="accent1">
+              <a:shade val="50000"/>
+            </a:schemeClr>
+          </a:lnRef>
+          <a:fillRef idx="1">
+            <a:schemeClr val="accent1"/>
+          </a:fillRef>
+          <a:effectRef idx="0">
+            <a:schemeClr val="accent1"/>
+          </a:effectRef>
+          <a:fontRef idx="minor">
+            <a:schemeClr val="lt1"/>
+          </a:fontRef>
+        </p:style>
+        <p:txBody>
+          <a:bodyPr rtlCol="0" anchor="ctr"/>
+          <a:lstStyle/>
+          <a:p>
+            <a:pPr algn="ctr"/>
+            <a:r>
+              <a:rPr lang="de-DE" dirty="0"/>
+              <a:t>Push</a:t>
+            </a:r>
+          </a:p>
+        </p:txBody>
+      </p:sp>
+      <p:sp>
+        <p:nvSpPr>
+          <p:cNvPr id="5" name="Rectangle: Rounded Corners 6">
+            <a:extLst>
+              <a:ext uri="{FF2B5EF4-FFF2-40B4-BE49-F238E27FC236}">
+                <a16:creationId xmlns:a16="http://schemas.microsoft.com/office/drawing/2014/main" id="{264CA49D-6F4B-C4CF-E420-1104249827C0}"/>
+              </a:ext>
+            </a:extLst>
+          </p:cNvPr>
+          <p:cNvSpPr/>
+          <p:nvPr/>
+        </p:nvSpPr>
+        <p:spPr>
+          <a:xfrm>
+            <a:off x="3397130" y="4402402"/>
+            <a:ext cx="2256248" cy="768927"/>
+          </a:xfrm>
+          <a:prstGeom prst="roundRect">
+            <a:avLst/>
+          </a:prstGeom>
+          <a:solidFill>
+            <a:schemeClr val="bg1">
+              <a:lumMod val="65000"/>
+            </a:schemeClr>
+          </a:solidFill>
+          <a:ln>
+            <a:noFill/>
+          </a:ln>
+        </p:spPr>
+        <p:style>
+          <a:lnRef idx="2">
+            <a:schemeClr val="accent1">
+              <a:shade val="50000"/>
+            </a:schemeClr>
+          </a:lnRef>
+          <a:fillRef idx="1">
+            <a:schemeClr val="accent1"/>
+          </a:fillRef>
+          <a:effectRef idx="0">
+            <a:schemeClr val="accent1"/>
+          </a:effectRef>
+          <a:fontRef idx="minor">
+            <a:schemeClr val="lt1"/>
+          </a:fontRef>
+        </p:style>
+        <p:txBody>
+          <a:bodyPr rtlCol="0" anchor="ctr"/>
+          <a:lstStyle/>
+          <a:p>
+            <a:pPr algn="ctr"/>
+            <a:r>
+              <a:rPr lang="de-DE" dirty="0"/>
+              <a:t>Create Infrastructure </a:t>
+            </a:r>
+            <a:r>
+              <a:rPr lang="de-DE" dirty="0" err="1"/>
+              <a:t>with</a:t>
+            </a:r>
+            <a:r>
+              <a:rPr lang="de-DE" dirty="0"/>
+              <a:t> Terraform</a:t>
+            </a:r>
+          </a:p>
+        </p:txBody>
+      </p:sp>
+      <p:sp>
+        <p:nvSpPr>
+          <p:cNvPr id="6" name="Rectangle: Rounded Corners 7">
+            <a:extLst>
+              <a:ext uri="{FF2B5EF4-FFF2-40B4-BE49-F238E27FC236}">
+                <a16:creationId xmlns:a16="http://schemas.microsoft.com/office/drawing/2014/main" id="{7245DBC1-1583-905A-477C-077D529C85D9}"/>
+              </a:ext>
+            </a:extLst>
+          </p:cNvPr>
+          <p:cNvSpPr/>
+          <p:nvPr/>
+        </p:nvSpPr>
+        <p:spPr>
+          <a:xfrm>
+            <a:off x="8896038" y="4402399"/>
+            <a:ext cx="2558014" cy="768927"/>
+          </a:xfrm>
+          <a:prstGeom prst="roundRect">
+            <a:avLst/>
+          </a:prstGeom>
+          <a:solidFill>
+            <a:schemeClr val="bg1">
+              <a:lumMod val="65000"/>
+            </a:schemeClr>
+          </a:solidFill>
+          <a:ln>
+            <a:noFill/>
+          </a:ln>
+        </p:spPr>
+        <p:style>
+          <a:lnRef idx="2">
+            <a:schemeClr val="accent1">
+              <a:shade val="50000"/>
+            </a:schemeClr>
+          </a:lnRef>
+          <a:fillRef idx="1">
+            <a:schemeClr val="accent1"/>
+          </a:fillRef>
+          <a:effectRef idx="0">
+            <a:schemeClr val="accent1"/>
+          </a:effectRef>
+          <a:fontRef idx="minor">
+            <a:schemeClr val="lt1"/>
+          </a:fontRef>
+        </p:style>
+        <p:txBody>
+          <a:bodyPr rtlCol="0" anchor="ctr"/>
+          <a:lstStyle/>
+          <a:p>
+            <a:pPr algn="ctr"/>
+            <a:r>
+              <a:rPr lang="de-DE" dirty="0"/>
+              <a:t>Deploy </a:t>
+            </a:r>
+            <a:r>
+              <a:rPr lang="de-DE" dirty="0" err="1"/>
+              <a:t>app</a:t>
+            </a:r>
+            <a:r>
+              <a:rPr lang="de-DE" dirty="0"/>
+              <a:t> </a:t>
+            </a:r>
+            <a:r>
+              <a:rPr lang="de-DE" dirty="0" err="1"/>
+              <a:t>with</a:t>
+            </a:r>
+            <a:r>
+              <a:rPr lang="de-DE" dirty="0"/>
+              <a:t> </a:t>
+            </a:r>
+            <a:r>
+              <a:rPr lang="de-DE" dirty="0" err="1"/>
+              <a:t>docker</a:t>
+            </a:r>
+            <a:r>
+              <a:rPr lang="de-DE" dirty="0"/>
+              <a:t> </a:t>
+            </a:r>
+            <a:r>
+              <a:rPr lang="de-DE" dirty="0" err="1"/>
+              <a:t>compose</a:t>
+            </a:r>
+            <a:endParaRPr lang="de-DE" dirty="0"/>
+          </a:p>
+        </p:txBody>
+      </p:sp>
+      <p:cxnSp>
+        <p:nvCxnSpPr>
+          <p:cNvPr id="7" name="Straight Arrow Connector 11">
+            <a:extLst>
+              <a:ext uri="{FF2B5EF4-FFF2-40B4-BE49-F238E27FC236}">
+                <a16:creationId xmlns:a16="http://schemas.microsoft.com/office/drawing/2014/main" id="{F501AB0B-B3CB-38AA-624C-ED414CEFB3A8}"/>
+              </a:ext>
+            </a:extLst>
+          </p:cNvPr>
+          <p:cNvCxnSpPr>
+            <a:cxnSpLocks/>
+            <a:stCxn id="4" idx="3"/>
+            <a:endCxn id="5" idx="1"/>
+          </p:cNvCxnSpPr>
+          <p:nvPr/>
+        </p:nvCxnSpPr>
+        <p:spPr>
+          <a:xfrm>
+            <a:off x="2646067" y="4786864"/>
+            <a:ext cx="751063" cy="2"/>
+          </a:xfrm>
+          <a:prstGeom prst="straightConnector1">
             <a:avLst/>
           </a:prstGeom>
           <a:noFill/>
-        </p:spPr>
-        <p:txBody>
-          <a:bodyPr wrap="square" rtlCol="0">
-            <a:spAutoFit/>
-          </a:bodyPr>
-          <a:lstStyle/>
-          <a:p>
-            <a:pPr>
-              <a:lnSpc>
-                <a:spcPct val="150000"/>
-              </a:lnSpc>
-            </a:pPr>
-            <a:r>
-              <a:rPr lang="de-DE" dirty="0" err="1">
-                <a:latin typeface="+mj-lt"/>
-              </a:rPr>
-              <a:t>How</a:t>
-            </a:r>
-            <a:r>
-              <a:rPr lang="de-DE" dirty="0">
-                <a:latin typeface="+mj-lt"/>
-              </a:rPr>
-              <a:t> </a:t>
-            </a:r>
-            <a:r>
-              <a:rPr lang="de-DE" dirty="0" err="1">
-                <a:latin typeface="+mj-lt"/>
-              </a:rPr>
-              <a:t>can</a:t>
-            </a:r>
-            <a:r>
-              <a:rPr lang="de-DE" dirty="0">
-                <a:latin typeface="+mj-lt"/>
-              </a:rPr>
-              <a:t> </a:t>
-            </a:r>
-            <a:r>
-              <a:rPr lang="de-DE" dirty="0" err="1">
-                <a:latin typeface="+mj-lt"/>
-              </a:rPr>
-              <a:t>we</a:t>
-            </a:r>
-            <a:r>
-              <a:rPr lang="de-DE" dirty="0">
-                <a:latin typeface="+mj-lt"/>
-              </a:rPr>
-              <a:t>…</a:t>
-            </a:r>
-          </a:p>
-          <a:p>
-            <a:pPr marL="285750" indent="-285750">
-              <a:lnSpc>
-                <a:spcPct val="150000"/>
-              </a:lnSpc>
-              <a:buFont typeface="Arial" panose="020B0604020202020204" pitchFamily="34" charset="0"/>
-              <a:buChar char="•"/>
-            </a:pPr>
-            <a:r>
-              <a:rPr lang="de-DE" dirty="0">
-                <a:latin typeface="+mj-lt"/>
-              </a:rPr>
-              <a:t>…</a:t>
-            </a:r>
-            <a:r>
-              <a:rPr lang="de-DE" dirty="0" err="1">
-                <a:latin typeface="+mj-lt"/>
-              </a:rPr>
-              <a:t>install</a:t>
-            </a:r>
-            <a:r>
-              <a:rPr lang="de-DE" dirty="0">
-                <a:latin typeface="+mj-lt"/>
-              </a:rPr>
-              <a:t> </a:t>
-            </a:r>
-            <a:r>
-              <a:rPr lang="de-DE" dirty="0" err="1">
-                <a:latin typeface="+mj-lt"/>
-              </a:rPr>
-              <a:t>docker</a:t>
-            </a:r>
-            <a:r>
-              <a:rPr lang="de-DE" dirty="0">
-                <a:latin typeface="+mj-lt"/>
-              </a:rPr>
-              <a:t> &amp; </a:t>
-            </a:r>
-            <a:r>
-              <a:rPr lang="de-DE" dirty="0" err="1">
-                <a:latin typeface="+mj-lt"/>
-              </a:rPr>
-              <a:t>docker-compose</a:t>
-            </a:r>
-            <a:r>
-              <a:rPr lang="de-DE" dirty="0">
-                <a:latin typeface="+mj-lt"/>
-              </a:rPr>
-              <a:t> in </a:t>
-            </a:r>
-            <a:r>
-              <a:rPr lang="de-DE" dirty="0" err="1">
-                <a:latin typeface="+mj-lt"/>
-              </a:rPr>
-              <a:t>the</a:t>
-            </a:r>
-            <a:r>
-              <a:rPr lang="de-DE" dirty="0">
-                <a:latin typeface="+mj-lt"/>
-              </a:rPr>
-              <a:t> EC2? </a:t>
-            </a:r>
-          </a:p>
-          <a:p>
-            <a:pPr marL="285750" indent="-285750">
-              <a:lnSpc>
-                <a:spcPct val="150000"/>
-              </a:lnSpc>
-              <a:buFont typeface="Arial" panose="020B0604020202020204" pitchFamily="34" charset="0"/>
-              <a:buChar char="•"/>
-            </a:pPr>
-            <a:r>
-              <a:rPr lang="de-DE" dirty="0">
-                <a:latin typeface="+mj-lt"/>
-              </a:rPr>
-              <a:t>…</a:t>
-            </a:r>
-            <a:r>
-              <a:rPr lang="de-DE" dirty="0" err="1">
-                <a:latin typeface="+mj-lt"/>
-              </a:rPr>
-              <a:t>put</a:t>
-            </a:r>
-            <a:r>
-              <a:rPr lang="de-DE" dirty="0">
-                <a:latin typeface="+mj-lt"/>
-              </a:rPr>
-              <a:t> </a:t>
-            </a:r>
-            <a:r>
-              <a:rPr lang="de-DE" dirty="0" err="1">
-                <a:latin typeface="+mj-lt"/>
-              </a:rPr>
-              <a:t>our</a:t>
-            </a:r>
-            <a:r>
-              <a:rPr lang="de-DE" dirty="0">
-                <a:latin typeface="+mj-lt"/>
-              </a:rPr>
-              <a:t> </a:t>
-            </a:r>
-            <a:r>
-              <a:rPr lang="de-DE" dirty="0" err="1">
-                <a:latin typeface="+mj-lt"/>
-              </a:rPr>
-              <a:t>containers</a:t>
-            </a:r>
-            <a:r>
-              <a:rPr lang="de-DE" dirty="0">
-                <a:latin typeface="+mj-lt"/>
-              </a:rPr>
-              <a:t> in </a:t>
-            </a:r>
-            <a:r>
-              <a:rPr lang="de-DE" dirty="0" err="1">
-                <a:latin typeface="+mj-lt"/>
-              </a:rPr>
-              <a:t>the</a:t>
-            </a:r>
-            <a:r>
-              <a:rPr lang="de-DE" dirty="0">
-                <a:latin typeface="+mj-lt"/>
-              </a:rPr>
-              <a:t> EC2? </a:t>
-            </a:r>
-          </a:p>
-          <a:p>
-            <a:pPr marL="285750" indent="-285750">
-              <a:lnSpc>
-                <a:spcPct val="150000"/>
-              </a:lnSpc>
-              <a:buFont typeface="Arial" panose="020B0604020202020204" pitchFamily="34" charset="0"/>
-              <a:buChar char="•"/>
-            </a:pPr>
-            <a:r>
-              <a:rPr lang="de-DE" dirty="0">
-                <a:latin typeface="+mj-lt"/>
-              </a:rPr>
-              <a:t>…</a:t>
-            </a:r>
-            <a:r>
-              <a:rPr lang="de-DE" dirty="0" err="1">
-                <a:latin typeface="+mj-lt"/>
-              </a:rPr>
-              <a:t>start</a:t>
-            </a:r>
-            <a:r>
-              <a:rPr lang="de-DE" dirty="0">
-                <a:latin typeface="+mj-lt"/>
-              </a:rPr>
-              <a:t> </a:t>
-            </a:r>
-            <a:r>
-              <a:rPr lang="de-DE" dirty="0" err="1">
-                <a:latin typeface="+mj-lt"/>
-              </a:rPr>
-              <a:t>the</a:t>
-            </a:r>
-            <a:r>
-              <a:rPr lang="de-DE" dirty="0">
-                <a:latin typeface="+mj-lt"/>
-              </a:rPr>
-              <a:t> </a:t>
-            </a:r>
-            <a:r>
-              <a:rPr lang="de-DE" dirty="0" err="1">
-                <a:latin typeface="+mj-lt"/>
-              </a:rPr>
-              <a:t>application</a:t>
-            </a:r>
-            <a:r>
-              <a:rPr lang="de-DE" dirty="0">
-                <a:latin typeface="+mj-lt"/>
-              </a:rPr>
-              <a:t> via </a:t>
-            </a:r>
-            <a:r>
-              <a:rPr lang="de-DE" dirty="0" err="1">
-                <a:latin typeface="+mj-lt"/>
-              </a:rPr>
-              <a:t>docker-compose</a:t>
-            </a:r>
-            <a:r>
-              <a:rPr lang="de-DE" dirty="0">
-                <a:latin typeface="+mj-lt"/>
-              </a:rPr>
-              <a:t> </a:t>
-            </a:r>
-            <a:r>
-              <a:rPr lang="de-DE" dirty="0" err="1">
-                <a:latin typeface="+mj-lt"/>
-              </a:rPr>
-              <a:t>up</a:t>
-            </a:r>
-            <a:r>
-              <a:rPr lang="de-DE" dirty="0">
-                <a:latin typeface="+mj-lt"/>
-              </a:rPr>
-              <a:t>? </a:t>
-            </a:r>
+          <a:ln>
+            <a:solidFill>
+              <a:schemeClr val="bg1">
+                <a:lumMod val="75000"/>
+              </a:schemeClr>
+            </a:solidFill>
+            <a:headEnd type="none" w="med" len="med"/>
+            <a:tailEnd type="triangle" w="med" len="med"/>
+          </a:ln>
+        </p:spPr>
+        <p:style>
+          <a:lnRef idx="2">
+            <a:schemeClr val="accent1">
+              <a:shade val="50000"/>
+            </a:schemeClr>
+          </a:lnRef>
+          <a:fillRef idx="1">
+            <a:schemeClr val="accent1"/>
+          </a:fillRef>
+          <a:effectRef idx="0">
+            <a:schemeClr val="accent1"/>
+          </a:effectRef>
+          <a:fontRef idx="minor">
+            <a:schemeClr val="lt1"/>
+          </a:fontRef>
+        </p:style>
+      </p:cxnSp>
+      <p:cxnSp>
+        <p:nvCxnSpPr>
+          <p:cNvPr id="8" name="Straight Arrow Connector 13">
+            <a:extLst>
+              <a:ext uri="{FF2B5EF4-FFF2-40B4-BE49-F238E27FC236}">
+                <a16:creationId xmlns:a16="http://schemas.microsoft.com/office/drawing/2014/main" id="{15D2F7F9-D527-3673-F73F-11C0FEC9E142}"/>
+              </a:ext>
+            </a:extLst>
+          </p:cNvPr>
+          <p:cNvCxnSpPr>
+            <a:cxnSpLocks/>
+            <a:stCxn id="5" idx="3"/>
+            <a:endCxn id="22" idx="1"/>
+          </p:cNvCxnSpPr>
+          <p:nvPr/>
+        </p:nvCxnSpPr>
+        <p:spPr>
+          <a:xfrm flipV="1">
+            <a:off x="5653378" y="4786863"/>
+            <a:ext cx="510480" cy="3"/>
+          </a:xfrm>
+          <a:prstGeom prst="straightConnector1">
+            <a:avLst/>
+          </a:prstGeom>
+          <a:noFill/>
+          <a:ln>
+            <a:solidFill>
+              <a:schemeClr val="bg1">
+                <a:lumMod val="75000"/>
+              </a:schemeClr>
+            </a:solidFill>
+            <a:headEnd type="none" w="med" len="med"/>
+            <a:tailEnd type="triangle" w="med" len="med"/>
+          </a:ln>
+        </p:spPr>
+        <p:style>
+          <a:lnRef idx="2">
+            <a:schemeClr val="accent1">
+              <a:shade val="50000"/>
+            </a:schemeClr>
+          </a:lnRef>
+          <a:fillRef idx="1">
+            <a:schemeClr val="accent1"/>
+          </a:fillRef>
+          <a:effectRef idx="0">
+            <a:schemeClr val="accent1"/>
+          </a:effectRef>
+          <a:fontRef idx="minor">
+            <a:schemeClr val="lt1"/>
+          </a:fontRef>
+        </p:style>
+      </p:cxnSp>
+      <p:sp>
+        <p:nvSpPr>
+          <p:cNvPr id="9" name="Rectangle: Rounded Corners 17">
+            <a:extLst>
+              <a:ext uri="{FF2B5EF4-FFF2-40B4-BE49-F238E27FC236}">
+                <a16:creationId xmlns:a16="http://schemas.microsoft.com/office/drawing/2014/main" id="{433EC4C8-5652-8E37-1388-42FECF4CA3D7}"/>
+              </a:ext>
+            </a:extLst>
+          </p:cNvPr>
+          <p:cNvSpPr/>
+          <p:nvPr/>
+        </p:nvSpPr>
+        <p:spPr>
+          <a:xfrm flipH="1" flipV="1">
+            <a:off x="2727297" y="4035928"/>
+            <a:ext cx="8997484" cy="1594946"/>
+          </a:xfrm>
+          <a:prstGeom prst="roundRect">
+            <a:avLst/>
+          </a:prstGeom>
+          <a:noFill/>
+          <a:ln>
+            <a:solidFill>
+              <a:schemeClr val="bg1">
+                <a:lumMod val="75000"/>
+              </a:schemeClr>
+            </a:solidFill>
+          </a:ln>
+        </p:spPr>
+        <p:style>
+          <a:lnRef idx="2">
+            <a:schemeClr val="accent1">
+              <a:shade val="50000"/>
+            </a:schemeClr>
+          </a:lnRef>
+          <a:fillRef idx="1">
+            <a:schemeClr val="accent1"/>
+          </a:fillRef>
+          <a:effectRef idx="0">
+            <a:schemeClr val="accent1"/>
+          </a:effectRef>
+          <a:fontRef idx="minor">
+            <a:schemeClr val="lt1"/>
+          </a:fontRef>
+        </p:style>
+        <p:txBody>
+          <a:bodyPr rtlCol="0" anchor="ctr"/>
+          <a:lstStyle/>
+          <a:p>
+            <a:pPr algn="ctr"/>
+            <a:endParaRPr lang="de-DE"/>
           </a:p>
         </p:txBody>
       </p:sp>
       <p:pic>
         <p:nvPicPr>
-          <p:cNvPr id="4" name="Grafik 3">
-            <a:extLst>
-              <a:ext uri="{FF2B5EF4-FFF2-40B4-BE49-F238E27FC236}">
-                <a16:creationId xmlns:a16="http://schemas.microsoft.com/office/drawing/2014/main" id="{093B13FD-5A14-A2A1-D001-6EA7953F3662}"/>
+          <p:cNvPr id="10" name="Picture 19">
+            <a:extLst>
+              <a:ext uri="{FF2B5EF4-FFF2-40B4-BE49-F238E27FC236}">
+                <a16:creationId xmlns:a16="http://schemas.microsoft.com/office/drawing/2014/main" id="{B187C7EC-CE9C-D136-07DC-CC38CA9DE47D}"/>
               </a:ext>
             </a:extLst>
           </p:cNvPr>
@@ -13101,34 +13155,610 @@
           <p:nvPr/>
         </p:nvPicPr>
         <p:blipFill>
-          <a:blip r:embed="rId3">
-            <a:extLst>
-              <a:ext uri="{28A0092B-C50C-407E-A947-70E740481C1C}">
-                <a14:useLocalDpi xmlns:a14="http://schemas.microsoft.com/office/drawing/2010/main" val="0"/>
-              </a:ext>
-              <a:ext uri="{96DAC541-7B7A-43D3-8B79-37D633B846F1}">
-                <asvg:svgBlip xmlns:asvg="http://schemas.microsoft.com/office/drawing/2016/SVG/main" r:embed="rId4"/>
-              </a:ext>
-            </a:extLst>
-          </a:blip>
+          <a:blip r:embed="rId2"/>
           <a:stretch>
             <a:fillRect/>
           </a:stretch>
         </p:blipFill>
         <p:spPr>
           <a:xfrm>
-            <a:off x="511534" y="2362197"/>
-            <a:ext cx="6269107" cy="2458976"/>
+            <a:off x="2891263" y="4059604"/>
+            <a:ext cx="426720" cy="426720"/>
           </a:xfrm>
           <a:prstGeom prst="rect">
             <a:avLst/>
           </a:prstGeom>
         </p:spPr>
       </p:pic>
+      <p:cxnSp>
+        <p:nvCxnSpPr>
+          <p:cNvPr id="19" name="Straight Arrow Connector 11">
+            <a:extLst>
+              <a:ext uri="{FF2B5EF4-FFF2-40B4-BE49-F238E27FC236}">
+                <a16:creationId xmlns:a16="http://schemas.microsoft.com/office/drawing/2014/main" id="{2BE4D3C3-2C05-2D6B-EB00-0B569B104FB4}"/>
+              </a:ext>
+            </a:extLst>
+          </p:cNvPr>
+          <p:cNvCxnSpPr>
+            <a:cxnSpLocks/>
+            <a:endCxn id="20" idx="2"/>
+          </p:cNvCxnSpPr>
+          <p:nvPr/>
+        </p:nvCxnSpPr>
+        <p:spPr>
+          <a:xfrm flipV="1">
+            <a:off x="4676135" y="3237106"/>
+            <a:ext cx="2" cy="1165293"/>
+          </a:xfrm>
+          <a:prstGeom prst="straightConnector1">
+            <a:avLst/>
+          </a:prstGeom>
+          <a:noFill/>
+          <a:ln>
+            <a:solidFill>
+              <a:schemeClr val="bg1">
+                <a:lumMod val="75000"/>
+              </a:schemeClr>
+            </a:solidFill>
+            <a:headEnd type="none" w="med" len="med"/>
+            <a:tailEnd type="triangle" w="med" len="med"/>
+          </a:ln>
+        </p:spPr>
+        <p:style>
+          <a:lnRef idx="2">
+            <a:schemeClr val="accent1">
+              <a:shade val="50000"/>
+            </a:schemeClr>
+          </a:lnRef>
+          <a:fillRef idx="1">
+            <a:schemeClr val="accent1"/>
+          </a:fillRef>
+          <a:effectRef idx="0">
+            <a:schemeClr val="accent1"/>
+          </a:effectRef>
+          <a:fontRef idx="minor">
+            <a:schemeClr val="lt1"/>
+          </a:fontRef>
+        </p:style>
+      </p:cxnSp>
+      <p:sp>
+        <p:nvSpPr>
+          <p:cNvPr id="20" name="Rectangle: Rounded Corners 6">
+            <a:extLst>
+              <a:ext uri="{FF2B5EF4-FFF2-40B4-BE49-F238E27FC236}">
+                <a16:creationId xmlns:a16="http://schemas.microsoft.com/office/drawing/2014/main" id="{B811BC74-BB0A-7701-99C2-0D2003A48E60}"/>
+              </a:ext>
+            </a:extLst>
+          </p:cNvPr>
+          <p:cNvSpPr/>
+          <p:nvPr/>
+        </p:nvSpPr>
+        <p:spPr>
+          <a:xfrm>
+            <a:off x="3397128" y="2468179"/>
+            <a:ext cx="2558017" cy="768927"/>
+          </a:xfrm>
+          <a:prstGeom prst="roundRect">
+            <a:avLst/>
+          </a:prstGeom>
+          <a:solidFill>
+            <a:schemeClr val="bg1">
+              <a:lumMod val="65000"/>
+            </a:schemeClr>
+          </a:solidFill>
+          <a:ln>
+            <a:noFill/>
+          </a:ln>
+        </p:spPr>
+        <p:style>
+          <a:lnRef idx="2">
+            <a:schemeClr val="accent1">
+              <a:shade val="50000"/>
+            </a:schemeClr>
+          </a:lnRef>
+          <a:fillRef idx="1">
+            <a:schemeClr val="accent1"/>
+          </a:fillRef>
+          <a:effectRef idx="0">
+            <a:schemeClr val="accent1"/>
+          </a:effectRef>
+          <a:fontRef idx="minor">
+            <a:schemeClr val="lt1"/>
+          </a:fontRef>
+        </p:style>
+        <p:txBody>
+          <a:bodyPr rtlCol="0" anchor="ctr"/>
+          <a:lstStyle/>
+          <a:p>
+            <a:pPr algn="ctr"/>
+            <a:r>
+              <a:rPr lang="de-DE" dirty="0"/>
+              <a:t>Create EC2 </a:t>
+            </a:r>
+            <a:r>
+              <a:rPr lang="de-DE" dirty="0" err="1"/>
+              <a:t>machine</a:t>
+            </a:r>
+            <a:endParaRPr lang="de-DE" dirty="0"/>
+          </a:p>
+        </p:txBody>
+      </p:sp>
+      <p:sp>
+        <p:nvSpPr>
+          <p:cNvPr id="21" name="Rectangle: Rounded Corners 17">
+            <a:extLst>
+              <a:ext uri="{FF2B5EF4-FFF2-40B4-BE49-F238E27FC236}">
+                <a16:creationId xmlns:a16="http://schemas.microsoft.com/office/drawing/2014/main" id="{865E96C3-898B-ABE0-91DC-5A88AEAE32A1}"/>
+              </a:ext>
+            </a:extLst>
+          </p:cNvPr>
+          <p:cNvSpPr/>
+          <p:nvPr/>
+        </p:nvSpPr>
+        <p:spPr>
+          <a:xfrm flipH="1" flipV="1">
+            <a:off x="2812117" y="1882666"/>
+            <a:ext cx="3424355" cy="1594946"/>
+          </a:xfrm>
+          <a:prstGeom prst="roundRect">
+            <a:avLst/>
+          </a:prstGeom>
+          <a:noFill/>
+          <a:ln>
+            <a:solidFill>
+              <a:schemeClr val="bg1">
+                <a:lumMod val="75000"/>
+              </a:schemeClr>
+            </a:solidFill>
+          </a:ln>
+        </p:spPr>
+        <p:style>
+          <a:lnRef idx="2">
+            <a:schemeClr val="accent1">
+              <a:shade val="50000"/>
+            </a:schemeClr>
+          </a:lnRef>
+          <a:fillRef idx="1">
+            <a:schemeClr val="accent1"/>
+          </a:fillRef>
+          <a:effectRef idx="0">
+            <a:schemeClr val="accent1"/>
+          </a:effectRef>
+          <a:fontRef idx="minor">
+            <a:schemeClr val="lt1"/>
+          </a:fontRef>
+        </p:style>
+        <p:txBody>
+          <a:bodyPr rtlCol="0" anchor="ctr"/>
+          <a:lstStyle/>
+          <a:p>
+            <a:pPr algn="ctr"/>
+            <a:endParaRPr lang="de-DE"/>
+          </a:p>
+        </p:txBody>
+      </p:sp>
+      <p:pic>
+        <p:nvPicPr>
+          <p:cNvPr id="24" name="Picture 4">
+            <a:extLst>
+              <a:ext uri="{FF2B5EF4-FFF2-40B4-BE49-F238E27FC236}">
+                <a16:creationId xmlns:a16="http://schemas.microsoft.com/office/drawing/2014/main" id="{F668A630-DDE5-F7FD-292A-06605BED7FC7}"/>
+              </a:ext>
+            </a:extLst>
+          </p:cNvPr>
+          <p:cNvPicPr>
+            <a:picLocks noChangeAspect="1"/>
+          </p:cNvPicPr>
+          <p:nvPr/>
+        </p:nvPicPr>
+        <p:blipFill>
+          <a:blip r:embed="rId3"/>
+          <a:stretch>
+            <a:fillRect/>
+          </a:stretch>
+        </p:blipFill>
+        <p:spPr>
+          <a:xfrm>
+            <a:off x="3011867" y="1985800"/>
+            <a:ext cx="426720" cy="482379"/>
+          </a:xfrm>
+          <a:prstGeom prst="rect">
+            <a:avLst/>
+          </a:prstGeom>
+        </p:spPr>
+      </p:pic>
+      <p:pic>
+        <p:nvPicPr>
+          <p:cNvPr id="28" name="Picture 6">
+            <a:extLst>
+              <a:ext uri="{FF2B5EF4-FFF2-40B4-BE49-F238E27FC236}">
+                <a16:creationId xmlns:a16="http://schemas.microsoft.com/office/drawing/2014/main" id="{97D45E23-90AD-A028-05E6-6586A5843E21}"/>
+              </a:ext>
+            </a:extLst>
+          </p:cNvPr>
+          <p:cNvPicPr>
+            <a:picLocks noChangeAspect="1"/>
+          </p:cNvPicPr>
+          <p:nvPr/>
+        </p:nvPicPr>
+        <p:blipFill>
+          <a:blip r:embed="rId4"/>
+          <a:stretch>
+            <a:fillRect/>
+          </a:stretch>
+        </p:blipFill>
+        <p:spPr>
+          <a:xfrm>
+            <a:off x="8506056" y="2030568"/>
+            <a:ext cx="549008" cy="336268"/>
+          </a:xfrm>
+          <a:prstGeom prst="rect">
+            <a:avLst/>
+          </a:prstGeom>
+        </p:spPr>
+      </p:pic>
+      <p:sp>
+        <p:nvSpPr>
+          <p:cNvPr id="29" name="Rectangle: Rounded Corners 6">
+            <a:extLst>
+              <a:ext uri="{FF2B5EF4-FFF2-40B4-BE49-F238E27FC236}">
+                <a16:creationId xmlns:a16="http://schemas.microsoft.com/office/drawing/2014/main" id="{8A69E514-DFCE-BDFC-FE4E-7567049EB630}"/>
+              </a:ext>
+            </a:extLst>
+          </p:cNvPr>
+          <p:cNvSpPr/>
+          <p:nvPr/>
+        </p:nvSpPr>
+        <p:spPr>
+          <a:xfrm>
+            <a:off x="8896038" y="2468179"/>
+            <a:ext cx="2558017" cy="768927"/>
+          </a:xfrm>
+          <a:prstGeom prst="roundRect">
+            <a:avLst/>
+          </a:prstGeom>
+          <a:solidFill>
+            <a:schemeClr val="bg1">
+              <a:lumMod val="65000"/>
+            </a:schemeClr>
+          </a:solidFill>
+          <a:ln>
+            <a:noFill/>
+          </a:ln>
+        </p:spPr>
+        <p:style>
+          <a:lnRef idx="2">
+            <a:schemeClr val="accent1">
+              <a:shade val="50000"/>
+            </a:schemeClr>
+          </a:lnRef>
+          <a:fillRef idx="1">
+            <a:schemeClr val="accent1"/>
+          </a:fillRef>
+          <a:effectRef idx="0">
+            <a:schemeClr val="accent1"/>
+          </a:effectRef>
+          <a:fontRef idx="minor">
+            <a:schemeClr val="lt1"/>
+          </a:fontRef>
+        </p:style>
+        <p:txBody>
+          <a:bodyPr rtlCol="0" anchor="ctr"/>
+          <a:lstStyle/>
+          <a:p>
+            <a:pPr algn="ctr"/>
+            <a:r>
+              <a:rPr lang="de-DE" dirty="0"/>
+              <a:t>EC2 </a:t>
+            </a:r>
+            <a:r>
+              <a:rPr lang="de-DE" dirty="0" err="1"/>
+              <a:t>machine</a:t>
+            </a:r>
+            <a:endParaRPr lang="de-DE" dirty="0"/>
+          </a:p>
+        </p:txBody>
+      </p:sp>
+      <p:sp>
+        <p:nvSpPr>
+          <p:cNvPr id="30" name="Rectangle: Rounded Corners 17">
+            <a:extLst>
+              <a:ext uri="{FF2B5EF4-FFF2-40B4-BE49-F238E27FC236}">
+                <a16:creationId xmlns:a16="http://schemas.microsoft.com/office/drawing/2014/main" id="{C3D25223-D404-A957-180D-7C74A93E192A}"/>
+              </a:ext>
+            </a:extLst>
+          </p:cNvPr>
+          <p:cNvSpPr/>
+          <p:nvPr/>
+        </p:nvSpPr>
+        <p:spPr>
+          <a:xfrm flipH="1" flipV="1">
+            <a:off x="8300426" y="1882666"/>
+            <a:ext cx="3424355" cy="1594946"/>
+          </a:xfrm>
+          <a:prstGeom prst="roundRect">
+            <a:avLst/>
+          </a:prstGeom>
+          <a:noFill/>
+          <a:ln>
+            <a:solidFill>
+              <a:schemeClr val="bg1">
+                <a:lumMod val="75000"/>
+              </a:schemeClr>
+            </a:solidFill>
+          </a:ln>
+        </p:spPr>
+        <p:style>
+          <a:lnRef idx="2">
+            <a:schemeClr val="accent1">
+              <a:shade val="50000"/>
+            </a:schemeClr>
+          </a:lnRef>
+          <a:fillRef idx="1">
+            <a:schemeClr val="accent1"/>
+          </a:fillRef>
+          <a:effectRef idx="0">
+            <a:schemeClr val="accent1"/>
+          </a:effectRef>
+          <a:fontRef idx="minor">
+            <a:schemeClr val="lt1"/>
+          </a:fontRef>
+        </p:style>
+        <p:txBody>
+          <a:bodyPr rtlCol="0" anchor="ctr"/>
+          <a:lstStyle/>
+          <a:p>
+            <a:pPr algn="ctr"/>
+            <a:endParaRPr lang="de-DE"/>
+          </a:p>
+        </p:txBody>
+      </p:sp>
+      <p:cxnSp>
+        <p:nvCxnSpPr>
+          <p:cNvPr id="31" name="Straight Arrow Connector 11">
+            <a:extLst>
+              <a:ext uri="{FF2B5EF4-FFF2-40B4-BE49-F238E27FC236}">
+                <a16:creationId xmlns:a16="http://schemas.microsoft.com/office/drawing/2014/main" id="{227B2E06-2BE5-7007-A654-EBE79D0F9520}"/>
+              </a:ext>
+            </a:extLst>
+          </p:cNvPr>
+          <p:cNvCxnSpPr>
+            <a:cxnSpLocks/>
+            <a:stCxn id="20" idx="3"/>
+            <a:endCxn id="29" idx="1"/>
+          </p:cNvCxnSpPr>
+          <p:nvPr/>
+        </p:nvCxnSpPr>
+        <p:spPr>
+          <a:xfrm>
+            <a:off x="5955145" y="2852643"/>
+            <a:ext cx="2940893" cy="0"/>
+          </a:xfrm>
+          <a:prstGeom prst="straightConnector1">
+            <a:avLst/>
+          </a:prstGeom>
+          <a:noFill/>
+          <a:ln>
+            <a:solidFill>
+              <a:schemeClr val="bg1">
+                <a:lumMod val="75000"/>
+              </a:schemeClr>
+            </a:solidFill>
+            <a:headEnd type="none" w="med" len="med"/>
+            <a:tailEnd type="triangle" w="med" len="med"/>
+          </a:ln>
+        </p:spPr>
+        <p:style>
+          <a:lnRef idx="2">
+            <a:schemeClr val="accent1">
+              <a:shade val="50000"/>
+            </a:schemeClr>
+          </a:lnRef>
+          <a:fillRef idx="1">
+            <a:schemeClr val="accent1"/>
+          </a:fillRef>
+          <a:effectRef idx="0">
+            <a:schemeClr val="accent1"/>
+          </a:effectRef>
+          <a:fontRef idx="minor">
+            <a:schemeClr val="lt1"/>
+          </a:fontRef>
+        </p:style>
+      </p:cxnSp>
+      <p:cxnSp>
+        <p:nvCxnSpPr>
+          <p:cNvPr id="36" name="Straight Arrow Connector 11">
+            <a:extLst>
+              <a:ext uri="{FF2B5EF4-FFF2-40B4-BE49-F238E27FC236}">
+                <a16:creationId xmlns:a16="http://schemas.microsoft.com/office/drawing/2014/main" id="{0939BA32-55A3-5025-F860-5D4857282D4C}"/>
+              </a:ext>
+            </a:extLst>
+          </p:cNvPr>
+          <p:cNvCxnSpPr>
+            <a:cxnSpLocks/>
+            <a:stCxn id="6" idx="0"/>
+            <a:endCxn id="29" idx="2"/>
+          </p:cNvCxnSpPr>
+          <p:nvPr/>
+        </p:nvCxnSpPr>
+        <p:spPr>
+          <a:xfrm flipV="1">
+            <a:off x="10175045" y="3237106"/>
+            <a:ext cx="2" cy="1165293"/>
+          </a:xfrm>
+          <a:prstGeom prst="straightConnector1">
+            <a:avLst/>
+          </a:prstGeom>
+          <a:noFill/>
+          <a:ln>
+            <a:solidFill>
+              <a:schemeClr val="bg1">
+                <a:lumMod val="75000"/>
+              </a:schemeClr>
+            </a:solidFill>
+            <a:headEnd type="none" w="med" len="med"/>
+            <a:tailEnd type="triangle" w="med" len="med"/>
+          </a:ln>
+        </p:spPr>
+        <p:style>
+          <a:lnRef idx="2">
+            <a:schemeClr val="accent1">
+              <a:shade val="50000"/>
+            </a:schemeClr>
+          </a:lnRef>
+          <a:fillRef idx="1">
+            <a:schemeClr val="accent1"/>
+          </a:fillRef>
+          <a:effectRef idx="0">
+            <a:schemeClr val="accent1"/>
+          </a:effectRef>
+          <a:fontRef idx="minor">
+            <a:schemeClr val="lt1"/>
+          </a:fontRef>
+        </p:style>
+      </p:cxnSp>
+      <p:sp>
+        <p:nvSpPr>
+          <p:cNvPr id="22" name="Rectangle: Rounded Corners 7">
+            <a:extLst>
+              <a:ext uri="{FF2B5EF4-FFF2-40B4-BE49-F238E27FC236}">
+                <a16:creationId xmlns:a16="http://schemas.microsoft.com/office/drawing/2014/main" id="{70D14B7E-B2E8-D44D-9F76-43A117366100}"/>
+              </a:ext>
+            </a:extLst>
+          </p:cNvPr>
+          <p:cNvSpPr/>
+          <p:nvPr/>
+        </p:nvSpPr>
+        <p:spPr>
+          <a:xfrm>
+            <a:off x="6163858" y="4402399"/>
+            <a:ext cx="2153842" cy="768927"/>
+          </a:xfrm>
+          <a:prstGeom prst="roundRect">
+            <a:avLst/>
+          </a:prstGeom>
+          <a:solidFill>
+            <a:schemeClr val="bg1">
+              <a:lumMod val="65000"/>
+            </a:schemeClr>
+          </a:solidFill>
+          <a:ln>
+            <a:noFill/>
+          </a:ln>
+        </p:spPr>
+        <p:style>
+          <a:lnRef idx="2">
+            <a:schemeClr val="accent1">
+              <a:shade val="50000"/>
+            </a:schemeClr>
+          </a:lnRef>
+          <a:fillRef idx="1">
+            <a:schemeClr val="accent1"/>
+          </a:fillRef>
+          <a:effectRef idx="0">
+            <a:schemeClr val="accent1"/>
+          </a:effectRef>
+          <a:fontRef idx="minor">
+            <a:schemeClr val="lt1"/>
+          </a:fontRef>
+        </p:style>
+        <p:txBody>
+          <a:bodyPr rtlCol="0" anchor="ctr"/>
+          <a:lstStyle/>
+          <a:p>
+            <a:pPr algn="ctr"/>
+            <a:r>
+              <a:rPr lang="de-DE" dirty="0"/>
+              <a:t>Push </a:t>
+            </a:r>
+            <a:r>
+              <a:rPr lang="de-DE" dirty="0" err="1"/>
+              <a:t>docker</a:t>
+            </a:r>
+            <a:r>
+              <a:rPr lang="de-DE" dirty="0"/>
+              <a:t> </a:t>
+            </a:r>
+            <a:r>
+              <a:rPr lang="de-DE" dirty="0" err="1"/>
+              <a:t>images</a:t>
+            </a:r>
+            <a:r>
+              <a:rPr lang="de-DE" dirty="0"/>
+              <a:t> </a:t>
+            </a:r>
+            <a:r>
+              <a:rPr lang="de-DE" dirty="0" err="1"/>
+              <a:t>to</a:t>
+            </a:r>
+            <a:r>
+              <a:rPr lang="de-DE" dirty="0"/>
+              <a:t> </a:t>
+            </a:r>
+            <a:r>
+              <a:rPr lang="de-DE" dirty="0" err="1"/>
+              <a:t>dockerhub</a:t>
+            </a:r>
+            <a:endParaRPr lang="de-DE" dirty="0"/>
+          </a:p>
+        </p:txBody>
+      </p:sp>
+      <p:cxnSp>
+        <p:nvCxnSpPr>
+          <p:cNvPr id="26" name="Straight Arrow Connector 13">
+            <a:extLst>
+              <a:ext uri="{FF2B5EF4-FFF2-40B4-BE49-F238E27FC236}">
+                <a16:creationId xmlns:a16="http://schemas.microsoft.com/office/drawing/2014/main" id="{D9F0D3DE-92F8-BAFA-2875-037DC3C725F9}"/>
+              </a:ext>
+            </a:extLst>
+          </p:cNvPr>
+          <p:cNvCxnSpPr>
+            <a:cxnSpLocks/>
+            <a:stCxn id="22" idx="3"/>
+            <a:endCxn id="6" idx="1"/>
+          </p:cNvCxnSpPr>
+          <p:nvPr/>
+        </p:nvCxnSpPr>
+        <p:spPr>
+          <a:xfrm>
+            <a:off x="8317700" y="4786863"/>
+            <a:ext cx="578338" cy="0"/>
+          </a:xfrm>
+          <a:prstGeom prst="straightConnector1">
+            <a:avLst/>
+          </a:prstGeom>
+          <a:noFill/>
+          <a:ln>
+            <a:solidFill>
+              <a:schemeClr val="bg1">
+                <a:lumMod val="75000"/>
+              </a:schemeClr>
+            </a:solidFill>
+            <a:headEnd type="none" w="med" len="med"/>
+            <a:tailEnd type="triangle" w="med" len="med"/>
+          </a:ln>
+        </p:spPr>
+        <p:style>
+          <a:lnRef idx="2">
+            <a:schemeClr val="accent1">
+              <a:shade val="50000"/>
+            </a:schemeClr>
+          </a:lnRef>
+          <a:fillRef idx="1">
+            <a:schemeClr val="accent1"/>
+          </a:fillRef>
+          <a:effectRef idx="0">
+            <a:schemeClr val="accent1"/>
+          </a:effectRef>
+          <a:fontRef idx="minor">
+            <a:schemeClr val="lt1"/>
+          </a:fontRef>
+        </p:style>
+      </p:cxnSp>
     </p:spTree>
     <p:extLst>
       <p:ext uri="{BB962C8B-B14F-4D97-AF65-F5344CB8AC3E}">
-        <p14:creationId xmlns:p14="http://schemas.microsoft.com/office/powerpoint/2010/main" val="3050697166"/>
+        <p14:creationId xmlns:p14="http://schemas.microsoft.com/office/powerpoint/2010/main" val="1380695859"/>
       </p:ext>
     </p:extLst>
   </p:cSld>
@@ -13178,17 +13808,290 @@
           <a:p>
             <a:r>
               <a:rPr lang="de-DE" dirty="0"/>
-              <a:t>Solution 1</a:t>
+              <a:t>Critical Points</a:t>
+            </a:r>
+          </a:p>
+        </p:txBody>
+      </p:sp>
+      <p:sp>
+        <p:nvSpPr>
+          <p:cNvPr id="12" name="Textfeld 11">
+            <a:extLst>
+              <a:ext uri="{FF2B5EF4-FFF2-40B4-BE49-F238E27FC236}">
+                <a16:creationId xmlns:a16="http://schemas.microsoft.com/office/drawing/2014/main" id="{767958CC-0830-D63A-2BC6-C0B189A4BC9F}"/>
+              </a:ext>
+            </a:extLst>
+          </p:cNvPr>
+          <p:cNvSpPr txBox="1"/>
+          <p:nvPr/>
+        </p:nvSpPr>
+        <p:spPr>
+          <a:xfrm>
+            <a:off x="6965343" y="2725695"/>
+            <a:ext cx="4715123" cy="1698029"/>
+          </a:xfrm>
+          <a:prstGeom prst="rect">
+            <a:avLst/>
+          </a:prstGeom>
+          <a:noFill/>
+        </p:spPr>
+        <p:txBody>
+          <a:bodyPr wrap="square" rtlCol="0">
+            <a:spAutoFit/>
+          </a:bodyPr>
+          <a:lstStyle/>
+          <a:p>
+            <a:pPr>
+              <a:lnSpc>
+                <a:spcPct val="150000"/>
+              </a:lnSpc>
+            </a:pPr>
+            <a:r>
+              <a:rPr lang="de-DE" dirty="0" err="1">
+                <a:latin typeface="+mj-lt"/>
+              </a:rPr>
+              <a:t>How</a:t>
+            </a:r>
+            <a:r>
+              <a:rPr lang="de-DE" dirty="0">
+                <a:latin typeface="+mj-lt"/>
+              </a:rPr>
+              <a:t> </a:t>
+            </a:r>
+            <a:r>
+              <a:rPr lang="de-DE" dirty="0" err="1">
+                <a:latin typeface="+mj-lt"/>
+              </a:rPr>
+              <a:t>can</a:t>
+            </a:r>
+            <a:r>
+              <a:rPr lang="de-DE" dirty="0">
+                <a:latin typeface="+mj-lt"/>
+              </a:rPr>
+              <a:t> </a:t>
+            </a:r>
+            <a:r>
+              <a:rPr lang="de-DE" dirty="0" err="1">
+                <a:latin typeface="+mj-lt"/>
+              </a:rPr>
+              <a:t>we</a:t>
+            </a:r>
+            <a:r>
+              <a:rPr lang="de-DE" dirty="0">
+                <a:latin typeface="+mj-lt"/>
+              </a:rPr>
+              <a:t>…</a:t>
+            </a:r>
+          </a:p>
+          <a:p>
+            <a:pPr marL="285750" indent="-285750">
+              <a:lnSpc>
+                <a:spcPct val="150000"/>
+              </a:lnSpc>
+              <a:buFont typeface="Arial" panose="020B0604020202020204" pitchFamily="34" charset="0"/>
+              <a:buChar char="•"/>
+            </a:pPr>
+            <a:r>
+              <a:rPr lang="de-DE" dirty="0">
+                <a:latin typeface="+mj-lt"/>
+              </a:rPr>
+              <a:t>…</a:t>
+            </a:r>
+            <a:r>
+              <a:rPr lang="de-DE" dirty="0" err="1">
+                <a:latin typeface="+mj-lt"/>
+              </a:rPr>
+              <a:t>install</a:t>
+            </a:r>
+            <a:r>
+              <a:rPr lang="de-DE" dirty="0">
+                <a:latin typeface="+mj-lt"/>
+              </a:rPr>
+              <a:t> </a:t>
+            </a:r>
+            <a:r>
+              <a:rPr lang="de-DE" dirty="0" err="1">
+                <a:latin typeface="+mj-lt"/>
+              </a:rPr>
+              <a:t>docker</a:t>
+            </a:r>
+            <a:r>
+              <a:rPr lang="de-DE" dirty="0">
+                <a:latin typeface="+mj-lt"/>
+              </a:rPr>
+              <a:t> &amp; </a:t>
+            </a:r>
+            <a:r>
+              <a:rPr lang="de-DE" dirty="0" err="1">
+                <a:latin typeface="+mj-lt"/>
+              </a:rPr>
+              <a:t>docker-compose</a:t>
+            </a:r>
+            <a:r>
+              <a:rPr lang="de-DE" dirty="0">
+                <a:latin typeface="+mj-lt"/>
+              </a:rPr>
+              <a:t> in </a:t>
+            </a:r>
+            <a:r>
+              <a:rPr lang="de-DE" dirty="0" err="1">
+                <a:latin typeface="+mj-lt"/>
+              </a:rPr>
+              <a:t>the</a:t>
+            </a:r>
+            <a:r>
+              <a:rPr lang="de-DE" dirty="0">
+                <a:latin typeface="+mj-lt"/>
+              </a:rPr>
+              <a:t> EC2? </a:t>
+            </a:r>
+          </a:p>
+          <a:p>
+            <a:pPr marL="285750" indent="-285750">
+              <a:lnSpc>
+                <a:spcPct val="150000"/>
+              </a:lnSpc>
+              <a:buFont typeface="Arial" panose="020B0604020202020204" pitchFamily="34" charset="0"/>
+              <a:buChar char="•"/>
+            </a:pPr>
+            <a:r>
+              <a:rPr lang="de-DE" dirty="0">
+                <a:latin typeface="+mj-lt"/>
+              </a:rPr>
+              <a:t>…</a:t>
+            </a:r>
+            <a:r>
+              <a:rPr lang="de-DE" dirty="0" err="1">
+                <a:latin typeface="+mj-lt"/>
+              </a:rPr>
+              <a:t>put</a:t>
+            </a:r>
+            <a:r>
+              <a:rPr lang="de-DE" dirty="0">
+                <a:latin typeface="+mj-lt"/>
+              </a:rPr>
+              <a:t> </a:t>
+            </a:r>
+            <a:r>
+              <a:rPr lang="de-DE" dirty="0" err="1">
+                <a:latin typeface="+mj-lt"/>
+              </a:rPr>
+              <a:t>our</a:t>
+            </a:r>
+            <a:r>
+              <a:rPr lang="de-DE" dirty="0">
+                <a:latin typeface="+mj-lt"/>
+              </a:rPr>
+              <a:t> </a:t>
+            </a:r>
+            <a:r>
+              <a:rPr lang="de-DE" dirty="0" err="1">
+                <a:latin typeface="+mj-lt"/>
+              </a:rPr>
+              <a:t>containers</a:t>
+            </a:r>
+            <a:r>
+              <a:rPr lang="de-DE" dirty="0">
+                <a:latin typeface="+mj-lt"/>
+              </a:rPr>
+              <a:t> in </a:t>
+            </a:r>
+            <a:r>
+              <a:rPr lang="de-DE" dirty="0" err="1">
+                <a:latin typeface="+mj-lt"/>
+              </a:rPr>
+              <a:t>the</a:t>
+            </a:r>
+            <a:r>
+              <a:rPr lang="de-DE" dirty="0">
+                <a:latin typeface="+mj-lt"/>
+              </a:rPr>
+              <a:t> EC2? </a:t>
+            </a:r>
+          </a:p>
+          <a:p>
+            <a:pPr marL="285750" indent="-285750">
+              <a:lnSpc>
+                <a:spcPct val="150000"/>
+              </a:lnSpc>
+              <a:buFont typeface="Arial" panose="020B0604020202020204" pitchFamily="34" charset="0"/>
+              <a:buChar char="•"/>
+            </a:pPr>
+            <a:r>
+              <a:rPr lang="de-DE" dirty="0">
+                <a:latin typeface="+mj-lt"/>
+              </a:rPr>
+              <a:t>…</a:t>
+            </a:r>
+            <a:r>
+              <a:rPr lang="de-DE" dirty="0" err="1">
+                <a:latin typeface="+mj-lt"/>
+              </a:rPr>
+              <a:t>start</a:t>
+            </a:r>
+            <a:r>
+              <a:rPr lang="de-DE" dirty="0">
+                <a:latin typeface="+mj-lt"/>
+              </a:rPr>
+              <a:t> </a:t>
+            </a:r>
+            <a:r>
+              <a:rPr lang="de-DE" dirty="0" err="1">
+                <a:latin typeface="+mj-lt"/>
+              </a:rPr>
+              <a:t>the</a:t>
+            </a:r>
+            <a:r>
+              <a:rPr lang="de-DE" dirty="0">
+                <a:latin typeface="+mj-lt"/>
+              </a:rPr>
+              <a:t> </a:t>
+            </a:r>
+            <a:r>
+              <a:rPr lang="de-DE" dirty="0" err="1">
+                <a:latin typeface="+mj-lt"/>
+              </a:rPr>
+              <a:t>application</a:t>
+            </a:r>
+            <a:r>
+              <a:rPr lang="de-DE" dirty="0">
+                <a:latin typeface="+mj-lt"/>
+              </a:rPr>
+              <a:t> via </a:t>
+            </a:r>
+            <a:r>
+              <a:rPr lang="de-DE" dirty="0" err="1">
+                <a:latin typeface="+mj-lt"/>
+              </a:rPr>
+              <a:t>docker-compose</a:t>
+            </a:r>
+            <a:r>
+              <a:rPr lang="de-DE" dirty="0">
+                <a:latin typeface="+mj-lt"/>
+              </a:rPr>
+              <a:t> </a:t>
+            </a:r>
+            <a:r>
+              <a:rPr lang="de-DE" dirty="0" err="1">
+                <a:latin typeface="+mj-lt"/>
+              </a:rPr>
+              <a:t>up</a:t>
+            </a:r>
+            <a:r>
+              <a:rPr lang="de-DE" dirty="0">
+                <a:latin typeface="+mj-lt"/>
+              </a:rPr>
+              <a:t>? </a:t>
             </a:r>
           </a:p>
         </p:txBody>
       </p:sp>
       <p:pic>
         <p:nvPicPr>
-          <p:cNvPr id="38" name="Grafik 37">
-            <a:extLst>
-              <a:ext uri="{FF2B5EF4-FFF2-40B4-BE49-F238E27FC236}">
-                <a16:creationId xmlns:a16="http://schemas.microsoft.com/office/drawing/2014/main" id="{6199A442-C040-E2A2-6523-D9500BEF3C00}"/>
+          <p:cNvPr id="4" name="Grafik 3">
+            <a:extLst>
+              <a:ext uri="{FF2B5EF4-FFF2-40B4-BE49-F238E27FC236}">
+                <a16:creationId xmlns:a16="http://schemas.microsoft.com/office/drawing/2014/main" id="{093B13FD-5A14-A2A1-D001-6EA7953F3662}"/>
               </a:ext>
             </a:extLst>
           </p:cNvPr>
@@ -13198,13 +14101,13 @@
           <p:nvPr/>
         </p:nvPicPr>
         <p:blipFill>
-          <a:blip r:embed="rId2">
+          <a:blip r:embed="rId3">
             <a:extLst>
               <a:ext uri="{28A0092B-C50C-407E-A947-70E740481C1C}">
                 <a14:useLocalDpi xmlns:a14="http://schemas.microsoft.com/office/drawing/2010/main" val="0"/>
               </a:ext>
               <a:ext uri="{96DAC541-7B7A-43D3-8B79-37D633B846F1}">
-                <asvg:svgBlip xmlns:asvg="http://schemas.microsoft.com/office/drawing/2016/SVG/main" r:embed="rId3"/>
+                <asvg:svgBlip xmlns:asvg="http://schemas.microsoft.com/office/drawing/2016/SVG/main" r:embed="rId4"/>
               </a:ext>
             </a:extLst>
           </a:blip>
@@ -13214,431 +14117,8 @@
         </p:blipFill>
         <p:spPr>
           <a:xfrm>
-            <a:off x="1052036" y="2786037"/>
-            <a:ext cx="7941076" cy="3114784"/>
-          </a:xfrm>
-          <a:prstGeom prst="rect">
-            <a:avLst/>
-          </a:prstGeom>
-        </p:spPr>
-      </p:pic>
-      <p:sp>
-        <p:nvSpPr>
-          <p:cNvPr id="39" name="Textfeld 38">
-            <a:extLst>
-              <a:ext uri="{FF2B5EF4-FFF2-40B4-BE49-F238E27FC236}">
-                <a16:creationId xmlns:a16="http://schemas.microsoft.com/office/drawing/2014/main" id="{695DB685-95D5-A78F-2B63-74114659637B}"/>
-              </a:ext>
-            </a:extLst>
-          </p:cNvPr>
-          <p:cNvSpPr txBox="1"/>
-          <p:nvPr/>
-        </p:nvSpPr>
-        <p:spPr>
-          <a:xfrm>
-            <a:off x="2748501" y="1690688"/>
-            <a:ext cx="2719346" cy="646331"/>
-          </a:xfrm>
-          <a:prstGeom prst="rect">
-            <a:avLst/>
-          </a:prstGeom>
-          <a:solidFill>
-            <a:srgbClr val="CCCCFF"/>
-          </a:solidFill>
-        </p:spPr>
-        <p:txBody>
-          <a:bodyPr wrap="square" rtlCol="0">
-            <a:spAutoFit/>
-          </a:bodyPr>
-          <a:lstStyle/>
-          <a:p>
-            <a:r>
-              <a:rPr lang="de-DE" dirty="0">
-                <a:solidFill>
-                  <a:srgbClr val="5C4EE5"/>
-                </a:solidFill>
-                <a:latin typeface="+mj-lt"/>
-              </a:rPr>
-              <a:t>1) </a:t>
-            </a:r>
-            <a:r>
-              <a:rPr lang="de-DE" dirty="0" err="1">
-                <a:solidFill>
-                  <a:srgbClr val="5C4EE5"/>
-                </a:solidFill>
-                <a:latin typeface="+mj-lt"/>
-              </a:rPr>
-              <a:t>Install</a:t>
-            </a:r>
-            <a:r>
-              <a:rPr lang="de-DE" dirty="0">
-                <a:solidFill>
-                  <a:srgbClr val="5C4EE5"/>
-                </a:solidFill>
-                <a:latin typeface="+mj-lt"/>
-              </a:rPr>
-              <a:t> </a:t>
-            </a:r>
-            <a:r>
-              <a:rPr lang="de-DE" dirty="0" err="1">
-                <a:solidFill>
-                  <a:srgbClr val="5C4EE5"/>
-                </a:solidFill>
-                <a:latin typeface="+mj-lt"/>
-              </a:rPr>
-              <a:t>docker</a:t>
-            </a:r>
-            <a:r>
-              <a:rPr lang="de-DE" dirty="0">
-                <a:solidFill>
-                  <a:srgbClr val="5C4EE5"/>
-                </a:solidFill>
-                <a:latin typeface="+mj-lt"/>
-              </a:rPr>
-              <a:t> &amp; </a:t>
-            </a:r>
-            <a:r>
-              <a:rPr lang="de-DE" dirty="0" err="1">
-                <a:solidFill>
-                  <a:srgbClr val="5C4EE5"/>
-                </a:solidFill>
-                <a:latin typeface="+mj-lt"/>
-              </a:rPr>
-              <a:t>docker-compose</a:t>
-            </a:r>
-            <a:r>
-              <a:rPr lang="de-DE" dirty="0">
-                <a:solidFill>
-                  <a:srgbClr val="5C4EE5"/>
-                </a:solidFill>
-                <a:latin typeface="+mj-lt"/>
-              </a:rPr>
-              <a:t> in </a:t>
-            </a:r>
-            <a:r>
-              <a:rPr lang="de-DE" dirty="0" err="1">
-                <a:solidFill>
-                  <a:srgbClr val="5C4EE5"/>
-                </a:solidFill>
-                <a:latin typeface="+mj-lt"/>
-              </a:rPr>
-              <a:t>user_data</a:t>
-            </a:r>
-            <a:endParaRPr lang="de-DE" dirty="0">
-              <a:solidFill>
-                <a:srgbClr val="5C4EE5"/>
-              </a:solidFill>
-              <a:latin typeface="+mj-lt"/>
-            </a:endParaRPr>
-          </a:p>
-        </p:txBody>
-      </p:sp>
-      <p:pic>
-        <p:nvPicPr>
-          <p:cNvPr id="41" name="Grafik 40" descr="Pfeil: Kurve im Uhrzeigersinn">
-            <a:extLst>
-              <a:ext uri="{FF2B5EF4-FFF2-40B4-BE49-F238E27FC236}">
-                <a16:creationId xmlns:a16="http://schemas.microsoft.com/office/drawing/2014/main" id="{9096820B-E352-BBBB-0D9B-9D03650E261C}"/>
-              </a:ext>
-            </a:extLst>
-          </p:cNvPr>
-          <p:cNvPicPr>
-            <a:picLocks noChangeAspect="1"/>
-          </p:cNvPicPr>
-          <p:nvPr/>
-        </p:nvPicPr>
-        <p:blipFill>
-          <a:blip r:embed="rId4">
-            <a:extLst>
-              <a:ext uri="{28A0092B-C50C-407E-A947-70E740481C1C}">
-                <a14:useLocalDpi xmlns:a14="http://schemas.microsoft.com/office/drawing/2010/main" val="0"/>
-              </a:ext>
-              <a:ext uri="{96DAC541-7B7A-43D3-8B79-37D633B846F1}">
-                <asvg:svgBlip xmlns:asvg="http://schemas.microsoft.com/office/drawing/2016/SVG/main" r:embed="rId5"/>
-              </a:ext>
-            </a:extLst>
-          </a:blip>
-          <a:stretch>
-            <a:fillRect/>
-          </a:stretch>
-        </p:blipFill>
-        <p:spPr>
-          <a:xfrm rot="10800000">
-            <a:off x="4108174" y="2337019"/>
-            <a:ext cx="914400" cy="914400"/>
-          </a:xfrm>
-          <a:prstGeom prst="rect">
-            <a:avLst/>
-          </a:prstGeom>
-        </p:spPr>
-      </p:pic>
-      <p:sp>
-        <p:nvSpPr>
-          <p:cNvPr id="42" name="Textfeld 41">
-            <a:extLst>
-              <a:ext uri="{FF2B5EF4-FFF2-40B4-BE49-F238E27FC236}">
-                <a16:creationId xmlns:a16="http://schemas.microsoft.com/office/drawing/2014/main" id="{E5644BF3-453B-A266-43DB-4E6B8B5F70DA}"/>
-              </a:ext>
-            </a:extLst>
-          </p:cNvPr>
-          <p:cNvSpPr txBox="1"/>
-          <p:nvPr/>
-        </p:nvSpPr>
-        <p:spPr>
-          <a:xfrm>
-            <a:off x="9692409" y="4829676"/>
-            <a:ext cx="1758565" cy="369332"/>
-          </a:xfrm>
-          <a:prstGeom prst="rect">
-            <a:avLst/>
-          </a:prstGeom>
-          <a:solidFill>
-            <a:schemeClr val="accent5">
-              <a:lumMod val="20000"/>
-              <a:lumOff val="80000"/>
-            </a:schemeClr>
-          </a:solidFill>
-        </p:spPr>
-        <p:txBody>
-          <a:bodyPr wrap="square" rtlCol="0">
-            <a:spAutoFit/>
-          </a:bodyPr>
-          <a:lstStyle/>
-          <a:p>
-            <a:r>
-              <a:rPr lang="de-DE" dirty="0">
-                <a:solidFill>
-                  <a:srgbClr val="0070C0"/>
-                </a:solidFill>
-                <a:latin typeface="+mj-lt"/>
-              </a:rPr>
-              <a:t>2) SSH </a:t>
-            </a:r>
-            <a:r>
-              <a:rPr lang="de-DE" dirty="0" err="1">
-                <a:solidFill>
-                  <a:srgbClr val="0070C0"/>
-                </a:solidFill>
-                <a:latin typeface="+mj-lt"/>
-              </a:rPr>
-              <a:t>into</a:t>
-            </a:r>
-            <a:r>
-              <a:rPr lang="de-DE" dirty="0">
-                <a:solidFill>
-                  <a:srgbClr val="0070C0"/>
-                </a:solidFill>
-                <a:latin typeface="+mj-lt"/>
-              </a:rPr>
-              <a:t> EC2</a:t>
-            </a:r>
-          </a:p>
-        </p:txBody>
-      </p:sp>
-      <p:pic>
-        <p:nvPicPr>
-          <p:cNvPr id="43" name="Grafik 42" descr="Pfeil: Kurve im Uhrzeigersinn">
-            <a:extLst>
-              <a:ext uri="{FF2B5EF4-FFF2-40B4-BE49-F238E27FC236}">
-                <a16:creationId xmlns:a16="http://schemas.microsoft.com/office/drawing/2014/main" id="{F1BDDEB8-7110-E081-F645-DB8C0B756A2D}"/>
-              </a:ext>
-            </a:extLst>
-          </p:cNvPr>
-          <p:cNvPicPr>
-            <a:picLocks noChangeAspect="1"/>
-          </p:cNvPicPr>
-          <p:nvPr/>
-        </p:nvPicPr>
-        <p:blipFill>
-          <a:blip r:embed="rId6">
-            <a:extLst>
-              <a:ext uri="{28A0092B-C50C-407E-A947-70E740481C1C}">
-                <a14:useLocalDpi xmlns:a14="http://schemas.microsoft.com/office/drawing/2010/main" val="0"/>
-              </a:ext>
-              <a:ext uri="{96DAC541-7B7A-43D3-8B79-37D633B846F1}">
-                <asvg:svgBlip xmlns:asvg="http://schemas.microsoft.com/office/drawing/2016/SVG/main" r:embed="rId7"/>
-              </a:ext>
-            </a:extLst>
-          </a:blip>
-          <a:stretch>
-            <a:fillRect/>
-          </a:stretch>
-        </p:blipFill>
-        <p:spPr>
-          <a:xfrm rot="16008384">
-            <a:off x="8753248" y="4852820"/>
-            <a:ext cx="914400" cy="914400"/>
-          </a:xfrm>
-          <a:prstGeom prst="rect">
-            <a:avLst/>
-          </a:prstGeom>
-        </p:spPr>
-      </p:pic>
-      <p:sp>
-        <p:nvSpPr>
-          <p:cNvPr id="44" name="Textfeld 43">
-            <a:extLst>
-              <a:ext uri="{FF2B5EF4-FFF2-40B4-BE49-F238E27FC236}">
-                <a16:creationId xmlns:a16="http://schemas.microsoft.com/office/drawing/2014/main" id="{C7FB633A-15C0-45C9-D522-A0A4AE83189B}"/>
-              </a:ext>
-            </a:extLst>
-          </p:cNvPr>
-          <p:cNvSpPr txBox="1"/>
-          <p:nvPr/>
-        </p:nvSpPr>
-        <p:spPr>
-          <a:xfrm>
-            <a:off x="9364547" y="2501226"/>
-            <a:ext cx="2613142" cy="923330"/>
-          </a:xfrm>
-          <a:prstGeom prst="rect">
-            <a:avLst/>
-          </a:prstGeom>
-          <a:solidFill>
-            <a:schemeClr val="accent2">
-              <a:lumMod val="20000"/>
-              <a:lumOff val="80000"/>
-            </a:schemeClr>
-          </a:solidFill>
-        </p:spPr>
-        <p:txBody>
-          <a:bodyPr wrap="square" rtlCol="0">
-            <a:spAutoFit/>
-          </a:bodyPr>
-          <a:lstStyle/>
-          <a:p>
-            <a:r>
-              <a:rPr lang="de-DE" dirty="0">
-                <a:solidFill>
-                  <a:schemeClr val="accent2"/>
-                </a:solidFill>
-                <a:latin typeface="+mj-lt"/>
-              </a:rPr>
-              <a:t>3) Upload </a:t>
-            </a:r>
-            <a:r>
-              <a:rPr lang="de-DE" dirty="0" err="1">
-                <a:solidFill>
-                  <a:schemeClr val="accent2"/>
-                </a:solidFill>
-                <a:latin typeface="+mj-lt"/>
-              </a:rPr>
-              <a:t>app</a:t>
-            </a:r>
-            <a:r>
-              <a:rPr lang="de-DE" dirty="0">
-                <a:solidFill>
-                  <a:schemeClr val="accent2"/>
-                </a:solidFill>
-                <a:latin typeface="+mj-lt"/>
-              </a:rPr>
-              <a:t> via </a:t>
-            </a:r>
-            <a:r>
-              <a:rPr lang="de-DE" dirty="0" err="1">
-                <a:solidFill>
-                  <a:schemeClr val="accent2"/>
-                </a:solidFill>
-                <a:latin typeface="+mj-lt"/>
-              </a:rPr>
-              <a:t>github</a:t>
-            </a:r>
-            <a:r>
-              <a:rPr lang="de-DE" dirty="0">
-                <a:solidFill>
-                  <a:schemeClr val="accent2"/>
-                </a:solidFill>
-                <a:latin typeface="+mj-lt"/>
-              </a:rPr>
-              <a:t> .</a:t>
-            </a:r>
-            <a:r>
-              <a:rPr lang="de-DE" dirty="0" err="1">
-                <a:solidFill>
-                  <a:schemeClr val="accent2"/>
-                </a:solidFill>
-                <a:latin typeface="+mj-lt"/>
-              </a:rPr>
-              <a:t>zip</a:t>
-            </a:r>
-            <a:r>
-              <a:rPr lang="de-DE" dirty="0">
-                <a:solidFill>
-                  <a:schemeClr val="accent2"/>
-                </a:solidFill>
-                <a:latin typeface="+mj-lt"/>
-              </a:rPr>
-              <a:t>-Link and </a:t>
-            </a:r>
-            <a:r>
-              <a:rPr lang="de-DE" dirty="0" err="1">
-                <a:solidFill>
-                  <a:schemeClr val="accent2"/>
-                </a:solidFill>
-                <a:latin typeface="+mj-lt"/>
-              </a:rPr>
-              <a:t>docker-compose</a:t>
-            </a:r>
-            <a:r>
-              <a:rPr lang="de-DE" dirty="0">
-                <a:solidFill>
-                  <a:schemeClr val="accent2"/>
-                </a:solidFill>
-                <a:latin typeface="+mj-lt"/>
-              </a:rPr>
-              <a:t> </a:t>
-            </a:r>
-            <a:r>
-              <a:rPr lang="de-DE" dirty="0" err="1">
-                <a:solidFill>
-                  <a:schemeClr val="accent2"/>
-                </a:solidFill>
-                <a:latin typeface="+mj-lt"/>
-              </a:rPr>
-              <a:t>up</a:t>
-            </a:r>
-            <a:endParaRPr lang="de-DE" dirty="0">
-              <a:solidFill>
-                <a:schemeClr val="accent2"/>
-              </a:solidFill>
-              <a:latin typeface="+mj-lt"/>
-            </a:endParaRPr>
-          </a:p>
-        </p:txBody>
-      </p:sp>
-      <p:pic>
-        <p:nvPicPr>
-          <p:cNvPr id="45" name="Grafik 44" descr="Pfeil: Kurve im Uhrzeigersinn">
-            <a:extLst>
-              <a:ext uri="{FF2B5EF4-FFF2-40B4-BE49-F238E27FC236}">
-                <a16:creationId xmlns:a16="http://schemas.microsoft.com/office/drawing/2014/main" id="{1819F6B2-AFDA-C582-2467-C2EDC7439D78}"/>
-              </a:ext>
-            </a:extLst>
-          </p:cNvPr>
-          <p:cNvPicPr>
-            <a:picLocks noChangeAspect="1"/>
-          </p:cNvPicPr>
-          <p:nvPr/>
-        </p:nvPicPr>
-        <p:blipFill>
-          <a:blip r:embed="rId8">
-            <a:extLst>
-              <a:ext uri="{28A0092B-C50C-407E-A947-70E740481C1C}">
-                <a14:useLocalDpi xmlns:a14="http://schemas.microsoft.com/office/drawing/2010/main" val="0"/>
-              </a:ext>
-              <a:ext uri="{96DAC541-7B7A-43D3-8B79-37D633B846F1}">
-                <asvg:svgBlip xmlns:asvg="http://schemas.microsoft.com/office/drawing/2016/SVG/main" r:embed="rId9"/>
-              </a:ext>
-            </a:extLst>
-          </a:blip>
-          <a:stretch>
-            <a:fillRect/>
-          </a:stretch>
-        </p:blipFill>
-        <p:spPr>
-          <a:xfrm rot="3055667" flipV="1">
-            <a:off x="8400605" y="2487667"/>
-            <a:ext cx="914400" cy="933703"/>
+            <a:off x="511534" y="2362197"/>
+            <a:ext cx="6269107" cy="2458976"/>
           </a:xfrm>
           <a:prstGeom prst="rect">
             <a:avLst/>
@@ -13648,7 +14128,7 @@
     </p:spTree>
     <p:extLst>
       <p:ext uri="{BB962C8B-B14F-4D97-AF65-F5344CB8AC3E}">
-        <p14:creationId xmlns:p14="http://schemas.microsoft.com/office/powerpoint/2010/main" val="784257397"/>
+        <p14:creationId xmlns:p14="http://schemas.microsoft.com/office/powerpoint/2010/main" val="3050697166"/>
       </p:ext>
     </p:extLst>
   </p:cSld>
@@ -13680,7 +14160,7 @@
           <p:cNvPr id="2" name="Titel 1">
             <a:extLst>
               <a:ext uri="{FF2B5EF4-FFF2-40B4-BE49-F238E27FC236}">
-                <a16:creationId xmlns:a16="http://schemas.microsoft.com/office/drawing/2014/main" id="{65F321A6-B27A-FCAB-B7CD-310195D9C352}"/>
+                <a16:creationId xmlns:a16="http://schemas.microsoft.com/office/drawing/2014/main" id="{FE7310EA-0D36-8797-94D6-7E3C9FD760A2}"/>
               </a:ext>
             </a:extLst>
           </p:cNvPr>
@@ -13696,41 +14176,19 @@
           <a:bodyPr/>
           <a:lstStyle/>
           <a:p>
-            <a:endParaRPr lang="de-DE"/>
-          </a:p>
-        </p:txBody>
-      </p:sp>
-      <p:sp>
-        <p:nvSpPr>
-          <p:cNvPr id="3" name="Inhaltsplatzhalter 2">
-            <a:extLst>
-              <a:ext uri="{FF2B5EF4-FFF2-40B4-BE49-F238E27FC236}">
-                <a16:creationId xmlns:a16="http://schemas.microsoft.com/office/drawing/2014/main" id="{2E501025-991A-F00D-93BA-8D3A9A360C4E}"/>
-              </a:ext>
-            </a:extLst>
-          </p:cNvPr>
-          <p:cNvSpPr>
-            <a:spLocks noGrp="1"/>
-          </p:cNvSpPr>
-          <p:nvPr>
-            <p:ph idx="1"/>
-          </p:nvPr>
-        </p:nvSpPr>
-        <p:spPr/>
-        <p:txBody>
-          <a:bodyPr/>
-          <a:lstStyle/>
-          <a:p>
-            <a:endParaRPr lang="de-DE"/>
+            <a:r>
+              <a:rPr lang="de-DE" dirty="0"/>
+              <a:t>Solution 1</a:t>
+            </a:r>
           </a:p>
         </p:txBody>
       </p:sp>
       <p:pic>
         <p:nvPicPr>
-          <p:cNvPr id="5" name="Grafik 4">
-            <a:extLst>
-              <a:ext uri="{FF2B5EF4-FFF2-40B4-BE49-F238E27FC236}">
-                <a16:creationId xmlns:a16="http://schemas.microsoft.com/office/drawing/2014/main" id="{C62DE989-020E-E6E4-E856-813516B718FB}"/>
+          <p:cNvPr id="38" name="Grafik 37">
+            <a:extLst>
+              <a:ext uri="{FF2B5EF4-FFF2-40B4-BE49-F238E27FC236}">
+                <a16:creationId xmlns:a16="http://schemas.microsoft.com/office/drawing/2014/main" id="{6199A442-C040-E2A2-6523-D9500BEF3C00}"/>
               </a:ext>
             </a:extLst>
           </p:cNvPr>
@@ -13740,15 +14198,447 @@
           <p:nvPr/>
         </p:nvPicPr>
         <p:blipFill>
-          <a:blip r:embed="rId2"/>
+          <a:blip r:embed="rId2">
+            <a:extLst>
+              <a:ext uri="{28A0092B-C50C-407E-A947-70E740481C1C}">
+                <a14:useLocalDpi xmlns:a14="http://schemas.microsoft.com/office/drawing/2010/main" val="0"/>
+              </a:ext>
+              <a:ext uri="{96DAC541-7B7A-43D3-8B79-37D633B846F1}">
+                <asvg:svgBlip xmlns:asvg="http://schemas.microsoft.com/office/drawing/2016/SVG/main" r:embed="rId3"/>
+              </a:ext>
+            </a:extLst>
+          </a:blip>
           <a:stretch>
             <a:fillRect/>
           </a:stretch>
         </p:blipFill>
         <p:spPr>
           <a:xfrm>
-            <a:off x="1614582" y="365125"/>
-            <a:ext cx="8962835" cy="5811838"/>
+            <a:off x="1052036" y="2786037"/>
+            <a:ext cx="7941076" cy="3114784"/>
+          </a:xfrm>
+          <a:prstGeom prst="rect">
+            <a:avLst/>
+          </a:prstGeom>
+        </p:spPr>
+      </p:pic>
+      <p:sp>
+        <p:nvSpPr>
+          <p:cNvPr id="39" name="Textfeld 38">
+            <a:extLst>
+              <a:ext uri="{FF2B5EF4-FFF2-40B4-BE49-F238E27FC236}">
+                <a16:creationId xmlns:a16="http://schemas.microsoft.com/office/drawing/2014/main" id="{695DB685-95D5-A78F-2B63-74114659637B}"/>
+              </a:ext>
+            </a:extLst>
+          </p:cNvPr>
+          <p:cNvSpPr txBox="1"/>
+          <p:nvPr/>
+        </p:nvSpPr>
+        <p:spPr>
+          <a:xfrm>
+            <a:off x="2748501" y="1690688"/>
+            <a:ext cx="2719346" cy="646331"/>
+          </a:xfrm>
+          <a:prstGeom prst="rect">
+            <a:avLst/>
+          </a:prstGeom>
+          <a:solidFill>
+            <a:srgbClr val="CCCCFF"/>
+          </a:solidFill>
+        </p:spPr>
+        <p:txBody>
+          <a:bodyPr wrap="square" rtlCol="0">
+            <a:spAutoFit/>
+          </a:bodyPr>
+          <a:lstStyle/>
+          <a:p>
+            <a:r>
+              <a:rPr lang="de-DE" dirty="0">
+                <a:solidFill>
+                  <a:srgbClr val="5C4EE5"/>
+                </a:solidFill>
+                <a:latin typeface="+mj-lt"/>
+              </a:rPr>
+              <a:t>1) </a:t>
+            </a:r>
+            <a:r>
+              <a:rPr lang="de-DE" dirty="0" err="1">
+                <a:solidFill>
+                  <a:srgbClr val="5C4EE5"/>
+                </a:solidFill>
+                <a:latin typeface="+mj-lt"/>
+              </a:rPr>
+              <a:t>Install</a:t>
+            </a:r>
+            <a:r>
+              <a:rPr lang="de-DE" dirty="0">
+                <a:solidFill>
+                  <a:srgbClr val="5C4EE5"/>
+                </a:solidFill>
+                <a:latin typeface="+mj-lt"/>
+              </a:rPr>
+              <a:t> </a:t>
+            </a:r>
+            <a:r>
+              <a:rPr lang="de-DE" dirty="0" err="1">
+                <a:solidFill>
+                  <a:srgbClr val="5C4EE5"/>
+                </a:solidFill>
+                <a:latin typeface="+mj-lt"/>
+              </a:rPr>
+              <a:t>docker</a:t>
+            </a:r>
+            <a:r>
+              <a:rPr lang="de-DE" dirty="0">
+                <a:solidFill>
+                  <a:srgbClr val="5C4EE5"/>
+                </a:solidFill>
+                <a:latin typeface="+mj-lt"/>
+              </a:rPr>
+              <a:t> &amp; </a:t>
+            </a:r>
+            <a:r>
+              <a:rPr lang="de-DE" dirty="0" err="1">
+                <a:solidFill>
+                  <a:srgbClr val="5C4EE5"/>
+                </a:solidFill>
+                <a:latin typeface="+mj-lt"/>
+              </a:rPr>
+              <a:t>docker-compose</a:t>
+            </a:r>
+            <a:r>
+              <a:rPr lang="de-DE" dirty="0">
+                <a:solidFill>
+                  <a:srgbClr val="5C4EE5"/>
+                </a:solidFill>
+                <a:latin typeface="+mj-lt"/>
+              </a:rPr>
+              <a:t> in </a:t>
+            </a:r>
+            <a:r>
+              <a:rPr lang="de-DE" dirty="0" err="1">
+                <a:solidFill>
+                  <a:srgbClr val="5C4EE5"/>
+                </a:solidFill>
+                <a:latin typeface="+mj-lt"/>
+              </a:rPr>
+              <a:t>user_data</a:t>
+            </a:r>
+            <a:endParaRPr lang="de-DE" dirty="0">
+              <a:solidFill>
+                <a:srgbClr val="5C4EE5"/>
+              </a:solidFill>
+              <a:latin typeface="+mj-lt"/>
+            </a:endParaRPr>
+          </a:p>
+        </p:txBody>
+      </p:sp>
+      <p:pic>
+        <p:nvPicPr>
+          <p:cNvPr id="41" name="Grafik 40" descr="Pfeil: Kurve im Uhrzeigersinn">
+            <a:extLst>
+              <a:ext uri="{FF2B5EF4-FFF2-40B4-BE49-F238E27FC236}">
+                <a16:creationId xmlns:a16="http://schemas.microsoft.com/office/drawing/2014/main" id="{9096820B-E352-BBBB-0D9B-9D03650E261C}"/>
+              </a:ext>
+            </a:extLst>
+          </p:cNvPr>
+          <p:cNvPicPr>
+            <a:picLocks noChangeAspect="1"/>
+          </p:cNvPicPr>
+          <p:nvPr/>
+        </p:nvPicPr>
+        <p:blipFill>
+          <a:blip r:embed="rId4">
+            <a:extLst>
+              <a:ext uri="{28A0092B-C50C-407E-A947-70E740481C1C}">
+                <a14:useLocalDpi xmlns:a14="http://schemas.microsoft.com/office/drawing/2010/main" val="0"/>
+              </a:ext>
+              <a:ext uri="{96DAC541-7B7A-43D3-8B79-37D633B846F1}">
+                <asvg:svgBlip xmlns:asvg="http://schemas.microsoft.com/office/drawing/2016/SVG/main" r:embed="rId5"/>
+              </a:ext>
+            </a:extLst>
+          </a:blip>
+          <a:stretch>
+            <a:fillRect/>
+          </a:stretch>
+        </p:blipFill>
+        <p:spPr>
+          <a:xfrm rot="10800000">
+            <a:off x="4108174" y="2337019"/>
+            <a:ext cx="914400" cy="914400"/>
+          </a:xfrm>
+          <a:prstGeom prst="rect">
+            <a:avLst/>
+          </a:prstGeom>
+        </p:spPr>
+      </p:pic>
+      <p:sp>
+        <p:nvSpPr>
+          <p:cNvPr id="42" name="Textfeld 41">
+            <a:extLst>
+              <a:ext uri="{FF2B5EF4-FFF2-40B4-BE49-F238E27FC236}">
+                <a16:creationId xmlns:a16="http://schemas.microsoft.com/office/drawing/2014/main" id="{E5644BF3-453B-A266-43DB-4E6B8B5F70DA}"/>
+              </a:ext>
+            </a:extLst>
+          </p:cNvPr>
+          <p:cNvSpPr txBox="1"/>
+          <p:nvPr/>
+        </p:nvSpPr>
+        <p:spPr>
+          <a:xfrm>
+            <a:off x="9692409" y="4829676"/>
+            <a:ext cx="1758565" cy="369332"/>
+          </a:xfrm>
+          <a:prstGeom prst="rect">
+            <a:avLst/>
+          </a:prstGeom>
+          <a:solidFill>
+            <a:schemeClr val="accent5">
+              <a:lumMod val="20000"/>
+              <a:lumOff val="80000"/>
+            </a:schemeClr>
+          </a:solidFill>
+        </p:spPr>
+        <p:txBody>
+          <a:bodyPr wrap="square" rtlCol="0">
+            <a:spAutoFit/>
+          </a:bodyPr>
+          <a:lstStyle/>
+          <a:p>
+            <a:r>
+              <a:rPr lang="de-DE" dirty="0">
+                <a:solidFill>
+                  <a:srgbClr val="0070C0"/>
+                </a:solidFill>
+                <a:latin typeface="+mj-lt"/>
+              </a:rPr>
+              <a:t>2) SSH </a:t>
+            </a:r>
+            <a:r>
+              <a:rPr lang="de-DE" dirty="0" err="1">
+                <a:solidFill>
+                  <a:srgbClr val="0070C0"/>
+                </a:solidFill>
+                <a:latin typeface="+mj-lt"/>
+              </a:rPr>
+              <a:t>into</a:t>
+            </a:r>
+            <a:r>
+              <a:rPr lang="de-DE" dirty="0">
+                <a:solidFill>
+                  <a:srgbClr val="0070C0"/>
+                </a:solidFill>
+                <a:latin typeface="+mj-lt"/>
+              </a:rPr>
+              <a:t> EC2</a:t>
+            </a:r>
+          </a:p>
+        </p:txBody>
+      </p:sp>
+      <p:pic>
+        <p:nvPicPr>
+          <p:cNvPr id="43" name="Grafik 42" descr="Pfeil: Kurve im Uhrzeigersinn">
+            <a:extLst>
+              <a:ext uri="{FF2B5EF4-FFF2-40B4-BE49-F238E27FC236}">
+                <a16:creationId xmlns:a16="http://schemas.microsoft.com/office/drawing/2014/main" id="{F1BDDEB8-7110-E081-F645-DB8C0B756A2D}"/>
+              </a:ext>
+            </a:extLst>
+          </p:cNvPr>
+          <p:cNvPicPr>
+            <a:picLocks noChangeAspect="1"/>
+          </p:cNvPicPr>
+          <p:nvPr/>
+        </p:nvPicPr>
+        <p:blipFill>
+          <a:blip r:embed="rId6">
+            <a:extLst>
+              <a:ext uri="{28A0092B-C50C-407E-A947-70E740481C1C}">
+                <a14:useLocalDpi xmlns:a14="http://schemas.microsoft.com/office/drawing/2010/main" val="0"/>
+              </a:ext>
+              <a:ext uri="{96DAC541-7B7A-43D3-8B79-37D633B846F1}">
+                <asvg:svgBlip xmlns:asvg="http://schemas.microsoft.com/office/drawing/2016/SVG/main" r:embed="rId7"/>
+              </a:ext>
+            </a:extLst>
+          </a:blip>
+          <a:stretch>
+            <a:fillRect/>
+          </a:stretch>
+        </p:blipFill>
+        <p:spPr>
+          <a:xfrm rot="16008384">
+            <a:off x="8753248" y="4852820"/>
+            <a:ext cx="914400" cy="914400"/>
+          </a:xfrm>
+          <a:prstGeom prst="rect">
+            <a:avLst/>
+          </a:prstGeom>
+        </p:spPr>
+      </p:pic>
+      <p:sp>
+        <p:nvSpPr>
+          <p:cNvPr id="44" name="Textfeld 43">
+            <a:extLst>
+              <a:ext uri="{FF2B5EF4-FFF2-40B4-BE49-F238E27FC236}">
+                <a16:creationId xmlns:a16="http://schemas.microsoft.com/office/drawing/2014/main" id="{C7FB633A-15C0-45C9-D522-A0A4AE83189B}"/>
+              </a:ext>
+            </a:extLst>
+          </p:cNvPr>
+          <p:cNvSpPr txBox="1"/>
+          <p:nvPr/>
+        </p:nvSpPr>
+        <p:spPr>
+          <a:xfrm>
+            <a:off x="9364547" y="2501226"/>
+            <a:ext cx="2613142" cy="923330"/>
+          </a:xfrm>
+          <a:prstGeom prst="rect">
+            <a:avLst/>
+          </a:prstGeom>
+          <a:solidFill>
+            <a:schemeClr val="accent2">
+              <a:lumMod val="20000"/>
+              <a:lumOff val="80000"/>
+            </a:schemeClr>
+          </a:solidFill>
+        </p:spPr>
+        <p:txBody>
+          <a:bodyPr wrap="square" rtlCol="0">
+            <a:spAutoFit/>
+          </a:bodyPr>
+          <a:lstStyle/>
+          <a:p>
+            <a:r>
+              <a:rPr lang="de-DE" dirty="0">
+                <a:solidFill>
+                  <a:schemeClr val="accent2"/>
+                </a:solidFill>
+                <a:latin typeface="+mj-lt"/>
+              </a:rPr>
+              <a:t>3) Upload </a:t>
+            </a:r>
+            <a:r>
+              <a:rPr lang="de-DE" dirty="0" err="1">
+                <a:solidFill>
+                  <a:schemeClr val="accent2"/>
+                </a:solidFill>
+                <a:latin typeface="+mj-lt"/>
+              </a:rPr>
+              <a:t>app</a:t>
+            </a:r>
+            <a:r>
+              <a:rPr lang="de-DE" dirty="0">
+                <a:solidFill>
+                  <a:schemeClr val="accent2"/>
+                </a:solidFill>
+                <a:latin typeface="+mj-lt"/>
+              </a:rPr>
+              <a:t> via </a:t>
+            </a:r>
+            <a:r>
+              <a:rPr lang="de-DE" dirty="0" err="1">
+                <a:solidFill>
+                  <a:schemeClr val="accent2"/>
+                </a:solidFill>
+                <a:latin typeface="+mj-lt"/>
+              </a:rPr>
+              <a:t>github</a:t>
+            </a:r>
+            <a:r>
+              <a:rPr lang="de-DE" dirty="0">
+                <a:solidFill>
+                  <a:schemeClr val="accent2"/>
+                </a:solidFill>
+                <a:latin typeface="+mj-lt"/>
+              </a:rPr>
+              <a:t> .</a:t>
+            </a:r>
+            <a:r>
+              <a:rPr lang="de-DE" dirty="0" err="1">
+                <a:solidFill>
+                  <a:schemeClr val="accent2"/>
+                </a:solidFill>
+                <a:latin typeface="+mj-lt"/>
+              </a:rPr>
+              <a:t>zip</a:t>
+            </a:r>
+            <a:r>
+              <a:rPr lang="de-DE" dirty="0">
+                <a:solidFill>
+                  <a:schemeClr val="accent2"/>
+                </a:solidFill>
+                <a:latin typeface="+mj-lt"/>
+              </a:rPr>
+              <a:t>-Link and </a:t>
+            </a:r>
+            <a:r>
+              <a:rPr lang="de-DE" dirty="0" err="1">
+                <a:solidFill>
+                  <a:schemeClr val="accent2"/>
+                </a:solidFill>
+                <a:latin typeface="+mj-lt"/>
+              </a:rPr>
+              <a:t>docker-compose</a:t>
+            </a:r>
+            <a:r>
+              <a:rPr lang="de-DE" dirty="0">
+                <a:solidFill>
+                  <a:schemeClr val="accent2"/>
+                </a:solidFill>
+                <a:latin typeface="+mj-lt"/>
+              </a:rPr>
+              <a:t> </a:t>
+            </a:r>
+            <a:r>
+              <a:rPr lang="de-DE" dirty="0" err="1">
+                <a:solidFill>
+                  <a:schemeClr val="accent2"/>
+                </a:solidFill>
+                <a:latin typeface="+mj-lt"/>
+              </a:rPr>
+              <a:t>up</a:t>
+            </a:r>
+            <a:endParaRPr lang="de-DE" dirty="0">
+              <a:solidFill>
+                <a:schemeClr val="accent2"/>
+              </a:solidFill>
+              <a:latin typeface="+mj-lt"/>
+            </a:endParaRPr>
+          </a:p>
+        </p:txBody>
+      </p:sp>
+      <p:pic>
+        <p:nvPicPr>
+          <p:cNvPr id="45" name="Grafik 44" descr="Pfeil: Kurve im Uhrzeigersinn">
+            <a:extLst>
+              <a:ext uri="{FF2B5EF4-FFF2-40B4-BE49-F238E27FC236}">
+                <a16:creationId xmlns:a16="http://schemas.microsoft.com/office/drawing/2014/main" id="{1819F6B2-AFDA-C582-2467-C2EDC7439D78}"/>
+              </a:ext>
+            </a:extLst>
+          </p:cNvPr>
+          <p:cNvPicPr>
+            <a:picLocks noChangeAspect="1"/>
+          </p:cNvPicPr>
+          <p:nvPr/>
+        </p:nvPicPr>
+        <p:blipFill>
+          <a:blip r:embed="rId8">
+            <a:extLst>
+              <a:ext uri="{28A0092B-C50C-407E-A947-70E740481C1C}">
+                <a14:useLocalDpi xmlns:a14="http://schemas.microsoft.com/office/drawing/2010/main" val="0"/>
+              </a:ext>
+              <a:ext uri="{96DAC541-7B7A-43D3-8B79-37D633B846F1}">
+                <asvg:svgBlip xmlns:asvg="http://schemas.microsoft.com/office/drawing/2016/SVG/main" r:embed="rId9"/>
+              </a:ext>
+            </a:extLst>
+          </a:blip>
+          <a:stretch>
+            <a:fillRect/>
+          </a:stretch>
+        </p:blipFill>
+        <p:spPr>
+          <a:xfrm rot="3055667" flipV="1">
+            <a:off x="8400605" y="2487667"/>
+            <a:ext cx="914400" cy="933703"/>
           </a:xfrm>
           <a:prstGeom prst="rect">
             <a:avLst/>
@@ -13758,7 +14648,7 @@
     </p:spTree>
     <p:extLst>
       <p:ext uri="{BB962C8B-B14F-4D97-AF65-F5344CB8AC3E}">
-        <p14:creationId xmlns:p14="http://schemas.microsoft.com/office/powerpoint/2010/main" val="859493405"/>
+        <p14:creationId xmlns:p14="http://schemas.microsoft.com/office/powerpoint/2010/main" val="784257397"/>
       </p:ext>
     </p:extLst>
   </p:cSld>
@@ -13907,12 +14797,62 @@
           <a:chExt cx="0" cy="0"/>
         </a:xfrm>
       </p:grpSpPr>
+      <p:sp>
+        <p:nvSpPr>
+          <p:cNvPr id="2" name="Titel 1">
+            <a:extLst>
+              <a:ext uri="{FF2B5EF4-FFF2-40B4-BE49-F238E27FC236}">
+                <a16:creationId xmlns:a16="http://schemas.microsoft.com/office/drawing/2014/main" id="{65F321A6-B27A-FCAB-B7CD-310195D9C352}"/>
+              </a:ext>
+            </a:extLst>
+          </p:cNvPr>
+          <p:cNvSpPr>
+            <a:spLocks noGrp="1"/>
+          </p:cNvSpPr>
+          <p:nvPr>
+            <p:ph type="title"/>
+          </p:nvPr>
+        </p:nvSpPr>
+        <p:spPr/>
+        <p:txBody>
+          <a:bodyPr/>
+          <a:lstStyle/>
+          <a:p>
+            <a:endParaRPr lang="de-DE"/>
+          </a:p>
+        </p:txBody>
+      </p:sp>
+      <p:sp>
+        <p:nvSpPr>
+          <p:cNvPr id="3" name="Inhaltsplatzhalter 2">
+            <a:extLst>
+              <a:ext uri="{FF2B5EF4-FFF2-40B4-BE49-F238E27FC236}">
+                <a16:creationId xmlns:a16="http://schemas.microsoft.com/office/drawing/2014/main" id="{2E501025-991A-F00D-93BA-8D3A9A360C4E}"/>
+              </a:ext>
+            </a:extLst>
+          </p:cNvPr>
+          <p:cNvSpPr>
+            <a:spLocks noGrp="1"/>
+          </p:cNvSpPr>
+          <p:nvPr>
+            <p:ph idx="1"/>
+          </p:nvPr>
+        </p:nvSpPr>
+        <p:spPr/>
+        <p:txBody>
+          <a:bodyPr/>
+          <a:lstStyle/>
+          <a:p>
+            <a:endParaRPr lang="de-DE"/>
+          </a:p>
+        </p:txBody>
+      </p:sp>
       <p:pic>
         <p:nvPicPr>
-          <p:cNvPr id="4" name="Grafik 3">
-            <a:extLst>
-              <a:ext uri="{FF2B5EF4-FFF2-40B4-BE49-F238E27FC236}">
-                <a16:creationId xmlns:a16="http://schemas.microsoft.com/office/drawing/2014/main" id="{73EAFD23-835D-BE75-950B-784D8824F747}"/>
+          <p:cNvPr id="5" name="Grafik 4">
+            <a:extLst>
+              <a:ext uri="{FF2B5EF4-FFF2-40B4-BE49-F238E27FC236}">
+                <a16:creationId xmlns:a16="http://schemas.microsoft.com/office/drawing/2014/main" id="{C62DE989-020E-E6E4-E856-813516B718FB}"/>
               </a:ext>
             </a:extLst>
           </p:cNvPr>
@@ -13922,550 +14862,15 @@
           <p:nvPr/>
         </p:nvPicPr>
         <p:blipFill>
-          <a:blip r:embed="rId2">
-            <a:extLst>
-              <a:ext uri="{28A0092B-C50C-407E-A947-70E740481C1C}">
-                <a14:useLocalDpi xmlns:a14="http://schemas.microsoft.com/office/drawing/2010/main" val="0"/>
-              </a:ext>
-              <a:ext uri="{96DAC541-7B7A-43D3-8B79-37D633B846F1}">
-                <asvg:svgBlip xmlns:asvg="http://schemas.microsoft.com/office/drawing/2016/SVG/main" r:embed="rId3"/>
-              </a:ext>
-            </a:extLst>
-          </a:blip>
+          <a:blip r:embed="rId2"/>
           <a:stretch>
             <a:fillRect/>
           </a:stretch>
         </p:blipFill>
         <p:spPr>
           <a:xfrm>
-            <a:off x="476704" y="2787382"/>
-            <a:ext cx="9294109" cy="3253758"/>
-          </a:xfrm>
-          <a:prstGeom prst="rect">
-            <a:avLst/>
-          </a:prstGeom>
-        </p:spPr>
-      </p:pic>
-      <p:sp>
-        <p:nvSpPr>
-          <p:cNvPr id="2" name="Titel 1">
-            <a:extLst>
-              <a:ext uri="{FF2B5EF4-FFF2-40B4-BE49-F238E27FC236}">
-                <a16:creationId xmlns:a16="http://schemas.microsoft.com/office/drawing/2014/main" id="{FE7310EA-0D36-8797-94D6-7E3C9FD760A2}"/>
-              </a:ext>
-            </a:extLst>
-          </p:cNvPr>
-          <p:cNvSpPr>
-            <a:spLocks noGrp="1"/>
-          </p:cNvSpPr>
-          <p:nvPr>
-            <p:ph type="title"/>
-          </p:nvPr>
-        </p:nvSpPr>
-        <p:spPr/>
-        <p:txBody>
-          <a:bodyPr/>
-          <a:lstStyle/>
-          <a:p>
-            <a:r>
-              <a:rPr lang="de-DE" dirty="0"/>
-              <a:t>Solution 2</a:t>
-            </a:r>
-          </a:p>
-        </p:txBody>
-      </p:sp>
-      <p:sp>
-        <p:nvSpPr>
-          <p:cNvPr id="39" name="Textfeld 38">
-            <a:extLst>
-              <a:ext uri="{FF2B5EF4-FFF2-40B4-BE49-F238E27FC236}">
-                <a16:creationId xmlns:a16="http://schemas.microsoft.com/office/drawing/2014/main" id="{695DB685-95D5-A78F-2B63-74114659637B}"/>
-              </a:ext>
-            </a:extLst>
-          </p:cNvPr>
-          <p:cNvSpPr txBox="1"/>
-          <p:nvPr/>
-        </p:nvSpPr>
-        <p:spPr>
-          <a:xfrm>
-            <a:off x="2056737" y="1663601"/>
-            <a:ext cx="2719346" cy="646331"/>
-          </a:xfrm>
-          <a:prstGeom prst="rect">
-            <a:avLst/>
-          </a:prstGeom>
-          <a:solidFill>
-            <a:srgbClr val="CCCCFF"/>
-          </a:solidFill>
-        </p:spPr>
-        <p:txBody>
-          <a:bodyPr wrap="square" rtlCol="0">
-            <a:spAutoFit/>
-          </a:bodyPr>
-          <a:lstStyle/>
-          <a:p>
-            <a:r>
-              <a:rPr lang="de-DE" dirty="0">
-                <a:solidFill>
-                  <a:srgbClr val="5C4EE5"/>
-                </a:solidFill>
-                <a:latin typeface="+mj-lt"/>
-              </a:rPr>
-              <a:t>1) </a:t>
-            </a:r>
-            <a:r>
-              <a:rPr lang="de-DE" dirty="0" err="1">
-                <a:solidFill>
-                  <a:srgbClr val="5C4EE5"/>
-                </a:solidFill>
-                <a:latin typeface="+mj-lt"/>
-              </a:rPr>
-              <a:t>Install</a:t>
-            </a:r>
-            <a:r>
-              <a:rPr lang="de-DE" dirty="0">
-                <a:solidFill>
-                  <a:srgbClr val="5C4EE5"/>
-                </a:solidFill>
-                <a:latin typeface="+mj-lt"/>
-              </a:rPr>
-              <a:t> </a:t>
-            </a:r>
-            <a:r>
-              <a:rPr lang="de-DE" dirty="0" err="1">
-                <a:solidFill>
-                  <a:srgbClr val="5C4EE5"/>
-                </a:solidFill>
-                <a:latin typeface="+mj-lt"/>
-              </a:rPr>
-              <a:t>docker</a:t>
-            </a:r>
-            <a:r>
-              <a:rPr lang="de-DE" dirty="0">
-                <a:solidFill>
-                  <a:srgbClr val="5C4EE5"/>
-                </a:solidFill>
-                <a:latin typeface="+mj-lt"/>
-              </a:rPr>
-              <a:t> &amp; </a:t>
-            </a:r>
-            <a:r>
-              <a:rPr lang="de-DE" dirty="0" err="1">
-                <a:solidFill>
-                  <a:srgbClr val="5C4EE5"/>
-                </a:solidFill>
-                <a:latin typeface="+mj-lt"/>
-              </a:rPr>
-              <a:t>docker-compose</a:t>
-            </a:r>
-            <a:r>
-              <a:rPr lang="de-DE" dirty="0">
-                <a:solidFill>
-                  <a:srgbClr val="5C4EE5"/>
-                </a:solidFill>
-                <a:latin typeface="+mj-lt"/>
-              </a:rPr>
-              <a:t> in </a:t>
-            </a:r>
-            <a:r>
-              <a:rPr lang="de-DE" dirty="0" err="1">
-                <a:solidFill>
-                  <a:srgbClr val="5C4EE5"/>
-                </a:solidFill>
-                <a:latin typeface="+mj-lt"/>
-              </a:rPr>
-              <a:t>user_data</a:t>
-            </a:r>
-            <a:endParaRPr lang="de-DE" dirty="0">
-              <a:solidFill>
-                <a:srgbClr val="5C4EE5"/>
-              </a:solidFill>
-              <a:latin typeface="+mj-lt"/>
-            </a:endParaRPr>
-          </a:p>
-        </p:txBody>
-      </p:sp>
-      <p:sp>
-        <p:nvSpPr>
-          <p:cNvPr id="42" name="Textfeld 41">
-            <a:extLst>
-              <a:ext uri="{FF2B5EF4-FFF2-40B4-BE49-F238E27FC236}">
-                <a16:creationId xmlns:a16="http://schemas.microsoft.com/office/drawing/2014/main" id="{E5644BF3-453B-A266-43DB-4E6B8B5F70DA}"/>
-              </a:ext>
-            </a:extLst>
-          </p:cNvPr>
-          <p:cNvSpPr txBox="1"/>
-          <p:nvPr/>
-        </p:nvSpPr>
-        <p:spPr>
-          <a:xfrm>
-            <a:off x="10372992" y="4828059"/>
-            <a:ext cx="1758565" cy="369332"/>
-          </a:xfrm>
-          <a:prstGeom prst="rect">
-            <a:avLst/>
-          </a:prstGeom>
-          <a:solidFill>
-            <a:schemeClr val="accent5">
-              <a:lumMod val="20000"/>
-              <a:lumOff val="80000"/>
-            </a:schemeClr>
-          </a:solidFill>
-        </p:spPr>
-        <p:txBody>
-          <a:bodyPr wrap="square" rtlCol="0">
-            <a:spAutoFit/>
-          </a:bodyPr>
-          <a:lstStyle/>
-          <a:p>
-            <a:r>
-              <a:rPr lang="de-DE" dirty="0">
-                <a:solidFill>
-                  <a:srgbClr val="0070C0"/>
-                </a:solidFill>
-                <a:latin typeface="+mj-lt"/>
-              </a:rPr>
-              <a:t>2) SSH </a:t>
-            </a:r>
-            <a:r>
-              <a:rPr lang="de-DE" dirty="0" err="1">
-                <a:solidFill>
-                  <a:srgbClr val="0070C0"/>
-                </a:solidFill>
-                <a:latin typeface="+mj-lt"/>
-              </a:rPr>
-              <a:t>into</a:t>
-            </a:r>
-            <a:r>
-              <a:rPr lang="de-DE" dirty="0">
-                <a:solidFill>
-                  <a:srgbClr val="0070C0"/>
-                </a:solidFill>
-                <a:latin typeface="+mj-lt"/>
-              </a:rPr>
-              <a:t> EC2</a:t>
-            </a:r>
-          </a:p>
-        </p:txBody>
-      </p:sp>
-      <p:sp>
-        <p:nvSpPr>
-          <p:cNvPr id="44" name="Textfeld 43">
-            <a:extLst>
-              <a:ext uri="{FF2B5EF4-FFF2-40B4-BE49-F238E27FC236}">
-                <a16:creationId xmlns:a16="http://schemas.microsoft.com/office/drawing/2014/main" id="{C7FB633A-15C0-45C9-D522-A0A4AE83189B}"/>
-              </a:ext>
-            </a:extLst>
-          </p:cNvPr>
-          <p:cNvSpPr txBox="1"/>
-          <p:nvPr/>
-        </p:nvSpPr>
-        <p:spPr>
-          <a:xfrm>
-            <a:off x="9253025" y="1273196"/>
-            <a:ext cx="2613142" cy="1200329"/>
-          </a:xfrm>
-          <a:prstGeom prst="rect">
-            <a:avLst/>
-          </a:prstGeom>
-          <a:solidFill>
-            <a:schemeClr val="accent2">
-              <a:lumMod val="20000"/>
-              <a:lumOff val="80000"/>
-            </a:schemeClr>
-          </a:solidFill>
-        </p:spPr>
-        <p:txBody>
-          <a:bodyPr wrap="square" rtlCol="0">
-            <a:spAutoFit/>
-          </a:bodyPr>
-          <a:lstStyle/>
-          <a:p>
-            <a:r>
-              <a:rPr lang="de-DE" dirty="0">
-                <a:solidFill>
-                  <a:schemeClr val="accent2"/>
-                </a:solidFill>
-                <a:latin typeface="+mj-lt"/>
-              </a:rPr>
-              <a:t>3) Upload </a:t>
-            </a:r>
-            <a:r>
-              <a:rPr lang="de-DE" dirty="0" err="1">
-                <a:solidFill>
-                  <a:schemeClr val="accent2"/>
-                </a:solidFill>
-                <a:latin typeface="+mj-lt"/>
-              </a:rPr>
-              <a:t>composefile</a:t>
-            </a:r>
-            <a:r>
-              <a:rPr lang="de-DE" dirty="0">
-                <a:solidFill>
-                  <a:schemeClr val="accent2"/>
-                </a:solidFill>
-                <a:latin typeface="+mj-lt"/>
-              </a:rPr>
-              <a:t> and </a:t>
-            </a:r>
-            <a:r>
-              <a:rPr lang="de-DE" dirty="0" err="1">
-                <a:solidFill>
-                  <a:schemeClr val="accent2"/>
-                </a:solidFill>
-                <a:latin typeface="+mj-lt"/>
-              </a:rPr>
-              <a:t>database</a:t>
-            </a:r>
-            <a:r>
-              <a:rPr lang="de-DE" dirty="0">
-                <a:solidFill>
-                  <a:schemeClr val="accent2"/>
-                </a:solidFill>
-                <a:latin typeface="+mj-lt"/>
-              </a:rPr>
-              <a:t> </a:t>
-            </a:r>
-            <a:r>
-              <a:rPr lang="de-DE" dirty="0" err="1">
-                <a:solidFill>
-                  <a:schemeClr val="accent2"/>
-                </a:solidFill>
-                <a:latin typeface="+mj-lt"/>
-              </a:rPr>
-              <a:t>files</a:t>
-            </a:r>
-            <a:r>
-              <a:rPr lang="de-DE" dirty="0">
-                <a:solidFill>
-                  <a:schemeClr val="accent2"/>
-                </a:solidFill>
-                <a:latin typeface="+mj-lt"/>
-              </a:rPr>
-              <a:t> </a:t>
-            </a:r>
-            <a:r>
-              <a:rPr lang="de-DE" dirty="0" err="1">
-                <a:solidFill>
-                  <a:schemeClr val="accent2"/>
-                </a:solidFill>
-                <a:latin typeface="+mj-lt"/>
-              </a:rPr>
-              <a:t>with</a:t>
-            </a:r>
-            <a:r>
-              <a:rPr lang="de-DE" dirty="0">
-                <a:solidFill>
-                  <a:schemeClr val="accent2"/>
-                </a:solidFill>
-                <a:latin typeface="+mj-lt"/>
-              </a:rPr>
-              <a:t> </a:t>
-            </a:r>
-            <a:r>
-              <a:rPr lang="de-DE" dirty="0" err="1">
-                <a:solidFill>
-                  <a:schemeClr val="accent2"/>
-                </a:solidFill>
-                <a:latin typeface="+mj-lt"/>
-              </a:rPr>
-              <a:t>scp</a:t>
-            </a:r>
-            <a:r>
-              <a:rPr lang="de-DE" dirty="0">
-                <a:solidFill>
-                  <a:schemeClr val="accent2"/>
-                </a:solidFill>
-                <a:latin typeface="+mj-lt"/>
-              </a:rPr>
-              <a:t>, and do </a:t>
-            </a:r>
-            <a:r>
-              <a:rPr lang="de-DE" dirty="0" err="1">
-                <a:solidFill>
-                  <a:schemeClr val="accent2"/>
-                </a:solidFill>
-                <a:latin typeface="+mj-lt"/>
-              </a:rPr>
-              <a:t>docker-compose</a:t>
-            </a:r>
-            <a:r>
-              <a:rPr lang="de-DE" dirty="0">
-                <a:solidFill>
-                  <a:schemeClr val="accent2"/>
-                </a:solidFill>
-                <a:latin typeface="+mj-lt"/>
-              </a:rPr>
-              <a:t> </a:t>
-            </a:r>
-            <a:r>
-              <a:rPr lang="de-DE" dirty="0" err="1">
-                <a:solidFill>
-                  <a:schemeClr val="accent2"/>
-                </a:solidFill>
-                <a:latin typeface="+mj-lt"/>
-              </a:rPr>
-              <a:t>up</a:t>
-            </a:r>
-            <a:r>
-              <a:rPr lang="de-DE" dirty="0">
-                <a:solidFill>
-                  <a:schemeClr val="accent2"/>
-                </a:solidFill>
-                <a:latin typeface="+mj-lt"/>
-              </a:rPr>
-              <a:t> </a:t>
-            </a:r>
-            <a:r>
-              <a:rPr lang="de-DE" dirty="0" err="1">
-                <a:solidFill>
-                  <a:schemeClr val="accent2"/>
-                </a:solidFill>
-                <a:latin typeface="+mj-lt"/>
-              </a:rPr>
-              <a:t>with</a:t>
-            </a:r>
-            <a:r>
-              <a:rPr lang="de-DE" dirty="0">
-                <a:solidFill>
-                  <a:schemeClr val="accent2"/>
-                </a:solidFill>
-                <a:latin typeface="+mj-lt"/>
-              </a:rPr>
-              <a:t> </a:t>
-            </a:r>
-            <a:r>
-              <a:rPr lang="de-DE" dirty="0" err="1">
-                <a:solidFill>
-                  <a:schemeClr val="accent2"/>
-                </a:solidFill>
-                <a:latin typeface="+mj-lt"/>
-              </a:rPr>
-              <a:t>dockerhub</a:t>
-            </a:r>
-            <a:r>
-              <a:rPr lang="de-DE" dirty="0">
-                <a:solidFill>
-                  <a:schemeClr val="accent2"/>
-                </a:solidFill>
-                <a:latin typeface="+mj-lt"/>
-              </a:rPr>
-              <a:t>-images</a:t>
-            </a:r>
-          </a:p>
-        </p:txBody>
-      </p:sp>
-      <p:pic>
-        <p:nvPicPr>
-          <p:cNvPr id="45" name="Grafik 44" descr="Pfeil: Kurve im Uhrzeigersinn">
-            <a:extLst>
-              <a:ext uri="{FF2B5EF4-FFF2-40B4-BE49-F238E27FC236}">
-                <a16:creationId xmlns:a16="http://schemas.microsoft.com/office/drawing/2014/main" id="{1819F6B2-AFDA-C582-2467-C2EDC7439D78}"/>
-              </a:ext>
-            </a:extLst>
-          </p:cNvPr>
-          <p:cNvPicPr>
-            <a:picLocks noChangeAspect="1"/>
-          </p:cNvPicPr>
-          <p:nvPr/>
-        </p:nvPicPr>
-        <p:blipFill>
-          <a:blip r:embed="rId4">
-            <a:extLst>
-              <a:ext uri="{28A0092B-C50C-407E-A947-70E740481C1C}">
-                <a14:useLocalDpi xmlns:a14="http://schemas.microsoft.com/office/drawing/2010/main" val="0"/>
-              </a:ext>
-              <a:ext uri="{96DAC541-7B7A-43D3-8B79-37D633B846F1}">
-                <asvg:svgBlip xmlns:asvg="http://schemas.microsoft.com/office/drawing/2016/SVG/main" r:embed="rId5"/>
-              </a:ext>
-            </a:extLst>
-          </a:blip>
-          <a:stretch>
-            <a:fillRect/>
-          </a:stretch>
-        </p:blipFill>
-        <p:spPr>
-          <a:xfrm rot="488605" flipV="1">
-            <a:off x="8475480" y="2046821"/>
-            <a:ext cx="914400" cy="933703"/>
-          </a:xfrm>
-          <a:prstGeom prst="rect">
-            <a:avLst/>
-          </a:prstGeom>
-        </p:spPr>
-      </p:pic>
-      <p:pic>
-        <p:nvPicPr>
-          <p:cNvPr id="41" name="Grafik 40" descr="Pfeil: Kurve im Uhrzeigersinn">
-            <a:extLst>
-              <a:ext uri="{FF2B5EF4-FFF2-40B4-BE49-F238E27FC236}">
-                <a16:creationId xmlns:a16="http://schemas.microsoft.com/office/drawing/2014/main" id="{9096820B-E352-BBBB-0D9B-9D03650E261C}"/>
-              </a:ext>
-            </a:extLst>
-          </p:cNvPr>
-          <p:cNvPicPr>
-            <a:picLocks noChangeAspect="1"/>
-          </p:cNvPicPr>
-          <p:nvPr/>
-        </p:nvPicPr>
-        <p:blipFill>
-          <a:blip r:embed="rId6">
-            <a:extLst>
-              <a:ext uri="{28A0092B-C50C-407E-A947-70E740481C1C}">
-                <a14:useLocalDpi xmlns:a14="http://schemas.microsoft.com/office/drawing/2010/main" val="0"/>
-              </a:ext>
-              <a:ext uri="{96DAC541-7B7A-43D3-8B79-37D633B846F1}">
-                <asvg:svgBlip xmlns:asvg="http://schemas.microsoft.com/office/drawing/2016/SVG/main" r:embed="rId7"/>
-              </a:ext>
-            </a:extLst>
-          </a:blip>
-          <a:stretch>
-            <a:fillRect/>
-          </a:stretch>
-        </p:blipFill>
-        <p:spPr>
-          <a:xfrm rot="10800000">
-            <a:off x="3416410" y="2305314"/>
-            <a:ext cx="914400" cy="914400"/>
-          </a:xfrm>
-          <a:prstGeom prst="rect">
-            <a:avLst/>
-          </a:prstGeom>
-        </p:spPr>
-      </p:pic>
-      <p:pic>
-        <p:nvPicPr>
-          <p:cNvPr id="12" name="Grafik 11" descr="Pfeil: Kurve im Uhrzeigersinn">
-            <a:extLst>
-              <a:ext uri="{FF2B5EF4-FFF2-40B4-BE49-F238E27FC236}">
-                <a16:creationId xmlns:a16="http://schemas.microsoft.com/office/drawing/2014/main" id="{3885A69E-1144-105D-A882-2A31C7FAD384}"/>
-              </a:ext>
-            </a:extLst>
-          </p:cNvPr>
-          <p:cNvPicPr>
-            <a:picLocks noChangeAspect="1"/>
-          </p:cNvPicPr>
-          <p:nvPr/>
-        </p:nvPicPr>
-        <p:blipFill>
-          <a:blip r:embed="rId8">
-            <a:extLst>
-              <a:ext uri="{28A0092B-C50C-407E-A947-70E740481C1C}">
-                <a14:useLocalDpi xmlns:a14="http://schemas.microsoft.com/office/drawing/2010/main" val="0"/>
-              </a:ext>
-              <a:ext uri="{96DAC541-7B7A-43D3-8B79-37D633B846F1}">
-                <asvg:svgBlip xmlns:asvg="http://schemas.microsoft.com/office/drawing/2016/SVG/main" r:embed="rId9"/>
-              </a:ext>
-            </a:extLst>
-          </a:blip>
-          <a:stretch>
-            <a:fillRect/>
-          </a:stretch>
-        </p:blipFill>
-        <p:spPr>
-          <a:xfrm rot="16008384">
-            <a:off x="9533181" y="4776277"/>
-            <a:ext cx="914400" cy="914400"/>
+            <a:off x="1614582" y="365125"/>
+            <a:ext cx="8962835" cy="5811838"/>
           </a:xfrm>
           <a:prstGeom prst="rect">
             <a:avLst/>
@@ -14475,7 +14880,7 @@
     </p:spTree>
     <p:extLst>
       <p:ext uri="{BB962C8B-B14F-4D97-AF65-F5344CB8AC3E}">
-        <p14:creationId xmlns:p14="http://schemas.microsoft.com/office/powerpoint/2010/main" val="2176050440"/>
+        <p14:creationId xmlns:p14="http://schemas.microsoft.com/office/powerpoint/2010/main" val="859493405"/>
       </p:ext>
     </p:extLst>
   </p:cSld>
@@ -14502,6 +14907,601 @@
           <a:chExt cx="0" cy="0"/>
         </a:xfrm>
       </p:grpSpPr>
+      <p:pic>
+        <p:nvPicPr>
+          <p:cNvPr id="4" name="Grafik 3">
+            <a:extLst>
+              <a:ext uri="{FF2B5EF4-FFF2-40B4-BE49-F238E27FC236}">
+                <a16:creationId xmlns:a16="http://schemas.microsoft.com/office/drawing/2014/main" id="{73EAFD23-835D-BE75-950B-784D8824F747}"/>
+              </a:ext>
+            </a:extLst>
+          </p:cNvPr>
+          <p:cNvPicPr>
+            <a:picLocks noChangeAspect="1"/>
+          </p:cNvPicPr>
+          <p:nvPr/>
+        </p:nvPicPr>
+        <p:blipFill>
+          <a:blip r:embed="rId2">
+            <a:extLst>
+              <a:ext uri="{28A0092B-C50C-407E-A947-70E740481C1C}">
+                <a14:useLocalDpi xmlns:a14="http://schemas.microsoft.com/office/drawing/2010/main" val="0"/>
+              </a:ext>
+              <a:ext uri="{96DAC541-7B7A-43D3-8B79-37D633B846F1}">
+                <asvg:svgBlip xmlns:asvg="http://schemas.microsoft.com/office/drawing/2016/SVG/main" r:embed="rId3"/>
+              </a:ext>
+            </a:extLst>
+          </a:blip>
+          <a:stretch>
+            <a:fillRect/>
+          </a:stretch>
+        </p:blipFill>
+        <p:spPr>
+          <a:xfrm>
+            <a:off x="476704" y="2787382"/>
+            <a:ext cx="9294109" cy="3253758"/>
+          </a:xfrm>
+          <a:prstGeom prst="rect">
+            <a:avLst/>
+          </a:prstGeom>
+        </p:spPr>
+      </p:pic>
+      <p:sp>
+        <p:nvSpPr>
+          <p:cNvPr id="2" name="Titel 1">
+            <a:extLst>
+              <a:ext uri="{FF2B5EF4-FFF2-40B4-BE49-F238E27FC236}">
+                <a16:creationId xmlns:a16="http://schemas.microsoft.com/office/drawing/2014/main" id="{FE7310EA-0D36-8797-94D6-7E3C9FD760A2}"/>
+              </a:ext>
+            </a:extLst>
+          </p:cNvPr>
+          <p:cNvSpPr>
+            <a:spLocks noGrp="1"/>
+          </p:cNvSpPr>
+          <p:nvPr>
+            <p:ph type="title"/>
+          </p:nvPr>
+        </p:nvSpPr>
+        <p:spPr/>
+        <p:txBody>
+          <a:bodyPr/>
+          <a:lstStyle/>
+          <a:p>
+            <a:r>
+              <a:rPr lang="de-DE" dirty="0"/>
+              <a:t>Solution 2</a:t>
+            </a:r>
+          </a:p>
+        </p:txBody>
+      </p:sp>
+      <p:sp>
+        <p:nvSpPr>
+          <p:cNvPr id="39" name="Textfeld 38">
+            <a:extLst>
+              <a:ext uri="{FF2B5EF4-FFF2-40B4-BE49-F238E27FC236}">
+                <a16:creationId xmlns:a16="http://schemas.microsoft.com/office/drawing/2014/main" id="{695DB685-95D5-A78F-2B63-74114659637B}"/>
+              </a:ext>
+            </a:extLst>
+          </p:cNvPr>
+          <p:cNvSpPr txBox="1"/>
+          <p:nvPr/>
+        </p:nvSpPr>
+        <p:spPr>
+          <a:xfrm>
+            <a:off x="2056737" y="1663601"/>
+            <a:ext cx="2719346" cy="646331"/>
+          </a:xfrm>
+          <a:prstGeom prst="rect">
+            <a:avLst/>
+          </a:prstGeom>
+          <a:solidFill>
+            <a:srgbClr val="CCCCFF"/>
+          </a:solidFill>
+        </p:spPr>
+        <p:txBody>
+          <a:bodyPr wrap="square" rtlCol="0">
+            <a:spAutoFit/>
+          </a:bodyPr>
+          <a:lstStyle/>
+          <a:p>
+            <a:r>
+              <a:rPr lang="de-DE" dirty="0">
+                <a:solidFill>
+                  <a:srgbClr val="5C4EE5"/>
+                </a:solidFill>
+                <a:latin typeface="+mj-lt"/>
+              </a:rPr>
+              <a:t>1) </a:t>
+            </a:r>
+            <a:r>
+              <a:rPr lang="de-DE" dirty="0" err="1">
+                <a:solidFill>
+                  <a:srgbClr val="5C4EE5"/>
+                </a:solidFill>
+                <a:latin typeface="+mj-lt"/>
+              </a:rPr>
+              <a:t>Install</a:t>
+            </a:r>
+            <a:r>
+              <a:rPr lang="de-DE" dirty="0">
+                <a:solidFill>
+                  <a:srgbClr val="5C4EE5"/>
+                </a:solidFill>
+                <a:latin typeface="+mj-lt"/>
+              </a:rPr>
+              <a:t> </a:t>
+            </a:r>
+            <a:r>
+              <a:rPr lang="de-DE" dirty="0" err="1">
+                <a:solidFill>
+                  <a:srgbClr val="5C4EE5"/>
+                </a:solidFill>
+                <a:latin typeface="+mj-lt"/>
+              </a:rPr>
+              <a:t>docker</a:t>
+            </a:r>
+            <a:r>
+              <a:rPr lang="de-DE" dirty="0">
+                <a:solidFill>
+                  <a:srgbClr val="5C4EE5"/>
+                </a:solidFill>
+                <a:latin typeface="+mj-lt"/>
+              </a:rPr>
+              <a:t> &amp; </a:t>
+            </a:r>
+            <a:r>
+              <a:rPr lang="de-DE" dirty="0" err="1">
+                <a:solidFill>
+                  <a:srgbClr val="5C4EE5"/>
+                </a:solidFill>
+                <a:latin typeface="+mj-lt"/>
+              </a:rPr>
+              <a:t>docker-compose</a:t>
+            </a:r>
+            <a:r>
+              <a:rPr lang="de-DE" dirty="0">
+                <a:solidFill>
+                  <a:srgbClr val="5C4EE5"/>
+                </a:solidFill>
+                <a:latin typeface="+mj-lt"/>
+              </a:rPr>
+              <a:t> in </a:t>
+            </a:r>
+            <a:r>
+              <a:rPr lang="de-DE" dirty="0" err="1">
+                <a:solidFill>
+                  <a:srgbClr val="5C4EE5"/>
+                </a:solidFill>
+                <a:latin typeface="+mj-lt"/>
+              </a:rPr>
+              <a:t>user_data</a:t>
+            </a:r>
+            <a:endParaRPr lang="de-DE" dirty="0">
+              <a:solidFill>
+                <a:srgbClr val="5C4EE5"/>
+              </a:solidFill>
+              <a:latin typeface="+mj-lt"/>
+            </a:endParaRPr>
+          </a:p>
+        </p:txBody>
+      </p:sp>
+      <p:sp>
+        <p:nvSpPr>
+          <p:cNvPr id="42" name="Textfeld 41">
+            <a:extLst>
+              <a:ext uri="{FF2B5EF4-FFF2-40B4-BE49-F238E27FC236}">
+                <a16:creationId xmlns:a16="http://schemas.microsoft.com/office/drawing/2014/main" id="{E5644BF3-453B-A266-43DB-4E6B8B5F70DA}"/>
+              </a:ext>
+            </a:extLst>
+          </p:cNvPr>
+          <p:cNvSpPr txBox="1"/>
+          <p:nvPr/>
+        </p:nvSpPr>
+        <p:spPr>
+          <a:xfrm>
+            <a:off x="10372992" y="4828059"/>
+            <a:ext cx="1758565" cy="369332"/>
+          </a:xfrm>
+          <a:prstGeom prst="rect">
+            <a:avLst/>
+          </a:prstGeom>
+          <a:solidFill>
+            <a:schemeClr val="accent5">
+              <a:lumMod val="20000"/>
+              <a:lumOff val="80000"/>
+            </a:schemeClr>
+          </a:solidFill>
+        </p:spPr>
+        <p:txBody>
+          <a:bodyPr wrap="square" rtlCol="0">
+            <a:spAutoFit/>
+          </a:bodyPr>
+          <a:lstStyle/>
+          <a:p>
+            <a:r>
+              <a:rPr lang="de-DE" dirty="0">
+                <a:solidFill>
+                  <a:srgbClr val="0070C0"/>
+                </a:solidFill>
+                <a:latin typeface="+mj-lt"/>
+              </a:rPr>
+              <a:t>2) SSH </a:t>
+            </a:r>
+            <a:r>
+              <a:rPr lang="de-DE" dirty="0" err="1">
+                <a:solidFill>
+                  <a:srgbClr val="0070C0"/>
+                </a:solidFill>
+                <a:latin typeface="+mj-lt"/>
+              </a:rPr>
+              <a:t>into</a:t>
+            </a:r>
+            <a:r>
+              <a:rPr lang="de-DE" dirty="0">
+                <a:solidFill>
+                  <a:srgbClr val="0070C0"/>
+                </a:solidFill>
+                <a:latin typeface="+mj-lt"/>
+              </a:rPr>
+              <a:t> EC2</a:t>
+            </a:r>
+          </a:p>
+        </p:txBody>
+      </p:sp>
+      <p:sp>
+        <p:nvSpPr>
+          <p:cNvPr id="44" name="Textfeld 43">
+            <a:extLst>
+              <a:ext uri="{FF2B5EF4-FFF2-40B4-BE49-F238E27FC236}">
+                <a16:creationId xmlns:a16="http://schemas.microsoft.com/office/drawing/2014/main" id="{C7FB633A-15C0-45C9-D522-A0A4AE83189B}"/>
+              </a:ext>
+            </a:extLst>
+          </p:cNvPr>
+          <p:cNvSpPr txBox="1"/>
+          <p:nvPr/>
+        </p:nvSpPr>
+        <p:spPr>
+          <a:xfrm>
+            <a:off x="9253025" y="1273196"/>
+            <a:ext cx="2613142" cy="1200329"/>
+          </a:xfrm>
+          <a:prstGeom prst="rect">
+            <a:avLst/>
+          </a:prstGeom>
+          <a:solidFill>
+            <a:schemeClr val="accent2">
+              <a:lumMod val="20000"/>
+              <a:lumOff val="80000"/>
+            </a:schemeClr>
+          </a:solidFill>
+        </p:spPr>
+        <p:txBody>
+          <a:bodyPr wrap="square" rtlCol="0">
+            <a:spAutoFit/>
+          </a:bodyPr>
+          <a:lstStyle/>
+          <a:p>
+            <a:r>
+              <a:rPr lang="de-DE" dirty="0">
+                <a:solidFill>
+                  <a:schemeClr val="accent2"/>
+                </a:solidFill>
+                <a:latin typeface="+mj-lt"/>
+              </a:rPr>
+              <a:t>3) Upload </a:t>
+            </a:r>
+            <a:r>
+              <a:rPr lang="de-DE" dirty="0" err="1">
+                <a:solidFill>
+                  <a:schemeClr val="accent2"/>
+                </a:solidFill>
+                <a:latin typeface="+mj-lt"/>
+              </a:rPr>
+              <a:t>composefile</a:t>
+            </a:r>
+            <a:r>
+              <a:rPr lang="de-DE" dirty="0">
+                <a:solidFill>
+                  <a:schemeClr val="accent2"/>
+                </a:solidFill>
+                <a:latin typeface="+mj-lt"/>
+              </a:rPr>
+              <a:t> and </a:t>
+            </a:r>
+            <a:r>
+              <a:rPr lang="de-DE" dirty="0" err="1">
+                <a:solidFill>
+                  <a:schemeClr val="accent2"/>
+                </a:solidFill>
+                <a:latin typeface="+mj-lt"/>
+              </a:rPr>
+              <a:t>database</a:t>
+            </a:r>
+            <a:r>
+              <a:rPr lang="de-DE" dirty="0">
+                <a:solidFill>
+                  <a:schemeClr val="accent2"/>
+                </a:solidFill>
+                <a:latin typeface="+mj-lt"/>
+              </a:rPr>
+              <a:t> </a:t>
+            </a:r>
+            <a:r>
+              <a:rPr lang="de-DE" dirty="0" err="1">
+                <a:solidFill>
+                  <a:schemeClr val="accent2"/>
+                </a:solidFill>
+                <a:latin typeface="+mj-lt"/>
+              </a:rPr>
+              <a:t>files</a:t>
+            </a:r>
+            <a:r>
+              <a:rPr lang="de-DE" dirty="0">
+                <a:solidFill>
+                  <a:schemeClr val="accent2"/>
+                </a:solidFill>
+                <a:latin typeface="+mj-lt"/>
+              </a:rPr>
+              <a:t> </a:t>
+            </a:r>
+            <a:r>
+              <a:rPr lang="de-DE" dirty="0" err="1">
+                <a:solidFill>
+                  <a:schemeClr val="accent2"/>
+                </a:solidFill>
+                <a:latin typeface="+mj-lt"/>
+              </a:rPr>
+              <a:t>with</a:t>
+            </a:r>
+            <a:r>
+              <a:rPr lang="de-DE" dirty="0">
+                <a:solidFill>
+                  <a:schemeClr val="accent2"/>
+                </a:solidFill>
+                <a:latin typeface="+mj-lt"/>
+              </a:rPr>
+              <a:t> </a:t>
+            </a:r>
+            <a:r>
+              <a:rPr lang="de-DE" dirty="0" err="1">
+                <a:solidFill>
+                  <a:schemeClr val="accent2"/>
+                </a:solidFill>
+                <a:latin typeface="+mj-lt"/>
+              </a:rPr>
+              <a:t>scp</a:t>
+            </a:r>
+            <a:r>
+              <a:rPr lang="de-DE" dirty="0">
+                <a:solidFill>
+                  <a:schemeClr val="accent2"/>
+                </a:solidFill>
+                <a:latin typeface="+mj-lt"/>
+              </a:rPr>
+              <a:t>, and do </a:t>
+            </a:r>
+            <a:r>
+              <a:rPr lang="de-DE" dirty="0" err="1">
+                <a:solidFill>
+                  <a:schemeClr val="accent2"/>
+                </a:solidFill>
+                <a:latin typeface="+mj-lt"/>
+              </a:rPr>
+              <a:t>docker-compose</a:t>
+            </a:r>
+            <a:r>
+              <a:rPr lang="de-DE" dirty="0">
+                <a:solidFill>
+                  <a:schemeClr val="accent2"/>
+                </a:solidFill>
+                <a:latin typeface="+mj-lt"/>
+              </a:rPr>
+              <a:t> </a:t>
+            </a:r>
+            <a:r>
+              <a:rPr lang="de-DE" dirty="0" err="1">
+                <a:solidFill>
+                  <a:schemeClr val="accent2"/>
+                </a:solidFill>
+                <a:latin typeface="+mj-lt"/>
+              </a:rPr>
+              <a:t>up</a:t>
+            </a:r>
+            <a:r>
+              <a:rPr lang="de-DE" dirty="0">
+                <a:solidFill>
+                  <a:schemeClr val="accent2"/>
+                </a:solidFill>
+                <a:latin typeface="+mj-lt"/>
+              </a:rPr>
+              <a:t> </a:t>
+            </a:r>
+            <a:r>
+              <a:rPr lang="de-DE" dirty="0" err="1">
+                <a:solidFill>
+                  <a:schemeClr val="accent2"/>
+                </a:solidFill>
+                <a:latin typeface="+mj-lt"/>
+              </a:rPr>
+              <a:t>with</a:t>
+            </a:r>
+            <a:r>
+              <a:rPr lang="de-DE" dirty="0">
+                <a:solidFill>
+                  <a:schemeClr val="accent2"/>
+                </a:solidFill>
+                <a:latin typeface="+mj-lt"/>
+              </a:rPr>
+              <a:t> </a:t>
+            </a:r>
+            <a:r>
+              <a:rPr lang="de-DE" dirty="0" err="1">
+                <a:solidFill>
+                  <a:schemeClr val="accent2"/>
+                </a:solidFill>
+                <a:latin typeface="+mj-lt"/>
+              </a:rPr>
+              <a:t>dockerhub</a:t>
+            </a:r>
+            <a:r>
+              <a:rPr lang="de-DE" dirty="0">
+                <a:solidFill>
+                  <a:schemeClr val="accent2"/>
+                </a:solidFill>
+                <a:latin typeface="+mj-lt"/>
+              </a:rPr>
+              <a:t>-images</a:t>
+            </a:r>
+          </a:p>
+        </p:txBody>
+      </p:sp>
+      <p:pic>
+        <p:nvPicPr>
+          <p:cNvPr id="45" name="Grafik 44" descr="Pfeil: Kurve im Uhrzeigersinn">
+            <a:extLst>
+              <a:ext uri="{FF2B5EF4-FFF2-40B4-BE49-F238E27FC236}">
+                <a16:creationId xmlns:a16="http://schemas.microsoft.com/office/drawing/2014/main" id="{1819F6B2-AFDA-C582-2467-C2EDC7439D78}"/>
+              </a:ext>
+            </a:extLst>
+          </p:cNvPr>
+          <p:cNvPicPr>
+            <a:picLocks noChangeAspect="1"/>
+          </p:cNvPicPr>
+          <p:nvPr/>
+        </p:nvPicPr>
+        <p:blipFill>
+          <a:blip r:embed="rId4">
+            <a:extLst>
+              <a:ext uri="{28A0092B-C50C-407E-A947-70E740481C1C}">
+                <a14:useLocalDpi xmlns:a14="http://schemas.microsoft.com/office/drawing/2010/main" val="0"/>
+              </a:ext>
+              <a:ext uri="{96DAC541-7B7A-43D3-8B79-37D633B846F1}">
+                <asvg:svgBlip xmlns:asvg="http://schemas.microsoft.com/office/drawing/2016/SVG/main" r:embed="rId5"/>
+              </a:ext>
+            </a:extLst>
+          </a:blip>
+          <a:stretch>
+            <a:fillRect/>
+          </a:stretch>
+        </p:blipFill>
+        <p:spPr>
+          <a:xfrm rot="488605" flipV="1">
+            <a:off x="8475480" y="2046821"/>
+            <a:ext cx="914400" cy="933703"/>
+          </a:xfrm>
+          <a:prstGeom prst="rect">
+            <a:avLst/>
+          </a:prstGeom>
+        </p:spPr>
+      </p:pic>
+      <p:pic>
+        <p:nvPicPr>
+          <p:cNvPr id="41" name="Grafik 40" descr="Pfeil: Kurve im Uhrzeigersinn">
+            <a:extLst>
+              <a:ext uri="{FF2B5EF4-FFF2-40B4-BE49-F238E27FC236}">
+                <a16:creationId xmlns:a16="http://schemas.microsoft.com/office/drawing/2014/main" id="{9096820B-E352-BBBB-0D9B-9D03650E261C}"/>
+              </a:ext>
+            </a:extLst>
+          </p:cNvPr>
+          <p:cNvPicPr>
+            <a:picLocks noChangeAspect="1"/>
+          </p:cNvPicPr>
+          <p:nvPr/>
+        </p:nvPicPr>
+        <p:blipFill>
+          <a:blip r:embed="rId6">
+            <a:extLst>
+              <a:ext uri="{28A0092B-C50C-407E-A947-70E740481C1C}">
+                <a14:useLocalDpi xmlns:a14="http://schemas.microsoft.com/office/drawing/2010/main" val="0"/>
+              </a:ext>
+              <a:ext uri="{96DAC541-7B7A-43D3-8B79-37D633B846F1}">
+                <asvg:svgBlip xmlns:asvg="http://schemas.microsoft.com/office/drawing/2016/SVG/main" r:embed="rId7"/>
+              </a:ext>
+            </a:extLst>
+          </a:blip>
+          <a:stretch>
+            <a:fillRect/>
+          </a:stretch>
+        </p:blipFill>
+        <p:spPr>
+          <a:xfrm rot="10800000">
+            <a:off x="3416410" y="2305314"/>
+            <a:ext cx="914400" cy="914400"/>
+          </a:xfrm>
+          <a:prstGeom prst="rect">
+            <a:avLst/>
+          </a:prstGeom>
+        </p:spPr>
+      </p:pic>
+      <p:pic>
+        <p:nvPicPr>
+          <p:cNvPr id="12" name="Grafik 11" descr="Pfeil: Kurve im Uhrzeigersinn">
+            <a:extLst>
+              <a:ext uri="{FF2B5EF4-FFF2-40B4-BE49-F238E27FC236}">
+                <a16:creationId xmlns:a16="http://schemas.microsoft.com/office/drawing/2014/main" id="{3885A69E-1144-105D-A882-2A31C7FAD384}"/>
+              </a:ext>
+            </a:extLst>
+          </p:cNvPr>
+          <p:cNvPicPr>
+            <a:picLocks noChangeAspect="1"/>
+          </p:cNvPicPr>
+          <p:nvPr/>
+        </p:nvPicPr>
+        <p:blipFill>
+          <a:blip r:embed="rId8">
+            <a:extLst>
+              <a:ext uri="{28A0092B-C50C-407E-A947-70E740481C1C}">
+                <a14:useLocalDpi xmlns:a14="http://schemas.microsoft.com/office/drawing/2010/main" val="0"/>
+              </a:ext>
+              <a:ext uri="{96DAC541-7B7A-43D3-8B79-37D633B846F1}">
+                <asvg:svgBlip xmlns:asvg="http://schemas.microsoft.com/office/drawing/2016/SVG/main" r:embed="rId9"/>
+              </a:ext>
+            </a:extLst>
+          </a:blip>
+          <a:stretch>
+            <a:fillRect/>
+          </a:stretch>
+        </p:blipFill>
+        <p:spPr>
+          <a:xfrm rot="16008384">
+            <a:off x="9533181" y="4776277"/>
+            <a:ext cx="914400" cy="914400"/>
+          </a:xfrm>
+          <a:prstGeom prst="rect">
+            <a:avLst/>
+          </a:prstGeom>
+        </p:spPr>
+      </p:pic>
+    </p:spTree>
+    <p:extLst>
+      <p:ext uri="{BB962C8B-B14F-4D97-AF65-F5344CB8AC3E}">
+        <p14:creationId xmlns:p14="http://schemas.microsoft.com/office/powerpoint/2010/main" val="2176050440"/>
+      </p:ext>
+    </p:extLst>
+  </p:cSld>
+  <p:clrMapOvr>
+    <a:masterClrMapping/>
+  </p:clrMapOvr>
+</p:sld>
+</file>
+
+<file path=ppt/slides/slide22.xml><?xml version="1.0" encoding="utf-8"?>
+<p:sld xmlns:a="http://schemas.openxmlformats.org/drawingml/2006/main" xmlns:r="http://schemas.openxmlformats.org/officeDocument/2006/relationships" xmlns:p="http://schemas.openxmlformats.org/presentationml/2006/main">
+  <p:cSld>
+    <p:spTree>
+      <p:nvGrpSpPr>
+        <p:cNvPr id="1" name=""/>
+        <p:cNvGrpSpPr/>
+        <p:nvPr/>
+      </p:nvGrpSpPr>
+      <p:grpSpPr>
+        <a:xfrm>
+          <a:off x="0" y="0"/>
+          <a:ext cx="0" cy="0"/>
+          <a:chOff x="0" y="0"/>
+          <a:chExt cx="0" cy="0"/>
+        </a:xfrm>
+      </p:grpSpPr>
       <p:sp>
         <p:nvSpPr>
           <p:cNvPr id="2" name="Titel 1">
@@ -14595,7 +15595,7 @@
 </p:sld>
 </file>
 
-<file path=ppt/slides/slide22.xml><?xml version="1.0" encoding="utf-8"?>
+<file path=ppt/slides/slide23.xml><?xml version="1.0" encoding="utf-8"?>
 <p:sld xmlns:a="http://schemas.openxmlformats.org/drawingml/2006/main" xmlns:r="http://schemas.openxmlformats.org/officeDocument/2006/relationships" xmlns:p="http://schemas.openxmlformats.org/presentationml/2006/main">
   <p:cSld>
     <p:bg>
@@ -14668,7 +15668,7 @@
 </p:sld>
 </file>
 
-<file path=ppt/slides/slide23.xml><?xml version="1.0" encoding="utf-8"?>
+<file path=ppt/slides/slide24.xml><?xml version="1.0" encoding="utf-8"?>
 <p:sld xmlns:a="http://schemas.openxmlformats.org/drawingml/2006/main" xmlns:r="http://schemas.openxmlformats.org/officeDocument/2006/relationships" xmlns:p="http://schemas.openxmlformats.org/presentationml/2006/main" show="0">
   <p:cSld>
     <p:spTree>
@@ -14886,109 +15886,6 @@
     <p:extLst>
       <p:ext uri="{BB962C8B-B14F-4D97-AF65-F5344CB8AC3E}">
         <p14:creationId xmlns:p14="http://schemas.microsoft.com/office/powerpoint/2010/main" val="1587925568"/>
-      </p:ext>
-    </p:extLst>
-  </p:cSld>
-  <p:clrMapOvr>
-    <a:masterClrMapping/>
-  </p:clrMapOvr>
-</p:sld>
-</file>
-
-<file path=ppt/slides/slide24.xml><?xml version="1.0" encoding="utf-8"?>
-<p:sld xmlns:a="http://schemas.openxmlformats.org/drawingml/2006/main" xmlns:r="http://schemas.openxmlformats.org/officeDocument/2006/relationships" xmlns:p="http://schemas.openxmlformats.org/presentationml/2006/main">
-  <p:cSld>
-    <p:spTree>
-      <p:nvGrpSpPr>
-        <p:cNvPr id="1" name=""/>
-        <p:cNvGrpSpPr/>
-        <p:nvPr/>
-      </p:nvGrpSpPr>
-      <p:grpSpPr>
-        <a:xfrm>
-          <a:off x="0" y="0"/>
-          <a:ext cx="0" cy="0"/>
-          <a:chOff x="0" y="0"/>
-          <a:chExt cx="0" cy="0"/>
-        </a:xfrm>
-      </p:grpSpPr>
-      <p:sp>
-        <p:nvSpPr>
-          <p:cNvPr id="2" name="Titel 1">
-            <a:extLst>
-              <a:ext uri="{FF2B5EF4-FFF2-40B4-BE49-F238E27FC236}">
-                <a16:creationId xmlns:a16="http://schemas.microsoft.com/office/drawing/2014/main" id="{423EE35B-33E3-42A0-BBDA-368E8D825D7E}"/>
-              </a:ext>
-            </a:extLst>
-          </p:cNvPr>
-          <p:cNvSpPr>
-            <a:spLocks noGrp="1"/>
-          </p:cNvSpPr>
-          <p:nvPr>
-            <p:ph type="ctrTitle"/>
-          </p:nvPr>
-        </p:nvSpPr>
-        <p:spPr/>
-        <p:txBody>
-          <a:bodyPr/>
-          <a:lstStyle/>
-          <a:p>
-            <a:r>
-              <a:rPr lang="de-DE"/>
-              <a:t>Working Demo</a:t>
-            </a:r>
-            <a:endParaRPr lang="de-DE" dirty="0"/>
-          </a:p>
-        </p:txBody>
-      </p:sp>
-      <p:sp>
-        <p:nvSpPr>
-          <p:cNvPr id="5" name="Untertitel 4">
-            <a:extLst>
-              <a:ext uri="{FF2B5EF4-FFF2-40B4-BE49-F238E27FC236}">
-                <a16:creationId xmlns:a16="http://schemas.microsoft.com/office/drawing/2014/main" id="{B11A7254-9FA9-40F3-BD35-E1C8D97446A8}"/>
-              </a:ext>
-            </a:extLst>
-          </p:cNvPr>
-          <p:cNvSpPr>
-            <a:spLocks noGrp="1"/>
-          </p:cNvSpPr>
-          <p:nvPr>
-            <p:ph type="subTitle" idx="1"/>
-          </p:nvPr>
-        </p:nvSpPr>
-        <p:spPr/>
-        <p:txBody>
-          <a:bodyPr/>
-          <a:lstStyle/>
-          <a:p>
-            <a:r>
-              <a:rPr lang="de-DE" dirty="0"/>
-              <a:t>See </a:t>
-            </a:r>
-            <a:r>
-              <a:rPr lang="de-DE" dirty="0" err="1"/>
-              <a:t>the</a:t>
-            </a:r>
-            <a:r>
-              <a:rPr lang="de-DE" dirty="0"/>
-              <a:t> </a:t>
-            </a:r>
-            <a:r>
-              <a:rPr lang="de-DE" dirty="0" err="1"/>
-              <a:t>magic</a:t>
-            </a:r>
-            <a:r>
-              <a:rPr lang="de-DE" dirty="0"/>
-              <a:t>… 🦄</a:t>
-            </a:r>
-          </a:p>
-        </p:txBody>
-      </p:sp>
-    </p:spTree>
-    <p:extLst>
-      <p:ext uri="{BB962C8B-B14F-4D97-AF65-F5344CB8AC3E}">
-        <p14:creationId xmlns:p14="http://schemas.microsoft.com/office/powerpoint/2010/main" val="3888514522"/>
       </p:ext>
     </p:extLst>
   </p:cSld>
@@ -15031,68 +15928,67 @@
             <p:ph type="ctrTitle"/>
           </p:nvPr>
         </p:nvSpPr>
-        <p:spPr>
-          <a:xfrm>
-            <a:off x="1524000" y="1432464"/>
-            <a:ext cx="9144000" cy="2387600"/>
-          </a:xfrm>
-        </p:spPr>
-        <p:txBody>
-          <a:bodyPr>
-            <a:normAutofit/>
-          </a:bodyPr>
-          <a:lstStyle/>
-          <a:p>
-            <a:r>
-              <a:rPr lang="de-DE" sz="2800" dirty="0"/>
-              <a:t>https://gitlab.inf.unibz.it/Jana.Karas/cloud-computing-project</a:t>
-            </a:r>
-          </a:p>
-        </p:txBody>
-      </p:sp>
-      <p:pic>
-        <p:nvPicPr>
-          <p:cNvPr id="6" name="Grafik 5">
-            <a:extLst>
-              <a:ext uri="{FF2B5EF4-FFF2-40B4-BE49-F238E27FC236}">
-                <a16:creationId xmlns:a16="http://schemas.microsoft.com/office/drawing/2014/main" id="{BFCBC996-5DE8-D3B6-4865-A2B9DF3908FF}"/>
-              </a:ext>
-            </a:extLst>
-          </p:cNvPr>
-          <p:cNvPicPr>
-            <a:picLocks noChangeAspect="1"/>
-          </p:cNvPicPr>
-          <p:nvPr/>
-        </p:nvPicPr>
-        <p:blipFill>
-          <a:blip r:embed="rId2">
-            <a:extLst>
-              <a:ext uri="{28A0092B-C50C-407E-A947-70E740481C1C}">
-                <a14:useLocalDpi xmlns:a14="http://schemas.microsoft.com/office/drawing/2010/main" val="0"/>
-              </a:ext>
-              <a:ext uri="{96DAC541-7B7A-43D3-8B79-37D633B846F1}">
-                <asvg:svgBlip xmlns:asvg="http://schemas.microsoft.com/office/drawing/2016/SVG/main" r:embed="rId3"/>
-              </a:ext>
-            </a:extLst>
-          </a:blip>
-          <a:stretch>
-            <a:fillRect/>
-          </a:stretch>
-        </p:blipFill>
-        <p:spPr>
-          <a:xfrm>
-            <a:off x="5583858" y="4133532"/>
-            <a:ext cx="1024284" cy="1024284"/>
-          </a:xfrm>
-          <a:prstGeom prst="rect">
-            <a:avLst/>
-          </a:prstGeom>
-        </p:spPr>
-      </p:pic>
+        <p:spPr/>
+        <p:txBody>
+          <a:bodyPr/>
+          <a:lstStyle/>
+          <a:p>
+            <a:r>
+              <a:rPr lang="de-DE"/>
+              <a:t>Working Demo</a:t>
+            </a:r>
+            <a:endParaRPr lang="de-DE" dirty="0"/>
+          </a:p>
+        </p:txBody>
+      </p:sp>
+      <p:sp>
+        <p:nvSpPr>
+          <p:cNvPr id="5" name="Untertitel 4">
+            <a:extLst>
+              <a:ext uri="{FF2B5EF4-FFF2-40B4-BE49-F238E27FC236}">
+                <a16:creationId xmlns:a16="http://schemas.microsoft.com/office/drawing/2014/main" id="{B11A7254-9FA9-40F3-BD35-E1C8D97446A8}"/>
+              </a:ext>
+            </a:extLst>
+          </p:cNvPr>
+          <p:cNvSpPr>
+            <a:spLocks noGrp="1"/>
+          </p:cNvSpPr>
+          <p:nvPr>
+            <p:ph type="subTitle" idx="1"/>
+          </p:nvPr>
+        </p:nvSpPr>
+        <p:spPr/>
+        <p:txBody>
+          <a:bodyPr/>
+          <a:lstStyle/>
+          <a:p>
+            <a:r>
+              <a:rPr lang="de-DE" dirty="0"/>
+              <a:t>See </a:t>
+            </a:r>
+            <a:r>
+              <a:rPr lang="de-DE" dirty="0" err="1"/>
+              <a:t>the</a:t>
+            </a:r>
+            <a:r>
+              <a:rPr lang="de-DE" dirty="0"/>
+              <a:t> </a:t>
+            </a:r>
+            <a:r>
+              <a:rPr lang="de-DE" dirty="0" err="1"/>
+              <a:t>magic</a:t>
+            </a:r>
+            <a:r>
+              <a:rPr lang="de-DE" dirty="0"/>
+              <a:t>… 🦄</a:t>
+            </a:r>
+          </a:p>
+        </p:txBody>
+      </p:sp>
     </p:spTree>
     <p:extLst>
       <p:ext uri="{BB962C8B-B14F-4D97-AF65-F5344CB8AC3E}">
-        <p14:creationId xmlns:p14="http://schemas.microsoft.com/office/powerpoint/2010/main" val="1611829248"/>
+        <p14:creationId xmlns:p14="http://schemas.microsoft.com/office/powerpoint/2010/main" val="3888514522"/>
       </p:ext>
     </p:extLst>
   </p:cSld>
@@ -15135,6 +16031,110 @@
             <p:ph type="ctrTitle"/>
           </p:nvPr>
         </p:nvSpPr>
+        <p:spPr>
+          <a:xfrm>
+            <a:off x="1524000" y="1432464"/>
+            <a:ext cx="9144000" cy="2387600"/>
+          </a:xfrm>
+        </p:spPr>
+        <p:txBody>
+          <a:bodyPr>
+            <a:normAutofit/>
+          </a:bodyPr>
+          <a:lstStyle/>
+          <a:p>
+            <a:r>
+              <a:rPr lang="de-DE" sz="2800" dirty="0"/>
+              <a:t>https://gitlab.inf.unibz.it/Jana.Karas/cloud-computing-project</a:t>
+            </a:r>
+          </a:p>
+        </p:txBody>
+      </p:sp>
+      <p:pic>
+        <p:nvPicPr>
+          <p:cNvPr id="6" name="Grafik 5">
+            <a:extLst>
+              <a:ext uri="{FF2B5EF4-FFF2-40B4-BE49-F238E27FC236}">
+                <a16:creationId xmlns:a16="http://schemas.microsoft.com/office/drawing/2014/main" id="{BFCBC996-5DE8-D3B6-4865-A2B9DF3908FF}"/>
+              </a:ext>
+            </a:extLst>
+          </p:cNvPr>
+          <p:cNvPicPr>
+            <a:picLocks noChangeAspect="1"/>
+          </p:cNvPicPr>
+          <p:nvPr/>
+        </p:nvPicPr>
+        <p:blipFill>
+          <a:blip r:embed="rId2">
+            <a:extLst>
+              <a:ext uri="{28A0092B-C50C-407E-A947-70E740481C1C}">
+                <a14:useLocalDpi xmlns:a14="http://schemas.microsoft.com/office/drawing/2010/main" val="0"/>
+              </a:ext>
+              <a:ext uri="{96DAC541-7B7A-43D3-8B79-37D633B846F1}">
+                <asvg:svgBlip xmlns:asvg="http://schemas.microsoft.com/office/drawing/2016/SVG/main" r:embed="rId3"/>
+              </a:ext>
+            </a:extLst>
+          </a:blip>
+          <a:stretch>
+            <a:fillRect/>
+          </a:stretch>
+        </p:blipFill>
+        <p:spPr>
+          <a:xfrm>
+            <a:off x="5583858" y="4133532"/>
+            <a:ext cx="1024284" cy="1024284"/>
+          </a:xfrm>
+          <a:prstGeom prst="rect">
+            <a:avLst/>
+          </a:prstGeom>
+        </p:spPr>
+      </p:pic>
+    </p:spTree>
+    <p:extLst>
+      <p:ext uri="{BB962C8B-B14F-4D97-AF65-F5344CB8AC3E}">
+        <p14:creationId xmlns:p14="http://schemas.microsoft.com/office/powerpoint/2010/main" val="1611829248"/>
+      </p:ext>
+    </p:extLst>
+  </p:cSld>
+  <p:clrMapOvr>
+    <a:masterClrMapping/>
+  </p:clrMapOvr>
+</p:sld>
+</file>
+
+<file path=ppt/slides/slide27.xml><?xml version="1.0" encoding="utf-8"?>
+<p:sld xmlns:a="http://schemas.openxmlformats.org/drawingml/2006/main" xmlns:r="http://schemas.openxmlformats.org/officeDocument/2006/relationships" xmlns:p="http://schemas.openxmlformats.org/presentationml/2006/main">
+  <p:cSld>
+    <p:spTree>
+      <p:nvGrpSpPr>
+        <p:cNvPr id="1" name=""/>
+        <p:cNvGrpSpPr/>
+        <p:nvPr/>
+      </p:nvGrpSpPr>
+      <p:grpSpPr>
+        <a:xfrm>
+          <a:off x="0" y="0"/>
+          <a:ext cx="0" cy="0"/>
+          <a:chOff x="0" y="0"/>
+          <a:chExt cx="0" cy="0"/>
+        </a:xfrm>
+      </p:grpSpPr>
+      <p:sp>
+        <p:nvSpPr>
+          <p:cNvPr id="2" name="Titel 1">
+            <a:extLst>
+              <a:ext uri="{FF2B5EF4-FFF2-40B4-BE49-F238E27FC236}">
+                <a16:creationId xmlns:a16="http://schemas.microsoft.com/office/drawing/2014/main" id="{423EE35B-33E3-42A0-BBDA-368E8D825D7E}"/>
+              </a:ext>
+            </a:extLst>
+          </p:cNvPr>
+          <p:cNvSpPr>
+            <a:spLocks noGrp="1"/>
+          </p:cNvSpPr>
+          <p:nvPr>
+            <p:ph type="ctrTitle"/>
+          </p:nvPr>
+        </p:nvSpPr>
         <p:spPr/>
         <p:txBody>
           <a:bodyPr/>
@@ -15190,7 +16190,7 @@
 </p:sld>
 </file>
 
-<file path=ppt/slides/slide27.xml><?xml version="1.0" encoding="utf-8"?>
+<file path=ppt/slides/slide28.xml><?xml version="1.0" encoding="utf-8"?>
 <p:sld xmlns:a="http://schemas.openxmlformats.org/drawingml/2006/main" xmlns:r="http://schemas.openxmlformats.org/officeDocument/2006/relationships" xmlns:p="http://schemas.openxmlformats.org/presentationml/2006/main">
   <p:cSld>
     <p:spTree>
@@ -16320,7 +17320,7 @@
 </p:sld>
 </file>
 
-<file path=ppt/slides/slide28.xml><?xml version="1.0" encoding="utf-8"?>
+<file path=ppt/slides/slide29.xml><?xml version="1.0" encoding="utf-8"?>
 <p:sld xmlns:a="http://schemas.openxmlformats.org/drawingml/2006/main" xmlns:r="http://schemas.openxmlformats.org/officeDocument/2006/relationships" xmlns:p="http://schemas.openxmlformats.org/presentationml/2006/main">
   <p:cSld>
     <p:spTree>
@@ -18205,229 +19205,6 @@
 </p:sld>
 </file>
 
-<file path=ppt/slides/slide29.xml><?xml version="1.0" encoding="utf-8"?>
-<p:sld xmlns:a="http://schemas.openxmlformats.org/drawingml/2006/main" xmlns:r="http://schemas.openxmlformats.org/officeDocument/2006/relationships" xmlns:p="http://schemas.openxmlformats.org/presentationml/2006/main" show="0">
-  <p:cSld>
-    <p:spTree>
-      <p:nvGrpSpPr>
-        <p:cNvPr id="1" name=""/>
-        <p:cNvGrpSpPr/>
-        <p:nvPr/>
-      </p:nvGrpSpPr>
-      <p:grpSpPr>
-        <a:xfrm>
-          <a:off x="0" y="0"/>
-          <a:ext cx="0" cy="0"/>
-          <a:chOff x="0" y="0"/>
-          <a:chExt cx="0" cy="0"/>
-        </a:xfrm>
-      </p:grpSpPr>
-      <p:sp>
-        <p:nvSpPr>
-          <p:cNvPr id="2" name="Titel 1">
-            <a:extLst>
-              <a:ext uri="{FF2B5EF4-FFF2-40B4-BE49-F238E27FC236}">
-                <a16:creationId xmlns:a16="http://schemas.microsoft.com/office/drawing/2014/main" id="{B65D7EC3-CD42-4551-8940-B2E7B1FA136C}"/>
-              </a:ext>
-            </a:extLst>
-          </p:cNvPr>
-          <p:cNvSpPr>
-            <a:spLocks noGrp="1"/>
-          </p:cNvSpPr>
-          <p:nvPr>
-            <p:ph type="title"/>
-          </p:nvPr>
-        </p:nvSpPr>
-        <p:spPr/>
-        <p:txBody>
-          <a:bodyPr/>
-          <a:lstStyle/>
-          <a:p>
-            <a:r>
-              <a:rPr lang="de-DE"/>
-              <a:t>Solution 1</a:t>
-            </a:r>
-            <a:endParaRPr lang="de-DE" dirty="0"/>
-          </a:p>
-        </p:txBody>
-      </p:sp>
-      <p:sp>
-        <p:nvSpPr>
-          <p:cNvPr id="4" name="Content Placeholder 3">
-            <a:extLst>
-              <a:ext uri="{FF2B5EF4-FFF2-40B4-BE49-F238E27FC236}">
-                <a16:creationId xmlns:a16="http://schemas.microsoft.com/office/drawing/2014/main" id="{2BF5D699-940E-4DE9-8183-FAB1BE315652}"/>
-              </a:ext>
-            </a:extLst>
-          </p:cNvPr>
-          <p:cNvSpPr>
-            <a:spLocks noGrp="1"/>
-          </p:cNvSpPr>
-          <p:nvPr>
-            <p:ph idx="1"/>
-          </p:nvPr>
-        </p:nvSpPr>
-        <p:spPr/>
-        <p:txBody>
-          <a:bodyPr/>
-          <a:lstStyle/>
-          <a:p>
-            <a:pPr marL="0" indent="0">
-              <a:buNone/>
-            </a:pPr>
-            <a:r>
-              <a:rPr lang="de-DE" dirty="0" err="1"/>
-              <a:t>Deployment</a:t>
-            </a:r>
-            <a:r>
-              <a:rPr lang="de-DE" dirty="0"/>
-              <a:t> via .</a:t>
-            </a:r>
-            <a:r>
-              <a:rPr lang="de-DE" dirty="0" err="1"/>
-              <a:t>zip</a:t>
-            </a:r>
-            <a:r>
-              <a:rPr lang="de-DE" dirty="0"/>
-              <a:t> link:</a:t>
-            </a:r>
-          </a:p>
-          <a:p>
-            <a:pPr marL="0" indent="0">
-              <a:buNone/>
-            </a:pPr>
-            <a:endParaRPr lang="de-DE" dirty="0"/>
-          </a:p>
-          <a:p>
-            <a:pPr marL="457200" lvl="1" indent="0">
-              <a:buNone/>
-            </a:pPr>
-            <a:r>
-              <a:rPr lang="de-DE" dirty="0"/>
-              <a:t>1) Installation of Docker and Docker </a:t>
-            </a:r>
-            <a:r>
-              <a:rPr lang="de-DE" dirty="0" err="1"/>
-              <a:t>Compose</a:t>
-            </a:r>
-            <a:r>
-              <a:rPr lang="de-DE" dirty="0"/>
-              <a:t> SSH </a:t>
-            </a:r>
-            <a:r>
-              <a:rPr lang="de-DE" dirty="0" err="1"/>
-              <a:t>to</a:t>
-            </a:r>
-            <a:r>
-              <a:rPr lang="de-DE" dirty="0"/>
-              <a:t> </a:t>
-            </a:r>
-            <a:r>
-              <a:rPr lang="de-DE" dirty="0" err="1"/>
-              <a:t>access</a:t>
-            </a:r>
-            <a:r>
-              <a:rPr lang="de-DE" dirty="0"/>
-              <a:t> EC2 </a:t>
-            </a:r>
-            <a:r>
-              <a:rPr lang="de-DE" dirty="0" err="1"/>
-              <a:t>instance</a:t>
-            </a:r>
-            <a:endParaRPr lang="de-DE" dirty="0"/>
-          </a:p>
-          <a:p>
-            <a:pPr lvl="1"/>
-            <a:r>
-              <a:rPr lang="de-DE" dirty="0"/>
-              <a:t>Installation of Docker and Docker </a:t>
-            </a:r>
-            <a:r>
-              <a:rPr lang="de-DE" dirty="0" err="1"/>
-              <a:t>Compose</a:t>
-            </a:r>
-            <a:r>
-              <a:rPr lang="de-DE" dirty="0"/>
-              <a:t> on EC2</a:t>
-            </a:r>
-          </a:p>
-          <a:p>
-            <a:pPr lvl="1"/>
-            <a:r>
-              <a:rPr lang="de-DE" dirty="0"/>
-              <a:t>Upload of </a:t>
-            </a:r>
-            <a:r>
-              <a:rPr lang="de-DE" dirty="0" err="1"/>
-              <a:t>application</a:t>
-            </a:r>
-            <a:r>
-              <a:rPr lang="de-DE" dirty="0"/>
-              <a:t> via .</a:t>
-            </a:r>
-            <a:r>
-              <a:rPr lang="de-DE" dirty="0" err="1"/>
-              <a:t>zip</a:t>
-            </a:r>
-            <a:r>
-              <a:rPr lang="de-DE" dirty="0"/>
-              <a:t> link </a:t>
-            </a:r>
-            <a:r>
-              <a:rPr lang="de-DE" dirty="0" err="1"/>
-              <a:t>from</a:t>
-            </a:r>
-            <a:r>
-              <a:rPr lang="de-DE" dirty="0"/>
-              <a:t> GitHub Repo </a:t>
-            </a:r>
-            <a:r>
-              <a:rPr lang="de-DE" dirty="0" err="1"/>
-              <a:t>to</a:t>
-            </a:r>
-            <a:r>
-              <a:rPr lang="de-DE" dirty="0"/>
-              <a:t> EC2</a:t>
-            </a:r>
-          </a:p>
-          <a:p>
-            <a:pPr lvl="1"/>
-            <a:r>
-              <a:rPr lang="de-DE" dirty="0"/>
-              <a:t>Docker-</a:t>
-            </a:r>
-            <a:r>
-              <a:rPr lang="de-DE" dirty="0" err="1"/>
-              <a:t>compose</a:t>
-            </a:r>
-            <a:r>
-              <a:rPr lang="de-DE" dirty="0"/>
-              <a:t> </a:t>
-            </a:r>
-            <a:r>
-              <a:rPr lang="de-DE" dirty="0" err="1"/>
-              <a:t>up</a:t>
-            </a:r>
-            <a:r>
-              <a:rPr lang="de-DE" dirty="0"/>
-              <a:t> on EC2</a:t>
-            </a:r>
-          </a:p>
-        </p:txBody>
-      </p:sp>
-    </p:spTree>
-    <p:extLst>
-      <p:ext uri="{BB962C8B-B14F-4D97-AF65-F5344CB8AC3E}">
-        <p14:creationId xmlns:p14="http://schemas.microsoft.com/office/powerpoint/2010/main" val="3653631288"/>
-      </p:ext>
-    </p:extLst>
-  </p:cSld>
-  <p:clrMapOvr>
-    <a:masterClrMapping/>
-  </p:clrMapOvr>
-</p:sld>
-</file>
-
 <file path=ppt/slides/slide3.xml><?xml version="1.0" encoding="utf-8"?>
 <p:sld xmlns:a="http://schemas.openxmlformats.org/drawingml/2006/main" xmlns:r="http://schemas.openxmlformats.org/officeDocument/2006/relationships" xmlns:p="http://schemas.openxmlformats.org/presentationml/2006/main">
   <p:cSld>
@@ -18528,6 +19305,229 @@
 </file>
 
 <file path=ppt/slides/slide30.xml><?xml version="1.0" encoding="utf-8"?>
+<p:sld xmlns:a="http://schemas.openxmlformats.org/drawingml/2006/main" xmlns:r="http://schemas.openxmlformats.org/officeDocument/2006/relationships" xmlns:p="http://schemas.openxmlformats.org/presentationml/2006/main" show="0">
+  <p:cSld>
+    <p:spTree>
+      <p:nvGrpSpPr>
+        <p:cNvPr id="1" name=""/>
+        <p:cNvGrpSpPr/>
+        <p:nvPr/>
+      </p:nvGrpSpPr>
+      <p:grpSpPr>
+        <a:xfrm>
+          <a:off x="0" y="0"/>
+          <a:ext cx="0" cy="0"/>
+          <a:chOff x="0" y="0"/>
+          <a:chExt cx="0" cy="0"/>
+        </a:xfrm>
+      </p:grpSpPr>
+      <p:sp>
+        <p:nvSpPr>
+          <p:cNvPr id="2" name="Titel 1">
+            <a:extLst>
+              <a:ext uri="{FF2B5EF4-FFF2-40B4-BE49-F238E27FC236}">
+                <a16:creationId xmlns:a16="http://schemas.microsoft.com/office/drawing/2014/main" id="{B65D7EC3-CD42-4551-8940-B2E7B1FA136C}"/>
+              </a:ext>
+            </a:extLst>
+          </p:cNvPr>
+          <p:cNvSpPr>
+            <a:spLocks noGrp="1"/>
+          </p:cNvSpPr>
+          <p:nvPr>
+            <p:ph type="title"/>
+          </p:nvPr>
+        </p:nvSpPr>
+        <p:spPr/>
+        <p:txBody>
+          <a:bodyPr/>
+          <a:lstStyle/>
+          <a:p>
+            <a:r>
+              <a:rPr lang="de-DE"/>
+              <a:t>Solution 1</a:t>
+            </a:r>
+            <a:endParaRPr lang="de-DE" dirty="0"/>
+          </a:p>
+        </p:txBody>
+      </p:sp>
+      <p:sp>
+        <p:nvSpPr>
+          <p:cNvPr id="4" name="Content Placeholder 3">
+            <a:extLst>
+              <a:ext uri="{FF2B5EF4-FFF2-40B4-BE49-F238E27FC236}">
+                <a16:creationId xmlns:a16="http://schemas.microsoft.com/office/drawing/2014/main" id="{2BF5D699-940E-4DE9-8183-FAB1BE315652}"/>
+              </a:ext>
+            </a:extLst>
+          </p:cNvPr>
+          <p:cNvSpPr>
+            <a:spLocks noGrp="1"/>
+          </p:cNvSpPr>
+          <p:nvPr>
+            <p:ph idx="1"/>
+          </p:nvPr>
+        </p:nvSpPr>
+        <p:spPr/>
+        <p:txBody>
+          <a:bodyPr/>
+          <a:lstStyle/>
+          <a:p>
+            <a:pPr marL="0" indent="0">
+              <a:buNone/>
+            </a:pPr>
+            <a:r>
+              <a:rPr lang="de-DE" dirty="0" err="1"/>
+              <a:t>Deployment</a:t>
+            </a:r>
+            <a:r>
+              <a:rPr lang="de-DE" dirty="0"/>
+              <a:t> via .</a:t>
+            </a:r>
+            <a:r>
+              <a:rPr lang="de-DE" dirty="0" err="1"/>
+              <a:t>zip</a:t>
+            </a:r>
+            <a:r>
+              <a:rPr lang="de-DE" dirty="0"/>
+              <a:t> link:</a:t>
+            </a:r>
+          </a:p>
+          <a:p>
+            <a:pPr marL="0" indent="0">
+              <a:buNone/>
+            </a:pPr>
+            <a:endParaRPr lang="de-DE" dirty="0"/>
+          </a:p>
+          <a:p>
+            <a:pPr marL="457200" lvl="1" indent="0">
+              <a:buNone/>
+            </a:pPr>
+            <a:r>
+              <a:rPr lang="de-DE" dirty="0"/>
+              <a:t>1) Installation of Docker and Docker </a:t>
+            </a:r>
+            <a:r>
+              <a:rPr lang="de-DE" dirty="0" err="1"/>
+              <a:t>Compose</a:t>
+            </a:r>
+            <a:r>
+              <a:rPr lang="de-DE" dirty="0"/>
+              <a:t> SSH </a:t>
+            </a:r>
+            <a:r>
+              <a:rPr lang="de-DE" dirty="0" err="1"/>
+              <a:t>to</a:t>
+            </a:r>
+            <a:r>
+              <a:rPr lang="de-DE" dirty="0"/>
+              <a:t> </a:t>
+            </a:r>
+            <a:r>
+              <a:rPr lang="de-DE" dirty="0" err="1"/>
+              <a:t>access</a:t>
+            </a:r>
+            <a:r>
+              <a:rPr lang="de-DE" dirty="0"/>
+              <a:t> EC2 </a:t>
+            </a:r>
+            <a:r>
+              <a:rPr lang="de-DE" dirty="0" err="1"/>
+              <a:t>instance</a:t>
+            </a:r>
+            <a:endParaRPr lang="de-DE" dirty="0"/>
+          </a:p>
+          <a:p>
+            <a:pPr lvl="1"/>
+            <a:r>
+              <a:rPr lang="de-DE" dirty="0"/>
+              <a:t>Installation of Docker and Docker </a:t>
+            </a:r>
+            <a:r>
+              <a:rPr lang="de-DE" dirty="0" err="1"/>
+              <a:t>Compose</a:t>
+            </a:r>
+            <a:r>
+              <a:rPr lang="de-DE" dirty="0"/>
+              <a:t> on EC2</a:t>
+            </a:r>
+          </a:p>
+          <a:p>
+            <a:pPr lvl="1"/>
+            <a:r>
+              <a:rPr lang="de-DE" dirty="0"/>
+              <a:t>Upload of </a:t>
+            </a:r>
+            <a:r>
+              <a:rPr lang="de-DE" dirty="0" err="1"/>
+              <a:t>application</a:t>
+            </a:r>
+            <a:r>
+              <a:rPr lang="de-DE" dirty="0"/>
+              <a:t> via .</a:t>
+            </a:r>
+            <a:r>
+              <a:rPr lang="de-DE" dirty="0" err="1"/>
+              <a:t>zip</a:t>
+            </a:r>
+            <a:r>
+              <a:rPr lang="de-DE" dirty="0"/>
+              <a:t> link </a:t>
+            </a:r>
+            <a:r>
+              <a:rPr lang="de-DE" dirty="0" err="1"/>
+              <a:t>from</a:t>
+            </a:r>
+            <a:r>
+              <a:rPr lang="de-DE" dirty="0"/>
+              <a:t> GitHub Repo </a:t>
+            </a:r>
+            <a:r>
+              <a:rPr lang="de-DE" dirty="0" err="1"/>
+              <a:t>to</a:t>
+            </a:r>
+            <a:r>
+              <a:rPr lang="de-DE" dirty="0"/>
+              <a:t> EC2</a:t>
+            </a:r>
+          </a:p>
+          <a:p>
+            <a:pPr lvl="1"/>
+            <a:r>
+              <a:rPr lang="de-DE" dirty="0"/>
+              <a:t>Docker-</a:t>
+            </a:r>
+            <a:r>
+              <a:rPr lang="de-DE" dirty="0" err="1"/>
+              <a:t>compose</a:t>
+            </a:r>
+            <a:r>
+              <a:rPr lang="de-DE" dirty="0"/>
+              <a:t> </a:t>
+            </a:r>
+            <a:r>
+              <a:rPr lang="de-DE" dirty="0" err="1"/>
+              <a:t>up</a:t>
+            </a:r>
+            <a:r>
+              <a:rPr lang="de-DE" dirty="0"/>
+              <a:t> on EC2</a:t>
+            </a:r>
+          </a:p>
+        </p:txBody>
+      </p:sp>
+    </p:spTree>
+    <p:extLst>
+      <p:ext uri="{BB962C8B-B14F-4D97-AF65-F5344CB8AC3E}">
+        <p14:creationId xmlns:p14="http://schemas.microsoft.com/office/powerpoint/2010/main" val="3653631288"/>
+      </p:ext>
+    </p:extLst>
+  </p:cSld>
+  <p:clrMapOvr>
+    <a:masterClrMapping/>
+  </p:clrMapOvr>
+</p:sld>
+</file>
+
+<file path=ppt/slides/slide31.xml><?xml version="1.0" encoding="utf-8"?>
 <p:sld xmlns:a="http://schemas.openxmlformats.org/drawingml/2006/main" xmlns:r="http://schemas.openxmlformats.org/officeDocument/2006/relationships" xmlns:p="http://schemas.openxmlformats.org/presentationml/2006/main" show="0">
   <p:cSld>
     <p:spTree>
@@ -21592,7 +22592,7 @@
             <a:pPr algn="ctr"/>
             <a:r>
               <a:rPr lang="de-DE"/>
-              <a:t>Push</a:t>
+              <a:t>Trigger</a:t>
             </a:r>
           </a:p>
         </p:txBody>
@@ -22105,7 +23105,7 @@
           <a:p>
             <a:r>
               <a:rPr lang="de-DE" dirty="0"/>
-              <a:t>Terraform</a:t>
+              <a:t>GitHub Actions</a:t>
             </a:r>
           </a:p>
         </p:txBody>
@@ -22922,8 +23922,8 @@
         </p:nvSpPr>
         <p:spPr>
           <a:xfrm>
-            <a:off x="763327" y="3886229"/>
-            <a:ext cx="10122009" cy="2248483"/>
+            <a:off x="2671638" y="1690688"/>
+            <a:ext cx="7967207" cy="2131980"/>
           </a:xfrm>
           <a:prstGeom prst="rect">
             <a:avLst/>
@@ -22962,66 +23962,12 @@
           </a:p>
         </p:txBody>
       </p:sp>
-      <p:sp>
-        <p:nvSpPr>
-          <p:cNvPr id="22" name="Rechteck 21">
-            <a:extLst>
-              <a:ext uri="{FF2B5EF4-FFF2-40B4-BE49-F238E27FC236}">
-                <a16:creationId xmlns:a16="http://schemas.microsoft.com/office/drawing/2014/main" id="{814D3013-1923-2DCD-A95E-6FA7FDC431EF}"/>
-              </a:ext>
-            </a:extLst>
-          </p:cNvPr>
-          <p:cNvSpPr/>
-          <p:nvPr/>
-        </p:nvSpPr>
-        <p:spPr>
-          <a:xfrm>
-            <a:off x="6844369" y="1846038"/>
-            <a:ext cx="3901927" cy="2040191"/>
-          </a:xfrm>
-          <a:prstGeom prst="rect">
-            <a:avLst/>
-          </a:prstGeom>
-          <a:solidFill>
-            <a:schemeClr val="bg1">
-              <a:alpha val="66000"/>
-            </a:schemeClr>
-          </a:solidFill>
-          <a:ln>
-            <a:noFill/>
-          </a:ln>
-        </p:spPr>
-        <p:style>
-          <a:lnRef idx="2">
-            <a:schemeClr val="accent1">
-              <a:shade val="50000"/>
-            </a:schemeClr>
-          </a:lnRef>
-          <a:fillRef idx="1">
-            <a:schemeClr val="accent1"/>
-          </a:fillRef>
-          <a:effectRef idx="0">
-            <a:schemeClr val="accent1"/>
-          </a:effectRef>
-          <a:fontRef idx="minor">
-            <a:schemeClr val="lt1"/>
-          </a:fontRef>
-        </p:style>
-        <p:txBody>
-          <a:bodyPr rtlCol="0" anchor="ctr"/>
-          <a:lstStyle/>
-          <a:p>
-            <a:pPr algn="ctr"/>
-            <a:endParaRPr lang="de-DE"/>
-          </a:p>
-        </p:txBody>
-      </p:sp>
       <p:pic>
         <p:nvPicPr>
-          <p:cNvPr id="23" name="Picture 4">
-            <a:extLst>
-              <a:ext uri="{FF2B5EF4-FFF2-40B4-BE49-F238E27FC236}">
-                <a16:creationId xmlns:a16="http://schemas.microsoft.com/office/drawing/2014/main" id="{C4ABF16F-8FF6-B4B3-DF9B-9E021A162473}"/>
+          <p:cNvPr id="12" name="Grafik 11">
+            <a:extLst>
+              <a:ext uri="{FF2B5EF4-FFF2-40B4-BE49-F238E27FC236}">
+                <a16:creationId xmlns:a16="http://schemas.microsoft.com/office/drawing/2014/main" id="{24BDEA68-AAE7-7503-7A11-827F1DC471CE}"/>
               </a:ext>
             </a:extLst>
           </p:cNvPr>
@@ -23031,15 +23977,24 @@
           <p:nvPr/>
         </p:nvPicPr>
         <p:blipFill>
-          <a:blip r:embed="rId3"/>
+          <a:blip r:embed="rId5">
+            <a:extLst>
+              <a:ext uri="{28A0092B-C50C-407E-A947-70E740481C1C}">
+                <a14:useLocalDpi xmlns:a14="http://schemas.microsoft.com/office/drawing/2010/main" val="0"/>
+              </a:ext>
+              <a:ext uri="{96DAC541-7B7A-43D3-8B79-37D633B846F1}">
+                <asvg:svgBlip xmlns:asvg="http://schemas.microsoft.com/office/drawing/2016/SVG/main" r:embed="rId6"/>
+              </a:ext>
+            </a:extLst>
+          </a:blip>
           <a:stretch>
             <a:fillRect/>
           </a:stretch>
         </p:blipFill>
         <p:spPr>
           <a:xfrm>
-            <a:off x="10274650" y="417951"/>
-            <a:ext cx="1079150" cy="1219909"/>
+            <a:off x="10329516" y="475933"/>
+            <a:ext cx="1024284" cy="1024284"/>
           </a:xfrm>
           <a:prstGeom prst="rect">
             <a:avLst/>
@@ -23049,7 +24004,7 @@
     </p:spTree>
     <p:extLst>
       <p:ext uri="{BB962C8B-B14F-4D97-AF65-F5344CB8AC3E}">
-        <p14:creationId xmlns:p14="http://schemas.microsoft.com/office/powerpoint/2010/main" val="1491844683"/>
+        <p14:creationId xmlns:p14="http://schemas.microsoft.com/office/powerpoint/2010/main" val="3887493386"/>
       </p:ext>
     </p:extLst>
   </p:cSld>

--- a/Project Presentation.pptx
+++ b/Project Presentation.pptx
@@ -6,7 +6,7 @@
     <p:sldMasterId id="2147483660" r:id="rId2"/>
   </p:sldMasterIdLst>
   <p:notesMasterIdLst>
-    <p:notesMasterId r:id="rId34"/>
+    <p:notesMasterId r:id="rId35"/>
   </p:notesMasterIdLst>
   <p:sldIdLst>
     <p:sldId id="256" r:id="rId3"/>
@@ -36,10 +36,11 @@
     <p:sldId id="302" r:id="rId27"/>
     <p:sldId id="324" r:id="rId28"/>
     <p:sldId id="319" r:id="rId29"/>
-    <p:sldId id="323" r:id="rId30"/>
-    <p:sldId id="320" r:id="rId31"/>
-    <p:sldId id="300" r:id="rId32"/>
-    <p:sldId id="303" r:id="rId33"/>
+    <p:sldId id="326" r:id="rId30"/>
+    <p:sldId id="323" r:id="rId31"/>
+    <p:sldId id="320" r:id="rId32"/>
+    <p:sldId id="300" r:id="rId33"/>
+    <p:sldId id="303" r:id="rId34"/>
   </p:sldIdLst>
   <p:sldSz cx="12192000" cy="6858000"/>
   <p:notesSz cx="6858000" cy="9144000"/>
@@ -228,7 +229,7 @@
           <a:p>
             <a:fld id="{1F1BAD5C-F1F8-43FF-B1E4-442C6F91B49A}" type="datetimeFigureOut">
               <a:rPr lang="de-DE" smtClean="0"/>
-              <a:t>13.05.2022</a:t>
+              <a:t>16.05.2022</a:t>
             </a:fld>
             <a:endParaRPr lang="de-DE"/>
           </a:p>
@@ -386,7 +387,7 @@
           <a:p>
             <a:fld id="{5976870D-EDE0-4065-9108-FF08285B4E25}" type="slidenum">
               <a:rPr lang="de-DE" smtClean="0"/>
-              <a:t>‹#›</a:t>
+              <a:t>‹Nr.›</a:t>
             </a:fld>
             <a:endParaRPr lang="de-DE"/>
           </a:p>
@@ -820,7 +821,7 @@
           <a:p>
             <a:fld id="{5976870D-EDE0-4065-9108-FF08285B4E25}" type="slidenum">
               <a:rPr lang="de-DE" smtClean="0"/>
-              <a:t>29</a:t>
+              <a:t>30</a:t>
             </a:fld>
             <a:endParaRPr lang="de-DE"/>
           </a:p>
@@ -2289,7 +2290,7 @@
           <a:p>
             <a:fld id="{5976870D-EDE0-4065-9108-FF08285B4E25}" type="slidenum">
               <a:rPr lang="de-DE" smtClean="0"/>
-              <a:t>28</a:t>
+              <a:t>29</a:t>
             </a:fld>
             <a:endParaRPr lang="de-DE"/>
           </a:p>
@@ -2460,7 +2461,7 @@
           <a:p>
             <a:fld id="{C8735BCC-3E06-4614-A9C9-2FA5849F9F0F}" type="datetimeFigureOut">
               <a:rPr lang="de-DE" smtClean="0"/>
-              <a:t>13.05.2022</a:t>
+              <a:t>16.05.2022</a:t>
             </a:fld>
             <a:endParaRPr lang="de-DE"/>
           </a:p>
@@ -2517,7 +2518,7 @@
           <a:p>
             <a:fld id="{B82E1514-0941-4E58-8ADF-3E33D2A7C7AA}" type="slidenum">
               <a:rPr lang="de-DE" smtClean="0"/>
-              <a:t>‹#›</a:t>
+              <a:t>‹Nr.›</a:t>
             </a:fld>
             <a:endParaRPr lang="de-DE"/>
           </a:p>
@@ -2661,7 +2662,7 @@
           <a:p>
             <a:fld id="{C8735BCC-3E06-4614-A9C9-2FA5849F9F0F}" type="datetimeFigureOut">
               <a:rPr lang="de-DE" smtClean="0"/>
-              <a:t>13.05.2022</a:t>
+              <a:t>16.05.2022</a:t>
             </a:fld>
             <a:endParaRPr lang="de-DE"/>
           </a:p>
@@ -2715,7 +2716,7 @@
           <a:p>
             <a:fld id="{B82E1514-0941-4E58-8ADF-3E33D2A7C7AA}" type="slidenum">
               <a:rPr lang="de-DE" smtClean="0"/>
-              <a:t>‹#›</a:t>
+              <a:t>‹Nr.›</a:t>
             </a:fld>
             <a:endParaRPr lang="de-DE"/>
           </a:p>
@@ -2869,7 +2870,7 @@
           <a:p>
             <a:fld id="{C8735BCC-3E06-4614-A9C9-2FA5849F9F0F}" type="datetimeFigureOut">
               <a:rPr lang="de-DE" smtClean="0"/>
-              <a:t>13.05.2022</a:t>
+              <a:t>16.05.2022</a:t>
             </a:fld>
             <a:endParaRPr lang="de-DE"/>
           </a:p>
@@ -2923,7 +2924,7 @@
           <a:p>
             <a:fld id="{B82E1514-0941-4E58-8ADF-3E33D2A7C7AA}" type="slidenum">
               <a:rPr lang="de-DE" smtClean="0"/>
-              <a:t>‹#›</a:t>
+              <a:t>‹Nr.›</a:t>
             </a:fld>
             <a:endParaRPr lang="de-DE"/>
           </a:p>
@@ -3073,7 +3074,7 @@
           <a:p>
             <a:fld id="{C8735BCC-3E06-4614-A9C9-2FA5849F9F0F}" type="datetimeFigureOut">
               <a:rPr lang="de-DE" smtClean="0"/>
-              <a:t>13.05.2022</a:t>
+              <a:t>16.05.2022</a:t>
             </a:fld>
             <a:endParaRPr lang="de-DE"/>
           </a:p>
@@ -3115,7 +3116,7 @@
           <a:p>
             <a:fld id="{B82E1514-0941-4E58-8ADF-3E33D2A7C7AA}" type="slidenum">
               <a:rPr lang="de-DE" smtClean="0"/>
-              <a:t>‹#›</a:t>
+              <a:t>‹Nr.›</a:t>
             </a:fld>
             <a:endParaRPr lang="de-DE"/>
           </a:p>
@@ -3243,7 +3244,7 @@
           <a:p>
             <a:fld id="{C8735BCC-3E06-4614-A9C9-2FA5849F9F0F}" type="datetimeFigureOut">
               <a:rPr lang="de-DE" smtClean="0"/>
-              <a:t>13.05.2022</a:t>
+              <a:t>16.05.2022</a:t>
             </a:fld>
             <a:endParaRPr lang="de-DE"/>
           </a:p>
@@ -3285,7 +3286,7 @@
           <a:p>
             <a:fld id="{B82E1514-0941-4E58-8ADF-3E33D2A7C7AA}" type="slidenum">
               <a:rPr lang="de-DE" smtClean="0"/>
-              <a:t>‹#›</a:t>
+              <a:t>‹Nr.›</a:t>
             </a:fld>
             <a:endParaRPr lang="de-DE"/>
           </a:p>
@@ -3489,7 +3490,7 @@
           <a:p>
             <a:fld id="{C8735BCC-3E06-4614-A9C9-2FA5849F9F0F}" type="datetimeFigureOut">
               <a:rPr lang="de-DE" smtClean="0"/>
-              <a:t>13.05.2022</a:t>
+              <a:t>16.05.2022</a:t>
             </a:fld>
             <a:endParaRPr lang="de-DE"/>
           </a:p>
@@ -3531,7 +3532,7 @@
           <a:p>
             <a:fld id="{B82E1514-0941-4E58-8ADF-3E33D2A7C7AA}" type="slidenum">
               <a:rPr lang="de-DE" smtClean="0"/>
-              <a:t>‹#›</a:t>
+              <a:t>‹Nr.›</a:t>
             </a:fld>
             <a:endParaRPr lang="de-DE"/>
           </a:p>
@@ -3721,7 +3722,7 @@
           <a:p>
             <a:fld id="{C8735BCC-3E06-4614-A9C9-2FA5849F9F0F}" type="datetimeFigureOut">
               <a:rPr lang="de-DE" smtClean="0"/>
-              <a:t>13.05.2022</a:t>
+              <a:t>16.05.2022</a:t>
             </a:fld>
             <a:endParaRPr lang="de-DE"/>
           </a:p>
@@ -3763,7 +3764,7 @@
           <a:p>
             <a:fld id="{B82E1514-0941-4E58-8ADF-3E33D2A7C7AA}" type="slidenum">
               <a:rPr lang="de-DE" smtClean="0"/>
-              <a:t>‹#›</a:t>
+              <a:t>‹Nr.›</a:t>
             </a:fld>
             <a:endParaRPr lang="de-DE"/>
           </a:p>
@@ -4088,7 +4089,7 @@
           <a:p>
             <a:fld id="{C8735BCC-3E06-4614-A9C9-2FA5849F9F0F}" type="datetimeFigureOut">
               <a:rPr lang="de-DE" smtClean="0"/>
-              <a:t>13.05.2022</a:t>
+              <a:t>16.05.2022</a:t>
             </a:fld>
             <a:endParaRPr lang="de-DE"/>
           </a:p>
@@ -4130,7 +4131,7 @@
           <a:p>
             <a:fld id="{B82E1514-0941-4E58-8ADF-3E33D2A7C7AA}" type="slidenum">
               <a:rPr lang="de-DE" smtClean="0"/>
-              <a:t>‹#›</a:t>
+              <a:t>‹Nr.›</a:t>
             </a:fld>
             <a:endParaRPr lang="de-DE"/>
           </a:p>
@@ -4206,7 +4207,7 @@
           <a:p>
             <a:fld id="{C8735BCC-3E06-4614-A9C9-2FA5849F9F0F}" type="datetimeFigureOut">
               <a:rPr lang="de-DE" smtClean="0"/>
-              <a:t>13.05.2022</a:t>
+              <a:t>16.05.2022</a:t>
             </a:fld>
             <a:endParaRPr lang="de-DE"/>
           </a:p>
@@ -4248,7 +4249,7 @@
           <a:p>
             <a:fld id="{B82E1514-0941-4E58-8ADF-3E33D2A7C7AA}" type="slidenum">
               <a:rPr lang="de-DE" smtClean="0"/>
-              <a:t>‹#›</a:t>
+              <a:t>‹Nr.›</a:t>
             </a:fld>
             <a:endParaRPr lang="de-DE"/>
           </a:p>
@@ -4301,7 +4302,7 @@
           <a:p>
             <a:fld id="{C8735BCC-3E06-4614-A9C9-2FA5849F9F0F}" type="datetimeFigureOut">
               <a:rPr lang="de-DE" smtClean="0"/>
-              <a:t>13.05.2022</a:t>
+              <a:t>16.05.2022</a:t>
             </a:fld>
             <a:endParaRPr lang="de-DE"/>
           </a:p>
@@ -4343,7 +4344,7 @@
           <a:p>
             <a:fld id="{B82E1514-0941-4E58-8ADF-3E33D2A7C7AA}" type="slidenum">
               <a:rPr lang="de-DE" smtClean="0"/>
-              <a:t>‹#›</a:t>
+              <a:t>‹Nr.›</a:t>
             </a:fld>
             <a:endParaRPr lang="de-DE"/>
           </a:p>
@@ -4578,7 +4579,7 @@
           <a:p>
             <a:fld id="{C8735BCC-3E06-4614-A9C9-2FA5849F9F0F}" type="datetimeFigureOut">
               <a:rPr lang="de-DE" smtClean="0"/>
-              <a:t>13.05.2022</a:t>
+              <a:t>16.05.2022</a:t>
             </a:fld>
             <a:endParaRPr lang="de-DE"/>
           </a:p>
@@ -4620,7 +4621,7 @@
           <a:p>
             <a:fld id="{B82E1514-0941-4E58-8ADF-3E33D2A7C7AA}" type="slidenum">
               <a:rPr lang="de-DE" smtClean="0"/>
-              <a:t>‹#›</a:t>
+              <a:t>‹Nr.›</a:t>
             </a:fld>
             <a:endParaRPr lang="de-DE"/>
           </a:p>
@@ -4824,7 +4825,7 @@
             <a:fld id="{C8735BCC-3E06-4614-A9C9-2FA5849F9F0F}" type="datetimeFigureOut">
               <a:rPr lang="de-DE" smtClean="0"/>
               <a:pPr/>
-              <a:t>13.05.2022</a:t>
+              <a:t>16.05.2022</a:t>
             </a:fld>
             <a:endParaRPr lang="de-DE"/>
           </a:p>
@@ -4899,7 +4900,7 @@
             <a:fld id="{B82E1514-0941-4E58-8ADF-3E33D2A7C7AA}" type="slidenum">
               <a:rPr lang="de-DE" smtClean="0"/>
               <a:pPr/>
-              <a:t>‹#›</a:t>
+              <a:t>‹Nr.›</a:t>
             </a:fld>
             <a:endParaRPr lang="de-DE"/>
           </a:p>
@@ -5114,7 +5115,7 @@
           <a:p>
             <a:fld id="{C8735BCC-3E06-4614-A9C9-2FA5849F9F0F}" type="datetimeFigureOut">
               <a:rPr lang="de-DE" smtClean="0"/>
-              <a:t>13.05.2022</a:t>
+              <a:t>16.05.2022</a:t>
             </a:fld>
             <a:endParaRPr lang="de-DE"/>
           </a:p>
@@ -5156,7 +5157,7 @@
           <a:p>
             <a:fld id="{B82E1514-0941-4E58-8ADF-3E33D2A7C7AA}" type="slidenum">
               <a:rPr lang="de-DE" smtClean="0"/>
-              <a:t>‹#›</a:t>
+              <a:t>‹Nr.›</a:t>
             </a:fld>
             <a:endParaRPr lang="de-DE"/>
           </a:p>
@@ -5284,7 +5285,7 @@
           <a:p>
             <a:fld id="{C8735BCC-3E06-4614-A9C9-2FA5849F9F0F}" type="datetimeFigureOut">
               <a:rPr lang="de-DE" smtClean="0"/>
-              <a:t>13.05.2022</a:t>
+              <a:t>16.05.2022</a:t>
             </a:fld>
             <a:endParaRPr lang="de-DE"/>
           </a:p>
@@ -5326,7 +5327,7 @@
           <a:p>
             <a:fld id="{B82E1514-0941-4E58-8ADF-3E33D2A7C7AA}" type="slidenum">
               <a:rPr lang="de-DE" smtClean="0"/>
-              <a:t>‹#›</a:t>
+              <a:t>‹Nr.›</a:t>
             </a:fld>
             <a:endParaRPr lang="de-DE"/>
           </a:p>
@@ -5464,7 +5465,7 @@
           <a:p>
             <a:fld id="{C8735BCC-3E06-4614-A9C9-2FA5849F9F0F}" type="datetimeFigureOut">
               <a:rPr lang="de-DE" smtClean="0"/>
-              <a:t>13.05.2022</a:t>
+              <a:t>16.05.2022</a:t>
             </a:fld>
             <a:endParaRPr lang="de-DE"/>
           </a:p>
@@ -5506,7 +5507,7 @@
           <a:p>
             <a:fld id="{B82E1514-0941-4E58-8ADF-3E33D2A7C7AA}" type="slidenum">
               <a:rPr lang="de-DE" smtClean="0"/>
-              <a:t>‹#›</a:t>
+              <a:t>‹Nr.›</a:t>
             </a:fld>
             <a:endParaRPr lang="de-DE"/>
           </a:p>
@@ -5727,7 +5728,7 @@
           <a:p>
             <a:fld id="{C8735BCC-3E06-4614-A9C9-2FA5849F9F0F}" type="datetimeFigureOut">
               <a:rPr lang="de-DE" smtClean="0"/>
-              <a:t>13.05.2022</a:t>
+              <a:t>16.05.2022</a:t>
             </a:fld>
             <a:endParaRPr lang="de-DE"/>
           </a:p>
@@ -5784,7 +5785,7 @@
           <a:p>
             <a:fld id="{B82E1514-0941-4E58-8ADF-3E33D2A7C7AA}" type="slidenum">
               <a:rPr lang="de-DE" smtClean="0"/>
-              <a:t>‹#›</a:t>
+              <a:t>‹Nr.›</a:t>
             </a:fld>
             <a:endParaRPr lang="de-DE"/>
           </a:p>
@@ -5995,7 +5996,7 @@
           <a:p>
             <a:fld id="{C8735BCC-3E06-4614-A9C9-2FA5849F9F0F}" type="datetimeFigureOut">
               <a:rPr lang="de-DE" smtClean="0"/>
-              <a:t>13.05.2022</a:t>
+              <a:t>16.05.2022</a:t>
             </a:fld>
             <a:endParaRPr lang="de-DE"/>
           </a:p>
@@ -6052,7 +6053,7 @@
           <a:p>
             <a:fld id="{B82E1514-0941-4E58-8ADF-3E33D2A7C7AA}" type="slidenum">
               <a:rPr lang="de-DE" smtClean="0"/>
-              <a:t>‹#›</a:t>
+              <a:t>‹Nr.›</a:t>
             </a:fld>
             <a:endParaRPr lang="de-DE"/>
           </a:p>
@@ -6410,7 +6411,7 @@
           <a:p>
             <a:fld id="{C8735BCC-3E06-4614-A9C9-2FA5849F9F0F}" type="datetimeFigureOut">
               <a:rPr lang="de-DE" smtClean="0"/>
-              <a:t>13.05.2022</a:t>
+              <a:t>16.05.2022</a:t>
             </a:fld>
             <a:endParaRPr lang="de-DE"/>
           </a:p>
@@ -6464,7 +6465,7 @@
           <a:p>
             <a:fld id="{B82E1514-0941-4E58-8ADF-3E33D2A7C7AA}" type="slidenum">
               <a:rPr lang="de-DE" smtClean="0"/>
-              <a:t>‹#›</a:t>
+              <a:t>‹Nr.›</a:t>
             </a:fld>
             <a:endParaRPr lang="de-DE"/>
           </a:p>
@@ -6551,7 +6552,7 @@
           <a:p>
             <a:fld id="{C8735BCC-3E06-4614-A9C9-2FA5849F9F0F}" type="datetimeFigureOut">
               <a:rPr lang="de-DE" smtClean="0"/>
-              <a:t>13.05.2022</a:t>
+              <a:t>16.05.2022</a:t>
             </a:fld>
             <a:endParaRPr lang="de-DE"/>
           </a:p>
@@ -6605,7 +6606,7 @@
           <a:p>
             <a:fld id="{B82E1514-0941-4E58-8ADF-3E33D2A7C7AA}" type="slidenum">
               <a:rPr lang="de-DE" smtClean="0"/>
-              <a:t>‹#›</a:t>
+              <a:t>‹Nr.›</a:t>
             </a:fld>
             <a:endParaRPr lang="de-DE"/>
           </a:p>
@@ -6664,7 +6665,7 @@
           <a:p>
             <a:fld id="{C8735BCC-3E06-4614-A9C9-2FA5849F9F0F}" type="datetimeFigureOut">
               <a:rPr lang="de-DE" smtClean="0"/>
-              <a:t>13.05.2022</a:t>
+              <a:t>16.05.2022</a:t>
             </a:fld>
             <a:endParaRPr lang="de-DE"/>
           </a:p>
@@ -6718,7 +6719,7 @@
           <a:p>
             <a:fld id="{B82E1514-0941-4E58-8ADF-3E33D2A7C7AA}" type="slidenum">
               <a:rPr lang="de-DE" smtClean="0"/>
-              <a:t>‹#›</a:t>
+              <a:t>‹Nr.›</a:t>
             </a:fld>
             <a:endParaRPr lang="de-DE"/>
           </a:p>
@@ -6975,7 +6976,7 @@
           <a:p>
             <a:fld id="{C8735BCC-3E06-4614-A9C9-2FA5849F9F0F}" type="datetimeFigureOut">
               <a:rPr lang="de-DE" smtClean="0"/>
-              <a:t>13.05.2022</a:t>
+              <a:t>16.05.2022</a:t>
             </a:fld>
             <a:endParaRPr lang="de-DE"/>
           </a:p>
@@ -7029,7 +7030,7 @@
           <a:p>
             <a:fld id="{B82E1514-0941-4E58-8ADF-3E33D2A7C7AA}" type="slidenum">
               <a:rPr lang="de-DE" smtClean="0"/>
-              <a:t>‹#›</a:t>
+              <a:t>‹Nr.›</a:t>
             </a:fld>
             <a:endParaRPr lang="de-DE"/>
           </a:p>
@@ -7263,7 +7264,7 @@
           <a:p>
             <a:fld id="{C8735BCC-3E06-4614-A9C9-2FA5849F9F0F}" type="datetimeFigureOut">
               <a:rPr lang="de-DE" smtClean="0"/>
-              <a:t>13.05.2022</a:t>
+              <a:t>16.05.2022</a:t>
             </a:fld>
             <a:endParaRPr lang="de-DE"/>
           </a:p>
@@ -7317,7 +7318,7 @@
           <a:p>
             <a:fld id="{B82E1514-0941-4E58-8ADF-3E33D2A7C7AA}" type="slidenum">
               <a:rPr lang="de-DE" smtClean="0"/>
-              <a:t>‹#›</a:t>
+              <a:t>‹Nr.›</a:t>
             </a:fld>
             <a:endParaRPr lang="de-DE"/>
           </a:p>
@@ -7504,7 +7505,7 @@
           <a:p>
             <a:fld id="{C8735BCC-3E06-4614-A9C9-2FA5849F9F0F}" type="datetimeFigureOut">
               <a:rPr lang="de-DE" smtClean="0"/>
-              <a:t>13.05.2022</a:t>
+              <a:t>16.05.2022</a:t>
             </a:fld>
             <a:endParaRPr lang="de-DE"/>
           </a:p>
@@ -7594,7 +7595,7 @@
           <a:p>
             <a:fld id="{B82E1514-0941-4E58-8ADF-3E33D2A7C7AA}" type="slidenum">
               <a:rPr lang="de-DE" smtClean="0"/>
-              <a:t>‹#›</a:t>
+              <a:t>‹Nr.›</a:t>
             </a:fld>
             <a:endParaRPr lang="de-DE"/>
           </a:p>
@@ -8056,7 +8057,7 @@
           <a:p>
             <a:fld id="{C8735BCC-3E06-4614-A9C9-2FA5849F9F0F}" type="datetimeFigureOut">
               <a:rPr lang="de-DE" smtClean="0"/>
-              <a:t>13.05.2022</a:t>
+              <a:t>16.05.2022</a:t>
             </a:fld>
             <a:endParaRPr lang="de-DE"/>
           </a:p>
@@ -8134,7 +8135,7 @@
           <a:p>
             <a:fld id="{B82E1514-0941-4E58-8ADF-3E33D2A7C7AA}" type="slidenum">
               <a:rPr lang="de-DE" smtClean="0"/>
-              <a:t>‹#›</a:t>
+              <a:t>‹Nr.›</a:t>
             </a:fld>
             <a:endParaRPr lang="de-DE"/>
           </a:p>
@@ -9555,7 +9556,7 @@
         </p:blipFill>
         <p:spPr>
           <a:xfrm>
-            <a:off x="10274650" y="417951"/>
+            <a:off x="10274650" y="410000"/>
             <a:ext cx="1079150" cy="1219909"/>
           </a:xfrm>
           <a:prstGeom prst="rect">
@@ -10702,7 +10703,7 @@
         </p:blipFill>
         <p:spPr>
           <a:xfrm>
-            <a:off x="9491753" y="457654"/>
+            <a:off x="9491753" y="449702"/>
             <a:ext cx="1862047" cy="1140504"/>
           </a:xfrm>
           <a:prstGeom prst="rect">
@@ -16142,7 +16143,7 @@
           <a:p>
             <a:r>
               <a:rPr lang="de-DE" dirty="0"/>
-              <a:t>Possible </a:t>
+              <a:t>Challenges &amp; </a:t>
             </a:r>
             <a:r>
               <a:rPr lang="de-DE" dirty="0" err="1"/>
@@ -16191,6 +16192,830 @@
 </file>
 
 <file path=ppt/slides/slide28.xml><?xml version="1.0" encoding="utf-8"?>
+<p:sld xmlns:a="http://schemas.openxmlformats.org/drawingml/2006/main" xmlns:r="http://schemas.openxmlformats.org/officeDocument/2006/relationships" xmlns:p="http://schemas.openxmlformats.org/presentationml/2006/main">
+  <p:cSld>
+    <p:spTree>
+      <p:nvGrpSpPr>
+        <p:cNvPr id="1" name=""/>
+        <p:cNvGrpSpPr/>
+        <p:nvPr/>
+      </p:nvGrpSpPr>
+      <p:grpSpPr>
+        <a:xfrm>
+          <a:off x="0" y="0"/>
+          <a:ext cx="0" cy="0"/>
+          <a:chOff x="0" y="0"/>
+          <a:chExt cx="0" cy="0"/>
+        </a:xfrm>
+      </p:grpSpPr>
+      <p:sp>
+        <p:nvSpPr>
+          <p:cNvPr id="2" name="Titel 1">
+            <a:extLst>
+              <a:ext uri="{FF2B5EF4-FFF2-40B4-BE49-F238E27FC236}">
+                <a16:creationId xmlns:a16="http://schemas.microsoft.com/office/drawing/2014/main" id="{6092176D-1400-A5D5-981A-F3BF62D639B7}"/>
+              </a:ext>
+            </a:extLst>
+          </p:cNvPr>
+          <p:cNvSpPr>
+            <a:spLocks noGrp="1"/>
+          </p:cNvSpPr>
+          <p:nvPr>
+            <p:ph type="title"/>
+          </p:nvPr>
+        </p:nvSpPr>
+        <p:spPr/>
+        <p:txBody>
+          <a:bodyPr/>
+          <a:lstStyle/>
+          <a:p>
+            <a:r>
+              <a:rPr lang="de-DE" dirty="0"/>
+              <a:t>Challenges</a:t>
+            </a:r>
+          </a:p>
+        </p:txBody>
+      </p:sp>
+      <p:graphicFrame>
+        <p:nvGraphicFramePr>
+          <p:cNvPr id="4" name="Tabelle 4">
+            <a:extLst>
+              <a:ext uri="{FF2B5EF4-FFF2-40B4-BE49-F238E27FC236}">
+                <a16:creationId xmlns:a16="http://schemas.microsoft.com/office/drawing/2014/main" id="{C86F06B0-8B35-CFA3-466D-DC451C0DFFA4}"/>
+              </a:ext>
+            </a:extLst>
+          </p:cNvPr>
+          <p:cNvGraphicFramePr>
+            <a:graphicFrameLocks noGrp="1"/>
+          </p:cNvGraphicFramePr>
+          <p:nvPr>
+            <p:ph idx="1"/>
+            <p:extLst>
+              <p:ext uri="{D42A27DB-BD31-4B8C-83A1-F6EECF244321}">
+                <p14:modId xmlns:p14="http://schemas.microsoft.com/office/powerpoint/2010/main" val="1068812017"/>
+              </p:ext>
+            </p:extLst>
+          </p:nvPr>
+        </p:nvGraphicFramePr>
+        <p:xfrm>
+          <a:off x="838197" y="2345635"/>
+          <a:ext cx="10515597" cy="2701056"/>
+        </p:xfrm>
+        <a:graphic>
+          <a:graphicData uri="http://schemas.openxmlformats.org/drawingml/2006/table">
+            <a:tbl>
+              <a:tblPr firstRow="1" bandRow="1">
+                <a:tableStyleId>{2D5ABB26-0587-4C30-8999-92F81FD0307C}</a:tableStyleId>
+              </a:tblPr>
+              <a:tblGrid>
+                <a:gridCol w="3505199">
+                  <a:extLst>
+                    <a:ext uri="{9D8B030D-6E8A-4147-A177-3AD203B41FA5}">
+                      <a16:colId xmlns:a16="http://schemas.microsoft.com/office/drawing/2014/main" val="3592780068"/>
+                    </a:ext>
+                  </a:extLst>
+                </a:gridCol>
+                <a:gridCol w="3505199">
+                  <a:extLst>
+                    <a:ext uri="{9D8B030D-6E8A-4147-A177-3AD203B41FA5}">
+                      <a16:colId xmlns:a16="http://schemas.microsoft.com/office/drawing/2014/main" val="2379554404"/>
+                    </a:ext>
+                  </a:extLst>
+                </a:gridCol>
+                <a:gridCol w="3505199">
+                  <a:extLst>
+                    <a:ext uri="{9D8B030D-6E8A-4147-A177-3AD203B41FA5}">
+                      <a16:colId xmlns:a16="http://schemas.microsoft.com/office/drawing/2014/main" val="2720965873"/>
+                    </a:ext>
+                  </a:extLst>
+                </a:gridCol>
+              </a:tblGrid>
+              <a:tr h="900352">
+                <a:tc>
+                  <a:txBody>
+                    <a:bodyPr/>
+                    <a:lstStyle/>
+                    <a:p>
+                      <a:pPr algn="ctr"/>
+                      <a:endParaRPr lang="de-DE" sz="2000" dirty="0">
+                        <a:latin typeface="+mj-lt"/>
+                      </a:endParaRPr>
+                    </a:p>
+                  </a:txBody>
+                  <a:tcPr>
+                    <a:lnL w="12700" cap="flat" cmpd="sng" algn="ctr">
+                      <a:solidFill>
+                        <a:schemeClr val="tx1"/>
+                      </a:solidFill>
+                      <a:prstDash val="solid"/>
+                      <a:round/>
+                      <a:headEnd type="none" w="med" len="med"/>
+                      <a:tailEnd type="none" w="med" len="med"/>
+                    </a:lnL>
+                    <a:lnR w="12700" cap="flat" cmpd="sng" algn="ctr">
+                      <a:solidFill>
+                        <a:schemeClr val="tx1"/>
+                      </a:solidFill>
+                      <a:prstDash val="solid"/>
+                      <a:round/>
+                      <a:headEnd type="none" w="med" len="med"/>
+                      <a:tailEnd type="none" w="med" len="med"/>
+                    </a:lnR>
+                    <a:lnT w="12700" cap="flat" cmpd="sng" algn="ctr">
+                      <a:solidFill>
+                        <a:schemeClr val="tx1"/>
+                      </a:solidFill>
+                      <a:prstDash val="solid"/>
+                      <a:round/>
+                      <a:headEnd type="none" w="med" len="med"/>
+                      <a:tailEnd type="none" w="med" len="med"/>
+                    </a:lnT>
+                    <a:lnB w="12700" cap="flat" cmpd="sng" algn="ctr">
+                      <a:solidFill>
+                        <a:schemeClr val="tx1"/>
+                      </a:solidFill>
+                      <a:prstDash val="solid"/>
+                      <a:round/>
+                      <a:headEnd type="none" w="med" len="med"/>
+                      <a:tailEnd type="none" w="med" len="med"/>
+                    </a:lnB>
+                  </a:tcPr>
+                </a:tc>
+                <a:tc>
+                  <a:txBody>
+                    <a:bodyPr/>
+                    <a:lstStyle/>
+                    <a:p>
+                      <a:pPr algn="ctr"/>
+                      <a:endParaRPr lang="de-DE" sz="2000" dirty="0">
+                        <a:latin typeface="+mj-lt"/>
+                      </a:endParaRPr>
+                    </a:p>
+                  </a:txBody>
+                  <a:tcPr>
+                    <a:lnL w="12700" cap="flat" cmpd="sng" algn="ctr">
+                      <a:solidFill>
+                        <a:schemeClr val="tx1"/>
+                      </a:solidFill>
+                      <a:prstDash val="solid"/>
+                      <a:round/>
+                      <a:headEnd type="none" w="med" len="med"/>
+                      <a:tailEnd type="none" w="med" len="med"/>
+                    </a:lnL>
+                    <a:lnR w="12700" cap="flat" cmpd="sng" algn="ctr">
+                      <a:solidFill>
+                        <a:schemeClr val="tx1"/>
+                      </a:solidFill>
+                      <a:prstDash val="solid"/>
+                      <a:round/>
+                      <a:headEnd type="none" w="med" len="med"/>
+                      <a:tailEnd type="none" w="med" len="med"/>
+                    </a:lnR>
+                    <a:lnT w="12700" cap="flat" cmpd="sng" algn="ctr">
+                      <a:solidFill>
+                        <a:schemeClr val="tx1"/>
+                      </a:solidFill>
+                      <a:prstDash val="solid"/>
+                      <a:round/>
+                      <a:headEnd type="none" w="med" len="med"/>
+                      <a:tailEnd type="none" w="med" len="med"/>
+                    </a:lnT>
+                    <a:lnB w="12700" cap="flat" cmpd="sng" algn="ctr">
+                      <a:solidFill>
+                        <a:schemeClr val="tx1"/>
+                      </a:solidFill>
+                      <a:prstDash val="solid"/>
+                      <a:round/>
+                      <a:headEnd type="none" w="med" len="med"/>
+                      <a:tailEnd type="none" w="med" len="med"/>
+                    </a:lnB>
+                  </a:tcPr>
+                </a:tc>
+                <a:tc>
+                  <a:txBody>
+                    <a:bodyPr/>
+                    <a:lstStyle/>
+                    <a:p>
+                      <a:pPr algn="ctr"/>
+                      <a:endParaRPr lang="de-DE" sz="2000" dirty="0">
+                        <a:latin typeface="+mj-lt"/>
+                      </a:endParaRPr>
+                    </a:p>
+                  </a:txBody>
+                  <a:tcPr>
+                    <a:lnL w="12700" cap="flat" cmpd="sng" algn="ctr">
+                      <a:solidFill>
+                        <a:schemeClr val="tx1"/>
+                      </a:solidFill>
+                      <a:prstDash val="solid"/>
+                      <a:round/>
+                      <a:headEnd type="none" w="med" len="med"/>
+                      <a:tailEnd type="none" w="med" len="med"/>
+                    </a:lnL>
+                    <a:lnR w="12700" cap="flat" cmpd="sng" algn="ctr">
+                      <a:solidFill>
+                        <a:schemeClr val="tx1"/>
+                      </a:solidFill>
+                      <a:prstDash val="solid"/>
+                      <a:round/>
+                      <a:headEnd type="none" w="med" len="med"/>
+                      <a:tailEnd type="none" w="med" len="med"/>
+                    </a:lnR>
+                    <a:lnT w="12700" cap="flat" cmpd="sng" algn="ctr">
+                      <a:solidFill>
+                        <a:schemeClr val="tx1"/>
+                      </a:solidFill>
+                      <a:prstDash val="solid"/>
+                      <a:round/>
+                      <a:headEnd type="none" w="med" len="med"/>
+                      <a:tailEnd type="none" w="med" len="med"/>
+                    </a:lnT>
+                    <a:lnB w="12700" cap="flat" cmpd="sng" algn="ctr">
+                      <a:solidFill>
+                        <a:schemeClr val="tx1"/>
+                      </a:solidFill>
+                      <a:prstDash val="solid"/>
+                      <a:round/>
+                      <a:headEnd type="none" w="med" len="med"/>
+                      <a:tailEnd type="none" w="med" len="med"/>
+                    </a:lnB>
+                  </a:tcPr>
+                </a:tc>
+                <a:extLst>
+                  <a:ext uri="{0D108BD9-81ED-4DB2-BD59-A6C34878D82A}">
+                    <a16:rowId xmlns:a16="http://schemas.microsoft.com/office/drawing/2014/main" val="592435258"/>
+                  </a:ext>
+                </a:extLst>
+              </a:tr>
+              <a:tr h="900352">
+                <a:tc>
+                  <a:txBody>
+                    <a:bodyPr/>
+                    <a:lstStyle/>
+                    <a:p>
+                      <a:pPr algn="ctr"/>
+                      <a:r>
+                        <a:rPr lang="de-DE" sz="2000" dirty="0">
+                          <a:latin typeface="+mj-lt"/>
+                        </a:rPr>
+                        <a:t>Terraform State</a:t>
+                      </a:r>
+                    </a:p>
+                  </a:txBody>
+                  <a:tcPr anchor="ctr">
+                    <a:lnL w="12700" cap="flat" cmpd="sng" algn="ctr">
+                      <a:solidFill>
+                        <a:schemeClr val="tx1"/>
+                      </a:solidFill>
+                      <a:prstDash val="solid"/>
+                      <a:round/>
+                      <a:headEnd type="none" w="med" len="med"/>
+                      <a:tailEnd type="none" w="med" len="med"/>
+                    </a:lnL>
+                    <a:lnR w="12700" cap="flat" cmpd="sng" algn="ctr">
+                      <a:solidFill>
+                        <a:schemeClr val="tx1"/>
+                      </a:solidFill>
+                      <a:prstDash val="solid"/>
+                      <a:round/>
+                      <a:headEnd type="none" w="med" len="med"/>
+                      <a:tailEnd type="none" w="med" len="med"/>
+                    </a:lnR>
+                    <a:lnT w="12700" cap="flat" cmpd="sng" algn="ctr">
+                      <a:solidFill>
+                        <a:schemeClr val="tx1"/>
+                      </a:solidFill>
+                      <a:prstDash val="solid"/>
+                      <a:round/>
+                      <a:headEnd type="none" w="med" len="med"/>
+                      <a:tailEnd type="none" w="med" len="med"/>
+                    </a:lnT>
+                    <a:lnB w="12700" cap="flat" cmpd="sng" algn="ctr">
+                      <a:solidFill>
+                        <a:schemeClr val="tx1"/>
+                      </a:solidFill>
+                      <a:prstDash val="solid"/>
+                      <a:round/>
+                      <a:headEnd type="none" w="med" len="med"/>
+                      <a:tailEnd type="none" w="med" len="med"/>
+                    </a:lnB>
+                  </a:tcPr>
+                </a:tc>
+                <a:tc>
+                  <a:txBody>
+                    <a:bodyPr/>
+                    <a:lstStyle/>
+                    <a:p>
+                      <a:pPr algn="ctr"/>
+                      <a:r>
+                        <a:rPr lang="de-DE" sz="2000" dirty="0" err="1">
+                          <a:latin typeface="+mj-lt"/>
+                        </a:rPr>
+                        <a:t>User_data</a:t>
+                      </a:r>
+                      <a:r>
+                        <a:rPr lang="de-DE" sz="2000" dirty="0">
+                          <a:latin typeface="+mj-lt"/>
+                        </a:rPr>
+                        <a:t>, SSH and EIP</a:t>
+                      </a:r>
+                    </a:p>
+                  </a:txBody>
+                  <a:tcPr anchor="ctr">
+                    <a:lnL w="12700" cap="flat" cmpd="sng" algn="ctr">
+                      <a:solidFill>
+                        <a:schemeClr val="tx1"/>
+                      </a:solidFill>
+                      <a:prstDash val="solid"/>
+                      <a:round/>
+                      <a:headEnd type="none" w="med" len="med"/>
+                      <a:tailEnd type="none" w="med" len="med"/>
+                    </a:lnL>
+                    <a:lnR w="12700" cap="flat" cmpd="sng" algn="ctr">
+                      <a:solidFill>
+                        <a:schemeClr val="tx1"/>
+                      </a:solidFill>
+                      <a:prstDash val="solid"/>
+                      <a:round/>
+                      <a:headEnd type="none" w="med" len="med"/>
+                      <a:tailEnd type="none" w="med" len="med"/>
+                    </a:lnR>
+                    <a:lnT w="12700" cap="flat" cmpd="sng" algn="ctr">
+                      <a:solidFill>
+                        <a:schemeClr val="tx1"/>
+                      </a:solidFill>
+                      <a:prstDash val="solid"/>
+                      <a:round/>
+                      <a:headEnd type="none" w="med" len="med"/>
+                      <a:tailEnd type="none" w="med" len="med"/>
+                    </a:lnT>
+                    <a:lnB w="12700" cap="flat" cmpd="sng" algn="ctr">
+                      <a:solidFill>
+                        <a:schemeClr val="tx1"/>
+                      </a:solidFill>
+                      <a:prstDash val="solid"/>
+                      <a:round/>
+                      <a:headEnd type="none" w="med" len="med"/>
+                      <a:tailEnd type="none" w="med" len="med"/>
+                    </a:lnB>
+                  </a:tcPr>
+                </a:tc>
+                <a:tc>
+                  <a:txBody>
+                    <a:bodyPr/>
+                    <a:lstStyle/>
+                    <a:p>
+                      <a:pPr algn="ctr"/>
+                      <a:r>
+                        <a:rPr lang="de-DE" sz="2000" dirty="0">
+                          <a:latin typeface="+mj-lt"/>
+                        </a:rPr>
+                        <a:t>Security Rules</a:t>
+                      </a:r>
+                    </a:p>
+                  </a:txBody>
+                  <a:tcPr anchor="ctr">
+                    <a:lnL w="12700" cap="flat" cmpd="sng" algn="ctr">
+                      <a:solidFill>
+                        <a:schemeClr val="tx1"/>
+                      </a:solidFill>
+                      <a:prstDash val="solid"/>
+                      <a:round/>
+                      <a:headEnd type="none" w="med" len="med"/>
+                      <a:tailEnd type="none" w="med" len="med"/>
+                    </a:lnL>
+                    <a:lnR w="12700" cap="flat" cmpd="sng" algn="ctr">
+                      <a:solidFill>
+                        <a:schemeClr val="tx1"/>
+                      </a:solidFill>
+                      <a:prstDash val="solid"/>
+                      <a:round/>
+                      <a:headEnd type="none" w="med" len="med"/>
+                      <a:tailEnd type="none" w="med" len="med"/>
+                    </a:lnR>
+                    <a:lnT w="12700" cap="flat" cmpd="sng" algn="ctr">
+                      <a:solidFill>
+                        <a:schemeClr val="tx1"/>
+                      </a:solidFill>
+                      <a:prstDash val="solid"/>
+                      <a:round/>
+                      <a:headEnd type="none" w="med" len="med"/>
+                      <a:tailEnd type="none" w="med" len="med"/>
+                    </a:lnT>
+                    <a:lnB w="12700" cap="flat" cmpd="sng" algn="ctr">
+                      <a:solidFill>
+                        <a:schemeClr val="tx1"/>
+                      </a:solidFill>
+                      <a:prstDash val="solid"/>
+                      <a:round/>
+                      <a:headEnd type="none" w="med" len="med"/>
+                      <a:tailEnd type="none" w="med" len="med"/>
+                    </a:lnB>
+                  </a:tcPr>
+                </a:tc>
+                <a:extLst>
+                  <a:ext uri="{0D108BD9-81ED-4DB2-BD59-A6C34878D82A}">
+                    <a16:rowId xmlns:a16="http://schemas.microsoft.com/office/drawing/2014/main" val="2689379650"/>
+                  </a:ext>
+                </a:extLst>
+              </a:tr>
+              <a:tr h="900352">
+                <a:tc>
+                  <a:txBody>
+                    <a:bodyPr/>
+                    <a:lstStyle/>
+                    <a:p>
+                      <a:pPr algn="ctr"/>
+                      <a:r>
+                        <a:rPr lang="de-DE" sz="2000" dirty="0">
+                          <a:solidFill>
+                            <a:srgbClr val="00B050"/>
+                          </a:solidFill>
+                        </a:rPr>
+                        <a:t>Use Terraform Remote Backend</a:t>
+                      </a:r>
+                    </a:p>
+                  </a:txBody>
+                  <a:tcPr anchor="ctr">
+                    <a:lnL w="12700" cap="flat" cmpd="sng" algn="ctr">
+                      <a:solidFill>
+                        <a:schemeClr val="tx1"/>
+                      </a:solidFill>
+                      <a:prstDash val="solid"/>
+                      <a:round/>
+                      <a:headEnd type="none" w="med" len="med"/>
+                      <a:tailEnd type="none" w="med" len="med"/>
+                    </a:lnL>
+                    <a:lnR w="12700" cap="flat" cmpd="sng" algn="ctr">
+                      <a:solidFill>
+                        <a:schemeClr val="tx1"/>
+                      </a:solidFill>
+                      <a:prstDash val="solid"/>
+                      <a:round/>
+                      <a:headEnd type="none" w="med" len="med"/>
+                      <a:tailEnd type="none" w="med" len="med"/>
+                    </a:lnR>
+                    <a:lnT w="12700" cap="flat" cmpd="sng" algn="ctr">
+                      <a:solidFill>
+                        <a:schemeClr val="tx1"/>
+                      </a:solidFill>
+                      <a:prstDash val="solid"/>
+                      <a:round/>
+                      <a:headEnd type="none" w="med" len="med"/>
+                      <a:tailEnd type="none" w="med" len="med"/>
+                    </a:lnT>
+                    <a:lnB w="12700" cap="flat" cmpd="sng" algn="ctr">
+                      <a:solidFill>
+                        <a:schemeClr val="tx1"/>
+                      </a:solidFill>
+                      <a:prstDash val="solid"/>
+                      <a:round/>
+                      <a:headEnd type="none" w="med" len="med"/>
+                      <a:tailEnd type="none" w="med" len="med"/>
+                    </a:lnB>
+                  </a:tcPr>
+                </a:tc>
+                <a:tc>
+                  <a:txBody>
+                    <a:bodyPr/>
+                    <a:lstStyle/>
+                    <a:p>
+                      <a:pPr algn="ctr"/>
+                      <a:r>
+                        <a:rPr lang="de-DE" sz="2000" dirty="0" err="1">
+                          <a:solidFill>
+                            <a:srgbClr val="00B050"/>
+                          </a:solidFill>
+                        </a:rPr>
+                        <a:t>User_data</a:t>
+                      </a:r>
+                      <a:r>
+                        <a:rPr lang="de-DE" sz="2000" dirty="0">
+                          <a:solidFill>
+                            <a:srgbClr val="00B050"/>
+                          </a:solidFill>
+                        </a:rPr>
+                        <a:t> </a:t>
+                      </a:r>
+                      <a:r>
+                        <a:rPr lang="de-DE" sz="2000" dirty="0" err="1">
+                          <a:solidFill>
+                            <a:srgbClr val="00B050"/>
+                          </a:solidFill>
+                        </a:rPr>
+                        <a:t>for</a:t>
+                      </a:r>
+                      <a:r>
+                        <a:rPr lang="de-DE" sz="2000" dirty="0">
+                          <a:solidFill>
+                            <a:srgbClr val="00B050"/>
+                          </a:solidFill>
+                        </a:rPr>
+                        <a:t> </a:t>
+                      </a:r>
+                      <a:r>
+                        <a:rPr lang="de-DE" sz="2000" dirty="0" err="1">
+                          <a:solidFill>
+                            <a:srgbClr val="00B050"/>
+                          </a:solidFill>
+                        </a:rPr>
+                        <a:t>initialization</a:t>
+                      </a:r>
+                      <a:r>
+                        <a:rPr lang="de-DE" sz="2000" dirty="0">
+                          <a:solidFill>
+                            <a:srgbClr val="00B050"/>
+                          </a:solidFill>
+                        </a:rPr>
+                        <a:t>, SSH and EIP </a:t>
+                      </a:r>
+                      <a:r>
+                        <a:rPr lang="de-DE" sz="2000" dirty="0" err="1">
+                          <a:solidFill>
+                            <a:srgbClr val="00B050"/>
+                          </a:solidFill>
+                        </a:rPr>
+                        <a:t>for</a:t>
+                      </a:r>
+                      <a:r>
+                        <a:rPr lang="de-DE" sz="2000" dirty="0">
+                          <a:solidFill>
+                            <a:srgbClr val="00B050"/>
+                          </a:solidFill>
+                        </a:rPr>
+                        <a:t> </a:t>
+                      </a:r>
+                      <a:r>
+                        <a:rPr lang="de-DE" sz="2000" dirty="0" err="1">
+                          <a:solidFill>
+                            <a:srgbClr val="00B050"/>
+                          </a:solidFill>
+                        </a:rPr>
+                        <a:t>updating</a:t>
+                      </a:r>
+                      <a:endParaRPr lang="de-DE" sz="2000" dirty="0">
+                        <a:solidFill>
+                          <a:srgbClr val="00B050"/>
+                        </a:solidFill>
+                      </a:endParaRPr>
+                    </a:p>
+                  </a:txBody>
+                  <a:tcPr anchor="ctr">
+                    <a:lnL w="12700" cap="flat" cmpd="sng" algn="ctr">
+                      <a:solidFill>
+                        <a:schemeClr val="tx1"/>
+                      </a:solidFill>
+                      <a:prstDash val="solid"/>
+                      <a:round/>
+                      <a:headEnd type="none" w="med" len="med"/>
+                      <a:tailEnd type="none" w="med" len="med"/>
+                    </a:lnL>
+                    <a:lnR w="12700" cap="flat" cmpd="sng" algn="ctr">
+                      <a:solidFill>
+                        <a:schemeClr val="tx1"/>
+                      </a:solidFill>
+                      <a:prstDash val="solid"/>
+                      <a:round/>
+                      <a:headEnd type="none" w="med" len="med"/>
+                      <a:tailEnd type="none" w="med" len="med"/>
+                    </a:lnR>
+                    <a:lnT w="12700" cap="flat" cmpd="sng" algn="ctr">
+                      <a:solidFill>
+                        <a:schemeClr val="tx1"/>
+                      </a:solidFill>
+                      <a:prstDash val="solid"/>
+                      <a:round/>
+                      <a:headEnd type="none" w="med" len="med"/>
+                      <a:tailEnd type="none" w="med" len="med"/>
+                    </a:lnT>
+                    <a:lnB w="12700" cap="flat" cmpd="sng" algn="ctr">
+                      <a:solidFill>
+                        <a:schemeClr val="tx1"/>
+                      </a:solidFill>
+                      <a:prstDash val="solid"/>
+                      <a:round/>
+                      <a:headEnd type="none" w="med" len="med"/>
+                      <a:tailEnd type="none" w="med" len="med"/>
+                    </a:lnB>
+                  </a:tcPr>
+                </a:tc>
+                <a:tc>
+                  <a:txBody>
+                    <a:bodyPr/>
+                    <a:lstStyle/>
+                    <a:p>
+                      <a:pPr algn="ctr"/>
+                      <a:r>
+                        <a:rPr lang="de-DE" sz="2000" dirty="0">
+                          <a:solidFill>
+                            <a:srgbClr val="00B050"/>
+                          </a:solidFill>
+                        </a:rPr>
+                        <a:t>Security Group </a:t>
+                      </a:r>
+                      <a:r>
+                        <a:rPr lang="de-DE" sz="2000" dirty="0" err="1">
+                          <a:solidFill>
+                            <a:srgbClr val="00B050"/>
+                          </a:solidFill>
+                        </a:rPr>
+                        <a:t>that</a:t>
+                      </a:r>
+                      <a:r>
+                        <a:rPr lang="de-DE" sz="2000" dirty="0">
+                          <a:solidFill>
+                            <a:srgbClr val="00B050"/>
+                          </a:solidFill>
+                        </a:rPr>
+                        <a:t> </a:t>
+                      </a:r>
+                      <a:r>
+                        <a:rPr lang="de-DE" sz="2000" dirty="0" err="1">
+                          <a:solidFill>
+                            <a:srgbClr val="00B050"/>
+                          </a:solidFill>
+                        </a:rPr>
+                        <a:t>opens</a:t>
+                      </a:r>
+                      <a:r>
+                        <a:rPr lang="de-DE" sz="2000" dirty="0">
+                          <a:solidFill>
+                            <a:srgbClr val="00B050"/>
+                          </a:solidFill>
+                        </a:rPr>
+                        <a:t> </a:t>
+                      </a:r>
+                      <a:r>
+                        <a:rPr lang="de-DE" sz="2000" dirty="0" err="1">
+                          <a:solidFill>
+                            <a:srgbClr val="00B050"/>
+                          </a:solidFill>
+                        </a:rPr>
+                        <a:t>port</a:t>
+                      </a:r>
+                      <a:r>
+                        <a:rPr lang="de-DE" sz="2000" dirty="0">
+                          <a:solidFill>
+                            <a:srgbClr val="00B050"/>
+                          </a:solidFill>
+                        </a:rPr>
+                        <a:t> 5004</a:t>
+                      </a:r>
+                    </a:p>
+                  </a:txBody>
+                  <a:tcPr anchor="ctr">
+                    <a:lnL w="12700" cap="flat" cmpd="sng" algn="ctr">
+                      <a:solidFill>
+                        <a:schemeClr val="tx1"/>
+                      </a:solidFill>
+                      <a:prstDash val="solid"/>
+                      <a:round/>
+                      <a:headEnd type="none" w="med" len="med"/>
+                      <a:tailEnd type="none" w="med" len="med"/>
+                    </a:lnL>
+                    <a:lnR w="12700" cap="flat" cmpd="sng" algn="ctr">
+                      <a:solidFill>
+                        <a:schemeClr val="tx1"/>
+                      </a:solidFill>
+                      <a:prstDash val="solid"/>
+                      <a:round/>
+                      <a:headEnd type="none" w="med" len="med"/>
+                      <a:tailEnd type="none" w="med" len="med"/>
+                    </a:lnR>
+                    <a:lnT w="12700" cap="flat" cmpd="sng" algn="ctr">
+                      <a:solidFill>
+                        <a:schemeClr val="tx1"/>
+                      </a:solidFill>
+                      <a:prstDash val="solid"/>
+                      <a:round/>
+                      <a:headEnd type="none" w="med" len="med"/>
+                      <a:tailEnd type="none" w="med" len="med"/>
+                    </a:lnT>
+                    <a:lnB w="12700" cap="flat" cmpd="sng" algn="ctr">
+                      <a:solidFill>
+                        <a:schemeClr val="tx1"/>
+                      </a:solidFill>
+                      <a:prstDash val="solid"/>
+                      <a:round/>
+                      <a:headEnd type="none" w="med" len="med"/>
+                      <a:tailEnd type="none" w="med" len="med"/>
+                    </a:lnB>
+                  </a:tcPr>
+                </a:tc>
+                <a:extLst>
+                  <a:ext uri="{0D108BD9-81ED-4DB2-BD59-A6C34878D82A}">
+                    <a16:rowId xmlns:a16="http://schemas.microsoft.com/office/drawing/2014/main" val="1143186808"/>
+                  </a:ext>
+                </a:extLst>
+              </a:tr>
+            </a:tbl>
+          </a:graphicData>
+        </a:graphic>
+      </p:graphicFrame>
+      <p:pic>
+        <p:nvPicPr>
+          <p:cNvPr id="5" name="Picture 4">
+            <a:extLst>
+              <a:ext uri="{FF2B5EF4-FFF2-40B4-BE49-F238E27FC236}">
+                <a16:creationId xmlns:a16="http://schemas.microsoft.com/office/drawing/2014/main" id="{88519B49-320A-8B88-F61A-A31CAE8194F0}"/>
+              </a:ext>
+            </a:extLst>
+          </p:cNvPr>
+          <p:cNvPicPr>
+            <a:picLocks noChangeAspect="1"/>
+          </p:cNvPicPr>
+          <p:nvPr/>
+        </p:nvPicPr>
+        <p:blipFill>
+          <a:blip r:embed="rId2"/>
+          <a:stretch>
+            <a:fillRect/>
+          </a:stretch>
+        </p:blipFill>
+        <p:spPr>
+          <a:xfrm>
+            <a:off x="2259735" y="2369488"/>
+            <a:ext cx="720521" cy="814502"/>
+          </a:xfrm>
+          <a:prstGeom prst="rect">
+            <a:avLst/>
+          </a:prstGeom>
+        </p:spPr>
+      </p:pic>
+      <p:pic>
+        <p:nvPicPr>
+          <p:cNvPr id="6" name="Picture 6">
+            <a:extLst>
+              <a:ext uri="{FF2B5EF4-FFF2-40B4-BE49-F238E27FC236}">
+                <a16:creationId xmlns:a16="http://schemas.microsoft.com/office/drawing/2014/main" id="{5075A592-90D6-DFA4-30D4-FBFE9ECFAC66}"/>
+              </a:ext>
+            </a:extLst>
+          </p:cNvPr>
+          <p:cNvPicPr>
+            <a:picLocks noChangeAspect="1"/>
+          </p:cNvPicPr>
+          <p:nvPr/>
+        </p:nvPicPr>
+        <p:blipFill>
+          <a:blip r:embed="rId3"/>
+          <a:stretch>
+            <a:fillRect/>
+          </a:stretch>
+        </p:blipFill>
+        <p:spPr>
+          <a:xfrm>
+            <a:off x="5546308" y="2447009"/>
+            <a:ext cx="1099384" cy="673373"/>
+          </a:xfrm>
+          <a:prstGeom prst="rect">
+            <a:avLst/>
+          </a:prstGeom>
+        </p:spPr>
+      </p:pic>
+      <p:pic>
+        <p:nvPicPr>
+          <p:cNvPr id="7" name="Picture 6">
+            <a:extLst>
+              <a:ext uri="{FF2B5EF4-FFF2-40B4-BE49-F238E27FC236}">
+                <a16:creationId xmlns:a16="http://schemas.microsoft.com/office/drawing/2014/main" id="{E8AF519A-F8DF-BEBC-297D-932C40BF5E19}"/>
+              </a:ext>
+            </a:extLst>
+          </p:cNvPr>
+          <p:cNvPicPr>
+            <a:picLocks noChangeAspect="1"/>
+          </p:cNvPicPr>
+          <p:nvPr/>
+        </p:nvPicPr>
+        <p:blipFill>
+          <a:blip r:embed="rId3"/>
+          <a:stretch>
+            <a:fillRect/>
+          </a:stretch>
+        </p:blipFill>
+        <p:spPr>
+          <a:xfrm>
+            <a:off x="9022356" y="2431845"/>
+            <a:ext cx="1099384" cy="673373"/>
+          </a:xfrm>
+          <a:prstGeom prst="rect">
+            <a:avLst/>
+          </a:prstGeom>
+        </p:spPr>
+      </p:pic>
+    </p:spTree>
+    <p:extLst>
+      <p:ext uri="{BB962C8B-B14F-4D97-AF65-F5344CB8AC3E}">
+        <p14:creationId xmlns:p14="http://schemas.microsoft.com/office/powerpoint/2010/main" val="1337173882"/>
+      </p:ext>
+    </p:extLst>
+  </p:cSld>
+  <p:clrMapOvr>
+    <a:masterClrMapping/>
+  </p:clrMapOvr>
+</p:sld>
+</file>
+
+<file path=ppt/slides/slide29.xml><?xml version="1.0" encoding="utf-8"?>
 <p:sld xmlns:a="http://schemas.openxmlformats.org/drawingml/2006/main" xmlns:r="http://schemas.openxmlformats.org/officeDocument/2006/relationships" xmlns:p="http://schemas.openxmlformats.org/presentationml/2006/main">
   <p:cSld>
     <p:spTree>
@@ -17320,7 +18145,106 @@
 </p:sld>
 </file>
 
-<file path=ppt/slides/slide29.xml><?xml version="1.0" encoding="utf-8"?>
+<file path=ppt/slides/slide3.xml><?xml version="1.0" encoding="utf-8"?>
+<p:sld xmlns:a="http://schemas.openxmlformats.org/drawingml/2006/main" xmlns:r="http://schemas.openxmlformats.org/officeDocument/2006/relationships" xmlns:p="http://schemas.openxmlformats.org/presentationml/2006/main">
+  <p:cSld>
+    <p:bg>
+      <p:bgPr>
+        <a:solidFill>
+          <a:srgbClr val="516482"/>
+        </a:solidFill>
+        <a:effectLst/>
+      </p:bgPr>
+    </p:bg>
+    <p:spTree>
+      <p:nvGrpSpPr>
+        <p:cNvPr id="1" name=""/>
+        <p:cNvGrpSpPr/>
+        <p:nvPr/>
+      </p:nvGrpSpPr>
+      <p:grpSpPr>
+        <a:xfrm>
+          <a:off x="0" y="0"/>
+          <a:ext cx="0" cy="0"/>
+          <a:chOff x="0" y="0"/>
+          <a:chExt cx="0" cy="0"/>
+        </a:xfrm>
+      </p:grpSpPr>
+      <p:sp>
+        <p:nvSpPr>
+          <p:cNvPr id="2" name="Titel 1">
+            <a:extLst>
+              <a:ext uri="{FF2B5EF4-FFF2-40B4-BE49-F238E27FC236}">
+                <a16:creationId xmlns:a16="http://schemas.microsoft.com/office/drawing/2014/main" id="{423EE35B-33E3-42A0-BBDA-368E8D825D7E}"/>
+              </a:ext>
+            </a:extLst>
+          </p:cNvPr>
+          <p:cNvSpPr>
+            <a:spLocks noGrp="1"/>
+          </p:cNvSpPr>
+          <p:nvPr>
+            <p:ph type="ctrTitle"/>
+          </p:nvPr>
+        </p:nvSpPr>
+        <p:spPr/>
+        <p:txBody>
+          <a:bodyPr/>
+          <a:lstStyle/>
+          <a:p>
+            <a:r>
+              <a:rPr lang="de-DE" dirty="0"/>
+              <a:t>Basic </a:t>
+            </a:r>
+            <a:r>
+              <a:rPr lang="de-DE" dirty="0" err="1"/>
+              <a:t>Idea</a:t>
+            </a:r>
+            <a:r>
+              <a:rPr lang="de-DE" dirty="0"/>
+              <a:t> &amp; Tools</a:t>
+            </a:r>
+          </a:p>
+        </p:txBody>
+      </p:sp>
+      <p:sp>
+        <p:nvSpPr>
+          <p:cNvPr id="5" name="Untertitel 4">
+            <a:extLst>
+              <a:ext uri="{FF2B5EF4-FFF2-40B4-BE49-F238E27FC236}">
+                <a16:creationId xmlns:a16="http://schemas.microsoft.com/office/drawing/2014/main" id="{B11A7254-9FA9-40F3-BD35-E1C8D97446A8}"/>
+              </a:ext>
+            </a:extLst>
+          </p:cNvPr>
+          <p:cNvSpPr>
+            <a:spLocks noGrp="1"/>
+          </p:cNvSpPr>
+          <p:nvPr>
+            <p:ph type="subTitle" idx="1"/>
+          </p:nvPr>
+        </p:nvSpPr>
+        <p:spPr/>
+        <p:txBody>
+          <a:bodyPr/>
+          <a:lstStyle/>
+          <a:p>
+            <a:endParaRPr lang="de-DE"/>
+          </a:p>
+        </p:txBody>
+      </p:sp>
+    </p:spTree>
+    <p:extLst>
+      <p:ext uri="{BB962C8B-B14F-4D97-AF65-F5344CB8AC3E}">
+        <p14:creationId xmlns:p14="http://schemas.microsoft.com/office/powerpoint/2010/main" val="1443446330"/>
+      </p:ext>
+    </p:extLst>
+  </p:cSld>
+  <p:clrMapOvr>
+    <a:masterClrMapping/>
+  </p:clrMapOvr>
+</p:sld>
+</file>
+
+<file path=ppt/slides/slide30.xml><?xml version="1.0" encoding="utf-8"?>
 <p:sld xmlns:a="http://schemas.openxmlformats.org/drawingml/2006/main" xmlns:r="http://schemas.openxmlformats.org/officeDocument/2006/relationships" xmlns:p="http://schemas.openxmlformats.org/presentationml/2006/main">
   <p:cSld>
     <p:spTree>
@@ -19205,106 +20129,7 @@
 </p:sld>
 </file>
 
-<file path=ppt/slides/slide3.xml><?xml version="1.0" encoding="utf-8"?>
-<p:sld xmlns:a="http://schemas.openxmlformats.org/drawingml/2006/main" xmlns:r="http://schemas.openxmlformats.org/officeDocument/2006/relationships" xmlns:p="http://schemas.openxmlformats.org/presentationml/2006/main">
-  <p:cSld>
-    <p:bg>
-      <p:bgPr>
-        <a:solidFill>
-          <a:srgbClr val="516482"/>
-        </a:solidFill>
-        <a:effectLst/>
-      </p:bgPr>
-    </p:bg>
-    <p:spTree>
-      <p:nvGrpSpPr>
-        <p:cNvPr id="1" name=""/>
-        <p:cNvGrpSpPr/>
-        <p:nvPr/>
-      </p:nvGrpSpPr>
-      <p:grpSpPr>
-        <a:xfrm>
-          <a:off x="0" y="0"/>
-          <a:ext cx="0" cy="0"/>
-          <a:chOff x="0" y="0"/>
-          <a:chExt cx="0" cy="0"/>
-        </a:xfrm>
-      </p:grpSpPr>
-      <p:sp>
-        <p:nvSpPr>
-          <p:cNvPr id="2" name="Titel 1">
-            <a:extLst>
-              <a:ext uri="{FF2B5EF4-FFF2-40B4-BE49-F238E27FC236}">
-                <a16:creationId xmlns:a16="http://schemas.microsoft.com/office/drawing/2014/main" id="{423EE35B-33E3-42A0-BBDA-368E8D825D7E}"/>
-              </a:ext>
-            </a:extLst>
-          </p:cNvPr>
-          <p:cNvSpPr>
-            <a:spLocks noGrp="1"/>
-          </p:cNvSpPr>
-          <p:nvPr>
-            <p:ph type="ctrTitle"/>
-          </p:nvPr>
-        </p:nvSpPr>
-        <p:spPr/>
-        <p:txBody>
-          <a:bodyPr/>
-          <a:lstStyle/>
-          <a:p>
-            <a:r>
-              <a:rPr lang="de-DE" dirty="0"/>
-              <a:t>Basic </a:t>
-            </a:r>
-            <a:r>
-              <a:rPr lang="de-DE" dirty="0" err="1"/>
-              <a:t>Idea</a:t>
-            </a:r>
-            <a:r>
-              <a:rPr lang="de-DE" dirty="0"/>
-              <a:t> &amp; Tools</a:t>
-            </a:r>
-          </a:p>
-        </p:txBody>
-      </p:sp>
-      <p:sp>
-        <p:nvSpPr>
-          <p:cNvPr id="5" name="Untertitel 4">
-            <a:extLst>
-              <a:ext uri="{FF2B5EF4-FFF2-40B4-BE49-F238E27FC236}">
-                <a16:creationId xmlns:a16="http://schemas.microsoft.com/office/drawing/2014/main" id="{B11A7254-9FA9-40F3-BD35-E1C8D97446A8}"/>
-              </a:ext>
-            </a:extLst>
-          </p:cNvPr>
-          <p:cNvSpPr>
-            <a:spLocks noGrp="1"/>
-          </p:cNvSpPr>
-          <p:nvPr>
-            <p:ph type="subTitle" idx="1"/>
-          </p:nvPr>
-        </p:nvSpPr>
-        <p:spPr/>
-        <p:txBody>
-          <a:bodyPr/>
-          <a:lstStyle/>
-          <a:p>
-            <a:endParaRPr lang="de-DE"/>
-          </a:p>
-        </p:txBody>
-      </p:sp>
-    </p:spTree>
-    <p:extLst>
-      <p:ext uri="{BB962C8B-B14F-4D97-AF65-F5344CB8AC3E}">
-        <p14:creationId xmlns:p14="http://schemas.microsoft.com/office/powerpoint/2010/main" val="1443446330"/>
-      </p:ext>
-    </p:extLst>
-  </p:cSld>
-  <p:clrMapOvr>
-    <a:masterClrMapping/>
-  </p:clrMapOvr>
-</p:sld>
-</file>
-
-<file path=ppt/slides/slide30.xml><?xml version="1.0" encoding="utf-8"?>
+<file path=ppt/slides/slide31.xml><?xml version="1.0" encoding="utf-8"?>
 <p:sld xmlns:a="http://schemas.openxmlformats.org/drawingml/2006/main" xmlns:r="http://schemas.openxmlformats.org/officeDocument/2006/relationships" xmlns:p="http://schemas.openxmlformats.org/presentationml/2006/main" show="0">
   <p:cSld>
     <p:spTree>
@@ -19527,7 +20352,7 @@
 </p:sld>
 </file>
 
-<file path=ppt/slides/slide31.xml><?xml version="1.0" encoding="utf-8"?>
+<file path=ppt/slides/slide32.xml><?xml version="1.0" encoding="utf-8"?>
 <p:sld xmlns:a="http://schemas.openxmlformats.org/drawingml/2006/main" xmlns:r="http://schemas.openxmlformats.org/officeDocument/2006/relationships" xmlns:p="http://schemas.openxmlformats.org/presentationml/2006/main" show="0">
   <p:cSld>
     <p:spTree>

--- a/Project Presentation.pptx
+++ b/Project Presentation.pptx
@@ -12789,7 +12789,7 @@
         </p:nvSpPr>
         <p:spPr>
           <a:xfrm>
-            <a:off x="941957" y="4402400"/>
+            <a:off x="911084" y="4381332"/>
             <a:ext cx="1704110" cy="768927"/>
           </a:xfrm>
           <a:prstGeom prst="roundRect">
@@ -12846,7 +12846,7 @@
         </p:nvSpPr>
         <p:spPr>
           <a:xfrm>
-            <a:off x="3397130" y="4402402"/>
+            <a:off x="6084747" y="4381331"/>
             <a:ext cx="2256248" cy="768927"/>
           </a:xfrm>
           <a:prstGeom prst="roundRect">
@@ -12911,7 +12911,7 @@
         </p:nvSpPr>
         <p:spPr>
           <a:xfrm>
-            <a:off x="8896038" y="4402399"/>
+            <a:off x="8896041" y="4385329"/>
             <a:ext cx="2558014" cy="768927"/>
           </a:xfrm>
           <a:prstGeom prst="roundRect">
@@ -12983,26 +12983,108 @@
           </a:p>
         </p:txBody>
       </p:sp>
+      <p:sp>
+        <p:nvSpPr>
+          <p:cNvPr id="9" name="Rectangle: Rounded Corners 17">
+            <a:extLst>
+              <a:ext uri="{FF2B5EF4-FFF2-40B4-BE49-F238E27FC236}">
+                <a16:creationId xmlns:a16="http://schemas.microsoft.com/office/drawing/2014/main" id="{433EC4C8-5652-8E37-1388-42FECF4CA3D7}"/>
+              </a:ext>
+            </a:extLst>
+          </p:cNvPr>
+          <p:cNvSpPr/>
+          <p:nvPr/>
+        </p:nvSpPr>
+        <p:spPr>
+          <a:xfrm flipH="1" flipV="1">
+            <a:off x="2727297" y="3948467"/>
+            <a:ext cx="8997484" cy="1594946"/>
+          </a:xfrm>
+          <a:prstGeom prst="roundRect">
+            <a:avLst/>
+          </a:prstGeom>
+          <a:noFill/>
+          <a:ln>
+            <a:solidFill>
+              <a:schemeClr val="bg1">
+                <a:lumMod val="75000"/>
+              </a:schemeClr>
+            </a:solidFill>
+          </a:ln>
+        </p:spPr>
+        <p:style>
+          <a:lnRef idx="2">
+            <a:schemeClr val="accent1">
+              <a:shade val="50000"/>
+            </a:schemeClr>
+          </a:lnRef>
+          <a:fillRef idx="1">
+            <a:schemeClr val="accent1"/>
+          </a:fillRef>
+          <a:effectRef idx="0">
+            <a:schemeClr val="accent1"/>
+          </a:effectRef>
+          <a:fontRef idx="minor">
+            <a:schemeClr val="lt1"/>
+          </a:fontRef>
+        </p:style>
+        <p:txBody>
+          <a:bodyPr rtlCol="0" anchor="ctr"/>
+          <a:lstStyle/>
+          <a:p>
+            <a:pPr algn="ctr"/>
+            <a:endParaRPr lang="de-DE"/>
+          </a:p>
+        </p:txBody>
+      </p:sp>
+      <p:pic>
+        <p:nvPicPr>
+          <p:cNvPr id="10" name="Picture 19">
+            <a:extLst>
+              <a:ext uri="{FF2B5EF4-FFF2-40B4-BE49-F238E27FC236}">
+                <a16:creationId xmlns:a16="http://schemas.microsoft.com/office/drawing/2014/main" id="{B187C7EC-CE9C-D136-07DC-CC38CA9DE47D}"/>
+              </a:ext>
+            </a:extLst>
+          </p:cNvPr>
+          <p:cNvPicPr>
+            <a:picLocks noChangeAspect="1"/>
+          </p:cNvPicPr>
+          <p:nvPr/>
+        </p:nvPicPr>
+        <p:blipFill>
+          <a:blip r:embed="rId2"/>
+          <a:stretch>
+            <a:fillRect/>
+          </a:stretch>
+        </p:blipFill>
+        <p:spPr>
+          <a:xfrm>
+            <a:off x="2891263" y="4059604"/>
+            <a:ext cx="426720" cy="426720"/>
+          </a:xfrm>
+          <a:prstGeom prst="rect">
+            <a:avLst/>
+          </a:prstGeom>
+        </p:spPr>
+      </p:pic>
       <p:cxnSp>
         <p:nvCxnSpPr>
-          <p:cNvPr id="7" name="Straight Arrow Connector 11">
-            <a:extLst>
-              <a:ext uri="{FF2B5EF4-FFF2-40B4-BE49-F238E27FC236}">
-                <a16:creationId xmlns:a16="http://schemas.microsoft.com/office/drawing/2014/main" id="{F501AB0B-B3CB-38AA-624C-ED414CEFB3A8}"/>
+          <p:cNvPr id="19" name="Straight Arrow Connector 11">
+            <a:extLst>
+              <a:ext uri="{FF2B5EF4-FFF2-40B4-BE49-F238E27FC236}">
+                <a16:creationId xmlns:a16="http://schemas.microsoft.com/office/drawing/2014/main" id="{2BE4D3C3-2C05-2D6B-EB00-0B569B104FB4}"/>
               </a:ext>
             </a:extLst>
           </p:cNvPr>
           <p:cNvCxnSpPr>
             <a:cxnSpLocks/>
-            <a:stCxn id="4" idx="3"/>
-            <a:endCxn id="5" idx="1"/>
           </p:cNvCxnSpPr>
           <p:nvPr/>
         </p:nvCxnSpPr>
         <p:spPr>
-          <a:xfrm>
-            <a:off x="2646067" y="4786864"/>
-            <a:ext cx="751063" cy="2"/>
+          <a:xfrm flipV="1">
+            <a:off x="6615647" y="3237106"/>
+            <a:ext cx="0" cy="1165293"/>
           </a:xfrm>
           <a:prstGeom prst="straightConnector1">
             <a:avLst/>
@@ -13035,26 +13117,318 @@
           </a:fontRef>
         </p:style>
       </p:cxnSp>
+      <p:sp>
+        <p:nvSpPr>
+          <p:cNvPr id="20" name="Rectangle: Rounded Corners 6">
+            <a:extLst>
+              <a:ext uri="{FF2B5EF4-FFF2-40B4-BE49-F238E27FC236}">
+                <a16:creationId xmlns:a16="http://schemas.microsoft.com/office/drawing/2014/main" id="{B811BC74-BB0A-7701-99C2-0D2003A48E60}"/>
+              </a:ext>
+            </a:extLst>
+          </p:cNvPr>
+          <p:cNvSpPr/>
+          <p:nvPr/>
+        </p:nvSpPr>
+        <p:spPr>
+          <a:xfrm>
+            <a:off x="4777686" y="2468179"/>
+            <a:ext cx="2558017" cy="768927"/>
+          </a:xfrm>
+          <a:prstGeom prst="roundRect">
+            <a:avLst/>
+          </a:prstGeom>
+          <a:solidFill>
+            <a:schemeClr val="bg1">
+              <a:lumMod val="65000"/>
+            </a:schemeClr>
+          </a:solidFill>
+          <a:ln>
+            <a:noFill/>
+          </a:ln>
+        </p:spPr>
+        <p:style>
+          <a:lnRef idx="2">
+            <a:schemeClr val="accent1">
+              <a:shade val="50000"/>
+            </a:schemeClr>
+          </a:lnRef>
+          <a:fillRef idx="1">
+            <a:schemeClr val="accent1"/>
+          </a:fillRef>
+          <a:effectRef idx="0">
+            <a:schemeClr val="accent1"/>
+          </a:effectRef>
+          <a:fontRef idx="minor">
+            <a:schemeClr val="lt1"/>
+          </a:fontRef>
+        </p:style>
+        <p:txBody>
+          <a:bodyPr rtlCol="0" anchor="ctr"/>
+          <a:lstStyle/>
+          <a:p>
+            <a:pPr algn="ctr"/>
+            <a:r>
+              <a:rPr lang="de-DE" dirty="0"/>
+              <a:t>Create EC2 </a:t>
+            </a:r>
+            <a:r>
+              <a:rPr lang="de-DE" dirty="0" err="1"/>
+              <a:t>machine</a:t>
+            </a:r>
+            <a:endParaRPr lang="de-DE" dirty="0"/>
+          </a:p>
+        </p:txBody>
+      </p:sp>
+      <p:sp>
+        <p:nvSpPr>
+          <p:cNvPr id="21" name="Rectangle: Rounded Corners 17">
+            <a:extLst>
+              <a:ext uri="{FF2B5EF4-FFF2-40B4-BE49-F238E27FC236}">
+                <a16:creationId xmlns:a16="http://schemas.microsoft.com/office/drawing/2014/main" id="{865E96C3-898B-ABE0-91DC-5A88AEAE32A1}"/>
+              </a:ext>
+            </a:extLst>
+          </p:cNvPr>
+          <p:cNvSpPr/>
+          <p:nvPr/>
+        </p:nvSpPr>
+        <p:spPr>
+          <a:xfrm flipH="1" flipV="1">
+            <a:off x="4192675" y="1882666"/>
+            <a:ext cx="3424355" cy="1594946"/>
+          </a:xfrm>
+          <a:prstGeom prst="roundRect">
+            <a:avLst/>
+          </a:prstGeom>
+          <a:noFill/>
+          <a:ln>
+            <a:solidFill>
+              <a:schemeClr val="bg1">
+                <a:lumMod val="75000"/>
+              </a:schemeClr>
+            </a:solidFill>
+          </a:ln>
+        </p:spPr>
+        <p:style>
+          <a:lnRef idx="2">
+            <a:schemeClr val="accent1">
+              <a:shade val="50000"/>
+            </a:schemeClr>
+          </a:lnRef>
+          <a:fillRef idx="1">
+            <a:schemeClr val="accent1"/>
+          </a:fillRef>
+          <a:effectRef idx="0">
+            <a:schemeClr val="accent1"/>
+          </a:effectRef>
+          <a:fontRef idx="minor">
+            <a:schemeClr val="lt1"/>
+          </a:fontRef>
+        </p:style>
+        <p:txBody>
+          <a:bodyPr rtlCol="0" anchor="ctr"/>
+          <a:lstStyle/>
+          <a:p>
+            <a:pPr algn="ctr"/>
+            <a:endParaRPr lang="de-DE"/>
+          </a:p>
+        </p:txBody>
+      </p:sp>
+      <p:pic>
+        <p:nvPicPr>
+          <p:cNvPr id="24" name="Picture 4">
+            <a:extLst>
+              <a:ext uri="{FF2B5EF4-FFF2-40B4-BE49-F238E27FC236}">
+                <a16:creationId xmlns:a16="http://schemas.microsoft.com/office/drawing/2014/main" id="{F668A630-DDE5-F7FD-292A-06605BED7FC7}"/>
+              </a:ext>
+            </a:extLst>
+          </p:cNvPr>
+          <p:cNvPicPr>
+            <a:picLocks noChangeAspect="1"/>
+          </p:cNvPicPr>
+          <p:nvPr/>
+        </p:nvPicPr>
+        <p:blipFill>
+          <a:blip r:embed="rId3"/>
+          <a:stretch>
+            <a:fillRect/>
+          </a:stretch>
+        </p:blipFill>
+        <p:spPr>
+          <a:xfrm>
+            <a:off x="4392425" y="1985800"/>
+            <a:ext cx="426720" cy="482379"/>
+          </a:xfrm>
+          <a:prstGeom prst="rect">
+            <a:avLst/>
+          </a:prstGeom>
+        </p:spPr>
+      </p:pic>
+      <p:pic>
+        <p:nvPicPr>
+          <p:cNvPr id="28" name="Picture 6">
+            <a:extLst>
+              <a:ext uri="{FF2B5EF4-FFF2-40B4-BE49-F238E27FC236}">
+                <a16:creationId xmlns:a16="http://schemas.microsoft.com/office/drawing/2014/main" id="{97D45E23-90AD-A028-05E6-6586A5843E21}"/>
+              </a:ext>
+            </a:extLst>
+          </p:cNvPr>
+          <p:cNvPicPr>
+            <a:picLocks noChangeAspect="1"/>
+          </p:cNvPicPr>
+          <p:nvPr/>
+        </p:nvPicPr>
+        <p:blipFill>
+          <a:blip r:embed="rId4"/>
+          <a:stretch>
+            <a:fillRect/>
+          </a:stretch>
+        </p:blipFill>
+        <p:spPr>
+          <a:xfrm>
+            <a:off x="8506056" y="2030568"/>
+            <a:ext cx="549008" cy="336268"/>
+          </a:xfrm>
+          <a:prstGeom prst="rect">
+            <a:avLst/>
+          </a:prstGeom>
+        </p:spPr>
+      </p:pic>
+      <p:sp>
+        <p:nvSpPr>
+          <p:cNvPr id="29" name="Rectangle: Rounded Corners 6">
+            <a:extLst>
+              <a:ext uri="{FF2B5EF4-FFF2-40B4-BE49-F238E27FC236}">
+                <a16:creationId xmlns:a16="http://schemas.microsoft.com/office/drawing/2014/main" id="{8A69E514-DFCE-BDFC-FE4E-7567049EB630}"/>
+              </a:ext>
+            </a:extLst>
+          </p:cNvPr>
+          <p:cNvSpPr/>
+          <p:nvPr/>
+        </p:nvSpPr>
+        <p:spPr>
+          <a:xfrm>
+            <a:off x="8896038" y="2468179"/>
+            <a:ext cx="2558017" cy="768927"/>
+          </a:xfrm>
+          <a:prstGeom prst="roundRect">
+            <a:avLst/>
+          </a:prstGeom>
+          <a:solidFill>
+            <a:schemeClr val="bg1">
+              <a:lumMod val="65000"/>
+            </a:schemeClr>
+          </a:solidFill>
+          <a:ln>
+            <a:noFill/>
+          </a:ln>
+        </p:spPr>
+        <p:style>
+          <a:lnRef idx="2">
+            <a:schemeClr val="accent1">
+              <a:shade val="50000"/>
+            </a:schemeClr>
+          </a:lnRef>
+          <a:fillRef idx="1">
+            <a:schemeClr val="accent1"/>
+          </a:fillRef>
+          <a:effectRef idx="0">
+            <a:schemeClr val="accent1"/>
+          </a:effectRef>
+          <a:fontRef idx="minor">
+            <a:schemeClr val="lt1"/>
+          </a:fontRef>
+        </p:style>
+        <p:txBody>
+          <a:bodyPr rtlCol="0" anchor="ctr"/>
+          <a:lstStyle/>
+          <a:p>
+            <a:pPr algn="ctr"/>
+            <a:r>
+              <a:rPr lang="de-DE" dirty="0"/>
+              <a:t>EC2 </a:t>
+            </a:r>
+            <a:r>
+              <a:rPr lang="de-DE" dirty="0" err="1"/>
+              <a:t>machine</a:t>
+            </a:r>
+            <a:endParaRPr lang="de-DE" dirty="0"/>
+          </a:p>
+        </p:txBody>
+      </p:sp>
+      <p:sp>
+        <p:nvSpPr>
+          <p:cNvPr id="30" name="Rectangle: Rounded Corners 17">
+            <a:extLst>
+              <a:ext uri="{FF2B5EF4-FFF2-40B4-BE49-F238E27FC236}">
+                <a16:creationId xmlns:a16="http://schemas.microsoft.com/office/drawing/2014/main" id="{C3D25223-D404-A957-180D-7C74A93E192A}"/>
+              </a:ext>
+            </a:extLst>
+          </p:cNvPr>
+          <p:cNvSpPr/>
+          <p:nvPr/>
+        </p:nvSpPr>
+        <p:spPr>
+          <a:xfrm flipH="1" flipV="1">
+            <a:off x="8300426" y="1882666"/>
+            <a:ext cx="3424355" cy="1594946"/>
+          </a:xfrm>
+          <a:prstGeom prst="roundRect">
+            <a:avLst/>
+          </a:prstGeom>
+          <a:noFill/>
+          <a:ln>
+            <a:solidFill>
+              <a:schemeClr val="bg1">
+                <a:lumMod val="75000"/>
+              </a:schemeClr>
+            </a:solidFill>
+          </a:ln>
+        </p:spPr>
+        <p:style>
+          <a:lnRef idx="2">
+            <a:schemeClr val="accent1">
+              <a:shade val="50000"/>
+            </a:schemeClr>
+          </a:lnRef>
+          <a:fillRef idx="1">
+            <a:schemeClr val="accent1"/>
+          </a:fillRef>
+          <a:effectRef idx="0">
+            <a:schemeClr val="accent1"/>
+          </a:effectRef>
+          <a:fontRef idx="minor">
+            <a:schemeClr val="lt1"/>
+          </a:fontRef>
+        </p:style>
+        <p:txBody>
+          <a:bodyPr rtlCol="0" anchor="ctr"/>
+          <a:lstStyle/>
+          <a:p>
+            <a:pPr algn="ctr"/>
+            <a:endParaRPr lang="de-DE"/>
+          </a:p>
+        </p:txBody>
+      </p:sp>
       <p:cxnSp>
         <p:nvCxnSpPr>
-          <p:cNvPr id="8" name="Straight Arrow Connector 13">
-            <a:extLst>
-              <a:ext uri="{FF2B5EF4-FFF2-40B4-BE49-F238E27FC236}">
-                <a16:creationId xmlns:a16="http://schemas.microsoft.com/office/drawing/2014/main" id="{15D2F7F9-D527-3673-F73F-11C0FEC9E142}"/>
+          <p:cNvPr id="31" name="Straight Arrow Connector 11">
+            <a:extLst>
+              <a:ext uri="{FF2B5EF4-FFF2-40B4-BE49-F238E27FC236}">
+                <a16:creationId xmlns:a16="http://schemas.microsoft.com/office/drawing/2014/main" id="{227B2E06-2BE5-7007-A654-EBE79D0F9520}"/>
               </a:ext>
             </a:extLst>
           </p:cNvPr>
           <p:cNvCxnSpPr>
             <a:cxnSpLocks/>
-            <a:stCxn id="5" idx="3"/>
-            <a:endCxn id="22" idx="1"/>
+            <a:stCxn id="20" idx="3"/>
+            <a:endCxn id="29" idx="1"/>
           </p:cNvCxnSpPr>
           <p:nvPr/>
         </p:nvCxnSpPr>
         <p:spPr>
-          <a:xfrm flipV="1">
-            <a:off x="5653378" y="4786863"/>
-            <a:ext cx="510480" cy="3"/>
+          <a:xfrm>
+            <a:off x="7335703" y="2852643"/>
+            <a:ext cx="1560335" cy="0"/>
           </a:xfrm>
           <a:prstGeom prst="straightConnector1">
             <a:avLst/>
@@ -13087,109 +13461,26 @@
           </a:fontRef>
         </p:style>
       </p:cxnSp>
-      <p:sp>
-        <p:nvSpPr>
-          <p:cNvPr id="9" name="Rectangle: Rounded Corners 17">
-            <a:extLst>
-              <a:ext uri="{FF2B5EF4-FFF2-40B4-BE49-F238E27FC236}">
-                <a16:creationId xmlns:a16="http://schemas.microsoft.com/office/drawing/2014/main" id="{433EC4C8-5652-8E37-1388-42FECF4CA3D7}"/>
-              </a:ext>
-            </a:extLst>
-          </p:cNvPr>
-          <p:cNvSpPr/>
-          <p:nvPr/>
-        </p:nvSpPr>
-        <p:spPr>
-          <a:xfrm flipH="1" flipV="1">
-            <a:off x="2727297" y="4035928"/>
-            <a:ext cx="8997484" cy="1594946"/>
-          </a:xfrm>
-          <a:prstGeom prst="roundRect">
-            <a:avLst/>
-          </a:prstGeom>
-          <a:noFill/>
-          <a:ln>
-            <a:solidFill>
-              <a:schemeClr val="bg1">
-                <a:lumMod val="75000"/>
-              </a:schemeClr>
-            </a:solidFill>
-          </a:ln>
-        </p:spPr>
-        <p:style>
-          <a:lnRef idx="2">
-            <a:schemeClr val="accent1">
-              <a:shade val="50000"/>
-            </a:schemeClr>
-          </a:lnRef>
-          <a:fillRef idx="1">
-            <a:schemeClr val="accent1"/>
-          </a:fillRef>
-          <a:effectRef idx="0">
-            <a:schemeClr val="accent1"/>
-          </a:effectRef>
-          <a:fontRef idx="minor">
-            <a:schemeClr val="lt1"/>
-          </a:fontRef>
-        </p:style>
-        <p:txBody>
-          <a:bodyPr rtlCol="0" anchor="ctr"/>
-          <a:lstStyle/>
-          <a:p>
-            <a:pPr algn="ctr"/>
-            <a:endParaRPr lang="de-DE"/>
-          </a:p>
-        </p:txBody>
-      </p:sp>
-      <p:pic>
-        <p:nvPicPr>
-          <p:cNvPr id="10" name="Picture 19">
-            <a:extLst>
-              <a:ext uri="{FF2B5EF4-FFF2-40B4-BE49-F238E27FC236}">
-                <a16:creationId xmlns:a16="http://schemas.microsoft.com/office/drawing/2014/main" id="{B187C7EC-CE9C-D136-07DC-CC38CA9DE47D}"/>
-              </a:ext>
-            </a:extLst>
-          </p:cNvPr>
-          <p:cNvPicPr>
-            <a:picLocks noChangeAspect="1"/>
-          </p:cNvPicPr>
-          <p:nvPr/>
-        </p:nvPicPr>
-        <p:blipFill>
-          <a:blip r:embed="rId2"/>
-          <a:stretch>
-            <a:fillRect/>
-          </a:stretch>
-        </p:blipFill>
-        <p:spPr>
-          <a:xfrm>
-            <a:off x="2891263" y="4059604"/>
-            <a:ext cx="426720" cy="426720"/>
-          </a:xfrm>
-          <a:prstGeom prst="rect">
-            <a:avLst/>
-          </a:prstGeom>
-        </p:spPr>
-      </p:pic>
       <p:cxnSp>
         <p:nvCxnSpPr>
-          <p:cNvPr id="19" name="Straight Arrow Connector 11">
-            <a:extLst>
-              <a:ext uri="{FF2B5EF4-FFF2-40B4-BE49-F238E27FC236}">
-                <a16:creationId xmlns:a16="http://schemas.microsoft.com/office/drawing/2014/main" id="{2BE4D3C3-2C05-2D6B-EB00-0B569B104FB4}"/>
+          <p:cNvPr id="36" name="Straight Arrow Connector 11">
+            <a:extLst>
+              <a:ext uri="{FF2B5EF4-FFF2-40B4-BE49-F238E27FC236}">
+                <a16:creationId xmlns:a16="http://schemas.microsoft.com/office/drawing/2014/main" id="{0939BA32-55A3-5025-F860-5D4857282D4C}"/>
               </a:ext>
             </a:extLst>
           </p:cNvPr>
           <p:cNvCxnSpPr>
             <a:cxnSpLocks/>
-            <a:endCxn id="20" idx="2"/>
+            <a:stCxn id="6" idx="0"/>
+            <a:endCxn id="29" idx="2"/>
           </p:cNvCxnSpPr>
           <p:nvPr/>
         </p:nvCxnSpPr>
         <p:spPr>
-          <a:xfrm flipV="1">
-            <a:off x="4676135" y="3237106"/>
-            <a:ext cx="2" cy="1165293"/>
+          <a:xfrm flipH="1" flipV="1">
+            <a:off x="10175047" y="3237106"/>
+            <a:ext cx="1" cy="1148223"/>
           </a:xfrm>
           <a:prstGeom prst="straightConnector1">
             <a:avLst/>
@@ -13224,10 +13515,10 @@
       </p:cxnSp>
       <p:sp>
         <p:nvSpPr>
-          <p:cNvPr id="20" name="Rectangle: Rounded Corners 6">
-            <a:extLst>
-              <a:ext uri="{FF2B5EF4-FFF2-40B4-BE49-F238E27FC236}">
-                <a16:creationId xmlns:a16="http://schemas.microsoft.com/office/drawing/2014/main" id="{B811BC74-BB0A-7701-99C2-0D2003A48E60}"/>
+          <p:cNvPr id="22" name="Rectangle: Rounded Corners 7">
+            <a:extLst>
+              <a:ext uri="{FF2B5EF4-FFF2-40B4-BE49-F238E27FC236}">
+                <a16:creationId xmlns:a16="http://schemas.microsoft.com/office/drawing/2014/main" id="{70D14B7E-B2E8-D44D-9F76-43A117366100}"/>
               </a:ext>
             </a:extLst>
           </p:cNvPr>
@@ -13236,8 +13527,8 @@
         </p:nvSpPr>
         <p:spPr>
           <a:xfrm>
-            <a:off x="3397128" y="2468179"/>
-            <a:ext cx="2558017" cy="768927"/>
+            <a:off x="3429827" y="4381332"/>
+            <a:ext cx="2153842" cy="768927"/>
           </a:xfrm>
           <a:prstGeom prst="roundRect">
             <a:avLst/>
@@ -13274,266 +13565,60 @@
             <a:pPr algn="ctr"/>
             <a:r>
               <a:rPr lang="de-DE" dirty="0"/>
-              <a:t>Create EC2 </a:t>
+              <a:t>Push </a:t>
             </a:r>
             <a:r>
               <a:rPr lang="de-DE" dirty="0" err="1"/>
-              <a:t>machine</a:t>
+              <a:t>docker</a:t>
+            </a:r>
+            <a:r>
+              <a:rPr lang="de-DE" dirty="0"/>
+              <a:t> </a:t>
+            </a:r>
+            <a:r>
+              <a:rPr lang="de-DE" dirty="0" err="1"/>
+              <a:t>images</a:t>
+            </a:r>
+            <a:r>
+              <a:rPr lang="de-DE" dirty="0"/>
+              <a:t> </a:t>
+            </a:r>
+            <a:r>
+              <a:rPr lang="de-DE" dirty="0" err="1"/>
+              <a:t>to</a:t>
+            </a:r>
+            <a:r>
+              <a:rPr lang="de-DE" dirty="0"/>
+              <a:t> </a:t>
+            </a:r>
+            <a:r>
+              <a:rPr lang="de-DE" dirty="0" err="1"/>
+              <a:t>dockerhub</a:t>
             </a:r>
             <a:endParaRPr lang="de-DE" dirty="0"/>
-          </a:p>
-        </p:txBody>
-      </p:sp>
-      <p:sp>
-        <p:nvSpPr>
-          <p:cNvPr id="21" name="Rectangle: Rounded Corners 17">
-            <a:extLst>
-              <a:ext uri="{FF2B5EF4-FFF2-40B4-BE49-F238E27FC236}">
-                <a16:creationId xmlns:a16="http://schemas.microsoft.com/office/drawing/2014/main" id="{865E96C3-898B-ABE0-91DC-5A88AEAE32A1}"/>
-              </a:ext>
-            </a:extLst>
-          </p:cNvPr>
-          <p:cNvSpPr/>
-          <p:nvPr/>
-        </p:nvSpPr>
-        <p:spPr>
-          <a:xfrm flipH="1" flipV="1">
-            <a:off x="2812117" y="1882666"/>
-            <a:ext cx="3424355" cy="1594946"/>
-          </a:xfrm>
-          <a:prstGeom prst="roundRect">
-            <a:avLst/>
-          </a:prstGeom>
-          <a:noFill/>
-          <a:ln>
-            <a:solidFill>
-              <a:schemeClr val="bg1">
-                <a:lumMod val="75000"/>
-              </a:schemeClr>
-            </a:solidFill>
-          </a:ln>
-        </p:spPr>
-        <p:style>
-          <a:lnRef idx="2">
-            <a:schemeClr val="accent1">
-              <a:shade val="50000"/>
-            </a:schemeClr>
-          </a:lnRef>
-          <a:fillRef idx="1">
-            <a:schemeClr val="accent1"/>
-          </a:fillRef>
-          <a:effectRef idx="0">
-            <a:schemeClr val="accent1"/>
-          </a:effectRef>
-          <a:fontRef idx="minor">
-            <a:schemeClr val="lt1"/>
-          </a:fontRef>
-        </p:style>
-        <p:txBody>
-          <a:bodyPr rtlCol="0" anchor="ctr"/>
-          <a:lstStyle/>
-          <a:p>
-            <a:pPr algn="ctr"/>
-            <a:endParaRPr lang="de-DE"/>
-          </a:p>
-        </p:txBody>
-      </p:sp>
-      <p:pic>
-        <p:nvPicPr>
-          <p:cNvPr id="24" name="Picture 4">
-            <a:extLst>
-              <a:ext uri="{FF2B5EF4-FFF2-40B4-BE49-F238E27FC236}">
-                <a16:creationId xmlns:a16="http://schemas.microsoft.com/office/drawing/2014/main" id="{F668A630-DDE5-F7FD-292A-06605BED7FC7}"/>
-              </a:ext>
-            </a:extLst>
-          </p:cNvPr>
-          <p:cNvPicPr>
-            <a:picLocks noChangeAspect="1"/>
-          </p:cNvPicPr>
-          <p:nvPr/>
-        </p:nvPicPr>
-        <p:blipFill>
-          <a:blip r:embed="rId3"/>
-          <a:stretch>
-            <a:fillRect/>
-          </a:stretch>
-        </p:blipFill>
-        <p:spPr>
-          <a:xfrm>
-            <a:off x="3011867" y="1985800"/>
-            <a:ext cx="426720" cy="482379"/>
-          </a:xfrm>
-          <a:prstGeom prst="rect">
-            <a:avLst/>
-          </a:prstGeom>
-        </p:spPr>
-      </p:pic>
-      <p:pic>
-        <p:nvPicPr>
-          <p:cNvPr id="28" name="Picture 6">
-            <a:extLst>
-              <a:ext uri="{FF2B5EF4-FFF2-40B4-BE49-F238E27FC236}">
-                <a16:creationId xmlns:a16="http://schemas.microsoft.com/office/drawing/2014/main" id="{97D45E23-90AD-A028-05E6-6586A5843E21}"/>
-              </a:ext>
-            </a:extLst>
-          </p:cNvPr>
-          <p:cNvPicPr>
-            <a:picLocks noChangeAspect="1"/>
-          </p:cNvPicPr>
-          <p:nvPr/>
-        </p:nvPicPr>
-        <p:blipFill>
-          <a:blip r:embed="rId4"/>
-          <a:stretch>
-            <a:fillRect/>
-          </a:stretch>
-        </p:blipFill>
-        <p:spPr>
-          <a:xfrm>
-            <a:off x="8506056" y="2030568"/>
-            <a:ext cx="549008" cy="336268"/>
-          </a:xfrm>
-          <a:prstGeom prst="rect">
-            <a:avLst/>
-          </a:prstGeom>
-        </p:spPr>
-      </p:pic>
-      <p:sp>
-        <p:nvSpPr>
-          <p:cNvPr id="29" name="Rectangle: Rounded Corners 6">
-            <a:extLst>
-              <a:ext uri="{FF2B5EF4-FFF2-40B4-BE49-F238E27FC236}">
-                <a16:creationId xmlns:a16="http://schemas.microsoft.com/office/drawing/2014/main" id="{8A69E514-DFCE-BDFC-FE4E-7567049EB630}"/>
-              </a:ext>
-            </a:extLst>
-          </p:cNvPr>
-          <p:cNvSpPr/>
-          <p:nvPr/>
-        </p:nvSpPr>
-        <p:spPr>
-          <a:xfrm>
-            <a:off x="8896038" y="2468179"/>
-            <a:ext cx="2558017" cy="768927"/>
-          </a:xfrm>
-          <a:prstGeom prst="roundRect">
-            <a:avLst/>
-          </a:prstGeom>
-          <a:solidFill>
-            <a:schemeClr val="bg1">
-              <a:lumMod val="65000"/>
-            </a:schemeClr>
-          </a:solidFill>
-          <a:ln>
-            <a:noFill/>
-          </a:ln>
-        </p:spPr>
-        <p:style>
-          <a:lnRef idx="2">
-            <a:schemeClr val="accent1">
-              <a:shade val="50000"/>
-            </a:schemeClr>
-          </a:lnRef>
-          <a:fillRef idx="1">
-            <a:schemeClr val="accent1"/>
-          </a:fillRef>
-          <a:effectRef idx="0">
-            <a:schemeClr val="accent1"/>
-          </a:effectRef>
-          <a:fontRef idx="minor">
-            <a:schemeClr val="lt1"/>
-          </a:fontRef>
-        </p:style>
-        <p:txBody>
-          <a:bodyPr rtlCol="0" anchor="ctr"/>
-          <a:lstStyle/>
-          <a:p>
-            <a:pPr algn="ctr"/>
-            <a:r>
-              <a:rPr lang="de-DE" dirty="0"/>
-              <a:t>EC2 </a:t>
-            </a:r>
-            <a:r>
-              <a:rPr lang="de-DE" dirty="0" err="1"/>
-              <a:t>machine</a:t>
-            </a:r>
-            <a:endParaRPr lang="de-DE" dirty="0"/>
-          </a:p>
-        </p:txBody>
-      </p:sp>
-      <p:sp>
-        <p:nvSpPr>
-          <p:cNvPr id="30" name="Rectangle: Rounded Corners 17">
-            <a:extLst>
-              <a:ext uri="{FF2B5EF4-FFF2-40B4-BE49-F238E27FC236}">
-                <a16:creationId xmlns:a16="http://schemas.microsoft.com/office/drawing/2014/main" id="{C3D25223-D404-A957-180D-7C74A93E192A}"/>
-              </a:ext>
-            </a:extLst>
-          </p:cNvPr>
-          <p:cNvSpPr/>
-          <p:nvPr/>
-        </p:nvSpPr>
-        <p:spPr>
-          <a:xfrm flipH="1" flipV="1">
-            <a:off x="8300426" y="1882666"/>
-            <a:ext cx="3424355" cy="1594946"/>
-          </a:xfrm>
-          <a:prstGeom prst="roundRect">
-            <a:avLst/>
-          </a:prstGeom>
-          <a:noFill/>
-          <a:ln>
-            <a:solidFill>
-              <a:schemeClr val="bg1">
-                <a:lumMod val="75000"/>
-              </a:schemeClr>
-            </a:solidFill>
-          </a:ln>
-        </p:spPr>
-        <p:style>
-          <a:lnRef idx="2">
-            <a:schemeClr val="accent1">
-              <a:shade val="50000"/>
-            </a:schemeClr>
-          </a:lnRef>
-          <a:fillRef idx="1">
-            <a:schemeClr val="accent1"/>
-          </a:fillRef>
-          <a:effectRef idx="0">
-            <a:schemeClr val="accent1"/>
-          </a:effectRef>
-          <a:fontRef idx="minor">
-            <a:schemeClr val="lt1"/>
-          </a:fontRef>
-        </p:style>
-        <p:txBody>
-          <a:bodyPr rtlCol="0" anchor="ctr"/>
-          <a:lstStyle/>
-          <a:p>
-            <a:pPr algn="ctr"/>
-            <a:endParaRPr lang="de-DE"/>
           </a:p>
         </p:txBody>
       </p:sp>
       <p:cxnSp>
         <p:nvCxnSpPr>
-          <p:cNvPr id="31" name="Straight Arrow Connector 11">
-            <a:extLst>
-              <a:ext uri="{FF2B5EF4-FFF2-40B4-BE49-F238E27FC236}">
-                <a16:creationId xmlns:a16="http://schemas.microsoft.com/office/drawing/2014/main" id="{227B2E06-2BE5-7007-A654-EBE79D0F9520}"/>
+          <p:cNvPr id="26" name="Straight Arrow Connector 13">
+            <a:extLst>
+              <a:ext uri="{FF2B5EF4-FFF2-40B4-BE49-F238E27FC236}">
+                <a16:creationId xmlns:a16="http://schemas.microsoft.com/office/drawing/2014/main" id="{D9F0D3DE-92F8-BAFA-2875-037DC3C725F9}"/>
               </a:ext>
             </a:extLst>
           </p:cNvPr>
           <p:cNvCxnSpPr>
             <a:cxnSpLocks/>
-            <a:stCxn id="20" idx="3"/>
-            <a:endCxn id="29" idx="1"/>
+            <a:stCxn id="5" idx="3"/>
+            <a:endCxn id="6" idx="1"/>
           </p:cNvCxnSpPr>
           <p:nvPr/>
         </p:nvCxnSpPr>
         <p:spPr>
           <a:xfrm>
-            <a:off x="5955145" y="2852643"/>
-            <a:ext cx="2940893" cy="0"/>
+            <a:off x="8340995" y="4765795"/>
+            <a:ext cx="555046" cy="3998"/>
           </a:xfrm>
           <a:prstGeom prst="straightConnector1">
             <a:avLst/>
@@ -13568,24 +13653,22 @@
       </p:cxnSp>
       <p:cxnSp>
         <p:nvCxnSpPr>
-          <p:cNvPr id="36" name="Straight Arrow Connector 11">
-            <a:extLst>
-              <a:ext uri="{FF2B5EF4-FFF2-40B4-BE49-F238E27FC236}">
-                <a16:creationId xmlns:a16="http://schemas.microsoft.com/office/drawing/2014/main" id="{0939BA32-55A3-5025-F860-5D4857282D4C}"/>
+          <p:cNvPr id="37" name="Straight Arrow Connector 13">
+            <a:extLst>
+              <a:ext uri="{FF2B5EF4-FFF2-40B4-BE49-F238E27FC236}">
+                <a16:creationId xmlns:a16="http://schemas.microsoft.com/office/drawing/2014/main" id="{A8015AE6-938D-9FA1-9EBD-F3A6AB72FA35}"/>
               </a:ext>
             </a:extLst>
           </p:cNvPr>
           <p:cNvCxnSpPr>
             <a:cxnSpLocks/>
-            <a:stCxn id="6" idx="0"/>
-            <a:endCxn id="29" idx="2"/>
           </p:cNvCxnSpPr>
           <p:nvPr/>
         </p:nvCxnSpPr>
         <p:spPr>
-          <a:xfrm flipV="1">
-            <a:off x="10175045" y="3237106"/>
-            <a:ext cx="2" cy="1165293"/>
+          <a:xfrm>
+            <a:off x="5583669" y="4765795"/>
+            <a:ext cx="541875" cy="0"/>
           </a:xfrm>
           <a:prstGeom prst="straightConnector1">
             <a:avLst/>
@@ -13618,112 +13701,26 @@
           </a:fontRef>
         </p:style>
       </p:cxnSp>
-      <p:sp>
-        <p:nvSpPr>
-          <p:cNvPr id="22" name="Rectangle: Rounded Corners 7">
-            <a:extLst>
-              <a:ext uri="{FF2B5EF4-FFF2-40B4-BE49-F238E27FC236}">
-                <a16:creationId xmlns:a16="http://schemas.microsoft.com/office/drawing/2014/main" id="{70D14B7E-B2E8-D44D-9F76-43A117366100}"/>
-              </a:ext>
-            </a:extLst>
-          </p:cNvPr>
-          <p:cNvSpPr/>
-          <p:nvPr/>
-        </p:nvSpPr>
-        <p:spPr>
-          <a:xfrm>
-            <a:off x="6163858" y="4402399"/>
-            <a:ext cx="2153842" cy="768927"/>
-          </a:xfrm>
-          <a:prstGeom prst="roundRect">
-            <a:avLst/>
-          </a:prstGeom>
-          <a:solidFill>
-            <a:schemeClr val="bg1">
-              <a:lumMod val="65000"/>
-            </a:schemeClr>
-          </a:solidFill>
-          <a:ln>
-            <a:noFill/>
-          </a:ln>
-        </p:spPr>
-        <p:style>
-          <a:lnRef idx="2">
-            <a:schemeClr val="accent1">
-              <a:shade val="50000"/>
-            </a:schemeClr>
-          </a:lnRef>
-          <a:fillRef idx="1">
-            <a:schemeClr val="accent1"/>
-          </a:fillRef>
-          <a:effectRef idx="0">
-            <a:schemeClr val="accent1"/>
-          </a:effectRef>
-          <a:fontRef idx="minor">
-            <a:schemeClr val="lt1"/>
-          </a:fontRef>
-        </p:style>
-        <p:txBody>
-          <a:bodyPr rtlCol="0" anchor="ctr"/>
-          <a:lstStyle/>
-          <a:p>
-            <a:pPr algn="ctr"/>
-            <a:r>
-              <a:rPr lang="de-DE" dirty="0"/>
-              <a:t>Push </a:t>
-            </a:r>
-            <a:r>
-              <a:rPr lang="de-DE" dirty="0" err="1"/>
-              <a:t>docker</a:t>
-            </a:r>
-            <a:r>
-              <a:rPr lang="de-DE" dirty="0"/>
-              <a:t> </a:t>
-            </a:r>
-            <a:r>
-              <a:rPr lang="de-DE" dirty="0" err="1"/>
-              <a:t>images</a:t>
-            </a:r>
-            <a:r>
-              <a:rPr lang="de-DE" dirty="0"/>
-              <a:t> </a:t>
-            </a:r>
-            <a:r>
-              <a:rPr lang="de-DE" dirty="0" err="1"/>
-              <a:t>to</a:t>
-            </a:r>
-            <a:r>
-              <a:rPr lang="de-DE" dirty="0"/>
-              <a:t> </a:t>
-            </a:r>
-            <a:r>
-              <a:rPr lang="de-DE" dirty="0" err="1"/>
-              <a:t>dockerhub</a:t>
-            </a:r>
-            <a:endParaRPr lang="de-DE" dirty="0"/>
-          </a:p>
-        </p:txBody>
-      </p:sp>
       <p:cxnSp>
         <p:nvCxnSpPr>
-          <p:cNvPr id="26" name="Straight Arrow Connector 13">
-            <a:extLst>
-              <a:ext uri="{FF2B5EF4-FFF2-40B4-BE49-F238E27FC236}">
-                <a16:creationId xmlns:a16="http://schemas.microsoft.com/office/drawing/2014/main" id="{D9F0D3DE-92F8-BAFA-2875-037DC3C725F9}"/>
+          <p:cNvPr id="38" name="Straight Arrow Connector 13">
+            <a:extLst>
+              <a:ext uri="{FF2B5EF4-FFF2-40B4-BE49-F238E27FC236}">
+                <a16:creationId xmlns:a16="http://schemas.microsoft.com/office/drawing/2014/main" id="{3540DC38-4A95-BC65-75B7-CE5BB359397D}"/>
               </a:ext>
             </a:extLst>
           </p:cNvPr>
           <p:cNvCxnSpPr>
             <a:cxnSpLocks/>
-            <a:stCxn id="22" idx="3"/>
-            <a:endCxn id="6" idx="1"/>
+            <a:stCxn id="4" idx="3"/>
+            <a:endCxn id="22" idx="1"/>
           </p:cNvCxnSpPr>
           <p:nvPr/>
         </p:nvCxnSpPr>
         <p:spPr>
           <a:xfrm>
-            <a:off x="8317700" y="4786863"/>
-            <a:ext cx="578338" cy="0"/>
+            <a:off x="2615194" y="4765796"/>
+            <a:ext cx="814633" cy="0"/>
           </a:xfrm>
           <a:prstGeom prst="straightConnector1">
             <a:avLst/>
@@ -14910,10 +14907,10 @@
       </p:grpSpPr>
       <p:pic>
         <p:nvPicPr>
-          <p:cNvPr id="4" name="Grafik 3">
-            <a:extLst>
-              <a:ext uri="{FF2B5EF4-FFF2-40B4-BE49-F238E27FC236}">
-                <a16:creationId xmlns:a16="http://schemas.microsoft.com/office/drawing/2014/main" id="{73EAFD23-835D-BE75-950B-784D8824F747}"/>
+          <p:cNvPr id="5" name="Grafik 4">
+            <a:extLst>
+              <a:ext uri="{FF2B5EF4-FFF2-40B4-BE49-F238E27FC236}">
+                <a16:creationId xmlns:a16="http://schemas.microsoft.com/office/drawing/2014/main" id="{933AA050-33BC-ADA8-560D-587E2ED6CD34}"/>
               </a:ext>
             </a:extLst>
           </p:cNvPr>
@@ -14939,8 +14936,8 @@
         </p:blipFill>
         <p:spPr>
           <a:xfrm>
-            <a:off x="476704" y="2787382"/>
-            <a:ext cx="9294109" cy="3253758"/>
+            <a:off x="339132" y="2762514"/>
+            <a:ext cx="9454226" cy="3217929"/>
           </a:xfrm>
           <a:prstGeom prst="rect">
             <a:avLst/>
@@ -14989,7 +14986,7 @@
         </p:nvSpPr>
         <p:spPr>
           <a:xfrm>
-            <a:off x="2056737" y="1663601"/>
+            <a:off x="2740599" y="1639751"/>
             <a:ext cx="2719346" cy="646331"/>
           </a:xfrm>
           <a:prstGeom prst="rect">
@@ -15426,7 +15423,7 @@
         </p:blipFill>
         <p:spPr>
           <a:xfrm rot="10800000">
-            <a:off x="3416410" y="2305314"/>
+            <a:off x="4100272" y="2281464"/>
             <a:ext cx="914400" cy="914400"/>
           </a:xfrm>
           <a:prstGeom prst="rect">

--- a/Project Presentation.pptx
+++ b/Project Presentation.pptx
@@ -6,7 +6,7 @@
     <p:sldMasterId id="2147483660" r:id="rId2"/>
   </p:sldMasterIdLst>
   <p:notesMasterIdLst>
-    <p:notesMasterId r:id="rId35"/>
+    <p:notesMasterId r:id="rId34"/>
   </p:notesMasterIdLst>
   <p:sldIdLst>
     <p:sldId id="256" r:id="rId3"/>
@@ -32,15 +32,14 @@
     <p:sldId id="317" r:id="rId23"/>
     <p:sldId id="322" r:id="rId24"/>
     <p:sldId id="304" r:id="rId25"/>
-    <p:sldId id="305" r:id="rId26"/>
-    <p:sldId id="302" r:id="rId27"/>
-    <p:sldId id="324" r:id="rId28"/>
-    <p:sldId id="319" r:id="rId29"/>
-    <p:sldId id="326" r:id="rId30"/>
-    <p:sldId id="323" r:id="rId31"/>
-    <p:sldId id="320" r:id="rId32"/>
-    <p:sldId id="300" r:id="rId33"/>
-    <p:sldId id="303" r:id="rId34"/>
+    <p:sldId id="302" r:id="rId26"/>
+    <p:sldId id="324" r:id="rId27"/>
+    <p:sldId id="319" r:id="rId28"/>
+    <p:sldId id="326" r:id="rId29"/>
+    <p:sldId id="323" r:id="rId30"/>
+    <p:sldId id="320" r:id="rId31"/>
+    <p:sldId id="300" r:id="rId32"/>
+    <p:sldId id="303" r:id="rId33"/>
   </p:sldIdLst>
   <p:sldSz cx="12192000" cy="6858000"/>
   <p:notesSz cx="6858000" cy="9144000"/>
@@ -580,266 +579,6 @@
 </p:notes>
 </file>
 
-<file path=ppt/notesSlides/notesSlide10.xml><?xml version="1.0" encoding="utf-8"?>
-<p:notes xmlns:a="http://schemas.openxmlformats.org/drawingml/2006/main" xmlns:r="http://schemas.openxmlformats.org/officeDocument/2006/relationships" xmlns:p="http://schemas.openxmlformats.org/presentationml/2006/main">
-  <p:cSld>
-    <p:spTree>
-      <p:nvGrpSpPr>
-        <p:cNvPr id="1" name=""/>
-        <p:cNvGrpSpPr/>
-        <p:nvPr/>
-      </p:nvGrpSpPr>
-      <p:grpSpPr>
-        <a:xfrm>
-          <a:off x="0" y="0"/>
-          <a:ext cx="0" cy="0"/>
-          <a:chOff x="0" y="0"/>
-          <a:chExt cx="0" cy="0"/>
-        </a:xfrm>
-      </p:grpSpPr>
-      <p:sp>
-        <p:nvSpPr>
-          <p:cNvPr id="2" name="Folienbildplatzhalter 1"/>
-          <p:cNvSpPr>
-            <a:spLocks noGrp="1" noRot="1" noChangeAspect="1"/>
-          </p:cNvSpPr>
-          <p:nvPr>
-            <p:ph type="sldImg"/>
-          </p:nvPr>
-        </p:nvSpPr>
-        <p:spPr/>
-      </p:sp>
-      <p:sp>
-        <p:nvSpPr>
-          <p:cNvPr id="3" name="Notizenplatzhalter 2"/>
-          <p:cNvSpPr>
-            <a:spLocks noGrp="1"/>
-          </p:cNvSpPr>
-          <p:nvPr>
-            <p:ph type="body" idx="1"/>
-          </p:nvPr>
-        </p:nvSpPr>
-        <p:spPr/>
-        <p:txBody>
-          <a:bodyPr/>
-          <a:lstStyle/>
-          <a:p>
-            <a:r>
-              <a:rPr lang="de-DE" dirty="0"/>
-              <a:t>Like </a:t>
-            </a:r>
-            <a:r>
-              <a:rPr lang="de-DE" dirty="0" err="1"/>
-              <a:t>this</a:t>
-            </a:r>
-            <a:r>
-              <a:rPr lang="de-DE" dirty="0"/>
-              <a:t>, </a:t>
-            </a:r>
-            <a:r>
-              <a:rPr lang="de-DE" dirty="0" err="1"/>
-              <a:t>the</a:t>
-            </a:r>
-            <a:r>
-              <a:rPr lang="de-DE" dirty="0"/>
-              <a:t> </a:t>
-            </a:r>
-            <a:r>
-              <a:rPr lang="de-DE" dirty="0" err="1"/>
-              <a:t>handling</a:t>
-            </a:r>
-            <a:r>
-              <a:rPr lang="de-DE" dirty="0"/>
-              <a:t> of </a:t>
-            </a:r>
-            <a:r>
-              <a:rPr lang="de-DE" dirty="0" err="1"/>
-              <a:t>the</a:t>
-            </a:r>
-            <a:r>
-              <a:rPr lang="de-DE" dirty="0"/>
-              <a:t> </a:t>
-            </a:r>
-            <a:r>
-              <a:rPr lang="de-DE" dirty="0" err="1"/>
-              <a:t>data</a:t>
-            </a:r>
-            <a:r>
-              <a:rPr lang="de-DE" dirty="0"/>
-              <a:t> </a:t>
-            </a:r>
-            <a:r>
-              <a:rPr lang="de-DE" dirty="0" err="1"/>
-              <a:t>would</a:t>
-            </a:r>
-            <a:r>
-              <a:rPr lang="de-DE" dirty="0"/>
-              <a:t> </a:t>
-            </a:r>
-            <a:r>
-              <a:rPr lang="de-DE" dirty="0" err="1"/>
-              <a:t>be</a:t>
-            </a:r>
-            <a:r>
-              <a:rPr lang="de-DE" dirty="0"/>
-              <a:t> </a:t>
-            </a:r>
-            <a:r>
-              <a:rPr lang="de-DE" dirty="0" err="1"/>
-              <a:t>improved</a:t>
-            </a:r>
-            <a:r>
-              <a:rPr lang="de-DE" dirty="0"/>
-              <a:t>, also </a:t>
-            </a:r>
-            <a:r>
-              <a:rPr lang="de-DE" dirty="0" err="1"/>
-              <a:t>it</a:t>
-            </a:r>
-            <a:r>
-              <a:rPr lang="de-DE" dirty="0"/>
-              <a:t> </a:t>
-            </a:r>
-            <a:r>
-              <a:rPr lang="de-DE" dirty="0" err="1"/>
-              <a:t>would</a:t>
-            </a:r>
-            <a:r>
-              <a:rPr lang="de-DE" dirty="0"/>
-              <a:t> </a:t>
-            </a:r>
-            <a:r>
-              <a:rPr lang="de-DE" dirty="0" err="1"/>
-              <a:t>be</a:t>
-            </a:r>
-            <a:r>
-              <a:rPr lang="de-DE" dirty="0"/>
-              <a:t> possible </a:t>
-            </a:r>
-            <a:r>
-              <a:rPr lang="de-DE" dirty="0" err="1"/>
-              <a:t>to</a:t>
-            </a:r>
-            <a:r>
-              <a:rPr lang="de-DE" dirty="0"/>
-              <a:t> </a:t>
-            </a:r>
-            <a:r>
-              <a:rPr lang="de-DE" dirty="0" err="1"/>
-              <a:t>implement</a:t>
-            </a:r>
-            <a:r>
-              <a:rPr lang="de-DE" dirty="0"/>
-              <a:t> </a:t>
-            </a:r>
-            <a:r>
-              <a:rPr lang="de-DE" dirty="0" err="1"/>
-              <a:t>Autoscaling</a:t>
-            </a:r>
-            <a:r>
-              <a:rPr lang="de-DE" dirty="0"/>
-              <a:t> and Load Balancer, </a:t>
-            </a:r>
-            <a:r>
-              <a:rPr lang="de-DE" dirty="0" err="1"/>
-              <a:t>possibility</a:t>
-            </a:r>
-            <a:r>
-              <a:rPr lang="de-DE" dirty="0"/>
-              <a:t> </a:t>
-            </a:r>
-            <a:r>
-              <a:rPr lang="de-DE" dirty="0" err="1"/>
-              <a:t>to</a:t>
-            </a:r>
-            <a:r>
-              <a:rPr lang="de-DE" dirty="0"/>
-              <a:t> </a:t>
-            </a:r>
-            <a:r>
-              <a:rPr lang="de-DE" dirty="0" err="1"/>
-              <a:t>use</a:t>
-            </a:r>
-            <a:r>
-              <a:rPr lang="de-DE" dirty="0"/>
-              <a:t> an alternative </a:t>
-            </a:r>
-            <a:r>
-              <a:rPr lang="de-DE" dirty="0" err="1"/>
-              <a:t>to</a:t>
-            </a:r>
-            <a:r>
-              <a:rPr lang="de-DE" dirty="0"/>
-              <a:t> EC2 (e.g. Lambda, </a:t>
-            </a:r>
-            <a:r>
-              <a:rPr lang="de-DE" dirty="0" err="1"/>
-              <a:t>Beanstalk</a:t>
-            </a:r>
-            <a:r>
-              <a:rPr lang="de-DE" dirty="0"/>
-              <a:t>), </a:t>
-            </a:r>
-            <a:r>
-              <a:rPr lang="de-DE" dirty="0" err="1"/>
-              <a:t>fewer</a:t>
-            </a:r>
-            <a:r>
-              <a:rPr lang="de-DE" dirty="0"/>
-              <a:t> </a:t>
-            </a:r>
-            <a:r>
-              <a:rPr lang="de-DE" dirty="0" err="1"/>
-              <a:t>layers</a:t>
-            </a:r>
-            <a:r>
-              <a:rPr lang="de-DE" dirty="0"/>
-              <a:t> of </a:t>
-            </a:r>
-            <a:r>
-              <a:rPr lang="de-DE" dirty="0" err="1"/>
-              <a:t>virtualisation</a:t>
-            </a:r>
-            <a:endParaRPr lang="de-DE" dirty="0"/>
-          </a:p>
-        </p:txBody>
-      </p:sp>
-      <p:sp>
-        <p:nvSpPr>
-          <p:cNvPr id="4" name="Foliennummernplatzhalter 3"/>
-          <p:cNvSpPr>
-            <a:spLocks noGrp="1"/>
-          </p:cNvSpPr>
-          <p:nvPr>
-            <p:ph type="sldNum" sz="quarter" idx="5"/>
-          </p:nvPr>
-        </p:nvSpPr>
-        <p:spPr/>
-        <p:txBody>
-          <a:bodyPr/>
-          <a:lstStyle/>
-          <a:p>
-            <a:fld id="{5976870D-EDE0-4065-9108-FF08285B4E25}" type="slidenum">
-              <a:rPr lang="de-DE" smtClean="0"/>
-              <a:t>30</a:t>
-            </a:fld>
-            <a:endParaRPr lang="de-DE"/>
-          </a:p>
-        </p:txBody>
-      </p:sp>
-    </p:spTree>
-    <p:extLst>
-      <p:ext uri="{BB962C8B-B14F-4D97-AF65-F5344CB8AC3E}">
-        <p14:creationId xmlns:p14="http://schemas.microsoft.com/office/powerpoint/2010/main" val="191350293"/>
-      </p:ext>
-    </p:extLst>
-  </p:cSld>
-  <p:clrMapOvr>
-    <a:masterClrMapping/>
-  </p:clrMapOvr>
-</p:notes>
-</file>
-
 <file path=ppt/notesSlides/notesSlide2.xml><?xml version="1.0" encoding="utf-8"?>
 <p:notes xmlns:a="http://schemas.openxmlformats.org/drawingml/2006/main" xmlns:r="http://schemas.openxmlformats.org/officeDocument/2006/relationships" xmlns:p="http://schemas.openxmlformats.org/presentationml/2006/main">
   <p:cSld>
@@ -1984,7 +1723,7 @@
       </p:grpSpPr>
       <p:sp>
         <p:nvSpPr>
-          <p:cNvPr id="2" name="Slide Image Placeholder 1"/>
+          <p:cNvPr id="2" name="Folienbildplatzhalter 1"/>
           <p:cNvSpPr>
             <a:spLocks noGrp="1" noRot="1" noChangeAspect="1"/>
           </p:cNvSpPr>
@@ -1996,7 +1735,7 @@
       </p:sp>
       <p:sp>
         <p:nvSpPr>
-          <p:cNvPr id="3" name="Notes Placeholder 2"/>
+          <p:cNvPr id="3" name="Notizenplatzhalter 2"/>
           <p:cNvSpPr>
             <a:spLocks noGrp="1"/>
           </p:cNvSpPr>
@@ -2009,13 +1748,189 @@
           <a:bodyPr/>
           <a:lstStyle/>
           <a:p>
-            <a:endParaRPr lang="de-DE"/>
-          </a:p>
-        </p:txBody>
-      </p:sp>
-      <p:sp>
-        <p:nvSpPr>
-          <p:cNvPr id="4" name="Slide Number Placeholder 3"/>
+            <a:r>
+              <a:rPr lang="de-DE" dirty="0"/>
+              <a:t>Like </a:t>
+            </a:r>
+            <a:r>
+              <a:rPr lang="de-DE" dirty="0" err="1"/>
+              <a:t>this</a:t>
+            </a:r>
+            <a:r>
+              <a:rPr lang="de-DE" dirty="0"/>
+              <a:t>, </a:t>
+            </a:r>
+            <a:r>
+              <a:rPr lang="de-DE" dirty="0" err="1"/>
+              <a:t>the</a:t>
+            </a:r>
+            <a:r>
+              <a:rPr lang="de-DE" dirty="0"/>
+              <a:t> </a:t>
+            </a:r>
+            <a:r>
+              <a:rPr lang="de-DE" dirty="0" err="1"/>
+              <a:t>handling</a:t>
+            </a:r>
+            <a:r>
+              <a:rPr lang="de-DE" dirty="0"/>
+              <a:t> of </a:t>
+            </a:r>
+            <a:r>
+              <a:rPr lang="de-DE" dirty="0" err="1"/>
+              <a:t>the</a:t>
+            </a:r>
+            <a:r>
+              <a:rPr lang="de-DE" dirty="0"/>
+              <a:t> </a:t>
+            </a:r>
+            <a:r>
+              <a:rPr lang="de-DE" dirty="0" err="1"/>
+              <a:t>data</a:t>
+            </a:r>
+            <a:r>
+              <a:rPr lang="de-DE" dirty="0"/>
+              <a:t> </a:t>
+            </a:r>
+            <a:r>
+              <a:rPr lang="de-DE" dirty="0" err="1"/>
+              <a:t>would</a:t>
+            </a:r>
+            <a:r>
+              <a:rPr lang="de-DE" dirty="0"/>
+              <a:t> </a:t>
+            </a:r>
+            <a:r>
+              <a:rPr lang="de-DE" dirty="0" err="1"/>
+              <a:t>be</a:t>
+            </a:r>
+            <a:r>
+              <a:rPr lang="de-DE" dirty="0"/>
+              <a:t> </a:t>
+            </a:r>
+            <a:r>
+              <a:rPr lang="de-DE" dirty="0" err="1"/>
+              <a:t>improved</a:t>
+            </a:r>
+            <a:r>
+              <a:rPr lang="de-DE" dirty="0"/>
+              <a:t>, also </a:t>
+            </a:r>
+            <a:r>
+              <a:rPr lang="de-DE" dirty="0" err="1"/>
+              <a:t>it</a:t>
+            </a:r>
+            <a:r>
+              <a:rPr lang="de-DE" dirty="0"/>
+              <a:t> </a:t>
+            </a:r>
+            <a:r>
+              <a:rPr lang="de-DE" dirty="0" err="1"/>
+              <a:t>would</a:t>
+            </a:r>
+            <a:r>
+              <a:rPr lang="de-DE" dirty="0"/>
+              <a:t> </a:t>
+            </a:r>
+            <a:r>
+              <a:rPr lang="de-DE" dirty="0" err="1"/>
+              <a:t>be</a:t>
+            </a:r>
+            <a:r>
+              <a:rPr lang="de-DE" dirty="0"/>
+              <a:t> possible </a:t>
+            </a:r>
+            <a:r>
+              <a:rPr lang="de-DE" dirty="0" err="1"/>
+              <a:t>to</a:t>
+            </a:r>
+            <a:r>
+              <a:rPr lang="de-DE" dirty="0"/>
+              <a:t> </a:t>
+            </a:r>
+            <a:r>
+              <a:rPr lang="de-DE" dirty="0" err="1"/>
+              <a:t>implement</a:t>
+            </a:r>
+            <a:r>
+              <a:rPr lang="de-DE" dirty="0"/>
+              <a:t> </a:t>
+            </a:r>
+            <a:r>
+              <a:rPr lang="de-DE" dirty="0" err="1"/>
+              <a:t>Autoscaling</a:t>
+            </a:r>
+            <a:r>
+              <a:rPr lang="de-DE" dirty="0"/>
+              <a:t> and Load Balancer, </a:t>
+            </a:r>
+            <a:r>
+              <a:rPr lang="de-DE" dirty="0" err="1"/>
+              <a:t>possibility</a:t>
+            </a:r>
+            <a:r>
+              <a:rPr lang="de-DE" dirty="0"/>
+              <a:t> </a:t>
+            </a:r>
+            <a:r>
+              <a:rPr lang="de-DE" dirty="0" err="1"/>
+              <a:t>to</a:t>
+            </a:r>
+            <a:r>
+              <a:rPr lang="de-DE" dirty="0"/>
+              <a:t> </a:t>
+            </a:r>
+            <a:r>
+              <a:rPr lang="de-DE" dirty="0" err="1"/>
+              <a:t>use</a:t>
+            </a:r>
+            <a:r>
+              <a:rPr lang="de-DE" dirty="0"/>
+              <a:t> an alternative </a:t>
+            </a:r>
+            <a:r>
+              <a:rPr lang="de-DE" dirty="0" err="1"/>
+              <a:t>to</a:t>
+            </a:r>
+            <a:r>
+              <a:rPr lang="de-DE" dirty="0"/>
+              <a:t> EC2 (e.g. Lambda, </a:t>
+            </a:r>
+            <a:r>
+              <a:rPr lang="de-DE" dirty="0" err="1"/>
+              <a:t>Beanstalk</a:t>
+            </a:r>
+            <a:r>
+              <a:rPr lang="de-DE" dirty="0"/>
+              <a:t>), </a:t>
+            </a:r>
+            <a:r>
+              <a:rPr lang="de-DE" dirty="0" err="1"/>
+              <a:t>fewer</a:t>
+            </a:r>
+            <a:r>
+              <a:rPr lang="de-DE" dirty="0"/>
+              <a:t> </a:t>
+            </a:r>
+            <a:r>
+              <a:rPr lang="de-DE" dirty="0" err="1"/>
+              <a:t>layers</a:t>
+            </a:r>
+            <a:r>
+              <a:rPr lang="de-DE" dirty="0"/>
+              <a:t> of </a:t>
+            </a:r>
+            <a:r>
+              <a:rPr lang="de-DE" dirty="0" err="1"/>
+              <a:t>virtualisation</a:t>
+            </a:r>
+            <a:endParaRPr lang="de-DE" dirty="0"/>
+          </a:p>
+        </p:txBody>
+      </p:sp>
+      <p:sp>
+        <p:nvSpPr>
+          <p:cNvPr id="4" name="Foliennummernplatzhalter 3"/>
           <p:cNvSpPr>
             <a:spLocks noGrp="1"/>
           </p:cNvSpPr>
@@ -2030,7 +1945,7 @@
           <a:p>
             <a:fld id="{5976870D-EDE0-4065-9108-FF08285B4E25}" type="slidenum">
               <a:rPr lang="de-DE" smtClean="0"/>
-              <a:t>24</a:t>
+              <a:t>28</a:t>
             </a:fld>
             <a:endParaRPr lang="de-DE"/>
           </a:p>
@@ -2039,7 +1954,7 @@
     </p:spTree>
     <p:extLst>
       <p:ext uri="{BB962C8B-B14F-4D97-AF65-F5344CB8AC3E}">
-        <p14:creationId xmlns:p14="http://schemas.microsoft.com/office/powerpoint/2010/main" val="287121394"/>
+        <p14:creationId xmlns:p14="http://schemas.microsoft.com/office/powerpoint/2010/main" val="848746586"/>
       </p:ext>
     </p:extLst>
   </p:cSld>
@@ -2299,7 +2214,7 @@
     </p:spTree>
     <p:extLst>
       <p:ext uri="{BB962C8B-B14F-4D97-AF65-F5344CB8AC3E}">
-        <p14:creationId xmlns:p14="http://schemas.microsoft.com/office/powerpoint/2010/main" val="848746586"/>
+        <p14:creationId xmlns:p14="http://schemas.microsoft.com/office/powerpoint/2010/main" val="191350293"/>
       </p:ext>
     </p:extLst>
   </p:cSld>
@@ -15620,19 +15535,17 @@
       </p:grpSpPr>
       <p:pic>
         <p:nvPicPr>
-          <p:cNvPr id="6" name="Content Placeholder 5" descr="Graphical user interface&#10;&#10;Description automatically generated">
-            <a:extLst>
-              <a:ext uri="{FF2B5EF4-FFF2-40B4-BE49-F238E27FC236}">
-                <a16:creationId xmlns:a16="http://schemas.microsoft.com/office/drawing/2014/main" id="{ED725C0A-64A6-40CB-92B2-245C3C8F3BE6}"/>
+          <p:cNvPr id="8" name="Grafik 7">
+            <a:extLst>
+              <a:ext uri="{FF2B5EF4-FFF2-40B4-BE49-F238E27FC236}">
+                <a16:creationId xmlns:a16="http://schemas.microsoft.com/office/drawing/2014/main" id="{FAC98668-C192-06C0-8E13-7ABE2714EBD5}"/>
               </a:ext>
             </a:extLst>
           </p:cNvPr>
           <p:cNvPicPr>
-            <a:picLocks noGrp="1" noChangeAspect="1"/>
+            <a:picLocks noChangeAspect="1"/>
           </p:cNvPicPr>
-          <p:nvPr>
-            <p:ph idx="1"/>
-          </p:nvPr>
+          <p:nvPr/>
         </p:nvPicPr>
         <p:blipFill>
           <a:blip r:embed="rId3">
@@ -15648,9 +15561,12 @@
         </p:blipFill>
         <p:spPr>
           <a:xfrm>
-            <a:off x="1990673" y="128750"/>
-            <a:ext cx="8210654" cy="6600499"/>
-          </a:xfrm>
+            <a:off x="1127106" y="213836"/>
+            <a:ext cx="9937788" cy="6310210"/>
+          </a:xfrm>
+          <a:prstGeom prst="rect">
+            <a:avLst/>
+          </a:prstGeom>
         </p:spPr>
       </p:pic>
     </p:spTree>
@@ -15667,7 +15583,7 @@
 </file>
 
 <file path=ppt/slides/slide24.xml><?xml version="1.0" encoding="utf-8"?>
-<p:sld xmlns:a="http://schemas.openxmlformats.org/drawingml/2006/main" xmlns:r="http://schemas.openxmlformats.org/officeDocument/2006/relationships" xmlns:p="http://schemas.openxmlformats.org/presentationml/2006/main" show="0">
+<p:sld xmlns:a="http://schemas.openxmlformats.org/drawingml/2006/main" xmlns:r="http://schemas.openxmlformats.org/officeDocument/2006/relationships" xmlns:p="http://schemas.openxmlformats.org/presentationml/2006/main">
   <p:cSld>
     <p:spTree>
       <p:nvGrpSpPr>
@@ -15683,207 +15599,83 @@
           <a:chExt cx="0" cy="0"/>
         </a:xfrm>
       </p:grpSpPr>
-      <p:pic>
-        <p:nvPicPr>
-          <p:cNvPr id="6" name="Content Placeholder 5" descr="Graphical user interface&#10;&#10;Description automatically generated">
-            <a:extLst>
-              <a:ext uri="{FF2B5EF4-FFF2-40B4-BE49-F238E27FC236}">
-                <a16:creationId xmlns:a16="http://schemas.microsoft.com/office/drawing/2014/main" id="{ED725C0A-64A6-40CB-92B2-245C3C8F3BE6}"/>
-              </a:ext>
-            </a:extLst>
-          </p:cNvPr>
-          <p:cNvPicPr>
-            <a:picLocks noGrp="1" noChangeAspect="1"/>
-          </p:cNvPicPr>
+      <p:sp>
+        <p:nvSpPr>
+          <p:cNvPr id="2" name="Titel 1">
+            <a:extLst>
+              <a:ext uri="{FF2B5EF4-FFF2-40B4-BE49-F238E27FC236}">
+                <a16:creationId xmlns:a16="http://schemas.microsoft.com/office/drawing/2014/main" id="{423EE35B-33E3-42A0-BBDA-368E8D825D7E}"/>
+              </a:ext>
+            </a:extLst>
+          </p:cNvPr>
+          <p:cNvSpPr>
+            <a:spLocks noGrp="1"/>
+          </p:cNvSpPr>
           <p:nvPr>
-            <p:ph idx="1"/>
+            <p:ph type="ctrTitle"/>
           </p:nvPr>
-        </p:nvPicPr>
-        <p:blipFill>
-          <a:blip r:embed="rId3">
-            <a:extLst>
-              <a:ext uri="{28A0092B-C50C-407E-A947-70E740481C1C}">
-                <a14:useLocalDpi xmlns:a14="http://schemas.microsoft.com/office/drawing/2010/main" val="0"/>
-              </a:ext>
-            </a:extLst>
-          </a:blip>
-          <a:stretch>
-            <a:fillRect/>
-          </a:stretch>
-        </p:blipFill>
-        <p:spPr>
-          <a:xfrm>
-            <a:off x="1990673" y="128750"/>
-            <a:ext cx="8210654" cy="6600499"/>
-          </a:xfrm>
-        </p:spPr>
-      </p:pic>
-      <p:sp>
-        <p:nvSpPr>
-          <p:cNvPr id="2" name="Rectangle 1">
-            <a:extLst>
-              <a:ext uri="{FF2B5EF4-FFF2-40B4-BE49-F238E27FC236}">
-                <a16:creationId xmlns:a16="http://schemas.microsoft.com/office/drawing/2014/main" id="{C4C43598-254E-42A3-A873-E9DE551DF40B}"/>
-              </a:ext>
-            </a:extLst>
-          </p:cNvPr>
-          <p:cNvSpPr/>
-          <p:nvPr/>
-        </p:nvSpPr>
-        <p:spPr>
-          <a:xfrm>
-            <a:off x="1418897" y="2081048"/>
-            <a:ext cx="7683062" cy="1040524"/>
-          </a:xfrm>
-          <a:prstGeom prst="rect">
-            <a:avLst/>
-          </a:prstGeom>
-          <a:solidFill>
-            <a:schemeClr val="bg1">
-              <a:alpha val="70000"/>
-            </a:schemeClr>
-          </a:solidFill>
-          <a:ln>
-            <a:noFill/>
-          </a:ln>
-        </p:spPr>
-        <p:style>
-          <a:lnRef idx="2">
-            <a:schemeClr val="accent1">
-              <a:shade val="50000"/>
-            </a:schemeClr>
-          </a:lnRef>
-          <a:fillRef idx="1">
-            <a:schemeClr val="accent1"/>
-          </a:fillRef>
-          <a:effectRef idx="0">
-            <a:schemeClr val="accent1"/>
-          </a:effectRef>
-          <a:fontRef idx="minor">
-            <a:schemeClr val="lt1"/>
-          </a:fontRef>
-        </p:style>
-        <p:txBody>
-          <a:bodyPr rtlCol="0" anchor="ctr"/>
-          <a:lstStyle/>
-          <a:p>
-            <a:pPr algn="ctr"/>
-            <a:endParaRPr lang="de-DE"/>
-          </a:p>
-        </p:txBody>
-      </p:sp>
-      <p:sp>
-        <p:nvSpPr>
-          <p:cNvPr id="7" name="Rectangle 6">
-            <a:extLst>
-              <a:ext uri="{FF2B5EF4-FFF2-40B4-BE49-F238E27FC236}">
-                <a16:creationId xmlns:a16="http://schemas.microsoft.com/office/drawing/2014/main" id="{EFF89D9B-D28C-4593-BCB5-8437E76ED3D2}"/>
-              </a:ext>
-            </a:extLst>
-          </p:cNvPr>
-          <p:cNvSpPr/>
-          <p:nvPr/>
-        </p:nvSpPr>
-        <p:spPr>
-          <a:xfrm>
-            <a:off x="7147034" y="3121571"/>
-            <a:ext cx="1613338" cy="1481959"/>
-          </a:xfrm>
-          <a:prstGeom prst="rect">
-            <a:avLst/>
-          </a:prstGeom>
-          <a:solidFill>
-            <a:schemeClr val="bg1">
-              <a:alpha val="70000"/>
-            </a:schemeClr>
-          </a:solidFill>
-          <a:ln>
-            <a:noFill/>
-          </a:ln>
-        </p:spPr>
-        <p:style>
-          <a:lnRef idx="2">
-            <a:schemeClr val="accent1">
-              <a:shade val="50000"/>
-            </a:schemeClr>
-          </a:lnRef>
-          <a:fillRef idx="1">
-            <a:schemeClr val="accent1"/>
-          </a:fillRef>
-          <a:effectRef idx="0">
-            <a:schemeClr val="accent1"/>
-          </a:effectRef>
-          <a:fontRef idx="minor">
-            <a:schemeClr val="lt1"/>
-          </a:fontRef>
-        </p:style>
-        <p:txBody>
-          <a:bodyPr rtlCol="0" anchor="ctr"/>
-          <a:lstStyle/>
-          <a:p>
-            <a:pPr algn="ctr"/>
-            <a:endParaRPr lang="de-DE"/>
-          </a:p>
-        </p:txBody>
-      </p:sp>
-      <p:sp>
-        <p:nvSpPr>
-          <p:cNvPr id="8" name="Rectangle 7">
-            <a:extLst>
-              <a:ext uri="{FF2B5EF4-FFF2-40B4-BE49-F238E27FC236}">
-                <a16:creationId xmlns:a16="http://schemas.microsoft.com/office/drawing/2014/main" id="{D2B05F31-F8A8-4C31-969B-B15C8141EB9C}"/>
-              </a:ext>
-            </a:extLst>
-          </p:cNvPr>
-          <p:cNvSpPr/>
-          <p:nvPr/>
-        </p:nvSpPr>
-        <p:spPr>
-          <a:xfrm>
-            <a:off x="1644869" y="4382815"/>
-            <a:ext cx="3547242" cy="2475186"/>
-          </a:xfrm>
-          <a:prstGeom prst="rect">
-            <a:avLst/>
-          </a:prstGeom>
-          <a:solidFill>
-            <a:schemeClr val="bg1">
-              <a:alpha val="70000"/>
-            </a:schemeClr>
-          </a:solidFill>
-          <a:ln>
-            <a:noFill/>
-          </a:ln>
-        </p:spPr>
-        <p:style>
-          <a:lnRef idx="2">
-            <a:schemeClr val="accent1">
-              <a:shade val="50000"/>
-            </a:schemeClr>
-          </a:lnRef>
-          <a:fillRef idx="1">
-            <a:schemeClr val="accent1"/>
-          </a:fillRef>
-          <a:effectRef idx="0">
-            <a:schemeClr val="accent1"/>
-          </a:effectRef>
-          <a:fontRef idx="minor">
-            <a:schemeClr val="lt1"/>
-          </a:fontRef>
-        </p:style>
-        <p:txBody>
-          <a:bodyPr rtlCol="0" anchor="ctr"/>
-          <a:lstStyle/>
-          <a:p>
-            <a:pPr algn="ctr"/>
-            <a:endParaRPr lang="de-DE"/>
+        </p:nvSpPr>
+        <p:spPr/>
+        <p:txBody>
+          <a:bodyPr/>
+          <a:lstStyle/>
+          <a:p>
+            <a:r>
+              <a:rPr lang="de-DE"/>
+              <a:t>Working Demo</a:t>
+            </a:r>
+            <a:endParaRPr lang="de-DE" dirty="0"/>
+          </a:p>
+        </p:txBody>
+      </p:sp>
+      <p:sp>
+        <p:nvSpPr>
+          <p:cNvPr id="5" name="Untertitel 4">
+            <a:extLst>
+              <a:ext uri="{FF2B5EF4-FFF2-40B4-BE49-F238E27FC236}">
+                <a16:creationId xmlns:a16="http://schemas.microsoft.com/office/drawing/2014/main" id="{B11A7254-9FA9-40F3-BD35-E1C8D97446A8}"/>
+              </a:ext>
+            </a:extLst>
+          </p:cNvPr>
+          <p:cNvSpPr>
+            <a:spLocks noGrp="1"/>
+          </p:cNvSpPr>
+          <p:nvPr>
+            <p:ph type="subTitle" idx="1"/>
+          </p:nvPr>
+        </p:nvSpPr>
+        <p:spPr/>
+        <p:txBody>
+          <a:bodyPr/>
+          <a:lstStyle/>
+          <a:p>
+            <a:r>
+              <a:rPr lang="de-DE" dirty="0"/>
+              <a:t>See </a:t>
+            </a:r>
+            <a:r>
+              <a:rPr lang="de-DE" dirty="0" err="1"/>
+              <a:t>the</a:t>
+            </a:r>
+            <a:r>
+              <a:rPr lang="de-DE" dirty="0"/>
+              <a:t> </a:t>
+            </a:r>
+            <a:r>
+              <a:rPr lang="de-DE" dirty="0" err="1"/>
+              <a:t>magic</a:t>
+            </a:r>
+            <a:r>
+              <a:rPr lang="de-DE" dirty="0"/>
+              <a:t>… 🦄</a:t>
+            </a:r>
           </a:p>
         </p:txBody>
       </p:sp>
     </p:spTree>
     <p:extLst>
       <p:ext uri="{BB962C8B-B14F-4D97-AF65-F5344CB8AC3E}">
-        <p14:creationId xmlns:p14="http://schemas.microsoft.com/office/powerpoint/2010/main" val="1587925568"/>
+        <p14:creationId xmlns:p14="http://schemas.microsoft.com/office/powerpoint/2010/main" val="3888514522"/>
       </p:ext>
     </p:extLst>
   </p:cSld>
@@ -15926,67 +15718,68 @@
             <p:ph type="ctrTitle"/>
           </p:nvPr>
         </p:nvSpPr>
-        <p:spPr/>
-        <p:txBody>
-          <a:bodyPr/>
-          <a:lstStyle/>
-          <a:p>
-            <a:r>
-              <a:rPr lang="de-DE"/>
-              <a:t>Working Demo</a:t>
-            </a:r>
-            <a:endParaRPr lang="de-DE" dirty="0"/>
-          </a:p>
-        </p:txBody>
-      </p:sp>
-      <p:sp>
-        <p:nvSpPr>
-          <p:cNvPr id="5" name="Untertitel 4">
-            <a:extLst>
-              <a:ext uri="{FF2B5EF4-FFF2-40B4-BE49-F238E27FC236}">
-                <a16:creationId xmlns:a16="http://schemas.microsoft.com/office/drawing/2014/main" id="{B11A7254-9FA9-40F3-BD35-E1C8D97446A8}"/>
-              </a:ext>
-            </a:extLst>
-          </p:cNvPr>
-          <p:cNvSpPr>
-            <a:spLocks noGrp="1"/>
-          </p:cNvSpPr>
-          <p:nvPr>
-            <p:ph type="subTitle" idx="1"/>
-          </p:nvPr>
-        </p:nvSpPr>
-        <p:spPr/>
-        <p:txBody>
-          <a:bodyPr/>
-          <a:lstStyle/>
-          <a:p>
-            <a:r>
-              <a:rPr lang="de-DE" dirty="0"/>
-              <a:t>See </a:t>
-            </a:r>
-            <a:r>
-              <a:rPr lang="de-DE" dirty="0" err="1"/>
-              <a:t>the</a:t>
-            </a:r>
-            <a:r>
-              <a:rPr lang="de-DE" dirty="0"/>
-              <a:t> </a:t>
-            </a:r>
-            <a:r>
-              <a:rPr lang="de-DE" dirty="0" err="1"/>
-              <a:t>magic</a:t>
-            </a:r>
-            <a:r>
-              <a:rPr lang="de-DE" dirty="0"/>
-              <a:t>… 🦄</a:t>
-            </a:r>
-          </a:p>
-        </p:txBody>
-      </p:sp>
+        <p:spPr>
+          <a:xfrm>
+            <a:off x="1524000" y="1432464"/>
+            <a:ext cx="9144000" cy="2387600"/>
+          </a:xfrm>
+        </p:spPr>
+        <p:txBody>
+          <a:bodyPr>
+            <a:normAutofit/>
+          </a:bodyPr>
+          <a:lstStyle/>
+          <a:p>
+            <a:r>
+              <a:rPr lang="de-DE" sz="2800" dirty="0"/>
+              <a:t>https://gitlab.inf.unibz.it/Jana.Karas/cloud-computing-project</a:t>
+            </a:r>
+          </a:p>
+        </p:txBody>
+      </p:sp>
+      <p:pic>
+        <p:nvPicPr>
+          <p:cNvPr id="6" name="Grafik 5">
+            <a:extLst>
+              <a:ext uri="{FF2B5EF4-FFF2-40B4-BE49-F238E27FC236}">
+                <a16:creationId xmlns:a16="http://schemas.microsoft.com/office/drawing/2014/main" id="{BFCBC996-5DE8-D3B6-4865-A2B9DF3908FF}"/>
+              </a:ext>
+            </a:extLst>
+          </p:cNvPr>
+          <p:cNvPicPr>
+            <a:picLocks noChangeAspect="1"/>
+          </p:cNvPicPr>
+          <p:nvPr/>
+        </p:nvPicPr>
+        <p:blipFill>
+          <a:blip r:embed="rId2">
+            <a:extLst>
+              <a:ext uri="{28A0092B-C50C-407E-A947-70E740481C1C}">
+                <a14:useLocalDpi xmlns:a14="http://schemas.microsoft.com/office/drawing/2010/main" val="0"/>
+              </a:ext>
+              <a:ext uri="{96DAC541-7B7A-43D3-8B79-37D633B846F1}">
+                <asvg:svgBlip xmlns:asvg="http://schemas.microsoft.com/office/drawing/2016/SVG/main" r:embed="rId3"/>
+              </a:ext>
+            </a:extLst>
+          </a:blip>
+          <a:stretch>
+            <a:fillRect/>
+          </a:stretch>
+        </p:blipFill>
+        <p:spPr>
+          <a:xfrm>
+            <a:off x="5583858" y="4133532"/>
+            <a:ext cx="1024284" cy="1024284"/>
+          </a:xfrm>
+          <a:prstGeom prst="rect">
+            <a:avLst/>
+          </a:prstGeom>
+        </p:spPr>
+      </p:pic>
     </p:spTree>
     <p:extLst>
       <p:ext uri="{BB962C8B-B14F-4D97-AF65-F5344CB8AC3E}">
-        <p14:creationId xmlns:p14="http://schemas.microsoft.com/office/powerpoint/2010/main" val="3888514522"/>
+        <p14:creationId xmlns:p14="http://schemas.microsoft.com/office/powerpoint/2010/main" val="1611829248"/>
       </p:ext>
     </p:extLst>
   </p:cSld>
@@ -16029,110 +15822,6 @@
             <p:ph type="ctrTitle"/>
           </p:nvPr>
         </p:nvSpPr>
-        <p:spPr>
-          <a:xfrm>
-            <a:off x="1524000" y="1432464"/>
-            <a:ext cx="9144000" cy="2387600"/>
-          </a:xfrm>
-        </p:spPr>
-        <p:txBody>
-          <a:bodyPr>
-            <a:normAutofit/>
-          </a:bodyPr>
-          <a:lstStyle/>
-          <a:p>
-            <a:r>
-              <a:rPr lang="de-DE" sz="2800" dirty="0"/>
-              <a:t>https://gitlab.inf.unibz.it/Jana.Karas/cloud-computing-project</a:t>
-            </a:r>
-          </a:p>
-        </p:txBody>
-      </p:sp>
-      <p:pic>
-        <p:nvPicPr>
-          <p:cNvPr id="6" name="Grafik 5">
-            <a:extLst>
-              <a:ext uri="{FF2B5EF4-FFF2-40B4-BE49-F238E27FC236}">
-                <a16:creationId xmlns:a16="http://schemas.microsoft.com/office/drawing/2014/main" id="{BFCBC996-5DE8-D3B6-4865-A2B9DF3908FF}"/>
-              </a:ext>
-            </a:extLst>
-          </p:cNvPr>
-          <p:cNvPicPr>
-            <a:picLocks noChangeAspect="1"/>
-          </p:cNvPicPr>
-          <p:nvPr/>
-        </p:nvPicPr>
-        <p:blipFill>
-          <a:blip r:embed="rId2">
-            <a:extLst>
-              <a:ext uri="{28A0092B-C50C-407E-A947-70E740481C1C}">
-                <a14:useLocalDpi xmlns:a14="http://schemas.microsoft.com/office/drawing/2010/main" val="0"/>
-              </a:ext>
-              <a:ext uri="{96DAC541-7B7A-43D3-8B79-37D633B846F1}">
-                <asvg:svgBlip xmlns:asvg="http://schemas.microsoft.com/office/drawing/2016/SVG/main" r:embed="rId3"/>
-              </a:ext>
-            </a:extLst>
-          </a:blip>
-          <a:stretch>
-            <a:fillRect/>
-          </a:stretch>
-        </p:blipFill>
-        <p:spPr>
-          <a:xfrm>
-            <a:off x="5583858" y="4133532"/>
-            <a:ext cx="1024284" cy="1024284"/>
-          </a:xfrm>
-          <a:prstGeom prst="rect">
-            <a:avLst/>
-          </a:prstGeom>
-        </p:spPr>
-      </p:pic>
-    </p:spTree>
-    <p:extLst>
-      <p:ext uri="{BB962C8B-B14F-4D97-AF65-F5344CB8AC3E}">
-        <p14:creationId xmlns:p14="http://schemas.microsoft.com/office/powerpoint/2010/main" val="1611829248"/>
-      </p:ext>
-    </p:extLst>
-  </p:cSld>
-  <p:clrMapOvr>
-    <a:masterClrMapping/>
-  </p:clrMapOvr>
-</p:sld>
-</file>
-
-<file path=ppt/slides/slide27.xml><?xml version="1.0" encoding="utf-8"?>
-<p:sld xmlns:a="http://schemas.openxmlformats.org/drawingml/2006/main" xmlns:r="http://schemas.openxmlformats.org/officeDocument/2006/relationships" xmlns:p="http://schemas.openxmlformats.org/presentationml/2006/main">
-  <p:cSld>
-    <p:spTree>
-      <p:nvGrpSpPr>
-        <p:cNvPr id="1" name=""/>
-        <p:cNvGrpSpPr/>
-        <p:nvPr/>
-      </p:nvGrpSpPr>
-      <p:grpSpPr>
-        <a:xfrm>
-          <a:off x="0" y="0"/>
-          <a:ext cx="0" cy="0"/>
-          <a:chOff x="0" y="0"/>
-          <a:chExt cx="0" cy="0"/>
-        </a:xfrm>
-      </p:grpSpPr>
-      <p:sp>
-        <p:nvSpPr>
-          <p:cNvPr id="2" name="Titel 1">
-            <a:extLst>
-              <a:ext uri="{FF2B5EF4-FFF2-40B4-BE49-F238E27FC236}">
-                <a16:creationId xmlns:a16="http://schemas.microsoft.com/office/drawing/2014/main" id="{423EE35B-33E3-42A0-BBDA-368E8D825D7E}"/>
-              </a:ext>
-            </a:extLst>
-          </p:cNvPr>
-          <p:cNvSpPr>
-            <a:spLocks noGrp="1"/>
-          </p:cNvSpPr>
-          <p:nvPr>
-            <p:ph type="ctrTitle"/>
-          </p:nvPr>
-        </p:nvSpPr>
         <p:spPr/>
         <p:txBody>
           <a:bodyPr/>
@@ -16188,7 +15877,7 @@
 </p:sld>
 </file>
 
-<file path=ppt/slides/slide28.xml><?xml version="1.0" encoding="utf-8"?>
+<file path=ppt/slides/slide27.xml><?xml version="1.0" encoding="utf-8"?>
 <p:sld xmlns:a="http://schemas.openxmlformats.org/drawingml/2006/main" xmlns:r="http://schemas.openxmlformats.org/officeDocument/2006/relationships" xmlns:p="http://schemas.openxmlformats.org/presentationml/2006/main">
   <p:cSld>
     <p:spTree>
@@ -17012,7 +16701,7 @@
 </p:sld>
 </file>
 
-<file path=ppt/slides/slide29.xml><?xml version="1.0" encoding="utf-8"?>
+<file path=ppt/slides/slide28.xml><?xml version="1.0" encoding="utf-8"?>
 <p:sld xmlns:a="http://schemas.openxmlformats.org/drawingml/2006/main" xmlns:r="http://schemas.openxmlformats.org/officeDocument/2006/relationships" xmlns:p="http://schemas.openxmlformats.org/presentationml/2006/main">
   <p:cSld>
     <p:spTree>
@@ -18142,106 +17831,7 @@
 </p:sld>
 </file>
 
-<file path=ppt/slides/slide3.xml><?xml version="1.0" encoding="utf-8"?>
-<p:sld xmlns:a="http://schemas.openxmlformats.org/drawingml/2006/main" xmlns:r="http://schemas.openxmlformats.org/officeDocument/2006/relationships" xmlns:p="http://schemas.openxmlformats.org/presentationml/2006/main">
-  <p:cSld>
-    <p:bg>
-      <p:bgPr>
-        <a:solidFill>
-          <a:srgbClr val="516482"/>
-        </a:solidFill>
-        <a:effectLst/>
-      </p:bgPr>
-    </p:bg>
-    <p:spTree>
-      <p:nvGrpSpPr>
-        <p:cNvPr id="1" name=""/>
-        <p:cNvGrpSpPr/>
-        <p:nvPr/>
-      </p:nvGrpSpPr>
-      <p:grpSpPr>
-        <a:xfrm>
-          <a:off x="0" y="0"/>
-          <a:ext cx="0" cy="0"/>
-          <a:chOff x="0" y="0"/>
-          <a:chExt cx="0" cy="0"/>
-        </a:xfrm>
-      </p:grpSpPr>
-      <p:sp>
-        <p:nvSpPr>
-          <p:cNvPr id="2" name="Titel 1">
-            <a:extLst>
-              <a:ext uri="{FF2B5EF4-FFF2-40B4-BE49-F238E27FC236}">
-                <a16:creationId xmlns:a16="http://schemas.microsoft.com/office/drawing/2014/main" id="{423EE35B-33E3-42A0-BBDA-368E8D825D7E}"/>
-              </a:ext>
-            </a:extLst>
-          </p:cNvPr>
-          <p:cNvSpPr>
-            <a:spLocks noGrp="1"/>
-          </p:cNvSpPr>
-          <p:nvPr>
-            <p:ph type="ctrTitle"/>
-          </p:nvPr>
-        </p:nvSpPr>
-        <p:spPr/>
-        <p:txBody>
-          <a:bodyPr/>
-          <a:lstStyle/>
-          <a:p>
-            <a:r>
-              <a:rPr lang="de-DE" dirty="0"/>
-              <a:t>Basic </a:t>
-            </a:r>
-            <a:r>
-              <a:rPr lang="de-DE" dirty="0" err="1"/>
-              <a:t>Idea</a:t>
-            </a:r>
-            <a:r>
-              <a:rPr lang="de-DE" dirty="0"/>
-              <a:t> &amp; Tools</a:t>
-            </a:r>
-          </a:p>
-        </p:txBody>
-      </p:sp>
-      <p:sp>
-        <p:nvSpPr>
-          <p:cNvPr id="5" name="Untertitel 4">
-            <a:extLst>
-              <a:ext uri="{FF2B5EF4-FFF2-40B4-BE49-F238E27FC236}">
-                <a16:creationId xmlns:a16="http://schemas.microsoft.com/office/drawing/2014/main" id="{B11A7254-9FA9-40F3-BD35-E1C8D97446A8}"/>
-              </a:ext>
-            </a:extLst>
-          </p:cNvPr>
-          <p:cNvSpPr>
-            <a:spLocks noGrp="1"/>
-          </p:cNvSpPr>
-          <p:nvPr>
-            <p:ph type="subTitle" idx="1"/>
-          </p:nvPr>
-        </p:nvSpPr>
-        <p:spPr/>
-        <p:txBody>
-          <a:bodyPr/>
-          <a:lstStyle/>
-          <a:p>
-            <a:endParaRPr lang="de-DE"/>
-          </a:p>
-        </p:txBody>
-      </p:sp>
-    </p:spTree>
-    <p:extLst>
-      <p:ext uri="{BB962C8B-B14F-4D97-AF65-F5344CB8AC3E}">
-        <p14:creationId xmlns:p14="http://schemas.microsoft.com/office/powerpoint/2010/main" val="1443446330"/>
-      </p:ext>
-    </p:extLst>
-  </p:cSld>
-  <p:clrMapOvr>
-    <a:masterClrMapping/>
-  </p:clrMapOvr>
-</p:sld>
-</file>
-
-<file path=ppt/slides/slide30.xml><?xml version="1.0" encoding="utf-8"?>
+<file path=ppt/slides/slide29.xml><?xml version="1.0" encoding="utf-8"?>
 <p:sld xmlns:a="http://schemas.openxmlformats.org/drawingml/2006/main" xmlns:r="http://schemas.openxmlformats.org/officeDocument/2006/relationships" xmlns:p="http://schemas.openxmlformats.org/presentationml/2006/main">
   <p:cSld>
     <p:spTree>
@@ -20126,7 +19716,106 @@
 </p:sld>
 </file>
 
-<file path=ppt/slides/slide31.xml><?xml version="1.0" encoding="utf-8"?>
+<file path=ppt/slides/slide3.xml><?xml version="1.0" encoding="utf-8"?>
+<p:sld xmlns:a="http://schemas.openxmlformats.org/drawingml/2006/main" xmlns:r="http://schemas.openxmlformats.org/officeDocument/2006/relationships" xmlns:p="http://schemas.openxmlformats.org/presentationml/2006/main">
+  <p:cSld>
+    <p:bg>
+      <p:bgPr>
+        <a:solidFill>
+          <a:srgbClr val="516482"/>
+        </a:solidFill>
+        <a:effectLst/>
+      </p:bgPr>
+    </p:bg>
+    <p:spTree>
+      <p:nvGrpSpPr>
+        <p:cNvPr id="1" name=""/>
+        <p:cNvGrpSpPr/>
+        <p:nvPr/>
+      </p:nvGrpSpPr>
+      <p:grpSpPr>
+        <a:xfrm>
+          <a:off x="0" y="0"/>
+          <a:ext cx="0" cy="0"/>
+          <a:chOff x="0" y="0"/>
+          <a:chExt cx="0" cy="0"/>
+        </a:xfrm>
+      </p:grpSpPr>
+      <p:sp>
+        <p:nvSpPr>
+          <p:cNvPr id="2" name="Titel 1">
+            <a:extLst>
+              <a:ext uri="{FF2B5EF4-FFF2-40B4-BE49-F238E27FC236}">
+                <a16:creationId xmlns:a16="http://schemas.microsoft.com/office/drawing/2014/main" id="{423EE35B-33E3-42A0-BBDA-368E8D825D7E}"/>
+              </a:ext>
+            </a:extLst>
+          </p:cNvPr>
+          <p:cNvSpPr>
+            <a:spLocks noGrp="1"/>
+          </p:cNvSpPr>
+          <p:nvPr>
+            <p:ph type="ctrTitle"/>
+          </p:nvPr>
+        </p:nvSpPr>
+        <p:spPr/>
+        <p:txBody>
+          <a:bodyPr/>
+          <a:lstStyle/>
+          <a:p>
+            <a:r>
+              <a:rPr lang="de-DE" dirty="0"/>
+              <a:t>Basic </a:t>
+            </a:r>
+            <a:r>
+              <a:rPr lang="de-DE" dirty="0" err="1"/>
+              <a:t>Idea</a:t>
+            </a:r>
+            <a:r>
+              <a:rPr lang="de-DE" dirty="0"/>
+              <a:t> &amp; Tools</a:t>
+            </a:r>
+          </a:p>
+        </p:txBody>
+      </p:sp>
+      <p:sp>
+        <p:nvSpPr>
+          <p:cNvPr id="5" name="Untertitel 4">
+            <a:extLst>
+              <a:ext uri="{FF2B5EF4-FFF2-40B4-BE49-F238E27FC236}">
+                <a16:creationId xmlns:a16="http://schemas.microsoft.com/office/drawing/2014/main" id="{B11A7254-9FA9-40F3-BD35-E1C8D97446A8}"/>
+              </a:ext>
+            </a:extLst>
+          </p:cNvPr>
+          <p:cNvSpPr>
+            <a:spLocks noGrp="1"/>
+          </p:cNvSpPr>
+          <p:nvPr>
+            <p:ph type="subTitle" idx="1"/>
+          </p:nvPr>
+        </p:nvSpPr>
+        <p:spPr/>
+        <p:txBody>
+          <a:bodyPr/>
+          <a:lstStyle/>
+          <a:p>
+            <a:endParaRPr lang="de-DE"/>
+          </a:p>
+        </p:txBody>
+      </p:sp>
+    </p:spTree>
+    <p:extLst>
+      <p:ext uri="{BB962C8B-B14F-4D97-AF65-F5344CB8AC3E}">
+        <p14:creationId xmlns:p14="http://schemas.microsoft.com/office/powerpoint/2010/main" val="1443446330"/>
+      </p:ext>
+    </p:extLst>
+  </p:cSld>
+  <p:clrMapOvr>
+    <a:masterClrMapping/>
+  </p:clrMapOvr>
+</p:sld>
+</file>
+
+<file path=ppt/slides/slide30.xml><?xml version="1.0" encoding="utf-8"?>
 <p:sld xmlns:a="http://schemas.openxmlformats.org/drawingml/2006/main" xmlns:r="http://schemas.openxmlformats.org/officeDocument/2006/relationships" xmlns:p="http://schemas.openxmlformats.org/presentationml/2006/main" show="0">
   <p:cSld>
     <p:spTree>
@@ -20349,7 +20038,7 @@
 </p:sld>
 </file>
 
-<file path=ppt/slides/slide32.xml><?xml version="1.0" encoding="utf-8"?>
+<file path=ppt/slides/slide31.xml><?xml version="1.0" encoding="utf-8"?>
 <p:sld xmlns:a="http://schemas.openxmlformats.org/drawingml/2006/main" xmlns:r="http://schemas.openxmlformats.org/officeDocument/2006/relationships" xmlns:p="http://schemas.openxmlformats.org/presentationml/2006/main" show="0">
   <p:cSld>
     <p:spTree>

--- a/Project Presentation.pptx
+++ b/Project Presentation.pptx
@@ -14587,7 +14587,7 @@
           <a:p>
             <a:r>
               <a:rPr lang="de-DE" sz="2800" dirty="0"/>
-              <a:t>https://gitlab.inf.unibz.it/Jana.Karas/cloud-computing-project</a:t>
+              <a:t>https://github.com/janakaras/docker-in-the-cloud</a:t>
             </a:r>
           </a:p>
         </p:txBody>

--- a/Project Presentation.pptx
+++ b/Project Presentation.pptx
@@ -13443,84 +13443,39 @@
           <a:chExt cx="0" cy="0"/>
         </a:xfrm>
       </p:grpSpPr>
-      <p:sp>
-        <p:nvSpPr>
-          <p:cNvPr id="2" name="Titel 1">
-            <a:extLst>
-              <a:ext uri="{FF2B5EF4-FFF2-40B4-BE49-F238E27FC236}">
-                <a16:creationId xmlns:a16="http://schemas.microsoft.com/office/drawing/2014/main" id="{65F321A6-B27A-FCAB-B7CD-310195D9C352}"/>
-              </a:ext>
-            </a:extLst>
-          </p:cNvPr>
-          <p:cNvSpPr>
-            <a:spLocks noGrp="1"/>
-          </p:cNvSpPr>
-          <p:nvPr>
-            <p:ph type="title"/>
-          </p:nvPr>
-        </p:nvSpPr>
-        <p:spPr/>
-        <p:txBody>
-          <a:bodyPr/>
-          <a:lstStyle/>
-          <a:p>
-            <a:endParaRPr lang="de-DE"/>
-          </a:p>
-        </p:txBody>
-      </p:sp>
-      <p:sp>
-        <p:nvSpPr>
-          <p:cNvPr id="3" name="Inhaltsplatzhalter 2">
-            <a:extLst>
-              <a:ext uri="{FF2B5EF4-FFF2-40B4-BE49-F238E27FC236}">
-                <a16:creationId xmlns:a16="http://schemas.microsoft.com/office/drawing/2014/main" id="{2E501025-991A-F00D-93BA-8D3A9A360C4E}"/>
-              </a:ext>
-            </a:extLst>
-          </p:cNvPr>
-          <p:cNvSpPr>
-            <a:spLocks noGrp="1"/>
-          </p:cNvSpPr>
+      <p:pic>
+        <p:nvPicPr>
+          <p:cNvPr id="6" name="Inhaltsplatzhalter 5">
+            <a:extLst>
+              <a:ext uri="{FF2B5EF4-FFF2-40B4-BE49-F238E27FC236}">
+                <a16:creationId xmlns:a16="http://schemas.microsoft.com/office/drawing/2014/main" id="{7D61927E-75D3-9FE0-02E2-0C24E3BB8149}"/>
+              </a:ext>
+            </a:extLst>
+          </p:cNvPr>
+          <p:cNvPicPr>
+            <a:picLocks noGrp="1" noChangeAspect="1"/>
+          </p:cNvPicPr>
           <p:nvPr>
             <p:ph idx="1"/>
           </p:nvPr>
-        </p:nvSpPr>
-        <p:spPr/>
-        <p:txBody>
-          <a:bodyPr/>
-          <a:lstStyle/>
-          <a:p>
-            <a:endParaRPr lang="de-DE"/>
-          </a:p>
-        </p:txBody>
-      </p:sp>
-      <p:pic>
-        <p:nvPicPr>
-          <p:cNvPr id="5" name="Grafik 4">
-            <a:extLst>
-              <a:ext uri="{FF2B5EF4-FFF2-40B4-BE49-F238E27FC236}">
-                <a16:creationId xmlns:a16="http://schemas.microsoft.com/office/drawing/2014/main" id="{C62DE989-020E-E6E4-E856-813516B718FB}"/>
-              </a:ext>
-            </a:extLst>
-          </p:cNvPr>
-          <p:cNvPicPr>
-            <a:picLocks noChangeAspect="1"/>
-          </p:cNvPicPr>
-          <p:nvPr/>
         </p:nvPicPr>
         <p:blipFill>
-          <a:blip r:embed="rId2"/>
+          <a:blip r:embed="rId2">
+            <a:extLst>
+              <a:ext uri="{28A0092B-C50C-407E-A947-70E740481C1C}">
+                <a14:useLocalDpi xmlns:a14="http://schemas.microsoft.com/office/drawing/2010/main" val="0"/>
+              </a:ext>
+            </a:extLst>
+          </a:blip>
           <a:stretch>
             <a:fillRect/>
           </a:stretch>
         </p:blipFill>
         <p:spPr>
           <a:xfrm>
-            <a:off x="1614582" y="365125"/>
-            <a:ext cx="8962835" cy="5811838"/>
-          </a:xfrm>
-          <a:prstGeom prst="rect">
-            <a:avLst/>
-          </a:prstGeom>
+            <a:off x="1984889" y="556592"/>
+            <a:ext cx="8222222" cy="5206904"/>
+          </a:xfrm>
         </p:spPr>
       </p:pic>
     </p:spTree>
@@ -14295,59 +14250,39 @@
           </a:p>
         </p:txBody>
       </p:sp>
-      <p:sp>
-        <p:nvSpPr>
-          <p:cNvPr id="3" name="Inhaltsplatzhalter 2">
-            <a:extLst>
-              <a:ext uri="{FF2B5EF4-FFF2-40B4-BE49-F238E27FC236}">
-                <a16:creationId xmlns:a16="http://schemas.microsoft.com/office/drawing/2014/main" id="{990FCECD-0788-ABC3-E9C1-7BEF15A4F3BA}"/>
-              </a:ext>
-            </a:extLst>
-          </p:cNvPr>
-          <p:cNvSpPr>
-            <a:spLocks noGrp="1"/>
-          </p:cNvSpPr>
+      <p:pic>
+        <p:nvPicPr>
+          <p:cNvPr id="6" name="Inhaltsplatzhalter 5">
+            <a:extLst>
+              <a:ext uri="{FF2B5EF4-FFF2-40B4-BE49-F238E27FC236}">
+                <a16:creationId xmlns:a16="http://schemas.microsoft.com/office/drawing/2014/main" id="{DD4502D6-F203-AB38-D464-40CD2A64DD98}"/>
+              </a:ext>
+            </a:extLst>
+          </p:cNvPr>
+          <p:cNvPicPr>
+            <a:picLocks noGrp="1" noChangeAspect="1"/>
+          </p:cNvPicPr>
           <p:nvPr>
             <p:ph idx="1"/>
           </p:nvPr>
-        </p:nvSpPr>
-        <p:spPr/>
-        <p:txBody>
-          <a:bodyPr/>
-          <a:lstStyle/>
-          <a:p>
-            <a:endParaRPr lang="de-DE"/>
-          </a:p>
-        </p:txBody>
-      </p:sp>
-      <p:pic>
-        <p:nvPicPr>
-          <p:cNvPr id="5" name="Grafik 4">
-            <a:extLst>
-              <a:ext uri="{FF2B5EF4-FFF2-40B4-BE49-F238E27FC236}">
-                <a16:creationId xmlns:a16="http://schemas.microsoft.com/office/drawing/2014/main" id="{F4E7E60F-208E-42B0-52E7-8E0F87AA1705}"/>
-              </a:ext>
-            </a:extLst>
-          </p:cNvPr>
-          <p:cNvPicPr>
-            <a:picLocks noChangeAspect="1"/>
-          </p:cNvPicPr>
-          <p:nvPr/>
         </p:nvPicPr>
         <p:blipFill>
-          <a:blip r:embed="rId2"/>
+          <a:blip r:embed="rId2">
+            <a:extLst>
+              <a:ext uri="{28A0092B-C50C-407E-A947-70E740481C1C}">
+                <a14:useLocalDpi xmlns:a14="http://schemas.microsoft.com/office/drawing/2010/main" val="0"/>
+              </a:ext>
+            </a:extLst>
+          </a:blip>
           <a:stretch>
             <a:fillRect/>
           </a:stretch>
         </p:blipFill>
         <p:spPr>
           <a:xfrm>
-            <a:off x="1573547" y="365125"/>
-            <a:ext cx="9044905" cy="5741476"/>
-          </a:xfrm>
-          <a:prstGeom prst="rect">
-            <a:avLst/>
-          </a:prstGeom>
+            <a:off x="1841150" y="627518"/>
+            <a:ext cx="8509700" cy="5239544"/>
+          </a:xfrm>
         </p:spPr>
       </p:pic>
     </p:spTree>
@@ -14390,10 +14325,10 @@
       </p:grpSpPr>
       <p:pic>
         <p:nvPicPr>
-          <p:cNvPr id="8" name="Grafik 7">
-            <a:extLst>
-              <a:ext uri="{FF2B5EF4-FFF2-40B4-BE49-F238E27FC236}">
-                <a16:creationId xmlns:a16="http://schemas.microsoft.com/office/drawing/2014/main" id="{FAC98668-C192-06C0-8E13-7ABE2714EBD5}"/>
+          <p:cNvPr id="3" name="Grafik 2">
+            <a:extLst>
+              <a:ext uri="{FF2B5EF4-FFF2-40B4-BE49-F238E27FC236}">
+                <a16:creationId xmlns:a16="http://schemas.microsoft.com/office/drawing/2014/main" id="{7AA0A44B-8272-CCC0-90CF-773DC9F452DB}"/>
               </a:ext>
             </a:extLst>
           </p:cNvPr>
@@ -14416,8 +14351,8 @@
         </p:blipFill>
         <p:spPr>
           <a:xfrm>
-            <a:off x="1127106" y="213836"/>
-            <a:ext cx="9937788" cy="6310210"/>
+            <a:off x="1491940" y="418737"/>
+            <a:ext cx="9208119" cy="5846891"/>
           </a:xfrm>
           <a:prstGeom prst="rect">
             <a:avLst/>

--- a/Project Presentation.pptx
+++ b/Project Presentation.pptx
@@ -6,7 +6,7 @@
     <p:sldMasterId id="2147483660" r:id="rId2"/>
   </p:sldMasterIdLst>
   <p:notesMasterIdLst>
-    <p:notesMasterId r:id="rId33"/>
+    <p:notesMasterId r:id="rId31"/>
   </p:notesMasterIdLst>
   <p:sldIdLst>
     <p:sldId id="256" r:id="rId3"/>
@@ -37,8 +37,6 @@
     <p:sldId id="326" r:id="rId28"/>
     <p:sldId id="323" r:id="rId29"/>
     <p:sldId id="320" r:id="rId30"/>
-    <p:sldId id="300" r:id="rId31"/>
-    <p:sldId id="303" r:id="rId32"/>
   </p:sldIdLst>
   <p:sldSz cx="12192000" cy="6858000"/>
   <p:notesSz cx="6858000" cy="9144000"/>
@@ -227,7 +225,7 @@
           <a:p>
             <a:fld id="{1F1BAD5C-F1F8-43FF-B1E4-442C6F91B49A}" type="datetimeFigureOut">
               <a:rPr lang="de-DE" smtClean="0"/>
-              <a:t>16.05.2022</a:t>
+              <a:t>17.05.2022</a:t>
             </a:fld>
             <a:endParaRPr lang="de-DE"/>
           </a:p>
@@ -2225,7 +2223,7 @@
           <a:p>
             <a:fld id="{C8735BCC-3E06-4614-A9C9-2FA5849F9F0F}" type="datetimeFigureOut">
               <a:rPr lang="de-DE" smtClean="0"/>
-              <a:t>16.05.2022</a:t>
+              <a:t>17.05.2022</a:t>
             </a:fld>
             <a:endParaRPr lang="de-DE"/>
           </a:p>
@@ -2426,7 +2424,7 @@
           <a:p>
             <a:fld id="{C8735BCC-3E06-4614-A9C9-2FA5849F9F0F}" type="datetimeFigureOut">
               <a:rPr lang="de-DE" smtClean="0"/>
-              <a:t>16.05.2022</a:t>
+              <a:t>17.05.2022</a:t>
             </a:fld>
             <a:endParaRPr lang="de-DE"/>
           </a:p>
@@ -2634,7 +2632,7 @@
           <a:p>
             <a:fld id="{C8735BCC-3E06-4614-A9C9-2FA5849F9F0F}" type="datetimeFigureOut">
               <a:rPr lang="de-DE" smtClean="0"/>
-              <a:t>16.05.2022</a:t>
+              <a:t>17.05.2022</a:t>
             </a:fld>
             <a:endParaRPr lang="de-DE"/>
           </a:p>
@@ -2838,7 +2836,7 @@
           <a:p>
             <a:fld id="{C8735BCC-3E06-4614-A9C9-2FA5849F9F0F}" type="datetimeFigureOut">
               <a:rPr lang="de-DE" smtClean="0"/>
-              <a:t>16.05.2022</a:t>
+              <a:t>17.05.2022</a:t>
             </a:fld>
             <a:endParaRPr lang="de-DE"/>
           </a:p>
@@ -3008,7 +3006,7 @@
           <a:p>
             <a:fld id="{C8735BCC-3E06-4614-A9C9-2FA5849F9F0F}" type="datetimeFigureOut">
               <a:rPr lang="de-DE" smtClean="0"/>
-              <a:t>16.05.2022</a:t>
+              <a:t>17.05.2022</a:t>
             </a:fld>
             <a:endParaRPr lang="de-DE"/>
           </a:p>
@@ -3254,7 +3252,7 @@
           <a:p>
             <a:fld id="{C8735BCC-3E06-4614-A9C9-2FA5849F9F0F}" type="datetimeFigureOut">
               <a:rPr lang="de-DE" smtClean="0"/>
-              <a:t>16.05.2022</a:t>
+              <a:t>17.05.2022</a:t>
             </a:fld>
             <a:endParaRPr lang="de-DE"/>
           </a:p>
@@ -3486,7 +3484,7 @@
           <a:p>
             <a:fld id="{C8735BCC-3E06-4614-A9C9-2FA5849F9F0F}" type="datetimeFigureOut">
               <a:rPr lang="de-DE" smtClean="0"/>
-              <a:t>16.05.2022</a:t>
+              <a:t>17.05.2022</a:t>
             </a:fld>
             <a:endParaRPr lang="de-DE"/>
           </a:p>
@@ -3853,7 +3851,7 @@
           <a:p>
             <a:fld id="{C8735BCC-3E06-4614-A9C9-2FA5849F9F0F}" type="datetimeFigureOut">
               <a:rPr lang="de-DE" smtClean="0"/>
-              <a:t>16.05.2022</a:t>
+              <a:t>17.05.2022</a:t>
             </a:fld>
             <a:endParaRPr lang="de-DE"/>
           </a:p>
@@ -3971,7 +3969,7 @@
           <a:p>
             <a:fld id="{C8735BCC-3E06-4614-A9C9-2FA5849F9F0F}" type="datetimeFigureOut">
               <a:rPr lang="de-DE" smtClean="0"/>
-              <a:t>16.05.2022</a:t>
+              <a:t>17.05.2022</a:t>
             </a:fld>
             <a:endParaRPr lang="de-DE"/>
           </a:p>
@@ -4066,7 +4064,7 @@
           <a:p>
             <a:fld id="{C8735BCC-3E06-4614-A9C9-2FA5849F9F0F}" type="datetimeFigureOut">
               <a:rPr lang="de-DE" smtClean="0"/>
-              <a:t>16.05.2022</a:t>
+              <a:t>17.05.2022</a:t>
             </a:fld>
             <a:endParaRPr lang="de-DE"/>
           </a:p>
@@ -4343,7 +4341,7 @@
           <a:p>
             <a:fld id="{C8735BCC-3E06-4614-A9C9-2FA5849F9F0F}" type="datetimeFigureOut">
               <a:rPr lang="de-DE" smtClean="0"/>
-              <a:t>16.05.2022</a:t>
+              <a:t>17.05.2022</a:t>
             </a:fld>
             <a:endParaRPr lang="de-DE"/>
           </a:p>
@@ -4589,7 +4587,7 @@
             <a:fld id="{C8735BCC-3E06-4614-A9C9-2FA5849F9F0F}" type="datetimeFigureOut">
               <a:rPr lang="de-DE" smtClean="0"/>
               <a:pPr/>
-              <a:t>16.05.2022</a:t>
+              <a:t>17.05.2022</a:t>
             </a:fld>
             <a:endParaRPr lang="de-DE"/>
           </a:p>
@@ -4879,7 +4877,7 @@
           <a:p>
             <a:fld id="{C8735BCC-3E06-4614-A9C9-2FA5849F9F0F}" type="datetimeFigureOut">
               <a:rPr lang="de-DE" smtClean="0"/>
-              <a:t>16.05.2022</a:t>
+              <a:t>17.05.2022</a:t>
             </a:fld>
             <a:endParaRPr lang="de-DE"/>
           </a:p>
@@ -5049,7 +5047,7 @@
           <a:p>
             <a:fld id="{C8735BCC-3E06-4614-A9C9-2FA5849F9F0F}" type="datetimeFigureOut">
               <a:rPr lang="de-DE" smtClean="0"/>
-              <a:t>16.05.2022</a:t>
+              <a:t>17.05.2022</a:t>
             </a:fld>
             <a:endParaRPr lang="de-DE"/>
           </a:p>
@@ -5229,7 +5227,7 @@
           <a:p>
             <a:fld id="{C8735BCC-3E06-4614-A9C9-2FA5849F9F0F}" type="datetimeFigureOut">
               <a:rPr lang="de-DE" smtClean="0"/>
-              <a:t>16.05.2022</a:t>
+              <a:t>17.05.2022</a:t>
             </a:fld>
             <a:endParaRPr lang="de-DE"/>
           </a:p>
@@ -5492,7 +5490,7 @@
           <a:p>
             <a:fld id="{C8735BCC-3E06-4614-A9C9-2FA5849F9F0F}" type="datetimeFigureOut">
               <a:rPr lang="de-DE" smtClean="0"/>
-              <a:t>16.05.2022</a:t>
+              <a:t>17.05.2022</a:t>
             </a:fld>
             <a:endParaRPr lang="de-DE"/>
           </a:p>
@@ -5760,7 +5758,7 @@
           <a:p>
             <a:fld id="{C8735BCC-3E06-4614-A9C9-2FA5849F9F0F}" type="datetimeFigureOut">
               <a:rPr lang="de-DE" smtClean="0"/>
-              <a:t>16.05.2022</a:t>
+              <a:t>17.05.2022</a:t>
             </a:fld>
             <a:endParaRPr lang="de-DE"/>
           </a:p>
@@ -6175,7 +6173,7 @@
           <a:p>
             <a:fld id="{C8735BCC-3E06-4614-A9C9-2FA5849F9F0F}" type="datetimeFigureOut">
               <a:rPr lang="de-DE" smtClean="0"/>
-              <a:t>16.05.2022</a:t>
+              <a:t>17.05.2022</a:t>
             </a:fld>
             <a:endParaRPr lang="de-DE"/>
           </a:p>
@@ -6316,7 +6314,7 @@
           <a:p>
             <a:fld id="{C8735BCC-3E06-4614-A9C9-2FA5849F9F0F}" type="datetimeFigureOut">
               <a:rPr lang="de-DE" smtClean="0"/>
-              <a:t>16.05.2022</a:t>
+              <a:t>17.05.2022</a:t>
             </a:fld>
             <a:endParaRPr lang="de-DE"/>
           </a:p>
@@ -6429,7 +6427,7 @@
           <a:p>
             <a:fld id="{C8735BCC-3E06-4614-A9C9-2FA5849F9F0F}" type="datetimeFigureOut">
               <a:rPr lang="de-DE" smtClean="0"/>
-              <a:t>16.05.2022</a:t>
+              <a:t>17.05.2022</a:t>
             </a:fld>
             <a:endParaRPr lang="de-DE"/>
           </a:p>
@@ -6740,7 +6738,7 @@
           <a:p>
             <a:fld id="{C8735BCC-3E06-4614-A9C9-2FA5849F9F0F}" type="datetimeFigureOut">
               <a:rPr lang="de-DE" smtClean="0"/>
-              <a:t>16.05.2022</a:t>
+              <a:t>17.05.2022</a:t>
             </a:fld>
             <a:endParaRPr lang="de-DE"/>
           </a:p>
@@ -7028,7 +7026,7 @@
           <a:p>
             <a:fld id="{C8735BCC-3E06-4614-A9C9-2FA5849F9F0F}" type="datetimeFigureOut">
               <a:rPr lang="de-DE" smtClean="0"/>
-              <a:t>16.05.2022</a:t>
+              <a:t>17.05.2022</a:t>
             </a:fld>
             <a:endParaRPr lang="de-DE"/>
           </a:p>
@@ -7269,7 +7267,7 @@
           <a:p>
             <a:fld id="{C8735BCC-3E06-4614-A9C9-2FA5849F9F0F}" type="datetimeFigureOut">
               <a:rPr lang="de-DE" smtClean="0"/>
-              <a:t>16.05.2022</a:t>
+              <a:t>17.05.2022</a:t>
             </a:fld>
             <a:endParaRPr lang="de-DE"/>
           </a:p>
@@ -7821,7 +7819,7 @@
           <a:p>
             <a:fld id="{C8735BCC-3E06-4614-A9C9-2FA5849F9F0F}" type="datetimeFigureOut">
               <a:rPr lang="de-DE" smtClean="0"/>
-              <a:t>16.05.2022</a:t>
+              <a:t>17.05.2022</a:t>
             </a:fld>
             <a:endParaRPr lang="de-DE"/>
           </a:p>
@@ -12576,7 +12574,15 @@
           <a:p>
             <a:r>
               <a:rPr lang="de-DE" dirty="0"/>
-              <a:t>Critical Points</a:t>
+              <a:t>Challenges in </a:t>
+            </a:r>
+            <a:r>
+              <a:rPr lang="de-DE" dirty="0" err="1"/>
+              <a:t>the</a:t>
+            </a:r>
+            <a:r>
+              <a:rPr lang="de-DE" dirty="0"/>
+              <a:t> Development</a:t>
             </a:r>
           </a:p>
         </p:txBody>
@@ -14619,7 +14625,7 @@
           <a:p>
             <a:r>
               <a:rPr lang="de-DE" dirty="0"/>
-              <a:t>Challenges &amp; </a:t>
+              <a:t>Possible </a:t>
             </a:r>
             <a:r>
               <a:rPr lang="de-DE" dirty="0" err="1"/>
@@ -14668,7 +14674,7 @@
 </file>
 
 <file path=ppt/slides/slide26.xml><?xml version="1.0" encoding="utf-8"?>
-<p:sld xmlns:a="http://schemas.openxmlformats.org/drawingml/2006/main" xmlns:r="http://schemas.openxmlformats.org/officeDocument/2006/relationships" xmlns:p="http://schemas.openxmlformats.org/presentationml/2006/main">
+<p:sld xmlns:a="http://schemas.openxmlformats.org/drawingml/2006/main" xmlns:r="http://schemas.openxmlformats.org/officeDocument/2006/relationships" xmlns:p="http://schemas.openxmlformats.org/presentationml/2006/main" show="0">
   <p:cSld>
     <p:spTree>
       <p:nvGrpSpPr>
@@ -16654,7 +16660,7 @@
             <p:ph idx="1"/>
             <p:extLst>
               <p:ext uri="{D42A27DB-BD31-4B8C-83A1-F6EECF244321}">
-                <p14:modId xmlns:p14="http://schemas.microsoft.com/office/powerpoint/2010/main" val="3771457541"/>
+                <p14:modId xmlns:p14="http://schemas.microsoft.com/office/powerpoint/2010/main" val="2844911467"/>
               </p:ext>
             </p:extLst>
           </p:nvPr>
@@ -16751,7 +16757,26 @@
                         <a:rPr lang="de-DE" sz="2400" dirty="0" err="1"/>
                         <a:t>Improvement</a:t>
                       </a:r>
-                      <a:endParaRPr lang="de-DE" sz="2400" dirty="0"/>
+                      <a:r>
+                        <a:rPr lang="de-DE" sz="2400" dirty="0"/>
+                        <a:t> (not </a:t>
+                      </a:r>
+                      <a:r>
+                        <a:rPr lang="de-DE" sz="2400" dirty="0" err="1"/>
+                        <a:t>using</a:t>
+                      </a:r>
+                      <a:r>
+                        <a:rPr lang="de-DE" sz="2400" dirty="0"/>
+                        <a:t> </a:t>
+                      </a:r>
+                      <a:r>
+                        <a:rPr lang="de-DE" sz="2400" dirty="0" err="1"/>
+                        <a:t>docker-compose</a:t>
+                      </a:r>
+                      <a:r>
+                        <a:rPr lang="de-DE" sz="2400" dirty="0"/>
+                        <a:t>)</a:t>
+                      </a:r>
                     </a:p>
                   </a:txBody>
                   <a:tcPr anchor="ctr">
@@ -18506,229 +18531,6 @@
 </p:sld>
 </file>
 
-<file path=ppt/slides/slide29.xml><?xml version="1.0" encoding="utf-8"?>
-<p:sld xmlns:a="http://schemas.openxmlformats.org/drawingml/2006/main" xmlns:r="http://schemas.openxmlformats.org/officeDocument/2006/relationships" xmlns:p="http://schemas.openxmlformats.org/presentationml/2006/main" show="0">
-  <p:cSld>
-    <p:spTree>
-      <p:nvGrpSpPr>
-        <p:cNvPr id="1" name=""/>
-        <p:cNvGrpSpPr/>
-        <p:nvPr/>
-      </p:nvGrpSpPr>
-      <p:grpSpPr>
-        <a:xfrm>
-          <a:off x="0" y="0"/>
-          <a:ext cx="0" cy="0"/>
-          <a:chOff x="0" y="0"/>
-          <a:chExt cx="0" cy="0"/>
-        </a:xfrm>
-      </p:grpSpPr>
-      <p:sp>
-        <p:nvSpPr>
-          <p:cNvPr id="2" name="Titel 1">
-            <a:extLst>
-              <a:ext uri="{FF2B5EF4-FFF2-40B4-BE49-F238E27FC236}">
-                <a16:creationId xmlns:a16="http://schemas.microsoft.com/office/drawing/2014/main" id="{B65D7EC3-CD42-4551-8940-B2E7B1FA136C}"/>
-              </a:ext>
-            </a:extLst>
-          </p:cNvPr>
-          <p:cNvSpPr>
-            <a:spLocks noGrp="1"/>
-          </p:cNvSpPr>
-          <p:nvPr>
-            <p:ph type="title"/>
-          </p:nvPr>
-        </p:nvSpPr>
-        <p:spPr/>
-        <p:txBody>
-          <a:bodyPr/>
-          <a:lstStyle/>
-          <a:p>
-            <a:r>
-              <a:rPr lang="de-DE"/>
-              <a:t>Solution 1</a:t>
-            </a:r>
-            <a:endParaRPr lang="de-DE" dirty="0"/>
-          </a:p>
-        </p:txBody>
-      </p:sp>
-      <p:sp>
-        <p:nvSpPr>
-          <p:cNvPr id="4" name="Content Placeholder 3">
-            <a:extLst>
-              <a:ext uri="{FF2B5EF4-FFF2-40B4-BE49-F238E27FC236}">
-                <a16:creationId xmlns:a16="http://schemas.microsoft.com/office/drawing/2014/main" id="{2BF5D699-940E-4DE9-8183-FAB1BE315652}"/>
-              </a:ext>
-            </a:extLst>
-          </p:cNvPr>
-          <p:cNvSpPr>
-            <a:spLocks noGrp="1"/>
-          </p:cNvSpPr>
-          <p:nvPr>
-            <p:ph idx="1"/>
-          </p:nvPr>
-        </p:nvSpPr>
-        <p:spPr/>
-        <p:txBody>
-          <a:bodyPr/>
-          <a:lstStyle/>
-          <a:p>
-            <a:pPr marL="0" indent="0">
-              <a:buNone/>
-            </a:pPr>
-            <a:r>
-              <a:rPr lang="de-DE" dirty="0" err="1"/>
-              <a:t>Deployment</a:t>
-            </a:r>
-            <a:r>
-              <a:rPr lang="de-DE" dirty="0"/>
-              <a:t> via .</a:t>
-            </a:r>
-            <a:r>
-              <a:rPr lang="de-DE" dirty="0" err="1"/>
-              <a:t>zip</a:t>
-            </a:r>
-            <a:r>
-              <a:rPr lang="de-DE" dirty="0"/>
-              <a:t> link:</a:t>
-            </a:r>
-          </a:p>
-          <a:p>
-            <a:pPr marL="0" indent="0">
-              <a:buNone/>
-            </a:pPr>
-            <a:endParaRPr lang="de-DE" dirty="0"/>
-          </a:p>
-          <a:p>
-            <a:pPr marL="457200" lvl="1" indent="0">
-              <a:buNone/>
-            </a:pPr>
-            <a:r>
-              <a:rPr lang="de-DE" dirty="0"/>
-              <a:t>1) Installation of Docker and Docker </a:t>
-            </a:r>
-            <a:r>
-              <a:rPr lang="de-DE" dirty="0" err="1"/>
-              <a:t>Compose</a:t>
-            </a:r>
-            <a:r>
-              <a:rPr lang="de-DE" dirty="0"/>
-              <a:t> SSH </a:t>
-            </a:r>
-            <a:r>
-              <a:rPr lang="de-DE" dirty="0" err="1"/>
-              <a:t>to</a:t>
-            </a:r>
-            <a:r>
-              <a:rPr lang="de-DE" dirty="0"/>
-              <a:t> </a:t>
-            </a:r>
-            <a:r>
-              <a:rPr lang="de-DE" dirty="0" err="1"/>
-              <a:t>access</a:t>
-            </a:r>
-            <a:r>
-              <a:rPr lang="de-DE" dirty="0"/>
-              <a:t> EC2 </a:t>
-            </a:r>
-            <a:r>
-              <a:rPr lang="de-DE" dirty="0" err="1"/>
-              <a:t>instance</a:t>
-            </a:r>
-            <a:endParaRPr lang="de-DE" dirty="0"/>
-          </a:p>
-          <a:p>
-            <a:pPr lvl="1"/>
-            <a:r>
-              <a:rPr lang="de-DE" dirty="0"/>
-              <a:t>Installation of Docker and Docker </a:t>
-            </a:r>
-            <a:r>
-              <a:rPr lang="de-DE" dirty="0" err="1"/>
-              <a:t>Compose</a:t>
-            </a:r>
-            <a:r>
-              <a:rPr lang="de-DE" dirty="0"/>
-              <a:t> on EC2</a:t>
-            </a:r>
-          </a:p>
-          <a:p>
-            <a:pPr lvl="1"/>
-            <a:r>
-              <a:rPr lang="de-DE" dirty="0"/>
-              <a:t>Upload of </a:t>
-            </a:r>
-            <a:r>
-              <a:rPr lang="de-DE" dirty="0" err="1"/>
-              <a:t>application</a:t>
-            </a:r>
-            <a:r>
-              <a:rPr lang="de-DE" dirty="0"/>
-              <a:t> via .</a:t>
-            </a:r>
-            <a:r>
-              <a:rPr lang="de-DE" dirty="0" err="1"/>
-              <a:t>zip</a:t>
-            </a:r>
-            <a:r>
-              <a:rPr lang="de-DE" dirty="0"/>
-              <a:t> link </a:t>
-            </a:r>
-            <a:r>
-              <a:rPr lang="de-DE" dirty="0" err="1"/>
-              <a:t>from</a:t>
-            </a:r>
-            <a:r>
-              <a:rPr lang="de-DE" dirty="0"/>
-              <a:t> GitHub Repo </a:t>
-            </a:r>
-            <a:r>
-              <a:rPr lang="de-DE" dirty="0" err="1"/>
-              <a:t>to</a:t>
-            </a:r>
-            <a:r>
-              <a:rPr lang="de-DE" dirty="0"/>
-              <a:t> EC2</a:t>
-            </a:r>
-          </a:p>
-          <a:p>
-            <a:pPr lvl="1"/>
-            <a:r>
-              <a:rPr lang="de-DE" dirty="0"/>
-              <a:t>Docker-</a:t>
-            </a:r>
-            <a:r>
-              <a:rPr lang="de-DE" dirty="0" err="1"/>
-              <a:t>compose</a:t>
-            </a:r>
-            <a:r>
-              <a:rPr lang="de-DE" dirty="0"/>
-              <a:t> </a:t>
-            </a:r>
-            <a:r>
-              <a:rPr lang="de-DE" dirty="0" err="1"/>
-              <a:t>up</a:t>
-            </a:r>
-            <a:r>
-              <a:rPr lang="de-DE" dirty="0"/>
-              <a:t> on EC2</a:t>
-            </a:r>
-          </a:p>
-        </p:txBody>
-      </p:sp>
-    </p:spTree>
-    <p:extLst>
-      <p:ext uri="{BB962C8B-B14F-4D97-AF65-F5344CB8AC3E}">
-        <p14:creationId xmlns:p14="http://schemas.microsoft.com/office/powerpoint/2010/main" val="3653631288"/>
-      </p:ext>
-    </p:extLst>
-  </p:cSld>
-  <p:clrMapOvr>
-    <a:masterClrMapping/>
-  </p:clrMapOvr>
-</p:sld>
-</file>
-
 <file path=ppt/slides/slide3.xml><?xml version="1.0" encoding="utf-8"?>
 <p:sld xmlns:a="http://schemas.openxmlformats.org/drawingml/2006/main" xmlns:r="http://schemas.openxmlformats.org/officeDocument/2006/relationships" xmlns:p="http://schemas.openxmlformats.org/presentationml/2006/main">
   <p:cSld>
@@ -18819,181 +18621,6 @@
     <p:extLst>
       <p:ext uri="{BB962C8B-B14F-4D97-AF65-F5344CB8AC3E}">
         <p14:creationId xmlns:p14="http://schemas.microsoft.com/office/powerpoint/2010/main" val="1443446330"/>
-      </p:ext>
-    </p:extLst>
-  </p:cSld>
-  <p:clrMapOvr>
-    <a:masterClrMapping/>
-  </p:clrMapOvr>
-</p:sld>
-</file>
-
-<file path=ppt/slides/slide30.xml><?xml version="1.0" encoding="utf-8"?>
-<p:sld xmlns:a="http://schemas.openxmlformats.org/drawingml/2006/main" xmlns:r="http://schemas.openxmlformats.org/officeDocument/2006/relationships" xmlns:p="http://schemas.openxmlformats.org/presentationml/2006/main" show="0">
-  <p:cSld>
-    <p:spTree>
-      <p:nvGrpSpPr>
-        <p:cNvPr id="1" name=""/>
-        <p:cNvGrpSpPr/>
-        <p:nvPr/>
-      </p:nvGrpSpPr>
-      <p:grpSpPr>
-        <a:xfrm>
-          <a:off x="0" y="0"/>
-          <a:ext cx="0" cy="0"/>
-          <a:chOff x="0" y="0"/>
-          <a:chExt cx="0" cy="0"/>
-        </a:xfrm>
-      </p:grpSpPr>
-      <p:sp>
-        <p:nvSpPr>
-          <p:cNvPr id="2" name="Titel 1">
-            <a:extLst>
-              <a:ext uri="{FF2B5EF4-FFF2-40B4-BE49-F238E27FC236}">
-                <a16:creationId xmlns:a16="http://schemas.microsoft.com/office/drawing/2014/main" id="{B65D7EC3-CD42-4551-8940-B2E7B1FA136C}"/>
-              </a:ext>
-            </a:extLst>
-          </p:cNvPr>
-          <p:cNvSpPr>
-            <a:spLocks noGrp="1"/>
-          </p:cNvSpPr>
-          <p:nvPr>
-            <p:ph type="title"/>
-          </p:nvPr>
-        </p:nvSpPr>
-        <p:spPr/>
-        <p:txBody>
-          <a:bodyPr/>
-          <a:lstStyle/>
-          <a:p>
-            <a:r>
-              <a:rPr lang="de-DE"/>
-              <a:t>Solution 2</a:t>
-            </a:r>
-            <a:endParaRPr lang="de-DE" dirty="0"/>
-          </a:p>
-        </p:txBody>
-      </p:sp>
-      <p:sp>
-        <p:nvSpPr>
-          <p:cNvPr id="4" name="Content Placeholder 3">
-            <a:extLst>
-              <a:ext uri="{FF2B5EF4-FFF2-40B4-BE49-F238E27FC236}">
-                <a16:creationId xmlns:a16="http://schemas.microsoft.com/office/drawing/2014/main" id="{2BF5D699-940E-4DE9-8183-FAB1BE315652}"/>
-              </a:ext>
-            </a:extLst>
-          </p:cNvPr>
-          <p:cNvSpPr>
-            <a:spLocks noGrp="1"/>
-          </p:cNvSpPr>
-          <p:nvPr>
-            <p:ph idx="1"/>
-          </p:nvPr>
-        </p:nvSpPr>
-        <p:spPr/>
-        <p:txBody>
-          <a:bodyPr/>
-          <a:lstStyle/>
-          <a:p>
-            <a:pPr marL="0" indent="0">
-              <a:buNone/>
-            </a:pPr>
-            <a:r>
-              <a:rPr lang="de-DE"/>
-              <a:t>Deployment via DockerHub:</a:t>
-            </a:r>
-          </a:p>
-          <a:p>
-            <a:pPr marL="0" indent="0">
-              <a:buNone/>
-            </a:pPr>
-            <a:endParaRPr lang="de-DE"/>
-          </a:p>
-          <a:p>
-            <a:pPr lvl="1"/>
-            <a:r>
-              <a:rPr lang="de-DE"/>
-              <a:t>1. workflow</a:t>
-            </a:r>
-          </a:p>
-          <a:p>
-            <a:pPr lvl="2"/>
-            <a:r>
-              <a:rPr lang="de-DE"/>
-              <a:t>Push images to DockerHub</a:t>
-            </a:r>
-          </a:p>
-          <a:p>
-            <a:pPr lvl="1"/>
-            <a:r>
-              <a:rPr lang="de-DE"/>
-              <a:t>2. workflow:</a:t>
-            </a:r>
-          </a:p>
-          <a:p>
-            <a:pPr lvl="2"/>
-            <a:r>
-              <a:rPr lang="de-DE"/>
-              <a:t>SSH to access EC2 instance</a:t>
-            </a:r>
-          </a:p>
-          <a:p>
-            <a:pPr lvl="2"/>
-            <a:r>
-              <a:rPr lang="de-DE"/>
-              <a:t>Installation of Docker and Docker Compose on EC2</a:t>
-            </a:r>
-          </a:p>
-          <a:p>
-            <a:pPr lvl="2"/>
-            <a:r>
-              <a:rPr lang="de-DE"/>
-              <a:t>Loading of images from DockerHub to EC2</a:t>
-            </a:r>
-          </a:p>
-          <a:p>
-            <a:pPr lvl="2"/>
-            <a:r>
-              <a:rPr lang="de-DE"/>
-              <a:t>Docker-compose up on EC2 with docker-compose.dockerhub.yml</a:t>
-            </a:r>
-          </a:p>
-        </p:txBody>
-      </p:sp>
-      <p:pic>
-        <p:nvPicPr>
-          <p:cNvPr id="5" name="Picture 4">
-            <a:extLst>
-              <a:ext uri="{FF2B5EF4-FFF2-40B4-BE49-F238E27FC236}">
-                <a16:creationId xmlns:a16="http://schemas.microsoft.com/office/drawing/2014/main" id="{0F114F07-129D-42EC-AD24-46C50F053298}"/>
-              </a:ext>
-            </a:extLst>
-          </p:cNvPr>
-          <p:cNvPicPr>
-            <a:picLocks noChangeAspect="1"/>
-          </p:cNvPicPr>
-          <p:nvPr/>
-        </p:nvPicPr>
-        <p:blipFill>
-          <a:blip r:embed="rId2"/>
-          <a:stretch>
-            <a:fillRect/>
-          </a:stretch>
-        </p:blipFill>
-        <p:spPr>
-          <a:xfrm>
-            <a:off x="7621708" y="2246038"/>
-            <a:ext cx="2791864" cy="780941"/>
-          </a:xfrm>
-          <a:prstGeom prst="rect">
-            <a:avLst/>
-          </a:prstGeom>
-        </p:spPr>
-      </p:pic>
-    </p:spTree>
-    <p:extLst>
-      <p:ext uri="{BB962C8B-B14F-4D97-AF65-F5344CB8AC3E}">
-        <p14:creationId xmlns:p14="http://schemas.microsoft.com/office/powerpoint/2010/main" val="3928375169"/>
       </p:ext>
     </p:extLst>
   </p:cSld>
